--- a/Apresentacoes/v01.pptx
+++ b/Apresentacoes/v01.pptx
@@ -120,6 +120,36 @@
       </a:defRPr>
     </a:lvl9pPr>
   </p:defaultTextStyle>
+  <p:extLst>
+    <p:ext uri="{EFAFB233-063F-42B5-8137-9DF3F51BA10A}">
+      <p15:sldGuideLst xmlns:p15="http://schemas.microsoft.com/office/powerpoint/2012/main">
+        <p15:guide id="1" orient="horz" pos="1800">
+          <p15:clr>
+            <a:srgbClr val="A4A3A4"/>
+          </p15:clr>
+        </p15:guide>
+        <p15:guide id="2" pos="2880">
+          <p15:clr>
+            <a:srgbClr val="A4A3A4"/>
+          </p15:clr>
+        </p15:guide>
+      </p15:sldGuideLst>
+    </p:ext>
+    <p:ext uri="{2D200454-40CA-4A62-9FC3-DE9A4176ACB9}">
+      <p15:notesGuideLst xmlns:p15="http://schemas.microsoft.com/office/powerpoint/2012/main">
+        <p15:guide id="1" orient="horz" pos="2880">
+          <p15:clr>
+            <a:srgbClr val="A4A3A4"/>
+          </p15:clr>
+        </p15:guide>
+        <p15:guide id="2" pos="2160">
+          <p15:clr>
+            <a:srgbClr val="A4A3A4"/>
+          </p15:clr>
+        </p15:guide>
+      </p15:notesGuideLst>
+    </p:ext>
+  </p:extLst>
 </p:presentation>
 </file>
 
@@ -206,7 +236,7 @@
             <a:fld id="{26E7F2CC-330F-4FEA-A2B0-657791948129}" type="datetimeFigureOut">
               <a:rPr lang="pt-PT" smtClean="0"/>
               <a:pPr/>
-              <a:t>24/03/2014</a:t>
+              <a:t>25-03-2014</a:t>
             </a:fld>
             <a:endParaRPr lang="pt-PT"/>
           </a:p>
@@ -280,6 +310,11 @@
         </p:txBody>
       </p:sp>
     </p:spTree>
+    <p:extLst>
+      <p:ext uri="{BB962C8B-B14F-4D97-AF65-F5344CB8AC3E}">
+        <p14:creationId xmlns:p14="http://schemas.microsoft.com/office/powerpoint/2010/main" val="2066723714"/>
+      </p:ext>
+    </p:extLst>
   </p:cSld>
   <p:clrMap bg1="lt1" tx1="dk1" bg2="lt2" tx2="dk2" accent1="accent1" accent2="accent2" accent3="accent3" accent4="accent4" accent5="accent5" accent6="accent6" hlink="hlink" folHlink="folHlink"/>
 </p:handoutMaster>
@@ -467,7 +502,7 @@
             <a:fld id="{57B51982-E955-4F1A-BFA0-0F0AB3300023}" type="datetimeFigureOut">
               <a:rPr lang="pt-PT" smtClean="0"/>
               <a:pPr/>
-              <a:t>24/03/2014</a:t>
+              <a:t>25-03-2014</a:t>
             </a:fld>
             <a:endParaRPr lang="pt-PT"/>
           </a:p>
@@ -634,7 +669,7 @@
             <a:fld id="{57B51982-E955-4F1A-BFA0-0F0AB3300023}" type="datetimeFigureOut">
               <a:rPr lang="pt-PT" smtClean="0"/>
               <a:pPr/>
-              <a:t>24/03/2014</a:t>
+              <a:t>25-03-2014</a:t>
             </a:fld>
             <a:endParaRPr lang="pt-PT"/>
           </a:p>
@@ -811,7 +846,7 @@
             <a:fld id="{57B51982-E955-4F1A-BFA0-0F0AB3300023}" type="datetimeFigureOut">
               <a:rPr lang="pt-PT" smtClean="0"/>
               <a:pPr/>
-              <a:t>24/03/2014</a:t>
+              <a:t>25-03-2014</a:t>
             </a:fld>
             <a:endParaRPr lang="pt-PT"/>
           </a:p>
@@ -903,7 +938,7 @@
             <a:fld id="{57B51982-E955-4F1A-BFA0-0F0AB3300023}" type="datetimeFigureOut">
               <a:rPr lang="pt-PT" smtClean="0"/>
               <a:pPr/>
-              <a:t>24/03/2014</a:t>
+              <a:t>25-03-2014</a:t>
             </a:fld>
             <a:endParaRPr lang="pt-PT"/>
           </a:p>
@@ -1095,7 +1130,7 @@
             <a:fld id="{57B51982-E955-4F1A-BFA0-0F0AB3300023}" type="datetimeFigureOut">
               <a:rPr lang="pt-PT" smtClean="0"/>
               <a:pPr/>
-              <a:t>24/03/2014</a:t>
+              <a:t>25-03-2014</a:t>
             </a:fld>
             <a:endParaRPr lang="pt-PT"/>
           </a:p>
@@ -1403,7 +1438,7 @@
             <a:fld id="{57B51982-E955-4F1A-BFA0-0F0AB3300023}" type="datetimeFigureOut">
               <a:rPr lang="pt-PT" smtClean="0"/>
               <a:pPr/>
-              <a:t>24/03/2014</a:t>
+              <a:t>25-03-2014</a:t>
             </a:fld>
             <a:endParaRPr lang="pt-PT"/>
           </a:p>
@@ -1529,7 +1564,7 @@
           <a:p>
             <a:fld id="{977049CB-4CB5-45FE-B82E-F474B91E1741}" type="datetimeFigureOut">
               <a:rPr lang="pt-PT" smtClean="0"/>
-              <a:t>24/03/2014</a:t>
+              <a:t>25-03-2014</a:t>
             </a:fld>
             <a:endParaRPr lang="pt-PT"/>
           </a:p>
@@ -1828,7 +1863,7 @@
           <a:p>
             <a:fld id="{92136B68-69E5-45CD-8C6F-F60CE3B7E52C}" type="datetimeFigureOut">
               <a:rPr lang="pt-PT" smtClean="0"/>
-              <a:t>25/03/2014</a:t>
+              <a:t>25-03-2014</a:t>
             </a:fld>
             <a:endParaRPr lang="pt-PT"/>
           </a:p>
@@ -2051,7 +2086,7 @@
             <a:fld id="{57B51982-E955-4F1A-BFA0-0F0AB3300023}" type="datetimeFigureOut">
               <a:rPr lang="pt-PT" smtClean="0"/>
               <a:pPr/>
-              <a:t>24/03/2014</a:t>
+              <a:t>25-03-2014</a:t>
             </a:fld>
             <a:endParaRPr lang="pt-PT"/>
           </a:p>
@@ -2294,7 +2329,7 @@
             <a:fld id="{57B51982-E955-4F1A-BFA0-0F0AB3300023}" type="datetimeFigureOut">
               <a:rPr lang="pt-PT" smtClean="0"/>
               <a:pPr/>
-              <a:t>24/03/2014</a:t>
+              <a:t>25-03-2014</a:t>
             </a:fld>
             <a:endParaRPr lang="pt-PT"/>
           </a:p>
@@ -2579,7 +2614,7 @@
             <a:fld id="{57B51982-E955-4F1A-BFA0-0F0AB3300023}" type="datetimeFigureOut">
               <a:rPr lang="pt-PT" smtClean="0"/>
               <a:pPr/>
-              <a:t>24/03/2014</a:t>
+              <a:t>25-03-2014</a:t>
             </a:fld>
             <a:endParaRPr lang="pt-PT"/>
           </a:p>
@@ -3003,7 +3038,7 @@
             <a:fld id="{57B51982-E955-4F1A-BFA0-0F0AB3300023}" type="datetimeFigureOut">
               <a:rPr lang="pt-PT" smtClean="0"/>
               <a:pPr/>
-              <a:t>24/03/2014</a:t>
+              <a:t>25-03-2014</a:t>
             </a:fld>
             <a:endParaRPr lang="pt-PT"/>
           </a:p>
@@ -3118,7 +3153,7 @@
             <a:fld id="{57B51982-E955-4F1A-BFA0-0F0AB3300023}" type="datetimeFigureOut">
               <a:rPr lang="pt-PT" smtClean="0"/>
               <a:pPr/>
-              <a:t>24/03/2014</a:t>
+              <a:t>25-03-2014</a:t>
             </a:fld>
             <a:endParaRPr lang="pt-PT"/>
           </a:p>
@@ -3210,7 +3245,7 @@
             <a:fld id="{57B51982-E955-4F1A-BFA0-0F0AB3300023}" type="datetimeFigureOut">
               <a:rPr lang="pt-PT" smtClean="0"/>
               <a:pPr/>
-              <a:t>24/03/2014</a:t>
+              <a:t>25-03-2014</a:t>
             </a:fld>
             <a:endParaRPr lang="pt-PT"/>
           </a:p>
@@ -3484,7 +3519,7 @@
             <a:fld id="{57B51982-E955-4F1A-BFA0-0F0AB3300023}" type="datetimeFigureOut">
               <a:rPr lang="pt-PT" smtClean="0"/>
               <a:pPr/>
-              <a:t>24/03/2014</a:t>
+              <a:t>25-03-2014</a:t>
             </a:fld>
             <a:endParaRPr lang="pt-PT"/>
           </a:p>
@@ -3734,7 +3769,7 @@
             <a:fld id="{57B51982-E955-4F1A-BFA0-0F0AB3300023}" type="datetimeFigureOut">
               <a:rPr lang="pt-PT" smtClean="0"/>
               <a:pPr/>
-              <a:t>24/03/2014</a:t>
+              <a:t>25-03-2014</a:t>
             </a:fld>
             <a:endParaRPr lang="pt-PT"/>
           </a:p>
@@ -3969,7 +4004,7 @@
             <a:fld id="{57B51982-E955-4F1A-BFA0-0F0AB3300023}" type="datetimeFigureOut">
               <a:rPr lang="pt-PT" smtClean="0"/>
               <a:pPr/>
-              <a:t>24/03/2014</a:t>
+              <a:t>25-03-2014</a:t>
             </a:fld>
             <a:endParaRPr lang="pt-PT"/>
           </a:p>
@@ -4478,7 +4513,7 @@
           <a:p>
             <a:fld id="{977049CB-4CB5-45FE-B82E-F474B91E1741}" type="datetimeFigureOut">
               <a:rPr lang="pt-PT" smtClean="0"/>
-              <a:t>24/03/2014</a:t>
+              <a:t>25-03-2014</a:t>
             </a:fld>
             <a:endParaRPr lang="pt-PT"/>
           </a:p>
@@ -4973,7 +5008,7 @@
           <a:p>
             <a:fld id="{92136B68-69E5-45CD-8C6F-F60CE3B7E52C}" type="datetimeFigureOut">
               <a:rPr lang="pt-PT" smtClean="0"/>
-              <a:t>25/03/2014</a:t>
+              <a:t>25-03-2014</a:t>
             </a:fld>
             <a:endParaRPr lang="pt-PT"/>
           </a:p>
@@ -5436,6 +5471,11 @@
           </p:cNvGraphicFramePr>
           <p:nvPr>
             <p:ph type="tbl" sz="quarter" idx="13"/>
+            <p:extLst>
+              <p:ext uri="{D42A27DB-BD31-4B8C-83A1-F6EECF244321}">
+                <p14:modId xmlns:p14="http://schemas.microsoft.com/office/powerpoint/2010/main" val="3897326886"/>
+              </p:ext>
+            </p:extLst>
           </p:nvPr>
         </p:nvGraphicFramePr>
         <p:xfrm>
@@ -5558,7 +5598,7 @@
                     <a:p>
                       <a:r>
                         <a:rPr lang="pt-PT" sz="1400" dirty="0" smtClean="0"/>
-                        <a:t>João</a:t>
+                        <a:t>João Carvalho</a:t>
                       </a:r>
                       <a:endParaRPr lang="pt-PT" sz="1400" dirty="0"/>
                     </a:p>

--- a/Apresentacoes/v01.pptx
+++ b/Apresentacoes/v01.pptx
@@ -5473,7 +5473,7 @@
             <p:ph type="tbl" sz="quarter" idx="13"/>
             <p:extLst>
               <p:ext uri="{D42A27DB-BD31-4B8C-83A1-F6EECF244321}">
-                <p14:modId xmlns:p14="http://schemas.microsoft.com/office/powerpoint/2010/main" val="3897326886"/>
+                <p14:modId xmlns:p14="http://schemas.microsoft.com/office/powerpoint/2010/main" val="605565030"/>
               </p:ext>
             </p:extLst>
           </p:nvPr>
@@ -5582,7 +5582,7 @@
                     <a:p>
                       <a:r>
                         <a:rPr lang="pt-PT" sz="1400" dirty="0" smtClean="0"/>
-                        <a:t>?</a:t>
+                        <a:t>16182</a:t>
                       </a:r>
                       <a:endParaRPr lang="pt-PT" sz="1400" dirty="0"/>
                     </a:p>
@@ -5612,7 +5612,7 @@
                     <a:p>
                       <a:r>
                         <a:rPr lang="pt-PT" sz="1400" dirty="0" smtClean="0"/>
-                        <a:t>?</a:t>
+                        <a:t>15499</a:t>
                       </a:r>
                       <a:endParaRPr lang="pt-PT" sz="1400" dirty="0"/>
                     </a:p>
@@ -5642,7 +5642,7 @@
                     <a:p>
                       <a:r>
                         <a:rPr lang="pt-PT" sz="1400" dirty="0" smtClean="0"/>
-                        <a:t>?</a:t>
+                        <a:t>15501</a:t>
                       </a:r>
                       <a:endParaRPr lang="pt-PT" sz="1400" dirty="0"/>
                     </a:p>
@@ -5671,8 +5671,8 @@
                     <a:lstStyle/>
                     <a:p>
                       <a:r>
-                        <a:rPr lang="pt-PT" sz="1400" dirty="0" smtClean="0"/>
-                        <a:t>?</a:t>
+                        <a:rPr lang="pt-PT" sz="1400" smtClean="0"/>
+                        <a:t>15192</a:t>
                       </a:r>
                       <a:endParaRPr lang="pt-PT" sz="1400" dirty="0"/>
                     </a:p>

--- a/Apresentacoes/v01.pptx
+++ b/Apresentacoes/v01.pptx
@@ -120,36 +120,6 @@
       </a:defRPr>
     </a:lvl9pPr>
   </p:defaultTextStyle>
-  <p:extLst>
-    <p:ext uri="{EFAFB233-063F-42B5-8137-9DF3F51BA10A}">
-      <p15:sldGuideLst xmlns:p15="http://schemas.microsoft.com/office/powerpoint/2012/main">
-        <p15:guide id="1" orient="horz" pos="1800">
-          <p15:clr>
-            <a:srgbClr val="A4A3A4"/>
-          </p15:clr>
-        </p15:guide>
-        <p15:guide id="2" pos="2880">
-          <p15:clr>
-            <a:srgbClr val="A4A3A4"/>
-          </p15:clr>
-        </p15:guide>
-      </p15:sldGuideLst>
-    </p:ext>
-    <p:ext uri="{2D200454-40CA-4A62-9FC3-DE9A4176ACB9}">
-      <p15:notesGuideLst xmlns:p15="http://schemas.microsoft.com/office/powerpoint/2012/main">
-        <p15:guide id="1" orient="horz" pos="2880">
-          <p15:clr>
-            <a:srgbClr val="A4A3A4"/>
-          </p15:clr>
-        </p15:guide>
-        <p15:guide id="2" pos="2160">
-          <p15:clr>
-            <a:srgbClr val="A4A3A4"/>
-          </p15:clr>
-        </p15:guide>
-      </p15:notesGuideLst>
-    </p:ext>
-  </p:extLst>
 </p:presentation>
 </file>
 
@@ -236,7 +206,7 @@
             <a:fld id="{26E7F2CC-330F-4FEA-A2B0-657791948129}" type="datetimeFigureOut">
               <a:rPr lang="pt-PT" smtClean="0"/>
               <a:pPr/>
-              <a:t>25-03-2014</a:t>
+              <a:t>24/03/2014</a:t>
             </a:fld>
             <a:endParaRPr lang="pt-PT"/>
           </a:p>
@@ -310,11 +280,6 @@
         </p:txBody>
       </p:sp>
     </p:spTree>
-    <p:extLst>
-      <p:ext uri="{BB962C8B-B14F-4D97-AF65-F5344CB8AC3E}">
-        <p14:creationId xmlns:p14="http://schemas.microsoft.com/office/powerpoint/2010/main" val="2066723714"/>
-      </p:ext>
-    </p:extLst>
   </p:cSld>
   <p:clrMap bg1="lt1" tx1="dk1" bg2="lt2" tx2="dk2" accent1="accent1" accent2="accent2" accent3="accent3" accent4="accent4" accent5="accent5" accent6="accent6" hlink="hlink" folHlink="folHlink"/>
 </p:handoutMaster>
@@ -502,7 +467,7 @@
             <a:fld id="{57B51982-E955-4F1A-BFA0-0F0AB3300023}" type="datetimeFigureOut">
               <a:rPr lang="pt-PT" smtClean="0"/>
               <a:pPr/>
-              <a:t>25-03-2014</a:t>
+              <a:t>24/03/2014</a:t>
             </a:fld>
             <a:endParaRPr lang="pt-PT"/>
           </a:p>
@@ -669,7 +634,7 @@
             <a:fld id="{57B51982-E955-4F1A-BFA0-0F0AB3300023}" type="datetimeFigureOut">
               <a:rPr lang="pt-PT" smtClean="0"/>
               <a:pPr/>
-              <a:t>25-03-2014</a:t>
+              <a:t>24/03/2014</a:t>
             </a:fld>
             <a:endParaRPr lang="pt-PT"/>
           </a:p>
@@ -846,7 +811,7 @@
             <a:fld id="{57B51982-E955-4F1A-BFA0-0F0AB3300023}" type="datetimeFigureOut">
               <a:rPr lang="pt-PT" smtClean="0"/>
               <a:pPr/>
-              <a:t>25-03-2014</a:t>
+              <a:t>24/03/2014</a:t>
             </a:fld>
             <a:endParaRPr lang="pt-PT"/>
           </a:p>
@@ -938,7 +903,7 @@
             <a:fld id="{57B51982-E955-4F1A-BFA0-0F0AB3300023}" type="datetimeFigureOut">
               <a:rPr lang="pt-PT" smtClean="0"/>
               <a:pPr/>
-              <a:t>25-03-2014</a:t>
+              <a:t>24/03/2014</a:t>
             </a:fld>
             <a:endParaRPr lang="pt-PT"/>
           </a:p>
@@ -1130,7 +1095,7 @@
             <a:fld id="{57B51982-E955-4F1A-BFA0-0F0AB3300023}" type="datetimeFigureOut">
               <a:rPr lang="pt-PT" smtClean="0"/>
               <a:pPr/>
-              <a:t>25-03-2014</a:t>
+              <a:t>24/03/2014</a:t>
             </a:fld>
             <a:endParaRPr lang="pt-PT"/>
           </a:p>
@@ -1438,7 +1403,7 @@
             <a:fld id="{57B51982-E955-4F1A-BFA0-0F0AB3300023}" type="datetimeFigureOut">
               <a:rPr lang="pt-PT" smtClean="0"/>
               <a:pPr/>
-              <a:t>25-03-2014</a:t>
+              <a:t>24/03/2014</a:t>
             </a:fld>
             <a:endParaRPr lang="pt-PT"/>
           </a:p>
@@ -1564,7 +1529,7 @@
           <a:p>
             <a:fld id="{977049CB-4CB5-45FE-B82E-F474B91E1741}" type="datetimeFigureOut">
               <a:rPr lang="pt-PT" smtClean="0"/>
-              <a:t>25-03-2014</a:t>
+              <a:t>24/03/2014</a:t>
             </a:fld>
             <a:endParaRPr lang="pt-PT"/>
           </a:p>
@@ -1863,7 +1828,7 @@
           <a:p>
             <a:fld id="{92136B68-69E5-45CD-8C6F-F60CE3B7E52C}" type="datetimeFigureOut">
               <a:rPr lang="pt-PT" smtClean="0"/>
-              <a:t>25-03-2014</a:t>
+              <a:t>25/03/2014</a:t>
             </a:fld>
             <a:endParaRPr lang="pt-PT"/>
           </a:p>
@@ -2086,7 +2051,7 @@
             <a:fld id="{57B51982-E955-4F1A-BFA0-0F0AB3300023}" type="datetimeFigureOut">
               <a:rPr lang="pt-PT" smtClean="0"/>
               <a:pPr/>
-              <a:t>25-03-2014</a:t>
+              <a:t>24/03/2014</a:t>
             </a:fld>
             <a:endParaRPr lang="pt-PT"/>
           </a:p>
@@ -2329,7 +2294,7 @@
             <a:fld id="{57B51982-E955-4F1A-BFA0-0F0AB3300023}" type="datetimeFigureOut">
               <a:rPr lang="pt-PT" smtClean="0"/>
               <a:pPr/>
-              <a:t>25-03-2014</a:t>
+              <a:t>24/03/2014</a:t>
             </a:fld>
             <a:endParaRPr lang="pt-PT"/>
           </a:p>
@@ -2614,7 +2579,7 @@
             <a:fld id="{57B51982-E955-4F1A-BFA0-0F0AB3300023}" type="datetimeFigureOut">
               <a:rPr lang="pt-PT" smtClean="0"/>
               <a:pPr/>
-              <a:t>25-03-2014</a:t>
+              <a:t>24/03/2014</a:t>
             </a:fld>
             <a:endParaRPr lang="pt-PT"/>
           </a:p>
@@ -3038,7 +3003,7 @@
             <a:fld id="{57B51982-E955-4F1A-BFA0-0F0AB3300023}" type="datetimeFigureOut">
               <a:rPr lang="pt-PT" smtClean="0"/>
               <a:pPr/>
-              <a:t>25-03-2014</a:t>
+              <a:t>24/03/2014</a:t>
             </a:fld>
             <a:endParaRPr lang="pt-PT"/>
           </a:p>
@@ -3153,7 +3118,7 @@
             <a:fld id="{57B51982-E955-4F1A-BFA0-0F0AB3300023}" type="datetimeFigureOut">
               <a:rPr lang="pt-PT" smtClean="0"/>
               <a:pPr/>
-              <a:t>25-03-2014</a:t>
+              <a:t>24/03/2014</a:t>
             </a:fld>
             <a:endParaRPr lang="pt-PT"/>
           </a:p>
@@ -3245,7 +3210,7 @@
             <a:fld id="{57B51982-E955-4F1A-BFA0-0F0AB3300023}" type="datetimeFigureOut">
               <a:rPr lang="pt-PT" smtClean="0"/>
               <a:pPr/>
-              <a:t>25-03-2014</a:t>
+              <a:t>24/03/2014</a:t>
             </a:fld>
             <a:endParaRPr lang="pt-PT"/>
           </a:p>
@@ -3519,7 +3484,7 @@
             <a:fld id="{57B51982-E955-4F1A-BFA0-0F0AB3300023}" type="datetimeFigureOut">
               <a:rPr lang="pt-PT" smtClean="0"/>
               <a:pPr/>
-              <a:t>25-03-2014</a:t>
+              <a:t>24/03/2014</a:t>
             </a:fld>
             <a:endParaRPr lang="pt-PT"/>
           </a:p>
@@ -3769,7 +3734,7 @@
             <a:fld id="{57B51982-E955-4F1A-BFA0-0F0AB3300023}" type="datetimeFigureOut">
               <a:rPr lang="pt-PT" smtClean="0"/>
               <a:pPr/>
-              <a:t>25-03-2014</a:t>
+              <a:t>24/03/2014</a:t>
             </a:fld>
             <a:endParaRPr lang="pt-PT"/>
           </a:p>
@@ -4004,7 +3969,7 @@
             <a:fld id="{57B51982-E955-4F1A-BFA0-0F0AB3300023}" type="datetimeFigureOut">
               <a:rPr lang="pt-PT" smtClean="0"/>
               <a:pPr/>
-              <a:t>25-03-2014</a:t>
+              <a:t>24/03/2014</a:t>
             </a:fld>
             <a:endParaRPr lang="pt-PT"/>
           </a:p>
@@ -4513,7 +4478,7 @@
           <a:p>
             <a:fld id="{977049CB-4CB5-45FE-B82E-F474B91E1741}" type="datetimeFigureOut">
               <a:rPr lang="pt-PT" smtClean="0"/>
-              <a:t>25-03-2014</a:t>
+              <a:t>24/03/2014</a:t>
             </a:fld>
             <a:endParaRPr lang="pt-PT"/>
           </a:p>
@@ -5008,7 +4973,7 @@
           <a:p>
             <a:fld id="{92136B68-69E5-45CD-8C6F-F60CE3B7E52C}" type="datetimeFigureOut">
               <a:rPr lang="pt-PT" smtClean="0"/>
-              <a:t>25-03-2014</a:t>
+              <a:t>25/03/2014</a:t>
             </a:fld>
             <a:endParaRPr lang="pt-PT"/>
           </a:p>
@@ -5471,11 +5436,6 @@
           </p:cNvGraphicFramePr>
           <p:nvPr>
             <p:ph type="tbl" sz="quarter" idx="13"/>
-            <p:extLst>
-              <p:ext uri="{D42A27DB-BD31-4B8C-83A1-F6EECF244321}">
-                <p14:modId xmlns:p14="http://schemas.microsoft.com/office/powerpoint/2010/main" val="605565030"/>
-              </p:ext>
-            </p:extLst>
           </p:nvPr>
         </p:nvGraphicFramePr>
         <p:xfrm>
@@ -5582,7 +5542,7 @@
                     <a:p>
                       <a:r>
                         <a:rPr lang="pt-PT" sz="1400" dirty="0" smtClean="0"/>
-                        <a:t>16182</a:t>
+                        <a:t>?</a:t>
                       </a:r>
                       <a:endParaRPr lang="pt-PT" sz="1400" dirty="0"/>
                     </a:p>
@@ -5598,7 +5558,7 @@
                     <a:p>
                       <a:r>
                         <a:rPr lang="pt-PT" sz="1400" dirty="0" smtClean="0"/>
-                        <a:t>João Carvalho</a:t>
+                        <a:t>João</a:t>
                       </a:r>
                       <a:endParaRPr lang="pt-PT" sz="1400" dirty="0"/>
                     </a:p>
@@ -5612,7 +5572,7 @@
                     <a:p>
                       <a:r>
                         <a:rPr lang="pt-PT" sz="1400" dirty="0" smtClean="0"/>
-                        <a:t>15499</a:t>
+                        <a:t>?</a:t>
                       </a:r>
                       <a:endParaRPr lang="pt-PT" sz="1400" dirty="0"/>
                     </a:p>
@@ -5642,7 +5602,7 @@
                     <a:p>
                       <a:r>
                         <a:rPr lang="pt-PT" sz="1400" dirty="0" smtClean="0"/>
-                        <a:t>15501</a:t>
+                        <a:t>?</a:t>
                       </a:r>
                       <a:endParaRPr lang="pt-PT" sz="1400" dirty="0"/>
                     </a:p>
@@ -5671,8 +5631,8 @@
                     <a:lstStyle/>
                     <a:p>
                       <a:r>
-                        <a:rPr lang="pt-PT" sz="1400" smtClean="0"/>
-                        <a:t>15192</a:t>
+                        <a:rPr lang="pt-PT" sz="1400" dirty="0" smtClean="0"/>
+                        <a:t>?</a:t>
                       </a:r>
                       <a:endParaRPr lang="pt-PT" sz="1400" dirty="0"/>
                     </a:p>

--- a/Apresentacoes/v01.pptx
+++ b/Apresentacoes/v01.pptx
@@ -6,22 +6,32 @@
     <p:sldMasterId id="2147483663" r:id="rId2"/>
     <p:sldMasterId id="2147483665" r:id="rId3"/>
   </p:sldMasterIdLst>
+  <p:notesMasterIdLst>
+    <p:notesMasterId r:id="rId23"/>
+  </p:notesMasterIdLst>
   <p:handoutMasterIdLst>
-    <p:handoutMasterId r:id="rId16"/>
+    <p:handoutMasterId r:id="rId24"/>
   </p:handoutMasterIdLst>
   <p:sldIdLst>
     <p:sldId id="256" r:id="rId4"/>
     <p:sldId id="257" r:id="rId5"/>
     <p:sldId id="258" r:id="rId6"/>
     <p:sldId id="259" r:id="rId7"/>
-    <p:sldId id="260" r:id="rId8"/>
-    <p:sldId id="261" r:id="rId9"/>
-    <p:sldId id="262" r:id="rId10"/>
-    <p:sldId id="264" r:id="rId11"/>
-    <p:sldId id="263" r:id="rId12"/>
-    <p:sldId id="265" r:id="rId13"/>
-    <p:sldId id="266" r:id="rId14"/>
-    <p:sldId id="267" r:id="rId15"/>
+    <p:sldId id="272" r:id="rId8"/>
+    <p:sldId id="260" r:id="rId9"/>
+    <p:sldId id="261" r:id="rId10"/>
+    <p:sldId id="262" r:id="rId11"/>
+    <p:sldId id="264" r:id="rId12"/>
+    <p:sldId id="269" r:id="rId13"/>
+    <p:sldId id="271" r:id="rId14"/>
+    <p:sldId id="273" r:id="rId15"/>
+    <p:sldId id="270" r:id="rId16"/>
+    <p:sldId id="274" r:id="rId17"/>
+    <p:sldId id="263" r:id="rId18"/>
+    <p:sldId id="265" r:id="rId19"/>
+    <p:sldId id="266" r:id="rId20"/>
+    <p:sldId id="268" r:id="rId21"/>
+    <p:sldId id="267" r:id="rId22"/>
   </p:sldIdLst>
   <p:sldSz cx="9144000" cy="5715000" type="screen16x10"/>
   <p:notesSz cx="6858000" cy="9144000"/>
@@ -206,7 +216,7 @@
             <a:fld id="{26E7F2CC-330F-4FEA-A2B0-657791948129}" type="datetimeFigureOut">
               <a:rPr lang="pt-PT" smtClean="0"/>
               <a:pPr/>
-              <a:t>24/03/2014</a:t>
+              <a:t>26/03/2014</a:t>
             </a:fld>
             <a:endParaRPr lang="pt-PT"/>
           </a:p>
@@ -283,6 +293,437 @@
   </p:cSld>
   <p:clrMap bg1="lt1" tx1="dk1" bg2="lt2" tx2="dk2" accent1="accent1" accent2="accent2" accent3="accent3" accent4="accent4" accent5="accent5" accent6="accent6" hlink="hlink" folHlink="folHlink"/>
 </p:handoutMaster>
+</file>
+
+<file path=ppt/notesMasters/notesMaster1.xml><?xml version="1.0" encoding="utf-8"?>
+<p:notesMaster xmlns:a="http://schemas.openxmlformats.org/drawingml/2006/main" xmlns:r="http://schemas.openxmlformats.org/officeDocument/2006/relationships" xmlns:p="http://schemas.openxmlformats.org/presentationml/2006/main">
+  <p:cSld>
+    <p:bg>
+      <p:bgRef idx="1001">
+        <a:schemeClr val="bg1"/>
+      </p:bgRef>
+    </p:bg>
+    <p:spTree>
+      <p:nvGrpSpPr>
+        <p:cNvPr id="1" name=""/>
+        <p:cNvGrpSpPr/>
+        <p:nvPr/>
+      </p:nvGrpSpPr>
+      <p:grpSpPr>
+        <a:xfrm>
+          <a:off x="0" y="0"/>
+          <a:ext cx="0" cy="0"/>
+          <a:chOff x="0" y="0"/>
+          <a:chExt cx="0" cy="0"/>
+        </a:xfrm>
+      </p:grpSpPr>
+      <p:sp>
+        <p:nvSpPr>
+          <p:cNvPr id="2" name="Marcador de Posição do Cabeçalho 1"/>
+          <p:cNvSpPr>
+            <a:spLocks noGrp="1"/>
+          </p:cNvSpPr>
+          <p:nvPr>
+            <p:ph type="hdr" sz="quarter"/>
+          </p:nvPr>
+        </p:nvSpPr>
+        <p:spPr>
+          <a:xfrm>
+            <a:off x="0" y="0"/>
+            <a:ext cx="2971800" cy="457200"/>
+          </a:xfrm>
+          <a:prstGeom prst="rect">
+            <a:avLst/>
+          </a:prstGeom>
+        </p:spPr>
+        <p:txBody>
+          <a:bodyPr vert="horz" lIns="91440" tIns="45720" rIns="91440" bIns="45720" rtlCol="0"/>
+          <a:lstStyle>
+            <a:lvl1pPr algn="l">
+              <a:defRPr sz="1200"/>
+            </a:lvl1pPr>
+          </a:lstStyle>
+          <a:p>
+            <a:endParaRPr lang="pt-PT"/>
+          </a:p>
+        </p:txBody>
+      </p:sp>
+      <p:sp>
+        <p:nvSpPr>
+          <p:cNvPr id="3" name="Marcador de Posição da Data 2"/>
+          <p:cNvSpPr>
+            <a:spLocks noGrp="1"/>
+          </p:cNvSpPr>
+          <p:nvPr>
+            <p:ph type="dt" idx="1"/>
+          </p:nvPr>
+        </p:nvSpPr>
+        <p:spPr>
+          <a:xfrm>
+            <a:off x="3884613" y="0"/>
+            <a:ext cx="2971800" cy="457200"/>
+          </a:xfrm>
+          <a:prstGeom prst="rect">
+            <a:avLst/>
+          </a:prstGeom>
+        </p:spPr>
+        <p:txBody>
+          <a:bodyPr vert="horz" lIns="91440" tIns="45720" rIns="91440" bIns="45720" rtlCol="0"/>
+          <a:lstStyle>
+            <a:lvl1pPr algn="r">
+              <a:defRPr sz="1200"/>
+            </a:lvl1pPr>
+          </a:lstStyle>
+          <a:p>
+            <a:fld id="{64C1928E-6349-48A8-8C96-32B641D59371}" type="datetimeFigureOut">
+              <a:rPr lang="pt-PT" smtClean="0"/>
+              <a:pPr/>
+              <a:t>26/03/2014</a:t>
+            </a:fld>
+            <a:endParaRPr lang="pt-PT"/>
+          </a:p>
+        </p:txBody>
+      </p:sp>
+      <p:sp>
+        <p:nvSpPr>
+          <p:cNvPr id="4" name="Marcador de Posição da Imagem do Diapositivo 3"/>
+          <p:cNvSpPr>
+            <a:spLocks noGrp="1" noRot="1" noChangeAspect="1"/>
+          </p:cNvSpPr>
+          <p:nvPr>
+            <p:ph type="sldImg" idx="2"/>
+          </p:nvPr>
+        </p:nvSpPr>
+        <p:spPr>
+          <a:xfrm>
+            <a:off x="685800" y="685800"/>
+            <a:ext cx="5486400" cy="3429000"/>
+          </a:xfrm>
+          <a:prstGeom prst="rect">
+            <a:avLst/>
+          </a:prstGeom>
+          <a:noFill/>
+          <a:ln w="12700">
+            <a:solidFill>
+              <a:prstClr val="black"/>
+            </a:solidFill>
+          </a:ln>
+        </p:spPr>
+        <p:txBody>
+          <a:bodyPr vert="horz" lIns="91440" tIns="45720" rIns="91440" bIns="45720" rtlCol="0" anchor="ctr"/>
+          <a:lstStyle/>
+          <a:p>
+            <a:endParaRPr lang="pt-PT"/>
+          </a:p>
+        </p:txBody>
+      </p:sp>
+      <p:sp>
+        <p:nvSpPr>
+          <p:cNvPr id="5" name="Marcador de Posição de Notas 4"/>
+          <p:cNvSpPr>
+            <a:spLocks noGrp="1"/>
+          </p:cNvSpPr>
+          <p:nvPr>
+            <p:ph type="body" sz="quarter" idx="3"/>
+          </p:nvPr>
+        </p:nvSpPr>
+        <p:spPr>
+          <a:xfrm>
+            <a:off x="685800" y="4343400"/>
+            <a:ext cx="5486400" cy="4114800"/>
+          </a:xfrm>
+          <a:prstGeom prst="rect">
+            <a:avLst/>
+          </a:prstGeom>
+        </p:spPr>
+        <p:txBody>
+          <a:bodyPr vert="horz" lIns="91440" tIns="45720" rIns="91440" bIns="45720" rtlCol="0">
+            <a:normAutofit/>
+          </a:bodyPr>
+          <a:lstStyle/>
+          <a:p>
+            <a:pPr lvl="0"/>
+            <a:r>
+              <a:rPr lang="pt-PT" smtClean="0"/>
+              <a:t>Clique para editar os estilos</a:t>
+            </a:r>
+          </a:p>
+          <a:p>
+            <a:pPr lvl="1"/>
+            <a:r>
+              <a:rPr lang="pt-PT" smtClean="0"/>
+              <a:t>Segundo nível</a:t>
+            </a:r>
+          </a:p>
+          <a:p>
+            <a:pPr lvl="2"/>
+            <a:r>
+              <a:rPr lang="pt-PT" smtClean="0"/>
+              <a:t>Terceiro nível</a:t>
+            </a:r>
+          </a:p>
+          <a:p>
+            <a:pPr lvl="3"/>
+            <a:r>
+              <a:rPr lang="pt-PT" smtClean="0"/>
+              <a:t>Quarto nível</a:t>
+            </a:r>
+          </a:p>
+          <a:p>
+            <a:pPr lvl="4"/>
+            <a:r>
+              <a:rPr lang="pt-PT" smtClean="0"/>
+              <a:t>Quinto nível</a:t>
+            </a:r>
+            <a:endParaRPr lang="pt-PT"/>
+          </a:p>
+        </p:txBody>
+      </p:sp>
+      <p:sp>
+        <p:nvSpPr>
+          <p:cNvPr id="6" name="Marcador de Posição do Rodapé 5"/>
+          <p:cNvSpPr>
+            <a:spLocks noGrp="1"/>
+          </p:cNvSpPr>
+          <p:nvPr>
+            <p:ph type="ftr" sz="quarter" idx="4"/>
+          </p:nvPr>
+        </p:nvSpPr>
+        <p:spPr>
+          <a:xfrm>
+            <a:off x="0" y="8685213"/>
+            <a:ext cx="2971800" cy="457200"/>
+          </a:xfrm>
+          <a:prstGeom prst="rect">
+            <a:avLst/>
+          </a:prstGeom>
+        </p:spPr>
+        <p:txBody>
+          <a:bodyPr vert="horz" lIns="91440" tIns="45720" rIns="91440" bIns="45720" rtlCol="0" anchor="b"/>
+          <a:lstStyle>
+            <a:lvl1pPr algn="l">
+              <a:defRPr sz="1200"/>
+            </a:lvl1pPr>
+          </a:lstStyle>
+          <a:p>
+            <a:endParaRPr lang="pt-PT"/>
+          </a:p>
+        </p:txBody>
+      </p:sp>
+      <p:sp>
+        <p:nvSpPr>
+          <p:cNvPr id="7" name="Marcador de Posição do Número do Diapositivo 6"/>
+          <p:cNvSpPr>
+            <a:spLocks noGrp="1"/>
+          </p:cNvSpPr>
+          <p:nvPr>
+            <p:ph type="sldNum" sz="quarter" idx="5"/>
+          </p:nvPr>
+        </p:nvSpPr>
+        <p:spPr>
+          <a:xfrm>
+            <a:off x="3884613" y="8685213"/>
+            <a:ext cx="2971800" cy="457200"/>
+          </a:xfrm>
+          <a:prstGeom prst="rect">
+            <a:avLst/>
+          </a:prstGeom>
+        </p:spPr>
+        <p:txBody>
+          <a:bodyPr vert="horz" lIns="91440" tIns="45720" rIns="91440" bIns="45720" rtlCol="0" anchor="b"/>
+          <a:lstStyle>
+            <a:lvl1pPr algn="r">
+              <a:defRPr sz="1200"/>
+            </a:lvl1pPr>
+          </a:lstStyle>
+          <a:p>
+            <a:fld id="{88F4BC70-1E78-4FA8-B0FE-372303FE609B}" type="slidenum">
+              <a:rPr lang="pt-PT" smtClean="0"/>
+              <a:pPr/>
+              <a:t>‹nº›</a:t>
+            </a:fld>
+            <a:endParaRPr lang="pt-PT"/>
+          </a:p>
+        </p:txBody>
+      </p:sp>
+    </p:spTree>
+  </p:cSld>
+  <p:clrMap bg1="lt1" tx1="dk1" bg2="lt2" tx2="dk2" accent1="accent1" accent2="accent2" accent3="accent3" accent4="accent4" accent5="accent5" accent6="accent6" hlink="hlink" folHlink="folHlink"/>
+  <p:notesStyle>
+    <a:lvl1pPr marL="0" algn="l" defTabSz="914400" rtl="0" eaLnBrk="1" latinLnBrk="0" hangingPunct="1">
+      <a:defRPr sz="1200" kern="1200">
+        <a:solidFill>
+          <a:schemeClr val="tx1"/>
+        </a:solidFill>
+        <a:latin typeface="+mn-lt"/>
+        <a:ea typeface="+mn-ea"/>
+        <a:cs typeface="+mn-cs"/>
+      </a:defRPr>
+    </a:lvl1pPr>
+    <a:lvl2pPr marL="457200" algn="l" defTabSz="914400" rtl="0" eaLnBrk="1" latinLnBrk="0" hangingPunct="1">
+      <a:defRPr sz="1200" kern="1200">
+        <a:solidFill>
+          <a:schemeClr val="tx1"/>
+        </a:solidFill>
+        <a:latin typeface="+mn-lt"/>
+        <a:ea typeface="+mn-ea"/>
+        <a:cs typeface="+mn-cs"/>
+      </a:defRPr>
+    </a:lvl2pPr>
+    <a:lvl3pPr marL="914400" algn="l" defTabSz="914400" rtl="0" eaLnBrk="1" latinLnBrk="0" hangingPunct="1">
+      <a:defRPr sz="1200" kern="1200">
+        <a:solidFill>
+          <a:schemeClr val="tx1"/>
+        </a:solidFill>
+        <a:latin typeface="+mn-lt"/>
+        <a:ea typeface="+mn-ea"/>
+        <a:cs typeface="+mn-cs"/>
+      </a:defRPr>
+    </a:lvl3pPr>
+    <a:lvl4pPr marL="1371600" algn="l" defTabSz="914400" rtl="0" eaLnBrk="1" latinLnBrk="0" hangingPunct="1">
+      <a:defRPr sz="1200" kern="1200">
+        <a:solidFill>
+          <a:schemeClr val="tx1"/>
+        </a:solidFill>
+        <a:latin typeface="+mn-lt"/>
+        <a:ea typeface="+mn-ea"/>
+        <a:cs typeface="+mn-cs"/>
+      </a:defRPr>
+    </a:lvl4pPr>
+    <a:lvl5pPr marL="1828800" algn="l" defTabSz="914400" rtl="0" eaLnBrk="1" latinLnBrk="0" hangingPunct="1">
+      <a:defRPr sz="1200" kern="1200">
+        <a:solidFill>
+          <a:schemeClr val="tx1"/>
+        </a:solidFill>
+        <a:latin typeface="+mn-lt"/>
+        <a:ea typeface="+mn-ea"/>
+        <a:cs typeface="+mn-cs"/>
+      </a:defRPr>
+    </a:lvl5pPr>
+    <a:lvl6pPr marL="2286000" algn="l" defTabSz="914400" rtl="0" eaLnBrk="1" latinLnBrk="0" hangingPunct="1">
+      <a:defRPr sz="1200" kern="1200">
+        <a:solidFill>
+          <a:schemeClr val="tx1"/>
+        </a:solidFill>
+        <a:latin typeface="+mn-lt"/>
+        <a:ea typeface="+mn-ea"/>
+        <a:cs typeface="+mn-cs"/>
+      </a:defRPr>
+    </a:lvl6pPr>
+    <a:lvl7pPr marL="2743200" algn="l" defTabSz="914400" rtl="0" eaLnBrk="1" latinLnBrk="0" hangingPunct="1">
+      <a:defRPr sz="1200" kern="1200">
+        <a:solidFill>
+          <a:schemeClr val="tx1"/>
+        </a:solidFill>
+        <a:latin typeface="+mn-lt"/>
+        <a:ea typeface="+mn-ea"/>
+        <a:cs typeface="+mn-cs"/>
+      </a:defRPr>
+    </a:lvl7pPr>
+    <a:lvl8pPr marL="3200400" algn="l" defTabSz="914400" rtl="0" eaLnBrk="1" latinLnBrk="0" hangingPunct="1">
+      <a:defRPr sz="1200" kern="1200">
+        <a:solidFill>
+          <a:schemeClr val="tx1"/>
+        </a:solidFill>
+        <a:latin typeface="+mn-lt"/>
+        <a:ea typeface="+mn-ea"/>
+        <a:cs typeface="+mn-cs"/>
+      </a:defRPr>
+    </a:lvl8pPr>
+    <a:lvl9pPr marL="3657600" algn="l" defTabSz="914400" rtl="0" eaLnBrk="1" latinLnBrk="0" hangingPunct="1">
+      <a:defRPr sz="1200" kern="1200">
+        <a:solidFill>
+          <a:schemeClr val="tx1"/>
+        </a:solidFill>
+        <a:latin typeface="+mn-lt"/>
+        <a:ea typeface="+mn-ea"/>
+        <a:cs typeface="+mn-cs"/>
+      </a:defRPr>
+    </a:lvl9pPr>
+  </p:notesStyle>
+</p:notesMaster>
+</file>
+
+<file path=ppt/notesSlides/notesSlide1.xml><?xml version="1.0" encoding="utf-8"?>
+<p:notes xmlns:a="http://schemas.openxmlformats.org/drawingml/2006/main" xmlns:r="http://schemas.openxmlformats.org/officeDocument/2006/relationships" xmlns:p="http://schemas.openxmlformats.org/presentationml/2006/main">
+  <p:cSld>
+    <p:spTree>
+      <p:nvGrpSpPr>
+        <p:cNvPr id="1" name=""/>
+        <p:cNvGrpSpPr/>
+        <p:nvPr/>
+      </p:nvGrpSpPr>
+      <p:grpSpPr>
+        <a:xfrm>
+          <a:off x="0" y="0"/>
+          <a:ext cx="0" cy="0"/>
+          <a:chOff x="0" y="0"/>
+          <a:chExt cx="0" cy="0"/>
+        </a:xfrm>
+      </p:grpSpPr>
+      <p:sp>
+        <p:nvSpPr>
+          <p:cNvPr id="2" name="Marcador de Posição da Imagem do Diapositivo 1"/>
+          <p:cNvSpPr>
+            <a:spLocks noGrp="1" noRot="1" noChangeAspect="1"/>
+          </p:cNvSpPr>
+          <p:nvPr>
+            <p:ph type="sldImg"/>
+          </p:nvPr>
+        </p:nvSpPr>
+        <p:spPr/>
+      </p:sp>
+      <p:sp>
+        <p:nvSpPr>
+          <p:cNvPr id="3" name="Marcador de Posição de Notas 2"/>
+          <p:cNvSpPr>
+            <a:spLocks noGrp="1"/>
+          </p:cNvSpPr>
+          <p:nvPr>
+            <p:ph type="body" idx="1"/>
+          </p:nvPr>
+        </p:nvSpPr>
+        <p:spPr/>
+        <p:txBody>
+          <a:bodyPr>
+            <a:normAutofit/>
+          </a:bodyPr>
+          <a:lstStyle/>
+          <a:p>
+            <a:endParaRPr lang="pt-PT" dirty="0"/>
+          </a:p>
+        </p:txBody>
+      </p:sp>
+      <p:sp>
+        <p:nvSpPr>
+          <p:cNvPr id="4" name="Marcador de Posição do Número do Diapositivo 3"/>
+          <p:cNvSpPr>
+            <a:spLocks noGrp="1"/>
+          </p:cNvSpPr>
+          <p:nvPr>
+            <p:ph type="sldNum" sz="quarter" idx="10"/>
+          </p:nvPr>
+        </p:nvSpPr>
+        <p:spPr/>
+        <p:txBody>
+          <a:bodyPr/>
+          <a:lstStyle/>
+          <a:p>
+            <a:fld id="{88F4BC70-1E78-4FA8-B0FE-372303FE609B}" type="slidenum">
+              <a:rPr lang="pt-PT" smtClean="0"/>
+              <a:pPr/>
+              <a:t>18</a:t>
+            </a:fld>
+            <a:endParaRPr lang="pt-PT"/>
+          </a:p>
+        </p:txBody>
+      </p:sp>
+    </p:spTree>
+  </p:cSld>
+  <p:clrMapOvr>
+    <a:masterClrMapping/>
+  </p:clrMapOvr>
+</p:notes>
 </file>
 
 <file path=ppt/slideLayouts/slideLayout1.xml><?xml version="1.0" encoding="utf-8"?>
@@ -467,7 +908,7 @@
             <a:fld id="{57B51982-E955-4F1A-BFA0-0F0AB3300023}" type="datetimeFigureOut">
               <a:rPr lang="pt-PT" smtClean="0"/>
               <a:pPr/>
-              <a:t>24/03/2014</a:t>
+              <a:t>26/03/2014</a:t>
             </a:fld>
             <a:endParaRPr lang="pt-PT"/>
           </a:p>
@@ -634,7 +1075,7 @@
             <a:fld id="{57B51982-E955-4F1A-BFA0-0F0AB3300023}" type="datetimeFigureOut">
               <a:rPr lang="pt-PT" smtClean="0"/>
               <a:pPr/>
-              <a:t>24/03/2014</a:t>
+              <a:t>26/03/2014</a:t>
             </a:fld>
             <a:endParaRPr lang="pt-PT"/>
           </a:p>
@@ -811,7 +1252,7 @@
             <a:fld id="{57B51982-E955-4F1A-BFA0-0F0AB3300023}" type="datetimeFigureOut">
               <a:rPr lang="pt-PT" smtClean="0"/>
               <a:pPr/>
-              <a:t>24/03/2014</a:t>
+              <a:t>26/03/2014</a:t>
             </a:fld>
             <a:endParaRPr lang="pt-PT"/>
           </a:p>
@@ -903,7 +1344,7 @@
             <a:fld id="{57B51982-E955-4F1A-BFA0-0F0AB3300023}" type="datetimeFigureOut">
               <a:rPr lang="pt-PT" smtClean="0"/>
               <a:pPr/>
-              <a:t>24/03/2014</a:t>
+              <a:t>26/03/2014</a:t>
             </a:fld>
             <a:endParaRPr lang="pt-PT"/>
           </a:p>
@@ -1062,6 +1503,198 @@
 
 <file path=ppt/slideLayouts/slideLayout13.xml><?xml version="1.0" encoding="utf-8"?>
 <p:sldLayout xmlns:a="http://schemas.openxmlformats.org/drawingml/2006/main" xmlns:r="http://schemas.openxmlformats.org/officeDocument/2006/relationships" xmlns:p="http://schemas.openxmlformats.org/presentationml/2006/main" preserve="1" userDrawn="1">
+  <p:cSld name="Imagem">
+    <p:spTree>
+      <p:nvGrpSpPr>
+        <p:cNvPr id="1" name=""/>
+        <p:cNvGrpSpPr/>
+        <p:nvPr/>
+      </p:nvGrpSpPr>
+      <p:grpSpPr>
+        <a:xfrm>
+          <a:off x="0" y="0"/>
+          <a:ext cx="0" cy="0"/>
+          <a:chOff x="0" y="0"/>
+          <a:chExt cx="0" cy="0"/>
+        </a:xfrm>
+      </p:grpSpPr>
+      <p:sp>
+        <p:nvSpPr>
+          <p:cNvPr id="6" name="Marcador de Posição da Data 5"/>
+          <p:cNvSpPr>
+            <a:spLocks noGrp="1"/>
+          </p:cNvSpPr>
+          <p:nvPr>
+            <p:ph type="dt" sz="half" idx="10"/>
+          </p:nvPr>
+        </p:nvSpPr>
+        <p:spPr/>
+        <p:txBody>
+          <a:bodyPr/>
+          <a:lstStyle/>
+          <a:p>
+            <a:fld id="{57B51982-E955-4F1A-BFA0-0F0AB3300023}" type="datetimeFigureOut">
+              <a:rPr lang="pt-PT" smtClean="0"/>
+              <a:pPr/>
+              <a:t>26/03/2014</a:t>
+            </a:fld>
+            <a:endParaRPr lang="pt-PT"/>
+          </a:p>
+        </p:txBody>
+      </p:sp>
+      <p:sp>
+        <p:nvSpPr>
+          <p:cNvPr id="7" name="Marcador de Posição do Número do Diapositivo 6"/>
+          <p:cNvSpPr>
+            <a:spLocks noGrp="1"/>
+          </p:cNvSpPr>
+          <p:nvPr>
+            <p:ph type="sldNum" sz="quarter" idx="11"/>
+          </p:nvPr>
+        </p:nvSpPr>
+        <p:spPr/>
+        <p:txBody>
+          <a:bodyPr/>
+          <a:lstStyle/>
+          <a:p>
+            <a:fld id="{401E976E-C8D5-4C14-AA28-98D0FCC98DAD}" type="slidenum">
+              <a:rPr lang="pt-PT" smtClean="0"/>
+              <a:pPr/>
+              <a:t>‹nº›</a:t>
+            </a:fld>
+            <a:endParaRPr lang="pt-PT"/>
+          </a:p>
+        </p:txBody>
+      </p:sp>
+      <p:sp>
+        <p:nvSpPr>
+          <p:cNvPr id="8" name="Marcador de Posição do Rodapé 7"/>
+          <p:cNvSpPr>
+            <a:spLocks noGrp="1"/>
+          </p:cNvSpPr>
+          <p:nvPr>
+            <p:ph type="ftr" sz="quarter" idx="12"/>
+          </p:nvPr>
+        </p:nvSpPr>
+        <p:spPr/>
+        <p:txBody>
+          <a:bodyPr/>
+          <a:lstStyle/>
+          <a:p>
+            <a:endParaRPr lang="pt-PT"/>
+          </a:p>
+        </p:txBody>
+      </p:sp>
+      <p:sp>
+        <p:nvSpPr>
+          <p:cNvPr id="10" name="Marcador de Posição do Texto 9"/>
+          <p:cNvSpPr>
+            <a:spLocks noGrp="1"/>
+          </p:cNvSpPr>
+          <p:nvPr>
+            <p:ph type="body" sz="quarter" idx="13" hasCustomPrompt="1"/>
+          </p:nvPr>
+        </p:nvSpPr>
+        <p:spPr>
+          <a:xfrm>
+            <a:off x="251520" y="696913"/>
+            <a:ext cx="8640960" cy="3600747"/>
+          </a:xfrm>
+        </p:spPr>
+        <p:txBody>
+          <a:bodyPr>
+            <a:normAutofit/>
+          </a:bodyPr>
+          <a:lstStyle>
+            <a:lvl1pPr algn="l">
+              <a:buFont typeface="Arial" pitchFamily="34" charset="0"/>
+              <a:buNone/>
+              <a:defRPr sz="1600">
+                <a:latin typeface="Source Code Pro" pitchFamily="49" charset="0"/>
+                <a:cs typeface="Consolas" pitchFamily="49" charset="0"/>
+              </a:defRPr>
+            </a:lvl1pPr>
+            <a:lvl2pPr algn="l">
+              <a:defRPr sz="1800">
+                <a:latin typeface="Source Code Pro" pitchFamily="49" charset="0"/>
+                <a:cs typeface="Consolas" pitchFamily="49" charset="0"/>
+              </a:defRPr>
+            </a:lvl2pPr>
+            <a:lvl3pPr algn="l">
+              <a:defRPr sz="1800">
+                <a:latin typeface="Source Code Pro" pitchFamily="49" charset="0"/>
+                <a:cs typeface="Consolas" pitchFamily="49" charset="0"/>
+              </a:defRPr>
+            </a:lvl3pPr>
+            <a:lvl4pPr algn="l">
+              <a:defRPr sz="1800">
+                <a:latin typeface="Source Code Pro" pitchFamily="49" charset="0"/>
+                <a:cs typeface="Consolas" pitchFamily="49" charset="0"/>
+              </a:defRPr>
+            </a:lvl4pPr>
+            <a:lvl5pPr algn="l">
+              <a:defRPr sz="1800">
+                <a:latin typeface="Source Code Pro" pitchFamily="49" charset="0"/>
+                <a:cs typeface="Consolas" pitchFamily="49" charset="0"/>
+              </a:defRPr>
+            </a:lvl5pPr>
+          </a:lstStyle>
+          <a:p>
+            <a:pPr lvl="0"/>
+            <a:r>
+              <a:rPr lang="pt-PT" dirty="0" smtClean="0"/>
+              <a:t>Código-fonte</a:t>
+            </a:r>
+            <a:endParaRPr lang="pt-PT" dirty="0"/>
+          </a:p>
+        </p:txBody>
+      </p:sp>
+      <p:sp>
+        <p:nvSpPr>
+          <p:cNvPr id="12" name="Marcador de Posição do Texto 11"/>
+          <p:cNvSpPr>
+            <a:spLocks noGrp="1"/>
+          </p:cNvSpPr>
+          <p:nvPr>
+            <p:ph type="body" sz="quarter" idx="14" hasCustomPrompt="1"/>
+          </p:nvPr>
+        </p:nvSpPr>
+        <p:spPr>
+          <a:xfrm>
+            <a:off x="251520" y="4586288"/>
+            <a:ext cx="8640960" cy="431800"/>
+          </a:xfrm>
+        </p:spPr>
+        <p:txBody>
+          <a:bodyPr>
+            <a:normAutofit/>
+          </a:bodyPr>
+          <a:lstStyle>
+            <a:lvl1pPr algn="ctr">
+              <a:buNone/>
+              <a:defRPr sz="1600"/>
+            </a:lvl1pPr>
+          </a:lstStyle>
+          <a:p>
+            <a:pPr lvl="0"/>
+            <a:r>
+              <a:rPr lang="pt-PT" dirty="0" smtClean="0"/>
+              <a:t>Legenda</a:t>
+            </a:r>
+            <a:endParaRPr lang="pt-PT" dirty="0"/>
+          </a:p>
+        </p:txBody>
+      </p:sp>
+    </p:spTree>
+  </p:cSld>
+  <p:clrMapOvr>
+    <a:masterClrMapping/>
+  </p:clrMapOvr>
+</p:sldLayout>
+</file>
+
+<file path=ppt/slideLayouts/slideLayout14.xml><?xml version="1.0" encoding="utf-8"?>
+<p:sldLayout xmlns:a="http://schemas.openxmlformats.org/drawingml/2006/main" xmlns:r="http://schemas.openxmlformats.org/officeDocument/2006/relationships" xmlns:p="http://schemas.openxmlformats.org/presentationml/2006/main" preserve="1" userDrawn="1">
   <p:cSld name="1_Código-Fonte">
     <p:spTree>
       <p:nvGrpSpPr>
@@ -1095,7 +1728,7 @@
             <a:fld id="{57B51982-E955-4F1A-BFA0-0F0AB3300023}" type="datetimeFigureOut">
               <a:rPr lang="pt-PT" smtClean="0"/>
               <a:pPr/>
-              <a:t>24/03/2014</a:t>
+              <a:t>26/03/2014</a:t>
             </a:fld>
             <a:endParaRPr lang="pt-PT"/>
           </a:p>
@@ -1217,7 +1850,7 @@
 </p:sldLayout>
 </file>
 
-<file path=ppt/slideLayouts/slideLayout14.xml><?xml version="1.0" encoding="utf-8"?>
+<file path=ppt/slideLayouts/slideLayout15.xml><?xml version="1.0" encoding="utf-8"?>
 <p:sldLayout xmlns:a="http://schemas.openxmlformats.org/drawingml/2006/main" xmlns:r="http://schemas.openxmlformats.org/officeDocument/2006/relationships" xmlns:p="http://schemas.openxmlformats.org/presentationml/2006/main" preserve="1" userDrawn="1">
   <p:cSld name="Título">
     <p:spTree>
@@ -1403,7 +2036,7 @@
             <a:fld id="{57B51982-E955-4F1A-BFA0-0F0AB3300023}" type="datetimeFigureOut">
               <a:rPr lang="pt-PT" smtClean="0"/>
               <a:pPr/>
-              <a:t>24/03/2014</a:t>
+              <a:t>26/03/2014</a:t>
             </a:fld>
             <a:endParaRPr lang="pt-PT"/>
           </a:p>
@@ -1495,7 +2128,7 @@
 </p:sldLayout>
 </file>
 
-<file path=ppt/slideLayouts/slideLayout15.xml><?xml version="1.0" encoding="utf-8"?>
+<file path=ppt/slideLayouts/slideLayout16.xml><?xml version="1.0" encoding="utf-8"?>
 <p:sldLayout xmlns:a="http://schemas.openxmlformats.org/drawingml/2006/main" xmlns:r="http://schemas.openxmlformats.org/officeDocument/2006/relationships" xmlns:p="http://schemas.openxmlformats.org/presentationml/2006/main" preserve="1" userDrawn="1">
   <p:cSld name="Esquema Personalizado">
     <p:spTree>
@@ -1529,7 +2162,8 @@
           <a:p>
             <a:fld id="{977049CB-4CB5-45FE-B82E-F474B91E1741}" type="datetimeFigureOut">
               <a:rPr lang="pt-PT" smtClean="0"/>
-              <a:t>24/03/2014</a:t>
+              <a:pPr/>
+              <a:t>26/03/2014</a:t>
             </a:fld>
             <a:endParaRPr lang="pt-PT"/>
           </a:p>
@@ -1571,6 +2205,7 @@
           <a:p>
             <a:fld id="{4D1F0FFA-2844-45DE-A4DA-DCB14069D4D2}" type="slidenum">
               <a:rPr lang="pt-PT" smtClean="0"/>
+              <a:pPr/>
               <a:t>‹nº›</a:t>
             </a:fld>
             <a:endParaRPr lang="pt-PT"/>
@@ -1771,7 +2406,7 @@
 </p:sldLayout>
 </file>
 
-<file path=ppt/slideLayouts/slideLayout16.xml><?xml version="1.0" encoding="utf-8"?>
+<file path=ppt/slideLayouts/slideLayout17.xml><?xml version="1.0" encoding="utf-8"?>
 <p:sldLayout xmlns:a="http://schemas.openxmlformats.org/drawingml/2006/main" xmlns:r="http://schemas.openxmlformats.org/officeDocument/2006/relationships" xmlns:p="http://schemas.openxmlformats.org/presentationml/2006/main" preserve="1" userDrawn="1">
   <p:cSld name="Esquema Personalizado">
     <p:spTree>
@@ -1828,7 +2463,8 @@
           <a:p>
             <a:fld id="{92136B68-69E5-45CD-8C6F-F60CE3B7E52C}" type="datetimeFigureOut">
               <a:rPr lang="pt-PT" smtClean="0"/>
-              <a:t>25/03/2014</a:t>
+              <a:pPr/>
+              <a:t>26/03/2014</a:t>
             </a:fld>
             <a:endParaRPr lang="pt-PT"/>
           </a:p>
@@ -1870,6 +2506,7 @@
           <a:p>
             <a:fld id="{59E077A0-70BA-41C0-A677-AFB79C3F962D}" type="slidenum">
               <a:rPr lang="pt-PT" smtClean="0"/>
+              <a:pPr/>
               <a:t>‹nº›</a:t>
             </a:fld>
             <a:endParaRPr lang="pt-PT"/>
@@ -2051,7 +2688,7 @@
             <a:fld id="{57B51982-E955-4F1A-BFA0-0F0AB3300023}" type="datetimeFigureOut">
               <a:rPr lang="pt-PT" smtClean="0"/>
               <a:pPr/>
-              <a:t>24/03/2014</a:t>
+              <a:t>26/03/2014</a:t>
             </a:fld>
             <a:endParaRPr lang="pt-PT"/>
           </a:p>
@@ -2294,7 +2931,7 @@
             <a:fld id="{57B51982-E955-4F1A-BFA0-0F0AB3300023}" type="datetimeFigureOut">
               <a:rPr lang="pt-PT" smtClean="0"/>
               <a:pPr/>
-              <a:t>24/03/2014</a:t>
+              <a:t>26/03/2014</a:t>
             </a:fld>
             <a:endParaRPr lang="pt-PT"/>
           </a:p>
@@ -2579,7 +3216,7 @@
             <a:fld id="{57B51982-E955-4F1A-BFA0-0F0AB3300023}" type="datetimeFigureOut">
               <a:rPr lang="pt-PT" smtClean="0"/>
               <a:pPr/>
-              <a:t>24/03/2014</a:t>
+              <a:t>26/03/2014</a:t>
             </a:fld>
             <a:endParaRPr lang="pt-PT"/>
           </a:p>
@@ -3003,7 +3640,7 @@
             <a:fld id="{57B51982-E955-4F1A-BFA0-0F0AB3300023}" type="datetimeFigureOut">
               <a:rPr lang="pt-PT" smtClean="0"/>
               <a:pPr/>
-              <a:t>24/03/2014</a:t>
+              <a:t>26/03/2014</a:t>
             </a:fld>
             <a:endParaRPr lang="pt-PT"/>
           </a:p>
@@ -3118,7 +3755,7 @@
             <a:fld id="{57B51982-E955-4F1A-BFA0-0F0AB3300023}" type="datetimeFigureOut">
               <a:rPr lang="pt-PT" smtClean="0"/>
               <a:pPr/>
-              <a:t>24/03/2014</a:t>
+              <a:t>26/03/2014</a:t>
             </a:fld>
             <a:endParaRPr lang="pt-PT"/>
           </a:p>
@@ -3210,7 +3847,7 @@
             <a:fld id="{57B51982-E955-4F1A-BFA0-0F0AB3300023}" type="datetimeFigureOut">
               <a:rPr lang="pt-PT" smtClean="0"/>
               <a:pPr/>
-              <a:t>24/03/2014</a:t>
+              <a:t>26/03/2014</a:t>
             </a:fld>
             <a:endParaRPr lang="pt-PT"/>
           </a:p>
@@ -3484,7 +4121,7 @@
             <a:fld id="{57B51982-E955-4F1A-BFA0-0F0AB3300023}" type="datetimeFigureOut">
               <a:rPr lang="pt-PT" smtClean="0"/>
               <a:pPr/>
-              <a:t>24/03/2014</a:t>
+              <a:t>26/03/2014</a:t>
             </a:fld>
             <a:endParaRPr lang="pt-PT"/>
           </a:p>
@@ -3734,7 +4371,7 @@
             <a:fld id="{57B51982-E955-4F1A-BFA0-0F0AB3300023}" type="datetimeFigureOut">
               <a:rPr lang="pt-PT" smtClean="0"/>
               <a:pPr/>
-              <a:t>24/03/2014</a:t>
+              <a:t>26/03/2014</a:t>
             </a:fld>
             <a:endParaRPr lang="pt-PT"/>
           </a:p>
@@ -3822,7 +4459,7 @@
           <p:nvPr userDrawn="1"/>
         </p:nvPicPr>
         <p:blipFill>
-          <a:blip r:embed="rId16" cstate="print"/>
+          <a:blip r:embed="rId17" cstate="print"/>
           <a:stretch>
             <a:fillRect/>
           </a:stretch>
@@ -3969,7 +4606,7 @@
             <a:fld id="{57B51982-E955-4F1A-BFA0-0F0AB3300023}" type="datetimeFigureOut">
               <a:rPr lang="pt-PT" smtClean="0"/>
               <a:pPr/>
-              <a:t>24/03/2014</a:t>
+              <a:t>26/03/2014</a:t>
             </a:fld>
             <a:endParaRPr lang="pt-PT"/>
           </a:p>
@@ -4070,8 +4707,9 @@
     <p:sldLayoutId id="2147483658" r:id="rId10"/>
     <p:sldLayoutId id="2147483659" r:id="rId11"/>
     <p:sldLayoutId id="2147483661" r:id="rId12"/>
-    <p:sldLayoutId id="2147483662" r:id="rId13"/>
-    <p:sldLayoutId id="2147483660" r:id="rId14"/>
+    <p:sldLayoutId id="2147483667" r:id="rId13"/>
+    <p:sldLayoutId id="2147483662" r:id="rId14"/>
+    <p:sldLayoutId id="2147483660" r:id="rId15"/>
   </p:sldLayoutIdLst>
   <p:txStyles>
     <p:titleStyle>
@@ -4478,7 +5116,8 @@
           <a:p>
             <a:fld id="{977049CB-4CB5-45FE-B82E-F474B91E1741}" type="datetimeFigureOut">
               <a:rPr lang="pt-PT" smtClean="0"/>
-              <a:t>24/03/2014</a:t>
+              <a:pPr/>
+              <a:t>26/03/2014</a:t>
             </a:fld>
             <a:endParaRPr lang="pt-PT"/>
           </a:p>
@@ -4556,6 +5195,7 @@
           <a:p>
             <a:fld id="{4D1F0FFA-2844-45DE-A4DA-DCB14069D4D2}" type="slidenum">
               <a:rPr lang="pt-PT" smtClean="0"/>
+              <a:pPr/>
               <a:t>‹nº›</a:t>
             </a:fld>
             <a:endParaRPr lang="pt-PT"/>
@@ -4973,7 +5613,8 @@
           <a:p>
             <a:fld id="{92136B68-69E5-45CD-8C6F-F60CE3B7E52C}" type="datetimeFigureOut">
               <a:rPr lang="pt-PT" smtClean="0"/>
-              <a:t>25/03/2014</a:t>
+              <a:pPr/>
+              <a:t>26/03/2014</a:t>
             </a:fld>
             <a:endParaRPr lang="pt-PT"/>
           </a:p>
@@ -5051,6 +5692,7 @@
           <a:p>
             <a:fld id="{59E077A0-70BA-41C0-A677-AFB79C3F962D}" type="slidenum">
               <a:rPr lang="pt-PT" smtClean="0"/>
+              <a:pPr/>
               <a:t>‹nº›</a:t>
             </a:fld>
             <a:endParaRPr lang="pt-PT"/>
@@ -5542,7 +6184,7 @@
                     <a:p>
                       <a:r>
                         <a:rPr lang="pt-PT" sz="1400" dirty="0" smtClean="0"/>
-                        <a:t>?</a:t>
+                        <a:t>16182</a:t>
                       </a:r>
                       <a:endParaRPr lang="pt-PT" sz="1400" dirty="0"/>
                     </a:p>
@@ -5558,7 +6200,11 @@
                     <a:p>
                       <a:r>
                         <a:rPr lang="pt-PT" sz="1400" dirty="0" smtClean="0"/>
-                        <a:t>João</a:t>
+                        <a:t>João </a:t>
+                      </a:r>
+                      <a:r>
+                        <a:rPr lang="pt-PT" sz="1400" dirty="0" smtClean="0"/>
+                        <a:t>Carvalho</a:t>
                       </a:r>
                       <a:endParaRPr lang="pt-PT" sz="1400" dirty="0"/>
                     </a:p>
@@ -5572,7 +6218,7 @@
                     <a:p>
                       <a:r>
                         <a:rPr lang="pt-PT" sz="1400" dirty="0" smtClean="0"/>
-                        <a:t>?</a:t>
+                        <a:t>15499</a:t>
                       </a:r>
                       <a:endParaRPr lang="pt-PT" sz="1400" dirty="0"/>
                     </a:p>
@@ -5602,7 +6248,7 @@
                     <a:p>
                       <a:r>
                         <a:rPr lang="pt-PT" sz="1400" dirty="0" smtClean="0"/>
-                        <a:t>?</a:t>
+                        <a:t>15501</a:t>
                       </a:r>
                       <a:endParaRPr lang="pt-PT" sz="1400" dirty="0"/>
                     </a:p>
@@ -5632,7 +6278,7 @@
                     <a:p>
                       <a:r>
                         <a:rPr lang="pt-PT" sz="1400" dirty="0" smtClean="0"/>
-                        <a:t>?</a:t>
+                        <a:t>15192</a:t>
                       </a:r>
                       <a:endParaRPr lang="pt-PT" sz="1400" dirty="0"/>
                     </a:p>
@@ -5660,6 +6306,515 @@
 </file>
 
 <file path=ppt/slides/slide10.xml><?xml version="1.0" encoding="utf-8"?>
+<p:sld xmlns:a="http://schemas.openxmlformats.org/drawingml/2006/main" xmlns:r="http://schemas.openxmlformats.org/officeDocument/2006/relationships" xmlns:p="http://schemas.openxmlformats.org/presentationml/2006/main">
+  <p:cSld>
+    <p:spTree>
+      <p:nvGrpSpPr>
+        <p:cNvPr id="1" name=""/>
+        <p:cNvGrpSpPr/>
+        <p:nvPr/>
+      </p:nvGrpSpPr>
+      <p:grpSpPr>
+        <a:xfrm>
+          <a:off x="0" y="0"/>
+          <a:ext cx="0" cy="0"/>
+          <a:chOff x="0" y="0"/>
+          <a:chExt cx="0" cy="0"/>
+        </a:xfrm>
+      </p:grpSpPr>
+      <p:sp>
+        <p:nvSpPr>
+          <p:cNvPr id="2" name="Título 1"/>
+          <p:cNvSpPr>
+            <a:spLocks noGrp="1"/>
+          </p:cNvSpPr>
+          <p:nvPr>
+            <p:ph type="ctrTitle"/>
+          </p:nvPr>
+        </p:nvSpPr>
+        <p:spPr/>
+        <p:txBody>
+          <a:bodyPr/>
+          <a:lstStyle/>
+          <a:p>
+            <a:r>
+              <a:rPr lang="pt-PT" dirty="0" smtClean="0"/>
+              <a:t>Sistema de Informação</a:t>
+            </a:r>
+            <a:endParaRPr lang="pt-PT" dirty="0"/>
+          </a:p>
+        </p:txBody>
+      </p:sp>
+      <p:sp>
+        <p:nvSpPr>
+          <p:cNvPr id="3" name="Subtítulo 2"/>
+          <p:cNvSpPr>
+            <a:spLocks noGrp="1"/>
+          </p:cNvSpPr>
+          <p:nvPr>
+            <p:ph type="subTitle" idx="1"/>
+          </p:nvPr>
+        </p:nvSpPr>
+        <p:spPr/>
+        <p:txBody>
+          <a:bodyPr/>
+          <a:lstStyle/>
+          <a:p>
+            <a:r>
+              <a:rPr lang="pt-PT" dirty="0" err="1" smtClean="0"/>
+              <a:t>WebService</a:t>
+            </a:r>
+            <a:r>
+              <a:rPr lang="pt-PT" dirty="0" smtClean="0"/>
+              <a:t> de suporte à </a:t>
+            </a:r>
+            <a:r>
+              <a:rPr lang="pt-PT" dirty="0" err="1" smtClean="0"/>
+              <a:t>app</a:t>
+            </a:r>
+            <a:r>
+              <a:rPr lang="pt-PT" dirty="0" smtClean="0"/>
+              <a:t>.</a:t>
+            </a:r>
+            <a:endParaRPr lang="pt-PT" dirty="0"/>
+          </a:p>
+        </p:txBody>
+      </p:sp>
+    </p:spTree>
+  </p:cSld>
+  <p:clrMapOvr>
+    <a:masterClrMapping/>
+  </p:clrMapOvr>
+</p:sld>
+</file>
+
+<file path=ppt/slides/slide11.xml><?xml version="1.0" encoding="utf-8"?>
+<p:sld xmlns:a="http://schemas.openxmlformats.org/drawingml/2006/main" xmlns:r="http://schemas.openxmlformats.org/officeDocument/2006/relationships" xmlns:p="http://schemas.openxmlformats.org/presentationml/2006/main">
+  <p:cSld>
+    <p:spTree>
+      <p:nvGrpSpPr>
+        <p:cNvPr id="1" name=""/>
+        <p:cNvGrpSpPr/>
+        <p:nvPr/>
+      </p:nvGrpSpPr>
+      <p:grpSpPr>
+        <a:xfrm>
+          <a:off x="0" y="0"/>
+          <a:ext cx="0" cy="0"/>
+          <a:chOff x="0" y="0"/>
+          <a:chExt cx="0" cy="0"/>
+        </a:xfrm>
+      </p:grpSpPr>
+      <p:sp>
+        <p:nvSpPr>
+          <p:cNvPr id="2" name="Título 1"/>
+          <p:cNvSpPr>
+            <a:spLocks noGrp="1"/>
+          </p:cNvSpPr>
+          <p:nvPr>
+            <p:ph type="title"/>
+          </p:nvPr>
+        </p:nvSpPr>
+        <p:spPr/>
+        <p:txBody>
+          <a:bodyPr/>
+          <a:lstStyle/>
+          <a:p>
+            <a:r>
+              <a:rPr lang="pt-PT" dirty="0" smtClean="0"/>
+              <a:t>Sistema de Informação</a:t>
+            </a:r>
+            <a:endParaRPr lang="pt-PT" dirty="0"/>
+          </a:p>
+        </p:txBody>
+      </p:sp>
+      <p:sp>
+        <p:nvSpPr>
+          <p:cNvPr id="3" name="Marcador de Posição de Conteúdo 2"/>
+          <p:cNvSpPr>
+            <a:spLocks noGrp="1"/>
+          </p:cNvSpPr>
+          <p:nvPr>
+            <p:ph idx="1"/>
+          </p:nvPr>
+        </p:nvSpPr>
+        <p:spPr/>
+        <p:txBody>
+          <a:bodyPr/>
+          <a:lstStyle/>
+          <a:p>
+            <a:r>
+              <a:rPr lang="pt-PT" dirty="0" smtClean="0"/>
+              <a:t>Tecnologia em </a:t>
+            </a:r>
+            <a:r>
+              <a:rPr lang="pt-PT" dirty="0" err="1" smtClean="0"/>
+              <a:t>Node.JS</a:t>
+            </a:r>
+            <a:endParaRPr lang="pt-PT" dirty="0" smtClean="0"/>
+          </a:p>
+          <a:p>
+            <a:r>
+              <a:rPr lang="pt-PT" dirty="0" smtClean="0"/>
+              <a:t>Suporte para servir uma lista de testes à </a:t>
+            </a:r>
+            <a:r>
+              <a:rPr lang="pt-PT" dirty="0" err="1" smtClean="0"/>
+              <a:t>app</a:t>
+            </a:r>
+            <a:endParaRPr lang="pt-PT" dirty="0" smtClean="0"/>
+          </a:p>
+          <a:p>
+            <a:r>
+              <a:rPr lang="pt-PT" dirty="0" smtClean="0"/>
+              <a:t>Suporte para receber uma lista de respostas aos testes a partir da </a:t>
+            </a:r>
+            <a:r>
+              <a:rPr lang="pt-PT" dirty="0" err="1" smtClean="0"/>
+              <a:t>app</a:t>
+            </a:r>
+            <a:endParaRPr lang="pt-PT" dirty="0" smtClean="0"/>
+          </a:p>
+          <a:p>
+            <a:r>
+              <a:rPr lang="pt-PT" dirty="0" smtClean="0"/>
+              <a:t>Comunicação feita através de </a:t>
+            </a:r>
+            <a:r>
+              <a:rPr lang="pt-PT" dirty="0" err="1" smtClean="0"/>
+              <a:t>Http</a:t>
+            </a:r>
+            <a:endParaRPr lang="pt-PT" dirty="0" smtClean="0"/>
+          </a:p>
+          <a:p>
+            <a:r>
+              <a:rPr lang="pt-PT" dirty="0" smtClean="0"/>
+              <a:t>Dados transferidos em JSON + Base64</a:t>
+            </a:r>
+          </a:p>
+          <a:p>
+            <a:endParaRPr lang="pt-PT" dirty="0"/>
+          </a:p>
+        </p:txBody>
+      </p:sp>
+    </p:spTree>
+  </p:cSld>
+  <p:clrMapOvr>
+    <a:masterClrMapping/>
+  </p:clrMapOvr>
+</p:sld>
+</file>
+
+<file path=ppt/slides/slide12.xml><?xml version="1.0" encoding="utf-8"?>
+<p:sld xmlns:a="http://schemas.openxmlformats.org/drawingml/2006/main" xmlns:r="http://schemas.openxmlformats.org/officeDocument/2006/relationships" xmlns:p="http://schemas.openxmlformats.org/presentationml/2006/main">
+  <p:cSld>
+    <p:spTree>
+      <p:nvGrpSpPr>
+        <p:cNvPr id="1" name=""/>
+        <p:cNvGrpSpPr/>
+        <p:nvPr/>
+      </p:nvGrpSpPr>
+      <p:grpSpPr>
+        <a:xfrm>
+          <a:off x="0" y="0"/>
+          <a:ext cx="0" cy="0"/>
+          <a:chOff x="0" y="0"/>
+          <a:chExt cx="0" cy="0"/>
+        </a:xfrm>
+      </p:grpSpPr>
+      <p:sp>
+        <p:nvSpPr>
+          <p:cNvPr id="2" name="Título 1"/>
+          <p:cNvSpPr>
+            <a:spLocks noGrp="1"/>
+          </p:cNvSpPr>
+          <p:nvPr>
+            <p:ph type="title"/>
+          </p:nvPr>
+        </p:nvSpPr>
+        <p:spPr/>
+        <p:txBody>
+          <a:bodyPr/>
+          <a:lstStyle/>
+          <a:p>
+            <a:endParaRPr lang="pt-PT" dirty="0"/>
+          </a:p>
+        </p:txBody>
+      </p:sp>
+      <p:sp>
+        <p:nvSpPr>
+          <p:cNvPr id="3" name="Marcador de Posição de Conteúdo 2"/>
+          <p:cNvSpPr>
+            <a:spLocks noGrp="1"/>
+          </p:cNvSpPr>
+          <p:nvPr>
+            <p:ph idx="1"/>
+          </p:nvPr>
+        </p:nvSpPr>
+        <p:spPr/>
+        <p:txBody>
+          <a:bodyPr/>
+          <a:lstStyle/>
+          <a:p>
+            <a:endParaRPr lang="pt-PT"/>
+          </a:p>
+        </p:txBody>
+      </p:sp>
+    </p:spTree>
+  </p:cSld>
+  <p:clrMapOvr>
+    <a:masterClrMapping/>
+  </p:clrMapOvr>
+</p:sld>
+</file>
+
+<file path=ppt/slides/slide13.xml><?xml version="1.0" encoding="utf-8"?>
+<p:sld xmlns:a="http://schemas.openxmlformats.org/drawingml/2006/main" xmlns:r="http://schemas.openxmlformats.org/officeDocument/2006/relationships" xmlns:p="http://schemas.openxmlformats.org/presentationml/2006/main">
+  <p:cSld>
+    <p:spTree>
+      <p:nvGrpSpPr>
+        <p:cNvPr id="1" name=""/>
+        <p:cNvGrpSpPr/>
+        <p:nvPr/>
+      </p:nvGrpSpPr>
+      <p:grpSpPr>
+        <a:xfrm>
+          <a:off x="0" y="0"/>
+          <a:ext cx="0" cy="0"/>
+          <a:chOff x="0" y="0"/>
+          <a:chExt cx="0" cy="0"/>
+        </a:xfrm>
+      </p:grpSpPr>
+      <p:sp>
+        <p:nvSpPr>
+          <p:cNvPr id="2" name="Título 1"/>
+          <p:cNvSpPr>
+            <a:spLocks noGrp="1"/>
+          </p:cNvSpPr>
+          <p:nvPr>
+            <p:ph type="ctrTitle"/>
+          </p:nvPr>
+        </p:nvSpPr>
+        <p:spPr/>
+        <p:txBody>
+          <a:bodyPr/>
+          <a:lstStyle/>
+          <a:p>
+            <a:r>
+              <a:rPr lang="pt-PT" dirty="0" err="1" smtClean="0"/>
+              <a:t>App</a:t>
+            </a:r>
+            <a:r>
+              <a:rPr lang="pt-PT" dirty="0" smtClean="0"/>
+              <a:t> </a:t>
+            </a:r>
+            <a:r>
+              <a:rPr lang="pt-PT" dirty="0" err="1" smtClean="0"/>
+              <a:t>Android</a:t>
+            </a:r>
+            <a:endParaRPr lang="pt-PT" dirty="0"/>
+          </a:p>
+        </p:txBody>
+      </p:sp>
+      <p:sp>
+        <p:nvSpPr>
+          <p:cNvPr id="3" name="Subtítulo 2"/>
+          <p:cNvSpPr>
+            <a:spLocks noGrp="1"/>
+          </p:cNvSpPr>
+          <p:nvPr>
+            <p:ph type="subTitle" idx="1"/>
+          </p:nvPr>
+        </p:nvSpPr>
+        <p:spPr/>
+        <p:txBody>
+          <a:bodyPr/>
+          <a:lstStyle/>
+          <a:p>
+            <a:r>
+              <a:rPr lang="pt-PT" dirty="0" smtClean="0"/>
+              <a:t>Obtenção e colocação de dados.</a:t>
+            </a:r>
+            <a:endParaRPr lang="pt-PT" dirty="0"/>
+          </a:p>
+        </p:txBody>
+      </p:sp>
+    </p:spTree>
+  </p:cSld>
+  <p:clrMapOvr>
+    <a:masterClrMapping/>
+  </p:clrMapOvr>
+</p:sld>
+</file>
+
+<file path=ppt/slides/slide14.xml><?xml version="1.0" encoding="utf-8"?>
+<p:sld xmlns:a="http://schemas.openxmlformats.org/drawingml/2006/main" xmlns:r="http://schemas.openxmlformats.org/officeDocument/2006/relationships" xmlns:p="http://schemas.openxmlformats.org/presentationml/2006/main">
+  <p:cSld>
+    <p:spTree>
+      <p:nvGrpSpPr>
+        <p:cNvPr id="1" name=""/>
+        <p:cNvGrpSpPr/>
+        <p:nvPr/>
+      </p:nvGrpSpPr>
+      <p:grpSpPr>
+        <a:xfrm>
+          <a:off x="0" y="0"/>
+          <a:ext cx="0" cy="0"/>
+          <a:chOff x="0" y="0"/>
+          <a:chExt cx="0" cy="0"/>
+        </a:xfrm>
+      </p:grpSpPr>
+      <p:sp>
+        <p:nvSpPr>
+          <p:cNvPr id="2" name="Título 1"/>
+          <p:cNvSpPr>
+            <a:spLocks noGrp="1"/>
+          </p:cNvSpPr>
+          <p:nvPr>
+            <p:ph type="title"/>
+          </p:nvPr>
+        </p:nvSpPr>
+        <p:spPr/>
+        <p:txBody>
+          <a:bodyPr/>
+          <a:lstStyle/>
+          <a:p>
+            <a:r>
+              <a:rPr lang="pt-PT" dirty="0" smtClean="0"/>
+              <a:t>Características</a:t>
+            </a:r>
+            <a:endParaRPr lang="pt-PT" dirty="0"/>
+          </a:p>
+        </p:txBody>
+      </p:sp>
+      <p:sp>
+        <p:nvSpPr>
+          <p:cNvPr id="3" name="Marcador de Posição de Conteúdo 2"/>
+          <p:cNvSpPr>
+            <a:spLocks noGrp="1"/>
+          </p:cNvSpPr>
+          <p:nvPr>
+            <p:ph idx="1"/>
+          </p:nvPr>
+        </p:nvSpPr>
+        <p:spPr/>
+        <p:txBody>
+          <a:bodyPr/>
+          <a:lstStyle/>
+          <a:p>
+            <a:r>
+              <a:rPr lang="pt-PT" dirty="0" smtClean="0"/>
+              <a:t>Faz uso de um </a:t>
+            </a:r>
+            <a:r>
+              <a:rPr lang="pt-PT" dirty="0" err="1" smtClean="0"/>
+              <a:t>HttpClient</a:t>
+            </a:r>
+            <a:r>
+              <a:rPr lang="pt-PT" dirty="0" smtClean="0"/>
+              <a:t> para requisitar e colocar recursos no servidor</a:t>
+            </a:r>
+          </a:p>
+          <a:p>
+            <a:r>
+              <a:rPr lang="pt-PT" dirty="0" smtClean="0"/>
+              <a:t>Faz uso de </a:t>
+            </a:r>
+            <a:r>
+              <a:rPr lang="pt-PT" dirty="0" err="1" smtClean="0"/>
+              <a:t>APIs</a:t>
+            </a:r>
+            <a:r>
+              <a:rPr lang="pt-PT" dirty="0" smtClean="0"/>
+              <a:t> do </a:t>
+            </a:r>
+            <a:r>
+              <a:rPr lang="pt-PT" dirty="0" err="1" smtClean="0"/>
+              <a:t>Android</a:t>
+            </a:r>
+            <a:r>
+              <a:rPr lang="pt-PT" dirty="0" smtClean="0"/>
+              <a:t> para fazer o tratamento de JSON</a:t>
+            </a:r>
+          </a:p>
+          <a:p>
+            <a:r>
+              <a:rPr lang="pt-PT" dirty="0" smtClean="0"/>
+              <a:t>Recursos são </a:t>
+            </a:r>
+            <a:r>
+              <a:rPr lang="pt-PT" smtClean="0"/>
+              <a:t>disponibili</a:t>
+            </a:r>
+            <a:endParaRPr lang="pt-PT" dirty="0"/>
+          </a:p>
+        </p:txBody>
+      </p:sp>
+    </p:spTree>
+  </p:cSld>
+  <p:clrMapOvr>
+    <a:masterClrMapping/>
+  </p:clrMapOvr>
+</p:sld>
+</file>
+
+<file path=ppt/slides/slide15.xml><?xml version="1.0" encoding="utf-8"?>
+<p:sld xmlns:a="http://schemas.openxmlformats.org/drawingml/2006/main" xmlns:r="http://schemas.openxmlformats.org/officeDocument/2006/relationships" xmlns:p="http://schemas.openxmlformats.org/presentationml/2006/main">
+  <p:cSld>
+    <p:spTree>
+      <p:nvGrpSpPr>
+        <p:cNvPr id="1" name=""/>
+        <p:cNvGrpSpPr/>
+        <p:nvPr/>
+      </p:nvGrpSpPr>
+      <p:grpSpPr>
+        <a:xfrm>
+          <a:off x="0" y="0"/>
+          <a:ext cx="0" cy="0"/>
+          <a:chOff x="0" y="0"/>
+          <a:chExt cx="0" cy="0"/>
+        </a:xfrm>
+      </p:grpSpPr>
+      <p:pic>
+        <p:nvPicPr>
+          <p:cNvPr id="8" name="Imagem 7" descr="dart-logo-wordmark-1200w.png"/>
+          <p:cNvPicPr>
+            <a:picLocks noChangeAspect="1"/>
+          </p:cNvPicPr>
+          <p:nvPr/>
+        </p:nvPicPr>
+        <p:blipFill>
+          <a:blip r:embed="rId2" cstate="print"/>
+          <a:stretch>
+            <a:fillRect/>
+          </a:stretch>
+        </p:blipFill>
+        <p:spPr>
+          <a:xfrm>
+            <a:off x="2743196" y="1485897"/>
+            <a:ext cx="3657607" cy="2743206"/>
+          </a:xfrm>
+          <a:prstGeom prst="rect">
+            <a:avLst/>
+          </a:prstGeom>
+        </p:spPr>
+      </p:pic>
+    </p:spTree>
+  </p:cSld>
+  <p:clrMapOvr>
+    <a:masterClrMapping/>
+  </p:clrMapOvr>
+  <p:timing>
+    <p:tnLst>
+      <p:par>
+        <p:cTn id="1" dur="indefinite" restart="never" nodeType="tmRoot"/>
+      </p:par>
+    </p:tnLst>
+  </p:timing>
+</p:sld>
+</file>
+
+<file path=ppt/slides/slide16.xml><?xml version="1.0" encoding="utf-8"?>
 <p:sld xmlns:a="http://schemas.openxmlformats.org/drawingml/2006/main" xmlns:r="http://schemas.openxmlformats.org/officeDocument/2006/relationships" xmlns:p="http://schemas.openxmlformats.org/presentationml/2006/main">
   <p:cSld>
     <p:spTree>
@@ -6186,7 +7341,7 @@
 </p:sld>
 </file>
 
-<file path=ppt/slides/slide11.xml><?xml version="1.0" encoding="utf-8"?>
+<file path=ppt/slides/slide17.xml><?xml version="1.0" encoding="utf-8"?>
 <p:sld xmlns:a="http://schemas.openxmlformats.org/drawingml/2006/main" xmlns:r="http://schemas.openxmlformats.org/officeDocument/2006/relationships" xmlns:p="http://schemas.openxmlformats.org/presentationml/2006/main">
   <p:cSld>
     <p:spTree>
@@ -6339,7 +7494,7 @@
 </p:sld>
 </file>
 
-<file path=ppt/slides/slide12.xml><?xml version="1.0" encoding="utf-8"?>
+<file path=ppt/slides/slide18.xml><?xml version="1.0" encoding="utf-8"?>
 <p:sld xmlns:a="http://schemas.openxmlformats.org/drawingml/2006/main" xmlns:r="http://schemas.openxmlformats.org/officeDocument/2006/relationships" xmlns:p="http://schemas.openxmlformats.org/presentationml/2006/main">
   <p:cSld>
     <p:spTree>
@@ -6356,106 +7511,169 @@
           <a:chExt cx="0" cy="0"/>
         </a:xfrm>
       </p:grpSpPr>
-      <p:sp>
-        <p:nvSpPr>
-          <p:cNvPr id="2" name="Título 1"/>
-          <p:cNvSpPr>
-            <a:spLocks noGrp="1"/>
-          </p:cNvSpPr>
-          <p:nvPr>
-            <p:ph type="title"/>
-          </p:nvPr>
-        </p:nvSpPr>
-        <p:spPr/>
-        <p:txBody>
-          <a:bodyPr/>
-          <a:lstStyle/>
-          <a:p>
-            <a:r>
-              <a:rPr lang="pt-PT" dirty="0" smtClean="0"/>
-              <a:t>Limitações</a:t>
-            </a:r>
-            <a:endParaRPr lang="pt-PT" dirty="0"/>
-          </a:p>
-        </p:txBody>
-      </p:sp>
-      <p:sp>
-        <p:nvSpPr>
-          <p:cNvPr id="3" name="Marcador de Posição de Conteúdo 2"/>
-          <p:cNvSpPr>
-            <a:spLocks noGrp="1"/>
-          </p:cNvSpPr>
-          <p:nvPr>
-            <p:ph idx="1"/>
-          </p:nvPr>
-        </p:nvSpPr>
-        <p:spPr/>
-        <p:txBody>
-          <a:bodyPr/>
-          <a:lstStyle/>
-          <a:p>
-            <a:r>
-              <a:rPr lang="pt-PT" dirty="0" smtClean="0"/>
-              <a:t>Bibliotecas de autenticação inexistentes</a:t>
-            </a:r>
-          </a:p>
-          <a:p>
-            <a:r>
-              <a:rPr lang="pt-PT" dirty="0" smtClean="0"/>
-              <a:t>Linguagem relativamente recente</a:t>
-            </a:r>
-          </a:p>
-          <a:p>
-            <a:r>
-              <a:rPr lang="pt-PT" dirty="0" err="1" smtClean="0"/>
-              <a:t>Isolates</a:t>
-            </a:r>
-            <a:r>
-              <a:rPr lang="pt-PT" dirty="0" smtClean="0"/>
-              <a:t> não são </a:t>
-            </a:r>
-            <a:r>
-              <a:rPr lang="pt-PT" dirty="0" err="1" smtClean="0"/>
-              <a:t>Threads</a:t>
-            </a:r>
-            <a:endParaRPr lang="pt-PT" dirty="0" smtClean="0"/>
-          </a:p>
-          <a:p>
-            <a:pPr lvl="1"/>
-            <a:r>
-              <a:rPr lang="pt-PT" dirty="0" smtClean="0"/>
-              <a:t>Não há memória partilhada entre </a:t>
-            </a:r>
-            <a:r>
-              <a:rPr lang="pt-PT" dirty="0" err="1" smtClean="0"/>
-              <a:t>Isolates</a:t>
-            </a:r>
-            <a:endParaRPr lang="pt-PT" dirty="0" smtClean="0"/>
-          </a:p>
-          <a:p>
-            <a:pPr lvl="1"/>
-            <a:r>
-              <a:rPr lang="pt-PT" dirty="0" smtClean="0"/>
-              <a:t>Comunicação feita através de mensagens</a:t>
-            </a:r>
-          </a:p>
-          <a:p>
-            <a:pPr lvl="1"/>
-            <a:r>
-              <a:rPr lang="pt-PT" dirty="0" smtClean="0"/>
-              <a:t>Tipos limitados de objetos transportáveis</a:t>
-            </a:r>
-          </a:p>
-          <a:p>
-            <a:endParaRPr lang="pt-PT" dirty="0" smtClean="0"/>
-          </a:p>
-        </p:txBody>
-      </p:sp>
+      <p:pic>
+        <p:nvPicPr>
+          <p:cNvPr id="6" name="Imagem 5" descr="Untitled-1.png"/>
+          <p:cNvPicPr>
+            <a:picLocks noChangeAspect="1"/>
+          </p:cNvPicPr>
+          <p:nvPr/>
+        </p:nvPicPr>
+        <p:blipFill>
+          <a:blip r:embed="rId3" cstate="print"/>
+          <a:stretch>
+            <a:fillRect/>
+          </a:stretch>
+        </p:blipFill>
+        <p:spPr>
+          <a:xfrm>
+            <a:off x="971600" y="494664"/>
+            <a:ext cx="7200800" cy="4725672"/>
+          </a:xfrm>
+          <a:prstGeom prst="rect">
+            <a:avLst/>
+          </a:prstGeom>
+        </p:spPr>
+      </p:pic>
     </p:spTree>
   </p:cSld>
   <p:clrMapOvr>
     <a:masterClrMapping/>
   </p:clrMapOvr>
+  <p:timing>
+    <p:tnLst>
+      <p:par>
+        <p:cTn id="1" dur="indefinite" restart="never" nodeType="tmRoot"/>
+      </p:par>
+    </p:tnLst>
+  </p:timing>
+</p:sld>
+</file>
+
+<file path=ppt/slides/slide19.xml><?xml version="1.0" encoding="utf-8"?>
+<p:sld xmlns:a="http://schemas.openxmlformats.org/drawingml/2006/main" xmlns:r="http://schemas.openxmlformats.org/officeDocument/2006/relationships" xmlns:p="http://schemas.openxmlformats.org/presentationml/2006/main">
+  <p:cSld>
+    <p:spTree>
+      <p:nvGrpSpPr>
+        <p:cNvPr id="1" name=""/>
+        <p:cNvGrpSpPr/>
+        <p:nvPr/>
+      </p:nvGrpSpPr>
+      <p:grpSpPr>
+        <a:xfrm>
+          <a:off x="0" y="0"/>
+          <a:ext cx="0" cy="0"/>
+          <a:chOff x="0" y="0"/>
+          <a:chExt cx="0" cy="0"/>
+        </a:xfrm>
+      </p:grpSpPr>
+      <p:sp>
+        <p:nvSpPr>
+          <p:cNvPr id="2" name="Título 1"/>
+          <p:cNvSpPr>
+            <a:spLocks noGrp="1"/>
+          </p:cNvSpPr>
+          <p:nvPr>
+            <p:ph type="title"/>
+          </p:nvPr>
+        </p:nvSpPr>
+        <p:spPr/>
+        <p:txBody>
+          <a:bodyPr/>
+          <a:lstStyle/>
+          <a:p>
+            <a:r>
+              <a:rPr lang="pt-PT" dirty="0" smtClean="0"/>
+              <a:t>Limitações</a:t>
+            </a:r>
+            <a:endParaRPr lang="pt-PT" dirty="0"/>
+          </a:p>
+        </p:txBody>
+      </p:sp>
+      <p:sp>
+        <p:nvSpPr>
+          <p:cNvPr id="3" name="Marcador de Posição de Conteúdo 2"/>
+          <p:cNvSpPr>
+            <a:spLocks noGrp="1"/>
+          </p:cNvSpPr>
+          <p:nvPr>
+            <p:ph idx="1"/>
+          </p:nvPr>
+        </p:nvSpPr>
+        <p:spPr/>
+        <p:txBody>
+          <a:bodyPr/>
+          <a:lstStyle/>
+          <a:p>
+            <a:r>
+              <a:rPr lang="pt-PT" dirty="0" smtClean="0"/>
+              <a:t>Bibliotecas de autenticação inexistentes</a:t>
+            </a:r>
+          </a:p>
+          <a:p>
+            <a:r>
+              <a:rPr lang="pt-PT" dirty="0" smtClean="0"/>
+              <a:t>Linguagem relativamente recente</a:t>
+            </a:r>
+          </a:p>
+          <a:p>
+            <a:r>
+              <a:rPr lang="pt-PT" dirty="0" err="1" smtClean="0"/>
+              <a:t>Isolates</a:t>
+            </a:r>
+            <a:r>
+              <a:rPr lang="pt-PT" dirty="0" smtClean="0"/>
+              <a:t> não são </a:t>
+            </a:r>
+            <a:r>
+              <a:rPr lang="pt-PT" dirty="0" err="1" smtClean="0"/>
+              <a:t>Threads</a:t>
+            </a:r>
+            <a:endParaRPr lang="pt-PT" dirty="0" smtClean="0"/>
+          </a:p>
+          <a:p>
+            <a:pPr lvl="1"/>
+            <a:r>
+              <a:rPr lang="pt-PT" dirty="0" smtClean="0"/>
+              <a:t>Não há memória partilhada entre </a:t>
+            </a:r>
+            <a:r>
+              <a:rPr lang="pt-PT" dirty="0" err="1" smtClean="0"/>
+              <a:t>Isolates</a:t>
+            </a:r>
+            <a:endParaRPr lang="pt-PT" dirty="0" smtClean="0"/>
+          </a:p>
+          <a:p>
+            <a:pPr lvl="1"/>
+            <a:r>
+              <a:rPr lang="pt-PT" dirty="0" smtClean="0"/>
+              <a:t>Comunicação feita através de mensagens</a:t>
+            </a:r>
+          </a:p>
+          <a:p>
+            <a:pPr lvl="1"/>
+            <a:r>
+              <a:rPr lang="pt-PT" dirty="0" smtClean="0"/>
+              <a:t>Tipos limitados de objetos transportáveis</a:t>
+            </a:r>
+          </a:p>
+          <a:p>
+            <a:endParaRPr lang="pt-PT" dirty="0" smtClean="0"/>
+          </a:p>
+        </p:txBody>
+      </p:sp>
+    </p:spTree>
+  </p:cSld>
+  <p:clrMapOvr>
+    <a:masterClrMapping/>
+  </p:clrMapOvr>
+  <p:timing>
+    <p:tnLst>
+      <p:par>
+        <p:cTn id="1" dur="indefinite" restart="never" nodeType="tmRoot"/>
+      </p:par>
+    </p:tnLst>
+  </p:timing>
 </p:sld>
 </file>
 
@@ -6786,12 +8004,12 @@
       </p:grpSpPr>
       <p:sp>
         <p:nvSpPr>
-          <p:cNvPr id="2" name="Título 1"/>
-          <p:cNvSpPr>
-            <a:spLocks noGrp="1"/>
-          </p:cNvSpPr>
-          <p:nvPr>
-            <p:ph type="title"/>
+          <p:cNvPr id="2" name="Marcador de Posição do Texto 1"/>
+          <p:cNvSpPr>
+            <a:spLocks noGrp="1"/>
+          </p:cNvSpPr>
+          <p:nvPr>
+            <p:ph type="body" sz="quarter" idx="14"/>
           </p:nvPr>
         </p:nvSpPr>
         <p:spPr/>
@@ -6801,130 +8019,40 @@
           <a:p>
             <a:r>
               <a:rPr lang="pt-PT" dirty="0" smtClean="0"/>
-              <a:t>Tecnologias para o Servidor</a:t>
+              <a:t>Estrutura do </a:t>
+            </a:r>
+            <a:r>
+              <a:rPr lang="pt-PT" dirty="0" err="1" smtClean="0"/>
+              <a:t>WebService</a:t>
             </a:r>
             <a:endParaRPr lang="pt-PT" dirty="0"/>
           </a:p>
         </p:txBody>
       </p:sp>
-      <p:sp>
-        <p:nvSpPr>
-          <p:cNvPr id="3" name="Marcador de Posição de Conteúdo 2"/>
-          <p:cNvSpPr>
-            <a:spLocks noGrp="1"/>
-          </p:cNvSpPr>
-          <p:nvPr>
-            <p:ph idx="1"/>
-          </p:nvPr>
-        </p:nvSpPr>
-        <p:spPr/>
-        <p:txBody>
-          <a:bodyPr>
-            <a:normAutofit/>
-          </a:bodyPr>
-          <a:lstStyle/>
-          <a:p>
-            <a:r>
-              <a:rPr lang="pt-PT" dirty="0" smtClean="0"/>
-              <a:t>Pensou-se nas seguintes opções:</a:t>
-            </a:r>
-          </a:p>
-          <a:p>
-            <a:pPr lvl="1"/>
-            <a:r>
-              <a:rPr lang="pt-PT" dirty="0" err="1" smtClean="0"/>
-              <a:t>asp.NET</a:t>
-            </a:r>
-            <a:r>
-              <a:rPr lang="pt-PT" dirty="0" smtClean="0"/>
-              <a:t> (</a:t>
-            </a:r>
-            <a:r>
-              <a:rPr lang="pt-PT" dirty="0" err="1" smtClean="0"/>
-              <a:t>Licensas</a:t>
-            </a:r>
-            <a:r>
-              <a:rPr lang="pt-PT" dirty="0" smtClean="0"/>
-              <a:t> do Windows são pagas)</a:t>
-            </a:r>
-          </a:p>
-          <a:p>
-            <a:pPr lvl="1"/>
-            <a:r>
-              <a:rPr lang="pt-PT" dirty="0" err="1" smtClean="0"/>
-              <a:t>Python</a:t>
-            </a:r>
-            <a:r>
-              <a:rPr lang="pt-PT" dirty="0" smtClean="0"/>
-              <a:t> (Só uma pessoa conhece, e pouco)</a:t>
-            </a:r>
-          </a:p>
-          <a:p>
-            <a:pPr lvl="1"/>
-            <a:r>
-              <a:rPr lang="pt-PT" dirty="0" smtClean="0"/>
-              <a:t>Apache, </a:t>
-            </a:r>
-            <a:r>
-              <a:rPr lang="pt-PT" dirty="0" err="1" smtClean="0"/>
-              <a:t>Nginx</a:t>
-            </a:r>
-            <a:r>
-              <a:rPr lang="pt-PT" dirty="0" smtClean="0"/>
-              <a:t> (Só servem ficheiros estáticos)</a:t>
-            </a:r>
-          </a:p>
-          <a:p>
-            <a:pPr lvl="1"/>
-            <a:r>
-              <a:rPr lang="pt-PT" dirty="0" err="1" smtClean="0"/>
-              <a:t>NodeJS</a:t>
-            </a:r>
-            <a:r>
-              <a:rPr lang="pt-PT" dirty="0" smtClean="0"/>
-              <a:t> (</a:t>
-            </a:r>
-            <a:r>
-              <a:rPr lang="pt-PT" dirty="0" err="1" smtClean="0"/>
-              <a:t>Learning</a:t>
-            </a:r>
-            <a:r>
-              <a:rPr lang="pt-PT" dirty="0" smtClean="0"/>
-              <a:t> curve elevada, com </a:t>
-            </a:r>
-            <a:r>
-              <a:rPr lang="pt-PT" dirty="0" err="1" smtClean="0"/>
-              <a:t>frameworks</a:t>
-            </a:r>
-            <a:r>
-              <a:rPr lang="pt-PT" dirty="0" smtClean="0"/>
-              <a:t>)</a:t>
-            </a:r>
-          </a:p>
-          <a:p>
-            <a:pPr lvl="1"/>
-            <a:r>
-              <a:rPr lang="pt-PT" dirty="0" smtClean="0"/>
-              <a:t>PHP (</a:t>
-            </a:r>
-            <a:r>
-              <a:rPr lang="pt-PT" dirty="0" err="1" smtClean="0"/>
-              <a:t>Ugh</a:t>
-            </a:r>
-            <a:r>
-              <a:rPr lang="pt-PT" dirty="0" smtClean="0"/>
-              <a:t>!)</a:t>
-            </a:r>
-          </a:p>
-          <a:p>
-            <a:pPr lvl="1"/>
-            <a:r>
-              <a:rPr lang="pt-PT" dirty="0" smtClean="0"/>
-              <a:t>Outra que vamos falar à frente</a:t>
-            </a:r>
-          </a:p>
-        </p:txBody>
-      </p:sp>
+      <p:pic>
+        <p:nvPicPr>
+          <p:cNvPr id="8" name="Imagem 7" descr="Architecture.wmf"/>
+          <p:cNvPicPr>
+            <a:picLocks noChangeAspect="1"/>
+          </p:cNvPicPr>
+          <p:nvPr/>
+        </p:nvPicPr>
+        <p:blipFill>
+          <a:blip r:embed="rId2" cstate="print"/>
+          <a:stretch>
+            <a:fillRect/>
+          </a:stretch>
+        </p:blipFill>
+        <p:spPr>
+          <a:xfrm>
+            <a:off x="2862360" y="306700"/>
+            <a:ext cx="3419280" cy="3990960"/>
+          </a:xfrm>
+          <a:prstGeom prst="rect">
+            <a:avLst/>
+          </a:prstGeom>
+        </p:spPr>
+      </p:pic>
     </p:spTree>
   </p:cSld>
   <p:clrMapOvr>
@@ -6974,7 +8102,11 @@
           <a:p>
             <a:r>
               <a:rPr lang="pt-PT" dirty="0" smtClean="0"/>
-              <a:t>Tecnologias para o SGBD</a:t>
+              <a:t>Tecnologias para o </a:t>
+            </a:r>
+            <a:r>
+              <a:rPr lang="pt-PT" dirty="0" smtClean="0"/>
+              <a:t>Servidor Web</a:t>
             </a:r>
             <a:endParaRPr lang="pt-PT" dirty="0"/>
           </a:p>
@@ -6992,19 +8124,25 @@
         </p:nvSpPr>
         <p:spPr/>
         <p:txBody>
-          <a:bodyPr/>
-          <a:lstStyle/>
-          <a:p>
-            <a:r>
-              <a:rPr lang="pt-PT" dirty="0" smtClean="0"/>
-              <a:t>Pensou-se nas seguintes tecnologias de SGBD:</a:t>
+          <a:bodyPr>
+            <a:normAutofit/>
+          </a:bodyPr>
+          <a:lstStyle/>
+          <a:p>
+            <a:r>
+              <a:rPr lang="pt-PT" dirty="0" smtClean="0"/>
+              <a:t>Pensou-se nas seguintes opções:</a:t>
             </a:r>
           </a:p>
           <a:p>
             <a:pPr lvl="1"/>
             <a:r>
-              <a:rPr lang="pt-PT" dirty="0" smtClean="0"/>
-              <a:t>Microsoft SQL Server (</a:t>
+              <a:rPr lang="pt-PT" dirty="0" err="1" smtClean="0"/>
+              <a:t>asp.NET</a:t>
+            </a:r>
+            <a:r>
+              <a:rPr lang="pt-PT" dirty="0" smtClean="0"/>
+              <a:t> (</a:t>
             </a:r>
             <a:r>
               <a:rPr lang="pt-PT" dirty="0" err="1" smtClean="0"/>
@@ -7012,14 +8150,40 @@
             </a:r>
             <a:r>
               <a:rPr lang="pt-PT" dirty="0" smtClean="0"/>
-              <a:t> do Windows outra vez)</a:t>
+              <a:t> do Windows são pagas)</a:t>
             </a:r>
           </a:p>
           <a:p>
             <a:pPr lvl="1"/>
             <a:r>
               <a:rPr lang="pt-PT" dirty="0" err="1" smtClean="0"/>
-              <a:t>MongoDB+Semelhantes</a:t>
+              <a:t>Python</a:t>
+            </a:r>
+            <a:r>
+              <a:rPr lang="pt-PT" dirty="0" smtClean="0"/>
+              <a:t> (Só uma pessoa conhece, e pouco)</a:t>
+            </a:r>
+          </a:p>
+          <a:p>
+            <a:pPr lvl="1"/>
+            <a:r>
+              <a:rPr lang="pt-PT" dirty="0" smtClean="0"/>
+              <a:t>Apache, </a:t>
+            </a:r>
+            <a:r>
+              <a:rPr lang="pt-PT" dirty="0" err="1" smtClean="0"/>
+              <a:t>Nginx</a:t>
+            </a:r>
+            <a:r>
+              <a:rPr lang="pt-PT" dirty="0" smtClean="0"/>
+              <a:t> (Só servem ficheiros estáticos)</a:t>
+            </a:r>
+          </a:p>
+          <a:p>
+            <a:pPr lvl="1"/>
+            <a:r>
+              <a:rPr lang="pt-PT" dirty="0" err="1" smtClean="0"/>
+              <a:t>NodeJS</a:t>
             </a:r>
             <a:r>
               <a:rPr lang="pt-PT" dirty="0" smtClean="0"/>
@@ -7027,55 +8191,42 @@
             </a:r>
             <a:r>
               <a:rPr lang="pt-PT" dirty="0" err="1" smtClean="0"/>
-              <a:t>NoSQL</a:t>
-            </a:r>
-            <a:r>
-              <a:rPr lang="pt-PT" dirty="0" smtClean="0"/>
-              <a:t> → No ACID, No </a:t>
+              <a:t>Learning</a:t>
+            </a:r>
+            <a:r>
+              <a:rPr lang="pt-PT" dirty="0" smtClean="0"/>
+              <a:t> curve elevada, com </a:t>
             </a:r>
             <a:r>
               <a:rPr lang="pt-PT" dirty="0" err="1" smtClean="0"/>
-              <a:t>Transactions</a:t>
-            </a:r>
-            <a:r>
-              <a:rPr lang="pt-PT" dirty="0" smtClean="0"/>
-              <a:t>…)</a:t>
+              <a:t>frameworks</a:t>
+            </a:r>
+            <a:r>
+              <a:rPr lang="pt-PT" dirty="0" smtClean="0"/>
+              <a:t>)</a:t>
             </a:r>
           </a:p>
           <a:p>
             <a:pPr lvl="1"/>
             <a:r>
               <a:rPr lang="pt-PT" dirty="0" smtClean="0"/>
-              <a:t>Oracle (</a:t>
+              <a:t>PHP (</a:t>
             </a:r>
             <a:r>
               <a:rPr lang="pt-PT" dirty="0" err="1" smtClean="0"/>
-              <a:t>Insert</a:t>
-            </a:r>
-            <a:r>
-              <a:rPr lang="pt-PT" dirty="0" smtClean="0"/>
-              <a:t> </a:t>
-            </a:r>
-            <a:r>
-              <a:rPr lang="pt-PT" dirty="0" err="1" smtClean="0"/>
-              <a:t>coin</a:t>
-            </a:r>
-            <a:r>
-              <a:rPr lang="pt-PT" dirty="0" smtClean="0"/>
-              <a:t> to continue?)</a:t>
+              <a:t>Ugh</a:t>
+            </a:r>
+            <a:r>
+              <a:rPr lang="pt-PT" dirty="0" smtClean="0"/>
+              <a:t>!)</a:t>
             </a:r>
           </a:p>
           <a:p>
             <a:pPr lvl="1"/>
             <a:r>
-              <a:rPr lang="pt-PT" dirty="0" err="1" smtClean="0"/>
-              <a:t>MySQL</a:t>
-            </a:r>
-            <a:r>
-              <a:rPr lang="pt-PT" dirty="0" smtClean="0"/>
-              <a:t> (Simples, conhecido, boa documentação)</a:t>
-            </a:r>
-            <a:endParaRPr lang="pt-PT" dirty="0"/>
+              <a:rPr lang="pt-PT" dirty="0" smtClean="0"/>
+              <a:t>Outra que vamos falar à frente</a:t>
+            </a:r>
           </a:p>
         </p:txBody>
       </p:sp>
@@ -7128,7 +8279,7 @@
           <a:p>
             <a:r>
               <a:rPr lang="pt-PT" dirty="0" smtClean="0"/>
-              <a:t>Protocolos e suporte de dados</a:t>
+              <a:t>Tecnologias para o SGBD</a:t>
             </a:r>
             <a:endParaRPr lang="pt-PT" dirty="0"/>
           </a:p>
@@ -7151,35 +8302,85 @@
           <a:p>
             <a:r>
               <a:rPr lang="pt-PT" dirty="0" smtClean="0"/>
-              <a:t>Protocolo da camada de aplicação:</a:t>
+              <a:t>Pensou-se nas seguintes tecnologias de SGBD:</a:t>
             </a:r>
           </a:p>
           <a:p>
             <a:pPr lvl="1"/>
             <a:r>
               <a:rPr lang="pt-PT" dirty="0" smtClean="0"/>
-              <a:t>HTTP (Testado, comum, trabalha sobre TCP, pode-se usar SSL para encriptação)</a:t>
-            </a:r>
-          </a:p>
-          <a:p>
-            <a:r>
-              <a:rPr lang="pt-PT" dirty="0" smtClean="0"/>
-              <a:t>Suporte de dados:</a:t>
+              <a:t>Microsoft SQL Server (</a:t>
+            </a:r>
+            <a:r>
+              <a:rPr lang="pt-PT" dirty="0" err="1" smtClean="0"/>
+              <a:t>Licensas</a:t>
+            </a:r>
+            <a:r>
+              <a:rPr lang="pt-PT" dirty="0" smtClean="0"/>
+              <a:t> do Windows outra vez)</a:t>
             </a:r>
           </a:p>
           <a:p>
             <a:pPr lvl="1"/>
             <a:r>
-              <a:rPr lang="pt-PT" dirty="0" smtClean="0"/>
-              <a:t>XML (Pesado, difícil tratamento)</a:t>
+              <a:rPr lang="pt-PT" dirty="0" err="1" smtClean="0"/>
+              <a:t>MongoDB+Semelhantes</a:t>
+            </a:r>
+            <a:r>
+              <a:rPr lang="pt-PT" dirty="0" smtClean="0"/>
+              <a:t> (</a:t>
+            </a:r>
+            <a:r>
+              <a:rPr lang="pt-PT" dirty="0" err="1" smtClean="0"/>
+              <a:t>NoSQL</a:t>
+            </a:r>
+            <a:r>
+              <a:rPr lang="pt-PT" dirty="0" smtClean="0"/>
+              <a:t> → No ACID, No </a:t>
+            </a:r>
+            <a:r>
+              <a:rPr lang="pt-PT" dirty="0" err="1" smtClean="0"/>
+              <a:t>Transactions</a:t>
+            </a:r>
+            <a:r>
+              <a:rPr lang="pt-PT" dirty="0" smtClean="0"/>
+              <a:t>…)</a:t>
             </a:r>
           </a:p>
           <a:p>
             <a:pPr lvl="1"/>
             <a:r>
               <a:rPr lang="pt-PT" dirty="0" smtClean="0"/>
-              <a:t>JSON (Leve, fácil tratamento por linguagens modernas)</a:t>
-            </a:r>
+              <a:t>Oracle (</a:t>
+            </a:r>
+            <a:r>
+              <a:rPr lang="pt-PT" dirty="0" err="1" smtClean="0"/>
+              <a:t>Insert</a:t>
+            </a:r>
+            <a:r>
+              <a:rPr lang="pt-PT" dirty="0" smtClean="0"/>
+              <a:t> </a:t>
+            </a:r>
+            <a:r>
+              <a:rPr lang="pt-PT" dirty="0" err="1" smtClean="0"/>
+              <a:t>coin</a:t>
+            </a:r>
+            <a:r>
+              <a:rPr lang="pt-PT" dirty="0" smtClean="0"/>
+              <a:t> to continue?)</a:t>
+            </a:r>
+          </a:p>
+          <a:p>
+            <a:pPr lvl="1"/>
+            <a:r>
+              <a:rPr lang="pt-PT" dirty="0" err="1" smtClean="0"/>
+              <a:t>MySQL</a:t>
+            </a:r>
+            <a:r>
+              <a:rPr lang="pt-PT" dirty="0" smtClean="0"/>
+              <a:t> (Simples, conhecido, boa documentação)</a:t>
+            </a:r>
+            <a:endParaRPr lang="pt-PT" dirty="0"/>
           </a:p>
         </p:txBody>
       </p:sp>
@@ -7232,7 +8433,7 @@
           <a:p>
             <a:r>
               <a:rPr lang="pt-PT" dirty="0" smtClean="0"/>
-              <a:t>Tecnologias escolhidas</a:t>
+              <a:t>Protocolos e suporte de dados</a:t>
             </a:r>
             <a:endParaRPr lang="pt-PT" dirty="0"/>
           </a:p>
@@ -7255,59 +8456,35 @@
           <a:p>
             <a:r>
               <a:rPr lang="pt-PT" dirty="0" smtClean="0"/>
-              <a:t>Protocolo de transporte: HTTP</a:t>
-            </a:r>
-          </a:p>
-          <a:p>
-            <a:r>
-              <a:rPr lang="pt-PT" dirty="0" smtClean="0"/>
-              <a:t>Suporte de dados: JSON</a:t>
-            </a:r>
-          </a:p>
-          <a:p>
-            <a:r>
-              <a:rPr lang="pt-PT" dirty="0" smtClean="0"/>
-              <a:t>Servidor web + </a:t>
-            </a:r>
-            <a:r>
-              <a:rPr lang="pt-PT" dirty="0" err="1" smtClean="0"/>
-              <a:t>WebService</a:t>
-            </a:r>
-            <a:r>
-              <a:rPr lang="pt-PT" dirty="0" smtClean="0"/>
-              <a:t>: </a:t>
-            </a:r>
-            <a:r>
-              <a:rPr lang="pt-PT" dirty="0" err="1" smtClean="0"/>
-              <a:t>Node.JS</a:t>
-            </a:r>
-            <a:endParaRPr lang="pt-PT" dirty="0" smtClean="0"/>
-          </a:p>
-          <a:p>
-            <a:r>
-              <a:rPr lang="pt-PT" dirty="0" smtClean="0"/>
-              <a:t>Base de dados: </a:t>
-            </a:r>
-            <a:r>
-              <a:rPr lang="pt-PT" dirty="0" err="1" smtClean="0"/>
-              <a:t>MySQL</a:t>
-            </a:r>
-            <a:endParaRPr lang="pt-PT" dirty="0" smtClean="0"/>
-          </a:p>
-          <a:p>
-            <a:r>
-              <a:rPr lang="pt-PT" dirty="0" smtClean="0"/>
-              <a:t>Sistema Operativo: Linux (</a:t>
-            </a:r>
-            <a:r>
-              <a:rPr lang="pt-PT" dirty="0" err="1" smtClean="0"/>
-              <a:t>Ubuntu</a:t>
-            </a:r>
-            <a:r>
-              <a:rPr lang="pt-PT" dirty="0" smtClean="0"/>
-              <a:t> Server)</a:t>
-            </a:r>
-            <a:endParaRPr lang="pt-PT" dirty="0"/>
+              <a:t>Protocolo da camada de aplicação:</a:t>
+            </a:r>
+          </a:p>
+          <a:p>
+            <a:pPr lvl="1"/>
+            <a:r>
+              <a:rPr lang="pt-PT" dirty="0" smtClean="0"/>
+              <a:t>HTTP (Testado, comum, trabalha sobre TCP, pode-se usar SSL para encriptação)</a:t>
+            </a:r>
+          </a:p>
+          <a:p>
+            <a:r>
+              <a:rPr lang="pt-PT" dirty="0" smtClean="0"/>
+              <a:t>Suporte de dados:</a:t>
+            </a:r>
+          </a:p>
+          <a:p>
+            <a:pPr lvl="1"/>
+            <a:r>
+              <a:rPr lang="pt-PT" dirty="0" smtClean="0"/>
+              <a:t>XML (Pesado, difícil tratamento)</a:t>
+            </a:r>
+          </a:p>
+          <a:p>
+            <a:pPr lvl="1"/>
+            <a:r>
+              <a:rPr lang="pt-PT" dirty="0" smtClean="0"/>
+              <a:t>JSON (Leve, fácil tratamento por linguagens modernas)</a:t>
+            </a:r>
           </a:p>
         </p:txBody>
       </p:sp>
@@ -7343,30 +8520,112 @@
           <a:chExt cx="0" cy="0"/>
         </a:xfrm>
       </p:grpSpPr>
-      <p:pic>
-        <p:nvPicPr>
-          <p:cNvPr id="8" name="Imagem 7" descr="dart-logo-wordmark-1200w.png"/>
-          <p:cNvPicPr>
-            <a:picLocks noChangeAspect="1"/>
-          </p:cNvPicPr>
-          <p:nvPr/>
-        </p:nvPicPr>
-        <p:blipFill>
-          <a:blip r:embed="rId2" cstate="print"/>
-          <a:stretch>
-            <a:fillRect/>
-          </a:stretch>
-        </p:blipFill>
-        <p:spPr>
-          <a:xfrm>
-            <a:off x="2743196" y="1485897"/>
-            <a:ext cx="3657607" cy="2743206"/>
-          </a:xfrm>
-          <a:prstGeom prst="rect">
-            <a:avLst/>
-          </a:prstGeom>
-        </p:spPr>
-      </p:pic>
+      <p:sp>
+        <p:nvSpPr>
+          <p:cNvPr id="2" name="Título 1"/>
+          <p:cNvSpPr>
+            <a:spLocks noGrp="1"/>
+          </p:cNvSpPr>
+          <p:nvPr>
+            <p:ph type="title"/>
+          </p:nvPr>
+        </p:nvSpPr>
+        <p:spPr/>
+        <p:txBody>
+          <a:bodyPr/>
+          <a:lstStyle/>
+          <a:p>
+            <a:r>
+              <a:rPr lang="pt-PT" dirty="0" smtClean="0"/>
+              <a:t>Tecnologias escolhidas</a:t>
+            </a:r>
+            <a:endParaRPr lang="pt-PT" dirty="0"/>
+          </a:p>
+        </p:txBody>
+      </p:sp>
+      <p:sp>
+        <p:nvSpPr>
+          <p:cNvPr id="3" name="Marcador de Posição de Conteúdo 2"/>
+          <p:cNvSpPr>
+            <a:spLocks noGrp="1"/>
+          </p:cNvSpPr>
+          <p:nvPr>
+            <p:ph idx="1"/>
+          </p:nvPr>
+        </p:nvSpPr>
+        <p:spPr/>
+        <p:txBody>
+          <a:bodyPr/>
+          <a:lstStyle/>
+          <a:p>
+            <a:r>
+              <a:rPr lang="pt-PT" dirty="0" smtClean="0"/>
+              <a:t>Protocolo de transporte: </a:t>
+            </a:r>
+            <a:r>
+              <a:rPr lang="pt-PT" dirty="0" err="1" smtClean="0"/>
+              <a:t>Http</a:t>
+            </a:r>
+            <a:endParaRPr lang="pt-PT" dirty="0" smtClean="0"/>
+          </a:p>
+          <a:p>
+            <a:r>
+              <a:rPr lang="pt-PT" dirty="0" smtClean="0"/>
+              <a:t>Suporte de dados: JSON + Base64 </a:t>
+            </a:r>
+            <a:r>
+              <a:rPr lang="pt-PT" dirty="0" err="1" smtClean="0"/>
+              <a:t>Encoding</a:t>
+            </a:r>
+            <a:endParaRPr lang="pt-PT" dirty="0" smtClean="0"/>
+          </a:p>
+          <a:p>
+            <a:r>
+              <a:rPr lang="pt-PT" dirty="0" smtClean="0"/>
+              <a:t>Servidor web + </a:t>
+            </a:r>
+            <a:r>
+              <a:rPr lang="pt-PT" dirty="0" err="1" smtClean="0"/>
+              <a:t>WebService</a:t>
+            </a:r>
+            <a:r>
+              <a:rPr lang="pt-PT" dirty="0" smtClean="0"/>
+              <a:t>: </a:t>
+            </a:r>
+            <a:r>
+              <a:rPr lang="pt-PT" dirty="0" err="1" smtClean="0"/>
+              <a:t>Node.JS</a:t>
+            </a:r>
+            <a:endParaRPr lang="pt-PT" dirty="0" smtClean="0"/>
+          </a:p>
+          <a:p>
+            <a:r>
+              <a:rPr lang="pt-PT" dirty="0" smtClean="0"/>
+              <a:t>Base de dados: </a:t>
+            </a:r>
+            <a:r>
+              <a:rPr lang="pt-PT" dirty="0" err="1" smtClean="0"/>
+              <a:t>MySQL</a:t>
+            </a:r>
+            <a:endParaRPr lang="pt-PT" dirty="0" smtClean="0"/>
+          </a:p>
+          <a:p>
+            <a:r>
+              <a:rPr lang="pt-PT" dirty="0" smtClean="0"/>
+              <a:t>Sistema Operativo: Linux (</a:t>
+            </a:r>
+            <a:r>
+              <a:rPr lang="pt-PT" dirty="0" err="1" smtClean="0"/>
+              <a:t>Ubuntu</a:t>
+            </a:r>
+            <a:r>
+              <a:rPr lang="pt-PT" dirty="0" smtClean="0"/>
+              <a:t> Server)</a:t>
+            </a:r>
+            <a:endParaRPr lang="pt-PT" dirty="0"/>
+          </a:p>
+        </p:txBody>
+      </p:sp>
     </p:spTree>
   </p:cSld>
   <p:clrMapOvr>
@@ -8512,4 +9771,287 @@
   <a:objectDefaults/>
   <a:extraClrSchemeLst/>
 </a:theme>
+</file>
+
+<file path=ppt/theme/theme5.xml><?xml version="1.0" encoding="utf-8"?>
+<a:theme xmlns:a="http://schemas.openxmlformats.org/drawingml/2006/main" name="Tema do Office">
+  <a:themeElements>
+    <a:clrScheme name="Office">
+      <a:dk1>
+        <a:sysClr val="windowText" lastClr="000000"/>
+      </a:dk1>
+      <a:lt1>
+        <a:sysClr val="window" lastClr="FFFFFF"/>
+      </a:lt1>
+      <a:dk2>
+        <a:srgbClr val="1F497D"/>
+      </a:dk2>
+      <a:lt2>
+        <a:srgbClr val="EEECE1"/>
+      </a:lt2>
+      <a:accent1>
+        <a:srgbClr val="4F81BD"/>
+      </a:accent1>
+      <a:accent2>
+        <a:srgbClr val="C0504D"/>
+      </a:accent2>
+      <a:accent3>
+        <a:srgbClr val="9BBB59"/>
+      </a:accent3>
+      <a:accent4>
+        <a:srgbClr val="8064A2"/>
+      </a:accent4>
+      <a:accent5>
+        <a:srgbClr val="4BACC6"/>
+      </a:accent5>
+      <a:accent6>
+        <a:srgbClr val="F79646"/>
+      </a:accent6>
+      <a:hlink>
+        <a:srgbClr val="0000FF"/>
+      </a:hlink>
+      <a:folHlink>
+        <a:srgbClr val="800080"/>
+      </a:folHlink>
+    </a:clrScheme>
+    <a:fontScheme name="Office">
+      <a:majorFont>
+        <a:latin typeface="Calibri"/>
+        <a:ea typeface=""/>
+        <a:cs typeface=""/>
+        <a:font script="Jpan" typeface="ＭＳ Ｐゴシック"/>
+        <a:font script="Hang" typeface="맑은 고딕"/>
+        <a:font script="Hans" typeface="宋体"/>
+        <a:font script="Hant" typeface="新細明體"/>
+        <a:font script="Arab" typeface="Times New Roman"/>
+        <a:font script="Hebr" typeface="Times New Roman"/>
+        <a:font script="Thai" typeface="Angsana New"/>
+        <a:font script="Ethi" typeface="Nyala"/>
+        <a:font script="Beng" typeface="Vrinda"/>
+        <a:font script="Gujr" typeface="Shruti"/>
+        <a:font script="Khmr" typeface="MoolBoran"/>
+        <a:font script="Knda" typeface="Tunga"/>
+        <a:font script="Guru" typeface="Raavi"/>
+        <a:font script="Cans" typeface="Euphemia"/>
+        <a:font script="Cher" typeface="Plantagenet Cherokee"/>
+        <a:font script="Yiii" typeface="Microsoft Yi Baiti"/>
+        <a:font script="Tibt" typeface="Microsoft Himalaya"/>
+        <a:font script="Thaa" typeface="MV Boli"/>
+        <a:font script="Deva" typeface="Mangal"/>
+        <a:font script="Telu" typeface="Gautami"/>
+        <a:font script="Taml" typeface="Latha"/>
+        <a:font script="Syrc" typeface="Estrangelo Edessa"/>
+        <a:font script="Orya" typeface="Kalinga"/>
+        <a:font script="Mlym" typeface="Kartika"/>
+        <a:font script="Laoo" typeface="DokChampa"/>
+        <a:font script="Sinh" typeface="Iskoola Pota"/>
+        <a:font script="Mong" typeface="Mongolian Baiti"/>
+        <a:font script="Viet" typeface="Times New Roman"/>
+        <a:font script="Uigh" typeface="Microsoft Uighur"/>
+      </a:majorFont>
+      <a:minorFont>
+        <a:latin typeface="Calibri"/>
+        <a:ea typeface=""/>
+        <a:cs typeface=""/>
+        <a:font script="Jpan" typeface="ＭＳ Ｐゴシック"/>
+        <a:font script="Hang" typeface="맑은 고딕"/>
+        <a:font script="Hans" typeface="宋体"/>
+        <a:font script="Hant" typeface="新細明體"/>
+        <a:font script="Arab" typeface="Arial"/>
+        <a:font script="Hebr" typeface="Arial"/>
+        <a:font script="Thai" typeface="Cordia New"/>
+        <a:font script="Ethi" typeface="Nyala"/>
+        <a:font script="Beng" typeface="Vrinda"/>
+        <a:font script="Gujr" typeface="Shruti"/>
+        <a:font script="Khmr" typeface="DaunPenh"/>
+        <a:font script="Knda" typeface="Tunga"/>
+        <a:font script="Guru" typeface="Raavi"/>
+        <a:font script="Cans" typeface="Euphemia"/>
+        <a:font script="Cher" typeface="Plantagenet Cherokee"/>
+        <a:font script="Yiii" typeface="Microsoft Yi Baiti"/>
+        <a:font script="Tibt" typeface="Microsoft Himalaya"/>
+        <a:font script="Thaa" typeface="MV Boli"/>
+        <a:font script="Deva" typeface="Mangal"/>
+        <a:font script="Telu" typeface="Gautami"/>
+        <a:font script="Taml" typeface="Latha"/>
+        <a:font script="Syrc" typeface="Estrangelo Edessa"/>
+        <a:font script="Orya" typeface="Kalinga"/>
+        <a:font script="Mlym" typeface="Kartika"/>
+        <a:font script="Laoo" typeface="DokChampa"/>
+        <a:font script="Sinh" typeface="Iskoola Pota"/>
+        <a:font script="Mong" typeface="Mongolian Baiti"/>
+        <a:font script="Viet" typeface="Arial"/>
+        <a:font script="Uigh" typeface="Microsoft Uighur"/>
+      </a:minorFont>
+    </a:fontScheme>
+    <a:fmtScheme name="Office">
+      <a:fillStyleLst>
+        <a:solidFill>
+          <a:schemeClr val="phClr"/>
+        </a:solidFill>
+        <a:gradFill rotWithShape="1">
+          <a:gsLst>
+            <a:gs pos="0">
+              <a:schemeClr val="phClr">
+                <a:tint val="50000"/>
+                <a:satMod val="300000"/>
+              </a:schemeClr>
+            </a:gs>
+            <a:gs pos="35000">
+              <a:schemeClr val="phClr">
+                <a:tint val="37000"/>
+                <a:satMod val="300000"/>
+              </a:schemeClr>
+            </a:gs>
+            <a:gs pos="100000">
+              <a:schemeClr val="phClr">
+                <a:tint val="15000"/>
+                <a:satMod val="350000"/>
+              </a:schemeClr>
+            </a:gs>
+          </a:gsLst>
+          <a:lin ang="16200000" scaled="1"/>
+        </a:gradFill>
+        <a:gradFill rotWithShape="1">
+          <a:gsLst>
+            <a:gs pos="0">
+              <a:schemeClr val="phClr">
+                <a:shade val="51000"/>
+                <a:satMod val="130000"/>
+              </a:schemeClr>
+            </a:gs>
+            <a:gs pos="80000">
+              <a:schemeClr val="phClr">
+                <a:shade val="93000"/>
+                <a:satMod val="130000"/>
+              </a:schemeClr>
+            </a:gs>
+            <a:gs pos="100000">
+              <a:schemeClr val="phClr">
+                <a:shade val="94000"/>
+                <a:satMod val="135000"/>
+              </a:schemeClr>
+            </a:gs>
+          </a:gsLst>
+          <a:lin ang="16200000" scaled="0"/>
+        </a:gradFill>
+      </a:fillStyleLst>
+      <a:lnStyleLst>
+        <a:ln w="9525" cap="flat" cmpd="sng" algn="ctr">
+          <a:solidFill>
+            <a:schemeClr val="phClr">
+              <a:shade val="95000"/>
+              <a:satMod val="105000"/>
+            </a:schemeClr>
+          </a:solidFill>
+          <a:prstDash val="solid"/>
+        </a:ln>
+        <a:ln w="25400" cap="flat" cmpd="sng" algn="ctr">
+          <a:solidFill>
+            <a:schemeClr val="phClr"/>
+          </a:solidFill>
+          <a:prstDash val="solid"/>
+        </a:ln>
+        <a:ln w="38100" cap="flat" cmpd="sng" algn="ctr">
+          <a:solidFill>
+            <a:schemeClr val="phClr"/>
+          </a:solidFill>
+          <a:prstDash val="solid"/>
+        </a:ln>
+      </a:lnStyleLst>
+      <a:effectStyleLst>
+        <a:effectStyle>
+          <a:effectLst>
+            <a:outerShdw blurRad="40000" dist="20000" dir="5400000" rotWithShape="0">
+              <a:srgbClr val="000000">
+                <a:alpha val="38000"/>
+              </a:srgbClr>
+            </a:outerShdw>
+          </a:effectLst>
+        </a:effectStyle>
+        <a:effectStyle>
+          <a:effectLst>
+            <a:outerShdw blurRad="40000" dist="23000" dir="5400000" rotWithShape="0">
+              <a:srgbClr val="000000">
+                <a:alpha val="35000"/>
+              </a:srgbClr>
+            </a:outerShdw>
+          </a:effectLst>
+        </a:effectStyle>
+        <a:effectStyle>
+          <a:effectLst>
+            <a:outerShdw blurRad="40000" dist="23000" dir="5400000" rotWithShape="0">
+              <a:srgbClr val="000000">
+                <a:alpha val="35000"/>
+              </a:srgbClr>
+            </a:outerShdw>
+          </a:effectLst>
+          <a:scene3d>
+            <a:camera prst="orthographicFront">
+              <a:rot lat="0" lon="0" rev="0"/>
+            </a:camera>
+            <a:lightRig rig="threePt" dir="t">
+              <a:rot lat="0" lon="0" rev="1200000"/>
+            </a:lightRig>
+          </a:scene3d>
+          <a:sp3d>
+            <a:bevelT w="63500" h="25400"/>
+          </a:sp3d>
+        </a:effectStyle>
+      </a:effectStyleLst>
+      <a:bgFillStyleLst>
+        <a:solidFill>
+          <a:schemeClr val="phClr"/>
+        </a:solidFill>
+        <a:gradFill rotWithShape="1">
+          <a:gsLst>
+            <a:gs pos="0">
+              <a:schemeClr val="phClr">
+                <a:tint val="40000"/>
+                <a:satMod val="350000"/>
+              </a:schemeClr>
+            </a:gs>
+            <a:gs pos="40000">
+              <a:schemeClr val="phClr">
+                <a:tint val="45000"/>
+                <a:shade val="99000"/>
+                <a:satMod val="350000"/>
+              </a:schemeClr>
+            </a:gs>
+            <a:gs pos="100000">
+              <a:schemeClr val="phClr">
+                <a:shade val="20000"/>
+                <a:satMod val="255000"/>
+              </a:schemeClr>
+            </a:gs>
+          </a:gsLst>
+          <a:path path="circle">
+            <a:fillToRect l="50000" t="-80000" r="50000" b="180000"/>
+          </a:path>
+        </a:gradFill>
+        <a:gradFill rotWithShape="1">
+          <a:gsLst>
+            <a:gs pos="0">
+              <a:schemeClr val="phClr">
+                <a:tint val="80000"/>
+                <a:satMod val="300000"/>
+              </a:schemeClr>
+            </a:gs>
+            <a:gs pos="100000">
+              <a:schemeClr val="phClr">
+                <a:shade val="30000"/>
+                <a:satMod val="200000"/>
+              </a:schemeClr>
+            </a:gs>
+          </a:gsLst>
+          <a:path path="circle">
+            <a:fillToRect l="50000" t="50000" r="50000" b="50000"/>
+          </a:path>
+        </a:gradFill>
+      </a:bgFillStyleLst>
+    </a:fmtScheme>
+  </a:themeElements>
+  <a:objectDefaults/>
+  <a:extraClrSchemeLst/>
+</a:theme>
 </file>
--- a/Apresentacoes/v01.pptx
+++ b/Apresentacoes/v01.pptx
@@ -7,10 +7,10 @@
     <p:sldMasterId id="2147483665" r:id="rId3"/>
   </p:sldMasterIdLst>
   <p:notesMasterIdLst>
-    <p:notesMasterId r:id="rId23"/>
+    <p:notesMasterId r:id="rId36"/>
   </p:notesMasterIdLst>
   <p:handoutMasterIdLst>
-    <p:handoutMasterId r:id="rId24"/>
+    <p:handoutMasterId r:id="rId37"/>
   </p:handoutMasterIdLst>
   <p:sldIdLst>
     <p:sldId id="256" r:id="rId4"/>
@@ -25,13 +25,26 @@
     <p:sldId id="269" r:id="rId13"/>
     <p:sldId id="271" r:id="rId14"/>
     <p:sldId id="273" r:id="rId15"/>
-    <p:sldId id="270" r:id="rId16"/>
-    <p:sldId id="274" r:id="rId17"/>
-    <p:sldId id="263" r:id="rId18"/>
-    <p:sldId id="265" r:id="rId19"/>
-    <p:sldId id="266" r:id="rId20"/>
-    <p:sldId id="268" r:id="rId21"/>
-    <p:sldId id="267" r:id="rId22"/>
+    <p:sldId id="275" r:id="rId16"/>
+    <p:sldId id="270" r:id="rId17"/>
+    <p:sldId id="274" r:id="rId18"/>
+    <p:sldId id="281" r:id="rId19"/>
+    <p:sldId id="278" r:id="rId20"/>
+    <p:sldId id="279" r:id="rId21"/>
+    <p:sldId id="280" r:id="rId22"/>
+    <p:sldId id="282" r:id="rId23"/>
+    <p:sldId id="276" r:id="rId24"/>
+    <p:sldId id="277" r:id="rId25"/>
+    <p:sldId id="283" r:id="rId26"/>
+    <p:sldId id="285" r:id="rId27"/>
+    <p:sldId id="287" r:id="rId28"/>
+    <p:sldId id="286" r:id="rId29"/>
+    <p:sldId id="263" r:id="rId30"/>
+    <p:sldId id="265" r:id="rId31"/>
+    <p:sldId id="266" r:id="rId32"/>
+    <p:sldId id="268" r:id="rId33"/>
+    <p:sldId id="267" r:id="rId34"/>
+    <p:sldId id="284" r:id="rId35"/>
   </p:sldIdLst>
   <p:sldSz cx="9144000" cy="5715000" type="screen16x10"/>
   <p:notesSz cx="6858000" cy="9144000"/>
@@ -712,7 +725,7 @@
             <a:fld id="{88F4BC70-1E78-4FA8-B0FE-372303FE609B}" type="slidenum">
               <a:rPr lang="pt-PT" smtClean="0"/>
               <a:pPr/>
-              <a:t>18</a:t>
+              <a:t>30</a:t>
             </a:fld>
             <a:endParaRPr lang="pt-PT"/>
           </a:p>
@@ -1503,7 +1516,7 @@
 
 <file path=ppt/slideLayouts/slideLayout13.xml><?xml version="1.0" encoding="utf-8"?>
 <p:sldLayout xmlns:a="http://schemas.openxmlformats.org/drawingml/2006/main" xmlns:r="http://schemas.openxmlformats.org/officeDocument/2006/relationships" xmlns:p="http://schemas.openxmlformats.org/presentationml/2006/main" preserve="1" userDrawn="1">
-  <p:cSld name="Imagem">
+  <p:cSld name="Código fonte">
     <p:spTree>
       <p:nvGrpSpPr>
         <p:cNvPr id="1" name=""/>
@@ -1597,8 +1610,8 @@
         </p:nvSpPr>
         <p:spPr>
           <a:xfrm>
-            <a:off x="251520" y="696913"/>
-            <a:ext cx="8640960" cy="3600747"/>
+            <a:off x="251520" y="337221"/>
+            <a:ext cx="8640960" cy="3960440"/>
           </a:xfrm>
         </p:spPr>
         <p:txBody>
@@ -1695,7 +1708,7 @@
 
 <file path=ppt/slideLayouts/slideLayout14.xml><?xml version="1.0" encoding="utf-8"?>
 <p:sldLayout xmlns:a="http://schemas.openxmlformats.org/drawingml/2006/main" xmlns:r="http://schemas.openxmlformats.org/officeDocument/2006/relationships" xmlns:p="http://schemas.openxmlformats.org/presentationml/2006/main" preserve="1" userDrawn="1">
-  <p:cSld name="1_Código-Fonte">
+  <p:cSld name="Imagem, legenda">
     <p:spTree>
       <p:nvGrpSpPr>
         <p:cNvPr id="1" name=""/>
@@ -6200,11 +6213,7 @@
                     <a:p>
                       <a:r>
                         <a:rPr lang="pt-PT" sz="1400" dirty="0" smtClean="0"/>
-                        <a:t>João </a:t>
-                      </a:r>
-                      <a:r>
-                        <a:rPr lang="pt-PT" sz="1400" dirty="0" smtClean="0"/>
-                        <a:t>Carvalho</a:t>
+                        <a:t>João Carvalho</a:t>
                       </a:r>
                       <a:endParaRPr lang="pt-PT" sz="1400" dirty="0"/>
                     </a:p>
@@ -6385,6 +6394,13 @@
   <p:clrMapOvr>
     <a:masterClrMapping/>
   </p:clrMapOvr>
+  <p:timing>
+    <p:tnLst>
+      <p:par>
+        <p:cTn id="1" dur="indefinite" restart="never" nodeType="tmRoot"/>
+      </p:par>
+    </p:tnLst>
+  </p:timing>
 </p:sld>
 </file>
 
@@ -6502,6 +6518,13 @@
   <p:clrMapOvr>
     <a:masterClrMapping/>
   </p:clrMapOvr>
+  <p:timing>
+    <p:tnLst>
+      <p:par>
+        <p:cTn id="1" dur="indefinite" restart="never" nodeType="tmRoot"/>
+      </p:par>
+    </p:tnLst>
+  </p:timing>
 </p:sld>
 </file>
 
@@ -6537,6 +6560,10 @@
           <a:bodyPr/>
           <a:lstStyle/>
           <a:p>
+            <a:r>
+              <a:rPr lang="pt-PT" dirty="0" smtClean="0"/>
+              <a:t>Bibliotecas usadas</a:t>
+            </a:r>
             <a:endParaRPr lang="pt-PT" dirty="0"/>
           </a:p>
         </p:txBody>
@@ -6556,7 +6583,45 @@
           <a:bodyPr/>
           <a:lstStyle/>
           <a:p>
-            <a:endParaRPr lang="pt-PT"/>
+            <a:r>
+              <a:rPr lang="pt-PT" dirty="0" smtClean="0"/>
+              <a:t>http: Criação de um servidor </a:t>
+            </a:r>
+            <a:r>
+              <a:rPr lang="pt-PT" dirty="0" err="1" smtClean="0"/>
+              <a:t>http</a:t>
+            </a:r>
+            <a:endParaRPr lang="pt-PT" dirty="0" smtClean="0"/>
+          </a:p>
+          <a:p>
+            <a:r>
+              <a:rPr lang="pt-PT" dirty="0" err="1" smtClean="0"/>
+              <a:t>m</a:t>
+            </a:r>
+            <a:r>
+              <a:rPr lang="pt-PT" dirty="0" err="1" smtClean="0"/>
+              <a:t>ysql</a:t>
+            </a:r>
+            <a:r>
+              <a:rPr lang="pt-PT" dirty="0" smtClean="0"/>
+              <a:t>: Estabelecer uma ligação a um servidor </a:t>
+            </a:r>
+            <a:r>
+              <a:rPr lang="pt-PT" dirty="0" err="1" smtClean="0"/>
+              <a:t>MySQL</a:t>
+            </a:r>
+            <a:r>
+              <a:rPr lang="pt-PT" dirty="0" smtClean="0"/>
+              <a:t> em </a:t>
+            </a:r>
+            <a:r>
+              <a:rPr lang="pt-PT" dirty="0" err="1" smtClean="0"/>
+              <a:t>Ubuntu</a:t>
+            </a:r>
+            <a:r>
+              <a:rPr lang="pt-PT" dirty="0" smtClean="0"/>
+              <a:t> Server</a:t>
+            </a:r>
           </a:p>
         </p:txBody>
       </p:sp>
@@ -6565,6 +6630,13 @@
   <p:clrMapOvr>
     <a:masterClrMapping/>
   </p:clrMapOvr>
+  <p:timing>
+    <p:tnLst>
+      <p:par>
+        <p:cTn id="1" dur="indefinite" restart="never" nodeType="tmRoot"/>
+      </p:par>
+    </p:tnLst>
+  </p:timing>
 </p:sld>
 </file>
 
@@ -6587,12 +6659,581 @@
       </p:grpSpPr>
       <p:sp>
         <p:nvSpPr>
-          <p:cNvPr id="2" name="Título 1"/>
-          <p:cNvSpPr>
-            <a:spLocks noGrp="1"/>
-          </p:cNvSpPr>
-          <p:nvPr>
-            <p:ph type="ctrTitle"/>
+          <p:cNvPr id="2" name="Marcador de Posição do Texto 1"/>
+          <p:cNvSpPr>
+            <a:spLocks noGrp="1"/>
+          </p:cNvSpPr>
+          <p:nvPr>
+            <p:ph type="body" sz="quarter" idx="13"/>
+          </p:nvPr>
+        </p:nvSpPr>
+        <p:spPr>
+          <a:xfrm>
+            <a:off x="1691680" y="625252"/>
+            <a:ext cx="5760640" cy="3672408"/>
+          </a:xfrm>
+        </p:spPr>
+        <p:txBody>
+          <a:bodyPr>
+            <a:noAutofit/>
+          </a:bodyPr>
+          <a:lstStyle/>
+          <a:p>
+            <a:r>
+              <a:rPr lang="pt-PT" sz="1400" dirty="0" smtClean="0">
+                <a:solidFill>
+                  <a:srgbClr val="008000"/>
+                </a:solidFill>
+                <a:latin typeface="Consolas" pitchFamily="49" charset="0"/>
+              </a:rPr>
+              <a:t>// </a:t>
+            </a:r>
+            <a:r>
+              <a:rPr lang="pt-PT" sz="1400" dirty="0" err="1" smtClean="0">
+                <a:solidFill>
+                  <a:srgbClr val="008000"/>
+                </a:solidFill>
+                <a:latin typeface="Consolas" pitchFamily="49" charset="0"/>
+              </a:rPr>
+              <a:t>Import</a:t>
+            </a:r>
+            <a:r>
+              <a:rPr lang="pt-PT" sz="1400" dirty="0" smtClean="0">
+                <a:solidFill>
+                  <a:srgbClr val="008000"/>
+                </a:solidFill>
+                <a:latin typeface="Consolas" pitchFamily="49" charset="0"/>
+              </a:rPr>
+              <a:t> da biblioteca </a:t>
+            </a:r>
+            <a:r>
+              <a:rPr lang="pt-PT" sz="1400" dirty="0" err="1" smtClean="0">
+                <a:solidFill>
+                  <a:srgbClr val="008000"/>
+                </a:solidFill>
+                <a:latin typeface="Consolas" pitchFamily="49" charset="0"/>
+              </a:rPr>
+              <a:t>http</a:t>
+            </a:r>
+            <a:endParaRPr lang="pt-PT" sz="1400" dirty="0" smtClean="0">
+              <a:solidFill>
+                <a:srgbClr val="333333"/>
+              </a:solidFill>
+              <a:latin typeface="Consolas" pitchFamily="49" charset="0"/>
+            </a:endParaRPr>
+          </a:p>
+          <a:p>
+            <a:r>
+              <a:rPr lang="pt-PT" sz="1400" dirty="0" smtClean="0">
+                <a:solidFill>
+                  <a:srgbClr val="0000FF"/>
+                </a:solidFill>
+                <a:latin typeface="Consolas" pitchFamily="49" charset="0"/>
+              </a:rPr>
+              <a:t>var</a:t>
+            </a:r>
+            <a:r>
+              <a:rPr lang="pt-PT" sz="1400" dirty="0" smtClean="0">
+                <a:solidFill>
+                  <a:srgbClr val="333333"/>
+                </a:solidFill>
+                <a:latin typeface="Consolas" pitchFamily="49" charset="0"/>
+              </a:rPr>
+              <a:t> </a:t>
+            </a:r>
+            <a:r>
+              <a:rPr lang="pt-PT" sz="1400" dirty="0" err="1" smtClean="0">
+                <a:solidFill>
+                  <a:srgbClr val="333333"/>
+                </a:solidFill>
+                <a:latin typeface="Consolas" pitchFamily="49" charset="0"/>
+              </a:rPr>
+              <a:t>http</a:t>
+            </a:r>
+            <a:r>
+              <a:rPr lang="pt-PT" sz="1400" dirty="0" smtClean="0">
+                <a:solidFill>
+                  <a:srgbClr val="333333"/>
+                </a:solidFill>
+                <a:latin typeface="Consolas" pitchFamily="49" charset="0"/>
+              </a:rPr>
+              <a:t> = </a:t>
+            </a:r>
+            <a:r>
+              <a:rPr lang="pt-PT" sz="1400" dirty="0" err="1" smtClean="0">
+                <a:solidFill>
+                  <a:srgbClr val="333333"/>
+                </a:solidFill>
+                <a:latin typeface="Consolas" pitchFamily="49" charset="0"/>
+              </a:rPr>
+              <a:t>require</a:t>
+            </a:r>
+            <a:r>
+              <a:rPr lang="pt-PT" sz="1400" dirty="0" smtClean="0">
+                <a:solidFill>
+                  <a:srgbClr val="333333"/>
+                </a:solidFill>
+                <a:latin typeface="Consolas" pitchFamily="49" charset="0"/>
+              </a:rPr>
+              <a:t>(</a:t>
+            </a:r>
+            <a:r>
+              <a:rPr lang="pt-PT" sz="1400" dirty="0" smtClean="0">
+                <a:solidFill>
+                  <a:srgbClr val="A31515"/>
+                </a:solidFill>
+                <a:latin typeface="Consolas" pitchFamily="49" charset="0"/>
+              </a:rPr>
+              <a:t>'</a:t>
+            </a:r>
+            <a:r>
+              <a:rPr lang="pt-PT" sz="1400" dirty="0" err="1" smtClean="0">
+                <a:solidFill>
+                  <a:srgbClr val="A31515"/>
+                </a:solidFill>
+                <a:latin typeface="Consolas" pitchFamily="49" charset="0"/>
+              </a:rPr>
+              <a:t>http</a:t>
+            </a:r>
+            <a:r>
+              <a:rPr lang="pt-PT" sz="1400" dirty="0" smtClean="0">
+                <a:solidFill>
+                  <a:srgbClr val="A31515"/>
+                </a:solidFill>
+                <a:latin typeface="Consolas" pitchFamily="49" charset="0"/>
+              </a:rPr>
+              <a:t>'</a:t>
+            </a:r>
+            <a:r>
+              <a:rPr lang="pt-PT" sz="1400" dirty="0" smtClean="0">
+                <a:solidFill>
+                  <a:srgbClr val="333333"/>
+                </a:solidFill>
+                <a:latin typeface="Consolas" pitchFamily="49" charset="0"/>
+              </a:rPr>
+              <a:t>);</a:t>
+            </a:r>
+          </a:p>
+          <a:p>
+            <a:endParaRPr lang="pt-PT" sz="1400" dirty="0" smtClean="0">
+              <a:solidFill>
+                <a:srgbClr val="333333"/>
+              </a:solidFill>
+              <a:latin typeface="Consolas" pitchFamily="49" charset="0"/>
+            </a:endParaRPr>
+          </a:p>
+          <a:p>
+            <a:r>
+              <a:rPr lang="pt-PT" sz="1400" dirty="0" smtClean="0">
+                <a:solidFill>
+                  <a:srgbClr val="008000"/>
+                </a:solidFill>
+                <a:latin typeface="Consolas" pitchFamily="49" charset="0"/>
+              </a:rPr>
+              <a:t>// </a:t>
+            </a:r>
+            <a:r>
+              <a:rPr lang="pt-PT" sz="1400" dirty="0" err="1" smtClean="0">
+                <a:solidFill>
+                  <a:srgbClr val="008000"/>
+                </a:solidFill>
+                <a:latin typeface="Consolas" pitchFamily="49" charset="0"/>
+              </a:rPr>
+              <a:t>Import</a:t>
+            </a:r>
+            <a:r>
+              <a:rPr lang="pt-PT" sz="1400" dirty="0" smtClean="0">
+                <a:solidFill>
+                  <a:srgbClr val="008000"/>
+                </a:solidFill>
+                <a:latin typeface="Consolas" pitchFamily="49" charset="0"/>
+              </a:rPr>
+              <a:t> </a:t>
+            </a:r>
+            <a:r>
+              <a:rPr lang="pt-PT" sz="1400" dirty="0" smtClean="0">
+                <a:solidFill>
+                  <a:srgbClr val="008000"/>
+                </a:solidFill>
+                <a:latin typeface="Consolas" pitchFamily="49" charset="0"/>
+              </a:rPr>
+              <a:t>do ficheiro da lógica do servidor</a:t>
+            </a:r>
+            <a:endParaRPr lang="pt-PT" sz="1400" dirty="0" smtClean="0">
+              <a:solidFill>
+                <a:srgbClr val="333333"/>
+              </a:solidFill>
+              <a:latin typeface="Consolas" pitchFamily="49" charset="0"/>
+            </a:endParaRPr>
+          </a:p>
+          <a:p>
+            <a:r>
+              <a:rPr lang="pt-PT" sz="1400" dirty="0" smtClean="0">
+                <a:solidFill>
+                  <a:srgbClr val="0000FF"/>
+                </a:solidFill>
+                <a:latin typeface="Consolas" pitchFamily="49" charset="0"/>
+              </a:rPr>
+              <a:t>var</a:t>
+            </a:r>
+            <a:r>
+              <a:rPr lang="pt-PT" sz="1400" dirty="0" smtClean="0">
+                <a:solidFill>
+                  <a:srgbClr val="333333"/>
+                </a:solidFill>
+                <a:latin typeface="Consolas" pitchFamily="49" charset="0"/>
+              </a:rPr>
+              <a:t> _server = </a:t>
+            </a:r>
+            <a:r>
+              <a:rPr lang="pt-PT" sz="1400" dirty="0" err="1" smtClean="0">
+                <a:solidFill>
+                  <a:srgbClr val="333333"/>
+                </a:solidFill>
+                <a:latin typeface="Consolas" pitchFamily="49" charset="0"/>
+              </a:rPr>
+              <a:t>require</a:t>
+            </a:r>
+            <a:r>
+              <a:rPr lang="pt-PT" sz="1400" dirty="0" smtClean="0">
+                <a:solidFill>
+                  <a:srgbClr val="333333"/>
+                </a:solidFill>
+                <a:latin typeface="Consolas" pitchFamily="49" charset="0"/>
+              </a:rPr>
+              <a:t>(</a:t>
+            </a:r>
+            <a:r>
+              <a:rPr lang="pt-PT" sz="1400" dirty="0" smtClean="0">
+                <a:solidFill>
+                  <a:srgbClr val="A31515"/>
+                </a:solidFill>
+                <a:latin typeface="Consolas" pitchFamily="49" charset="0"/>
+              </a:rPr>
+              <a:t>'./server'</a:t>
+            </a:r>
+            <a:r>
+              <a:rPr lang="pt-PT" sz="1400" dirty="0" smtClean="0">
+                <a:solidFill>
+                  <a:srgbClr val="333333"/>
+                </a:solidFill>
+                <a:latin typeface="Consolas" pitchFamily="49" charset="0"/>
+              </a:rPr>
+              <a:t>);</a:t>
+            </a:r>
+          </a:p>
+          <a:p>
+            <a:endParaRPr lang="pt-PT" sz="1400" dirty="0" smtClean="0">
+              <a:solidFill>
+                <a:srgbClr val="333333"/>
+              </a:solidFill>
+              <a:latin typeface="Consolas" pitchFamily="49" charset="0"/>
+            </a:endParaRPr>
+          </a:p>
+          <a:p>
+            <a:r>
+              <a:rPr lang="pt-PT" sz="1400" dirty="0" smtClean="0">
+                <a:solidFill>
+                  <a:srgbClr val="008000"/>
+                </a:solidFill>
+                <a:latin typeface="Consolas" pitchFamily="49" charset="0"/>
+              </a:rPr>
+              <a:t>// Criação do servidor</a:t>
+            </a:r>
+            <a:endParaRPr lang="pt-PT" sz="1400" dirty="0" smtClean="0">
+              <a:solidFill>
+                <a:srgbClr val="333333"/>
+              </a:solidFill>
+              <a:latin typeface="Consolas" pitchFamily="49" charset="0"/>
+            </a:endParaRPr>
+          </a:p>
+          <a:p>
+            <a:r>
+              <a:rPr lang="pt-PT" sz="1400" dirty="0" err="1" smtClean="0">
+                <a:solidFill>
+                  <a:srgbClr val="333333"/>
+                </a:solidFill>
+                <a:latin typeface="Consolas" pitchFamily="49" charset="0"/>
+              </a:rPr>
+              <a:t>http.createServer</a:t>
+            </a:r>
+            <a:r>
+              <a:rPr lang="pt-PT" sz="1400" dirty="0" smtClean="0">
+                <a:solidFill>
+                  <a:srgbClr val="333333"/>
+                </a:solidFill>
+                <a:latin typeface="Consolas" pitchFamily="49" charset="0"/>
+              </a:rPr>
+              <a:t>(</a:t>
+            </a:r>
+            <a:r>
+              <a:rPr lang="pt-PT" sz="1400" dirty="0" err="1" smtClean="0">
+                <a:solidFill>
+                  <a:srgbClr val="0000FF"/>
+                </a:solidFill>
+                <a:latin typeface="Consolas" pitchFamily="49" charset="0"/>
+              </a:rPr>
+              <a:t>function</a:t>
+            </a:r>
+            <a:r>
+              <a:rPr lang="pt-PT" sz="1400" dirty="0" smtClean="0">
+                <a:solidFill>
+                  <a:srgbClr val="333333"/>
+                </a:solidFill>
+                <a:latin typeface="Consolas" pitchFamily="49" charset="0"/>
+              </a:rPr>
+              <a:t> (</a:t>
+            </a:r>
+            <a:r>
+              <a:rPr lang="pt-PT" sz="1400" dirty="0" err="1" smtClean="0">
+                <a:solidFill>
+                  <a:srgbClr val="333333"/>
+                </a:solidFill>
+                <a:latin typeface="Consolas" pitchFamily="49" charset="0"/>
+              </a:rPr>
+              <a:t>req</a:t>
+            </a:r>
+            <a:r>
+              <a:rPr lang="pt-PT" sz="1400" dirty="0" smtClean="0">
+                <a:solidFill>
+                  <a:srgbClr val="333333"/>
+                </a:solidFill>
+                <a:latin typeface="Consolas" pitchFamily="49" charset="0"/>
+              </a:rPr>
+              <a:t>, </a:t>
+            </a:r>
+            <a:r>
+              <a:rPr lang="pt-PT" sz="1400" dirty="0" err="1" smtClean="0">
+                <a:solidFill>
+                  <a:srgbClr val="333333"/>
+                </a:solidFill>
+                <a:latin typeface="Consolas" pitchFamily="49" charset="0"/>
+              </a:rPr>
+              <a:t>res</a:t>
+            </a:r>
+            <a:r>
+              <a:rPr lang="pt-PT" sz="1400" dirty="0" smtClean="0">
+                <a:solidFill>
+                  <a:srgbClr val="333333"/>
+                </a:solidFill>
+                <a:latin typeface="Consolas" pitchFamily="49" charset="0"/>
+              </a:rPr>
+              <a:t>) {</a:t>
+            </a:r>
+          </a:p>
+          <a:p>
+            <a:r>
+              <a:rPr lang="pt-PT" sz="1400" dirty="0" smtClean="0">
+                <a:solidFill>
+                  <a:srgbClr val="333333"/>
+                </a:solidFill>
+                <a:latin typeface="Consolas" pitchFamily="49" charset="0"/>
+              </a:rPr>
+              <a:t>    </a:t>
+            </a:r>
+            <a:r>
+              <a:rPr lang="pt-PT" sz="1400" dirty="0" smtClean="0">
+                <a:solidFill>
+                  <a:srgbClr val="008000"/>
+                </a:solidFill>
+                <a:latin typeface="Consolas" pitchFamily="49" charset="0"/>
+              </a:rPr>
+              <a:t>// Tratar as </a:t>
+            </a:r>
+            <a:r>
+              <a:rPr lang="pt-PT" sz="1400" dirty="0" err="1" smtClean="0">
+                <a:solidFill>
+                  <a:srgbClr val="008000"/>
+                </a:solidFill>
+                <a:latin typeface="Consolas" pitchFamily="49" charset="0"/>
+              </a:rPr>
+              <a:t>requests</a:t>
+            </a:r>
+            <a:endParaRPr lang="pt-PT" sz="1400" dirty="0" smtClean="0">
+              <a:solidFill>
+                <a:srgbClr val="333333"/>
+              </a:solidFill>
+              <a:latin typeface="Consolas" pitchFamily="49" charset="0"/>
+            </a:endParaRPr>
+          </a:p>
+          <a:p>
+            <a:r>
+              <a:rPr lang="pt-PT" sz="1400" dirty="0" smtClean="0">
+                <a:solidFill>
+                  <a:srgbClr val="333333"/>
+                </a:solidFill>
+                <a:latin typeface="Consolas" pitchFamily="49" charset="0"/>
+              </a:rPr>
+              <a:t>    _</a:t>
+            </a:r>
+            <a:r>
+              <a:rPr lang="pt-PT" sz="1400" dirty="0" err="1" smtClean="0">
+                <a:solidFill>
+                  <a:srgbClr val="333333"/>
+                </a:solidFill>
+                <a:latin typeface="Consolas" pitchFamily="49" charset="0"/>
+              </a:rPr>
+              <a:t>server.handleRequest</a:t>
+            </a:r>
+            <a:r>
+              <a:rPr lang="pt-PT" sz="1400" dirty="0" smtClean="0">
+                <a:solidFill>
+                  <a:srgbClr val="333333"/>
+                </a:solidFill>
+                <a:latin typeface="Consolas" pitchFamily="49" charset="0"/>
+              </a:rPr>
+              <a:t>(</a:t>
+            </a:r>
+            <a:r>
+              <a:rPr lang="pt-PT" sz="1400" dirty="0" err="1" smtClean="0">
+                <a:solidFill>
+                  <a:srgbClr val="333333"/>
+                </a:solidFill>
+                <a:latin typeface="Consolas" pitchFamily="49" charset="0"/>
+              </a:rPr>
+              <a:t>req</a:t>
+            </a:r>
+            <a:r>
+              <a:rPr lang="pt-PT" sz="1400" dirty="0" smtClean="0">
+                <a:solidFill>
+                  <a:srgbClr val="333333"/>
+                </a:solidFill>
+                <a:latin typeface="Consolas" pitchFamily="49" charset="0"/>
+              </a:rPr>
+              <a:t>, </a:t>
+            </a:r>
+            <a:r>
+              <a:rPr lang="pt-PT" sz="1400" dirty="0" err="1" smtClean="0">
+                <a:solidFill>
+                  <a:srgbClr val="333333"/>
+                </a:solidFill>
+                <a:latin typeface="Consolas" pitchFamily="49" charset="0"/>
+              </a:rPr>
+              <a:t>res</a:t>
+            </a:r>
+            <a:r>
+              <a:rPr lang="pt-PT" sz="1400" dirty="0" smtClean="0">
+                <a:solidFill>
+                  <a:srgbClr val="333333"/>
+                </a:solidFill>
+                <a:latin typeface="Consolas" pitchFamily="49" charset="0"/>
+              </a:rPr>
+              <a:t>);</a:t>
+            </a:r>
+          </a:p>
+          <a:p>
+            <a:endParaRPr lang="pt-PT" sz="1400" dirty="0" smtClean="0">
+              <a:solidFill>
+                <a:srgbClr val="333333"/>
+              </a:solidFill>
+              <a:latin typeface="Consolas" pitchFamily="49" charset="0"/>
+            </a:endParaRPr>
+          </a:p>
+          <a:p>
+            <a:r>
+              <a:rPr lang="pt-PT" sz="1400" dirty="0" smtClean="0">
+                <a:solidFill>
+                  <a:srgbClr val="008000"/>
+                </a:solidFill>
+                <a:latin typeface="Consolas" pitchFamily="49" charset="0"/>
+              </a:rPr>
+              <a:t>// Ouvir no porto 8080</a:t>
+            </a:r>
+            <a:endParaRPr lang="pt-PT" sz="1400" dirty="0" smtClean="0">
+              <a:solidFill>
+                <a:srgbClr val="333333"/>
+              </a:solidFill>
+              <a:latin typeface="Consolas" pitchFamily="49" charset="0"/>
+            </a:endParaRPr>
+          </a:p>
+          <a:p>
+            <a:r>
+              <a:rPr lang="en-US" sz="1400" dirty="0" smtClean="0">
+                <a:solidFill>
+                  <a:srgbClr val="333333"/>
+                </a:solidFill>
+                <a:latin typeface="Consolas" pitchFamily="49" charset="0"/>
+              </a:rPr>
+              <a:t>}).listen(8080, </a:t>
+            </a:r>
+            <a:r>
+              <a:rPr lang="en-US" sz="1400" dirty="0" smtClean="0">
+                <a:solidFill>
+                  <a:srgbClr val="A31515"/>
+                </a:solidFill>
+                <a:latin typeface="Consolas" pitchFamily="49" charset="0"/>
+              </a:rPr>
+              <a:t>'127.0.0.1'</a:t>
+            </a:r>
+            <a:r>
+              <a:rPr lang="en-US" sz="1400" dirty="0" smtClean="0">
+                <a:solidFill>
+                  <a:srgbClr val="333333"/>
+                </a:solidFill>
+                <a:latin typeface="Consolas" pitchFamily="49" charset="0"/>
+              </a:rPr>
+              <a:t>);</a:t>
+            </a:r>
+          </a:p>
+          <a:p>
+            <a:r>
+              <a:rPr lang="en-US" sz="1400" dirty="0" smtClean="0">
+                <a:solidFill>
+                  <a:srgbClr val="333333"/>
+                </a:solidFill>
+                <a:latin typeface="Consolas" pitchFamily="49" charset="0"/>
+              </a:rPr>
+              <a:t>console.log(</a:t>
+            </a:r>
+            <a:r>
+              <a:rPr lang="en-US" sz="1400" dirty="0" smtClean="0">
+                <a:solidFill>
+                  <a:srgbClr val="A31515"/>
+                </a:solidFill>
+                <a:latin typeface="Consolas" pitchFamily="49" charset="0"/>
+              </a:rPr>
+              <a:t>'Server running at http://</a:t>
+            </a:r>
+            <a:r>
+              <a:rPr lang="en-US" sz="1400" dirty="0" smtClean="0">
+                <a:solidFill>
+                  <a:srgbClr val="A31515"/>
+                </a:solidFill>
+                <a:latin typeface="Consolas" pitchFamily="49" charset="0"/>
+              </a:rPr>
+              <a:t>127.0.0.1:8080/'</a:t>
+            </a:r>
+            <a:r>
+              <a:rPr lang="en-US" sz="1400" dirty="0" smtClean="0">
+                <a:solidFill>
+                  <a:srgbClr val="333333"/>
+                </a:solidFill>
+                <a:latin typeface="Consolas" pitchFamily="49" charset="0"/>
+              </a:rPr>
+              <a:t>);</a:t>
+            </a:r>
+            <a:endParaRPr lang="en-US" sz="1400" dirty="0" smtClean="0">
+              <a:solidFill>
+                <a:srgbClr val="333333"/>
+              </a:solidFill>
+              <a:latin typeface="Consolas" pitchFamily="49" charset="0"/>
+            </a:endParaRPr>
+          </a:p>
+          <a:p>
+            <a:endParaRPr lang="pt-PT" sz="1400" dirty="0">
+              <a:latin typeface="Consolas" pitchFamily="49" charset="0"/>
+            </a:endParaRPr>
+          </a:p>
+        </p:txBody>
+      </p:sp>
+      <p:sp>
+        <p:nvSpPr>
+          <p:cNvPr id="3" name="Marcador de Posição do Texto 2"/>
+          <p:cNvSpPr>
+            <a:spLocks noGrp="1"/>
+          </p:cNvSpPr>
+          <p:nvPr>
+            <p:ph type="body" sz="quarter" idx="14"/>
           </p:nvPr>
         </p:nvSpPr>
         <p:spPr/>
@@ -6601,39 +7242,16 @@
           <a:lstStyle/>
           <a:p>
             <a:r>
+              <a:rPr lang="pt-PT" dirty="0" smtClean="0"/>
+              <a:t>Exemplo: Criação de um servidor </a:t>
+            </a:r>
+            <a:r>
               <a:rPr lang="pt-PT" dirty="0" err="1" smtClean="0"/>
-              <a:t>App</a:t>
+              <a:t>http</a:t>
             </a:r>
             <a:r>
               <a:rPr lang="pt-PT" dirty="0" smtClean="0"/>
-              <a:t> </a:t>
-            </a:r>
-            <a:r>
-              <a:rPr lang="pt-PT" dirty="0" err="1" smtClean="0"/>
-              <a:t>Android</a:t>
-            </a:r>
-            <a:endParaRPr lang="pt-PT" dirty="0"/>
-          </a:p>
-        </p:txBody>
-      </p:sp>
-      <p:sp>
-        <p:nvSpPr>
-          <p:cNvPr id="3" name="Subtítulo 2"/>
-          <p:cNvSpPr>
-            <a:spLocks noGrp="1"/>
-          </p:cNvSpPr>
-          <p:nvPr>
-            <p:ph type="subTitle" idx="1"/>
-          </p:nvPr>
-        </p:nvSpPr>
-        <p:spPr/>
-        <p:txBody>
-          <a:bodyPr/>
-          <a:lstStyle/>
-          <a:p>
-            <a:r>
-              <a:rPr lang="pt-PT" dirty="0" smtClean="0"/>
-              <a:t>Obtenção e colocação de dados.</a:t>
+              <a:t> simples</a:t>
             </a:r>
             <a:endParaRPr lang="pt-PT" dirty="0"/>
           </a:p>
@@ -6644,6 +7262,13 @@
   <p:clrMapOvr>
     <a:masterClrMapping/>
   </p:clrMapOvr>
+  <p:timing>
+    <p:tnLst>
+      <p:par>
+        <p:cTn id="1" dur="indefinite" restart="never" nodeType="tmRoot"/>
+      </p:par>
+    </p:tnLst>
+  </p:timing>
 </p:sld>
 </file>
 
@@ -6671,7 +7296,7 @@
             <a:spLocks noGrp="1"/>
           </p:cNvSpPr>
           <p:nvPr>
-            <p:ph type="title"/>
+            <p:ph type="ctrTitle"/>
           </p:nvPr>
         </p:nvSpPr>
         <p:spPr/>
@@ -6680,6 +7305,104 @@
           <a:lstStyle/>
           <a:p>
             <a:r>
+              <a:rPr lang="pt-PT" dirty="0" err="1" smtClean="0"/>
+              <a:t>App</a:t>
+            </a:r>
+            <a:r>
+              <a:rPr lang="pt-PT" dirty="0" smtClean="0"/>
+              <a:t> </a:t>
+            </a:r>
+            <a:r>
+              <a:rPr lang="pt-PT" dirty="0" err="1" smtClean="0"/>
+              <a:t>Android</a:t>
+            </a:r>
+            <a:endParaRPr lang="pt-PT" dirty="0"/>
+          </a:p>
+        </p:txBody>
+      </p:sp>
+      <p:sp>
+        <p:nvSpPr>
+          <p:cNvPr id="3" name="Subtítulo 2"/>
+          <p:cNvSpPr>
+            <a:spLocks noGrp="1"/>
+          </p:cNvSpPr>
+          <p:nvPr>
+            <p:ph type="subTitle" idx="1"/>
+          </p:nvPr>
+        </p:nvSpPr>
+        <p:spPr/>
+        <p:txBody>
+          <a:bodyPr/>
+          <a:lstStyle/>
+          <a:p>
+            <a:r>
+              <a:rPr lang="pt-PT" dirty="0" smtClean="0"/>
+              <a:t>Obtenção, </a:t>
+            </a:r>
+            <a:r>
+              <a:rPr lang="pt-PT" dirty="0" smtClean="0"/>
+              <a:t>colocação </a:t>
+            </a:r>
+            <a:r>
+              <a:rPr lang="pt-PT" dirty="0" smtClean="0"/>
+              <a:t>e tratamento de dados</a:t>
+            </a:r>
+            <a:r>
+              <a:rPr lang="pt-PT" dirty="0" smtClean="0"/>
+              <a:t>.</a:t>
+            </a:r>
+            <a:endParaRPr lang="pt-PT" dirty="0"/>
+          </a:p>
+        </p:txBody>
+      </p:sp>
+    </p:spTree>
+  </p:cSld>
+  <p:clrMapOvr>
+    <a:masterClrMapping/>
+  </p:clrMapOvr>
+  <p:timing>
+    <p:tnLst>
+      <p:par>
+        <p:cTn id="1" dur="indefinite" restart="never" nodeType="tmRoot"/>
+      </p:par>
+    </p:tnLst>
+  </p:timing>
+</p:sld>
+</file>
+
+<file path=ppt/slides/slide15.xml><?xml version="1.0" encoding="utf-8"?>
+<p:sld xmlns:a="http://schemas.openxmlformats.org/drawingml/2006/main" xmlns:r="http://schemas.openxmlformats.org/officeDocument/2006/relationships" xmlns:p="http://schemas.openxmlformats.org/presentationml/2006/main">
+  <p:cSld>
+    <p:spTree>
+      <p:nvGrpSpPr>
+        <p:cNvPr id="1" name=""/>
+        <p:cNvGrpSpPr/>
+        <p:nvPr/>
+      </p:nvGrpSpPr>
+      <p:grpSpPr>
+        <a:xfrm>
+          <a:off x="0" y="0"/>
+          <a:ext cx="0" cy="0"/>
+          <a:chOff x="0" y="0"/>
+          <a:chExt cx="0" cy="0"/>
+        </a:xfrm>
+      </p:grpSpPr>
+      <p:sp>
+        <p:nvSpPr>
+          <p:cNvPr id="2" name="Título 1"/>
+          <p:cNvSpPr>
+            <a:spLocks noGrp="1"/>
+          </p:cNvSpPr>
+          <p:nvPr>
+            <p:ph type="title"/>
+          </p:nvPr>
+        </p:nvSpPr>
+        <p:spPr/>
+        <p:txBody>
+          <a:bodyPr/>
+          <a:lstStyle/>
+          <a:p>
+            <a:r>
               <a:rPr lang="pt-PT" dirty="0" smtClean="0"/>
               <a:t>Características</a:t>
             </a:r>
@@ -6734,17 +7457,111 @@
             </a:r>
             <a:r>
               <a:rPr lang="pt-PT" dirty="0" smtClean="0"/>
-              <a:t> para fazer o tratamento de JSON</a:t>
-            </a:r>
-          </a:p>
-          <a:p>
+              <a:t> para fazer o tratamento de </a:t>
+            </a:r>
             <a:r>
               <a:rPr lang="pt-PT" dirty="0" smtClean="0"/>
-              <a:t>Recursos são </a:t>
-            </a:r>
-            <a:r>
-              <a:rPr lang="pt-PT" smtClean="0"/>
-              <a:t>disponibili</a:t>
+              <a:t>JSON</a:t>
+            </a:r>
+          </a:p>
+          <a:p>
+            <a:r>
+              <a:rPr lang="pt-PT" dirty="0" smtClean="0"/>
+              <a:t>Os resultados são disponibilizados na </a:t>
+            </a:r>
+            <a:r>
+              <a:rPr lang="pt-PT" dirty="0" err="1" smtClean="0"/>
+              <a:t>app</a:t>
+            </a:r>
+            <a:r>
+              <a:rPr lang="pt-PT" dirty="0" smtClean="0"/>
+              <a:t> no caso do GET.</a:t>
+            </a:r>
+            <a:endParaRPr lang="pt-PT" dirty="0"/>
+          </a:p>
+        </p:txBody>
+      </p:sp>
+    </p:spTree>
+  </p:cSld>
+  <p:clrMapOvr>
+    <a:masterClrMapping/>
+  </p:clrMapOvr>
+  <p:timing>
+    <p:tnLst>
+      <p:par>
+        <p:cTn id="1" dur="indefinite" restart="never" nodeType="tmRoot"/>
+      </p:par>
+    </p:tnLst>
+  </p:timing>
+</p:sld>
+</file>
+
+<file path=ppt/slides/slide16.xml><?xml version="1.0" encoding="utf-8"?>
+<p:sld xmlns:a="http://schemas.openxmlformats.org/drawingml/2006/main" xmlns:r="http://schemas.openxmlformats.org/officeDocument/2006/relationships" xmlns:p="http://schemas.openxmlformats.org/presentationml/2006/main">
+  <p:cSld>
+    <p:spTree>
+      <p:nvGrpSpPr>
+        <p:cNvPr id="1" name=""/>
+        <p:cNvGrpSpPr/>
+        <p:nvPr/>
+      </p:nvGrpSpPr>
+      <p:grpSpPr>
+        <a:xfrm>
+          <a:off x="0" y="0"/>
+          <a:ext cx="0" cy="0"/>
+          <a:chOff x="0" y="0"/>
+          <a:chExt cx="0" cy="0"/>
+        </a:xfrm>
+      </p:grpSpPr>
+      <p:sp>
+        <p:nvSpPr>
+          <p:cNvPr id="2" name="Título 1"/>
+          <p:cNvSpPr>
+            <a:spLocks noGrp="1"/>
+          </p:cNvSpPr>
+          <p:nvPr>
+            <p:ph type="ctrTitle"/>
+          </p:nvPr>
+        </p:nvSpPr>
+        <p:spPr/>
+        <p:txBody>
+          <a:bodyPr/>
+          <a:lstStyle/>
+          <a:p>
+            <a:r>
+              <a:rPr lang="pt-PT" dirty="0" smtClean="0"/>
+              <a:t>Exemplo</a:t>
+            </a:r>
+            <a:endParaRPr lang="pt-PT" dirty="0"/>
+          </a:p>
+        </p:txBody>
+      </p:sp>
+      <p:sp>
+        <p:nvSpPr>
+          <p:cNvPr id="3" name="Subtítulo 2"/>
+          <p:cNvSpPr>
+            <a:spLocks noGrp="1"/>
+          </p:cNvSpPr>
+          <p:nvPr>
+            <p:ph type="subTitle" idx="1"/>
+          </p:nvPr>
+        </p:nvSpPr>
+        <p:spPr/>
+        <p:txBody>
+          <a:bodyPr/>
+          <a:lstStyle/>
+          <a:p>
+            <a:r>
+              <a:rPr lang="pt-PT" dirty="0" smtClean="0"/>
+              <a:t>GET </a:t>
+            </a:r>
+            <a:r>
+              <a:rPr lang="pt-PT" dirty="0" err="1" smtClean="0"/>
+              <a:t>Request</a:t>
+            </a:r>
+            <a:r>
+              <a:rPr lang="pt-PT" dirty="0" smtClean="0"/>
+              <a:t>.</a:t>
             </a:r>
             <a:endParaRPr lang="pt-PT" dirty="0"/>
           </a:p>
@@ -6758,7 +7575,5671 @@
 </p:sld>
 </file>
 
-<file path=ppt/slides/slide15.xml><?xml version="1.0" encoding="utf-8"?>
+<file path=ppt/slides/slide17.xml><?xml version="1.0" encoding="utf-8"?>
+<p:sld xmlns:a="http://schemas.openxmlformats.org/drawingml/2006/main" xmlns:r="http://schemas.openxmlformats.org/officeDocument/2006/relationships" xmlns:p="http://schemas.openxmlformats.org/presentationml/2006/main">
+  <p:cSld>
+    <p:spTree>
+      <p:nvGrpSpPr>
+        <p:cNvPr id="1" name=""/>
+        <p:cNvGrpSpPr/>
+        <p:nvPr/>
+      </p:nvGrpSpPr>
+      <p:grpSpPr>
+        <a:xfrm>
+          <a:off x="0" y="0"/>
+          <a:ext cx="0" cy="0"/>
+          <a:chOff x="0" y="0"/>
+          <a:chExt cx="0" cy="0"/>
+        </a:xfrm>
+      </p:grpSpPr>
+      <p:sp>
+        <p:nvSpPr>
+          <p:cNvPr id="2" name="Marcador de Posição do Texto 1"/>
+          <p:cNvSpPr>
+            <a:spLocks noGrp="1"/>
+          </p:cNvSpPr>
+          <p:nvPr>
+            <p:ph type="body" sz="quarter" idx="13"/>
+          </p:nvPr>
+        </p:nvSpPr>
+        <p:spPr>
+          <a:xfrm>
+            <a:off x="1259632" y="337221"/>
+            <a:ext cx="6624736" cy="3960440"/>
+          </a:xfrm>
+        </p:spPr>
+        <p:txBody>
+          <a:bodyPr>
+            <a:noAutofit/>
+          </a:bodyPr>
+          <a:lstStyle/>
+          <a:p>
+            <a:r>
+              <a:rPr lang="pt-PT" sz="1400" dirty="0" smtClean="0">
+                <a:solidFill>
+                  <a:srgbClr val="008000"/>
+                </a:solidFill>
+                <a:latin typeface="Consolas" pitchFamily="49" charset="0"/>
+              </a:rPr>
+              <a:t>/// Faz uma </a:t>
+            </a:r>
+            <a:r>
+              <a:rPr lang="pt-PT" sz="1400" dirty="0" err="1" smtClean="0">
+                <a:solidFill>
+                  <a:srgbClr val="008000"/>
+                </a:solidFill>
+                <a:latin typeface="Consolas" pitchFamily="49" charset="0"/>
+              </a:rPr>
+              <a:t>http</a:t>
+            </a:r>
+            <a:r>
+              <a:rPr lang="pt-PT" sz="1400" dirty="0" smtClean="0">
+                <a:solidFill>
+                  <a:srgbClr val="008000"/>
+                </a:solidFill>
+                <a:latin typeface="Consolas" pitchFamily="49" charset="0"/>
+              </a:rPr>
+              <a:t> GET </a:t>
+            </a:r>
+            <a:r>
+              <a:rPr lang="pt-PT" sz="1400" dirty="0" err="1" smtClean="0">
+                <a:solidFill>
+                  <a:srgbClr val="008000"/>
+                </a:solidFill>
+                <a:latin typeface="Consolas" pitchFamily="49" charset="0"/>
+              </a:rPr>
+              <a:t>request</a:t>
+            </a:r>
+            <a:r>
+              <a:rPr lang="pt-PT" sz="1400" dirty="0" smtClean="0">
+                <a:solidFill>
+                  <a:srgbClr val="008000"/>
+                </a:solidFill>
+                <a:latin typeface="Consolas" pitchFamily="49" charset="0"/>
+              </a:rPr>
+              <a:t> ao servidor.</a:t>
+            </a:r>
+            <a:endParaRPr lang="pt-PT" sz="1400" dirty="0" smtClean="0">
+              <a:solidFill>
+                <a:srgbClr val="333333"/>
+              </a:solidFill>
+              <a:latin typeface="Consolas" pitchFamily="49" charset="0"/>
+            </a:endParaRPr>
+          </a:p>
+          <a:p>
+            <a:r>
+              <a:rPr lang="en-US" sz="1400" dirty="0" smtClean="0">
+                <a:solidFill>
+                  <a:srgbClr val="0000FF"/>
+                </a:solidFill>
+                <a:latin typeface="Consolas" pitchFamily="49" charset="0"/>
+              </a:rPr>
+              <a:t>public</a:t>
+            </a:r>
+            <a:r>
+              <a:rPr lang="en-US" sz="1400" dirty="0" smtClean="0">
+                <a:solidFill>
+                  <a:srgbClr val="333333"/>
+                </a:solidFill>
+                <a:latin typeface="Consolas" pitchFamily="49" charset="0"/>
+              </a:rPr>
+              <a:t> </a:t>
+            </a:r>
+            <a:r>
+              <a:rPr lang="en-US" sz="1400" dirty="0" err="1" smtClean="0">
+                <a:solidFill>
+                  <a:srgbClr val="333333"/>
+                </a:solidFill>
+                <a:latin typeface="Consolas" pitchFamily="49" charset="0"/>
+              </a:rPr>
+              <a:t>JSONObject</a:t>
+            </a:r>
+            <a:r>
+              <a:rPr lang="en-US" sz="1400" dirty="0" smtClean="0">
+                <a:solidFill>
+                  <a:srgbClr val="333333"/>
+                </a:solidFill>
+                <a:latin typeface="Consolas" pitchFamily="49" charset="0"/>
+              </a:rPr>
+              <a:t> get(String </a:t>
+            </a:r>
+            <a:r>
+              <a:rPr lang="en-US" sz="1400" dirty="0" err="1" smtClean="0">
+                <a:solidFill>
+                  <a:srgbClr val="333333"/>
+                </a:solidFill>
+                <a:latin typeface="Consolas" pitchFamily="49" charset="0"/>
+              </a:rPr>
+              <a:t>url</a:t>
+            </a:r>
+            <a:r>
+              <a:rPr lang="en-US" sz="1400" dirty="0" smtClean="0">
+                <a:solidFill>
+                  <a:srgbClr val="333333"/>
+                </a:solidFill>
+                <a:latin typeface="Consolas" pitchFamily="49" charset="0"/>
+              </a:rPr>
+              <a:t>, List&lt;</a:t>
+            </a:r>
+            <a:r>
+              <a:rPr lang="en-US" sz="1400" dirty="0" err="1" smtClean="0">
+                <a:solidFill>
+                  <a:srgbClr val="333333"/>
+                </a:solidFill>
+                <a:latin typeface="Consolas" pitchFamily="49" charset="0"/>
+              </a:rPr>
+              <a:t>NameValuePair</a:t>
+            </a:r>
+            <a:r>
+              <a:rPr lang="en-US" sz="1400" dirty="0" smtClean="0">
+                <a:solidFill>
+                  <a:srgbClr val="333333"/>
+                </a:solidFill>
+                <a:latin typeface="Consolas" pitchFamily="49" charset="0"/>
+              </a:rPr>
+              <a:t>&gt; </a:t>
+            </a:r>
+            <a:r>
+              <a:rPr lang="en-US" sz="1400" dirty="0" err="1" smtClean="0">
+                <a:solidFill>
+                  <a:srgbClr val="333333"/>
+                </a:solidFill>
+                <a:latin typeface="Consolas" pitchFamily="49" charset="0"/>
+              </a:rPr>
+              <a:t>params</a:t>
+            </a:r>
+            <a:r>
+              <a:rPr lang="en-US" sz="1400" dirty="0" smtClean="0">
+                <a:solidFill>
+                  <a:srgbClr val="333333"/>
+                </a:solidFill>
+                <a:latin typeface="Consolas" pitchFamily="49" charset="0"/>
+              </a:rPr>
+              <a:t>) {</a:t>
+            </a:r>
+          </a:p>
+          <a:p>
+            <a:r>
+              <a:rPr lang="en-US" sz="1400" dirty="0" smtClean="0">
+                <a:solidFill>
+                  <a:srgbClr val="333333"/>
+                </a:solidFill>
+                <a:latin typeface="Consolas" pitchFamily="49" charset="0"/>
+              </a:rPr>
+              <a:t>  </a:t>
+            </a:r>
+            <a:r>
+              <a:rPr lang="pt-PT" sz="1400" dirty="0" err="1" smtClean="0">
+                <a:solidFill>
+                  <a:srgbClr val="0000FF"/>
+                </a:solidFill>
+                <a:latin typeface="Consolas" pitchFamily="49" charset="0"/>
+              </a:rPr>
+              <a:t>try</a:t>
+            </a:r>
+            <a:r>
+              <a:rPr lang="pt-PT" sz="1400" dirty="0" smtClean="0">
+                <a:solidFill>
+                  <a:srgbClr val="333333"/>
+                </a:solidFill>
+                <a:latin typeface="Consolas" pitchFamily="49" charset="0"/>
+              </a:rPr>
+              <a:t> {   </a:t>
+            </a:r>
+          </a:p>
+          <a:p>
+            <a:r>
+              <a:rPr lang="pt-PT" sz="1400" dirty="0" smtClean="0">
+                <a:solidFill>
+                  <a:srgbClr val="333333"/>
+                </a:solidFill>
+                <a:latin typeface="Consolas" pitchFamily="49" charset="0"/>
+              </a:rPr>
+              <a:t>    </a:t>
+            </a:r>
+            <a:r>
+              <a:rPr lang="pt-PT" sz="1400" dirty="0" smtClean="0">
+                <a:solidFill>
+                  <a:srgbClr val="008000"/>
+                </a:solidFill>
+                <a:latin typeface="Consolas" pitchFamily="49" charset="0"/>
+              </a:rPr>
+              <a:t>// Criação do cliente </a:t>
+            </a:r>
+            <a:r>
+              <a:rPr lang="pt-PT" sz="1400" dirty="0" err="1" smtClean="0">
+                <a:solidFill>
+                  <a:srgbClr val="008000"/>
+                </a:solidFill>
+                <a:latin typeface="Consolas" pitchFamily="49" charset="0"/>
+              </a:rPr>
+              <a:t>http</a:t>
+            </a:r>
+            <a:r>
+              <a:rPr lang="pt-PT" sz="1400" dirty="0" smtClean="0">
+                <a:solidFill>
+                  <a:srgbClr val="008000"/>
+                </a:solidFill>
+                <a:latin typeface="Consolas" pitchFamily="49" charset="0"/>
+              </a:rPr>
+              <a:t>    </a:t>
+            </a:r>
+            <a:endParaRPr lang="pt-PT" sz="1400" dirty="0" smtClean="0">
+              <a:solidFill>
+                <a:srgbClr val="333333"/>
+              </a:solidFill>
+              <a:latin typeface="Consolas" pitchFamily="49" charset="0"/>
+            </a:endParaRPr>
+          </a:p>
+          <a:p>
+            <a:r>
+              <a:rPr lang="pt-PT" sz="1400" dirty="0" smtClean="0">
+                <a:solidFill>
+                  <a:srgbClr val="333333"/>
+                </a:solidFill>
+                <a:latin typeface="Consolas" pitchFamily="49" charset="0"/>
+              </a:rPr>
+              <a:t>    </a:t>
+            </a:r>
+            <a:r>
+              <a:rPr lang="pt-PT" sz="1400" dirty="0" err="1" smtClean="0">
+                <a:solidFill>
+                  <a:srgbClr val="333333"/>
+                </a:solidFill>
+                <a:latin typeface="Consolas" pitchFamily="49" charset="0"/>
+              </a:rPr>
+              <a:t>DefaultHttpClient</a:t>
+            </a:r>
+            <a:r>
+              <a:rPr lang="pt-PT" sz="1400" dirty="0" smtClean="0">
+                <a:solidFill>
+                  <a:srgbClr val="333333"/>
+                </a:solidFill>
+                <a:latin typeface="Consolas" pitchFamily="49" charset="0"/>
+              </a:rPr>
+              <a:t> </a:t>
+            </a:r>
+            <a:r>
+              <a:rPr lang="pt-PT" sz="1400" dirty="0" err="1" smtClean="0">
+                <a:solidFill>
+                  <a:srgbClr val="333333"/>
+                </a:solidFill>
+                <a:latin typeface="Consolas" pitchFamily="49" charset="0"/>
+              </a:rPr>
+              <a:t>httpClient</a:t>
+            </a:r>
+            <a:r>
+              <a:rPr lang="pt-PT" sz="1400" dirty="0" smtClean="0">
+                <a:solidFill>
+                  <a:srgbClr val="333333"/>
+                </a:solidFill>
+                <a:latin typeface="Consolas" pitchFamily="49" charset="0"/>
+              </a:rPr>
+              <a:t> = </a:t>
+            </a:r>
+            <a:r>
+              <a:rPr lang="pt-PT" sz="1400" dirty="0" err="1" smtClean="0">
+                <a:solidFill>
+                  <a:srgbClr val="0000FF"/>
+                </a:solidFill>
+                <a:latin typeface="Consolas" pitchFamily="49" charset="0"/>
+              </a:rPr>
+              <a:t>new</a:t>
+            </a:r>
+            <a:r>
+              <a:rPr lang="pt-PT" sz="1400" dirty="0" smtClean="0">
+                <a:solidFill>
+                  <a:srgbClr val="333333"/>
+                </a:solidFill>
+                <a:latin typeface="Consolas" pitchFamily="49" charset="0"/>
+              </a:rPr>
+              <a:t> </a:t>
+            </a:r>
+            <a:r>
+              <a:rPr lang="pt-PT" sz="1400" dirty="0" err="1" smtClean="0">
+                <a:solidFill>
+                  <a:srgbClr val="333333"/>
+                </a:solidFill>
+                <a:latin typeface="Consolas" pitchFamily="49" charset="0"/>
+              </a:rPr>
+              <a:t>DefaultHttpClient</a:t>
+            </a:r>
+            <a:r>
+              <a:rPr lang="pt-PT" sz="1400" dirty="0" smtClean="0">
+                <a:solidFill>
+                  <a:srgbClr val="333333"/>
+                </a:solidFill>
+                <a:latin typeface="Consolas" pitchFamily="49" charset="0"/>
+              </a:rPr>
+              <a:t>();</a:t>
+            </a:r>
+          </a:p>
+          <a:p>
+            <a:endParaRPr lang="pt-PT" sz="1400" dirty="0" smtClean="0">
+              <a:solidFill>
+                <a:srgbClr val="333333"/>
+              </a:solidFill>
+              <a:latin typeface="Consolas" pitchFamily="49" charset="0"/>
+            </a:endParaRPr>
+          </a:p>
+          <a:p>
+            <a:r>
+              <a:rPr lang="pt-PT" sz="1400" dirty="0" smtClean="0">
+                <a:solidFill>
+                  <a:srgbClr val="333333"/>
+                </a:solidFill>
+                <a:latin typeface="Consolas" pitchFamily="49" charset="0"/>
+              </a:rPr>
+              <a:t>    </a:t>
+            </a:r>
+            <a:r>
+              <a:rPr lang="pt-PT" sz="1400" dirty="0" smtClean="0">
+                <a:solidFill>
+                  <a:srgbClr val="008000"/>
+                </a:solidFill>
+                <a:latin typeface="Consolas" pitchFamily="49" charset="0"/>
+              </a:rPr>
+              <a:t>// Definição do URL, com </a:t>
+            </a:r>
+            <a:r>
+              <a:rPr lang="pt-PT" sz="1400" dirty="0" err="1" smtClean="0">
+                <a:solidFill>
+                  <a:srgbClr val="008000"/>
+                </a:solidFill>
+                <a:latin typeface="Consolas" pitchFamily="49" charset="0"/>
+              </a:rPr>
+              <a:t>query</a:t>
+            </a:r>
+            <a:r>
+              <a:rPr lang="pt-PT" sz="1400" dirty="0" smtClean="0">
+                <a:solidFill>
+                  <a:srgbClr val="008000"/>
+                </a:solidFill>
+                <a:latin typeface="Consolas" pitchFamily="49" charset="0"/>
+              </a:rPr>
+              <a:t> </a:t>
+            </a:r>
+            <a:r>
+              <a:rPr lang="pt-PT" sz="1400" dirty="0" err="1" smtClean="0">
+                <a:solidFill>
+                  <a:srgbClr val="008000"/>
+                </a:solidFill>
+                <a:latin typeface="Consolas" pitchFamily="49" charset="0"/>
+              </a:rPr>
+              <a:t>string</a:t>
+            </a:r>
+            <a:r>
+              <a:rPr lang="pt-PT" sz="1400" dirty="0" smtClean="0">
+                <a:solidFill>
+                  <a:srgbClr val="008000"/>
+                </a:solidFill>
+                <a:latin typeface="Consolas" pitchFamily="49" charset="0"/>
+              </a:rPr>
+              <a:t> caso necessário</a:t>
+            </a:r>
+            <a:endParaRPr lang="pt-PT" sz="1400" dirty="0" smtClean="0">
+              <a:solidFill>
+                <a:srgbClr val="333333"/>
+              </a:solidFill>
+              <a:latin typeface="Consolas" pitchFamily="49" charset="0"/>
+            </a:endParaRPr>
+          </a:p>
+          <a:p>
+            <a:r>
+              <a:rPr lang="pt-PT" sz="1400" dirty="0" smtClean="0">
+                <a:solidFill>
+                  <a:srgbClr val="333333"/>
+                </a:solidFill>
+                <a:latin typeface="Consolas" pitchFamily="49" charset="0"/>
+              </a:rPr>
+              <a:t>    </a:t>
+            </a:r>
+            <a:r>
+              <a:rPr lang="en-US" sz="1400" dirty="0" smtClean="0">
+                <a:solidFill>
+                  <a:srgbClr val="333333"/>
+                </a:solidFill>
+                <a:latin typeface="Consolas" pitchFamily="49" charset="0"/>
+              </a:rPr>
+              <a:t>String </a:t>
+            </a:r>
+            <a:r>
+              <a:rPr lang="en-US" sz="1400" dirty="0" err="1" smtClean="0">
+                <a:solidFill>
+                  <a:srgbClr val="333333"/>
+                </a:solidFill>
+                <a:latin typeface="Consolas" pitchFamily="49" charset="0"/>
+              </a:rPr>
+              <a:t>paramString</a:t>
+            </a:r>
+            <a:r>
+              <a:rPr lang="en-US" sz="1400" dirty="0" smtClean="0">
+                <a:solidFill>
+                  <a:srgbClr val="333333"/>
+                </a:solidFill>
+                <a:latin typeface="Consolas" pitchFamily="49" charset="0"/>
+              </a:rPr>
+              <a:t> = </a:t>
+            </a:r>
+            <a:r>
+              <a:rPr lang="en-US" sz="1400" dirty="0" err="1" smtClean="0">
+                <a:solidFill>
+                  <a:srgbClr val="333333"/>
+                </a:solidFill>
+                <a:latin typeface="Consolas" pitchFamily="49" charset="0"/>
+              </a:rPr>
+              <a:t>URLEncodedUtils.format</a:t>
+            </a:r>
+            <a:r>
+              <a:rPr lang="en-US" sz="1400" dirty="0" smtClean="0">
+                <a:solidFill>
+                  <a:srgbClr val="333333"/>
+                </a:solidFill>
+                <a:latin typeface="Consolas" pitchFamily="49" charset="0"/>
+              </a:rPr>
+              <a:t>(</a:t>
+            </a:r>
+            <a:r>
+              <a:rPr lang="en-US" sz="1400" dirty="0" err="1" smtClean="0">
+                <a:solidFill>
+                  <a:srgbClr val="333333"/>
+                </a:solidFill>
+                <a:latin typeface="Consolas" pitchFamily="49" charset="0"/>
+              </a:rPr>
+              <a:t>params</a:t>
+            </a:r>
+            <a:r>
+              <a:rPr lang="en-US" sz="1400" dirty="0" smtClean="0">
+                <a:solidFill>
+                  <a:srgbClr val="333333"/>
+                </a:solidFill>
+                <a:latin typeface="Consolas" pitchFamily="49" charset="0"/>
+              </a:rPr>
+              <a:t>, </a:t>
+            </a:r>
+            <a:r>
+              <a:rPr lang="en-US" sz="1400" dirty="0" smtClean="0">
+                <a:solidFill>
+                  <a:srgbClr val="A31515"/>
+                </a:solidFill>
+                <a:latin typeface="Consolas" pitchFamily="49" charset="0"/>
+              </a:rPr>
+              <a:t>"utf-8"</a:t>
+            </a:r>
+            <a:r>
+              <a:rPr lang="en-US" sz="1400" dirty="0" smtClean="0">
+                <a:solidFill>
+                  <a:srgbClr val="333333"/>
+                </a:solidFill>
+                <a:latin typeface="Consolas" pitchFamily="49" charset="0"/>
+              </a:rPr>
+              <a:t>);</a:t>
+            </a:r>
+          </a:p>
+          <a:p>
+            <a:r>
+              <a:rPr lang="en-US" sz="1400" dirty="0" smtClean="0">
+                <a:solidFill>
+                  <a:srgbClr val="333333"/>
+                </a:solidFill>
+                <a:latin typeface="Consolas" pitchFamily="49" charset="0"/>
+              </a:rPr>
+              <a:t>    </a:t>
+            </a:r>
+            <a:r>
+              <a:rPr lang="pt-PT" sz="1400" dirty="0" err="1" smtClean="0">
+                <a:solidFill>
+                  <a:srgbClr val="333333"/>
+                </a:solidFill>
+                <a:latin typeface="Consolas" pitchFamily="49" charset="0"/>
+              </a:rPr>
+              <a:t>url</a:t>
+            </a:r>
+            <a:r>
+              <a:rPr lang="pt-PT" sz="1400" dirty="0" smtClean="0">
+                <a:solidFill>
+                  <a:srgbClr val="333333"/>
+                </a:solidFill>
+                <a:latin typeface="Consolas" pitchFamily="49" charset="0"/>
+              </a:rPr>
+              <a:t> += </a:t>
+            </a:r>
+            <a:r>
+              <a:rPr lang="pt-PT" sz="1400" dirty="0" smtClean="0">
+                <a:solidFill>
+                  <a:srgbClr val="A31515"/>
+                </a:solidFill>
+                <a:latin typeface="Consolas" pitchFamily="49" charset="0"/>
+              </a:rPr>
+              <a:t>"?"</a:t>
+            </a:r>
+            <a:r>
+              <a:rPr lang="pt-PT" sz="1400" dirty="0" smtClean="0">
+                <a:solidFill>
+                  <a:srgbClr val="333333"/>
+                </a:solidFill>
+                <a:latin typeface="Consolas" pitchFamily="49" charset="0"/>
+              </a:rPr>
+              <a:t> + </a:t>
+            </a:r>
+            <a:r>
+              <a:rPr lang="pt-PT" sz="1400" dirty="0" err="1" smtClean="0">
+                <a:solidFill>
+                  <a:srgbClr val="333333"/>
+                </a:solidFill>
+                <a:latin typeface="Consolas" pitchFamily="49" charset="0"/>
+              </a:rPr>
+              <a:t>paramString</a:t>
+            </a:r>
+            <a:r>
+              <a:rPr lang="pt-PT" sz="1400" dirty="0" smtClean="0">
+                <a:solidFill>
+                  <a:srgbClr val="333333"/>
+                </a:solidFill>
+                <a:latin typeface="Consolas" pitchFamily="49" charset="0"/>
+              </a:rPr>
+              <a:t>;</a:t>
+            </a:r>
+          </a:p>
+          <a:p>
+            <a:endParaRPr lang="pt-PT" sz="1400" dirty="0" smtClean="0">
+              <a:solidFill>
+                <a:srgbClr val="333333"/>
+              </a:solidFill>
+              <a:latin typeface="Consolas" pitchFamily="49" charset="0"/>
+            </a:endParaRPr>
+          </a:p>
+          <a:p>
+            <a:r>
+              <a:rPr lang="pt-PT" sz="1400" dirty="0" smtClean="0">
+                <a:solidFill>
+                  <a:srgbClr val="333333"/>
+                </a:solidFill>
+                <a:latin typeface="Consolas" pitchFamily="49" charset="0"/>
+              </a:rPr>
+              <a:t>    </a:t>
+            </a:r>
+            <a:r>
+              <a:rPr lang="pt-PT" sz="1400" dirty="0" smtClean="0">
+                <a:solidFill>
+                  <a:srgbClr val="008000"/>
+                </a:solidFill>
+                <a:latin typeface="Consolas" pitchFamily="49" charset="0"/>
+              </a:rPr>
+              <a:t>// Criação e envio da GET </a:t>
+            </a:r>
+            <a:r>
+              <a:rPr lang="pt-PT" sz="1400" dirty="0" err="1" smtClean="0">
+                <a:solidFill>
+                  <a:srgbClr val="008000"/>
+                </a:solidFill>
+                <a:latin typeface="Consolas" pitchFamily="49" charset="0"/>
+              </a:rPr>
+              <a:t>request</a:t>
+            </a:r>
+            <a:endParaRPr lang="pt-PT" sz="1400" dirty="0" smtClean="0">
+              <a:solidFill>
+                <a:srgbClr val="333333"/>
+              </a:solidFill>
+              <a:latin typeface="Consolas" pitchFamily="49" charset="0"/>
+            </a:endParaRPr>
+          </a:p>
+          <a:p>
+            <a:r>
+              <a:rPr lang="pt-PT" sz="1400" dirty="0" smtClean="0">
+                <a:solidFill>
+                  <a:srgbClr val="333333"/>
+                </a:solidFill>
+                <a:latin typeface="Consolas" pitchFamily="49" charset="0"/>
+              </a:rPr>
+              <a:t>    </a:t>
+            </a:r>
+            <a:r>
+              <a:rPr lang="en-US" sz="1400" dirty="0" err="1" smtClean="0">
+                <a:solidFill>
+                  <a:srgbClr val="333333"/>
+                </a:solidFill>
+                <a:latin typeface="Consolas" pitchFamily="49" charset="0"/>
+              </a:rPr>
+              <a:t>HttpGet</a:t>
+            </a:r>
+            <a:r>
+              <a:rPr lang="en-US" sz="1400" dirty="0" smtClean="0">
+                <a:solidFill>
+                  <a:srgbClr val="333333"/>
+                </a:solidFill>
+                <a:latin typeface="Consolas" pitchFamily="49" charset="0"/>
+              </a:rPr>
+              <a:t> </a:t>
+            </a:r>
+            <a:r>
+              <a:rPr lang="en-US" sz="1400" dirty="0" err="1" smtClean="0">
+                <a:solidFill>
+                  <a:srgbClr val="333333"/>
+                </a:solidFill>
+                <a:latin typeface="Consolas" pitchFamily="49" charset="0"/>
+              </a:rPr>
+              <a:t>httpGet</a:t>
+            </a:r>
+            <a:r>
+              <a:rPr lang="en-US" sz="1400" dirty="0" smtClean="0">
+                <a:solidFill>
+                  <a:srgbClr val="333333"/>
+                </a:solidFill>
+                <a:latin typeface="Consolas" pitchFamily="49" charset="0"/>
+              </a:rPr>
+              <a:t> = </a:t>
+            </a:r>
+            <a:r>
+              <a:rPr lang="en-US" sz="1400" dirty="0" smtClean="0">
+                <a:solidFill>
+                  <a:srgbClr val="0000FF"/>
+                </a:solidFill>
+                <a:latin typeface="Consolas" pitchFamily="49" charset="0"/>
+              </a:rPr>
+              <a:t>new</a:t>
+            </a:r>
+            <a:r>
+              <a:rPr lang="en-US" sz="1400" dirty="0" smtClean="0">
+                <a:solidFill>
+                  <a:srgbClr val="333333"/>
+                </a:solidFill>
+                <a:latin typeface="Consolas" pitchFamily="49" charset="0"/>
+              </a:rPr>
+              <a:t> </a:t>
+            </a:r>
+            <a:r>
+              <a:rPr lang="en-US" sz="1400" dirty="0" err="1" smtClean="0">
+                <a:solidFill>
+                  <a:srgbClr val="333333"/>
+                </a:solidFill>
+                <a:latin typeface="Consolas" pitchFamily="49" charset="0"/>
+              </a:rPr>
+              <a:t>HttpGet</a:t>
+            </a:r>
+            <a:r>
+              <a:rPr lang="en-US" sz="1400" dirty="0" smtClean="0">
+                <a:solidFill>
+                  <a:srgbClr val="333333"/>
+                </a:solidFill>
+                <a:latin typeface="Consolas" pitchFamily="49" charset="0"/>
+              </a:rPr>
+              <a:t>(</a:t>
+            </a:r>
+            <a:r>
+              <a:rPr lang="en-US" sz="1400" dirty="0" err="1" smtClean="0">
+                <a:solidFill>
+                  <a:srgbClr val="333333"/>
+                </a:solidFill>
+                <a:latin typeface="Consolas" pitchFamily="49" charset="0"/>
+              </a:rPr>
+              <a:t>url</a:t>
+            </a:r>
+            <a:r>
+              <a:rPr lang="en-US" sz="1400" dirty="0" smtClean="0">
+                <a:solidFill>
+                  <a:srgbClr val="333333"/>
+                </a:solidFill>
+                <a:latin typeface="Consolas" pitchFamily="49" charset="0"/>
+              </a:rPr>
+              <a:t>);</a:t>
+            </a:r>
+          </a:p>
+          <a:p>
+            <a:r>
+              <a:rPr lang="en-US" sz="1400" dirty="0" smtClean="0">
+                <a:solidFill>
+                  <a:srgbClr val="333333"/>
+                </a:solidFill>
+                <a:latin typeface="Consolas" pitchFamily="49" charset="0"/>
+              </a:rPr>
+              <a:t>    </a:t>
+            </a:r>
+            <a:r>
+              <a:rPr lang="pt-PT" sz="1400" dirty="0" err="1" smtClean="0">
+                <a:solidFill>
+                  <a:srgbClr val="333333"/>
+                </a:solidFill>
+                <a:latin typeface="Consolas" pitchFamily="49" charset="0"/>
+              </a:rPr>
+              <a:t>HttpResponse</a:t>
+            </a:r>
+            <a:r>
+              <a:rPr lang="pt-PT" sz="1400" dirty="0" smtClean="0">
+                <a:solidFill>
+                  <a:srgbClr val="333333"/>
+                </a:solidFill>
+                <a:latin typeface="Consolas" pitchFamily="49" charset="0"/>
+              </a:rPr>
+              <a:t> </a:t>
+            </a:r>
+            <a:r>
+              <a:rPr lang="pt-PT" sz="1400" dirty="0" err="1" smtClean="0">
+                <a:solidFill>
+                  <a:srgbClr val="333333"/>
+                </a:solidFill>
+                <a:latin typeface="Consolas" pitchFamily="49" charset="0"/>
+              </a:rPr>
+              <a:t>httpResponse</a:t>
+            </a:r>
+            <a:r>
+              <a:rPr lang="pt-PT" sz="1400" dirty="0" smtClean="0">
+                <a:solidFill>
+                  <a:srgbClr val="333333"/>
+                </a:solidFill>
+                <a:latin typeface="Consolas" pitchFamily="49" charset="0"/>
+              </a:rPr>
+              <a:t> = </a:t>
+            </a:r>
+            <a:r>
+              <a:rPr lang="pt-PT" sz="1400" dirty="0" err="1" smtClean="0">
+                <a:solidFill>
+                  <a:srgbClr val="333333"/>
+                </a:solidFill>
+                <a:latin typeface="Consolas" pitchFamily="49" charset="0"/>
+              </a:rPr>
+              <a:t>httpClient.execute</a:t>
+            </a:r>
+            <a:r>
+              <a:rPr lang="pt-PT" sz="1400" dirty="0" smtClean="0">
+                <a:solidFill>
+                  <a:srgbClr val="333333"/>
+                </a:solidFill>
+                <a:latin typeface="Consolas" pitchFamily="49" charset="0"/>
+              </a:rPr>
+              <a:t>(</a:t>
+            </a:r>
+            <a:r>
+              <a:rPr lang="pt-PT" sz="1400" dirty="0" err="1" smtClean="0">
+                <a:solidFill>
+                  <a:srgbClr val="333333"/>
+                </a:solidFill>
+                <a:latin typeface="Consolas" pitchFamily="49" charset="0"/>
+              </a:rPr>
+              <a:t>httpGet</a:t>
+            </a:r>
+            <a:r>
+              <a:rPr lang="pt-PT" sz="1400" dirty="0" smtClean="0">
+                <a:solidFill>
+                  <a:srgbClr val="333333"/>
+                </a:solidFill>
+                <a:latin typeface="Consolas" pitchFamily="49" charset="0"/>
+              </a:rPr>
+              <a:t>);</a:t>
+            </a:r>
+          </a:p>
+          <a:p>
+            <a:endParaRPr lang="pt-PT" sz="1400" dirty="0" smtClean="0">
+              <a:solidFill>
+                <a:srgbClr val="333333"/>
+              </a:solidFill>
+              <a:latin typeface="Consolas" pitchFamily="49" charset="0"/>
+            </a:endParaRPr>
+          </a:p>
+          <a:p>
+            <a:r>
+              <a:rPr lang="pt-PT" sz="1400" dirty="0" smtClean="0">
+                <a:solidFill>
+                  <a:srgbClr val="333333"/>
+                </a:solidFill>
+                <a:latin typeface="Consolas" pitchFamily="49" charset="0"/>
+              </a:rPr>
+              <a:t>    </a:t>
+            </a:r>
+            <a:r>
+              <a:rPr lang="pt-PT" sz="1400" dirty="0" smtClean="0">
+                <a:solidFill>
+                  <a:srgbClr val="008000"/>
+                </a:solidFill>
+                <a:latin typeface="Consolas" pitchFamily="49" charset="0"/>
+              </a:rPr>
+              <a:t>// </a:t>
+            </a:r>
+            <a:r>
+              <a:rPr lang="pt-PT" sz="1400" dirty="0" smtClean="0">
+                <a:solidFill>
+                  <a:srgbClr val="008000"/>
+                </a:solidFill>
+                <a:latin typeface="Consolas" pitchFamily="49" charset="0"/>
+              </a:rPr>
+              <a:t>Continua...</a:t>
+            </a:r>
+            <a:endParaRPr lang="pt-PT" sz="1400" dirty="0">
+              <a:latin typeface="Consolas" pitchFamily="49" charset="0"/>
+            </a:endParaRPr>
+          </a:p>
+        </p:txBody>
+      </p:sp>
+      <p:sp>
+        <p:nvSpPr>
+          <p:cNvPr id="3" name="Marcador de Posição do Texto 2"/>
+          <p:cNvSpPr>
+            <a:spLocks noGrp="1"/>
+          </p:cNvSpPr>
+          <p:nvPr>
+            <p:ph type="body" sz="quarter" idx="14"/>
+          </p:nvPr>
+        </p:nvSpPr>
+        <p:spPr/>
+        <p:txBody>
+          <a:bodyPr/>
+          <a:lstStyle/>
+          <a:p>
+            <a:r>
+              <a:rPr lang="pt-PT" dirty="0" smtClean="0"/>
+              <a:t>Exemplo: Obtenção de dados do servidor (1/3)</a:t>
+            </a:r>
+            <a:endParaRPr lang="pt-PT" dirty="0"/>
+          </a:p>
+        </p:txBody>
+      </p:sp>
+    </p:spTree>
+  </p:cSld>
+  <p:clrMapOvr>
+    <a:masterClrMapping/>
+  </p:clrMapOvr>
+  <p:timing>
+    <p:tnLst>
+      <p:par>
+        <p:cTn id="1" dur="indefinite" restart="never" nodeType="tmRoot"/>
+      </p:par>
+    </p:tnLst>
+  </p:timing>
+</p:sld>
+</file>
+
+<file path=ppt/slides/slide18.xml><?xml version="1.0" encoding="utf-8"?>
+<p:sld xmlns:a="http://schemas.openxmlformats.org/drawingml/2006/main" xmlns:r="http://schemas.openxmlformats.org/officeDocument/2006/relationships" xmlns:p="http://schemas.openxmlformats.org/presentationml/2006/main">
+  <p:cSld>
+    <p:spTree>
+      <p:nvGrpSpPr>
+        <p:cNvPr id="1" name=""/>
+        <p:cNvGrpSpPr/>
+        <p:nvPr/>
+      </p:nvGrpSpPr>
+      <p:grpSpPr>
+        <a:xfrm>
+          <a:off x="0" y="0"/>
+          <a:ext cx="0" cy="0"/>
+          <a:chOff x="0" y="0"/>
+          <a:chExt cx="0" cy="0"/>
+        </a:xfrm>
+      </p:grpSpPr>
+      <p:sp>
+        <p:nvSpPr>
+          <p:cNvPr id="2" name="Marcador de Posição do Texto 1"/>
+          <p:cNvSpPr>
+            <a:spLocks noGrp="1"/>
+          </p:cNvSpPr>
+          <p:nvPr>
+            <p:ph type="body" sz="quarter" idx="13"/>
+          </p:nvPr>
+        </p:nvSpPr>
+        <p:spPr>
+          <a:xfrm>
+            <a:off x="1259632" y="337221"/>
+            <a:ext cx="5472608" cy="3960440"/>
+          </a:xfrm>
+        </p:spPr>
+        <p:txBody>
+          <a:bodyPr>
+            <a:noAutofit/>
+          </a:bodyPr>
+          <a:lstStyle/>
+          <a:p>
+            <a:r>
+              <a:rPr lang="pt-PT" sz="1400" dirty="0" smtClean="0">
+                <a:solidFill>
+                  <a:srgbClr val="333333"/>
+                </a:solidFill>
+                <a:latin typeface="Consolas" pitchFamily="49" charset="0"/>
+              </a:rPr>
+              <a:t> </a:t>
+            </a:r>
+            <a:r>
+              <a:rPr lang="pt-PT" sz="1400" dirty="0" smtClean="0">
+                <a:solidFill>
+                  <a:srgbClr val="333333"/>
+                </a:solidFill>
+                <a:latin typeface="Consolas" pitchFamily="49" charset="0"/>
+              </a:rPr>
+              <a:t>   </a:t>
+            </a:r>
+            <a:r>
+              <a:rPr lang="pt-PT" sz="1400" dirty="0" smtClean="0">
+                <a:solidFill>
+                  <a:srgbClr val="008000"/>
+                </a:solidFill>
+                <a:latin typeface="Consolas" pitchFamily="49" charset="0"/>
+              </a:rPr>
+              <a:t>// </a:t>
+            </a:r>
+            <a:r>
+              <a:rPr lang="pt-PT" sz="1400" dirty="0" smtClean="0">
+                <a:solidFill>
+                  <a:srgbClr val="008000"/>
+                </a:solidFill>
+                <a:latin typeface="Consolas" pitchFamily="49" charset="0"/>
+              </a:rPr>
+              <a:t>Obtenção dos dados da resposta do servidor.</a:t>
+            </a:r>
+            <a:endParaRPr lang="pt-PT" sz="1400" dirty="0" smtClean="0">
+              <a:solidFill>
+                <a:srgbClr val="333333"/>
+              </a:solidFill>
+              <a:latin typeface="Consolas" pitchFamily="49" charset="0"/>
+            </a:endParaRPr>
+          </a:p>
+          <a:p>
+            <a:r>
+              <a:rPr lang="pt-PT" sz="1400" dirty="0" smtClean="0">
+                <a:solidFill>
+                  <a:srgbClr val="333333"/>
+                </a:solidFill>
+                <a:latin typeface="Consolas" pitchFamily="49" charset="0"/>
+              </a:rPr>
+              <a:t>    </a:t>
+            </a:r>
+            <a:r>
+              <a:rPr lang="en-US" sz="1400" dirty="0" err="1" smtClean="0">
+                <a:solidFill>
+                  <a:srgbClr val="333333"/>
+                </a:solidFill>
+                <a:latin typeface="Consolas" pitchFamily="49" charset="0"/>
+              </a:rPr>
+              <a:t>HttpEntity</a:t>
+            </a:r>
+            <a:r>
+              <a:rPr lang="en-US" sz="1400" dirty="0" smtClean="0">
+                <a:solidFill>
+                  <a:srgbClr val="333333"/>
+                </a:solidFill>
+                <a:latin typeface="Consolas" pitchFamily="49" charset="0"/>
+              </a:rPr>
+              <a:t> </a:t>
+            </a:r>
+            <a:r>
+              <a:rPr lang="en-US" sz="1400" dirty="0" err="1" smtClean="0">
+                <a:solidFill>
+                  <a:srgbClr val="333333"/>
+                </a:solidFill>
+                <a:latin typeface="Consolas" pitchFamily="49" charset="0"/>
+              </a:rPr>
+              <a:t>httpEntity</a:t>
+            </a:r>
+            <a:r>
+              <a:rPr lang="en-US" sz="1400" dirty="0" smtClean="0">
+                <a:solidFill>
+                  <a:srgbClr val="333333"/>
+                </a:solidFill>
+                <a:latin typeface="Consolas" pitchFamily="49" charset="0"/>
+              </a:rPr>
+              <a:t> = </a:t>
+            </a:r>
+            <a:r>
+              <a:rPr lang="en-US" sz="1400" dirty="0" err="1" smtClean="0">
+                <a:solidFill>
+                  <a:srgbClr val="333333"/>
+                </a:solidFill>
+                <a:latin typeface="Consolas" pitchFamily="49" charset="0"/>
+              </a:rPr>
+              <a:t>httpResponse.getEntity</a:t>
+            </a:r>
+            <a:r>
+              <a:rPr lang="en-US" sz="1400" dirty="0" smtClean="0">
+                <a:solidFill>
+                  <a:srgbClr val="333333"/>
+                </a:solidFill>
+                <a:latin typeface="Consolas" pitchFamily="49" charset="0"/>
+              </a:rPr>
+              <a:t>();</a:t>
+            </a:r>
+          </a:p>
+          <a:p>
+            <a:r>
+              <a:rPr lang="en-US" sz="1400" dirty="0" smtClean="0">
+                <a:solidFill>
+                  <a:srgbClr val="333333"/>
+                </a:solidFill>
+                <a:latin typeface="Consolas" pitchFamily="49" charset="0"/>
+              </a:rPr>
+              <a:t>    </a:t>
+            </a:r>
+            <a:r>
+              <a:rPr lang="en-US" sz="1400" dirty="0" err="1" smtClean="0">
+                <a:solidFill>
+                  <a:srgbClr val="333333"/>
+                </a:solidFill>
+                <a:latin typeface="Consolas" pitchFamily="49" charset="0"/>
+              </a:rPr>
+              <a:t>InputStream</a:t>
+            </a:r>
+            <a:r>
+              <a:rPr lang="en-US" sz="1400" dirty="0" smtClean="0">
+                <a:solidFill>
+                  <a:srgbClr val="333333"/>
+                </a:solidFill>
+                <a:latin typeface="Consolas" pitchFamily="49" charset="0"/>
+              </a:rPr>
+              <a:t> is = </a:t>
+            </a:r>
+            <a:r>
+              <a:rPr lang="en-US" sz="1400" dirty="0" err="1" smtClean="0">
+                <a:solidFill>
+                  <a:srgbClr val="333333"/>
+                </a:solidFill>
+                <a:latin typeface="Consolas" pitchFamily="49" charset="0"/>
+              </a:rPr>
+              <a:t>httpEntity.getContent</a:t>
+            </a:r>
+            <a:r>
+              <a:rPr lang="en-US" sz="1400" dirty="0" smtClean="0">
+                <a:solidFill>
+                  <a:srgbClr val="333333"/>
+                </a:solidFill>
+                <a:latin typeface="Consolas" pitchFamily="49" charset="0"/>
+              </a:rPr>
+              <a:t>();</a:t>
+            </a:r>
+          </a:p>
+          <a:p>
+            <a:endParaRPr lang="en-US" sz="1400" dirty="0" smtClean="0">
+              <a:solidFill>
+                <a:srgbClr val="333333"/>
+              </a:solidFill>
+              <a:latin typeface="Consolas" pitchFamily="49" charset="0"/>
+            </a:endParaRPr>
+          </a:p>
+          <a:p>
+            <a:r>
+              <a:rPr lang="en-US" sz="1400" dirty="0" smtClean="0">
+                <a:solidFill>
+                  <a:srgbClr val="333333"/>
+                </a:solidFill>
+                <a:latin typeface="Consolas" pitchFamily="49" charset="0"/>
+              </a:rPr>
+              <a:t>  } </a:t>
+            </a:r>
+            <a:r>
+              <a:rPr lang="en-US" sz="1400" dirty="0" smtClean="0">
+                <a:solidFill>
+                  <a:srgbClr val="0000FF"/>
+                </a:solidFill>
+                <a:latin typeface="Consolas" pitchFamily="49" charset="0"/>
+              </a:rPr>
+              <a:t>catch</a:t>
+            </a:r>
+            <a:r>
+              <a:rPr lang="en-US" sz="1400" dirty="0" smtClean="0">
+                <a:solidFill>
+                  <a:srgbClr val="333333"/>
+                </a:solidFill>
+                <a:latin typeface="Consolas" pitchFamily="49" charset="0"/>
+              </a:rPr>
+              <a:t> (Exception e) </a:t>
+            </a:r>
+            <a:r>
+              <a:rPr lang="en-US" sz="1400" dirty="0" smtClean="0">
+                <a:solidFill>
+                  <a:srgbClr val="333333"/>
+                </a:solidFill>
+                <a:latin typeface="Consolas" pitchFamily="49" charset="0"/>
+              </a:rPr>
+              <a:t>{</a:t>
+            </a:r>
+            <a:r>
+              <a:rPr lang="en-US" sz="1400" dirty="0" smtClean="0">
+                <a:solidFill>
+                  <a:srgbClr val="008000"/>
+                </a:solidFill>
+                <a:latin typeface="Consolas" pitchFamily="49" charset="0"/>
+              </a:rPr>
+              <a:t>/* </a:t>
+            </a:r>
+            <a:r>
+              <a:rPr lang="en-US" sz="1400" dirty="0" err="1" smtClean="0">
+                <a:solidFill>
+                  <a:srgbClr val="008000"/>
+                </a:solidFill>
+                <a:latin typeface="Consolas" pitchFamily="49" charset="0"/>
+              </a:rPr>
+              <a:t>Erro</a:t>
+            </a:r>
+            <a:r>
+              <a:rPr lang="en-US" sz="1400" dirty="0" smtClean="0">
+                <a:solidFill>
+                  <a:srgbClr val="008000"/>
+                </a:solidFill>
+                <a:latin typeface="Consolas" pitchFamily="49" charset="0"/>
+              </a:rPr>
+              <a:t> </a:t>
+            </a:r>
+            <a:r>
+              <a:rPr lang="en-US" sz="1400" dirty="0" err="1" smtClean="0">
+                <a:solidFill>
+                  <a:srgbClr val="008000"/>
+                </a:solidFill>
+                <a:latin typeface="Consolas" pitchFamily="49" charset="0"/>
+              </a:rPr>
+              <a:t>na</a:t>
+            </a:r>
+            <a:r>
+              <a:rPr lang="en-US" sz="1400" dirty="0" smtClean="0">
+                <a:solidFill>
+                  <a:srgbClr val="008000"/>
+                </a:solidFill>
+                <a:latin typeface="Consolas" pitchFamily="49" charset="0"/>
+              </a:rPr>
+              <a:t> request! */</a:t>
+            </a:r>
+            <a:r>
+              <a:rPr lang="en-US" sz="1400" dirty="0" smtClean="0">
+                <a:solidFill>
+                  <a:srgbClr val="333333"/>
+                </a:solidFill>
+                <a:latin typeface="Consolas" pitchFamily="49" charset="0"/>
+              </a:rPr>
+              <a:t>}</a:t>
+            </a:r>
+            <a:endParaRPr lang="en-US" sz="1400" dirty="0" smtClean="0">
+              <a:solidFill>
+                <a:srgbClr val="333333"/>
+              </a:solidFill>
+              <a:latin typeface="Consolas" pitchFamily="49" charset="0"/>
+            </a:endParaRPr>
+          </a:p>
+          <a:p>
+            <a:r>
+              <a:rPr lang="en-US" sz="1400" dirty="0" smtClean="0">
+                <a:solidFill>
+                  <a:srgbClr val="333333"/>
+                </a:solidFill>
+                <a:latin typeface="Consolas" pitchFamily="49" charset="0"/>
+              </a:rPr>
+              <a:t>  </a:t>
+            </a:r>
+            <a:r>
+              <a:rPr lang="en-US" sz="1400" dirty="0" smtClean="0">
+                <a:solidFill>
+                  <a:srgbClr val="0000FF"/>
+                </a:solidFill>
+                <a:latin typeface="Consolas" pitchFamily="49" charset="0"/>
+              </a:rPr>
+              <a:t>try</a:t>
+            </a:r>
+            <a:r>
+              <a:rPr lang="en-US" sz="1400" dirty="0" smtClean="0">
+                <a:solidFill>
+                  <a:srgbClr val="333333"/>
+                </a:solidFill>
+                <a:latin typeface="Consolas" pitchFamily="49" charset="0"/>
+              </a:rPr>
+              <a:t> {</a:t>
+            </a:r>
+          </a:p>
+          <a:p>
+            <a:r>
+              <a:rPr lang="en-US" sz="1400" dirty="0" smtClean="0">
+                <a:solidFill>
+                  <a:srgbClr val="333333"/>
+                </a:solidFill>
+                <a:latin typeface="Consolas" pitchFamily="49" charset="0"/>
+              </a:rPr>
+              <a:t>    </a:t>
+            </a:r>
+            <a:r>
+              <a:rPr lang="pt-PT" sz="1400" dirty="0" smtClean="0">
+                <a:solidFill>
+                  <a:srgbClr val="008000"/>
+                </a:solidFill>
+                <a:latin typeface="Consolas" pitchFamily="49" charset="0"/>
+              </a:rPr>
+              <a:t>// Leitura dos dados.</a:t>
+            </a:r>
+            <a:endParaRPr lang="pt-PT" sz="1400" dirty="0" smtClean="0">
+              <a:solidFill>
+                <a:srgbClr val="333333"/>
+              </a:solidFill>
+              <a:latin typeface="Consolas" pitchFamily="49" charset="0"/>
+            </a:endParaRPr>
+          </a:p>
+          <a:p>
+            <a:r>
+              <a:rPr lang="pt-PT" sz="1400" dirty="0" smtClean="0">
+                <a:solidFill>
+                  <a:srgbClr val="333333"/>
+                </a:solidFill>
+                <a:latin typeface="Consolas" pitchFamily="49" charset="0"/>
+              </a:rPr>
+              <a:t>    </a:t>
+            </a:r>
+            <a:r>
+              <a:rPr lang="pt-PT" sz="1400" dirty="0" err="1" smtClean="0">
+                <a:solidFill>
+                  <a:srgbClr val="333333"/>
+                </a:solidFill>
+                <a:latin typeface="Consolas" pitchFamily="49" charset="0"/>
+              </a:rPr>
+              <a:t>BufferedReader</a:t>
+            </a:r>
+            <a:r>
+              <a:rPr lang="pt-PT" sz="1400" dirty="0" smtClean="0">
+                <a:solidFill>
+                  <a:srgbClr val="333333"/>
+                </a:solidFill>
+                <a:latin typeface="Consolas" pitchFamily="49" charset="0"/>
+              </a:rPr>
+              <a:t> </a:t>
+            </a:r>
+            <a:r>
+              <a:rPr lang="pt-PT" sz="1400" dirty="0" err="1" smtClean="0">
+                <a:solidFill>
+                  <a:srgbClr val="333333"/>
+                </a:solidFill>
+                <a:latin typeface="Consolas" pitchFamily="49" charset="0"/>
+              </a:rPr>
+              <a:t>reader</a:t>
+            </a:r>
+            <a:r>
+              <a:rPr lang="pt-PT" sz="1400" dirty="0" smtClean="0">
+                <a:solidFill>
+                  <a:srgbClr val="333333"/>
+                </a:solidFill>
+                <a:latin typeface="Consolas" pitchFamily="49" charset="0"/>
+              </a:rPr>
+              <a:t> = </a:t>
+            </a:r>
+          </a:p>
+          <a:p>
+            <a:r>
+              <a:rPr lang="pt-PT" sz="1400" dirty="0" smtClean="0">
+                <a:solidFill>
+                  <a:srgbClr val="333333"/>
+                </a:solidFill>
+                <a:latin typeface="Consolas" pitchFamily="49" charset="0"/>
+              </a:rPr>
+              <a:t>        </a:t>
+            </a:r>
+            <a:r>
+              <a:rPr lang="en-US" sz="1400" dirty="0" smtClean="0">
+                <a:solidFill>
+                  <a:srgbClr val="0000FF"/>
+                </a:solidFill>
+                <a:latin typeface="Consolas" pitchFamily="49" charset="0"/>
+              </a:rPr>
+              <a:t>new</a:t>
+            </a:r>
+            <a:r>
+              <a:rPr lang="en-US" sz="1400" dirty="0" smtClean="0">
+                <a:solidFill>
+                  <a:srgbClr val="333333"/>
+                </a:solidFill>
+                <a:latin typeface="Consolas" pitchFamily="49" charset="0"/>
+              </a:rPr>
+              <a:t> </a:t>
+            </a:r>
+            <a:r>
+              <a:rPr lang="en-US" sz="1400" dirty="0" err="1" smtClean="0">
+                <a:solidFill>
+                  <a:srgbClr val="333333"/>
+                </a:solidFill>
+                <a:latin typeface="Consolas" pitchFamily="49" charset="0"/>
+              </a:rPr>
+              <a:t>BufferedReader</a:t>
+            </a:r>
+            <a:r>
+              <a:rPr lang="en-US" sz="1400" dirty="0" smtClean="0">
+                <a:solidFill>
+                  <a:srgbClr val="333333"/>
+                </a:solidFill>
+                <a:latin typeface="Consolas" pitchFamily="49" charset="0"/>
+              </a:rPr>
+              <a:t>(</a:t>
+            </a:r>
+          </a:p>
+          <a:p>
+            <a:r>
+              <a:rPr lang="en-US" sz="1400" dirty="0" smtClean="0">
+                <a:solidFill>
+                  <a:srgbClr val="333333"/>
+                </a:solidFill>
+                <a:latin typeface="Consolas" pitchFamily="49" charset="0"/>
+              </a:rPr>
+              <a:t>          </a:t>
+            </a:r>
+            <a:r>
+              <a:rPr lang="en-US" sz="1400" dirty="0" smtClean="0">
+                <a:solidFill>
+                  <a:srgbClr val="0000FF"/>
+                </a:solidFill>
+                <a:latin typeface="Consolas" pitchFamily="49" charset="0"/>
+              </a:rPr>
+              <a:t>new</a:t>
+            </a:r>
+            <a:r>
+              <a:rPr lang="en-US" sz="1400" dirty="0" smtClean="0">
+                <a:solidFill>
+                  <a:srgbClr val="333333"/>
+                </a:solidFill>
+                <a:latin typeface="Consolas" pitchFamily="49" charset="0"/>
+              </a:rPr>
+              <a:t> </a:t>
+            </a:r>
+            <a:r>
+              <a:rPr lang="en-US" sz="1400" dirty="0" err="1" smtClean="0">
+                <a:solidFill>
+                  <a:srgbClr val="333333"/>
+                </a:solidFill>
+                <a:latin typeface="Consolas" pitchFamily="49" charset="0"/>
+              </a:rPr>
+              <a:t>InputStreamReader</a:t>
+            </a:r>
+            <a:r>
+              <a:rPr lang="en-US" sz="1400" dirty="0" smtClean="0">
+                <a:solidFill>
+                  <a:srgbClr val="333333"/>
+                </a:solidFill>
+                <a:latin typeface="Consolas" pitchFamily="49" charset="0"/>
+              </a:rPr>
+              <a:t>(is, </a:t>
+            </a:r>
+            <a:r>
+              <a:rPr lang="en-US" sz="1400" dirty="0" smtClean="0">
+                <a:solidFill>
+                  <a:srgbClr val="A31515"/>
+                </a:solidFill>
+                <a:latin typeface="Consolas" pitchFamily="49" charset="0"/>
+              </a:rPr>
+              <a:t>"</a:t>
+            </a:r>
+            <a:r>
+              <a:rPr lang="en-US" sz="1400" dirty="0" smtClean="0">
+                <a:solidFill>
+                  <a:srgbClr val="A31515"/>
+                </a:solidFill>
+                <a:latin typeface="Consolas" pitchFamily="49" charset="0"/>
+              </a:rPr>
+              <a:t>utf-8"</a:t>
+            </a:r>
+            <a:r>
+              <a:rPr lang="en-US" sz="1400" dirty="0" smtClean="0">
+                <a:solidFill>
+                  <a:srgbClr val="333333"/>
+                </a:solidFill>
+                <a:latin typeface="Consolas" pitchFamily="49" charset="0"/>
+              </a:rPr>
+              <a:t>), </a:t>
+            </a:r>
+            <a:r>
+              <a:rPr lang="en-US" sz="1400" dirty="0" smtClean="0">
+                <a:solidFill>
+                  <a:srgbClr val="333333"/>
+                </a:solidFill>
+                <a:latin typeface="Consolas" pitchFamily="49" charset="0"/>
+              </a:rPr>
+              <a:t>8</a:t>
+            </a:r>
+          </a:p>
+          <a:p>
+            <a:r>
+              <a:rPr lang="en-US" sz="1400" dirty="0" smtClean="0">
+                <a:solidFill>
+                  <a:srgbClr val="333333"/>
+                </a:solidFill>
+                <a:latin typeface="Consolas" pitchFamily="49" charset="0"/>
+              </a:rPr>
+              <a:t>        </a:t>
+            </a:r>
+            <a:r>
+              <a:rPr lang="en-US" sz="1400" dirty="0" smtClean="0">
+                <a:solidFill>
+                  <a:srgbClr val="333333"/>
+                </a:solidFill>
+                <a:latin typeface="Consolas" pitchFamily="49" charset="0"/>
+              </a:rPr>
+              <a:t>);</a:t>
+            </a:r>
+          </a:p>
+          <a:p>
+            <a:r>
+              <a:rPr lang="pt-PT" sz="1400" dirty="0" smtClean="0">
+                <a:solidFill>
+                  <a:srgbClr val="333333"/>
+                </a:solidFill>
+                <a:latin typeface="Consolas" pitchFamily="49" charset="0"/>
+              </a:rPr>
+              <a:t> </a:t>
+            </a:r>
+            <a:r>
+              <a:rPr lang="pt-PT" sz="1400" dirty="0" smtClean="0">
+                <a:solidFill>
+                  <a:srgbClr val="333333"/>
+                </a:solidFill>
+                <a:latin typeface="Consolas" pitchFamily="49" charset="0"/>
+              </a:rPr>
+              <a:t>   </a:t>
+            </a:r>
+            <a:r>
+              <a:rPr lang="pt-PT" sz="1400" dirty="0" smtClean="0">
+                <a:solidFill>
+                  <a:srgbClr val="008000"/>
+                </a:solidFill>
+                <a:latin typeface="Consolas" pitchFamily="49" charset="0"/>
+              </a:rPr>
+              <a:t>// </a:t>
+            </a:r>
+            <a:r>
+              <a:rPr lang="pt-PT" sz="1400" dirty="0" err="1" smtClean="0">
+                <a:solidFill>
+                  <a:srgbClr val="008000"/>
+                </a:solidFill>
+                <a:latin typeface="Consolas" pitchFamily="49" charset="0"/>
+              </a:rPr>
+              <a:t>StringBuilder</a:t>
+            </a:r>
+            <a:r>
+              <a:rPr lang="pt-PT" sz="1400" dirty="0" smtClean="0">
+                <a:solidFill>
+                  <a:srgbClr val="008000"/>
+                </a:solidFill>
+                <a:latin typeface="Consolas" pitchFamily="49" charset="0"/>
+              </a:rPr>
+              <a:t> para guardar os dados</a:t>
+            </a:r>
+            <a:endParaRPr lang="pt-PT" sz="1400" dirty="0" smtClean="0">
+              <a:solidFill>
+                <a:srgbClr val="333333"/>
+              </a:solidFill>
+              <a:latin typeface="Consolas" pitchFamily="49" charset="0"/>
+            </a:endParaRPr>
+          </a:p>
+          <a:p>
+            <a:r>
+              <a:rPr lang="en-US" sz="1400" dirty="0" smtClean="0">
+                <a:solidFill>
+                  <a:srgbClr val="333333"/>
+                </a:solidFill>
+                <a:latin typeface="Consolas" pitchFamily="49" charset="0"/>
+              </a:rPr>
+              <a:t>    </a:t>
+            </a:r>
+            <a:r>
+              <a:rPr lang="en-US" sz="1400" dirty="0" err="1" smtClean="0">
+                <a:solidFill>
+                  <a:srgbClr val="333333"/>
+                </a:solidFill>
+                <a:latin typeface="Consolas" pitchFamily="49" charset="0"/>
+              </a:rPr>
+              <a:t>StringBuilder</a:t>
+            </a:r>
+            <a:r>
+              <a:rPr lang="en-US" sz="1400" dirty="0" smtClean="0">
+                <a:solidFill>
+                  <a:srgbClr val="333333"/>
+                </a:solidFill>
+                <a:latin typeface="Consolas" pitchFamily="49" charset="0"/>
+              </a:rPr>
+              <a:t> </a:t>
+            </a:r>
+            <a:r>
+              <a:rPr lang="en-US" sz="1400" dirty="0" err="1" smtClean="0">
+                <a:solidFill>
+                  <a:srgbClr val="333333"/>
+                </a:solidFill>
+                <a:latin typeface="Consolas" pitchFamily="49" charset="0"/>
+              </a:rPr>
+              <a:t>sb</a:t>
+            </a:r>
+            <a:r>
+              <a:rPr lang="en-US" sz="1400" dirty="0" smtClean="0">
+                <a:solidFill>
+                  <a:srgbClr val="333333"/>
+                </a:solidFill>
+                <a:latin typeface="Consolas" pitchFamily="49" charset="0"/>
+              </a:rPr>
+              <a:t> = </a:t>
+            </a:r>
+            <a:r>
+              <a:rPr lang="en-US" sz="1400" dirty="0" smtClean="0">
+                <a:solidFill>
+                  <a:srgbClr val="0000FF"/>
+                </a:solidFill>
+                <a:latin typeface="Consolas" pitchFamily="49" charset="0"/>
+              </a:rPr>
+              <a:t>new</a:t>
+            </a:r>
+            <a:r>
+              <a:rPr lang="en-US" sz="1400" dirty="0" smtClean="0">
+                <a:solidFill>
+                  <a:srgbClr val="333333"/>
+                </a:solidFill>
+                <a:latin typeface="Consolas" pitchFamily="49" charset="0"/>
+              </a:rPr>
+              <a:t> </a:t>
+            </a:r>
+            <a:r>
+              <a:rPr lang="en-US" sz="1400" dirty="0" err="1" smtClean="0">
+                <a:solidFill>
+                  <a:srgbClr val="333333"/>
+                </a:solidFill>
+                <a:latin typeface="Consolas" pitchFamily="49" charset="0"/>
+              </a:rPr>
+              <a:t>StringBuilder</a:t>
+            </a:r>
+            <a:r>
+              <a:rPr lang="en-US" sz="1400" dirty="0" smtClean="0">
+                <a:solidFill>
+                  <a:srgbClr val="333333"/>
+                </a:solidFill>
+                <a:latin typeface="Consolas" pitchFamily="49" charset="0"/>
+              </a:rPr>
+              <a:t>();</a:t>
+            </a:r>
+          </a:p>
+          <a:p>
+            <a:r>
+              <a:rPr lang="en-US" sz="1400" dirty="0" smtClean="0">
+                <a:solidFill>
+                  <a:srgbClr val="333333"/>
+                </a:solidFill>
+                <a:latin typeface="Consolas" pitchFamily="49" charset="0"/>
+              </a:rPr>
+              <a:t>    String line</a:t>
+            </a:r>
+            <a:r>
+              <a:rPr lang="en-US" sz="1400" dirty="0" smtClean="0">
+                <a:solidFill>
+                  <a:srgbClr val="333333"/>
+                </a:solidFill>
+                <a:latin typeface="Consolas" pitchFamily="49" charset="0"/>
+              </a:rPr>
+              <a:t>;</a:t>
+            </a:r>
+          </a:p>
+          <a:p>
+            <a:r>
+              <a:rPr lang="en-US" sz="1400" dirty="0" smtClean="0">
+                <a:solidFill>
+                  <a:srgbClr val="333333"/>
+                </a:solidFill>
+                <a:latin typeface="Consolas" pitchFamily="49" charset="0"/>
+              </a:rPr>
+              <a:t>    </a:t>
+            </a:r>
+            <a:r>
+              <a:rPr lang="pt-PT" sz="1400" dirty="0" smtClean="0">
+                <a:solidFill>
+                  <a:srgbClr val="008000"/>
+                </a:solidFill>
+                <a:latin typeface="Consolas" pitchFamily="49" charset="0"/>
+              </a:rPr>
+              <a:t>// </a:t>
+            </a:r>
+            <a:r>
+              <a:rPr lang="pt-PT" sz="1400" dirty="0" smtClean="0">
+                <a:solidFill>
+                  <a:srgbClr val="008000"/>
+                </a:solidFill>
+                <a:latin typeface="Consolas" pitchFamily="49" charset="0"/>
+              </a:rPr>
+              <a:t>Continua...</a:t>
+            </a:r>
+            <a:endParaRPr lang="pt-PT" sz="1400" dirty="0">
+              <a:latin typeface="Consolas" pitchFamily="49" charset="0"/>
+            </a:endParaRPr>
+          </a:p>
+        </p:txBody>
+      </p:sp>
+      <p:sp>
+        <p:nvSpPr>
+          <p:cNvPr id="3" name="Marcador de Posição do Texto 2"/>
+          <p:cNvSpPr>
+            <a:spLocks noGrp="1"/>
+          </p:cNvSpPr>
+          <p:nvPr>
+            <p:ph type="body" sz="quarter" idx="14"/>
+          </p:nvPr>
+        </p:nvSpPr>
+        <p:spPr/>
+        <p:txBody>
+          <a:bodyPr/>
+          <a:lstStyle/>
+          <a:p>
+            <a:r>
+              <a:rPr lang="pt-PT" dirty="0" smtClean="0"/>
+              <a:t>Exemplo: Obtenção de dados do servidor (2/3)</a:t>
+            </a:r>
+            <a:endParaRPr lang="pt-PT" dirty="0"/>
+          </a:p>
+        </p:txBody>
+      </p:sp>
+    </p:spTree>
+  </p:cSld>
+  <p:clrMapOvr>
+    <a:masterClrMapping/>
+  </p:clrMapOvr>
+  <p:timing>
+    <p:tnLst>
+      <p:par>
+        <p:cTn id="1" dur="indefinite" restart="never" nodeType="tmRoot"/>
+      </p:par>
+    </p:tnLst>
+  </p:timing>
+</p:sld>
+</file>
+
+<file path=ppt/slides/slide19.xml><?xml version="1.0" encoding="utf-8"?>
+<p:sld xmlns:a="http://schemas.openxmlformats.org/drawingml/2006/main" xmlns:r="http://schemas.openxmlformats.org/officeDocument/2006/relationships" xmlns:p="http://schemas.openxmlformats.org/presentationml/2006/main">
+  <p:cSld>
+    <p:spTree>
+      <p:nvGrpSpPr>
+        <p:cNvPr id="1" name=""/>
+        <p:cNvGrpSpPr/>
+        <p:nvPr/>
+      </p:nvGrpSpPr>
+      <p:grpSpPr>
+        <a:xfrm>
+          <a:off x="0" y="0"/>
+          <a:ext cx="0" cy="0"/>
+          <a:chOff x="0" y="0"/>
+          <a:chExt cx="0" cy="0"/>
+        </a:xfrm>
+      </p:grpSpPr>
+      <p:sp>
+        <p:nvSpPr>
+          <p:cNvPr id="2" name="Marcador de Posição do Texto 1"/>
+          <p:cNvSpPr>
+            <a:spLocks noGrp="1"/>
+          </p:cNvSpPr>
+          <p:nvPr>
+            <p:ph type="body" sz="quarter" idx="13"/>
+          </p:nvPr>
+        </p:nvSpPr>
+        <p:spPr>
+          <a:xfrm>
+            <a:off x="1799692" y="337221"/>
+            <a:ext cx="5544616" cy="3960440"/>
+          </a:xfrm>
+        </p:spPr>
+        <p:txBody>
+          <a:bodyPr>
+            <a:noAutofit/>
+          </a:bodyPr>
+          <a:lstStyle/>
+          <a:p>
+            <a:r>
+              <a:rPr lang="en-US" sz="1400" dirty="0" smtClean="0">
+                <a:solidFill>
+                  <a:srgbClr val="333333"/>
+                </a:solidFill>
+                <a:latin typeface="Consolas" pitchFamily="49" charset="0"/>
+              </a:rPr>
+              <a:t> </a:t>
+            </a:r>
+            <a:r>
+              <a:rPr lang="en-US" sz="1400" dirty="0" smtClean="0">
+                <a:solidFill>
+                  <a:srgbClr val="333333"/>
+                </a:solidFill>
+                <a:latin typeface="Consolas" pitchFamily="49" charset="0"/>
+              </a:rPr>
+              <a:t>   </a:t>
+            </a:r>
+            <a:r>
+              <a:rPr lang="en-US" sz="1400" dirty="0" smtClean="0">
+                <a:solidFill>
+                  <a:srgbClr val="008000"/>
+                </a:solidFill>
+                <a:latin typeface="Consolas" pitchFamily="49" charset="0"/>
+              </a:rPr>
+              <a:t>// </a:t>
+            </a:r>
+            <a:r>
+              <a:rPr lang="en-US" sz="1400" dirty="0" err="1" smtClean="0">
+                <a:solidFill>
+                  <a:srgbClr val="008000"/>
+                </a:solidFill>
+                <a:latin typeface="Consolas" pitchFamily="49" charset="0"/>
+              </a:rPr>
+              <a:t>Guardar</a:t>
+            </a:r>
+            <a:r>
+              <a:rPr lang="en-US" sz="1400" dirty="0" smtClean="0">
+                <a:solidFill>
+                  <a:srgbClr val="008000"/>
+                </a:solidFill>
+                <a:latin typeface="Consolas" pitchFamily="49" charset="0"/>
+              </a:rPr>
+              <a:t> </a:t>
+            </a:r>
+            <a:r>
+              <a:rPr lang="en-US" sz="1400" dirty="0" err="1" smtClean="0">
+                <a:solidFill>
+                  <a:srgbClr val="008000"/>
+                </a:solidFill>
+                <a:latin typeface="Consolas" pitchFamily="49" charset="0"/>
+              </a:rPr>
+              <a:t>os</a:t>
+            </a:r>
+            <a:r>
+              <a:rPr lang="en-US" sz="1400" dirty="0" smtClean="0">
+                <a:solidFill>
+                  <a:srgbClr val="008000"/>
+                </a:solidFill>
+                <a:latin typeface="Consolas" pitchFamily="49" charset="0"/>
+              </a:rPr>
+              <a:t> dados</a:t>
+            </a:r>
+            <a:endParaRPr lang="en-US" sz="1400" dirty="0" smtClean="0">
+              <a:solidFill>
+                <a:srgbClr val="333333"/>
+              </a:solidFill>
+              <a:latin typeface="Consolas" pitchFamily="49" charset="0"/>
+            </a:endParaRPr>
+          </a:p>
+          <a:p>
+            <a:r>
+              <a:rPr lang="en-US" sz="1400" dirty="0" smtClean="0">
+                <a:solidFill>
+                  <a:srgbClr val="333333"/>
+                </a:solidFill>
+                <a:latin typeface="Consolas" pitchFamily="49" charset="0"/>
+              </a:rPr>
+              <a:t>    </a:t>
+            </a:r>
+            <a:r>
+              <a:rPr lang="en-US" sz="1400" dirty="0" smtClean="0">
+                <a:solidFill>
+                  <a:srgbClr val="0000FF"/>
+                </a:solidFill>
+                <a:latin typeface="Consolas" pitchFamily="49" charset="0"/>
+              </a:rPr>
+              <a:t>while</a:t>
+            </a:r>
+            <a:r>
+              <a:rPr lang="en-US" sz="1400" dirty="0" smtClean="0">
+                <a:solidFill>
+                  <a:srgbClr val="333333"/>
+                </a:solidFill>
+                <a:latin typeface="Consolas" pitchFamily="49" charset="0"/>
+              </a:rPr>
+              <a:t> ((line = </a:t>
+            </a:r>
+            <a:r>
+              <a:rPr lang="en-US" sz="1400" dirty="0" err="1" smtClean="0">
+                <a:solidFill>
+                  <a:srgbClr val="333333"/>
+                </a:solidFill>
+                <a:latin typeface="Consolas" pitchFamily="49" charset="0"/>
+              </a:rPr>
+              <a:t>reader.readLine</a:t>
+            </a:r>
+            <a:r>
+              <a:rPr lang="en-US" sz="1400" dirty="0" smtClean="0">
+                <a:solidFill>
+                  <a:srgbClr val="333333"/>
+                </a:solidFill>
+                <a:latin typeface="Consolas" pitchFamily="49" charset="0"/>
+              </a:rPr>
+              <a:t>()) != </a:t>
+            </a:r>
+            <a:r>
+              <a:rPr lang="en-US" sz="1400" dirty="0" smtClean="0">
+                <a:solidFill>
+                  <a:srgbClr val="0000FF"/>
+                </a:solidFill>
+                <a:latin typeface="Consolas" pitchFamily="49" charset="0"/>
+              </a:rPr>
+              <a:t>null</a:t>
+            </a:r>
+            <a:r>
+              <a:rPr lang="en-US" sz="1400" dirty="0" smtClean="0">
+                <a:solidFill>
+                  <a:srgbClr val="333333"/>
+                </a:solidFill>
+                <a:latin typeface="Consolas" pitchFamily="49" charset="0"/>
+              </a:rPr>
+              <a:t>) {</a:t>
+            </a:r>
+            <a:endParaRPr lang="en-US" sz="1400" dirty="0" smtClean="0">
+              <a:solidFill>
+                <a:srgbClr val="333333"/>
+              </a:solidFill>
+              <a:latin typeface="Consolas" pitchFamily="49" charset="0"/>
+            </a:endParaRPr>
+          </a:p>
+          <a:p>
+            <a:r>
+              <a:rPr lang="en-US" sz="1400" dirty="0" smtClean="0">
+                <a:solidFill>
+                  <a:srgbClr val="333333"/>
+                </a:solidFill>
+                <a:latin typeface="Consolas" pitchFamily="49" charset="0"/>
+              </a:rPr>
+              <a:t>      </a:t>
+            </a:r>
+            <a:r>
+              <a:rPr lang="en-US" sz="1400" dirty="0" err="1" smtClean="0">
+                <a:solidFill>
+                  <a:srgbClr val="333333"/>
+                </a:solidFill>
+                <a:latin typeface="Consolas" pitchFamily="49" charset="0"/>
+              </a:rPr>
+              <a:t>sb.append</a:t>
+            </a:r>
+            <a:r>
+              <a:rPr lang="en-US" sz="1400" dirty="0" smtClean="0">
+                <a:solidFill>
+                  <a:srgbClr val="333333"/>
+                </a:solidFill>
+                <a:latin typeface="Consolas" pitchFamily="49" charset="0"/>
+              </a:rPr>
+              <a:t>(line + </a:t>
+            </a:r>
+            <a:r>
+              <a:rPr lang="en-US" sz="1400" dirty="0" smtClean="0">
+                <a:solidFill>
+                  <a:srgbClr val="A31515"/>
+                </a:solidFill>
+                <a:latin typeface="Consolas" pitchFamily="49" charset="0"/>
+              </a:rPr>
+              <a:t>"\n"</a:t>
+            </a:r>
+            <a:r>
+              <a:rPr lang="en-US" sz="1400" dirty="0" smtClean="0">
+                <a:solidFill>
+                  <a:srgbClr val="333333"/>
+                </a:solidFill>
+                <a:latin typeface="Consolas" pitchFamily="49" charset="0"/>
+              </a:rPr>
+              <a:t>);</a:t>
+            </a:r>
+          </a:p>
+          <a:p>
+            <a:r>
+              <a:rPr lang="en-US" sz="1400" dirty="0" smtClean="0">
+                <a:solidFill>
+                  <a:srgbClr val="333333"/>
+                </a:solidFill>
+                <a:latin typeface="Consolas" pitchFamily="49" charset="0"/>
+              </a:rPr>
+              <a:t>    </a:t>
+            </a:r>
+            <a:r>
+              <a:rPr lang="pt-PT" sz="1400" dirty="0" smtClean="0">
+                <a:solidFill>
+                  <a:srgbClr val="333333"/>
+                </a:solidFill>
+                <a:latin typeface="Consolas" pitchFamily="49" charset="0"/>
+              </a:rPr>
+              <a:t>}</a:t>
+            </a:r>
+            <a:endParaRPr lang="pt-PT" sz="1400" dirty="0" smtClean="0">
+              <a:solidFill>
+                <a:srgbClr val="333333"/>
+              </a:solidFill>
+              <a:latin typeface="Consolas" pitchFamily="49" charset="0"/>
+            </a:endParaRPr>
+          </a:p>
+          <a:p>
+            <a:r>
+              <a:rPr lang="pt-PT" sz="1400" dirty="0" smtClean="0">
+                <a:solidFill>
+                  <a:srgbClr val="333333"/>
+                </a:solidFill>
+                <a:latin typeface="Consolas" pitchFamily="49" charset="0"/>
+              </a:rPr>
+              <a:t>    </a:t>
+            </a:r>
+            <a:r>
+              <a:rPr lang="pt-PT" sz="1400" dirty="0" smtClean="0">
+                <a:solidFill>
+                  <a:srgbClr val="008000"/>
+                </a:solidFill>
+                <a:latin typeface="Consolas" pitchFamily="49" charset="0"/>
+              </a:rPr>
+              <a:t>// Fechar a </a:t>
+            </a:r>
+            <a:r>
+              <a:rPr lang="pt-PT" sz="1400" dirty="0" err="1" smtClean="0">
+                <a:solidFill>
+                  <a:srgbClr val="008000"/>
+                </a:solidFill>
+                <a:latin typeface="Consolas" pitchFamily="49" charset="0"/>
+              </a:rPr>
+              <a:t>stream</a:t>
+            </a:r>
+            <a:r>
+              <a:rPr lang="pt-PT" sz="1400" dirty="0" smtClean="0">
+                <a:solidFill>
+                  <a:srgbClr val="008000"/>
+                </a:solidFill>
+                <a:latin typeface="Consolas" pitchFamily="49" charset="0"/>
+              </a:rPr>
+              <a:t> de leitura.</a:t>
+            </a:r>
+            <a:endParaRPr lang="pt-PT" sz="1400" dirty="0" smtClean="0">
+              <a:solidFill>
+                <a:srgbClr val="333333"/>
+              </a:solidFill>
+              <a:latin typeface="Consolas" pitchFamily="49" charset="0"/>
+            </a:endParaRPr>
+          </a:p>
+          <a:p>
+            <a:r>
+              <a:rPr lang="pt-PT" sz="1400" dirty="0" smtClean="0">
+                <a:solidFill>
+                  <a:srgbClr val="333333"/>
+                </a:solidFill>
+                <a:latin typeface="Consolas" pitchFamily="49" charset="0"/>
+              </a:rPr>
+              <a:t>    </a:t>
+            </a:r>
+            <a:r>
+              <a:rPr lang="en-US" sz="1400" dirty="0" err="1" smtClean="0">
+                <a:solidFill>
+                  <a:srgbClr val="333333"/>
+                </a:solidFill>
+                <a:latin typeface="Consolas" pitchFamily="49" charset="0"/>
+              </a:rPr>
+              <a:t>is.close</a:t>
+            </a:r>
+            <a:r>
+              <a:rPr lang="en-US" sz="1400" dirty="0" smtClean="0">
+                <a:solidFill>
+                  <a:srgbClr val="333333"/>
+                </a:solidFill>
+                <a:latin typeface="Consolas" pitchFamily="49" charset="0"/>
+              </a:rPr>
+              <a:t>();</a:t>
+            </a:r>
+          </a:p>
+          <a:p>
+            <a:r>
+              <a:rPr lang="en-US" sz="1400" dirty="0" smtClean="0">
+                <a:solidFill>
+                  <a:srgbClr val="333333"/>
+                </a:solidFill>
+                <a:latin typeface="Consolas" pitchFamily="49" charset="0"/>
+              </a:rPr>
+              <a:t>    </a:t>
+            </a:r>
+            <a:r>
+              <a:rPr lang="en-US" sz="1400" dirty="0" err="1" smtClean="0">
+                <a:solidFill>
+                  <a:srgbClr val="333333"/>
+                </a:solidFill>
+                <a:latin typeface="Consolas" pitchFamily="49" charset="0"/>
+              </a:rPr>
+              <a:t>json</a:t>
+            </a:r>
+            <a:r>
+              <a:rPr lang="en-US" sz="1400" dirty="0" smtClean="0">
+                <a:solidFill>
+                  <a:srgbClr val="333333"/>
+                </a:solidFill>
+                <a:latin typeface="Consolas" pitchFamily="49" charset="0"/>
+              </a:rPr>
+              <a:t> = </a:t>
+            </a:r>
+            <a:r>
+              <a:rPr lang="en-US" sz="1400" dirty="0" err="1" smtClean="0">
+                <a:solidFill>
+                  <a:srgbClr val="333333"/>
+                </a:solidFill>
+                <a:latin typeface="Consolas" pitchFamily="49" charset="0"/>
+              </a:rPr>
+              <a:t>sb.toString</a:t>
+            </a:r>
+            <a:r>
+              <a:rPr lang="en-US" sz="1400" dirty="0" smtClean="0">
+                <a:solidFill>
+                  <a:srgbClr val="333333"/>
+                </a:solidFill>
+                <a:latin typeface="Consolas" pitchFamily="49" charset="0"/>
+              </a:rPr>
+              <a:t>();</a:t>
+            </a:r>
+            <a:endParaRPr lang="en-US" sz="1400" dirty="0" smtClean="0">
+              <a:solidFill>
+                <a:srgbClr val="333333"/>
+              </a:solidFill>
+              <a:latin typeface="Consolas" pitchFamily="49" charset="0"/>
+            </a:endParaRPr>
+          </a:p>
+          <a:p>
+            <a:r>
+              <a:rPr lang="en-US" sz="1400" dirty="0" smtClean="0">
+                <a:solidFill>
+                  <a:srgbClr val="333333"/>
+                </a:solidFill>
+                <a:latin typeface="Consolas" pitchFamily="49" charset="0"/>
+              </a:rPr>
+              <a:t>  } </a:t>
+            </a:r>
+            <a:r>
+              <a:rPr lang="en-US" sz="1400" dirty="0" smtClean="0">
+                <a:solidFill>
+                  <a:srgbClr val="0000FF"/>
+                </a:solidFill>
+                <a:latin typeface="Consolas" pitchFamily="49" charset="0"/>
+              </a:rPr>
+              <a:t>catch</a:t>
+            </a:r>
+            <a:r>
+              <a:rPr lang="en-US" sz="1400" dirty="0" smtClean="0">
+                <a:solidFill>
+                  <a:srgbClr val="333333"/>
+                </a:solidFill>
+                <a:latin typeface="Consolas" pitchFamily="49" charset="0"/>
+              </a:rPr>
+              <a:t> (Exception e) {</a:t>
+            </a:r>
+            <a:r>
+              <a:rPr lang="en-US" sz="1400" dirty="0" smtClean="0">
+                <a:solidFill>
+                  <a:srgbClr val="008000"/>
+                </a:solidFill>
+                <a:latin typeface="Consolas" pitchFamily="49" charset="0"/>
+              </a:rPr>
+              <a:t>/* </a:t>
+            </a:r>
+            <a:r>
+              <a:rPr lang="en-US" sz="1400" dirty="0" err="1" smtClean="0">
+                <a:solidFill>
+                  <a:srgbClr val="008000"/>
+                </a:solidFill>
+                <a:latin typeface="Consolas" pitchFamily="49" charset="0"/>
+              </a:rPr>
+              <a:t>Erro</a:t>
+            </a:r>
+            <a:r>
+              <a:rPr lang="en-US" sz="1400" dirty="0" smtClean="0">
+                <a:solidFill>
+                  <a:srgbClr val="008000"/>
+                </a:solidFill>
+                <a:latin typeface="Consolas" pitchFamily="49" charset="0"/>
+              </a:rPr>
+              <a:t> </a:t>
+            </a:r>
+            <a:r>
+              <a:rPr lang="en-US" sz="1400" dirty="0" err="1" smtClean="0">
+                <a:solidFill>
+                  <a:srgbClr val="008000"/>
+                </a:solidFill>
+                <a:latin typeface="Consolas" pitchFamily="49" charset="0"/>
+              </a:rPr>
+              <a:t>ao</a:t>
+            </a:r>
+            <a:r>
+              <a:rPr lang="en-US" sz="1400" dirty="0" smtClean="0">
+                <a:solidFill>
+                  <a:srgbClr val="008000"/>
+                </a:solidFill>
+                <a:latin typeface="Consolas" pitchFamily="49" charset="0"/>
+              </a:rPr>
+              <a:t> </a:t>
+            </a:r>
+            <a:r>
+              <a:rPr lang="en-US" sz="1400" dirty="0" err="1" smtClean="0">
+                <a:solidFill>
+                  <a:srgbClr val="008000"/>
+                </a:solidFill>
+                <a:latin typeface="Consolas" pitchFamily="49" charset="0"/>
+              </a:rPr>
+              <a:t>guardar</a:t>
+            </a:r>
+            <a:r>
+              <a:rPr lang="en-US" sz="1400" dirty="0" smtClean="0">
+                <a:solidFill>
+                  <a:srgbClr val="008000"/>
+                </a:solidFill>
+                <a:latin typeface="Consolas" pitchFamily="49" charset="0"/>
+              </a:rPr>
+              <a:t> dados! </a:t>
+            </a:r>
+            <a:r>
+              <a:rPr lang="en-US" sz="1400" dirty="0" smtClean="0">
+                <a:solidFill>
+                  <a:srgbClr val="008000"/>
+                </a:solidFill>
+                <a:latin typeface="Consolas" pitchFamily="49" charset="0"/>
+              </a:rPr>
+              <a:t>*/</a:t>
+            </a:r>
+            <a:r>
+              <a:rPr lang="en-US" sz="1400" dirty="0" smtClean="0">
+                <a:solidFill>
+                  <a:srgbClr val="333333"/>
+                </a:solidFill>
+                <a:latin typeface="Consolas" pitchFamily="49" charset="0"/>
+              </a:rPr>
+              <a:t>}</a:t>
+            </a:r>
+          </a:p>
+          <a:p>
+            <a:r>
+              <a:rPr lang="en-US" sz="1400" dirty="0" smtClean="0">
+                <a:solidFill>
+                  <a:srgbClr val="333333"/>
+                </a:solidFill>
+                <a:latin typeface="Consolas" pitchFamily="49" charset="0"/>
+              </a:rPr>
+              <a:t>  </a:t>
+            </a:r>
+            <a:r>
+              <a:rPr lang="en-US" sz="1400" dirty="0" smtClean="0">
+                <a:solidFill>
+                  <a:srgbClr val="0000FF"/>
+                </a:solidFill>
+                <a:latin typeface="Consolas" pitchFamily="49" charset="0"/>
+              </a:rPr>
+              <a:t>try</a:t>
+            </a:r>
+            <a:r>
+              <a:rPr lang="en-US" sz="1400" dirty="0" smtClean="0">
+                <a:solidFill>
+                  <a:srgbClr val="333333"/>
+                </a:solidFill>
+                <a:latin typeface="Consolas" pitchFamily="49" charset="0"/>
+              </a:rPr>
+              <a:t> {</a:t>
+            </a:r>
+          </a:p>
+          <a:p>
+            <a:r>
+              <a:rPr lang="en-US" sz="1400" dirty="0" smtClean="0">
+                <a:solidFill>
+                  <a:srgbClr val="333333"/>
+                </a:solidFill>
+                <a:latin typeface="Consolas" pitchFamily="49" charset="0"/>
+              </a:rPr>
+              <a:t>    </a:t>
+            </a:r>
+            <a:r>
+              <a:rPr lang="pt-PT" sz="1400" dirty="0" smtClean="0">
+                <a:solidFill>
+                  <a:srgbClr val="008000"/>
+                </a:solidFill>
+                <a:latin typeface="Consolas" pitchFamily="49" charset="0"/>
+              </a:rPr>
+              <a:t>// Parse da </a:t>
+            </a:r>
+            <a:r>
+              <a:rPr lang="pt-PT" sz="1400" dirty="0" err="1" smtClean="0">
+                <a:solidFill>
+                  <a:srgbClr val="008000"/>
+                </a:solidFill>
+                <a:latin typeface="Consolas" pitchFamily="49" charset="0"/>
+              </a:rPr>
+              <a:t>string</a:t>
+            </a:r>
+            <a:r>
+              <a:rPr lang="pt-PT" sz="1400" dirty="0" smtClean="0">
+                <a:solidFill>
+                  <a:srgbClr val="008000"/>
+                </a:solidFill>
+                <a:latin typeface="Consolas" pitchFamily="49" charset="0"/>
+              </a:rPr>
+              <a:t> para um objeto</a:t>
+            </a:r>
+            <a:endParaRPr lang="pt-PT" sz="1400" dirty="0" smtClean="0">
+              <a:solidFill>
+                <a:srgbClr val="333333"/>
+              </a:solidFill>
+              <a:latin typeface="Consolas" pitchFamily="49" charset="0"/>
+            </a:endParaRPr>
+          </a:p>
+          <a:p>
+            <a:r>
+              <a:rPr lang="pt-PT" sz="1400" dirty="0" smtClean="0">
+                <a:solidFill>
+                  <a:srgbClr val="333333"/>
+                </a:solidFill>
+                <a:latin typeface="Consolas" pitchFamily="49" charset="0"/>
+              </a:rPr>
+              <a:t>    </a:t>
+            </a:r>
+            <a:r>
+              <a:rPr lang="en-US" sz="1400" dirty="0" err="1" smtClean="0">
+                <a:solidFill>
+                  <a:srgbClr val="333333"/>
+                </a:solidFill>
+                <a:latin typeface="Consolas" pitchFamily="49" charset="0"/>
+              </a:rPr>
+              <a:t>JSONObject</a:t>
+            </a:r>
+            <a:r>
+              <a:rPr lang="en-US" sz="1400" dirty="0" smtClean="0">
+                <a:solidFill>
+                  <a:srgbClr val="333333"/>
+                </a:solidFill>
+                <a:latin typeface="Consolas" pitchFamily="49" charset="0"/>
+              </a:rPr>
+              <a:t> </a:t>
+            </a:r>
+            <a:r>
+              <a:rPr lang="en-US" sz="1400" dirty="0" err="1" smtClean="0">
+                <a:solidFill>
+                  <a:srgbClr val="333333"/>
+                </a:solidFill>
+                <a:latin typeface="Consolas" pitchFamily="49" charset="0"/>
+              </a:rPr>
+              <a:t>jObj</a:t>
+            </a:r>
+            <a:r>
+              <a:rPr lang="en-US" sz="1400" dirty="0" smtClean="0">
+                <a:solidFill>
+                  <a:srgbClr val="333333"/>
+                </a:solidFill>
+                <a:latin typeface="Consolas" pitchFamily="49" charset="0"/>
+              </a:rPr>
+              <a:t> = </a:t>
+            </a:r>
+            <a:r>
+              <a:rPr lang="en-US" sz="1400" dirty="0" smtClean="0">
+                <a:solidFill>
+                  <a:srgbClr val="0000FF"/>
+                </a:solidFill>
+                <a:latin typeface="Consolas" pitchFamily="49" charset="0"/>
+              </a:rPr>
+              <a:t>new</a:t>
+            </a:r>
+            <a:r>
+              <a:rPr lang="en-US" sz="1400" dirty="0" smtClean="0">
+                <a:solidFill>
+                  <a:srgbClr val="333333"/>
+                </a:solidFill>
+                <a:latin typeface="Consolas" pitchFamily="49" charset="0"/>
+              </a:rPr>
+              <a:t> </a:t>
+            </a:r>
+            <a:r>
+              <a:rPr lang="en-US" sz="1400" dirty="0" err="1" smtClean="0">
+                <a:solidFill>
+                  <a:srgbClr val="333333"/>
+                </a:solidFill>
+                <a:latin typeface="Consolas" pitchFamily="49" charset="0"/>
+              </a:rPr>
+              <a:t>JSONObject</a:t>
+            </a:r>
+            <a:r>
+              <a:rPr lang="en-US" sz="1400" dirty="0" smtClean="0">
+                <a:solidFill>
+                  <a:srgbClr val="333333"/>
+                </a:solidFill>
+                <a:latin typeface="Consolas" pitchFamily="49" charset="0"/>
+              </a:rPr>
+              <a:t>(</a:t>
+            </a:r>
+            <a:r>
+              <a:rPr lang="en-US" sz="1400" dirty="0" err="1" smtClean="0">
+                <a:solidFill>
+                  <a:srgbClr val="333333"/>
+                </a:solidFill>
+                <a:latin typeface="Consolas" pitchFamily="49" charset="0"/>
+              </a:rPr>
+              <a:t>json</a:t>
+            </a:r>
+            <a:r>
+              <a:rPr lang="en-US" sz="1400" dirty="0" smtClean="0">
+                <a:solidFill>
+                  <a:srgbClr val="333333"/>
+                </a:solidFill>
+                <a:latin typeface="Consolas" pitchFamily="49" charset="0"/>
+              </a:rPr>
+              <a:t>);</a:t>
+            </a:r>
+          </a:p>
+          <a:p>
+            <a:r>
+              <a:rPr lang="en-US" sz="1400" dirty="0" smtClean="0">
+                <a:solidFill>
+                  <a:srgbClr val="333333"/>
+                </a:solidFill>
+                <a:latin typeface="Consolas" pitchFamily="49" charset="0"/>
+              </a:rPr>
+              <a:t>  } </a:t>
+            </a:r>
+            <a:r>
+              <a:rPr lang="en-US" sz="1400" dirty="0" smtClean="0">
+                <a:solidFill>
+                  <a:srgbClr val="0000FF"/>
+                </a:solidFill>
+                <a:latin typeface="Consolas" pitchFamily="49" charset="0"/>
+              </a:rPr>
+              <a:t>catch</a:t>
+            </a:r>
+            <a:r>
+              <a:rPr lang="en-US" sz="1400" dirty="0" smtClean="0">
+                <a:solidFill>
+                  <a:srgbClr val="333333"/>
+                </a:solidFill>
+                <a:latin typeface="Consolas" pitchFamily="49" charset="0"/>
+              </a:rPr>
+              <a:t> (</a:t>
+            </a:r>
+            <a:r>
+              <a:rPr lang="en-US" sz="1400" dirty="0" err="1" smtClean="0">
+                <a:solidFill>
+                  <a:srgbClr val="333333"/>
+                </a:solidFill>
+                <a:latin typeface="Consolas" pitchFamily="49" charset="0"/>
+              </a:rPr>
+              <a:t>JSONException</a:t>
+            </a:r>
+            <a:r>
+              <a:rPr lang="en-US" sz="1400" dirty="0" smtClean="0">
+                <a:solidFill>
+                  <a:srgbClr val="333333"/>
+                </a:solidFill>
+                <a:latin typeface="Consolas" pitchFamily="49" charset="0"/>
+              </a:rPr>
+              <a:t> e) {</a:t>
+            </a:r>
+            <a:r>
+              <a:rPr lang="en-US" sz="1400" dirty="0" smtClean="0">
+                <a:solidFill>
+                  <a:srgbClr val="008000"/>
+                </a:solidFill>
+                <a:latin typeface="Consolas" pitchFamily="49" charset="0"/>
+              </a:rPr>
+              <a:t>/* JSON </a:t>
+            </a:r>
+            <a:r>
+              <a:rPr lang="en-US" sz="1400" dirty="0" err="1" smtClean="0">
+                <a:solidFill>
+                  <a:srgbClr val="008000"/>
+                </a:solidFill>
+                <a:latin typeface="Consolas" pitchFamily="49" charset="0"/>
+              </a:rPr>
+              <a:t>Inválido</a:t>
+            </a:r>
+            <a:r>
+              <a:rPr lang="en-US" sz="1400" dirty="0" smtClean="0">
+                <a:solidFill>
+                  <a:srgbClr val="008000"/>
+                </a:solidFill>
+                <a:latin typeface="Consolas" pitchFamily="49" charset="0"/>
+              </a:rPr>
+              <a:t>! </a:t>
+            </a:r>
+            <a:r>
+              <a:rPr lang="pt-PT" sz="1400" dirty="0" smtClean="0">
+                <a:solidFill>
+                  <a:srgbClr val="008000"/>
+                </a:solidFill>
+                <a:latin typeface="Consolas" pitchFamily="49" charset="0"/>
+              </a:rPr>
+              <a:t>*/</a:t>
+            </a:r>
+            <a:r>
+              <a:rPr lang="pt-PT" sz="1400" dirty="0" smtClean="0">
+                <a:solidFill>
+                  <a:srgbClr val="333333"/>
+                </a:solidFill>
+                <a:latin typeface="Consolas" pitchFamily="49" charset="0"/>
+              </a:rPr>
+              <a:t>}</a:t>
+            </a:r>
+            <a:endParaRPr lang="pt-PT" sz="1400" dirty="0" smtClean="0">
+              <a:solidFill>
+                <a:srgbClr val="333333"/>
+              </a:solidFill>
+              <a:latin typeface="Consolas" pitchFamily="49" charset="0"/>
+            </a:endParaRPr>
+          </a:p>
+          <a:p>
+            <a:r>
+              <a:rPr lang="pt-PT" sz="1400" dirty="0" smtClean="0">
+                <a:solidFill>
+                  <a:srgbClr val="333333"/>
+                </a:solidFill>
+                <a:latin typeface="Consolas" pitchFamily="49" charset="0"/>
+              </a:rPr>
+              <a:t>  </a:t>
+            </a:r>
+            <a:r>
+              <a:rPr lang="pt-PT" sz="1400" dirty="0" smtClean="0">
+                <a:solidFill>
+                  <a:srgbClr val="008000"/>
+                </a:solidFill>
+                <a:latin typeface="Consolas" pitchFamily="49" charset="0"/>
+              </a:rPr>
+              <a:t>// Devolver o objeto JSON</a:t>
+            </a:r>
+            <a:endParaRPr lang="pt-PT" sz="1400" dirty="0" smtClean="0">
+              <a:solidFill>
+                <a:srgbClr val="333333"/>
+              </a:solidFill>
+              <a:latin typeface="Consolas" pitchFamily="49" charset="0"/>
+            </a:endParaRPr>
+          </a:p>
+          <a:p>
+            <a:r>
+              <a:rPr lang="pt-PT" sz="1400" dirty="0" smtClean="0">
+                <a:solidFill>
+                  <a:srgbClr val="333333"/>
+                </a:solidFill>
+                <a:latin typeface="Consolas" pitchFamily="49" charset="0"/>
+              </a:rPr>
+              <a:t>  </a:t>
+            </a:r>
+            <a:r>
+              <a:rPr lang="pt-PT" sz="1400" dirty="0" err="1" smtClean="0">
+                <a:solidFill>
+                  <a:srgbClr val="0000FF"/>
+                </a:solidFill>
+                <a:latin typeface="Consolas" pitchFamily="49" charset="0"/>
+              </a:rPr>
+              <a:t>return</a:t>
+            </a:r>
+            <a:r>
+              <a:rPr lang="pt-PT" sz="1400" dirty="0" smtClean="0">
+                <a:solidFill>
+                  <a:srgbClr val="333333"/>
+                </a:solidFill>
+                <a:latin typeface="Consolas" pitchFamily="49" charset="0"/>
+              </a:rPr>
+              <a:t> </a:t>
+            </a:r>
+            <a:r>
+              <a:rPr lang="pt-PT" sz="1400" dirty="0" err="1" smtClean="0">
+                <a:solidFill>
+                  <a:srgbClr val="333333"/>
+                </a:solidFill>
+                <a:latin typeface="Consolas" pitchFamily="49" charset="0"/>
+              </a:rPr>
+              <a:t>jObj</a:t>
+            </a:r>
+            <a:r>
+              <a:rPr lang="pt-PT" sz="1400" dirty="0" smtClean="0">
+                <a:solidFill>
+                  <a:srgbClr val="333333"/>
+                </a:solidFill>
+                <a:latin typeface="Consolas" pitchFamily="49" charset="0"/>
+              </a:rPr>
+              <a:t>;</a:t>
+            </a:r>
+          </a:p>
+          <a:p>
+            <a:r>
+              <a:rPr lang="pt-PT" sz="1400" dirty="0" smtClean="0">
+                <a:solidFill>
+                  <a:srgbClr val="333333"/>
+                </a:solidFill>
+                <a:latin typeface="Consolas" pitchFamily="49" charset="0"/>
+              </a:rPr>
+              <a:t>}</a:t>
+            </a:r>
+            <a:endParaRPr lang="pt-PT" sz="1400" dirty="0">
+              <a:latin typeface="Consolas" pitchFamily="49" charset="0"/>
+            </a:endParaRPr>
+          </a:p>
+        </p:txBody>
+      </p:sp>
+      <p:sp>
+        <p:nvSpPr>
+          <p:cNvPr id="3" name="Marcador de Posição do Texto 2"/>
+          <p:cNvSpPr>
+            <a:spLocks noGrp="1"/>
+          </p:cNvSpPr>
+          <p:nvPr>
+            <p:ph type="body" sz="quarter" idx="14"/>
+          </p:nvPr>
+        </p:nvSpPr>
+        <p:spPr/>
+        <p:txBody>
+          <a:bodyPr/>
+          <a:lstStyle/>
+          <a:p>
+            <a:r>
+              <a:rPr lang="pt-PT" dirty="0" smtClean="0"/>
+              <a:t>Exemplo: Obtenção de dados do servidor (3/3)</a:t>
+            </a:r>
+            <a:endParaRPr lang="pt-PT" dirty="0"/>
+          </a:p>
+        </p:txBody>
+      </p:sp>
+    </p:spTree>
+  </p:cSld>
+  <p:clrMapOvr>
+    <a:masterClrMapping/>
+  </p:clrMapOvr>
+  <p:timing>
+    <p:tnLst>
+      <p:par>
+        <p:cTn id="1" dur="indefinite" restart="never" nodeType="tmRoot"/>
+      </p:par>
+    </p:tnLst>
+  </p:timing>
+</p:sld>
+</file>
+
+<file path=ppt/slides/slide2.xml><?xml version="1.0" encoding="utf-8"?>
+<p:sld xmlns:a="http://schemas.openxmlformats.org/drawingml/2006/main" xmlns:r="http://schemas.openxmlformats.org/officeDocument/2006/relationships" xmlns:p="http://schemas.openxmlformats.org/presentationml/2006/main">
+  <p:cSld>
+    <p:spTree>
+      <p:nvGrpSpPr>
+        <p:cNvPr id="1" name=""/>
+        <p:cNvGrpSpPr/>
+        <p:nvPr/>
+      </p:nvGrpSpPr>
+      <p:grpSpPr>
+        <a:xfrm>
+          <a:off x="0" y="0"/>
+          <a:ext cx="0" cy="0"/>
+          <a:chOff x="0" y="0"/>
+          <a:chExt cx="0" cy="0"/>
+        </a:xfrm>
+      </p:grpSpPr>
+      <p:sp>
+        <p:nvSpPr>
+          <p:cNvPr id="4" name="Título 3"/>
+          <p:cNvSpPr>
+            <a:spLocks noGrp="1"/>
+          </p:cNvSpPr>
+          <p:nvPr>
+            <p:ph type="title"/>
+          </p:nvPr>
+        </p:nvSpPr>
+        <p:spPr/>
+        <p:txBody>
+          <a:bodyPr/>
+          <a:lstStyle/>
+          <a:p>
+            <a:r>
+              <a:rPr lang="pt-PT" dirty="0" smtClean="0"/>
+              <a:t>Conteúdos</a:t>
+            </a:r>
+            <a:endParaRPr lang="pt-PT" dirty="0"/>
+          </a:p>
+        </p:txBody>
+      </p:sp>
+      <p:sp>
+        <p:nvSpPr>
+          <p:cNvPr id="5" name="Marcador de Posição de Conteúdo 4"/>
+          <p:cNvSpPr>
+            <a:spLocks noGrp="1"/>
+          </p:cNvSpPr>
+          <p:nvPr>
+            <p:ph idx="1"/>
+          </p:nvPr>
+        </p:nvSpPr>
+        <p:spPr/>
+        <p:txBody>
+          <a:bodyPr/>
+          <a:lstStyle/>
+          <a:p>
+            <a:r>
+              <a:rPr lang="pt-PT" dirty="0" smtClean="0"/>
+              <a:t>Tecnologias propostas</a:t>
+            </a:r>
+          </a:p>
+          <a:p>
+            <a:r>
+              <a:rPr lang="pt-PT" dirty="0" smtClean="0"/>
+              <a:t>Descrição e demonstração do S.I.</a:t>
+            </a:r>
+          </a:p>
+          <a:p>
+            <a:r>
+              <a:rPr lang="pt-PT" dirty="0" smtClean="0"/>
+              <a:t>Descrição e demonstração da </a:t>
+            </a:r>
+            <a:r>
+              <a:rPr lang="pt-PT" dirty="0" err="1" smtClean="0"/>
+              <a:t>App</a:t>
+            </a:r>
+            <a:r>
+              <a:rPr lang="pt-PT" dirty="0" smtClean="0"/>
+              <a:t> </a:t>
+            </a:r>
+            <a:r>
+              <a:rPr lang="pt-PT" dirty="0" err="1" smtClean="0"/>
+              <a:t>Android</a:t>
+            </a:r>
+            <a:endParaRPr lang="pt-PT" dirty="0" smtClean="0"/>
+          </a:p>
+          <a:p>
+            <a:r>
+              <a:rPr lang="pt-PT" dirty="0" smtClean="0"/>
+              <a:t>Tecnologias em investigação</a:t>
+            </a:r>
+            <a:endParaRPr lang="pt-PT" dirty="0"/>
+          </a:p>
+        </p:txBody>
+      </p:sp>
+    </p:spTree>
+  </p:cSld>
+  <p:clrMapOvr>
+    <a:masterClrMapping/>
+  </p:clrMapOvr>
+  <p:timing>
+    <p:tnLst>
+      <p:par>
+        <p:cTn id="1" dur="indefinite" restart="never" nodeType="tmRoot"/>
+      </p:par>
+    </p:tnLst>
+  </p:timing>
+</p:sld>
+</file>
+
+<file path=ppt/slides/slide20.xml><?xml version="1.0" encoding="utf-8"?>
+<p:sld xmlns:a="http://schemas.openxmlformats.org/drawingml/2006/main" xmlns:r="http://schemas.openxmlformats.org/officeDocument/2006/relationships" xmlns:p="http://schemas.openxmlformats.org/presentationml/2006/main">
+  <p:cSld>
+    <p:spTree>
+      <p:nvGrpSpPr>
+        <p:cNvPr id="1" name=""/>
+        <p:cNvGrpSpPr/>
+        <p:nvPr/>
+      </p:nvGrpSpPr>
+      <p:grpSpPr>
+        <a:xfrm>
+          <a:off x="0" y="0"/>
+          <a:ext cx="0" cy="0"/>
+          <a:chOff x="0" y="0"/>
+          <a:chExt cx="0" cy="0"/>
+        </a:xfrm>
+      </p:grpSpPr>
+      <p:sp>
+        <p:nvSpPr>
+          <p:cNvPr id="2" name="Título 1"/>
+          <p:cNvSpPr>
+            <a:spLocks noGrp="1"/>
+          </p:cNvSpPr>
+          <p:nvPr>
+            <p:ph type="ctrTitle"/>
+          </p:nvPr>
+        </p:nvSpPr>
+        <p:spPr/>
+        <p:txBody>
+          <a:bodyPr/>
+          <a:lstStyle/>
+          <a:p>
+            <a:r>
+              <a:rPr lang="pt-PT" dirty="0" smtClean="0"/>
+              <a:t>Exemplo</a:t>
+            </a:r>
+            <a:endParaRPr lang="pt-PT" dirty="0"/>
+          </a:p>
+        </p:txBody>
+      </p:sp>
+      <p:sp>
+        <p:nvSpPr>
+          <p:cNvPr id="3" name="Subtítulo 2"/>
+          <p:cNvSpPr>
+            <a:spLocks noGrp="1"/>
+          </p:cNvSpPr>
+          <p:nvPr>
+            <p:ph type="subTitle" idx="1"/>
+          </p:nvPr>
+        </p:nvSpPr>
+        <p:spPr/>
+        <p:txBody>
+          <a:bodyPr/>
+          <a:lstStyle/>
+          <a:p>
+            <a:r>
+              <a:rPr lang="pt-PT" dirty="0" smtClean="0"/>
+              <a:t>POST </a:t>
+            </a:r>
+            <a:r>
+              <a:rPr lang="pt-PT" dirty="0" err="1" smtClean="0"/>
+              <a:t>Request</a:t>
+            </a:r>
+            <a:r>
+              <a:rPr lang="pt-PT" dirty="0" smtClean="0"/>
+              <a:t>.</a:t>
+            </a:r>
+            <a:endParaRPr lang="pt-PT" dirty="0"/>
+          </a:p>
+        </p:txBody>
+      </p:sp>
+    </p:spTree>
+  </p:cSld>
+  <p:clrMapOvr>
+    <a:masterClrMapping/>
+  </p:clrMapOvr>
+</p:sld>
+</file>
+
+<file path=ppt/slides/slide21.xml><?xml version="1.0" encoding="utf-8"?>
+<p:sld xmlns:a="http://schemas.openxmlformats.org/drawingml/2006/main" xmlns:r="http://schemas.openxmlformats.org/officeDocument/2006/relationships" xmlns:p="http://schemas.openxmlformats.org/presentationml/2006/main">
+  <p:cSld>
+    <p:spTree>
+      <p:nvGrpSpPr>
+        <p:cNvPr id="1" name=""/>
+        <p:cNvGrpSpPr/>
+        <p:nvPr/>
+      </p:nvGrpSpPr>
+      <p:grpSpPr>
+        <a:xfrm>
+          <a:off x="0" y="0"/>
+          <a:ext cx="0" cy="0"/>
+          <a:chOff x="0" y="0"/>
+          <a:chExt cx="0" cy="0"/>
+        </a:xfrm>
+      </p:grpSpPr>
+      <p:sp>
+        <p:nvSpPr>
+          <p:cNvPr id="2" name="Marcador de Posição do Texto 1"/>
+          <p:cNvSpPr>
+            <a:spLocks noGrp="1"/>
+          </p:cNvSpPr>
+          <p:nvPr>
+            <p:ph type="body" sz="quarter" idx="13"/>
+          </p:nvPr>
+        </p:nvSpPr>
+        <p:spPr>
+          <a:xfrm>
+            <a:off x="1511660" y="337221"/>
+            <a:ext cx="6120680" cy="3960440"/>
+          </a:xfrm>
+        </p:spPr>
+        <p:txBody>
+          <a:bodyPr>
+            <a:noAutofit/>
+          </a:bodyPr>
+          <a:lstStyle/>
+          <a:p>
+            <a:r>
+              <a:rPr lang="pt-PT" sz="1400" dirty="0" smtClean="0">
+                <a:solidFill>
+                  <a:srgbClr val="008000"/>
+                </a:solidFill>
+                <a:latin typeface="Consolas" pitchFamily="49" charset="0"/>
+              </a:rPr>
+              <a:t>/// Faz uma </a:t>
+            </a:r>
+            <a:r>
+              <a:rPr lang="pt-PT" sz="1400" dirty="0" err="1" smtClean="0">
+                <a:solidFill>
+                  <a:srgbClr val="008000"/>
+                </a:solidFill>
+                <a:latin typeface="Consolas" pitchFamily="49" charset="0"/>
+              </a:rPr>
+              <a:t>Http</a:t>
+            </a:r>
+            <a:r>
+              <a:rPr lang="pt-PT" sz="1400" dirty="0" smtClean="0">
+                <a:solidFill>
+                  <a:srgbClr val="008000"/>
+                </a:solidFill>
+                <a:latin typeface="Consolas" pitchFamily="49" charset="0"/>
+              </a:rPr>
+              <a:t> POST </a:t>
+            </a:r>
+            <a:r>
+              <a:rPr lang="pt-PT" sz="1400" dirty="0" err="1" smtClean="0">
+                <a:solidFill>
+                  <a:srgbClr val="008000"/>
+                </a:solidFill>
+                <a:latin typeface="Consolas" pitchFamily="49" charset="0"/>
+              </a:rPr>
+              <a:t>request</a:t>
+            </a:r>
+            <a:r>
+              <a:rPr lang="pt-PT" sz="1400" dirty="0" smtClean="0">
+                <a:solidFill>
+                  <a:srgbClr val="008000"/>
+                </a:solidFill>
+                <a:latin typeface="Consolas" pitchFamily="49" charset="0"/>
+              </a:rPr>
+              <a:t> para o servidor com os dados.</a:t>
+            </a:r>
+            <a:endParaRPr lang="pt-PT" sz="1400" dirty="0" smtClean="0">
+              <a:solidFill>
+                <a:srgbClr val="333333"/>
+              </a:solidFill>
+              <a:latin typeface="Consolas" pitchFamily="49" charset="0"/>
+            </a:endParaRPr>
+          </a:p>
+          <a:p>
+            <a:r>
+              <a:rPr lang="en-US" sz="1400" dirty="0" smtClean="0">
+                <a:solidFill>
+                  <a:srgbClr val="0000FF"/>
+                </a:solidFill>
+                <a:latin typeface="Consolas" pitchFamily="49" charset="0"/>
+              </a:rPr>
+              <a:t>public</a:t>
+            </a:r>
+            <a:r>
+              <a:rPr lang="en-US" sz="1400" dirty="0" smtClean="0">
+                <a:solidFill>
+                  <a:srgbClr val="333333"/>
+                </a:solidFill>
+                <a:latin typeface="Consolas" pitchFamily="49" charset="0"/>
+              </a:rPr>
+              <a:t> </a:t>
+            </a:r>
+            <a:r>
+              <a:rPr lang="en-US" sz="1400" dirty="0" smtClean="0">
+                <a:solidFill>
+                  <a:srgbClr val="2B91AF"/>
+                </a:solidFill>
+                <a:latin typeface="Consolas" pitchFamily="49" charset="0"/>
+              </a:rPr>
+              <a:t>void</a:t>
+            </a:r>
+            <a:r>
+              <a:rPr lang="en-US" sz="1400" dirty="0" smtClean="0">
+                <a:solidFill>
+                  <a:srgbClr val="333333"/>
+                </a:solidFill>
+                <a:latin typeface="Consolas" pitchFamily="49" charset="0"/>
+              </a:rPr>
+              <a:t> post(String </a:t>
+            </a:r>
+            <a:r>
+              <a:rPr lang="en-US" sz="1400" dirty="0" err="1" smtClean="0">
+                <a:solidFill>
+                  <a:srgbClr val="333333"/>
+                </a:solidFill>
+                <a:latin typeface="Consolas" pitchFamily="49" charset="0"/>
+              </a:rPr>
+              <a:t>url</a:t>
+            </a:r>
+            <a:r>
+              <a:rPr lang="en-US" sz="1400" dirty="0" smtClean="0">
+                <a:solidFill>
+                  <a:srgbClr val="333333"/>
+                </a:solidFill>
+                <a:latin typeface="Consolas" pitchFamily="49" charset="0"/>
+              </a:rPr>
+              <a:t>, </a:t>
+            </a:r>
+            <a:r>
+              <a:rPr lang="en-US" sz="1400" dirty="0" err="1" smtClean="0">
+                <a:solidFill>
+                  <a:srgbClr val="333333"/>
+                </a:solidFill>
+                <a:latin typeface="Consolas" pitchFamily="49" charset="0"/>
+              </a:rPr>
+              <a:t>JSONObject</a:t>
+            </a:r>
+            <a:r>
+              <a:rPr lang="en-US" sz="1400" dirty="0" smtClean="0">
+                <a:solidFill>
+                  <a:srgbClr val="333333"/>
+                </a:solidFill>
+                <a:latin typeface="Consolas" pitchFamily="49" charset="0"/>
+              </a:rPr>
+              <a:t> </a:t>
+            </a:r>
+            <a:r>
+              <a:rPr lang="en-US" sz="1400" dirty="0" err="1" smtClean="0">
+                <a:solidFill>
+                  <a:srgbClr val="333333"/>
+                </a:solidFill>
+                <a:latin typeface="Consolas" pitchFamily="49" charset="0"/>
+              </a:rPr>
+              <a:t>jsonObj</a:t>
+            </a:r>
+            <a:r>
+              <a:rPr lang="en-US" sz="1400" dirty="0" smtClean="0">
+                <a:solidFill>
+                  <a:srgbClr val="333333"/>
+                </a:solidFill>
+                <a:latin typeface="Consolas" pitchFamily="49" charset="0"/>
+              </a:rPr>
+              <a:t>) </a:t>
+            </a:r>
+            <a:r>
+              <a:rPr lang="en-US" sz="1400" dirty="0" smtClean="0">
+                <a:solidFill>
+                  <a:srgbClr val="333333"/>
+                </a:solidFill>
+                <a:latin typeface="Consolas" pitchFamily="49" charset="0"/>
+              </a:rPr>
+              <a:t>{</a:t>
+            </a:r>
+          </a:p>
+          <a:p>
+            <a:r>
+              <a:rPr lang="en-US" sz="1400" dirty="0" smtClean="0">
+                <a:solidFill>
+                  <a:srgbClr val="333333"/>
+                </a:solidFill>
+                <a:latin typeface="Consolas" pitchFamily="49" charset="0"/>
+              </a:rPr>
+              <a:t>  </a:t>
+            </a:r>
+            <a:r>
+              <a:rPr lang="en-US" sz="1400" dirty="0" smtClean="0">
+                <a:solidFill>
+                  <a:srgbClr val="0000FF"/>
+                </a:solidFill>
+                <a:latin typeface="Consolas" pitchFamily="49" charset="0"/>
+              </a:rPr>
+              <a:t>try</a:t>
+            </a:r>
+            <a:r>
+              <a:rPr lang="en-US" sz="1400" dirty="0" smtClean="0">
+                <a:solidFill>
+                  <a:srgbClr val="333333"/>
+                </a:solidFill>
+                <a:latin typeface="Consolas" pitchFamily="49" charset="0"/>
+              </a:rPr>
+              <a:t> {</a:t>
+            </a:r>
+          </a:p>
+          <a:p>
+            <a:r>
+              <a:rPr lang="en-US" sz="1400" dirty="0" smtClean="0">
+                <a:solidFill>
+                  <a:srgbClr val="333333"/>
+                </a:solidFill>
+                <a:latin typeface="Consolas" pitchFamily="49" charset="0"/>
+              </a:rPr>
+              <a:t>    </a:t>
+            </a:r>
+            <a:r>
+              <a:rPr lang="en-US" sz="1400" dirty="0" smtClean="0">
+                <a:solidFill>
+                  <a:srgbClr val="008000"/>
+                </a:solidFill>
+                <a:latin typeface="Consolas" pitchFamily="49" charset="0"/>
+              </a:rPr>
+              <a:t>// </a:t>
+            </a:r>
+            <a:r>
+              <a:rPr lang="en-US" sz="1400" dirty="0" err="1" smtClean="0">
+                <a:solidFill>
+                  <a:srgbClr val="008000"/>
+                </a:solidFill>
+                <a:latin typeface="Consolas" pitchFamily="49" charset="0"/>
+              </a:rPr>
+              <a:t>Criação</a:t>
+            </a:r>
+            <a:r>
+              <a:rPr lang="en-US" sz="1400" dirty="0" smtClean="0">
+                <a:solidFill>
+                  <a:srgbClr val="008000"/>
+                </a:solidFill>
+                <a:latin typeface="Consolas" pitchFamily="49" charset="0"/>
+              </a:rPr>
+              <a:t> do </a:t>
+            </a:r>
+            <a:r>
+              <a:rPr lang="en-US" sz="1400" dirty="0" err="1" smtClean="0">
+                <a:solidFill>
+                  <a:srgbClr val="008000"/>
+                </a:solidFill>
+                <a:latin typeface="Consolas" pitchFamily="49" charset="0"/>
+              </a:rPr>
+              <a:t>cliente</a:t>
+            </a:r>
+            <a:r>
+              <a:rPr lang="en-US" sz="1400" dirty="0" smtClean="0">
+                <a:solidFill>
+                  <a:srgbClr val="008000"/>
+                </a:solidFill>
+                <a:latin typeface="Consolas" pitchFamily="49" charset="0"/>
+              </a:rPr>
+              <a:t> HTTP</a:t>
+            </a:r>
+            <a:endParaRPr lang="en-US" sz="1400" dirty="0" smtClean="0">
+              <a:solidFill>
+                <a:srgbClr val="333333"/>
+              </a:solidFill>
+              <a:latin typeface="Consolas" pitchFamily="49" charset="0"/>
+            </a:endParaRPr>
+          </a:p>
+          <a:p>
+            <a:r>
+              <a:rPr lang="en-US" sz="1400" dirty="0" smtClean="0">
+                <a:solidFill>
+                  <a:srgbClr val="333333"/>
+                </a:solidFill>
+                <a:latin typeface="Consolas" pitchFamily="49" charset="0"/>
+              </a:rPr>
+              <a:t>    </a:t>
+            </a:r>
+            <a:r>
+              <a:rPr lang="en-US" sz="1400" dirty="0" err="1" smtClean="0">
+                <a:solidFill>
+                  <a:srgbClr val="333333"/>
+                </a:solidFill>
+                <a:latin typeface="Consolas" pitchFamily="49" charset="0"/>
+              </a:rPr>
+              <a:t>DefaultHttpClient</a:t>
+            </a:r>
+            <a:r>
+              <a:rPr lang="en-US" sz="1400" dirty="0" smtClean="0">
+                <a:solidFill>
+                  <a:srgbClr val="333333"/>
+                </a:solidFill>
+                <a:latin typeface="Consolas" pitchFamily="49" charset="0"/>
+              </a:rPr>
+              <a:t> </a:t>
+            </a:r>
+            <a:r>
+              <a:rPr lang="en-US" sz="1400" dirty="0" err="1" smtClean="0">
+                <a:solidFill>
+                  <a:srgbClr val="333333"/>
+                </a:solidFill>
+                <a:latin typeface="Consolas" pitchFamily="49" charset="0"/>
+              </a:rPr>
+              <a:t>httpClient</a:t>
+            </a:r>
+            <a:r>
+              <a:rPr lang="en-US" sz="1400" dirty="0" smtClean="0">
+                <a:solidFill>
+                  <a:srgbClr val="333333"/>
+                </a:solidFill>
+                <a:latin typeface="Consolas" pitchFamily="49" charset="0"/>
+              </a:rPr>
+              <a:t> = </a:t>
+            </a:r>
+            <a:r>
+              <a:rPr lang="en-US" sz="1400" dirty="0" smtClean="0">
+                <a:solidFill>
+                  <a:srgbClr val="0000FF"/>
+                </a:solidFill>
+                <a:latin typeface="Consolas" pitchFamily="49" charset="0"/>
+              </a:rPr>
+              <a:t>new</a:t>
+            </a:r>
+            <a:r>
+              <a:rPr lang="en-US" sz="1400" dirty="0" smtClean="0">
+                <a:solidFill>
+                  <a:srgbClr val="333333"/>
+                </a:solidFill>
+                <a:latin typeface="Consolas" pitchFamily="49" charset="0"/>
+              </a:rPr>
+              <a:t> </a:t>
+            </a:r>
+            <a:r>
+              <a:rPr lang="en-US" sz="1400" dirty="0" err="1" smtClean="0">
+                <a:solidFill>
+                  <a:srgbClr val="333333"/>
+                </a:solidFill>
+                <a:latin typeface="Consolas" pitchFamily="49" charset="0"/>
+              </a:rPr>
+              <a:t>DefaultHttpClient</a:t>
+            </a:r>
+            <a:r>
+              <a:rPr lang="en-US" sz="1400" dirty="0" smtClean="0">
+                <a:solidFill>
+                  <a:srgbClr val="333333"/>
+                </a:solidFill>
+                <a:latin typeface="Consolas" pitchFamily="49" charset="0"/>
+              </a:rPr>
+              <a:t>();</a:t>
+            </a:r>
+          </a:p>
+          <a:p>
+            <a:endParaRPr lang="en-US" sz="1400" dirty="0" smtClean="0">
+              <a:solidFill>
+                <a:srgbClr val="333333"/>
+              </a:solidFill>
+              <a:latin typeface="Consolas" pitchFamily="49" charset="0"/>
+            </a:endParaRPr>
+          </a:p>
+          <a:p>
+            <a:r>
+              <a:rPr lang="en-US" sz="1400" dirty="0" smtClean="0">
+                <a:solidFill>
+                  <a:srgbClr val="333333"/>
+                </a:solidFill>
+                <a:latin typeface="Consolas" pitchFamily="49" charset="0"/>
+              </a:rPr>
+              <a:t>    </a:t>
+            </a:r>
+            <a:r>
+              <a:rPr lang="en-US" sz="1400" dirty="0" smtClean="0">
+                <a:solidFill>
+                  <a:srgbClr val="008000"/>
+                </a:solidFill>
+                <a:latin typeface="Consolas" pitchFamily="49" charset="0"/>
+              </a:rPr>
+              <a:t>// </a:t>
+            </a:r>
+            <a:r>
+              <a:rPr lang="en-US" sz="1400" dirty="0" err="1" smtClean="0">
+                <a:solidFill>
+                  <a:srgbClr val="008000"/>
+                </a:solidFill>
+                <a:latin typeface="Consolas" pitchFamily="49" charset="0"/>
+              </a:rPr>
+              <a:t>Criação</a:t>
+            </a:r>
+            <a:r>
+              <a:rPr lang="en-US" sz="1400" dirty="0" smtClean="0">
+                <a:solidFill>
+                  <a:srgbClr val="008000"/>
+                </a:solidFill>
+                <a:latin typeface="Consolas" pitchFamily="49" charset="0"/>
+              </a:rPr>
+              <a:t> </a:t>
+            </a:r>
+            <a:r>
+              <a:rPr lang="en-US" sz="1400" dirty="0" err="1" smtClean="0">
+                <a:solidFill>
+                  <a:srgbClr val="008000"/>
+                </a:solidFill>
+                <a:latin typeface="Consolas" pitchFamily="49" charset="0"/>
+              </a:rPr>
+              <a:t>da</a:t>
+            </a:r>
+            <a:r>
+              <a:rPr lang="en-US" sz="1400" dirty="0" smtClean="0">
+                <a:solidFill>
+                  <a:srgbClr val="008000"/>
+                </a:solidFill>
+                <a:latin typeface="Consolas" pitchFamily="49" charset="0"/>
+              </a:rPr>
+              <a:t> POST request</a:t>
+            </a:r>
+            <a:endParaRPr lang="en-US" sz="1400" dirty="0" smtClean="0">
+              <a:solidFill>
+                <a:srgbClr val="333333"/>
+              </a:solidFill>
+              <a:latin typeface="Consolas" pitchFamily="49" charset="0"/>
+            </a:endParaRPr>
+          </a:p>
+          <a:p>
+            <a:r>
+              <a:rPr lang="en-US" sz="1400" dirty="0" smtClean="0">
+                <a:solidFill>
+                  <a:srgbClr val="333333"/>
+                </a:solidFill>
+                <a:latin typeface="Consolas" pitchFamily="49" charset="0"/>
+              </a:rPr>
+              <a:t>    </a:t>
+            </a:r>
+            <a:r>
+              <a:rPr lang="en-US" sz="1400" dirty="0" err="1" smtClean="0">
+                <a:solidFill>
+                  <a:srgbClr val="333333"/>
+                </a:solidFill>
+                <a:latin typeface="Consolas" pitchFamily="49" charset="0"/>
+              </a:rPr>
+              <a:t>HttpPost</a:t>
+            </a:r>
+            <a:r>
+              <a:rPr lang="en-US" sz="1400" dirty="0" smtClean="0">
+                <a:solidFill>
+                  <a:srgbClr val="333333"/>
+                </a:solidFill>
+                <a:latin typeface="Consolas" pitchFamily="49" charset="0"/>
+              </a:rPr>
+              <a:t> </a:t>
+            </a:r>
+            <a:r>
+              <a:rPr lang="en-US" sz="1400" dirty="0" err="1" smtClean="0">
+                <a:solidFill>
+                  <a:srgbClr val="333333"/>
+                </a:solidFill>
+                <a:latin typeface="Consolas" pitchFamily="49" charset="0"/>
+              </a:rPr>
+              <a:t>httpPost</a:t>
+            </a:r>
+            <a:r>
+              <a:rPr lang="en-US" sz="1400" dirty="0" smtClean="0">
+                <a:solidFill>
+                  <a:srgbClr val="333333"/>
+                </a:solidFill>
+                <a:latin typeface="Consolas" pitchFamily="49" charset="0"/>
+              </a:rPr>
+              <a:t> = </a:t>
+            </a:r>
+            <a:r>
+              <a:rPr lang="en-US" sz="1400" dirty="0" smtClean="0">
+                <a:solidFill>
+                  <a:srgbClr val="0000FF"/>
+                </a:solidFill>
+                <a:latin typeface="Consolas" pitchFamily="49" charset="0"/>
+              </a:rPr>
+              <a:t>new</a:t>
+            </a:r>
+            <a:r>
+              <a:rPr lang="en-US" sz="1400" dirty="0" smtClean="0">
+                <a:solidFill>
+                  <a:srgbClr val="333333"/>
+                </a:solidFill>
+                <a:latin typeface="Consolas" pitchFamily="49" charset="0"/>
+              </a:rPr>
+              <a:t> </a:t>
+            </a:r>
+            <a:r>
+              <a:rPr lang="en-US" sz="1400" dirty="0" err="1" smtClean="0">
+                <a:solidFill>
+                  <a:srgbClr val="333333"/>
+                </a:solidFill>
+                <a:latin typeface="Consolas" pitchFamily="49" charset="0"/>
+              </a:rPr>
+              <a:t>HttpPost</a:t>
+            </a:r>
+            <a:r>
+              <a:rPr lang="en-US" sz="1400" dirty="0" smtClean="0">
+                <a:solidFill>
+                  <a:srgbClr val="333333"/>
+                </a:solidFill>
+                <a:latin typeface="Consolas" pitchFamily="49" charset="0"/>
+              </a:rPr>
+              <a:t>(</a:t>
+            </a:r>
+            <a:r>
+              <a:rPr lang="en-US" sz="1400" dirty="0" err="1" smtClean="0">
+                <a:solidFill>
+                  <a:srgbClr val="333333"/>
+                </a:solidFill>
+                <a:latin typeface="Consolas" pitchFamily="49" charset="0"/>
+              </a:rPr>
+              <a:t>url</a:t>
+            </a:r>
+            <a:r>
+              <a:rPr lang="en-US" sz="1400" dirty="0" smtClean="0">
+                <a:solidFill>
+                  <a:srgbClr val="333333"/>
+                </a:solidFill>
+                <a:latin typeface="Consolas" pitchFamily="49" charset="0"/>
+              </a:rPr>
+              <a:t>);</a:t>
+            </a:r>
+          </a:p>
+          <a:p>
+            <a:endParaRPr lang="en-US" sz="1400" dirty="0" smtClean="0">
+              <a:solidFill>
+                <a:srgbClr val="333333"/>
+              </a:solidFill>
+              <a:latin typeface="Consolas" pitchFamily="49" charset="0"/>
+            </a:endParaRPr>
+          </a:p>
+          <a:p>
+            <a:r>
+              <a:rPr lang="en-US" sz="1400" dirty="0" smtClean="0">
+                <a:solidFill>
+                  <a:srgbClr val="333333"/>
+                </a:solidFill>
+                <a:latin typeface="Consolas" pitchFamily="49" charset="0"/>
+              </a:rPr>
+              <a:t>    </a:t>
+            </a:r>
+            <a:r>
+              <a:rPr lang="pt-PT" sz="1400" dirty="0" smtClean="0">
+                <a:solidFill>
+                  <a:srgbClr val="008000"/>
+                </a:solidFill>
+                <a:latin typeface="Consolas" pitchFamily="49" charset="0"/>
+              </a:rPr>
+              <a:t>// </a:t>
+            </a:r>
+            <a:r>
+              <a:rPr lang="pt-PT" sz="1400" dirty="0" smtClean="0">
+                <a:solidFill>
+                  <a:srgbClr val="008000"/>
+                </a:solidFill>
+                <a:latin typeface="Consolas" pitchFamily="49" charset="0"/>
+              </a:rPr>
+              <a:t>Colocação </a:t>
+            </a:r>
+            <a:r>
+              <a:rPr lang="pt-PT" sz="1400" dirty="0" smtClean="0">
+                <a:solidFill>
+                  <a:srgbClr val="008000"/>
+                </a:solidFill>
+                <a:latin typeface="Consolas" pitchFamily="49" charset="0"/>
+              </a:rPr>
+              <a:t>dos dados na </a:t>
+            </a:r>
+            <a:r>
+              <a:rPr lang="pt-PT" sz="1400" dirty="0" err="1" smtClean="0">
+                <a:solidFill>
+                  <a:srgbClr val="008000"/>
+                </a:solidFill>
+                <a:latin typeface="Consolas" pitchFamily="49" charset="0"/>
+              </a:rPr>
+              <a:t>request</a:t>
+            </a:r>
+            <a:endParaRPr lang="pt-PT" sz="1400" dirty="0" smtClean="0">
+              <a:solidFill>
+                <a:srgbClr val="333333"/>
+              </a:solidFill>
+              <a:latin typeface="Consolas" pitchFamily="49" charset="0"/>
+            </a:endParaRPr>
+          </a:p>
+          <a:p>
+            <a:r>
+              <a:rPr lang="pt-PT" sz="1400" dirty="0" smtClean="0">
+                <a:solidFill>
+                  <a:srgbClr val="333333"/>
+                </a:solidFill>
+                <a:latin typeface="Consolas" pitchFamily="49" charset="0"/>
+              </a:rPr>
+              <a:t>    </a:t>
+            </a:r>
+            <a:r>
+              <a:rPr lang="pt-PT" sz="1400" dirty="0" err="1" smtClean="0">
+                <a:solidFill>
+                  <a:srgbClr val="333333"/>
+                </a:solidFill>
+                <a:latin typeface="Consolas" pitchFamily="49" charset="0"/>
+              </a:rPr>
+              <a:t>httpPost.setEntity</a:t>
+            </a:r>
+            <a:r>
+              <a:rPr lang="pt-PT" sz="1400" dirty="0" smtClean="0">
+                <a:solidFill>
+                  <a:srgbClr val="333333"/>
+                </a:solidFill>
+                <a:latin typeface="Consolas" pitchFamily="49" charset="0"/>
+              </a:rPr>
+              <a:t>(</a:t>
+            </a:r>
+          </a:p>
+          <a:p>
+            <a:r>
+              <a:rPr lang="pt-PT" sz="1400" dirty="0" smtClean="0">
+                <a:solidFill>
+                  <a:srgbClr val="333333"/>
+                </a:solidFill>
+                <a:latin typeface="Consolas" pitchFamily="49" charset="0"/>
+              </a:rPr>
+              <a:t> </a:t>
+            </a:r>
+            <a:r>
+              <a:rPr lang="pt-PT" sz="1400" dirty="0" smtClean="0">
+                <a:solidFill>
+                  <a:srgbClr val="333333"/>
+                </a:solidFill>
+                <a:latin typeface="Consolas" pitchFamily="49" charset="0"/>
+              </a:rPr>
+              <a:t>     </a:t>
+            </a:r>
+            <a:r>
+              <a:rPr lang="pt-PT" sz="1400" dirty="0" err="1" smtClean="0">
+                <a:solidFill>
+                  <a:srgbClr val="0000FF"/>
+                </a:solidFill>
+                <a:latin typeface="Consolas" pitchFamily="49" charset="0"/>
+              </a:rPr>
+              <a:t>new</a:t>
+            </a:r>
+            <a:r>
+              <a:rPr lang="pt-PT" sz="1400" dirty="0" smtClean="0">
+                <a:solidFill>
+                  <a:srgbClr val="333333"/>
+                </a:solidFill>
+                <a:latin typeface="Consolas" pitchFamily="49" charset="0"/>
+              </a:rPr>
+              <a:t> </a:t>
+            </a:r>
+            <a:r>
+              <a:rPr lang="pt-PT" sz="1400" dirty="0" err="1" smtClean="0">
+                <a:solidFill>
+                  <a:srgbClr val="333333"/>
+                </a:solidFill>
+                <a:latin typeface="Consolas" pitchFamily="49" charset="0"/>
+              </a:rPr>
+              <a:t>StringEntity</a:t>
+            </a:r>
+            <a:r>
+              <a:rPr lang="pt-PT" sz="1400" dirty="0" smtClean="0">
+                <a:solidFill>
+                  <a:srgbClr val="333333"/>
+                </a:solidFill>
+                <a:latin typeface="Consolas" pitchFamily="49" charset="0"/>
+              </a:rPr>
+              <a:t>(</a:t>
+            </a:r>
+            <a:r>
+              <a:rPr lang="pt-PT" sz="1400" dirty="0" err="1" smtClean="0">
+                <a:solidFill>
+                  <a:srgbClr val="333333"/>
+                </a:solidFill>
+                <a:latin typeface="Consolas" pitchFamily="49" charset="0"/>
+              </a:rPr>
+              <a:t>jsonObj.toString</a:t>
+            </a:r>
+            <a:r>
+              <a:rPr lang="pt-PT" sz="1400" dirty="0" smtClean="0">
+                <a:solidFill>
+                  <a:srgbClr val="333333"/>
+                </a:solidFill>
+                <a:latin typeface="Consolas" pitchFamily="49" charset="0"/>
+              </a:rPr>
+              <a:t>()</a:t>
+            </a:r>
+          </a:p>
+          <a:p>
+            <a:r>
+              <a:rPr lang="pt-PT" sz="1400" dirty="0" smtClean="0">
+                <a:solidFill>
+                  <a:srgbClr val="333333"/>
+                </a:solidFill>
+                <a:latin typeface="Consolas" pitchFamily="49" charset="0"/>
+              </a:rPr>
+              <a:t> </a:t>
+            </a:r>
+            <a:r>
+              <a:rPr lang="pt-PT" sz="1400" dirty="0" smtClean="0">
+                <a:solidFill>
+                  <a:srgbClr val="333333"/>
+                </a:solidFill>
+                <a:latin typeface="Consolas" pitchFamily="49" charset="0"/>
+              </a:rPr>
+              <a:t>   );</a:t>
+            </a:r>
+          </a:p>
+          <a:p>
+            <a:endParaRPr lang="pt-PT" sz="1400" dirty="0" smtClean="0">
+              <a:solidFill>
+                <a:srgbClr val="333333"/>
+              </a:solidFill>
+              <a:latin typeface="Consolas" pitchFamily="49" charset="0"/>
+            </a:endParaRPr>
+          </a:p>
+          <a:p>
+            <a:r>
+              <a:rPr lang="pt-PT" sz="1400" dirty="0" smtClean="0">
+                <a:solidFill>
+                  <a:srgbClr val="333333"/>
+                </a:solidFill>
+                <a:latin typeface="Consolas" pitchFamily="49" charset="0"/>
+              </a:rPr>
+              <a:t> </a:t>
+            </a:r>
+            <a:r>
+              <a:rPr lang="pt-PT" sz="1400" dirty="0" smtClean="0">
+                <a:solidFill>
+                  <a:srgbClr val="333333"/>
+                </a:solidFill>
+                <a:latin typeface="Consolas" pitchFamily="49" charset="0"/>
+              </a:rPr>
+              <a:t>   </a:t>
+            </a:r>
+            <a:r>
+              <a:rPr lang="pt-PT" sz="1400" dirty="0" smtClean="0">
+                <a:solidFill>
+                  <a:srgbClr val="008000"/>
+                </a:solidFill>
+                <a:latin typeface="Consolas" pitchFamily="49" charset="0"/>
+              </a:rPr>
+              <a:t>// Continua...</a:t>
+            </a:r>
+          </a:p>
+          <a:p>
+            <a:endParaRPr lang="pt-PT" dirty="0"/>
+          </a:p>
+        </p:txBody>
+      </p:sp>
+      <p:sp>
+        <p:nvSpPr>
+          <p:cNvPr id="3" name="Marcador de Posição do Texto 2"/>
+          <p:cNvSpPr>
+            <a:spLocks noGrp="1"/>
+          </p:cNvSpPr>
+          <p:nvPr>
+            <p:ph type="body" sz="quarter" idx="14"/>
+          </p:nvPr>
+        </p:nvSpPr>
+        <p:spPr/>
+        <p:txBody>
+          <a:bodyPr/>
+          <a:lstStyle/>
+          <a:p>
+            <a:r>
+              <a:rPr lang="pt-PT" dirty="0" smtClean="0"/>
+              <a:t>Exemplo: POST de dados no servidor (1/2)</a:t>
+            </a:r>
+            <a:endParaRPr lang="pt-PT" dirty="0"/>
+          </a:p>
+        </p:txBody>
+      </p:sp>
+    </p:spTree>
+  </p:cSld>
+  <p:clrMapOvr>
+    <a:masterClrMapping/>
+  </p:clrMapOvr>
+  <p:timing>
+    <p:tnLst>
+      <p:par>
+        <p:cTn id="1" dur="indefinite" restart="never" nodeType="tmRoot"/>
+      </p:par>
+    </p:tnLst>
+  </p:timing>
+</p:sld>
+</file>
+
+<file path=ppt/slides/slide22.xml><?xml version="1.0" encoding="utf-8"?>
+<p:sld xmlns:a="http://schemas.openxmlformats.org/drawingml/2006/main" xmlns:r="http://schemas.openxmlformats.org/officeDocument/2006/relationships" xmlns:p="http://schemas.openxmlformats.org/presentationml/2006/main">
+  <p:cSld>
+    <p:spTree>
+      <p:nvGrpSpPr>
+        <p:cNvPr id="1" name=""/>
+        <p:cNvGrpSpPr/>
+        <p:nvPr/>
+      </p:nvGrpSpPr>
+      <p:grpSpPr>
+        <a:xfrm>
+          <a:off x="0" y="0"/>
+          <a:ext cx="0" cy="0"/>
+          <a:chOff x="0" y="0"/>
+          <a:chExt cx="0" cy="0"/>
+        </a:xfrm>
+      </p:grpSpPr>
+      <p:sp>
+        <p:nvSpPr>
+          <p:cNvPr id="2" name="Marcador de Posição do Texto 1"/>
+          <p:cNvSpPr>
+            <a:spLocks noGrp="1"/>
+          </p:cNvSpPr>
+          <p:nvPr>
+            <p:ph type="body" sz="quarter" idx="13"/>
+          </p:nvPr>
+        </p:nvSpPr>
+        <p:spPr>
+          <a:xfrm>
+            <a:off x="1439652" y="1345333"/>
+            <a:ext cx="6264696" cy="2952327"/>
+          </a:xfrm>
+        </p:spPr>
+        <p:txBody>
+          <a:bodyPr>
+            <a:noAutofit/>
+          </a:bodyPr>
+          <a:lstStyle/>
+          <a:p>
+            <a:r>
+              <a:rPr lang="pt-PT" sz="1400" dirty="0" smtClean="0">
+                <a:solidFill>
+                  <a:srgbClr val="333333"/>
+                </a:solidFill>
+                <a:latin typeface="Consolas" pitchFamily="49" charset="0"/>
+              </a:rPr>
+              <a:t> </a:t>
+            </a:r>
+            <a:r>
+              <a:rPr lang="pt-PT" sz="1400" dirty="0" smtClean="0">
+                <a:solidFill>
+                  <a:srgbClr val="333333"/>
+                </a:solidFill>
+                <a:latin typeface="Consolas" pitchFamily="49" charset="0"/>
+              </a:rPr>
+              <a:t>   </a:t>
+            </a:r>
+            <a:r>
+              <a:rPr lang="pt-PT" sz="1400" dirty="0" smtClean="0">
+                <a:solidFill>
+                  <a:srgbClr val="008000"/>
+                </a:solidFill>
+                <a:latin typeface="Consolas" pitchFamily="49" charset="0"/>
+              </a:rPr>
+              <a:t>// Continuação</a:t>
+            </a:r>
+            <a:endParaRPr lang="pt-PT" sz="1400" dirty="0" smtClean="0">
+              <a:solidFill>
+                <a:srgbClr val="333333"/>
+              </a:solidFill>
+              <a:latin typeface="Consolas" pitchFamily="49" charset="0"/>
+            </a:endParaRPr>
+          </a:p>
+          <a:p>
+            <a:endParaRPr lang="pt-PT" sz="1400" dirty="0" smtClean="0">
+              <a:solidFill>
+                <a:srgbClr val="333333"/>
+              </a:solidFill>
+              <a:latin typeface="Consolas" pitchFamily="49" charset="0"/>
+            </a:endParaRPr>
+          </a:p>
+          <a:p>
+            <a:r>
+              <a:rPr lang="pt-PT" sz="1400" dirty="0" smtClean="0">
+                <a:solidFill>
+                  <a:srgbClr val="333333"/>
+                </a:solidFill>
+                <a:latin typeface="Consolas" pitchFamily="49" charset="0"/>
+              </a:rPr>
+              <a:t>    </a:t>
+            </a:r>
+            <a:r>
+              <a:rPr lang="pt-PT" sz="1400" dirty="0" smtClean="0">
+                <a:solidFill>
+                  <a:srgbClr val="008000"/>
+                </a:solidFill>
+                <a:latin typeface="Consolas" pitchFamily="49" charset="0"/>
+              </a:rPr>
+              <a:t>// </a:t>
+            </a:r>
+            <a:r>
+              <a:rPr lang="pt-PT" sz="1400" dirty="0" smtClean="0">
+                <a:solidFill>
+                  <a:srgbClr val="008000"/>
+                </a:solidFill>
+                <a:latin typeface="Consolas" pitchFamily="49" charset="0"/>
+              </a:rPr>
+              <a:t>Envio da </a:t>
+            </a:r>
+            <a:r>
+              <a:rPr lang="pt-PT" sz="1400" dirty="0" err="1" smtClean="0">
+                <a:solidFill>
+                  <a:srgbClr val="008000"/>
+                </a:solidFill>
+                <a:latin typeface="Consolas" pitchFamily="49" charset="0"/>
+              </a:rPr>
+              <a:t>request</a:t>
+            </a:r>
+            <a:r>
+              <a:rPr lang="pt-PT" sz="1400" dirty="0" smtClean="0">
+                <a:solidFill>
+                  <a:srgbClr val="008000"/>
+                </a:solidFill>
+                <a:latin typeface="Consolas" pitchFamily="49" charset="0"/>
+              </a:rPr>
+              <a:t> para o servidor</a:t>
+            </a:r>
+            <a:endParaRPr lang="pt-PT" sz="1400" dirty="0" smtClean="0">
+              <a:solidFill>
+                <a:srgbClr val="333333"/>
+              </a:solidFill>
+              <a:latin typeface="Consolas" pitchFamily="49" charset="0"/>
+            </a:endParaRPr>
+          </a:p>
+          <a:p>
+            <a:r>
+              <a:rPr lang="pt-PT" sz="1400" dirty="0" smtClean="0">
+                <a:solidFill>
+                  <a:srgbClr val="333333"/>
+                </a:solidFill>
+                <a:latin typeface="Consolas" pitchFamily="49" charset="0"/>
+              </a:rPr>
+              <a:t>    </a:t>
+            </a:r>
+            <a:r>
+              <a:rPr lang="pt-PT" sz="1400" dirty="0" err="1" smtClean="0">
+                <a:solidFill>
+                  <a:srgbClr val="333333"/>
+                </a:solidFill>
+                <a:latin typeface="Consolas" pitchFamily="49" charset="0"/>
+              </a:rPr>
+              <a:t>HttpResponse</a:t>
+            </a:r>
+            <a:r>
+              <a:rPr lang="pt-PT" sz="1400" dirty="0" smtClean="0">
+                <a:solidFill>
+                  <a:srgbClr val="333333"/>
+                </a:solidFill>
+                <a:latin typeface="Consolas" pitchFamily="49" charset="0"/>
+              </a:rPr>
+              <a:t> </a:t>
+            </a:r>
+            <a:r>
+              <a:rPr lang="pt-PT" sz="1400" dirty="0" err="1" smtClean="0">
+                <a:solidFill>
+                  <a:srgbClr val="333333"/>
+                </a:solidFill>
+                <a:latin typeface="Consolas" pitchFamily="49" charset="0"/>
+              </a:rPr>
+              <a:t>httpResponse</a:t>
+            </a:r>
+            <a:r>
+              <a:rPr lang="pt-PT" sz="1400" dirty="0" smtClean="0">
+                <a:solidFill>
+                  <a:srgbClr val="333333"/>
+                </a:solidFill>
+                <a:latin typeface="Consolas" pitchFamily="49" charset="0"/>
+              </a:rPr>
+              <a:t> = </a:t>
+            </a:r>
+            <a:r>
+              <a:rPr lang="pt-PT" sz="1400" dirty="0" err="1" smtClean="0">
+                <a:solidFill>
+                  <a:srgbClr val="333333"/>
+                </a:solidFill>
+                <a:latin typeface="Consolas" pitchFamily="49" charset="0"/>
+              </a:rPr>
+              <a:t>httpClient.execute</a:t>
+            </a:r>
+            <a:r>
+              <a:rPr lang="pt-PT" sz="1400" dirty="0" smtClean="0">
+                <a:solidFill>
+                  <a:srgbClr val="333333"/>
+                </a:solidFill>
+                <a:latin typeface="Consolas" pitchFamily="49" charset="0"/>
+              </a:rPr>
+              <a:t>(</a:t>
+            </a:r>
+            <a:r>
+              <a:rPr lang="pt-PT" sz="1400" dirty="0" err="1" smtClean="0">
+                <a:solidFill>
+                  <a:srgbClr val="333333"/>
+                </a:solidFill>
+                <a:latin typeface="Consolas" pitchFamily="49" charset="0"/>
+              </a:rPr>
+              <a:t>httpPost</a:t>
+            </a:r>
+            <a:r>
+              <a:rPr lang="pt-PT" sz="1400" dirty="0" smtClean="0">
+                <a:solidFill>
+                  <a:srgbClr val="333333"/>
+                </a:solidFill>
+                <a:latin typeface="Consolas" pitchFamily="49" charset="0"/>
+              </a:rPr>
+              <a:t>);</a:t>
+            </a:r>
+          </a:p>
+          <a:p>
+            <a:endParaRPr lang="pt-PT" sz="1400" dirty="0" smtClean="0">
+              <a:solidFill>
+                <a:srgbClr val="333333"/>
+              </a:solidFill>
+              <a:latin typeface="Consolas" pitchFamily="49" charset="0"/>
+            </a:endParaRPr>
+          </a:p>
+          <a:p>
+            <a:r>
+              <a:rPr lang="pt-PT" sz="1400" dirty="0" smtClean="0">
+                <a:solidFill>
+                  <a:srgbClr val="333333"/>
+                </a:solidFill>
+                <a:latin typeface="Consolas" pitchFamily="49" charset="0"/>
+              </a:rPr>
+              <a:t>    </a:t>
+            </a:r>
+            <a:r>
+              <a:rPr lang="pt-PT" sz="1400" dirty="0" smtClean="0">
+                <a:solidFill>
+                  <a:srgbClr val="008000"/>
+                </a:solidFill>
+                <a:latin typeface="Consolas" pitchFamily="49" charset="0"/>
+              </a:rPr>
+              <a:t>// Omitido: Obtenção dos dados de resposta.</a:t>
+            </a:r>
+            <a:endParaRPr lang="pt-PT" sz="1400" dirty="0" smtClean="0">
+              <a:solidFill>
+                <a:srgbClr val="333333"/>
+              </a:solidFill>
+              <a:latin typeface="Consolas" pitchFamily="49" charset="0"/>
+            </a:endParaRPr>
+          </a:p>
+          <a:p>
+            <a:r>
+              <a:rPr lang="pt-PT" sz="1400" dirty="0" smtClean="0">
+                <a:solidFill>
+                  <a:srgbClr val="333333"/>
+                </a:solidFill>
+                <a:latin typeface="Consolas" pitchFamily="49" charset="0"/>
+              </a:rPr>
+              <a:t>    </a:t>
+            </a:r>
+          </a:p>
+          <a:p>
+            <a:r>
+              <a:rPr lang="pt-PT" sz="1400" dirty="0" smtClean="0">
+                <a:solidFill>
+                  <a:srgbClr val="333333"/>
+                </a:solidFill>
+                <a:latin typeface="Consolas" pitchFamily="49" charset="0"/>
+              </a:rPr>
+              <a:t>  } </a:t>
+            </a:r>
+            <a:r>
+              <a:rPr lang="pt-PT" sz="1400" dirty="0" err="1" smtClean="0">
+                <a:solidFill>
+                  <a:srgbClr val="0000FF"/>
+                </a:solidFill>
+                <a:latin typeface="Consolas" pitchFamily="49" charset="0"/>
+              </a:rPr>
+              <a:t>catch</a:t>
+            </a:r>
+            <a:r>
+              <a:rPr lang="pt-PT" sz="1400" dirty="0" smtClean="0">
+                <a:solidFill>
+                  <a:srgbClr val="333333"/>
+                </a:solidFill>
+                <a:latin typeface="Consolas" pitchFamily="49" charset="0"/>
+              </a:rPr>
+              <a:t> (</a:t>
+            </a:r>
+            <a:r>
+              <a:rPr lang="pt-PT" sz="1400" dirty="0" err="1" smtClean="0">
+                <a:solidFill>
+                  <a:srgbClr val="333333"/>
+                </a:solidFill>
+                <a:latin typeface="Consolas" pitchFamily="49" charset="0"/>
+              </a:rPr>
+              <a:t>Exception</a:t>
+            </a:r>
+            <a:r>
+              <a:rPr lang="pt-PT" sz="1400" dirty="0" smtClean="0">
+                <a:solidFill>
+                  <a:srgbClr val="333333"/>
+                </a:solidFill>
+                <a:latin typeface="Consolas" pitchFamily="49" charset="0"/>
+              </a:rPr>
+              <a:t> e) {</a:t>
+            </a:r>
+          </a:p>
+          <a:p>
+            <a:r>
+              <a:rPr lang="pt-PT" sz="1400" dirty="0" smtClean="0">
+                <a:solidFill>
+                  <a:srgbClr val="333333"/>
+                </a:solidFill>
+                <a:latin typeface="Consolas" pitchFamily="49" charset="0"/>
+              </a:rPr>
+              <a:t>    </a:t>
+            </a:r>
+            <a:r>
+              <a:rPr lang="pt-PT" sz="1400" dirty="0" smtClean="0">
+                <a:solidFill>
+                  <a:srgbClr val="008000"/>
+                </a:solidFill>
+                <a:latin typeface="Consolas" pitchFamily="49" charset="0"/>
+              </a:rPr>
+              <a:t>// </a:t>
+            </a:r>
+            <a:r>
+              <a:rPr lang="pt-PT" sz="1400" dirty="0" err="1" smtClean="0">
+                <a:solidFill>
+                  <a:srgbClr val="008000"/>
+                </a:solidFill>
+                <a:latin typeface="Consolas" pitchFamily="49" charset="0"/>
+              </a:rPr>
+              <a:t>Oops</a:t>
+            </a:r>
+            <a:r>
+              <a:rPr lang="pt-PT" sz="1400" dirty="0" smtClean="0">
+                <a:solidFill>
+                  <a:srgbClr val="008000"/>
+                </a:solidFill>
+                <a:latin typeface="Consolas" pitchFamily="49" charset="0"/>
+              </a:rPr>
+              <a:t>, algo correu mal </a:t>
+            </a:r>
+            <a:r>
+              <a:rPr lang="pt-PT" sz="1400" dirty="0" smtClean="0">
+                <a:solidFill>
+                  <a:srgbClr val="008000"/>
+                </a:solidFill>
+                <a:latin typeface="Consolas" pitchFamily="49" charset="0"/>
+              </a:rPr>
+              <a:t>no POST!</a:t>
+            </a:r>
+            <a:endParaRPr lang="pt-PT" sz="1400" dirty="0" smtClean="0">
+              <a:solidFill>
+                <a:srgbClr val="333333"/>
+              </a:solidFill>
+              <a:latin typeface="Consolas" pitchFamily="49" charset="0"/>
+            </a:endParaRPr>
+          </a:p>
+          <a:p>
+            <a:r>
+              <a:rPr lang="pt-PT" sz="1400" dirty="0" smtClean="0">
+                <a:solidFill>
+                  <a:srgbClr val="333333"/>
+                </a:solidFill>
+                <a:latin typeface="Consolas" pitchFamily="49" charset="0"/>
+              </a:rPr>
+              <a:t>  }</a:t>
+            </a:r>
+          </a:p>
+          <a:p>
+            <a:r>
+              <a:rPr lang="pt-PT" sz="1400" dirty="0" smtClean="0">
+                <a:solidFill>
+                  <a:srgbClr val="333333"/>
+                </a:solidFill>
+                <a:latin typeface="Consolas" pitchFamily="49" charset="0"/>
+              </a:rPr>
+              <a:t>}</a:t>
+            </a:r>
+            <a:endParaRPr lang="pt-PT" dirty="0">
+              <a:latin typeface="Consolas" pitchFamily="49" charset="0"/>
+            </a:endParaRPr>
+          </a:p>
+        </p:txBody>
+      </p:sp>
+      <p:sp>
+        <p:nvSpPr>
+          <p:cNvPr id="3" name="Marcador de Posição do Texto 2"/>
+          <p:cNvSpPr>
+            <a:spLocks noGrp="1"/>
+          </p:cNvSpPr>
+          <p:nvPr>
+            <p:ph type="body" sz="quarter" idx="14"/>
+          </p:nvPr>
+        </p:nvSpPr>
+        <p:spPr/>
+        <p:txBody>
+          <a:bodyPr/>
+          <a:lstStyle/>
+          <a:p>
+            <a:r>
+              <a:rPr lang="pt-PT" dirty="0" smtClean="0"/>
+              <a:t>Exemplo: POST de dados no servidor (2/2)</a:t>
+            </a:r>
+            <a:endParaRPr lang="pt-PT" dirty="0"/>
+          </a:p>
+        </p:txBody>
+      </p:sp>
+    </p:spTree>
+  </p:cSld>
+  <p:clrMapOvr>
+    <a:masterClrMapping/>
+  </p:clrMapOvr>
+  <p:timing>
+    <p:tnLst>
+      <p:par>
+        <p:cTn id="1" dur="indefinite" restart="never" nodeType="tmRoot"/>
+      </p:par>
+    </p:tnLst>
+  </p:timing>
+</p:sld>
+</file>
+
+<file path=ppt/slides/slide23.xml><?xml version="1.0" encoding="utf-8"?>
+<p:sld xmlns:a="http://schemas.openxmlformats.org/drawingml/2006/main" xmlns:r="http://schemas.openxmlformats.org/officeDocument/2006/relationships" xmlns:p="http://schemas.openxmlformats.org/presentationml/2006/main">
+  <p:cSld>
+    <p:spTree>
+      <p:nvGrpSpPr>
+        <p:cNvPr id="1" name=""/>
+        <p:cNvGrpSpPr/>
+        <p:nvPr/>
+      </p:nvGrpSpPr>
+      <p:grpSpPr>
+        <a:xfrm>
+          <a:off x="0" y="0"/>
+          <a:ext cx="0" cy="0"/>
+          <a:chOff x="0" y="0"/>
+          <a:chExt cx="0" cy="0"/>
+        </a:xfrm>
+      </p:grpSpPr>
+      <p:sp>
+        <p:nvSpPr>
+          <p:cNvPr id="2" name="Título 1"/>
+          <p:cNvSpPr>
+            <a:spLocks noGrp="1"/>
+          </p:cNvSpPr>
+          <p:nvPr>
+            <p:ph type="ctrTitle"/>
+          </p:nvPr>
+        </p:nvSpPr>
+        <p:spPr/>
+        <p:txBody>
+          <a:bodyPr/>
+          <a:lstStyle/>
+          <a:p>
+            <a:r>
+              <a:rPr lang="pt-PT" dirty="0" smtClean="0"/>
+              <a:t>Exemplo</a:t>
+            </a:r>
+            <a:endParaRPr lang="pt-PT" dirty="0"/>
+          </a:p>
+        </p:txBody>
+      </p:sp>
+      <p:sp>
+        <p:nvSpPr>
+          <p:cNvPr id="3" name="Subtítulo 2"/>
+          <p:cNvSpPr>
+            <a:spLocks noGrp="1"/>
+          </p:cNvSpPr>
+          <p:nvPr>
+            <p:ph type="subTitle" idx="1"/>
+          </p:nvPr>
+        </p:nvSpPr>
+        <p:spPr/>
+        <p:txBody>
+          <a:bodyPr/>
+          <a:lstStyle/>
+          <a:p>
+            <a:r>
+              <a:rPr lang="pt-PT" dirty="0" err="1" smtClean="0"/>
+              <a:t>Parsing</a:t>
+            </a:r>
+            <a:r>
+              <a:rPr lang="pt-PT" dirty="0" smtClean="0"/>
+              <a:t> de JSON em Java.</a:t>
+            </a:r>
+            <a:endParaRPr lang="pt-PT" dirty="0"/>
+          </a:p>
+        </p:txBody>
+      </p:sp>
+    </p:spTree>
+  </p:cSld>
+  <p:clrMapOvr>
+    <a:masterClrMapping/>
+  </p:clrMapOvr>
+</p:sld>
+</file>
+
+<file path=ppt/slides/slide24.xml><?xml version="1.0" encoding="utf-8"?>
+<p:sld xmlns:a="http://schemas.openxmlformats.org/drawingml/2006/main" xmlns:r="http://schemas.openxmlformats.org/officeDocument/2006/relationships" xmlns:p="http://schemas.openxmlformats.org/presentationml/2006/main">
+  <p:cSld>
+    <p:spTree>
+      <p:nvGrpSpPr>
+        <p:cNvPr id="1" name=""/>
+        <p:cNvGrpSpPr/>
+        <p:nvPr/>
+      </p:nvGrpSpPr>
+      <p:grpSpPr>
+        <a:xfrm>
+          <a:off x="0" y="0"/>
+          <a:ext cx="0" cy="0"/>
+          <a:chOff x="0" y="0"/>
+          <a:chExt cx="0" cy="0"/>
+        </a:xfrm>
+      </p:grpSpPr>
+      <p:sp>
+        <p:nvSpPr>
+          <p:cNvPr id="2" name="Marcador de Posição do Texto 1"/>
+          <p:cNvSpPr>
+            <a:spLocks noGrp="1"/>
+          </p:cNvSpPr>
+          <p:nvPr>
+            <p:ph type="body" sz="quarter" idx="13"/>
+          </p:nvPr>
+        </p:nvSpPr>
+        <p:spPr>
+          <a:xfrm>
+            <a:off x="1367644" y="337221"/>
+            <a:ext cx="6408712" cy="3960440"/>
+          </a:xfrm>
+        </p:spPr>
+        <p:txBody>
+          <a:bodyPr>
+            <a:noAutofit/>
+          </a:bodyPr>
+          <a:lstStyle/>
+          <a:p>
+            <a:r>
+              <a:rPr lang="pt-PT" sz="1400" dirty="0" smtClean="0">
+                <a:solidFill>
+                  <a:srgbClr val="008000"/>
+                </a:solidFill>
+                <a:latin typeface="Consolas" pitchFamily="49" charset="0"/>
+              </a:rPr>
+              <a:t>// Obter os dados do servidor</a:t>
+            </a:r>
+            <a:endParaRPr lang="pt-PT" sz="1400" dirty="0" smtClean="0">
+              <a:solidFill>
+                <a:srgbClr val="333333"/>
+              </a:solidFill>
+              <a:latin typeface="Consolas" pitchFamily="49" charset="0"/>
+            </a:endParaRPr>
+          </a:p>
+          <a:p>
+            <a:r>
+              <a:rPr lang="pt-PT" sz="1400" dirty="0" err="1" smtClean="0">
+                <a:solidFill>
+                  <a:srgbClr val="333333"/>
+                </a:solidFill>
+                <a:latin typeface="Consolas" pitchFamily="49" charset="0"/>
+              </a:rPr>
+              <a:t>JSONObject</a:t>
+            </a:r>
+            <a:r>
+              <a:rPr lang="pt-PT" sz="1400" dirty="0" smtClean="0">
+                <a:solidFill>
+                  <a:srgbClr val="333333"/>
+                </a:solidFill>
+                <a:latin typeface="Consolas" pitchFamily="49" charset="0"/>
+              </a:rPr>
+              <a:t> </a:t>
+            </a:r>
+            <a:r>
+              <a:rPr lang="pt-PT" sz="1400" dirty="0" err="1" smtClean="0">
+                <a:solidFill>
+                  <a:srgbClr val="333333"/>
+                </a:solidFill>
+                <a:latin typeface="Consolas" pitchFamily="49" charset="0"/>
+              </a:rPr>
+              <a:t>json</a:t>
+            </a:r>
+            <a:r>
+              <a:rPr lang="pt-PT" sz="1400" dirty="0" smtClean="0">
+                <a:solidFill>
+                  <a:srgbClr val="333333"/>
+                </a:solidFill>
+                <a:latin typeface="Consolas" pitchFamily="49" charset="0"/>
+              </a:rPr>
+              <a:t> = </a:t>
+            </a:r>
+            <a:r>
+              <a:rPr lang="pt-PT" sz="1400" dirty="0" err="1" smtClean="0">
+                <a:solidFill>
+                  <a:srgbClr val="333333"/>
+                </a:solidFill>
+                <a:latin typeface="Consolas" pitchFamily="49" charset="0"/>
+              </a:rPr>
+              <a:t>jParser.get</a:t>
+            </a:r>
+            <a:r>
+              <a:rPr lang="pt-PT" sz="1400" dirty="0" smtClean="0">
+                <a:solidFill>
+                  <a:srgbClr val="333333"/>
+                </a:solidFill>
+                <a:latin typeface="Consolas" pitchFamily="49" charset="0"/>
+              </a:rPr>
+              <a:t>(</a:t>
+            </a:r>
+            <a:r>
+              <a:rPr lang="pt-PT" sz="1400" dirty="0" err="1" smtClean="0">
+                <a:solidFill>
+                  <a:srgbClr val="333333"/>
+                </a:solidFill>
+                <a:latin typeface="Consolas" pitchFamily="49" charset="0"/>
+              </a:rPr>
+              <a:t>url_all_tests</a:t>
+            </a:r>
+            <a:r>
+              <a:rPr lang="pt-PT" sz="1400" dirty="0" smtClean="0">
+                <a:solidFill>
+                  <a:srgbClr val="333333"/>
+                </a:solidFill>
+                <a:latin typeface="Consolas" pitchFamily="49" charset="0"/>
+              </a:rPr>
+              <a:t>, </a:t>
+            </a:r>
+            <a:r>
+              <a:rPr lang="pt-PT" sz="1400" dirty="0" err="1" smtClean="0">
+                <a:solidFill>
+                  <a:srgbClr val="333333"/>
+                </a:solidFill>
+                <a:latin typeface="Consolas" pitchFamily="49" charset="0"/>
+              </a:rPr>
+              <a:t>params</a:t>
+            </a:r>
+            <a:r>
+              <a:rPr lang="pt-PT" sz="1400" dirty="0" smtClean="0">
+                <a:solidFill>
+                  <a:srgbClr val="333333"/>
+                </a:solidFill>
+                <a:latin typeface="Consolas" pitchFamily="49" charset="0"/>
+              </a:rPr>
+              <a:t>);</a:t>
+            </a:r>
+          </a:p>
+          <a:p>
+            <a:r>
+              <a:rPr lang="en-US" sz="1400" dirty="0" smtClean="0">
+                <a:solidFill>
+                  <a:srgbClr val="008000"/>
+                </a:solidFill>
+                <a:latin typeface="Consolas" pitchFamily="49" charset="0"/>
+              </a:rPr>
+              <a:t>// tests é um array</a:t>
+            </a:r>
+            <a:endParaRPr lang="en-US" sz="1400" dirty="0" smtClean="0">
+              <a:solidFill>
+                <a:srgbClr val="333333"/>
+              </a:solidFill>
+              <a:latin typeface="Consolas" pitchFamily="49" charset="0"/>
+            </a:endParaRPr>
+          </a:p>
+          <a:p>
+            <a:r>
+              <a:rPr lang="en-US" sz="1400" dirty="0" err="1" smtClean="0">
+                <a:solidFill>
+                  <a:srgbClr val="333333"/>
+                </a:solidFill>
+                <a:latin typeface="Consolas" pitchFamily="49" charset="0"/>
+              </a:rPr>
+              <a:t>JSONArray</a:t>
+            </a:r>
+            <a:r>
+              <a:rPr lang="en-US" sz="1400" dirty="0" smtClean="0">
+                <a:solidFill>
+                  <a:srgbClr val="333333"/>
+                </a:solidFill>
+                <a:latin typeface="Consolas" pitchFamily="49" charset="0"/>
+              </a:rPr>
+              <a:t> tests = </a:t>
+            </a:r>
+            <a:r>
+              <a:rPr lang="en-US" sz="1400" dirty="0" err="1" smtClean="0">
+                <a:solidFill>
+                  <a:srgbClr val="333333"/>
+                </a:solidFill>
+                <a:latin typeface="Consolas" pitchFamily="49" charset="0"/>
+              </a:rPr>
+              <a:t>json.getJSONArray</a:t>
+            </a:r>
+            <a:r>
+              <a:rPr lang="en-US" sz="1400" dirty="0" smtClean="0">
+                <a:solidFill>
+                  <a:srgbClr val="333333"/>
+                </a:solidFill>
+                <a:latin typeface="Consolas" pitchFamily="49" charset="0"/>
+              </a:rPr>
+              <a:t>(</a:t>
+            </a:r>
+            <a:r>
+              <a:rPr lang="en-US" sz="1400" dirty="0" smtClean="0">
+                <a:solidFill>
+                  <a:srgbClr val="A31515"/>
+                </a:solidFill>
+                <a:latin typeface="Consolas" pitchFamily="49" charset="0"/>
+              </a:rPr>
+              <a:t>"tests</a:t>
+            </a:r>
+            <a:r>
+              <a:rPr lang="en-US" sz="1400" dirty="0" smtClean="0">
+                <a:solidFill>
+                  <a:srgbClr val="A31515"/>
+                </a:solidFill>
+                <a:latin typeface="Consolas" pitchFamily="49" charset="0"/>
+              </a:rPr>
+              <a:t>"</a:t>
+            </a:r>
+            <a:r>
+              <a:rPr lang="en-US" sz="1400" dirty="0" smtClean="0">
+                <a:solidFill>
+                  <a:srgbClr val="333333"/>
+                </a:solidFill>
+                <a:latin typeface="Consolas" pitchFamily="49" charset="0"/>
+              </a:rPr>
+              <a:t>);</a:t>
+            </a:r>
+            <a:endParaRPr lang="en-US" sz="1400" dirty="0" smtClean="0">
+              <a:solidFill>
+                <a:srgbClr val="333333"/>
+              </a:solidFill>
+              <a:latin typeface="Consolas" pitchFamily="49" charset="0"/>
+            </a:endParaRPr>
+          </a:p>
+          <a:p>
+            <a:r>
+              <a:rPr lang="pt-PT" sz="1400" dirty="0" smtClean="0">
+                <a:solidFill>
+                  <a:srgbClr val="008000"/>
+                </a:solidFill>
+                <a:latin typeface="Consolas" pitchFamily="49" charset="0"/>
+              </a:rPr>
+              <a:t>// Iterar para cada item do </a:t>
+            </a:r>
+            <a:r>
+              <a:rPr lang="pt-PT" sz="1400" dirty="0" err="1" smtClean="0">
+                <a:solidFill>
+                  <a:srgbClr val="008000"/>
+                </a:solidFill>
+                <a:latin typeface="Consolas" pitchFamily="49" charset="0"/>
+              </a:rPr>
+              <a:t>array</a:t>
+            </a:r>
+            <a:endParaRPr lang="pt-PT" sz="1400" dirty="0" smtClean="0">
+              <a:solidFill>
+                <a:srgbClr val="333333"/>
+              </a:solidFill>
+              <a:latin typeface="Consolas" pitchFamily="49" charset="0"/>
+            </a:endParaRPr>
+          </a:p>
+          <a:p>
+            <a:r>
+              <a:rPr lang="nn-NO" sz="1400" dirty="0" smtClean="0">
+                <a:solidFill>
+                  <a:srgbClr val="0000FF"/>
+                </a:solidFill>
+                <a:latin typeface="Consolas" pitchFamily="49" charset="0"/>
+              </a:rPr>
+              <a:t>for</a:t>
+            </a:r>
+            <a:r>
+              <a:rPr lang="nn-NO" sz="1400" dirty="0" smtClean="0">
+                <a:solidFill>
+                  <a:srgbClr val="333333"/>
+                </a:solidFill>
+                <a:latin typeface="Consolas" pitchFamily="49" charset="0"/>
+              </a:rPr>
+              <a:t> (</a:t>
+            </a:r>
+            <a:r>
+              <a:rPr lang="nn-NO" sz="1400" dirty="0" smtClean="0">
+                <a:solidFill>
+                  <a:srgbClr val="2B91AF"/>
+                </a:solidFill>
+                <a:latin typeface="Consolas" pitchFamily="49" charset="0"/>
+              </a:rPr>
+              <a:t>int</a:t>
+            </a:r>
+            <a:r>
+              <a:rPr lang="nn-NO" sz="1400" dirty="0" smtClean="0">
+                <a:solidFill>
+                  <a:srgbClr val="333333"/>
+                </a:solidFill>
+                <a:latin typeface="Consolas" pitchFamily="49" charset="0"/>
+              </a:rPr>
+              <a:t> i = 0; i &lt; tests.length(); i++) {</a:t>
+            </a:r>
+          </a:p>
+          <a:p>
+            <a:r>
+              <a:rPr lang="en-US" sz="1400" dirty="0" smtClean="0">
+                <a:solidFill>
+                  <a:srgbClr val="333333"/>
+                </a:solidFill>
+                <a:latin typeface="Consolas" pitchFamily="49" charset="0"/>
+              </a:rPr>
+              <a:t>  </a:t>
+            </a:r>
+            <a:r>
+              <a:rPr lang="en-US" sz="1400" dirty="0" err="1" smtClean="0">
+                <a:solidFill>
+                  <a:srgbClr val="333333"/>
+                </a:solidFill>
+                <a:latin typeface="Consolas" pitchFamily="49" charset="0"/>
+              </a:rPr>
+              <a:t>JSONObject</a:t>
+            </a:r>
+            <a:r>
+              <a:rPr lang="en-US" sz="1400" dirty="0" smtClean="0">
+                <a:solidFill>
+                  <a:srgbClr val="333333"/>
+                </a:solidFill>
+                <a:latin typeface="Consolas" pitchFamily="49" charset="0"/>
+              </a:rPr>
+              <a:t> c = </a:t>
+            </a:r>
+            <a:r>
+              <a:rPr lang="en-US" sz="1400" dirty="0" err="1" smtClean="0">
+                <a:solidFill>
+                  <a:srgbClr val="333333"/>
+                </a:solidFill>
+                <a:latin typeface="Consolas" pitchFamily="49" charset="0"/>
+              </a:rPr>
+              <a:t>tests.getJSONObject</a:t>
+            </a:r>
+            <a:r>
+              <a:rPr lang="en-US" sz="1400" dirty="0" smtClean="0">
+                <a:solidFill>
+                  <a:srgbClr val="333333"/>
+                </a:solidFill>
+                <a:latin typeface="Consolas" pitchFamily="49" charset="0"/>
+              </a:rPr>
+              <a:t>(</a:t>
+            </a:r>
+            <a:r>
+              <a:rPr lang="en-US" sz="1400" dirty="0" err="1" smtClean="0">
+                <a:solidFill>
+                  <a:srgbClr val="333333"/>
+                </a:solidFill>
+                <a:latin typeface="Consolas" pitchFamily="49" charset="0"/>
+              </a:rPr>
+              <a:t>i</a:t>
+            </a:r>
+            <a:r>
+              <a:rPr lang="en-US" sz="1400" dirty="0" smtClean="0">
+                <a:solidFill>
+                  <a:srgbClr val="333333"/>
+                </a:solidFill>
+                <a:latin typeface="Consolas" pitchFamily="49" charset="0"/>
+              </a:rPr>
+              <a:t>);</a:t>
+            </a:r>
+          </a:p>
+          <a:p>
+            <a:endParaRPr lang="en-US" sz="1400" dirty="0" smtClean="0">
+              <a:solidFill>
+                <a:srgbClr val="333333"/>
+              </a:solidFill>
+              <a:latin typeface="Consolas" pitchFamily="49" charset="0"/>
+            </a:endParaRPr>
+          </a:p>
+          <a:p>
+            <a:r>
+              <a:rPr lang="en-US" sz="1400" dirty="0" smtClean="0">
+                <a:solidFill>
+                  <a:srgbClr val="333333"/>
+                </a:solidFill>
+                <a:latin typeface="Consolas" pitchFamily="49" charset="0"/>
+              </a:rPr>
+              <a:t>  </a:t>
+            </a:r>
+            <a:r>
+              <a:rPr lang="en-US" sz="1400" dirty="0" smtClean="0">
+                <a:solidFill>
+                  <a:srgbClr val="008000"/>
+                </a:solidFill>
+                <a:latin typeface="Consolas" pitchFamily="49" charset="0"/>
+              </a:rPr>
+              <a:t>// </a:t>
+            </a:r>
+            <a:r>
+              <a:rPr lang="en-US" sz="1400" dirty="0" err="1" smtClean="0">
+                <a:solidFill>
+                  <a:srgbClr val="008000"/>
+                </a:solidFill>
+                <a:latin typeface="Consolas" pitchFamily="49" charset="0"/>
+              </a:rPr>
+              <a:t>HashMap</a:t>
+            </a:r>
+            <a:r>
+              <a:rPr lang="en-US" sz="1400" dirty="0" smtClean="0">
+                <a:solidFill>
+                  <a:srgbClr val="008000"/>
+                </a:solidFill>
+                <a:latin typeface="Consolas" pitchFamily="49" charset="0"/>
+              </a:rPr>
+              <a:t> </a:t>
+            </a:r>
+            <a:r>
+              <a:rPr lang="en-US" sz="1400" dirty="0" err="1" smtClean="0">
+                <a:solidFill>
+                  <a:srgbClr val="008000"/>
+                </a:solidFill>
+                <a:latin typeface="Consolas" pitchFamily="49" charset="0"/>
+              </a:rPr>
+              <a:t>que</a:t>
+            </a:r>
+            <a:r>
+              <a:rPr lang="en-US" sz="1400" dirty="0" smtClean="0">
+                <a:solidFill>
+                  <a:srgbClr val="008000"/>
+                </a:solidFill>
+                <a:latin typeface="Consolas" pitchFamily="49" charset="0"/>
+              </a:rPr>
+              <a:t> </a:t>
+            </a:r>
+            <a:r>
+              <a:rPr lang="en-US" sz="1400" dirty="0" err="1" smtClean="0">
+                <a:solidFill>
+                  <a:srgbClr val="008000"/>
+                </a:solidFill>
+                <a:latin typeface="Consolas" pitchFamily="49" charset="0"/>
+              </a:rPr>
+              <a:t>vai</a:t>
+            </a:r>
+            <a:r>
+              <a:rPr lang="en-US" sz="1400" dirty="0" smtClean="0">
+                <a:solidFill>
+                  <a:srgbClr val="008000"/>
+                </a:solidFill>
+                <a:latin typeface="Consolas" pitchFamily="49" charset="0"/>
+              </a:rPr>
+              <a:t> </a:t>
+            </a:r>
+            <a:r>
+              <a:rPr lang="en-US" sz="1400" dirty="0" err="1" smtClean="0">
+                <a:solidFill>
+                  <a:srgbClr val="008000"/>
+                </a:solidFill>
+                <a:latin typeface="Consolas" pitchFamily="49" charset="0"/>
+              </a:rPr>
+              <a:t>guardar</a:t>
+            </a:r>
+            <a:r>
+              <a:rPr lang="en-US" sz="1400" dirty="0" smtClean="0">
+                <a:solidFill>
+                  <a:srgbClr val="008000"/>
+                </a:solidFill>
+                <a:latin typeface="Consolas" pitchFamily="49" charset="0"/>
+              </a:rPr>
+              <a:t> </a:t>
+            </a:r>
+            <a:r>
+              <a:rPr lang="en-US" sz="1400" dirty="0" err="1" smtClean="0">
+                <a:solidFill>
+                  <a:srgbClr val="008000"/>
+                </a:solidFill>
+                <a:latin typeface="Consolas" pitchFamily="49" charset="0"/>
+              </a:rPr>
+              <a:t>os</a:t>
+            </a:r>
+            <a:r>
+              <a:rPr lang="en-US" sz="1400" dirty="0" smtClean="0">
+                <a:solidFill>
+                  <a:srgbClr val="008000"/>
+                </a:solidFill>
+                <a:latin typeface="Consolas" pitchFamily="49" charset="0"/>
+              </a:rPr>
+              <a:t> dados </a:t>
+            </a:r>
+            <a:r>
+              <a:rPr lang="en-US" sz="1400" dirty="0" err="1" smtClean="0">
+                <a:solidFill>
+                  <a:srgbClr val="008000"/>
+                </a:solidFill>
+                <a:latin typeface="Consolas" pitchFamily="49" charset="0"/>
+              </a:rPr>
+              <a:t>para</a:t>
+            </a:r>
+            <a:r>
+              <a:rPr lang="en-US" sz="1400" dirty="0" smtClean="0">
+                <a:solidFill>
+                  <a:srgbClr val="008000"/>
+                </a:solidFill>
+                <a:latin typeface="Consolas" pitchFamily="49" charset="0"/>
+              </a:rPr>
+              <a:t> </a:t>
+            </a:r>
+            <a:r>
+              <a:rPr lang="en-US" sz="1400" dirty="0" err="1" smtClean="0">
+                <a:solidFill>
+                  <a:srgbClr val="008000"/>
+                </a:solidFill>
+                <a:latin typeface="Consolas" pitchFamily="49" charset="0"/>
+              </a:rPr>
+              <a:t>depois</a:t>
+            </a:r>
+            <a:endParaRPr lang="en-US" sz="1400" dirty="0" smtClean="0">
+              <a:solidFill>
+                <a:srgbClr val="333333"/>
+              </a:solidFill>
+              <a:latin typeface="Consolas" pitchFamily="49" charset="0"/>
+            </a:endParaRPr>
+          </a:p>
+          <a:p>
+            <a:r>
+              <a:rPr lang="en-US" sz="1400" dirty="0" smtClean="0">
+                <a:solidFill>
+                  <a:srgbClr val="333333"/>
+                </a:solidFill>
+                <a:latin typeface="Consolas" pitchFamily="49" charset="0"/>
+              </a:rPr>
+              <a:t>  </a:t>
+            </a:r>
+            <a:r>
+              <a:rPr lang="en-US" sz="1400" dirty="0" err="1" smtClean="0">
+                <a:solidFill>
+                  <a:srgbClr val="333333"/>
+                </a:solidFill>
+                <a:latin typeface="Consolas" pitchFamily="49" charset="0"/>
+              </a:rPr>
+              <a:t>HashMap</a:t>
+            </a:r>
+            <a:r>
+              <a:rPr lang="en-US" sz="1400" dirty="0" smtClean="0">
+                <a:solidFill>
+                  <a:srgbClr val="333333"/>
+                </a:solidFill>
+                <a:latin typeface="Consolas" pitchFamily="49" charset="0"/>
+              </a:rPr>
+              <a:t>&lt;String, String&gt; map = </a:t>
+            </a:r>
+            <a:r>
+              <a:rPr lang="en-US" sz="1400" dirty="0" smtClean="0">
+                <a:solidFill>
+                  <a:srgbClr val="0000FF"/>
+                </a:solidFill>
+                <a:latin typeface="Consolas" pitchFamily="49" charset="0"/>
+              </a:rPr>
+              <a:t>new</a:t>
+            </a:r>
+            <a:r>
+              <a:rPr lang="en-US" sz="1400" dirty="0" smtClean="0">
+                <a:solidFill>
+                  <a:srgbClr val="333333"/>
+                </a:solidFill>
+                <a:latin typeface="Consolas" pitchFamily="49" charset="0"/>
+              </a:rPr>
+              <a:t> </a:t>
+            </a:r>
+            <a:r>
+              <a:rPr lang="en-US" sz="1400" dirty="0" err="1" smtClean="0">
+                <a:solidFill>
+                  <a:srgbClr val="333333"/>
+                </a:solidFill>
+                <a:latin typeface="Consolas" pitchFamily="49" charset="0"/>
+              </a:rPr>
+              <a:t>HashMap</a:t>
+            </a:r>
+            <a:r>
+              <a:rPr lang="en-US" sz="1400" dirty="0" smtClean="0">
+                <a:solidFill>
+                  <a:srgbClr val="333333"/>
+                </a:solidFill>
+                <a:latin typeface="Consolas" pitchFamily="49" charset="0"/>
+              </a:rPr>
+              <a:t>&lt;String, String&gt;();</a:t>
+            </a:r>
+          </a:p>
+          <a:p>
+            <a:endParaRPr lang="en-US" sz="1400" dirty="0" smtClean="0">
+              <a:solidFill>
+                <a:srgbClr val="333333"/>
+              </a:solidFill>
+              <a:latin typeface="Consolas" pitchFamily="49" charset="0"/>
+            </a:endParaRPr>
+          </a:p>
+          <a:p>
+            <a:r>
+              <a:rPr lang="en-US" sz="1400" dirty="0" smtClean="0">
+                <a:solidFill>
+                  <a:srgbClr val="333333"/>
+                </a:solidFill>
+                <a:latin typeface="Consolas" pitchFamily="49" charset="0"/>
+              </a:rPr>
+              <a:t>  </a:t>
+            </a:r>
+            <a:r>
+              <a:rPr lang="pt-PT" sz="1400" dirty="0" smtClean="0">
+                <a:solidFill>
+                  <a:srgbClr val="008000"/>
+                </a:solidFill>
+                <a:latin typeface="Consolas" pitchFamily="49" charset="0"/>
+              </a:rPr>
+              <a:t>// Adicionar cada </a:t>
+            </a:r>
+            <a:r>
+              <a:rPr lang="pt-PT" sz="1400" dirty="0" smtClean="0">
+                <a:solidFill>
+                  <a:srgbClr val="008000"/>
+                </a:solidFill>
+                <a:latin typeface="Consolas" pitchFamily="49" charset="0"/>
+              </a:rPr>
+              <a:t>valor </a:t>
+            </a:r>
+            <a:r>
+              <a:rPr lang="pt-PT" sz="1400" dirty="0" smtClean="0">
+                <a:solidFill>
+                  <a:srgbClr val="008000"/>
+                </a:solidFill>
+                <a:latin typeface="Consolas" pitchFamily="49" charset="0"/>
+              </a:rPr>
+              <a:t>ao </a:t>
+            </a:r>
+            <a:r>
+              <a:rPr lang="pt-PT" sz="1400" dirty="0" err="1" smtClean="0">
+                <a:solidFill>
+                  <a:srgbClr val="008000"/>
+                </a:solidFill>
+                <a:latin typeface="Consolas" pitchFamily="49" charset="0"/>
+              </a:rPr>
+              <a:t>HashMap</a:t>
+            </a:r>
+            <a:r>
+              <a:rPr lang="pt-PT" sz="1400" dirty="0" smtClean="0">
+                <a:solidFill>
+                  <a:srgbClr val="008000"/>
+                </a:solidFill>
+                <a:latin typeface="Consolas" pitchFamily="49" charset="0"/>
+              </a:rPr>
+              <a:t> chave =&gt; valor</a:t>
+            </a:r>
+            <a:endParaRPr lang="pt-PT" sz="1400" dirty="0" smtClean="0">
+              <a:solidFill>
+                <a:srgbClr val="333333"/>
+              </a:solidFill>
+              <a:latin typeface="Consolas" pitchFamily="49" charset="0"/>
+            </a:endParaRPr>
+          </a:p>
+          <a:p>
+            <a:r>
+              <a:rPr lang="pt-PT" sz="1400" dirty="0" smtClean="0">
+                <a:solidFill>
+                  <a:srgbClr val="333333"/>
+                </a:solidFill>
+                <a:latin typeface="Consolas" pitchFamily="49" charset="0"/>
+              </a:rPr>
+              <a:t>  </a:t>
+            </a:r>
+            <a:r>
+              <a:rPr lang="en-US" sz="1400" dirty="0" err="1" smtClean="0">
+                <a:solidFill>
+                  <a:srgbClr val="333333"/>
+                </a:solidFill>
+                <a:latin typeface="Consolas" pitchFamily="49" charset="0"/>
+              </a:rPr>
+              <a:t>map.put</a:t>
+            </a:r>
+            <a:r>
+              <a:rPr lang="en-US" sz="1400" dirty="0" smtClean="0">
+                <a:solidFill>
+                  <a:srgbClr val="333333"/>
+                </a:solidFill>
+                <a:latin typeface="Consolas" pitchFamily="49" charset="0"/>
+              </a:rPr>
+              <a:t>(</a:t>
+            </a:r>
+            <a:r>
+              <a:rPr lang="en-US" sz="1400" dirty="0" smtClean="0">
+                <a:solidFill>
+                  <a:srgbClr val="A31515"/>
+                </a:solidFill>
+                <a:latin typeface="Consolas" pitchFamily="49" charset="0"/>
+              </a:rPr>
+              <a:t>"id"</a:t>
+            </a:r>
+            <a:r>
+              <a:rPr lang="en-US" sz="1400" dirty="0" smtClean="0">
+                <a:solidFill>
+                  <a:srgbClr val="333333"/>
+                </a:solidFill>
+                <a:latin typeface="Consolas" pitchFamily="49" charset="0"/>
+              </a:rPr>
+              <a:t>, </a:t>
+            </a:r>
+            <a:r>
+              <a:rPr lang="en-US" sz="1400" dirty="0" err="1" smtClean="0">
+                <a:solidFill>
+                  <a:srgbClr val="333333"/>
+                </a:solidFill>
+                <a:latin typeface="Consolas" pitchFamily="49" charset="0"/>
+              </a:rPr>
+              <a:t>c.getString</a:t>
+            </a:r>
+            <a:r>
+              <a:rPr lang="en-US" sz="1400" dirty="0" smtClean="0">
+                <a:solidFill>
+                  <a:srgbClr val="333333"/>
+                </a:solidFill>
+                <a:latin typeface="Consolas" pitchFamily="49" charset="0"/>
+              </a:rPr>
+              <a:t>(</a:t>
+            </a:r>
+            <a:r>
+              <a:rPr lang="en-US" sz="1400" dirty="0" smtClean="0">
+                <a:solidFill>
+                  <a:srgbClr val="A31515"/>
+                </a:solidFill>
+                <a:latin typeface="Consolas" pitchFamily="49" charset="0"/>
+              </a:rPr>
+              <a:t>"id"</a:t>
+            </a:r>
+            <a:r>
+              <a:rPr lang="en-US" sz="1400" dirty="0" smtClean="0">
+                <a:solidFill>
+                  <a:srgbClr val="333333"/>
+                </a:solidFill>
+                <a:latin typeface="Consolas" pitchFamily="49" charset="0"/>
+              </a:rPr>
+              <a:t>));</a:t>
+            </a:r>
+          </a:p>
+          <a:p>
+            <a:r>
+              <a:rPr lang="en-US" sz="1400" dirty="0" smtClean="0">
+                <a:solidFill>
+                  <a:srgbClr val="333333"/>
+                </a:solidFill>
+                <a:latin typeface="Consolas" pitchFamily="49" charset="0"/>
+              </a:rPr>
+              <a:t>  </a:t>
+            </a:r>
+            <a:r>
+              <a:rPr lang="pt-PT" sz="1400" dirty="0" smtClean="0">
+                <a:solidFill>
+                  <a:srgbClr val="008000"/>
+                </a:solidFill>
+                <a:latin typeface="Consolas" pitchFamily="49" charset="0"/>
+              </a:rPr>
+              <a:t>// </a:t>
+            </a:r>
+            <a:r>
+              <a:rPr lang="pt-PT" sz="1400" dirty="0" smtClean="0">
+                <a:solidFill>
+                  <a:srgbClr val="008000"/>
+                </a:solidFill>
+                <a:latin typeface="Consolas" pitchFamily="49" charset="0"/>
+              </a:rPr>
+              <a:t>Repete para os outros (</a:t>
+            </a:r>
+            <a:r>
+              <a:rPr lang="pt-PT" sz="1400" dirty="0" err="1" smtClean="0">
+                <a:solidFill>
+                  <a:srgbClr val="008000"/>
+                </a:solidFill>
+                <a:latin typeface="Consolas" pitchFamily="49" charset="0"/>
+              </a:rPr>
+              <a:t>getInt</a:t>
+            </a:r>
+            <a:r>
+              <a:rPr lang="pt-PT" sz="1400" dirty="0" smtClean="0">
+                <a:solidFill>
+                  <a:srgbClr val="008000"/>
+                </a:solidFill>
+                <a:latin typeface="Consolas" pitchFamily="49" charset="0"/>
+              </a:rPr>
+              <a:t>, etc. dependendo do tipo)...</a:t>
+            </a:r>
+          </a:p>
+          <a:p>
+            <a:r>
+              <a:rPr lang="pt-PT" sz="1400" dirty="0" smtClean="0">
+                <a:solidFill>
+                  <a:srgbClr val="333333"/>
+                </a:solidFill>
+                <a:latin typeface="Consolas" pitchFamily="49" charset="0"/>
+              </a:rPr>
+              <a:t>}</a:t>
+            </a:r>
+            <a:endParaRPr lang="pt-PT" sz="1400" dirty="0" smtClean="0">
+              <a:solidFill>
+                <a:srgbClr val="333333"/>
+              </a:solidFill>
+              <a:latin typeface="Consolas" pitchFamily="49" charset="0"/>
+            </a:endParaRPr>
+          </a:p>
+          <a:p>
+            <a:endParaRPr lang="pt-PT" dirty="0"/>
+          </a:p>
+        </p:txBody>
+      </p:sp>
+      <p:sp>
+        <p:nvSpPr>
+          <p:cNvPr id="3" name="Marcador de Posição do Texto 2"/>
+          <p:cNvSpPr>
+            <a:spLocks noGrp="1"/>
+          </p:cNvSpPr>
+          <p:nvPr>
+            <p:ph type="body" sz="quarter" idx="14"/>
+          </p:nvPr>
+        </p:nvSpPr>
+        <p:spPr/>
+        <p:txBody>
+          <a:bodyPr/>
+          <a:lstStyle/>
+          <a:p>
+            <a:r>
+              <a:rPr lang="pt-PT" dirty="0" smtClean="0"/>
+              <a:t>Exemplo: Tratamento de um objeto JSON obtido pelo servidor.</a:t>
+            </a:r>
+            <a:endParaRPr lang="pt-PT" dirty="0"/>
+          </a:p>
+        </p:txBody>
+      </p:sp>
+    </p:spTree>
+  </p:cSld>
+  <p:clrMapOvr>
+    <a:masterClrMapping/>
+  </p:clrMapOvr>
+  <p:timing>
+    <p:tnLst>
+      <p:par>
+        <p:cTn id="1" dur="indefinite" restart="never" nodeType="tmRoot"/>
+      </p:par>
+    </p:tnLst>
+  </p:timing>
+</p:sld>
+</file>
+
+<file path=ppt/slides/slide25.xml><?xml version="1.0" encoding="utf-8"?>
+<p:sld xmlns:a="http://schemas.openxmlformats.org/drawingml/2006/main" xmlns:r="http://schemas.openxmlformats.org/officeDocument/2006/relationships" xmlns:p="http://schemas.openxmlformats.org/presentationml/2006/main">
+  <p:cSld>
+    <p:spTree>
+      <p:nvGrpSpPr>
+        <p:cNvPr id="1" name=""/>
+        <p:cNvGrpSpPr/>
+        <p:nvPr/>
+      </p:nvGrpSpPr>
+      <p:grpSpPr>
+        <a:xfrm>
+          <a:off x="0" y="0"/>
+          <a:ext cx="0" cy="0"/>
+          <a:chOff x="0" y="0"/>
+          <a:chExt cx="0" cy="0"/>
+        </a:xfrm>
+      </p:grpSpPr>
+      <p:sp>
+        <p:nvSpPr>
+          <p:cNvPr id="2" name="Título 1"/>
+          <p:cNvSpPr>
+            <a:spLocks noGrp="1"/>
+          </p:cNvSpPr>
+          <p:nvPr>
+            <p:ph type="ctrTitle"/>
+          </p:nvPr>
+        </p:nvSpPr>
+        <p:spPr/>
+        <p:txBody>
+          <a:bodyPr/>
+          <a:lstStyle/>
+          <a:p>
+            <a:r>
+              <a:rPr lang="pt-PT" dirty="0" smtClean="0"/>
+              <a:t>Exemplo</a:t>
+            </a:r>
+            <a:endParaRPr lang="pt-PT" dirty="0"/>
+          </a:p>
+        </p:txBody>
+      </p:sp>
+      <p:sp>
+        <p:nvSpPr>
+          <p:cNvPr id="3" name="Subtítulo 2"/>
+          <p:cNvSpPr>
+            <a:spLocks noGrp="1"/>
+          </p:cNvSpPr>
+          <p:nvPr>
+            <p:ph type="subTitle" idx="1"/>
+          </p:nvPr>
+        </p:nvSpPr>
+        <p:spPr/>
+        <p:txBody>
+          <a:bodyPr/>
+          <a:lstStyle/>
+          <a:p>
+            <a:r>
+              <a:rPr lang="pt-PT" dirty="0" smtClean="0"/>
+              <a:t>Criação de objetos JSON em Java.</a:t>
+            </a:r>
+            <a:endParaRPr lang="pt-PT" dirty="0"/>
+          </a:p>
+        </p:txBody>
+      </p:sp>
+    </p:spTree>
+  </p:cSld>
+  <p:clrMapOvr>
+    <a:masterClrMapping/>
+  </p:clrMapOvr>
+</p:sld>
+</file>
+
+<file path=ppt/slides/slide26.xml><?xml version="1.0" encoding="utf-8"?>
+<p:sld xmlns:a="http://schemas.openxmlformats.org/drawingml/2006/main" xmlns:r="http://schemas.openxmlformats.org/officeDocument/2006/relationships" xmlns:p="http://schemas.openxmlformats.org/presentationml/2006/main">
+  <p:cSld>
+    <p:spTree>
+      <p:nvGrpSpPr>
+        <p:cNvPr id="1" name=""/>
+        <p:cNvGrpSpPr/>
+        <p:nvPr/>
+      </p:nvGrpSpPr>
+      <p:grpSpPr>
+        <a:xfrm>
+          <a:off x="0" y="0"/>
+          <a:ext cx="0" cy="0"/>
+          <a:chOff x="0" y="0"/>
+          <a:chExt cx="0" cy="0"/>
+        </a:xfrm>
+      </p:grpSpPr>
+      <p:sp>
+        <p:nvSpPr>
+          <p:cNvPr id="2" name="Marcador de Posição do Texto 1"/>
+          <p:cNvSpPr>
+            <a:spLocks noGrp="1"/>
+          </p:cNvSpPr>
+          <p:nvPr>
+            <p:ph type="body" sz="quarter" idx="13"/>
+          </p:nvPr>
+        </p:nvSpPr>
+        <p:spPr>
+          <a:xfrm>
+            <a:off x="2339752" y="337221"/>
+            <a:ext cx="4464496" cy="3960440"/>
+          </a:xfrm>
+        </p:spPr>
+        <p:txBody>
+          <a:bodyPr>
+            <a:noAutofit/>
+          </a:bodyPr>
+          <a:lstStyle/>
+          <a:p>
+            <a:r>
+              <a:rPr lang="pt-PT" sz="1400" dirty="0" smtClean="0">
+                <a:solidFill>
+                  <a:srgbClr val="008000"/>
+                </a:solidFill>
+                <a:latin typeface="Consolas" pitchFamily="49" charset="0"/>
+              </a:rPr>
+              <a:t>// Criação do objeto contentor</a:t>
+            </a:r>
+            <a:endParaRPr lang="pt-PT" sz="1400" dirty="0" smtClean="0">
+              <a:solidFill>
+                <a:srgbClr val="333333"/>
+              </a:solidFill>
+              <a:latin typeface="Consolas" pitchFamily="49" charset="0"/>
+            </a:endParaRPr>
+          </a:p>
+          <a:p>
+            <a:r>
+              <a:rPr lang="pt-PT" sz="1400" dirty="0" err="1" smtClean="0">
+                <a:solidFill>
+                  <a:srgbClr val="333333"/>
+                </a:solidFill>
+                <a:latin typeface="Consolas" pitchFamily="49" charset="0"/>
+              </a:rPr>
+              <a:t>JSONObject</a:t>
+            </a:r>
+            <a:r>
+              <a:rPr lang="pt-PT" sz="1400" dirty="0" smtClean="0">
+                <a:solidFill>
+                  <a:srgbClr val="333333"/>
+                </a:solidFill>
+                <a:latin typeface="Consolas" pitchFamily="49" charset="0"/>
+              </a:rPr>
+              <a:t> </a:t>
+            </a:r>
+            <a:r>
+              <a:rPr lang="pt-PT" sz="1400" dirty="0" err="1" smtClean="0">
+                <a:solidFill>
+                  <a:srgbClr val="333333"/>
+                </a:solidFill>
+                <a:latin typeface="Consolas" pitchFamily="49" charset="0"/>
+              </a:rPr>
+              <a:t>jObj</a:t>
+            </a:r>
+            <a:r>
+              <a:rPr lang="pt-PT" sz="1400" dirty="0" smtClean="0">
+                <a:solidFill>
+                  <a:srgbClr val="333333"/>
+                </a:solidFill>
+                <a:latin typeface="Consolas" pitchFamily="49" charset="0"/>
+              </a:rPr>
+              <a:t> = </a:t>
+            </a:r>
+            <a:r>
+              <a:rPr lang="pt-PT" sz="1400" dirty="0" err="1" smtClean="0">
+                <a:solidFill>
+                  <a:srgbClr val="0000FF"/>
+                </a:solidFill>
+                <a:latin typeface="Consolas" pitchFamily="49" charset="0"/>
+              </a:rPr>
+              <a:t>new</a:t>
+            </a:r>
+            <a:r>
+              <a:rPr lang="pt-PT" sz="1400" dirty="0" smtClean="0">
+                <a:solidFill>
+                  <a:srgbClr val="333333"/>
+                </a:solidFill>
+                <a:latin typeface="Consolas" pitchFamily="49" charset="0"/>
+              </a:rPr>
+              <a:t> </a:t>
+            </a:r>
+            <a:r>
+              <a:rPr lang="pt-PT" sz="1400" dirty="0" err="1" smtClean="0">
+                <a:solidFill>
+                  <a:srgbClr val="333333"/>
+                </a:solidFill>
+                <a:latin typeface="Consolas" pitchFamily="49" charset="0"/>
+              </a:rPr>
+              <a:t>JSONObject</a:t>
+            </a:r>
+            <a:r>
+              <a:rPr lang="pt-PT" sz="1400" dirty="0" smtClean="0">
+                <a:solidFill>
+                  <a:srgbClr val="333333"/>
+                </a:solidFill>
+                <a:latin typeface="Consolas" pitchFamily="49" charset="0"/>
+              </a:rPr>
+              <a:t>();</a:t>
+            </a:r>
+            <a:endParaRPr lang="pt-PT" sz="1400" dirty="0" smtClean="0">
+              <a:solidFill>
+                <a:srgbClr val="333333"/>
+              </a:solidFill>
+              <a:latin typeface="Consolas" pitchFamily="49" charset="0"/>
+            </a:endParaRPr>
+          </a:p>
+          <a:p>
+            <a:r>
+              <a:rPr lang="pt-PT" sz="1400" dirty="0" smtClean="0">
+                <a:solidFill>
+                  <a:srgbClr val="008000"/>
+                </a:solidFill>
+                <a:latin typeface="Consolas" pitchFamily="49" charset="0"/>
+              </a:rPr>
+              <a:t>// Criação do </a:t>
+            </a:r>
+            <a:r>
+              <a:rPr lang="pt-PT" sz="1400" dirty="0" err="1" smtClean="0">
+                <a:solidFill>
+                  <a:srgbClr val="008000"/>
+                </a:solidFill>
+                <a:latin typeface="Consolas" pitchFamily="49" charset="0"/>
+              </a:rPr>
+              <a:t>array</a:t>
+            </a:r>
+            <a:r>
+              <a:rPr lang="pt-PT" sz="1400" dirty="0" smtClean="0">
+                <a:solidFill>
+                  <a:srgbClr val="008000"/>
+                </a:solidFill>
+                <a:latin typeface="Consolas" pitchFamily="49" charset="0"/>
+              </a:rPr>
+              <a:t> que vai conter os dados</a:t>
+            </a:r>
+            <a:endParaRPr lang="pt-PT" sz="1400" dirty="0" smtClean="0">
+              <a:solidFill>
+                <a:srgbClr val="333333"/>
+              </a:solidFill>
+              <a:latin typeface="Consolas" pitchFamily="49" charset="0"/>
+            </a:endParaRPr>
+          </a:p>
+          <a:p>
+            <a:r>
+              <a:rPr lang="en-US" sz="1400" dirty="0" err="1" smtClean="0">
+                <a:solidFill>
+                  <a:srgbClr val="333333"/>
+                </a:solidFill>
+                <a:latin typeface="Consolas" pitchFamily="49" charset="0"/>
+              </a:rPr>
+              <a:t>JSONArray</a:t>
+            </a:r>
+            <a:r>
+              <a:rPr lang="en-US" sz="1400" dirty="0" smtClean="0">
+                <a:solidFill>
+                  <a:srgbClr val="333333"/>
+                </a:solidFill>
+                <a:latin typeface="Consolas" pitchFamily="49" charset="0"/>
+              </a:rPr>
+              <a:t> </a:t>
+            </a:r>
+            <a:r>
+              <a:rPr lang="en-US" sz="1400" dirty="0" err="1" smtClean="0">
+                <a:solidFill>
+                  <a:srgbClr val="333333"/>
+                </a:solidFill>
+                <a:latin typeface="Consolas" pitchFamily="49" charset="0"/>
+              </a:rPr>
+              <a:t>solvedTests</a:t>
+            </a:r>
+            <a:r>
+              <a:rPr lang="en-US" sz="1400" dirty="0" smtClean="0">
+                <a:solidFill>
+                  <a:srgbClr val="333333"/>
+                </a:solidFill>
+                <a:latin typeface="Consolas" pitchFamily="49" charset="0"/>
+              </a:rPr>
+              <a:t> = </a:t>
+            </a:r>
+            <a:r>
+              <a:rPr lang="en-US" sz="1400" dirty="0" smtClean="0">
+                <a:solidFill>
+                  <a:srgbClr val="0000FF"/>
+                </a:solidFill>
+                <a:latin typeface="Consolas" pitchFamily="49" charset="0"/>
+              </a:rPr>
+              <a:t>new</a:t>
+            </a:r>
+            <a:r>
+              <a:rPr lang="en-US" sz="1400" dirty="0" smtClean="0">
+                <a:solidFill>
+                  <a:srgbClr val="333333"/>
+                </a:solidFill>
+                <a:latin typeface="Consolas" pitchFamily="49" charset="0"/>
+              </a:rPr>
+              <a:t> </a:t>
+            </a:r>
+            <a:r>
+              <a:rPr lang="en-US" sz="1400" dirty="0" err="1" smtClean="0">
+                <a:solidFill>
+                  <a:srgbClr val="333333"/>
+                </a:solidFill>
+                <a:latin typeface="Consolas" pitchFamily="49" charset="0"/>
+              </a:rPr>
+              <a:t>JSONArray</a:t>
+            </a:r>
+            <a:r>
+              <a:rPr lang="en-US" sz="1400" dirty="0" smtClean="0">
+                <a:solidFill>
+                  <a:srgbClr val="333333"/>
+                </a:solidFill>
+                <a:latin typeface="Consolas" pitchFamily="49" charset="0"/>
+              </a:rPr>
+              <a:t>();</a:t>
+            </a:r>
+          </a:p>
+          <a:p>
+            <a:endParaRPr lang="en-US" sz="1400" dirty="0" smtClean="0">
+              <a:solidFill>
+                <a:srgbClr val="333333"/>
+              </a:solidFill>
+              <a:latin typeface="Consolas" pitchFamily="49" charset="0"/>
+            </a:endParaRPr>
+          </a:p>
+          <a:p>
+            <a:r>
+              <a:rPr lang="en-US" sz="1400" dirty="0" smtClean="0">
+                <a:solidFill>
+                  <a:srgbClr val="0000FF"/>
+                </a:solidFill>
+                <a:latin typeface="Consolas" pitchFamily="49" charset="0"/>
+              </a:rPr>
+              <a:t>for</a:t>
+            </a:r>
+            <a:r>
+              <a:rPr lang="en-US" sz="1400" dirty="0" smtClean="0">
+                <a:solidFill>
+                  <a:srgbClr val="333333"/>
+                </a:solidFill>
+                <a:latin typeface="Consolas" pitchFamily="49" charset="0"/>
+              </a:rPr>
+              <a:t> (Test t : </a:t>
+            </a:r>
+            <a:r>
+              <a:rPr lang="en-US" sz="1400" dirty="0" err="1" smtClean="0">
+                <a:solidFill>
+                  <a:srgbClr val="333333"/>
+                </a:solidFill>
+                <a:latin typeface="Consolas" pitchFamily="49" charset="0"/>
+              </a:rPr>
+              <a:t>testArray</a:t>
+            </a:r>
+            <a:r>
+              <a:rPr lang="en-US" sz="1400" dirty="0" smtClean="0">
+                <a:solidFill>
+                  <a:srgbClr val="333333"/>
+                </a:solidFill>
+                <a:latin typeface="Consolas" pitchFamily="49" charset="0"/>
+              </a:rPr>
+              <a:t>) {</a:t>
+            </a:r>
+          </a:p>
+          <a:p>
+            <a:r>
+              <a:rPr lang="en-US" sz="1400" dirty="0" smtClean="0">
+                <a:solidFill>
+                  <a:srgbClr val="333333"/>
+                </a:solidFill>
+                <a:latin typeface="Consolas" pitchFamily="49" charset="0"/>
+              </a:rPr>
+              <a:t>  </a:t>
+            </a:r>
+            <a:r>
+              <a:rPr lang="pt-PT" sz="1400" dirty="0" smtClean="0">
+                <a:solidFill>
+                  <a:srgbClr val="008000"/>
+                </a:solidFill>
+                <a:latin typeface="Consolas" pitchFamily="49" charset="0"/>
+              </a:rPr>
+              <a:t>// Criar uma nova entidade</a:t>
+            </a:r>
+            <a:endParaRPr lang="pt-PT" sz="1400" dirty="0" smtClean="0">
+              <a:solidFill>
+                <a:srgbClr val="333333"/>
+              </a:solidFill>
+              <a:latin typeface="Consolas" pitchFamily="49" charset="0"/>
+            </a:endParaRPr>
+          </a:p>
+          <a:p>
+            <a:r>
+              <a:rPr lang="pt-PT" sz="1400" dirty="0" smtClean="0">
+                <a:solidFill>
+                  <a:srgbClr val="333333"/>
+                </a:solidFill>
+                <a:latin typeface="Consolas" pitchFamily="49" charset="0"/>
+              </a:rPr>
+              <a:t>  </a:t>
+            </a:r>
+            <a:r>
+              <a:rPr lang="pt-PT" sz="1400" dirty="0" err="1" smtClean="0">
+                <a:solidFill>
+                  <a:srgbClr val="333333"/>
+                </a:solidFill>
+                <a:latin typeface="Consolas" pitchFamily="49" charset="0"/>
+              </a:rPr>
+              <a:t>JSONObject</a:t>
+            </a:r>
+            <a:r>
+              <a:rPr lang="pt-PT" sz="1400" dirty="0" smtClean="0">
+                <a:solidFill>
+                  <a:srgbClr val="333333"/>
+                </a:solidFill>
+                <a:latin typeface="Consolas" pitchFamily="49" charset="0"/>
+              </a:rPr>
+              <a:t> </a:t>
+            </a:r>
+            <a:r>
+              <a:rPr lang="pt-PT" sz="1400" dirty="0" err="1" smtClean="0">
+                <a:solidFill>
+                  <a:srgbClr val="333333"/>
+                </a:solidFill>
+                <a:latin typeface="Consolas" pitchFamily="49" charset="0"/>
+              </a:rPr>
+              <a:t>solvedTest</a:t>
+            </a:r>
+            <a:r>
+              <a:rPr lang="pt-PT" sz="1400" dirty="0" smtClean="0">
+                <a:solidFill>
+                  <a:srgbClr val="333333"/>
+                </a:solidFill>
+                <a:latin typeface="Consolas" pitchFamily="49" charset="0"/>
+              </a:rPr>
+              <a:t> = </a:t>
+            </a:r>
+            <a:r>
+              <a:rPr lang="pt-PT" sz="1400" dirty="0" err="1" smtClean="0">
+                <a:solidFill>
+                  <a:srgbClr val="0000FF"/>
+                </a:solidFill>
+                <a:latin typeface="Consolas" pitchFamily="49" charset="0"/>
+              </a:rPr>
+              <a:t>new</a:t>
+            </a:r>
+            <a:r>
+              <a:rPr lang="pt-PT" sz="1400" dirty="0" smtClean="0">
+                <a:solidFill>
+                  <a:srgbClr val="333333"/>
+                </a:solidFill>
+                <a:latin typeface="Consolas" pitchFamily="49" charset="0"/>
+              </a:rPr>
+              <a:t> </a:t>
+            </a:r>
+            <a:r>
+              <a:rPr lang="pt-PT" sz="1400" dirty="0" err="1" smtClean="0">
+                <a:solidFill>
+                  <a:srgbClr val="333333"/>
+                </a:solidFill>
+                <a:latin typeface="Consolas" pitchFamily="49" charset="0"/>
+              </a:rPr>
+              <a:t>JSONObject</a:t>
+            </a:r>
+            <a:r>
+              <a:rPr lang="pt-PT" sz="1400" dirty="0" smtClean="0">
+                <a:solidFill>
+                  <a:srgbClr val="333333"/>
+                </a:solidFill>
+                <a:latin typeface="Consolas" pitchFamily="49" charset="0"/>
+              </a:rPr>
+              <a:t>();</a:t>
+            </a:r>
+            <a:endParaRPr lang="pt-PT" sz="1400" dirty="0" smtClean="0">
+              <a:solidFill>
+                <a:srgbClr val="333333"/>
+              </a:solidFill>
+              <a:latin typeface="Consolas" pitchFamily="49" charset="0"/>
+            </a:endParaRPr>
+          </a:p>
+          <a:p>
+            <a:r>
+              <a:rPr lang="pt-PT" sz="1400" dirty="0" smtClean="0">
+                <a:solidFill>
+                  <a:srgbClr val="333333"/>
+                </a:solidFill>
+                <a:latin typeface="Consolas" pitchFamily="49" charset="0"/>
+              </a:rPr>
+              <a:t>  </a:t>
+            </a:r>
+            <a:r>
+              <a:rPr lang="en-US" sz="1400" dirty="0" err="1" smtClean="0">
+                <a:solidFill>
+                  <a:srgbClr val="333333"/>
+                </a:solidFill>
+                <a:latin typeface="Consolas" pitchFamily="49" charset="0"/>
+              </a:rPr>
+              <a:t>solvedTest.put</a:t>
+            </a:r>
+            <a:r>
+              <a:rPr lang="en-US" sz="1400" dirty="0" smtClean="0">
+                <a:solidFill>
+                  <a:srgbClr val="333333"/>
+                </a:solidFill>
+                <a:latin typeface="Consolas" pitchFamily="49" charset="0"/>
+              </a:rPr>
+              <a:t>(</a:t>
+            </a:r>
+            <a:r>
+              <a:rPr lang="en-US" sz="1400" dirty="0" smtClean="0">
+                <a:solidFill>
+                  <a:srgbClr val="A31515"/>
+                </a:solidFill>
+                <a:latin typeface="Consolas" pitchFamily="49" charset="0"/>
+              </a:rPr>
+              <a:t>"id"</a:t>
+            </a:r>
+            <a:r>
+              <a:rPr lang="en-US" sz="1400" dirty="0" smtClean="0">
+                <a:solidFill>
+                  <a:srgbClr val="333333"/>
+                </a:solidFill>
+                <a:latin typeface="Consolas" pitchFamily="49" charset="0"/>
+              </a:rPr>
+              <a:t>, t.id</a:t>
+            </a:r>
+            <a:r>
+              <a:rPr lang="en-US" sz="1400" dirty="0" smtClean="0">
+                <a:solidFill>
+                  <a:srgbClr val="333333"/>
+                </a:solidFill>
+                <a:latin typeface="Consolas" pitchFamily="49" charset="0"/>
+              </a:rPr>
+              <a:t>);</a:t>
+            </a:r>
+            <a:endParaRPr lang="pt-PT" sz="1400" dirty="0" smtClean="0">
+              <a:solidFill>
+                <a:srgbClr val="333333"/>
+              </a:solidFill>
+              <a:latin typeface="Consolas" pitchFamily="49" charset="0"/>
+            </a:endParaRPr>
+          </a:p>
+          <a:p>
+            <a:endParaRPr lang="pt-PT" sz="1400" dirty="0" smtClean="0">
+              <a:solidFill>
+                <a:srgbClr val="333333"/>
+              </a:solidFill>
+              <a:latin typeface="Consolas" pitchFamily="49" charset="0"/>
+            </a:endParaRPr>
+          </a:p>
+          <a:p>
+            <a:r>
+              <a:rPr lang="pt-PT" sz="1400" dirty="0" smtClean="0">
+                <a:solidFill>
+                  <a:srgbClr val="333333"/>
+                </a:solidFill>
+                <a:latin typeface="Consolas" pitchFamily="49" charset="0"/>
+              </a:rPr>
+              <a:t>  </a:t>
+            </a:r>
+            <a:r>
+              <a:rPr lang="pt-PT" sz="1400" dirty="0" smtClean="0">
+                <a:solidFill>
+                  <a:srgbClr val="008000"/>
+                </a:solidFill>
+                <a:latin typeface="Consolas" pitchFamily="49" charset="0"/>
+              </a:rPr>
+              <a:t>// Colocar a entidade no </a:t>
+            </a:r>
+            <a:r>
+              <a:rPr lang="pt-PT" sz="1400" dirty="0" err="1" smtClean="0">
+                <a:solidFill>
+                  <a:srgbClr val="008000"/>
+                </a:solidFill>
+                <a:latin typeface="Consolas" pitchFamily="49" charset="0"/>
+              </a:rPr>
+              <a:t>array</a:t>
+            </a:r>
+            <a:endParaRPr lang="pt-PT" sz="1400" dirty="0" smtClean="0">
+              <a:solidFill>
+                <a:srgbClr val="333333"/>
+              </a:solidFill>
+              <a:latin typeface="Consolas" pitchFamily="49" charset="0"/>
+            </a:endParaRPr>
+          </a:p>
+          <a:p>
+            <a:r>
+              <a:rPr lang="pt-PT" sz="1400" dirty="0" smtClean="0">
+                <a:solidFill>
+                  <a:srgbClr val="333333"/>
+                </a:solidFill>
+                <a:latin typeface="Consolas" pitchFamily="49" charset="0"/>
+              </a:rPr>
+              <a:t>  </a:t>
+            </a:r>
+            <a:r>
+              <a:rPr lang="pt-PT" sz="1400" dirty="0" err="1" smtClean="0">
+                <a:solidFill>
+                  <a:srgbClr val="333333"/>
+                </a:solidFill>
+                <a:latin typeface="Consolas" pitchFamily="49" charset="0"/>
+              </a:rPr>
+              <a:t>solvedTests.put</a:t>
+            </a:r>
+            <a:r>
+              <a:rPr lang="pt-PT" sz="1400" dirty="0" smtClean="0">
+                <a:solidFill>
+                  <a:srgbClr val="333333"/>
+                </a:solidFill>
+                <a:latin typeface="Consolas" pitchFamily="49" charset="0"/>
+              </a:rPr>
+              <a:t>(</a:t>
+            </a:r>
+            <a:r>
+              <a:rPr lang="pt-PT" sz="1400" dirty="0" err="1" smtClean="0">
+                <a:solidFill>
+                  <a:srgbClr val="333333"/>
+                </a:solidFill>
+                <a:latin typeface="Consolas" pitchFamily="49" charset="0"/>
+              </a:rPr>
+              <a:t>solvedTest</a:t>
+            </a:r>
+            <a:r>
+              <a:rPr lang="pt-PT" sz="1400" dirty="0" smtClean="0">
+                <a:solidFill>
+                  <a:srgbClr val="333333"/>
+                </a:solidFill>
+                <a:latin typeface="Consolas" pitchFamily="49" charset="0"/>
+              </a:rPr>
+              <a:t>);</a:t>
+            </a:r>
+          </a:p>
+          <a:p>
+            <a:r>
+              <a:rPr lang="pt-PT" sz="1400" dirty="0" smtClean="0">
+                <a:solidFill>
+                  <a:srgbClr val="333333"/>
+                </a:solidFill>
+                <a:latin typeface="Consolas" pitchFamily="49" charset="0"/>
+              </a:rPr>
+              <a:t>}</a:t>
+            </a:r>
+          </a:p>
+          <a:p>
+            <a:r>
+              <a:rPr lang="pt-PT" sz="1400" dirty="0" smtClean="0">
+                <a:solidFill>
+                  <a:srgbClr val="008000"/>
+                </a:solidFill>
+                <a:latin typeface="Consolas" pitchFamily="49" charset="0"/>
+              </a:rPr>
+              <a:t>// Colocar o </a:t>
+            </a:r>
+            <a:r>
+              <a:rPr lang="pt-PT" sz="1400" dirty="0" err="1" smtClean="0">
+                <a:solidFill>
+                  <a:srgbClr val="008000"/>
+                </a:solidFill>
+                <a:latin typeface="Consolas" pitchFamily="49" charset="0"/>
+              </a:rPr>
+              <a:t>array</a:t>
+            </a:r>
+            <a:r>
+              <a:rPr lang="pt-PT" sz="1400" dirty="0" smtClean="0">
+                <a:solidFill>
+                  <a:srgbClr val="008000"/>
+                </a:solidFill>
+                <a:latin typeface="Consolas" pitchFamily="49" charset="0"/>
+              </a:rPr>
+              <a:t> no contentor</a:t>
+            </a:r>
+            <a:endParaRPr lang="pt-PT" sz="1400" dirty="0" smtClean="0">
+              <a:solidFill>
+                <a:srgbClr val="333333"/>
+              </a:solidFill>
+              <a:latin typeface="Consolas" pitchFamily="49" charset="0"/>
+            </a:endParaRPr>
+          </a:p>
+          <a:p>
+            <a:r>
+              <a:rPr lang="pt-PT" sz="1400" dirty="0" err="1" smtClean="0">
+                <a:solidFill>
+                  <a:srgbClr val="333333"/>
+                </a:solidFill>
+                <a:latin typeface="Consolas" pitchFamily="49" charset="0"/>
+              </a:rPr>
+              <a:t>jObj.put</a:t>
+            </a:r>
+            <a:r>
+              <a:rPr lang="pt-PT" sz="1400" dirty="0" smtClean="0">
+                <a:solidFill>
+                  <a:srgbClr val="333333"/>
+                </a:solidFill>
+                <a:latin typeface="Consolas" pitchFamily="49" charset="0"/>
+              </a:rPr>
+              <a:t>(</a:t>
+            </a:r>
+            <a:r>
+              <a:rPr lang="pt-PT" sz="1400" dirty="0" smtClean="0">
+                <a:solidFill>
+                  <a:srgbClr val="A31515"/>
+                </a:solidFill>
+                <a:latin typeface="Consolas" pitchFamily="49" charset="0"/>
+              </a:rPr>
+              <a:t>"</a:t>
+            </a:r>
+            <a:r>
+              <a:rPr lang="pt-PT" sz="1400" dirty="0" err="1" smtClean="0">
+                <a:solidFill>
+                  <a:srgbClr val="A31515"/>
+                </a:solidFill>
+                <a:latin typeface="Consolas" pitchFamily="49" charset="0"/>
+              </a:rPr>
+              <a:t>solvedTests</a:t>
+            </a:r>
+            <a:r>
+              <a:rPr lang="pt-PT" sz="1400" dirty="0" smtClean="0">
+                <a:solidFill>
+                  <a:srgbClr val="A31515"/>
+                </a:solidFill>
+                <a:latin typeface="Consolas" pitchFamily="49" charset="0"/>
+              </a:rPr>
+              <a:t>"</a:t>
+            </a:r>
+            <a:r>
+              <a:rPr lang="pt-PT" sz="1400" dirty="0" smtClean="0">
+                <a:solidFill>
+                  <a:srgbClr val="333333"/>
+                </a:solidFill>
+                <a:latin typeface="Consolas" pitchFamily="49" charset="0"/>
+              </a:rPr>
+              <a:t>, </a:t>
+            </a:r>
+            <a:r>
+              <a:rPr lang="pt-PT" sz="1400" dirty="0" err="1" smtClean="0">
+                <a:solidFill>
+                  <a:srgbClr val="333333"/>
+                </a:solidFill>
+                <a:latin typeface="Consolas" pitchFamily="49" charset="0"/>
+              </a:rPr>
+              <a:t>solvedTests</a:t>
+            </a:r>
+            <a:r>
+              <a:rPr lang="pt-PT" sz="1400" dirty="0" smtClean="0">
+                <a:solidFill>
+                  <a:srgbClr val="333333"/>
+                </a:solidFill>
+                <a:latin typeface="Consolas" pitchFamily="49" charset="0"/>
+              </a:rPr>
+              <a:t>);</a:t>
+            </a:r>
+          </a:p>
+          <a:p>
+            <a:endParaRPr lang="pt-PT" sz="1400" dirty="0" smtClean="0">
+              <a:solidFill>
+                <a:srgbClr val="333333"/>
+              </a:solidFill>
+              <a:latin typeface="Consolas" pitchFamily="49" charset="0"/>
+            </a:endParaRPr>
+          </a:p>
+          <a:p>
+            <a:endParaRPr lang="pt-PT" dirty="0"/>
+          </a:p>
+        </p:txBody>
+      </p:sp>
+      <p:sp>
+        <p:nvSpPr>
+          <p:cNvPr id="3" name="Marcador de Posição do Texto 2"/>
+          <p:cNvSpPr>
+            <a:spLocks noGrp="1"/>
+          </p:cNvSpPr>
+          <p:nvPr>
+            <p:ph type="body" sz="quarter" idx="14"/>
+          </p:nvPr>
+        </p:nvSpPr>
+        <p:spPr/>
+        <p:txBody>
+          <a:bodyPr/>
+          <a:lstStyle/>
+          <a:p>
+            <a:r>
+              <a:rPr lang="pt-PT" dirty="0" smtClean="0"/>
+              <a:t>Exemplo: Criação de um objeto JSON em Java.</a:t>
+            </a:r>
+            <a:endParaRPr lang="pt-PT" dirty="0"/>
+          </a:p>
+        </p:txBody>
+      </p:sp>
+    </p:spTree>
+  </p:cSld>
+  <p:clrMapOvr>
+    <a:masterClrMapping/>
+  </p:clrMapOvr>
+</p:sld>
+</file>
+
+<file path=ppt/slides/slide27.xml><?xml version="1.0" encoding="utf-8"?>
 <p:sld xmlns:a="http://schemas.openxmlformats.org/drawingml/2006/main" xmlns:r="http://schemas.openxmlformats.org/officeDocument/2006/relationships" xmlns:p="http://schemas.openxmlformats.org/presentationml/2006/main">
   <p:cSld>
     <p:spTree>
@@ -6814,7 +13295,7 @@
 </p:sld>
 </file>
 
-<file path=ppt/slides/slide16.xml><?xml version="1.0" encoding="utf-8"?>
+<file path=ppt/slides/slide28.xml><?xml version="1.0" encoding="utf-8"?>
 <p:sld xmlns:a="http://schemas.openxmlformats.org/drawingml/2006/main" xmlns:r="http://schemas.openxmlformats.org/officeDocument/2006/relationships" xmlns:p="http://schemas.openxmlformats.org/presentationml/2006/main">
   <p:cSld>
     <p:spTree>
@@ -7341,7 +13822,7 @@
 </p:sld>
 </file>
 
-<file path=ppt/slides/slide17.xml><?xml version="1.0" encoding="utf-8"?>
+<file path=ppt/slides/slide29.xml><?xml version="1.0" encoding="utf-8"?>
 <p:sld xmlns:a="http://schemas.openxmlformats.org/drawingml/2006/main" xmlns:r="http://schemas.openxmlformats.org/officeDocument/2006/relationships" xmlns:p="http://schemas.openxmlformats.org/presentationml/2006/main">
   <p:cSld>
     <p:spTree>
@@ -7494,7 +13975,85 @@
 </p:sld>
 </file>
 
-<file path=ppt/slides/slide18.xml><?xml version="1.0" encoding="utf-8"?>
+<file path=ppt/slides/slide3.xml><?xml version="1.0" encoding="utf-8"?>
+<p:sld xmlns:a="http://schemas.openxmlformats.org/drawingml/2006/main" xmlns:r="http://schemas.openxmlformats.org/officeDocument/2006/relationships" xmlns:p="http://schemas.openxmlformats.org/presentationml/2006/main">
+  <p:cSld>
+    <p:spTree>
+      <p:nvGrpSpPr>
+        <p:cNvPr id="1" name=""/>
+        <p:cNvGrpSpPr/>
+        <p:nvPr/>
+      </p:nvGrpSpPr>
+      <p:grpSpPr>
+        <a:xfrm>
+          <a:off x="0" y="0"/>
+          <a:ext cx="0" cy="0"/>
+          <a:chOff x="0" y="0"/>
+          <a:chExt cx="0" cy="0"/>
+        </a:xfrm>
+      </p:grpSpPr>
+      <p:sp>
+        <p:nvSpPr>
+          <p:cNvPr id="2" name="Título 1"/>
+          <p:cNvSpPr>
+            <a:spLocks noGrp="1"/>
+          </p:cNvSpPr>
+          <p:nvPr>
+            <p:ph type="ctrTitle"/>
+          </p:nvPr>
+        </p:nvSpPr>
+        <p:spPr/>
+        <p:txBody>
+          <a:bodyPr/>
+          <a:lstStyle/>
+          <a:p>
+            <a:r>
+              <a:rPr lang="pt-PT" dirty="0" smtClean="0"/>
+              <a:t>Tecnologias propostas</a:t>
+            </a:r>
+            <a:endParaRPr lang="pt-PT" dirty="0"/>
+          </a:p>
+        </p:txBody>
+      </p:sp>
+      <p:sp>
+        <p:nvSpPr>
+          <p:cNvPr id="3" name="Subtítulo 2"/>
+          <p:cNvSpPr>
+            <a:spLocks noGrp="1"/>
+          </p:cNvSpPr>
+          <p:nvPr>
+            <p:ph type="subTitle" idx="1"/>
+          </p:nvPr>
+        </p:nvSpPr>
+        <p:spPr/>
+        <p:txBody>
+          <a:bodyPr/>
+          <a:lstStyle/>
+          <a:p>
+            <a:r>
+              <a:rPr lang="pt-PT" dirty="0" smtClean="0"/>
+              <a:t>Servidores web. Protocolos. Formatos de dados.</a:t>
+            </a:r>
+            <a:endParaRPr lang="pt-PT" dirty="0"/>
+          </a:p>
+        </p:txBody>
+      </p:sp>
+    </p:spTree>
+  </p:cSld>
+  <p:clrMapOvr>
+    <a:masterClrMapping/>
+  </p:clrMapOvr>
+  <p:timing>
+    <p:tnLst>
+      <p:par>
+        <p:cTn id="1" dur="indefinite" restart="never" nodeType="tmRoot"/>
+      </p:par>
+    </p:tnLst>
+  </p:timing>
+</p:sld>
+</file>
+
+<file path=ppt/slides/slide30.xml><?xml version="1.0" encoding="utf-8"?>
 <p:sld xmlns:a="http://schemas.openxmlformats.org/drawingml/2006/main" xmlns:r="http://schemas.openxmlformats.org/officeDocument/2006/relationships" xmlns:p="http://schemas.openxmlformats.org/presentationml/2006/main">
   <p:cSld>
     <p:spTree>
@@ -7550,7 +14109,7 @@
 </p:sld>
 </file>
 
-<file path=ppt/slides/slide19.xml><?xml version="1.0" encoding="utf-8"?>
+<file path=ppt/slides/slide31.xml><?xml version="1.0" encoding="utf-8"?>
 <p:sld xmlns:a="http://schemas.openxmlformats.org/drawingml/2006/main" xmlns:r="http://schemas.openxmlformats.org/officeDocument/2006/relationships" xmlns:p="http://schemas.openxmlformats.org/presentationml/2006/main">
   <p:cSld>
     <p:spTree>
@@ -7618,43 +14177,16 @@
           </a:p>
           <a:p>
             <a:r>
+              <a:rPr lang="pt-PT" dirty="0" smtClean="0"/>
+              <a:t>Conector </a:t>
+            </a:r>
+            <a:r>
               <a:rPr lang="pt-PT" dirty="0" err="1" smtClean="0"/>
-              <a:t>Isolates</a:t>
+              <a:t>MySQL</a:t>
             </a:r>
             <a:r>
               <a:rPr lang="pt-PT" dirty="0" smtClean="0"/>
-              <a:t> não são </a:t>
-            </a:r>
-            <a:r>
-              <a:rPr lang="pt-PT" dirty="0" err="1" smtClean="0"/>
-              <a:t>Threads</a:t>
-            </a:r>
-            <a:endParaRPr lang="pt-PT" dirty="0" smtClean="0"/>
-          </a:p>
-          <a:p>
-            <a:pPr lvl="1"/>
-            <a:r>
-              <a:rPr lang="pt-PT" dirty="0" smtClean="0"/>
-              <a:t>Não há memória partilhada entre </a:t>
-            </a:r>
-            <a:r>
-              <a:rPr lang="pt-PT" dirty="0" err="1" smtClean="0"/>
-              <a:t>Isolates</a:t>
-            </a:r>
-            <a:endParaRPr lang="pt-PT" dirty="0" smtClean="0"/>
-          </a:p>
-          <a:p>
-            <a:pPr lvl="1"/>
-            <a:r>
-              <a:rPr lang="pt-PT" dirty="0" smtClean="0"/>
-              <a:t>Comunicação feita através de mensagens</a:t>
-            </a:r>
-          </a:p>
-          <a:p>
-            <a:pPr lvl="1"/>
-            <a:r>
-              <a:rPr lang="pt-PT" dirty="0" smtClean="0"/>
-              <a:t>Tipos limitados de objetos transportáveis</a:t>
+              <a:t> ainda em desenvolvimento (API estável)</a:t>
             </a:r>
           </a:p>
           <a:p>
@@ -7677,7 +14209,7 @@
 </p:sld>
 </file>
 
-<file path=ppt/slides/slide2.xml><?xml version="1.0" encoding="utf-8"?>
+<file path=ppt/slides/slide32.xml><?xml version="1.0" encoding="utf-8"?>
 <p:sld xmlns:a="http://schemas.openxmlformats.org/drawingml/2006/main" xmlns:r="http://schemas.openxmlformats.org/officeDocument/2006/relationships" xmlns:p="http://schemas.openxmlformats.org/presentationml/2006/main">
   <p:cSld>
     <p:spTree>
@@ -7696,7 +14228,7 @@
       </p:grpSpPr>
       <p:sp>
         <p:nvSpPr>
-          <p:cNvPr id="4" name="Título 3"/>
+          <p:cNvPr id="2" name="Título 1"/>
           <p:cNvSpPr>
             <a:spLocks noGrp="1"/>
           </p:cNvSpPr>
@@ -7711,7 +14243,7 @@
           <a:p>
             <a:r>
               <a:rPr lang="pt-PT" dirty="0" smtClean="0"/>
-              <a:t>Conteúdos</a:t>
+              <a:t>Referências</a:t>
             </a:r>
             <a:endParaRPr lang="pt-PT" dirty="0"/>
           </a:p>
@@ -7719,7 +14251,7 @@
       </p:sp>
       <p:sp>
         <p:nvSpPr>
-          <p:cNvPr id="5" name="Marcador de Posição de Conteúdo 4"/>
+          <p:cNvPr id="3" name="Marcador de Posição de Conteúdo 2"/>
           <p:cNvSpPr>
             <a:spLocks noGrp="1"/>
           </p:cNvSpPr>
@@ -7729,45 +14261,68 @@
         </p:nvSpPr>
         <p:spPr/>
         <p:txBody>
-          <a:bodyPr/>
+          <a:bodyPr>
+            <a:normAutofit/>
+          </a:bodyPr>
           <a:lstStyle/>
           <a:p>
             <a:r>
-              <a:rPr lang="pt-PT" dirty="0" smtClean="0"/>
-              <a:t>Tecnologias propostas</a:t>
-            </a:r>
-          </a:p>
-          <a:p>
-            <a:r>
-              <a:rPr lang="pt-PT" dirty="0" smtClean="0"/>
-              <a:t>Descrição e demonstração do S.I.</a:t>
-            </a:r>
-          </a:p>
-          <a:p>
-            <a:r>
-              <a:rPr lang="pt-PT" dirty="0" smtClean="0"/>
-              <a:t>Descrição e demonstração da </a:t>
-            </a:r>
-            <a:r>
-              <a:rPr lang="pt-PT" dirty="0" err="1" smtClean="0"/>
-              <a:t>App</a:t>
-            </a:r>
-            <a:r>
-              <a:rPr lang="pt-PT" dirty="0" smtClean="0"/>
+              <a:rPr lang="pt-PT" sz="2000" dirty="0" err="1" smtClean="0"/>
+              <a:t>NodeJS</a:t>
+            </a:r>
+            <a:r>
+              <a:rPr lang="pt-PT" sz="2000" dirty="0" smtClean="0"/>
+              <a:t>: </a:t>
+            </a:r>
+            <a:r>
+              <a:rPr lang="pt-PT" sz="2000" dirty="0" smtClean="0">
+                <a:hlinkClick r:id="rId2"/>
+              </a:rPr>
+              <a:t>http://nodejs.org</a:t>
+            </a:r>
+            <a:endParaRPr lang="pt-PT" sz="2000" dirty="0" smtClean="0"/>
+          </a:p>
+          <a:p>
+            <a:r>
+              <a:rPr lang="pt-PT" sz="2000" dirty="0" err="1" smtClean="0"/>
+              <a:t>MySQL</a:t>
+            </a:r>
+            <a:r>
+              <a:rPr lang="pt-PT" sz="2000" dirty="0" smtClean="0"/>
               <a:t> </a:t>
             </a:r>
             <a:r>
-              <a:rPr lang="pt-PT" dirty="0" err="1" smtClean="0"/>
-              <a:t>Android</a:t>
-            </a:r>
-            <a:endParaRPr lang="pt-PT" dirty="0" smtClean="0"/>
-          </a:p>
-          <a:p>
-            <a:r>
-              <a:rPr lang="pt-PT" dirty="0" smtClean="0"/>
-              <a:t>Tecnologias em investigação</a:t>
-            </a:r>
-            <a:endParaRPr lang="pt-PT" dirty="0"/>
+              <a:rPr lang="pt-PT" sz="2000" dirty="0" err="1" smtClean="0"/>
+              <a:t>connector</a:t>
+            </a:r>
+            <a:r>
+              <a:rPr lang="pt-PT" sz="2000" dirty="0" smtClean="0"/>
+              <a:t> for </a:t>
+            </a:r>
+            <a:r>
+              <a:rPr lang="pt-PT" sz="2000" dirty="0" err="1" smtClean="0"/>
+              <a:t>NodeJS</a:t>
+            </a:r>
+            <a:r>
+              <a:rPr lang="pt-PT" sz="2000" dirty="0" smtClean="0"/>
+              <a:t>: </a:t>
+            </a:r>
+            <a:r>
+              <a:rPr lang="pt-PT" sz="2000" dirty="0" smtClean="0">
+                <a:hlinkClick r:id="rId3"/>
+              </a:rPr>
+              <a:t>https://</a:t>
+            </a:r>
+            <a:r>
+              <a:rPr lang="pt-PT" sz="2000" dirty="0" smtClean="0">
+                <a:hlinkClick r:id="rId3"/>
+              </a:rPr>
+              <a:t>github.com/felixge/node-mysql</a:t>
+            </a:r>
+            <a:endParaRPr lang="pt-PT" sz="2000" dirty="0" smtClean="0"/>
+          </a:p>
+          <a:p>
+            <a:endParaRPr lang="pt-PT" sz="2000" dirty="0"/>
           </a:p>
         </p:txBody>
       </p:sp>
@@ -7776,91 +14331,6 @@
   <p:clrMapOvr>
     <a:masterClrMapping/>
   </p:clrMapOvr>
-  <p:timing>
-    <p:tnLst>
-      <p:par>
-        <p:cTn id="1" dur="indefinite" restart="never" nodeType="tmRoot"/>
-      </p:par>
-    </p:tnLst>
-  </p:timing>
-</p:sld>
-</file>
-
-<file path=ppt/slides/slide3.xml><?xml version="1.0" encoding="utf-8"?>
-<p:sld xmlns:a="http://schemas.openxmlformats.org/drawingml/2006/main" xmlns:r="http://schemas.openxmlformats.org/officeDocument/2006/relationships" xmlns:p="http://schemas.openxmlformats.org/presentationml/2006/main">
-  <p:cSld>
-    <p:spTree>
-      <p:nvGrpSpPr>
-        <p:cNvPr id="1" name=""/>
-        <p:cNvGrpSpPr/>
-        <p:nvPr/>
-      </p:nvGrpSpPr>
-      <p:grpSpPr>
-        <a:xfrm>
-          <a:off x="0" y="0"/>
-          <a:ext cx="0" cy="0"/>
-          <a:chOff x="0" y="0"/>
-          <a:chExt cx="0" cy="0"/>
-        </a:xfrm>
-      </p:grpSpPr>
-      <p:sp>
-        <p:nvSpPr>
-          <p:cNvPr id="2" name="Título 1"/>
-          <p:cNvSpPr>
-            <a:spLocks noGrp="1"/>
-          </p:cNvSpPr>
-          <p:nvPr>
-            <p:ph type="ctrTitle"/>
-          </p:nvPr>
-        </p:nvSpPr>
-        <p:spPr/>
-        <p:txBody>
-          <a:bodyPr/>
-          <a:lstStyle/>
-          <a:p>
-            <a:r>
-              <a:rPr lang="pt-PT" dirty="0" smtClean="0"/>
-              <a:t>Tecnologias propostas</a:t>
-            </a:r>
-            <a:endParaRPr lang="pt-PT" dirty="0"/>
-          </a:p>
-        </p:txBody>
-      </p:sp>
-      <p:sp>
-        <p:nvSpPr>
-          <p:cNvPr id="3" name="Subtítulo 2"/>
-          <p:cNvSpPr>
-            <a:spLocks noGrp="1"/>
-          </p:cNvSpPr>
-          <p:nvPr>
-            <p:ph type="subTitle" idx="1"/>
-          </p:nvPr>
-        </p:nvSpPr>
-        <p:spPr/>
-        <p:txBody>
-          <a:bodyPr/>
-          <a:lstStyle/>
-          <a:p>
-            <a:r>
-              <a:rPr lang="pt-PT" dirty="0" smtClean="0"/>
-              <a:t>Servidores web. Protocolos. Formatos de dados.</a:t>
-            </a:r>
-            <a:endParaRPr lang="pt-PT" dirty="0"/>
-          </a:p>
-        </p:txBody>
-      </p:sp>
-    </p:spTree>
-  </p:cSld>
-  <p:clrMapOvr>
-    <a:masterClrMapping/>
-  </p:clrMapOvr>
-  <p:timing>
-    <p:tnLst>
-      <p:par>
-        <p:cTn id="1" dur="indefinite" restart="never" nodeType="tmRoot"/>
-      </p:par>
-    </p:tnLst>
-  </p:timing>
 </p:sld>
 </file>
 
@@ -8102,11 +14572,7 @@
           <a:p>
             <a:r>
               <a:rPr lang="pt-PT" dirty="0" smtClean="0"/>
-              <a:t>Tecnologias para o </a:t>
-            </a:r>
-            <a:r>
-              <a:rPr lang="pt-PT" dirty="0" smtClean="0"/>
-              <a:t>Servidor Web</a:t>
+              <a:t>Tecnologias para o Servidor Web</a:t>
             </a:r>
             <a:endParaRPr lang="pt-PT" dirty="0"/>
           </a:p>

--- a/Apresentacoes/v01.pptx
+++ b/Apresentacoes/v01.pptx
@@ -229,7 +229,7 @@
             <a:fld id="{26E7F2CC-330F-4FEA-A2B0-657791948129}" type="datetimeFigureOut">
               <a:rPr lang="pt-PT" smtClean="0"/>
               <a:pPr/>
-              <a:t>26/03/2014</a:t>
+              <a:t>27/03/2014</a:t>
             </a:fld>
             <a:endParaRPr lang="pt-PT"/>
           </a:p>
@@ -391,7 +391,7 @@
             <a:fld id="{64C1928E-6349-48A8-8C96-32B641D59371}" type="datetimeFigureOut">
               <a:rPr lang="pt-PT" smtClean="0"/>
               <a:pPr/>
-              <a:t>26/03/2014</a:t>
+              <a:t>27/03/2014</a:t>
             </a:fld>
             <a:endParaRPr lang="pt-PT"/>
           </a:p>
@@ -921,7 +921,7 @@
             <a:fld id="{57B51982-E955-4F1A-BFA0-0F0AB3300023}" type="datetimeFigureOut">
               <a:rPr lang="pt-PT" smtClean="0"/>
               <a:pPr/>
-              <a:t>26/03/2014</a:t>
+              <a:t>27/03/2014</a:t>
             </a:fld>
             <a:endParaRPr lang="pt-PT"/>
           </a:p>
@@ -1088,7 +1088,7 @@
             <a:fld id="{57B51982-E955-4F1A-BFA0-0F0AB3300023}" type="datetimeFigureOut">
               <a:rPr lang="pt-PT" smtClean="0"/>
               <a:pPr/>
-              <a:t>26/03/2014</a:t>
+              <a:t>27/03/2014</a:t>
             </a:fld>
             <a:endParaRPr lang="pt-PT"/>
           </a:p>
@@ -1265,7 +1265,7 @@
             <a:fld id="{57B51982-E955-4F1A-BFA0-0F0AB3300023}" type="datetimeFigureOut">
               <a:rPr lang="pt-PT" smtClean="0"/>
               <a:pPr/>
-              <a:t>26/03/2014</a:t>
+              <a:t>27/03/2014</a:t>
             </a:fld>
             <a:endParaRPr lang="pt-PT"/>
           </a:p>
@@ -1357,7 +1357,7 @@
             <a:fld id="{57B51982-E955-4F1A-BFA0-0F0AB3300023}" type="datetimeFigureOut">
               <a:rPr lang="pt-PT" smtClean="0"/>
               <a:pPr/>
-              <a:t>26/03/2014</a:t>
+              <a:t>27/03/2014</a:t>
             </a:fld>
             <a:endParaRPr lang="pt-PT"/>
           </a:p>
@@ -1549,7 +1549,7 @@
             <a:fld id="{57B51982-E955-4F1A-BFA0-0F0AB3300023}" type="datetimeFigureOut">
               <a:rPr lang="pt-PT" smtClean="0"/>
               <a:pPr/>
-              <a:t>26/03/2014</a:t>
+              <a:t>27/03/2014</a:t>
             </a:fld>
             <a:endParaRPr lang="pt-PT"/>
           </a:p>
@@ -1741,7 +1741,7 @@
             <a:fld id="{57B51982-E955-4F1A-BFA0-0F0AB3300023}" type="datetimeFigureOut">
               <a:rPr lang="pt-PT" smtClean="0"/>
               <a:pPr/>
-              <a:t>26/03/2014</a:t>
+              <a:t>27/03/2014</a:t>
             </a:fld>
             <a:endParaRPr lang="pt-PT"/>
           </a:p>
@@ -2049,7 +2049,7 @@
             <a:fld id="{57B51982-E955-4F1A-BFA0-0F0AB3300023}" type="datetimeFigureOut">
               <a:rPr lang="pt-PT" smtClean="0"/>
               <a:pPr/>
-              <a:t>26/03/2014</a:t>
+              <a:t>27/03/2014</a:t>
             </a:fld>
             <a:endParaRPr lang="pt-PT"/>
           </a:p>
@@ -2176,7 +2176,7 @@
             <a:fld id="{977049CB-4CB5-45FE-B82E-F474B91E1741}" type="datetimeFigureOut">
               <a:rPr lang="pt-PT" smtClean="0"/>
               <a:pPr/>
-              <a:t>26/03/2014</a:t>
+              <a:t>27/03/2014</a:t>
             </a:fld>
             <a:endParaRPr lang="pt-PT"/>
           </a:p>
@@ -2477,7 +2477,7 @@
             <a:fld id="{92136B68-69E5-45CD-8C6F-F60CE3B7E52C}" type="datetimeFigureOut">
               <a:rPr lang="pt-PT" smtClean="0"/>
               <a:pPr/>
-              <a:t>26/03/2014</a:t>
+              <a:t>27/03/2014</a:t>
             </a:fld>
             <a:endParaRPr lang="pt-PT"/>
           </a:p>
@@ -2701,7 +2701,7 @@
             <a:fld id="{57B51982-E955-4F1A-BFA0-0F0AB3300023}" type="datetimeFigureOut">
               <a:rPr lang="pt-PT" smtClean="0"/>
               <a:pPr/>
-              <a:t>26/03/2014</a:t>
+              <a:t>27/03/2014</a:t>
             </a:fld>
             <a:endParaRPr lang="pt-PT"/>
           </a:p>
@@ -2944,7 +2944,7 @@
             <a:fld id="{57B51982-E955-4F1A-BFA0-0F0AB3300023}" type="datetimeFigureOut">
               <a:rPr lang="pt-PT" smtClean="0"/>
               <a:pPr/>
-              <a:t>26/03/2014</a:t>
+              <a:t>27/03/2014</a:t>
             </a:fld>
             <a:endParaRPr lang="pt-PT"/>
           </a:p>
@@ -3229,7 +3229,7 @@
             <a:fld id="{57B51982-E955-4F1A-BFA0-0F0AB3300023}" type="datetimeFigureOut">
               <a:rPr lang="pt-PT" smtClean="0"/>
               <a:pPr/>
-              <a:t>26/03/2014</a:t>
+              <a:t>27/03/2014</a:t>
             </a:fld>
             <a:endParaRPr lang="pt-PT"/>
           </a:p>
@@ -3653,7 +3653,7 @@
             <a:fld id="{57B51982-E955-4F1A-BFA0-0F0AB3300023}" type="datetimeFigureOut">
               <a:rPr lang="pt-PT" smtClean="0"/>
               <a:pPr/>
-              <a:t>26/03/2014</a:t>
+              <a:t>27/03/2014</a:t>
             </a:fld>
             <a:endParaRPr lang="pt-PT"/>
           </a:p>
@@ -3768,7 +3768,7 @@
             <a:fld id="{57B51982-E955-4F1A-BFA0-0F0AB3300023}" type="datetimeFigureOut">
               <a:rPr lang="pt-PT" smtClean="0"/>
               <a:pPr/>
-              <a:t>26/03/2014</a:t>
+              <a:t>27/03/2014</a:t>
             </a:fld>
             <a:endParaRPr lang="pt-PT"/>
           </a:p>
@@ -3860,7 +3860,7 @@
             <a:fld id="{57B51982-E955-4F1A-BFA0-0F0AB3300023}" type="datetimeFigureOut">
               <a:rPr lang="pt-PT" smtClean="0"/>
               <a:pPr/>
-              <a:t>26/03/2014</a:t>
+              <a:t>27/03/2014</a:t>
             </a:fld>
             <a:endParaRPr lang="pt-PT"/>
           </a:p>
@@ -4134,7 +4134,7 @@
             <a:fld id="{57B51982-E955-4F1A-BFA0-0F0AB3300023}" type="datetimeFigureOut">
               <a:rPr lang="pt-PT" smtClean="0"/>
               <a:pPr/>
-              <a:t>26/03/2014</a:t>
+              <a:t>27/03/2014</a:t>
             </a:fld>
             <a:endParaRPr lang="pt-PT"/>
           </a:p>
@@ -4384,7 +4384,7 @@
             <a:fld id="{57B51982-E955-4F1A-BFA0-0F0AB3300023}" type="datetimeFigureOut">
               <a:rPr lang="pt-PT" smtClean="0"/>
               <a:pPr/>
-              <a:t>26/03/2014</a:t>
+              <a:t>27/03/2014</a:t>
             </a:fld>
             <a:endParaRPr lang="pt-PT"/>
           </a:p>
@@ -4619,7 +4619,7 @@
             <a:fld id="{57B51982-E955-4F1A-BFA0-0F0AB3300023}" type="datetimeFigureOut">
               <a:rPr lang="pt-PT" smtClean="0"/>
               <a:pPr/>
-              <a:t>26/03/2014</a:t>
+              <a:t>27/03/2014</a:t>
             </a:fld>
             <a:endParaRPr lang="pt-PT"/>
           </a:p>
@@ -5130,7 +5130,7 @@
             <a:fld id="{977049CB-4CB5-45FE-B82E-F474B91E1741}" type="datetimeFigureOut">
               <a:rPr lang="pt-PT" smtClean="0"/>
               <a:pPr/>
-              <a:t>26/03/2014</a:t>
+              <a:t>27/03/2014</a:t>
             </a:fld>
             <a:endParaRPr lang="pt-PT"/>
           </a:p>
@@ -5627,7 +5627,7 @@
             <a:fld id="{92136B68-69E5-45CD-8C6F-F60CE3B7E52C}" type="datetimeFigureOut">
               <a:rPr lang="pt-PT" smtClean="0"/>
               <a:pPr/>
-              <a:t>26/03/2014</a:t>
+              <a:t>27/03/2014</a:t>
             </a:fld>
             <a:endParaRPr lang="pt-PT"/>
           </a:p>
@@ -6596,11 +6596,7 @@
           <a:p>
             <a:r>
               <a:rPr lang="pt-PT" dirty="0" err="1" smtClean="0"/>
-              <a:t>m</a:t>
-            </a:r>
-            <a:r>
-              <a:rPr lang="pt-PT" dirty="0" err="1" smtClean="0"/>
-              <a:t>ysql</a:t>
+              <a:t>mysql</a:t>
             </a:r>
             <a:r>
               <a:rPr lang="pt-PT" dirty="0" smtClean="0"/>
@@ -6848,16 +6844,7 @@
                 </a:solidFill>
                 <a:latin typeface="Consolas" pitchFamily="49" charset="0"/>
               </a:rPr>
-              <a:t> </a:t>
-            </a:r>
-            <a:r>
-              <a:rPr lang="pt-PT" sz="1400" dirty="0" smtClean="0">
-                <a:solidFill>
-                  <a:srgbClr val="008000"/>
-                </a:solidFill>
-                <a:latin typeface="Consolas" pitchFamily="49" charset="0"/>
-              </a:rPr>
-              <a:t>do ficheiro da lógica do servidor</a:t>
+              <a:t> do ficheiro da lógica do servidor</a:t>
             </a:r>
             <a:endParaRPr lang="pt-PT" sz="1400" dirty="0" smtClean="0">
               <a:solidFill>
@@ -7192,16 +7179,7 @@
                 </a:solidFill>
                 <a:latin typeface="Consolas" pitchFamily="49" charset="0"/>
               </a:rPr>
-              <a:t>'Server running at http://</a:t>
-            </a:r>
-            <a:r>
-              <a:rPr lang="en-US" sz="1400" dirty="0" smtClean="0">
-                <a:solidFill>
-                  <a:srgbClr val="A31515"/>
-                </a:solidFill>
-                <a:latin typeface="Consolas" pitchFamily="49" charset="0"/>
-              </a:rPr>
-              <a:t>127.0.0.1:8080/'</a:t>
+              <a:t>'Server running at http://127.0.0.1:8080/'</a:t>
             </a:r>
             <a:r>
               <a:rPr lang="en-US" sz="1400" dirty="0" smtClean="0">
@@ -7212,12 +7190,6 @@
               </a:rPr>
               <a:t>);</a:t>
             </a:r>
-            <a:endParaRPr lang="en-US" sz="1400" dirty="0" smtClean="0">
-              <a:solidFill>
-                <a:srgbClr val="333333"/>
-              </a:solidFill>
-              <a:latin typeface="Consolas" pitchFamily="49" charset="0"/>
-            </a:endParaRPr>
           </a:p>
           <a:p>
             <a:endParaRPr lang="pt-PT" sz="1400" dirty="0">
@@ -7337,19 +7309,7 @@
           <a:p>
             <a:r>
               <a:rPr lang="pt-PT" dirty="0" smtClean="0"/>
-              <a:t>Obtenção, </a:t>
-            </a:r>
-            <a:r>
-              <a:rPr lang="pt-PT" dirty="0" smtClean="0"/>
-              <a:t>colocação </a:t>
-            </a:r>
-            <a:r>
-              <a:rPr lang="pt-PT" dirty="0" smtClean="0"/>
-              <a:t>e tratamento de dados</a:t>
-            </a:r>
-            <a:r>
-              <a:rPr lang="pt-PT" dirty="0" smtClean="0"/>
-              <a:t>.</a:t>
+              <a:t>Obtenção, colocação e tratamento de dados.</a:t>
             </a:r>
             <a:endParaRPr lang="pt-PT" dirty="0"/>
           </a:p>
@@ -7457,11 +7417,7 @@
             </a:r>
             <a:r>
               <a:rPr lang="pt-PT" dirty="0" smtClean="0"/>
-              <a:t> para fazer o tratamento de </a:t>
-            </a:r>
-            <a:r>
-              <a:rPr lang="pt-PT" dirty="0" smtClean="0"/>
-              <a:t>JSON</a:t>
+              <a:t> para fazer o tratamento de JSON</a:t>
             </a:r>
           </a:p>
           <a:p>
@@ -7475,7 +7431,11 @@
             </a:r>
             <a:r>
               <a:rPr lang="pt-PT" dirty="0" smtClean="0"/>
-              <a:t> no caso do GET.</a:t>
+              <a:t> no caso do </a:t>
+            </a:r>
+            <a:r>
+              <a:rPr lang="pt-PT" dirty="0" smtClean="0"/>
+              <a:t>GET</a:t>
             </a:r>
             <a:endParaRPr lang="pt-PT" dirty="0"/>
           </a:p>
@@ -8393,16 +8353,7 @@
                 </a:solidFill>
                 <a:latin typeface="Consolas" pitchFamily="49" charset="0"/>
               </a:rPr>
-              <a:t>// </a:t>
-            </a:r>
-            <a:r>
-              <a:rPr lang="pt-PT" sz="1400" dirty="0" smtClean="0">
-                <a:solidFill>
-                  <a:srgbClr val="008000"/>
-                </a:solidFill>
-                <a:latin typeface="Consolas" pitchFamily="49" charset="0"/>
-              </a:rPr>
-              <a:t>Continua...</a:t>
+              <a:t>// Continua...</a:t>
             </a:r>
             <a:endParaRPr lang="pt-PT" sz="1400" dirty="0">
               <a:latin typeface="Consolas" pitchFamily="49" charset="0"/>
@@ -8494,34 +8445,16 @@
                 </a:solidFill>
                 <a:latin typeface="Consolas" pitchFamily="49" charset="0"/>
               </a:rPr>
-              <a:t> </a:t>
+              <a:t>    </a:t>
             </a:r>
             <a:r>
               <a:rPr lang="pt-PT" sz="1400" dirty="0" smtClean="0">
                 <a:solidFill>
-                  <a:srgbClr val="333333"/>
-                </a:solidFill>
-                <a:latin typeface="Consolas" pitchFamily="49" charset="0"/>
-              </a:rPr>
-              <a:t>   </a:t>
-            </a:r>
-            <a:r>
-              <a:rPr lang="pt-PT" sz="1400" dirty="0" smtClean="0">
-                <a:solidFill>
                   <a:srgbClr val="008000"/>
                 </a:solidFill>
                 <a:latin typeface="Consolas" pitchFamily="49" charset="0"/>
               </a:rPr>
-              <a:t>// </a:t>
-            </a:r>
-            <a:r>
-              <a:rPr lang="pt-PT" sz="1400" dirty="0" smtClean="0">
-                <a:solidFill>
-                  <a:srgbClr val="008000"/>
-                </a:solidFill>
-                <a:latin typeface="Consolas" pitchFamily="49" charset="0"/>
-              </a:rPr>
-              <a:t>Obtenção dos dados da resposta do servidor.</a:t>
+              <a:t>// Obtenção dos dados da resposta do servidor.</a:t>
             </a:r>
             <a:endParaRPr lang="pt-PT" sz="1400" dirty="0" smtClean="0">
               <a:solidFill>
@@ -8676,16 +8609,7 @@
                 </a:solidFill>
                 <a:latin typeface="Consolas" pitchFamily="49" charset="0"/>
               </a:rPr>
-              <a:t> (Exception e) </a:t>
-            </a:r>
-            <a:r>
-              <a:rPr lang="en-US" sz="1400" dirty="0" smtClean="0">
-                <a:solidFill>
-                  <a:srgbClr val="333333"/>
-                </a:solidFill>
-                <a:latin typeface="Consolas" pitchFamily="49" charset="0"/>
-              </a:rPr>
-              <a:t>{</a:t>
+              <a:t> (Exception e) {</a:t>
             </a:r>
             <a:r>
               <a:rPr lang="en-US" sz="1400" dirty="0" smtClean="0">
@@ -8741,12 +8665,6 @@
               </a:rPr>
               <a:t>}</a:t>
             </a:r>
-            <a:endParaRPr lang="en-US" sz="1400" dirty="0" smtClean="0">
-              <a:solidFill>
-                <a:srgbClr val="333333"/>
-              </a:solidFill>
-              <a:latin typeface="Consolas" pitchFamily="49" charset="0"/>
-            </a:endParaRPr>
           </a:p>
           <a:p>
             <a:r>
@@ -8950,54 +8868,27 @@
                 </a:solidFill>
                 <a:latin typeface="Consolas" pitchFamily="49" charset="0"/>
               </a:rPr>
-              <a:t>"</a:t>
-            </a:r>
-            <a:r>
-              <a:rPr lang="en-US" sz="1400" dirty="0" smtClean="0">
-                <a:solidFill>
-                  <a:srgbClr val="A31515"/>
-                </a:solidFill>
-                <a:latin typeface="Consolas" pitchFamily="49" charset="0"/>
-              </a:rPr>
-              <a:t>utf-8"</a:t>
-            </a:r>
-            <a:r>
-              <a:rPr lang="en-US" sz="1400" dirty="0" smtClean="0">
-                <a:solidFill>
-                  <a:srgbClr val="333333"/>
-                </a:solidFill>
-                <a:latin typeface="Consolas" pitchFamily="49" charset="0"/>
-              </a:rPr>
-              <a:t>), </a:t>
-            </a:r>
-            <a:r>
-              <a:rPr lang="en-US" sz="1400" dirty="0" smtClean="0">
-                <a:solidFill>
-                  <a:srgbClr val="333333"/>
-                </a:solidFill>
-                <a:latin typeface="Consolas" pitchFamily="49" charset="0"/>
-              </a:rPr>
-              <a:t>8</a:t>
-            </a:r>
-          </a:p>
-          <a:p>
-            <a:r>
-              <a:rPr lang="en-US" sz="1400" dirty="0" smtClean="0">
-                <a:solidFill>
-                  <a:srgbClr val="333333"/>
-                </a:solidFill>
-                <a:latin typeface="Consolas" pitchFamily="49" charset="0"/>
-              </a:rPr>
-              <a:t>        </a:t>
-            </a:r>
-            <a:r>
-              <a:rPr lang="en-US" sz="1400" dirty="0" smtClean="0">
-                <a:solidFill>
-                  <a:srgbClr val="333333"/>
-                </a:solidFill>
-                <a:latin typeface="Consolas" pitchFamily="49" charset="0"/>
-              </a:rPr>
-              <a:t>);</a:t>
+              <a:t>"utf-8"</a:t>
+            </a:r>
+            <a:r>
+              <a:rPr lang="en-US" sz="1400" dirty="0" smtClean="0">
+                <a:solidFill>
+                  <a:srgbClr val="333333"/>
+                </a:solidFill>
+                <a:latin typeface="Consolas" pitchFamily="49" charset="0"/>
+              </a:rPr>
+              <a:t>), 8</a:t>
+            </a:r>
+          </a:p>
+          <a:p>
+            <a:r>
+              <a:rPr lang="en-US" sz="1400" dirty="0" smtClean="0">
+                <a:solidFill>
+                  <a:srgbClr val="333333"/>
+                </a:solidFill>
+                <a:latin typeface="Consolas" pitchFamily="49" charset="0"/>
+              </a:rPr>
+              <a:t>        );</a:t>
             </a:r>
           </a:p>
           <a:p>
@@ -9008,16 +8899,7 @@
                 </a:solidFill>
                 <a:latin typeface="Consolas" pitchFamily="49" charset="0"/>
               </a:rPr>
-              <a:t> </a:t>
-            </a:r>
-            <a:r>
-              <a:rPr lang="pt-PT" sz="1400" dirty="0" smtClean="0">
-                <a:solidFill>
-                  <a:srgbClr val="333333"/>
-                </a:solidFill>
-                <a:latin typeface="Consolas" pitchFamily="49" charset="0"/>
-              </a:rPr>
-              <a:t>   </a:t>
+              <a:t>    </a:t>
             </a:r>
             <a:r>
               <a:rPr lang="pt-PT" sz="1400" dirty="0" smtClean="0">
@@ -9144,16 +9026,7 @@
                 </a:solidFill>
                 <a:latin typeface="Consolas" pitchFamily="49" charset="0"/>
               </a:rPr>
-              <a:t>    String line</a:t>
-            </a:r>
-            <a:r>
-              <a:rPr lang="en-US" sz="1400" dirty="0" smtClean="0">
-                <a:solidFill>
-                  <a:srgbClr val="333333"/>
-                </a:solidFill>
-                <a:latin typeface="Consolas" pitchFamily="49" charset="0"/>
-              </a:rPr>
-              <a:t>;</a:t>
+              <a:t>    String line;</a:t>
             </a:r>
           </a:p>
           <a:p>
@@ -9173,16 +9046,7 @@
                 </a:solidFill>
                 <a:latin typeface="Consolas" pitchFamily="49" charset="0"/>
               </a:rPr>
-              <a:t>// </a:t>
-            </a:r>
-            <a:r>
-              <a:rPr lang="pt-PT" sz="1400" dirty="0" smtClean="0">
-                <a:solidFill>
-                  <a:srgbClr val="008000"/>
-                </a:solidFill>
-                <a:latin typeface="Consolas" pitchFamily="49" charset="0"/>
-              </a:rPr>
-              <a:t>Continua...</a:t>
+              <a:t>// Continua...</a:t>
             </a:r>
             <a:endParaRPr lang="pt-PT" sz="1400" dirty="0">
               <a:latin typeface="Consolas" pitchFamily="49" charset="0"/>
@@ -9274,16 +9138,7 @@
                 </a:solidFill>
                 <a:latin typeface="Consolas" pitchFamily="49" charset="0"/>
               </a:rPr>
-              <a:t> </a:t>
-            </a:r>
-            <a:r>
-              <a:rPr lang="en-US" sz="1400" dirty="0" smtClean="0">
-                <a:solidFill>
-                  <a:srgbClr val="333333"/>
-                </a:solidFill>
-                <a:latin typeface="Consolas" pitchFamily="49" charset="0"/>
-              </a:rPr>
-              <a:t>   </a:t>
+              <a:t>    </a:t>
             </a:r>
             <a:r>
               <a:rPr lang="en-US" sz="1400" dirty="0" smtClean="0">
@@ -9401,12 +9256,6 @@
               </a:rPr>
               <a:t>) {</a:t>
             </a:r>
-            <a:endParaRPr lang="en-US" sz="1400" dirty="0" smtClean="0">
-              <a:solidFill>
-                <a:srgbClr val="333333"/>
-              </a:solidFill>
-              <a:latin typeface="Consolas" pitchFamily="49" charset="0"/>
-            </a:endParaRPr>
           </a:p>
           <a:p>
             <a:r>
@@ -9473,6 +9322,44 @@
                 <a:latin typeface="Consolas" pitchFamily="49" charset="0"/>
               </a:rPr>
               <a:t>}</a:t>
+            </a:r>
+          </a:p>
+          <a:p>
+            <a:r>
+              <a:rPr lang="pt-PT" sz="1400" dirty="0" smtClean="0">
+                <a:solidFill>
+                  <a:srgbClr val="333333"/>
+                </a:solidFill>
+                <a:latin typeface="Consolas" pitchFamily="49" charset="0"/>
+              </a:rPr>
+              <a:t>    </a:t>
+            </a:r>
+            <a:r>
+              <a:rPr lang="pt-PT" sz="1400" dirty="0" smtClean="0">
+                <a:solidFill>
+                  <a:srgbClr val="008000"/>
+                </a:solidFill>
+                <a:latin typeface="Consolas" pitchFamily="49" charset="0"/>
+              </a:rPr>
+              <a:t>// Fechar a </a:t>
+            </a:r>
+            <a:r>
+              <a:rPr lang="pt-PT" sz="1400" dirty="0" err="1" smtClean="0">
+                <a:solidFill>
+                  <a:srgbClr val="008000"/>
+                </a:solidFill>
+                <a:latin typeface="Consolas" pitchFamily="49" charset="0"/>
+              </a:rPr>
+              <a:t>stream</a:t>
+            </a:r>
+            <a:r>
+              <a:rPr lang="pt-PT" sz="1400" dirty="0" smtClean="0">
+                <a:solidFill>
+                  <a:srgbClr val="008000"/>
+                </a:solidFill>
+                <a:latin typeface="Consolas" pitchFamily="49" charset="0"/>
+              </a:rPr>
+              <a:t> de leitura.</a:t>
             </a:r>
             <a:endParaRPr lang="pt-PT" sz="1400" dirty="0" smtClean="0">
               <a:solidFill>
@@ -9492,13 +9379,219 @@
               <a:t>    </a:t>
             </a:r>
             <a:r>
+              <a:rPr lang="en-US" sz="1400" dirty="0" err="1" smtClean="0">
+                <a:solidFill>
+                  <a:srgbClr val="333333"/>
+                </a:solidFill>
+                <a:latin typeface="Consolas" pitchFamily="49" charset="0"/>
+              </a:rPr>
+              <a:t>is.close</a:t>
+            </a:r>
+            <a:r>
+              <a:rPr lang="en-US" sz="1400" dirty="0" smtClean="0">
+                <a:solidFill>
+                  <a:srgbClr val="333333"/>
+                </a:solidFill>
+                <a:latin typeface="Consolas" pitchFamily="49" charset="0"/>
+              </a:rPr>
+              <a:t>();</a:t>
+            </a:r>
+          </a:p>
+          <a:p>
+            <a:r>
+              <a:rPr lang="en-US" sz="1400" dirty="0" smtClean="0">
+                <a:solidFill>
+                  <a:srgbClr val="333333"/>
+                </a:solidFill>
+                <a:latin typeface="Consolas" pitchFamily="49" charset="0"/>
+              </a:rPr>
+              <a:t>    </a:t>
+            </a:r>
+            <a:r>
+              <a:rPr lang="en-US" sz="1400" dirty="0" err="1" smtClean="0">
+                <a:solidFill>
+                  <a:srgbClr val="333333"/>
+                </a:solidFill>
+                <a:latin typeface="Consolas" pitchFamily="49" charset="0"/>
+              </a:rPr>
+              <a:t>json</a:t>
+            </a:r>
+            <a:r>
+              <a:rPr lang="en-US" sz="1400" dirty="0" smtClean="0">
+                <a:solidFill>
+                  <a:srgbClr val="333333"/>
+                </a:solidFill>
+                <a:latin typeface="Consolas" pitchFamily="49" charset="0"/>
+              </a:rPr>
+              <a:t> = </a:t>
+            </a:r>
+            <a:r>
+              <a:rPr lang="en-US" sz="1400" dirty="0" err="1" smtClean="0">
+                <a:solidFill>
+                  <a:srgbClr val="333333"/>
+                </a:solidFill>
+                <a:latin typeface="Consolas" pitchFamily="49" charset="0"/>
+              </a:rPr>
+              <a:t>sb.toString</a:t>
+            </a:r>
+            <a:r>
+              <a:rPr lang="en-US" sz="1400" dirty="0" smtClean="0">
+                <a:solidFill>
+                  <a:srgbClr val="333333"/>
+                </a:solidFill>
+                <a:latin typeface="Consolas" pitchFamily="49" charset="0"/>
+              </a:rPr>
+              <a:t>();</a:t>
+            </a:r>
+          </a:p>
+          <a:p>
+            <a:r>
+              <a:rPr lang="en-US" sz="1400" dirty="0" smtClean="0">
+                <a:solidFill>
+                  <a:srgbClr val="333333"/>
+                </a:solidFill>
+                <a:latin typeface="Consolas" pitchFamily="49" charset="0"/>
+              </a:rPr>
+              <a:t>  } </a:t>
+            </a:r>
+            <a:r>
+              <a:rPr lang="en-US" sz="1400" dirty="0" smtClean="0">
+                <a:solidFill>
+                  <a:srgbClr val="0000FF"/>
+                </a:solidFill>
+                <a:latin typeface="Consolas" pitchFamily="49" charset="0"/>
+              </a:rPr>
+              <a:t>catch</a:t>
+            </a:r>
+            <a:r>
+              <a:rPr lang="en-US" sz="1400" dirty="0" smtClean="0">
+                <a:solidFill>
+                  <a:srgbClr val="333333"/>
+                </a:solidFill>
+                <a:latin typeface="Consolas" pitchFamily="49" charset="0"/>
+              </a:rPr>
+              <a:t> (Exception e) {</a:t>
+            </a:r>
+            <a:r>
+              <a:rPr lang="en-US" sz="1400" dirty="0" smtClean="0">
+                <a:solidFill>
+                  <a:srgbClr val="008000"/>
+                </a:solidFill>
+                <a:latin typeface="Consolas" pitchFamily="49" charset="0"/>
+              </a:rPr>
+              <a:t>/* </a:t>
+            </a:r>
+            <a:r>
+              <a:rPr lang="en-US" sz="1400" dirty="0" err="1" smtClean="0">
+                <a:solidFill>
+                  <a:srgbClr val="008000"/>
+                </a:solidFill>
+                <a:latin typeface="Consolas" pitchFamily="49" charset="0"/>
+              </a:rPr>
+              <a:t>Erro</a:t>
+            </a:r>
+            <a:r>
+              <a:rPr lang="en-US" sz="1400" dirty="0" smtClean="0">
+                <a:solidFill>
+                  <a:srgbClr val="008000"/>
+                </a:solidFill>
+                <a:latin typeface="Consolas" pitchFamily="49" charset="0"/>
+              </a:rPr>
+              <a:t> </a:t>
+            </a:r>
+            <a:r>
+              <a:rPr lang="en-US" sz="1400" dirty="0" err="1" smtClean="0">
+                <a:solidFill>
+                  <a:srgbClr val="008000"/>
+                </a:solidFill>
+                <a:latin typeface="Consolas" pitchFamily="49" charset="0"/>
+              </a:rPr>
+              <a:t>ao</a:t>
+            </a:r>
+            <a:r>
+              <a:rPr lang="en-US" sz="1400" dirty="0" smtClean="0">
+                <a:solidFill>
+                  <a:srgbClr val="008000"/>
+                </a:solidFill>
+                <a:latin typeface="Consolas" pitchFamily="49" charset="0"/>
+              </a:rPr>
+              <a:t> </a:t>
+            </a:r>
+            <a:r>
+              <a:rPr lang="en-US" sz="1400" dirty="0" err="1" smtClean="0">
+                <a:solidFill>
+                  <a:srgbClr val="008000"/>
+                </a:solidFill>
+                <a:latin typeface="Consolas" pitchFamily="49" charset="0"/>
+              </a:rPr>
+              <a:t>guardar</a:t>
+            </a:r>
+            <a:r>
+              <a:rPr lang="en-US" sz="1400" dirty="0" smtClean="0">
+                <a:solidFill>
+                  <a:srgbClr val="008000"/>
+                </a:solidFill>
+                <a:latin typeface="Consolas" pitchFamily="49" charset="0"/>
+              </a:rPr>
+              <a:t> dados! */</a:t>
+            </a:r>
+            <a:r>
+              <a:rPr lang="en-US" sz="1400" dirty="0" smtClean="0">
+                <a:solidFill>
+                  <a:srgbClr val="333333"/>
+                </a:solidFill>
+                <a:latin typeface="Consolas" pitchFamily="49" charset="0"/>
+              </a:rPr>
+              <a:t>}</a:t>
+            </a:r>
+          </a:p>
+          <a:p>
+            <a:r>
+              <a:rPr lang="en-US" sz="1400" dirty="0" smtClean="0">
+                <a:solidFill>
+                  <a:srgbClr val="333333"/>
+                </a:solidFill>
+                <a:latin typeface="Consolas" pitchFamily="49" charset="0"/>
+              </a:rPr>
+              <a:t>  </a:t>
+            </a:r>
+            <a:r>
+              <a:rPr lang="en-US" sz="1400" dirty="0" smtClean="0">
+                <a:solidFill>
+                  <a:srgbClr val="0000FF"/>
+                </a:solidFill>
+                <a:latin typeface="Consolas" pitchFamily="49" charset="0"/>
+              </a:rPr>
+              <a:t>try</a:t>
+            </a:r>
+            <a:r>
+              <a:rPr lang="en-US" sz="1400" dirty="0" smtClean="0">
+                <a:solidFill>
+                  <a:srgbClr val="333333"/>
+                </a:solidFill>
+                <a:latin typeface="Consolas" pitchFamily="49" charset="0"/>
+              </a:rPr>
+              <a:t> {</a:t>
+            </a:r>
+          </a:p>
+          <a:p>
+            <a:r>
+              <a:rPr lang="en-US" sz="1400" dirty="0" smtClean="0">
+                <a:solidFill>
+                  <a:srgbClr val="333333"/>
+                </a:solidFill>
+                <a:latin typeface="Consolas" pitchFamily="49" charset="0"/>
+              </a:rPr>
+              <a:t>    </a:t>
+            </a:r>
+            <a:r>
               <a:rPr lang="pt-PT" sz="1400" dirty="0" smtClean="0">
                 <a:solidFill>
                   <a:srgbClr val="008000"/>
                 </a:solidFill>
                 <a:latin typeface="Consolas" pitchFamily="49" charset="0"/>
               </a:rPr>
-              <a:t>// Fechar a </a:t>
+              <a:t>// Parse da </a:t>
             </a:r>
             <a:r>
               <a:rPr lang="pt-PT" sz="1400" dirty="0" err="1" smtClean="0">
@@ -9507,7 +9600,7 @@
                 </a:solidFill>
                 <a:latin typeface="Consolas" pitchFamily="49" charset="0"/>
               </a:rPr>
-              <a:t>stream</a:t>
+              <a:t>string</a:t>
             </a:r>
             <a:r>
               <a:rPr lang="pt-PT" sz="1400" dirty="0" smtClean="0">
@@ -9516,7 +9609,7 @@
                 </a:solidFill>
                 <a:latin typeface="Consolas" pitchFamily="49" charset="0"/>
               </a:rPr>
-              <a:t> de leitura.</a:t>
+              <a:t> para um objeto</a:t>
             </a:r>
             <a:endParaRPr lang="pt-PT" sz="1400" dirty="0" smtClean="0">
               <a:solidFill>
@@ -9542,27 +9635,16 @@
                 </a:solidFill>
                 <a:latin typeface="Consolas" pitchFamily="49" charset="0"/>
               </a:rPr>
-              <a:t>is.close</a:t>
-            </a:r>
-            <a:r>
-              <a:rPr lang="en-US" sz="1400" dirty="0" smtClean="0">
-                <a:solidFill>
-                  <a:srgbClr val="333333"/>
-                </a:solidFill>
-                <a:latin typeface="Consolas" pitchFamily="49" charset="0"/>
-              </a:rPr>
-              <a:t>();</a:t>
-            </a:r>
-          </a:p>
-          <a:p>
-            <a:r>
-              <a:rPr lang="en-US" sz="1400" dirty="0" smtClean="0">
-                <a:solidFill>
-                  <a:srgbClr val="333333"/>
-                </a:solidFill>
-                <a:latin typeface="Consolas" pitchFamily="49" charset="0"/>
-              </a:rPr>
-              <a:t>    </a:t>
+              <a:t>JSONObject</a:t>
+            </a:r>
+            <a:r>
+              <a:rPr lang="en-US" sz="1400" dirty="0" smtClean="0">
+                <a:solidFill>
+                  <a:srgbClr val="333333"/>
+                </a:solidFill>
+                <a:latin typeface="Consolas" pitchFamily="49" charset="0"/>
+              </a:rPr>
+              <a:t> </a:t>
             </a:r>
             <a:r>
               <a:rPr lang="en-US" sz="1400" dirty="0" err="1" smtClean="0">
@@ -9571,6 +9653,60 @@
                 </a:solidFill>
                 <a:latin typeface="Consolas" pitchFamily="49" charset="0"/>
               </a:rPr>
+              <a:t>jObj</a:t>
+            </a:r>
+            <a:r>
+              <a:rPr lang="en-US" sz="1400" dirty="0" smtClean="0">
+                <a:solidFill>
+                  <a:srgbClr val="333333"/>
+                </a:solidFill>
+                <a:latin typeface="Consolas" pitchFamily="49" charset="0"/>
+              </a:rPr>
+              <a:t> = </a:t>
+            </a:r>
+            <a:r>
+              <a:rPr lang="en-US" sz="1400" dirty="0" smtClean="0">
+                <a:solidFill>
+                  <a:srgbClr val="0000FF"/>
+                </a:solidFill>
+                <a:latin typeface="Consolas" pitchFamily="49" charset="0"/>
+              </a:rPr>
+              <a:t>new</a:t>
+            </a:r>
+            <a:r>
+              <a:rPr lang="en-US" sz="1400" dirty="0" smtClean="0">
+                <a:solidFill>
+                  <a:srgbClr val="333333"/>
+                </a:solidFill>
+                <a:latin typeface="Consolas" pitchFamily="49" charset="0"/>
+              </a:rPr>
+              <a:t> </a:t>
+            </a:r>
+            <a:r>
+              <a:rPr lang="en-US" sz="1400" dirty="0" err="1" smtClean="0">
+                <a:solidFill>
+                  <a:srgbClr val="333333"/>
+                </a:solidFill>
+                <a:latin typeface="Consolas" pitchFamily="49" charset="0"/>
+              </a:rPr>
+              <a:t>JSONObject</a:t>
+            </a:r>
+            <a:r>
+              <a:rPr lang="en-US" sz="1400" dirty="0" smtClean="0">
+                <a:solidFill>
+                  <a:srgbClr val="333333"/>
+                </a:solidFill>
+                <a:latin typeface="Consolas" pitchFamily="49" charset="0"/>
+              </a:rPr>
+              <a:t>(</a:t>
+            </a:r>
+            <a:r>
+              <a:rPr lang="en-US" sz="1400" dirty="0" err="1" smtClean="0">
+                <a:solidFill>
+                  <a:srgbClr val="333333"/>
+                </a:solidFill>
+                <a:latin typeface="Consolas" pitchFamily="49" charset="0"/>
+              </a:rPr>
               <a:t>json</a:t>
             </a:r>
             <a:r>
@@ -9580,7 +9716,36 @@
                 </a:solidFill>
                 <a:latin typeface="Consolas" pitchFamily="49" charset="0"/>
               </a:rPr>
-              <a:t> = </a:t>
+              <a:t>);</a:t>
+            </a:r>
+          </a:p>
+          <a:p>
+            <a:r>
+              <a:rPr lang="en-US" sz="1400" dirty="0" smtClean="0">
+                <a:solidFill>
+                  <a:srgbClr val="333333"/>
+                </a:solidFill>
+                <a:latin typeface="Consolas" pitchFamily="49" charset="0"/>
+              </a:rPr>
+              <a:t>  } </a:t>
+            </a:r>
+            <a:r>
+              <a:rPr lang="en-US" sz="1400" dirty="0" smtClean="0">
+                <a:solidFill>
+                  <a:srgbClr val="0000FF"/>
+                </a:solidFill>
+                <a:latin typeface="Consolas" pitchFamily="49" charset="0"/>
+              </a:rPr>
+              <a:t>catch</a:t>
+            </a:r>
+            <a:r>
+              <a:rPr lang="en-US" sz="1400" dirty="0" smtClean="0">
+                <a:solidFill>
+                  <a:srgbClr val="333333"/>
+                </a:solidFill>
+                <a:latin typeface="Consolas" pitchFamily="49" charset="0"/>
+              </a:rPr>
+              <a:t> (</a:t>
             </a:r>
             <a:r>
               <a:rPr lang="en-US" sz="1400" dirty="0" err="1" smtClean="0">
@@ -9589,51 +9754,16 @@
                 </a:solidFill>
                 <a:latin typeface="Consolas" pitchFamily="49" charset="0"/>
               </a:rPr>
-              <a:t>sb.toString</a:t>
-            </a:r>
-            <a:r>
-              <a:rPr lang="en-US" sz="1400" dirty="0" smtClean="0">
-                <a:solidFill>
-                  <a:srgbClr val="333333"/>
-                </a:solidFill>
-                <a:latin typeface="Consolas" pitchFamily="49" charset="0"/>
-              </a:rPr>
-              <a:t>();</a:t>
-            </a:r>
-            <a:endParaRPr lang="en-US" sz="1400" dirty="0" smtClean="0">
-              <a:solidFill>
-                <a:srgbClr val="333333"/>
-              </a:solidFill>
-              <a:latin typeface="Consolas" pitchFamily="49" charset="0"/>
-            </a:endParaRPr>
-          </a:p>
-          <a:p>
-            <a:r>
-              <a:rPr lang="en-US" sz="1400" dirty="0" smtClean="0">
-                <a:solidFill>
-                  <a:srgbClr val="333333"/>
-                </a:solidFill>
-                <a:latin typeface="Consolas" pitchFamily="49" charset="0"/>
-              </a:rPr>
-              <a:t>  } </a:t>
-            </a:r>
-            <a:r>
-              <a:rPr lang="en-US" sz="1400" dirty="0" smtClean="0">
-                <a:solidFill>
-                  <a:srgbClr val="0000FF"/>
-                </a:solidFill>
-                <a:latin typeface="Consolas" pitchFamily="49" charset="0"/>
-              </a:rPr>
-              <a:t>catch</a:t>
-            </a:r>
-            <a:r>
-              <a:rPr lang="en-US" sz="1400" dirty="0" smtClean="0">
-                <a:solidFill>
-                  <a:srgbClr val="333333"/>
-                </a:solidFill>
-                <a:latin typeface="Consolas" pitchFamily="49" charset="0"/>
-              </a:rPr>
-              <a:t> (Exception e) {</a:t>
+              <a:t>JSONException</a:t>
+            </a:r>
+            <a:r>
+              <a:rPr lang="en-US" sz="1400" dirty="0" smtClean="0">
+                <a:solidFill>
+                  <a:srgbClr val="333333"/>
+                </a:solidFill>
+                <a:latin typeface="Consolas" pitchFamily="49" charset="0"/>
+              </a:rPr>
+              <a:t> e) {</a:t>
             </a:r>
             <a:r>
               <a:rPr lang="en-US" sz="1400" dirty="0" smtClean="0">
@@ -9642,7 +9772,7 @@
                 </a:solidFill>
                 <a:latin typeface="Consolas" pitchFamily="49" charset="0"/>
               </a:rPr>
-              <a:t>/* </a:t>
+              <a:t>/* JSON </a:t>
             </a:r>
             <a:r>
               <a:rPr lang="en-US" sz="1400" dirty="0" err="1" smtClean="0">
@@ -9651,7 +9781,7 @@
                 </a:solidFill>
                 <a:latin typeface="Consolas" pitchFamily="49" charset="0"/>
               </a:rPr>
-              <a:t>Erro</a:t>
+              <a:t>Inválido</a:t>
             </a:r>
             <a:r>
               <a:rPr lang="en-US" sz="1400" dirty="0" smtClean="0">
@@ -9660,55 +9790,19 @@
                 </a:solidFill>
                 <a:latin typeface="Consolas" pitchFamily="49" charset="0"/>
               </a:rPr>
-              <a:t> </a:t>
-            </a:r>
-            <a:r>
-              <a:rPr lang="en-US" sz="1400" dirty="0" err="1" smtClean="0">
+              <a:t>! </a:t>
+            </a:r>
+            <a:r>
+              <a:rPr lang="pt-PT" sz="1400" dirty="0" smtClean="0">
                 <a:solidFill>
                   <a:srgbClr val="008000"/>
                 </a:solidFill>
                 <a:latin typeface="Consolas" pitchFamily="49" charset="0"/>
               </a:rPr>
-              <a:t>ao</a:t>
-            </a:r>
-            <a:r>
-              <a:rPr lang="en-US" sz="1400" dirty="0" smtClean="0">
-                <a:solidFill>
-                  <a:srgbClr val="008000"/>
-                </a:solidFill>
-                <a:latin typeface="Consolas" pitchFamily="49" charset="0"/>
-              </a:rPr>
-              <a:t> </a:t>
-            </a:r>
-            <a:r>
-              <a:rPr lang="en-US" sz="1400" dirty="0" err="1" smtClean="0">
-                <a:solidFill>
-                  <a:srgbClr val="008000"/>
-                </a:solidFill>
-                <a:latin typeface="Consolas" pitchFamily="49" charset="0"/>
-              </a:rPr>
-              <a:t>guardar</a:t>
-            </a:r>
-            <a:r>
-              <a:rPr lang="en-US" sz="1400" dirty="0" smtClean="0">
-                <a:solidFill>
-                  <a:srgbClr val="008000"/>
-                </a:solidFill>
-                <a:latin typeface="Consolas" pitchFamily="49" charset="0"/>
-              </a:rPr>
-              <a:t> dados! </a:t>
-            </a:r>
-            <a:r>
-              <a:rPr lang="en-US" sz="1400" dirty="0" smtClean="0">
-                <a:solidFill>
-                  <a:srgbClr val="008000"/>
-                </a:solidFill>
-                <a:latin typeface="Consolas" pitchFamily="49" charset="0"/>
-              </a:rPr>
               <a:t>*/</a:t>
             </a:r>
             <a:r>
-              <a:rPr lang="en-US" sz="1400" dirty="0" smtClean="0">
+              <a:rPr lang="pt-PT" sz="1400" dirty="0" smtClean="0">
                 <a:solidFill>
                   <a:srgbClr val="333333"/>
                 </a:solidFill>
@@ -9716,278 +9810,6 @@
               </a:rPr>
               <a:t>}</a:t>
             </a:r>
-          </a:p>
-          <a:p>
-            <a:r>
-              <a:rPr lang="en-US" sz="1400" dirty="0" smtClean="0">
-                <a:solidFill>
-                  <a:srgbClr val="333333"/>
-                </a:solidFill>
-                <a:latin typeface="Consolas" pitchFamily="49" charset="0"/>
-              </a:rPr>
-              <a:t>  </a:t>
-            </a:r>
-            <a:r>
-              <a:rPr lang="en-US" sz="1400" dirty="0" smtClean="0">
-                <a:solidFill>
-                  <a:srgbClr val="0000FF"/>
-                </a:solidFill>
-                <a:latin typeface="Consolas" pitchFamily="49" charset="0"/>
-              </a:rPr>
-              <a:t>try</a:t>
-            </a:r>
-            <a:r>
-              <a:rPr lang="en-US" sz="1400" dirty="0" smtClean="0">
-                <a:solidFill>
-                  <a:srgbClr val="333333"/>
-                </a:solidFill>
-                <a:latin typeface="Consolas" pitchFamily="49" charset="0"/>
-              </a:rPr>
-              <a:t> {</a:t>
-            </a:r>
-          </a:p>
-          <a:p>
-            <a:r>
-              <a:rPr lang="en-US" sz="1400" dirty="0" smtClean="0">
-                <a:solidFill>
-                  <a:srgbClr val="333333"/>
-                </a:solidFill>
-                <a:latin typeface="Consolas" pitchFamily="49" charset="0"/>
-              </a:rPr>
-              <a:t>    </a:t>
-            </a:r>
-            <a:r>
-              <a:rPr lang="pt-PT" sz="1400" dirty="0" smtClean="0">
-                <a:solidFill>
-                  <a:srgbClr val="008000"/>
-                </a:solidFill>
-                <a:latin typeface="Consolas" pitchFamily="49" charset="0"/>
-              </a:rPr>
-              <a:t>// Parse da </a:t>
-            </a:r>
-            <a:r>
-              <a:rPr lang="pt-PT" sz="1400" dirty="0" err="1" smtClean="0">
-                <a:solidFill>
-                  <a:srgbClr val="008000"/>
-                </a:solidFill>
-                <a:latin typeface="Consolas" pitchFamily="49" charset="0"/>
-              </a:rPr>
-              <a:t>string</a:t>
-            </a:r>
-            <a:r>
-              <a:rPr lang="pt-PT" sz="1400" dirty="0" smtClean="0">
-                <a:solidFill>
-                  <a:srgbClr val="008000"/>
-                </a:solidFill>
-                <a:latin typeface="Consolas" pitchFamily="49" charset="0"/>
-              </a:rPr>
-              <a:t> para um objeto</a:t>
-            </a:r>
-            <a:endParaRPr lang="pt-PT" sz="1400" dirty="0" smtClean="0">
-              <a:solidFill>
-                <a:srgbClr val="333333"/>
-              </a:solidFill>
-              <a:latin typeface="Consolas" pitchFamily="49" charset="0"/>
-            </a:endParaRPr>
-          </a:p>
-          <a:p>
-            <a:r>
-              <a:rPr lang="pt-PT" sz="1400" dirty="0" smtClean="0">
-                <a:solidFill>
-                  <a:srgbClr val="333333"/>
-                </a:solidFill>
-                <a:latin typeface="Consolas" pitchFamily="49" charset="0"/>
-              </a:rPr>
-              <a:t>    </a:t>
-            </a:r>
-            <a:r>
-              <a:rPr lang="en-US" sz="1400" dirty="0" err="1" smtClean="0">
-                <a:solidFill>
-                  <a:srgbClr val="333333"/>
-                </a:solidFill>
-                <a:latin typeface="Consolas" pitchFamily="49" charset="0"/>
-              </a:rPr>
-              <a:t>JSONObject</a:t>
-            </a:r>
-            <a:r>
-              <a:rPr lang="en-US" sz="1400" dirty="0" smtClean="0">
-                <a:solidFill>
-                  <a:srgbClr val="333333"/>
-                </a:solidFill>
-                <a:latin typeface="Consolas" pitchFamily="49" charset="0"/>
-              </a:rPr>
-              <a:t> </a:t>
-            </a:r>
-            <a:r>
-              <a:rPr lang="en-US" sz="1400" dirty="0" err="1" smtClean="0">
-                <a:solidFill>
-                  <a:srgbClr val="333333"/>
-                </a:solidFill>
-                <a:latin typeface="Consolas" pitchFamily="49" charset="0"/>
-              </a:rPr>
-              <a:t>jObj</a:t>
-            </a:r>
-            <a:r>
-              <a:rPr lang="en-US" sz="1400" dirty="0" smtClean="0">
-                <a:solidFill>
-                  <a:srgbClr val="333333"/>
-                </a:solidFill>
-                <a:latin typeface="Consolas" pitchFamily="49" charset="0"/>
-              </a:rPr>
-              <a:t> = </a:t>
-            </a:r>
-            <a:r>
-              <a:rPr lang="en-US" sz="1400" dirty="0" smtClean="0">
-                <a:solidFill>
-                  <a:srgbClr val="0000FF"/>
-                </a:solidFill>
-                <a:latin typeface="Consolas" pitchFamily="49" charset="0"/>
-              </a:rPr>
-              <a:t>new</a:t>
-            </a:r>
-            <a:r>
-              <a:rPr lang="en-US" sz="1400" dirty="0" smtClean="0">
-                <a:solidFill>
-                  <a:srgbClr val="333333"/>
-                </a:solidFill>
-                <a:latin typeface="Consolas" pitchFamily="49" charset="0"/>
-              </a:rPr>
-              <a:t> </a:t>
-            </a:r>
-            <a:r>
-              <a:rPr lang="en-US" sz="1400" dirty="0" err="1" smtClean="0">
-                <a:solidFill>
-                  <a:srgbClr val="333333"/>
-                </a:solidFill>
-                <a:latin typeface="Consolas" pitchFamily="49" charset="0"/>
-              </a:rPr>
-              <a:t>JSONObject</a:t>
-            </a:r>
-            <a:r>
-              <a:rPr lang="en-US" sz="1400" dirty="0" smtClean="0">
-                <a:solidFill>
-                  <a:srgbClr val="333333"/>
-                </a:solidFill>
-                <a:latin typeface="Consolas" pitchFamily="49" charset="0"/>
-              </a:rPr>
-              <a:t>(</a:t>
-            </a:r>
-            <a:r>
-              <a:rPr lang="en-US" sz="1400" dirty="0" err="1" smtClean="0">
-                <a:solidFill>
-                  <a:srgbClr val="333333"/>
-                </a:solidFill>
-                <a:latin typeface="Consolas" pitchFamily="49" charset="0"/>
-              </a:rPr>
-              <a:t>json</a:t>
-            </a:r>
-            <a:r>
-              <a:rPr lang="en-US" sz="1400" dirty="0" smtClean="0">
-                <a:solidFill>
-                  <a:srgbClr val="333333"/>
-                </a:solidFill>
-                <a:latin typeface="Consolas" pitchFamily="49" charset="0"/>
-              </a:rPr>
-              <a:t>);</a:t>
-            </a:r>
-          </a:p>
-          <a:p>
-            <a:r>
-              <a:rPr lang="en-US" sz="1400" dirty="0" smtClean="0">
-                <a:solidFill>
-                  <a:srgbClr val="333333"/>
-                </a:solidFill>
-                <a:latin typeface="Consolas" pitchFamily="49" charset="0"/>
-              </a:rPr>
-              <a:t>  } </a:t>
-            </a:r>
-            <a:r>
-              <a:rPr lang="en-US" sz="1400" dirty="0" smtClean="0">
-                <a:solidFill>
-                  <a:srgbClr val="0000FF"/>
-                </a:solidFill>
-                <a:latin typeface="Consolas" pitchFamily="49" charset="0"/>
-              </a:rPr>
-              <a:t>catch</a:t>
-            </a:r>
-            <a:r>
-              <a:rPr lang="en-US" sz="1400" dirty="0" smtClean="0">
-                <a:solidFill>
-                  <a:srgbClr val="333333"/>
-                </a:solidFill>
-                <a:latin typeface="Consolas" pitchFamily="49" charset="0"/>
-              </a:rPr>
-              <a:t> (</a:t>
-            </a:r>
-            <a:r>
-              <a:rPr lang="en-US" sz="1400" dirty="0" err="1" smtClean="0">
-                <a:solidFill>
-                  <a:srgbClr val="333333"/>
-                </a:solidFill>
-                <a:latin typeface="Consolas" pitchFamily="49" charset="0"/>
-              </a:rPr>
-              <a:t>JSONException</a:t>
-            </a:r>
-            <a:r>
-              <a:rPr lang="en-US" sz="1400" dirty="0" smtClean="0">
-                <a:solidFill>
-                  <a:srgbClr val="333333"/>
-                </a:solidFill>
-                <a:latin typeface="Consolas" pitchFamily="49" charset="0"/>
-              </a:rPr>
-              <a:t> e) {</a:t>
-            </a:r>
-            <a:r>
-              <a:rPr lang="en-US" sz="1400" dirty="0" smtClean="0">
-                <a:solidFill>
-                  <a:srgbClr val="008000"/>
-                </a:solidFill>
-                <a:latin typeface="Consolas" pitchFamily="49" charset="0"/>
-              </a:rPr>
-              <a:t>/* JSON </a:t>
-            </a:r>
-            <a:r>
-              <a:rPr lang="en-US" sz="1400" dirty="0" err="1" smtClean="0">
-                <a:solidFill>
-                  <a:srgbClr val="008000"/>
-                </a:solidFill>
-                <a:latin typeface="Consolas" pitchFamily="49" charset="0"/>
-              </a:rPr>
-              <a:t>Inválido</a:t>
-            </a:r>
-            <a:r>
-              <a:rPr lang="en-US" sz="1400" dirty="0" smtClean="0">
-                <a:solidFill>
-                  <a:srgbClr val="008000"/>
-                </a:solidFill>
-                <a:latin typeface="Consolas" pitchFamily="49" charset="0"/>
-              </a:rPr>
-              <a:t>! </a:t>
-            </a:r>
-            <a:r>
-              <a:rPr lang="pt-PT" sz="1400" dirty="0" smtClean="0">
-                <a:solidFill>
-                  <a:srgbClr val="008000"/>
-                </a:solidFill>
-                <a:latin typeface="Consolas" pitchFamily="49" charset="0"/>
-              </a:rPr>
-              <a:t>*/</a:t>
-            </a:r>
-            <a:r>
-              <a:rPr lang="pt-PT" sz="1400" dirty="0" smtClean="0">
-                <a:solidFill>
-                  <a:srgbClr val="333333"/>
-                </a:solidFill>
-                <a:latin typeface="Consolas" pitchFamily="49" charset="0"/>
-              </a:rPr>
-              <a:t>}</a:t>
-            </a:r>
-            <a:endParaRPr lang="pt-PT" sz="1400" dirty="0" smtClean="0">
-              <a:solidFill>
-                <a:srgbClr val="333333"/>
-              </a:solidFill>
-              <a:latin typeface="Consolas" pitchFamily="49" charset="0"/>
-            </a:endParaRPr>
           </a:p>
           <a:p>
             <a:r>
@@ -10484,16 +10306,7 @@
                 </a:solidFill>
                 <a:latin typeface="Consolas" pitchFamily="49" charset="0"/>
               </a:rPr>
-              <a:t>) </a:t>
-            </a:r>
-            <a:r>
-              <a:rPr lang="en-US" sz="1400" dirty="0" smtClean="0">
-                <a:solidFill>
-                  <a:srgbClr val="333333"/>
-                </a:solidFill>
-                <a:latin typeface="Consolas" pitchFamily="49" charset="0"/>
-              </a:rPr>
-              <a:t>{</a:t>
+              <a:t>) {</a:t>
             </a:r>
           </a:p>
           <a:p>
@@ -10866,25 +10679,7 @@
                 </a:solidFill>
                 <a:latin typeface="Consolas" pitchFamily="49" charset="0"/>
               </a:rPr>
-              <a:t>// </a:t>
-            </a:r>
-            <a:r>
-              <a:rPr lang="pt-PT" sz="1400" dirty="0" smtClean="0">
-                <a:solidFill>
-                  <a:srgbClr val="008000"/>
-                </a:solidFill>
-                <a:latin typeface="Consolas" pitchFamily="49" charset="0"/>
-              </a:rPr>
-              <a:t>Colocação </a:t>
-            </a:r>
-            <a:r>
-              <a:rPr lang="pt-PT" sz="1400" dirty="0" smtClean="0">
-                <a:solidFill>
-                  <a:srgbClr val="008000"/>
-                </a:solidFill>
-                <a:latin typeface="Consolas" pitchFamily="49" charset="0"/>
-              </a:rPr>
-              <a:t>dos dados na </a:t>
+              <a:t>// Colocação dos dados na </a:t>
             </a:r>
             <a:r>
               <a:rPr lang="pt-PT" sz="1400" dirty="0" err="1" smtClean="0">
@@ -10939,25 +10734,52 @@
                 </a:solidFill>
                 <a:latin typeface="Consolas" pitchFamily="49" charset="0"/>
               </a:rPr>
+              <a:t>      </a:t>
+            </a:r>
+            <a:r>
+              <a:rPr lang="pt-PT" sz="1400" dirty="0" err="1" smtClean="0">
+                <a:solidFill>
+                  <a:srgbClr val="0000FF"/>
+                </a:solidFill>
+                <a:latin typeface="Consolas" pitchFamily="49" charset="0"/>
+              </a:rPr>
+              <a:t>new</a:t>
+            </a:r>
+            <a:r>
+              <a:rPr lang="pt-PT" sz="1400" dirty="0" smtClean="0">
+                <a:solidFill>
+                  <a:srgbClr val="333333"/>
+                </a:solidFill>
+                <a:latin typeface="Consolas" pitchFamily="49" charset="0"/>
+              </a:rPr>
               <a:t> </a:t>
             </a:r>
             <a:r>
+              <a:rPr lang="pt-PT" sz="1400" dirty="0" err="1" smtClean="0">
+                <a:solidFill>
+                  <a:srgbClr val="333333"/>
+                </a:solidFill>
+                <a:latin typeface="Consolas" pitchFamily="49" charset="0"/>
+              </a:rPr>
+              <a:t>StringEntity</a:t>
+            </a:r>
+            <a:r>
               <a:rPr lang="pt-PT" sz="1400" dirty="0" smtClean="0">
                 <a:solidFill>
                   <a:srgbClr val="333333"/>
                 </a:solidFill>
                 <a:latin typeface="Consolas" pitchFamily="49" charset="0"/>
               </a:rPr>
-              <a:t>     </a:t>
+              <a:t>(</a:t>
             </a:r>
             <a:r>
               <a:rPr lang="pt-PT" sz="1400" dirty="0" err="1" smtClean="0">
                 <a:solidFill>
-                  <a:srgbClr val="0000FF"/>
-                </a:solidFill>
-                <a:latin typeface="Consolas" pitchFamily="49" charset="0"/>
-              </a:rPr>
-              <a:t>new</a:t>
+                  <a:srgbClr val="333333"/>
+                </a:solidFill>
+                <a:latin typeface="Consolas" pitchFamily="49" charset="0"/>
+              </a:rPr>
+              <a:t>jsonObj.toString</a:t>
             </a:r>
             <a:r>
               <a:rPr lang="pt-PT" sz="1400" dirty="0" smtClean="0">
@@ -10966,17 +10788,10 @@
                 </a:solidFill>
                 <a:latin typeface="Consolas" pitchFamily="49" charset="0"/>
               </a:rPr>
-              <a:t> </a:t>
-            </a:r>
-            <a:r>
-              <a:rPr lang="pt-PT" sz="1400" dirty="0" err="1" smtClean="0">
-                <a:solidFill>
-                  <a:srgbClr val="333333"/>
-                </a:solidFill>
-                <a:latin typeface="Consolas" pitchFamily="49" charset="0"/>
-              </a:rPr>
-              <a:t>StringEntity</a:t>
-            </a:r>
+              <a:t>()</a:t>
+            </a:r>
+          </a:p>
+          <a:p>
             <a:r>
               <a:rPr lang="pt-PT" sz="1400" dirty="0" smtClean="0">
                 <a:solidFill>
@@ -10984,45 +10799,7 @@
                 </a:solidFill>
                 <a:latin typeface="Consolas" pitchFamily="49" charset="0"/>
               </a:rPr>
-              <a:t>(</a:t>
-            </a:r>
-            <a:r>
-              <a:rPr lang="pt-PT" sz="1400" dirty="0" err="1" smtClean="0">
-                <a:solidFill>
-                  <a:srgbClr val="333333"/>
-                </a:solidFill>
-                <a:latin typeface="Consolas" pitchFamily="49" charset="0"/>
-              </a:rPr>
-              <a:t>jsonObj.toString</a:t>
-            </a:r>
-            <a:r>
-              <a:rPr lang="pt-PT" sz="1400" dirty="0" smtClean="0">
-                <a:solidFill>
-                  <a:srgbClr val="333333"/>
-                </a:solidFill>
-                <a:latin typeface="Consolas" pitchFamily="49" charset="0"/>
-              </a:rPr>
-              <a:t>()</a:t>
-            </a:r>
-          </a:p>
-          <a:p>
-            <a:r>
-              <a:rPr lang="pt-PT" sz="1400" dirty="0" smtClean="0">
-                <a:solidFill>
-                  <a:srgbClr val="333333"/>
-                </a:solidFill>
-                <a:latin typeface="Consolas" pitchFamily="49" charset="0"/>
-              </a:rPr>
-              <a:t> </a:t>
-            </a:r>
-            <a:r>
-              <a:rPr lang="pt-PT" sz="1400" dirty="0" smtClean="0">
-                <a:solidFill>
-                  <a:srgbClr val="333333"/>
-                </a:solidFill>
-                <a:latin typeface="Consolas" pitchFamily="49" charset="0"/>
-              </a:rPr>
-              <a:t>   );</a:t>
+              <a:t>    );</a:t>
             </a:r>
           </a:p>
           <a:p>
@@ -11041,16 +10818,7 @@
                 </a:solidFill>
                 <a:latin typeface="Consolas" pitchFamily="49" charset="0"/>
               </a:rPr>
-              <a:t> </a:t>
-            </a:r>
-            <a:r>
-              <a:rPr lang="pt-PT" sz="1400" dirty="0" smtClean="0">
-                <a:solidFill>
-                  <a:srgbClr val="333333"/>
-                </a:solidFill>
-                <a:latin typeface="Consolas" pitchFamily="49" charset="0"/>
-              </a:rPr>
-              <a:t>   </a:t>
+              <a:t>    </a:t>
             </a:r>
             <a:r>
               <a:rPr lang="pt-PT" sz="1400" dirty="0" smtClean="0">
@@ -11151,16 +10919,7 @@
                 </a:solidFill>
                 <a:latin typeface="Consolas" pitchFamily="49" charset="0"/>
               </a:rPr>
-              <a:t> </a:t>
-            </a:r>
-            <a:r>
-              <a:rPr lang="pt-PT" sz="1400" dirty="0" smtClean="0">
-                <a:solidFill>
-                  <a:srgbClr val="333333"/>
-                </a:solidFill>
-                <a:latin typeface="Consolas" pitchFamily="49" charset="0"/>
-              </a:rPr>
-              <a:t>   </a:t>
+              <a:t>    </a:t>
             </a:r>
             <a:r>
               <a:rPr lang="pt-PT" sz="1400" dirty="0" smtClean="0">
@@ -11203,16 +10962,7 @@
                 </a:solidFill>
                 <a:latin typeface="Consolas" pitchFamily="49" charset="0"/>
               </a:rPr>
-              <a:t>// </a:t>
-            </a:r>
-            <a:r>
-              <a:rPr lang="pt-PT" sz="1400" dirty="0" smtClean="0">
-                <a:solidFill>
-                  <a:srgbClr val="008000"/>
-                </a:solidFill>
-                <a:latin typeface="Consolas" pitchFamily="49" charset="0"/>
-              </a:rPr>
-              <a:t>Envio da </a:t>
+              <a:t>// Envio da </a:t>
             </a:r>
             <a:r>
               <a:rPr lang="pt-PT" sz="1400" dirty="0" err="1" smtClean="0">
@@ -11449,16 +11199,7 @@
                 </a:solidFill>
                 <a:latin typeface="Consolas" pitchFamily="49" charset="0"/>
               </a:rPr>
-              <a:t>, algo correu mal </a:t>
-            </a:r>
-            <a:r>
-              <a:rPr lang="pt-PT" sz="1400" dirty="0" smtClean="0">
-                <a:solidFill>
-                  <a:srgbClr val="008000"/>
-                </a:solidFill>
-                <a:latin typeface="Consolas" pitchFamily="49" charset="0"/>
-              </a:rPr>
-              <a:t>no POST!</a:t>
+              <a:t>, algo correu mal no POST!</a:t>
             </a:r>
             <a:endParaRPr lang="pt-PT" sz="1400" dirty="0" smtClean="0">
               <a:solidFill>
@@ -11815,16 +11556,7 @@
                 </a:solidFill>
                 <a:latin typeface="Consolas" pitchFamily="49" charset="0"/>
               </a:rPr>
-              <a:t>"tests</a:t>
-            </a:r>
-            <a:r>
-              <a:rPr lang="en-US" sz="1400" dirty="0" smtClean="0">
-                <a:solidFill>
-                  <a:srgbClr val="A31515"/>
-                </a:solidFill>
-                <a:latin typeface="Consolas" pitchFamily="49" charset="0"/>
-              </a:rPr>
-              <a:t>"</a:t>
+              <a:t>"tests"</a:t>
             </a:r>
             <a:r>
               <a:rPr lang="en-US" sz="1400" dirty="0" smtClean="0">
@@ -11835,6 +11567,137 @@
               </a:rPr>
               <a:t>);</a:t>
             </a:r>
+          </a:p>
+          <a:p>
+            <a:r>
+              <a:rPr lang="pt-PT" sz="1400" dirty="0" smtClean="0">
+                <a:solidFill>
+                  <a:srgbClr val="008000"/>
+                </a:solidFill>
+                <a:latin typeface="Consolas" pitchFamily="49" charset="0"/>
+              </a:rPr>
+              <a:t>// Iterar para cada item do </a:t>
+            </a:r>
+            <a:r>
+              <a:rPr lang="pt-PT" sz="1400" dirty="0" err="1" smtClean="0">
+                <a:solidFill>
+                  <a:srgbClr val="008000"/>
+                </a:solidFill>
+                <a:latin typeface="Consolas" pitchFamily="49" charset="0"/>
+              </a:rPr>
+              <a:t>array</a:t>
+            </a:r>
+            <a:endParaRPr lang="pt-PT" sz="1400" dirty="0" smtClean="0">
+              <a:solidFill>
+                <a:srgbClr val="333333"/>
+              </a:solidFill>
+              <a:latin typeface="Consolas" pitchFamily="49" charset="0"/>
+            </a:endParaRPr>
+          </a:p>
+          <a:p>
+            <a:r>
+              <a:rPr lang="nn-NO" sz="1400" dirty="0" smtClean="0">
+                <a:solidFill>
+                  <a:srgbClr val="0000FF"/>
+                </a:solidFill>
+                <a:latin typeface="Consolas" pitchFamily="49" charset="0"/>
+              </a:rPr>
+              <a:t>for</a:t>
+            </a:r>
+            <a:r>
+              <a:rPr lang="nn-NO" sz="1400" dirty="0" smtClean="0">
+                <a:solidFill>
+                  <a:srgbClr val="333333"/>
+                </a:solidFill>
+                <a:latin typeface="Consolas" pitchFamily="49" charset="0"/>
+              </a:rPr>
+              <a:t> (</a:t>
+            </a:r>
+            <a:r>
+              <a:rPr lang="nn-NO" sz="1400" dirty="0" smtClean="0">
+                <a:solidFill>
+                  <a:srgbClr val="2B91AF"/>
+                </a:solidFill>
+                <a:latin typeface="Consolas" pitchFamily="49" charset="0"/>
+              </a:rPr>
+              <a:t>int</a:t>
+            </a:r>
+            <a:r>
+              <a:rPr lang="nn-NO" sz="1400" dirty="0" smtClean="0">
+                <a:solidFill>
+                  <a:srgbClr val="333333"/>
+                </a:solidFill>
+                <a:latin typeface="Consolas" pitchFamily="49" charset="0"/>
+              </a:rPr>
+              <a:t> i = 0; i &lt; tests.length(); i++) {</a:t>
+            </a:r>
+          </a:p>
+          <a:p>
+            <a:r>
+              <a:rPr lang="en-US" sz="1400" dirty="0" smtClean="0">
+                <a:solidFill>
+                  <a:srgbClr val="333333"/>
+                </a:solidFill>
+                <a:latin typeface="Consolas" pitchFamily="49" charset="0"/>
+              </a:rPr>
+              <a:t>  </a:t>
+            </a:r>
+            <a:r>
+              <a:rPr lang="en-US" sz="1400" dirty="0" err="1" smtClean="0">
+                <a:solidFill>
+                  <a:srgbClr val="333333"/>
+                </a:solidFill>
+                <a:latin typeface="Consolas" pitchFamily="49" charset="0"/>
+              </a:rPr>
+              <a:t>JSONObject</a:t>
+            </a:r>
+            <a:r>
+              <a:rPr lang="en-US" sz="1400" dirty="0" smtClean="0">
+                <a:solidFill>
+                  <a:srgbClr val="333333"/>
+                </a:solidFill>
+                <a:latin typeface="Consolas" pitchFamily="49" charset="0"/>
+              </a:rPr>
+              <a:t> c = </a:t>
+            </a:r>
+            <a:r>
+              <a:rPr lang="en-US" sz="1400" dirty="0" err="1" smtClean="0">
+                <a:solidFill>
+                  <a:srgbClr val="333333"/>
+                </a:solidFill>
+                <a:latin typeface="Consolas" pitchFamily="49" charset="0"/>
+              </a:rPr>
+              <a:t>tests.getJSONObject</a:t>
+            </a:r>
+            <a:r>
+              <a:rPr lang="en-US" sz="1400" dirty="0" smtClean="0">
+                <a:solidFill>
+                  <a:srgbClr val="333333"/>
+                </a:solidFill>
+                <a:latin typeface="Consolas" pitchFamily="49" charset="0"/>
+              </a:rPr>
+              <a:t>(</a:t>
+            </a:r>
+            <a:r>
+              <a:rPr lang="en-US" sz="1400" dirty="0" err="1" smtClean="0">
+                <a:solidFill>
+                  <a:srgbClr val="333333"/>
+                </a:solidFill>
+                <a:latin typeface="Consolas" pitchFamily="49" charset="0"/>
+              </a:rPr>
+              <a:t>i</a:t>
+            </a:r>
+            <a:r>
+              <a:rPr lang="en-US" sz="1400" dirty="0" smtClean="0">
+                <a:solidFill>
+                  <a:srgbClr val="333333"/>
+                </a:solidFill>
+                <a:latin typeface="Consolas" pitchFamily="49" charset="0"/>
+              </a:rPr>
+              <a:t>);</a:t>
+            </a:r>
+          </a:p>
+          <a:p>
             <a:endParaRPr lang="en-US" sz="1400" dirty="0" smtClean="0">
               <a:solidFill>
                 <a:srgbClr val="333333"/>
@@ -11844,13 +11707,238 @@
           </a:p>
           <a:p>
             <a:r>
+              <a:rPr lang="en-US" sz="1400" dirty="0" smtClean="0">
+                <a:solidFill>
+                  <a:srgbClr val="333333"/>
+                </a:solidFill>
+                <a:latin typeface="Consolas" pitchFamily="49" charset="0"/>
+              </a:rPr>
+              <a:t>  </a:t>
+            </a:r>
+            <a:r>
+              <a:rPr lang="en-US" sz="1400" dirty="0" smtClean="0">
+                <a:solidFill>
+                  <a:srgbClr val="008000"/>
+                </a:solidFill>
+                <a:latin typeface="Consolas" pitchFamily="49" charset="0"/>
+              </a:rPr>
+              <a:t>// </a:t>
+            </a:r>
+            <a:r>
+              <a:rPr lang="en-US" sz="1400" dirty="0" err="1" smtClean="0">
+                <a:solidFill>
+                  <a:srgbClr val="008000"/>
+                </a:solidFill>
+                <a:latin typeface="Consolas" pitchFamily="49" charset="0"/>
+              </a:rPr>
+              <a:t>HashMap</a:t>
+            </a:r>
+            <a:r>
+              <a:rPr lang="en-US" sz="1400" dirty="0" smtClean="0">
+                <a:solidFill>
+                  <a:srgbClr val="008000"/>
+                </a:solidFill>
+                <a:latin typeface="Consolas" pitchFamily="49" charset="0"/>
+              </a:rPr>
+              <a:t> </a:t>
+            </a:r>
+            <a:r>
+              <a:rPr lang="en-US" sz="1400" dirty="0" err="1" smtClean="0">
+                <a:solidFill>
+                  <a:srgbClr val="008000"/>
+                </a:solidFill>
+                <a:latin typeface="Consolas" pitchFamily="49" charset="0"/>
+              </a:rPr>
+              <a:t>que</a:t>
+            </a:r>
+            <a:r>
+              <a:rPr lang="en-US" sz="1400" dirty="0" smtClean="0">
+                <a:solidFill>
+                  <a:srgbClr val="008000"/>
+                </a:solidFill>
+                <a:latin typeface="Consolas" pitchFamily="49" charset="0"/>
+              </a:rPr>
+              <a:t> </a:t>
+            </a:r>
+            <a:r>
+              <a:rPr lang="en-US" sz="1400" dirty="0" err="1" smtClean="0">
+                <a:solidFill>
+                  <a:srgbClr val="008000"/>
+                </a:solidFill>
+                <a:latin typeface="Consolas" pitchFamily="49" charset="0"/>
+              </a:rPr>
+              <a:t>vai</a:t>
+            </a:r>
+            <a:r>
+              <a:rPr lang="en-US" sz="1400" dirty="0" smtClean="0">
+                <a:solidFill>
+                  <a:srgbClr val="008000"/>
+                </a:solidFill>
+                <a:latin typeface="Consolas" pitchFamily="49" charset="0"/>
+              </a:rPr>
+              <a:t> </a:t>
+            </a:r>
+            <a:r>
+              <a:rPr lang="en-US" sz="1400" dirty="0" err="1" smtClean="0">
+                <a:solidFill>
+                  <a:srgbClr val="008000"/>
+                </a:solidFill>
+                <a:latin typeface="Consolas" pitchFamily="49" charset="0"/>
+              </a:rPr>
+              <a:t>guardar</a:t>
+            </a:r>
+            <a:r>
+              <a:rPr lang="en-US" sz="1400" dirty="0" smtClean="0">
+                <a:solidFill>
+                  <a:srgbClr val="008000"/>
+                </a:solidFill>
+                <a:latin typeface="Consolas" pitchFamily="49" charset="0"/>
+              </a:rPr>
+              <a:t> </a:t>
+            </a:r>
+            <a:r>
+              <a:rPr lang="en-US" sz="1400" dirty="0" err="1" smtClean="0">
+                <a:solidFill>
+                  <a:srgbClr val="008000"/>
+                </a:solidFill>
+                <a:latin typeface="Consolas" pitchFamily="49" charset="0"/>
+              </a:rPr>
+              <a:t>os</a:t>
+            </a:r>
+            <a:r>
+              <a:rPr lang="en-US" sz="1400" dirty="0" smtClean="0">
+                <a:solidFill>
+                  <a:srgbClr val="008000"/>
+                </a:solidFill>
+                <a:latin typeface="Consolas" pitchFamily="49" charset="0"/>
+              </a:rPr>
+              <a:t> dados </a:t>
+            </a:r>
+            <a:r>
+              <a:rPr lang="en-US" sz="1400" dirty="0" err="1" smtClean="0">
+                <a:solidFill>
+                  <a:srgbClr val="008000"/>
+                </a:solidFill>
+                <a:latin typeface="Consolas" pitchFamily="49" charset="0"/>
+              </a:rPr>
+              <a:t>para</a:t>
+            </a:r>
+            <a:r>
+              <a:rPr lang="en-US" sz="1400" dirty="0" smtClean="0">
+                <a:solidFill>
+                  <a:srgbClr val="008000"/>
+                </a:solidFill>
+                <a:latin typeface="Consolas" pitchFamily="49" charset="0"/>
+              </a:rPr>
+              <a:t> </a:t>
+            </a:r>
+            <a:r>
+              <a:rPr lang="en-US" sz="1400" dirty="0" err="1" smtClean="0">
+                <a:solidFill>
+                  <a:srgbClr val="008000"/>
+                </a:solidFill>
+                <a:latin typeface="Consolas" pitchFamily="49" charset="0"/>
+              </a:rPr>
+              <a:t>depois</a:t>
+            </a:r>
+            <a:endParaRPr lang="en-US" sz="1400" dirty="0" smtClean="0">
+              <a:solidFill>
+                <a:srgbClr val="333333"/>
+              </a:solidFill>
+              <a:latin typeface="Consolas" pitchFamily="49" charset="0"/>
+            </a:endParaRPr>
+          </a:p>
+          <a:p>
+            <a:r>
+              <a:rPr lang="en-US" sz="1400" dirty="0" smtClean="0">
+                <a:solidFill>
+                  <a:srgbClr val="333333"/>
+                </a:solidFill>
+                <a:latin typeface="Consolas" pitchFamily="49" charset="0"/>
+              </a:rPr>
+              <a:t>  </a:t>
+            </a:r>
+            <a:r>
+              <a:rPr lang="en-US" sz="1400" dirty="0" err="1" smtClean="0">
+                <a:solidFill>
+                  <a:srgbClr val="333333"/>
+                </a:solidFill>
+                <a:latin typeface="Consolas" pitchFamily="49" charset="0"/>
+              </a:rPr>
+              <a:t>HashMap</a:t>
+            </a:r>
+            <a:r>
+              <a:rPr lang="en-US" sz="1400" dirty="0" smtClean="0">
+                <a:solidFill>
+                  <a:srgbClr val="333333"/>
+                </a:solidFill>
+                <a:latin typeface="Consolas" pitchFamily="49" charset="0"/>
+              </a:rPr>
+              <a:t>&lt;String, String&gt; map = </a:t>
+            </a:r>
+            <a:r>
+              <a:rPr lang="en-US" sz="1400" dirty="0" smtClean="0">
+                <a:solidFill>
+                  <a:srgbClr val="0000FF"/>
+                </a:solidFill>
+                <a:latin typeface="Consolas" pitchFamily="49" charset="0"/>
+              </a:rPr>
+              <a:t>new</a:t>
+            </a:r>
+            <a:r>
+              <a:rPr lang="en-US" sz="1400" dirty="0" smtClean="0">
+                <a:solidFill>
+                  <a:srgbClr val="333333"/>
+                </a:solidFill>
+                <a:latin typeface="Consolas" pitchFamily="49" charset="0"/>
+              </a:rPr>
+              <a:t> </a:t>
+            </a:r>
+            <a:r>
+              <a:rPr lang="en-US" sz="1400" dirty="0" err="1" smtClean="0">
+                <a:solidFill>
+                  <a:srgbClr val="333333"/>
+                </a:solidFill>
+                <a:latin typeface="Consolas" pitchFamily="49" charset="0"/>
+              </a:rPr>
+              <a:t>HashMap</a:t>
+            </a:r>
+            <a:r>
+              <a:rPr lang="en-US" sz="1400" dirty="0" smtClean="0">
+                <a:solidFill>
+                  <a:srgbClr val="333333"/>
+                </a:solidFill>
+                <a:latin typeface="Consolas" pitchFamily="49" charset="0"/>
+              </a:rPr>
+              <a:t>&lt;String, String&gt;();</a:t>
+            </a:r>
+          </a:p>
+          <a:p>
+            <a:endParaRPr lang="en-US" sz="1400" dirty="0" smtClean="0">
+              <a:solidFill>
+                <a:srgbClr val="333333"/>
+              </a:solidFill>
+              <a:latin typeface="Consolas" pitchFamily="49" charset="0"/>
+            </a:endParaRPr>
+          </a:p>
+          <a:p>
+            <a:r>
+              <a:rPr lang="en-US" sz="1400" dirty="0" smtClean="0">
+                <a:solidFill>
+                  <a:srgbClr val="333333"/>
+                </a:solidFill>
+                <a:latin typeface="Consolas" pitchFamily="49" charset="0"/>
+              </a:rPr>
+              <a:t>  </a:t>
+            </a:r>
+            <a:r>
               <a:rPr lang="pt-PT" sz="1400" dirty="0" smtClean="0">
                 <a:solidFill>
                   <a:srgbClr val="008000"/>
                 </a:solidFill>
                 <a:latin typeface="Consolas" pitchFamily="49" charset="0"/>
               </a:rPr>
-              <a:t>// Iterar para cada item do </a:t>
+              <a:t>// Adicionar cada valor ao </a:t>
             </a:r>
             <a:r>
               <a:rPr lang="pt-PT" sz="1400" dirty="0" err="1" smtClean="0">
@@ -11859,7 +11947,16 @@
                 </a:solidFill>
                 <a:latin typeface="Consolas" pitchFamily="49" charset="0"/>
               </a:rPr>
-              <a:t>array</a:t>
+              <a:t>HashMap</a:t>
+            </a:r>
+            <a:r>
+              <a:rPr lang="pt-PT" sz="1400" dirty="0" smtClean="0">
+                <a:solidFill>
+                  <a:srgbClr val="008000"/>
+                </a:solidFill>
+                <a:latin typeface="Consolas" pitchFamily="49" charset="0"/>
+              </a:rPr>
+              <a:t> chave =&gt; valor</a:t>
             </a:r>
             <a:endParaRPr lang="pt-PT" sz="1400" dirty="0" smtClean="0">
               <a:solidFill>
@@ -11870,45 +11967,7 @@
           </a:p>
           <a:p>
             <a:r>
-              <a:rPr lang="nn-NO" sz="1400" dirty="0" smtClean="0">
-                <a:solidFill>
-                  <a:srgbClr val="0000FF"/>
-                </a:solidFill>
-                <a:latin typeface="Consolas" pitchFamily="49" charset="0"/>
-              </a:rPr>
-              <a:t>for</a:t>
-            </a:r>
-            <a:r>
-              <a:rPr lang="nn-NO" sz="1400" dirty="0" smtClean="0">
-                <a:solidFill>
-                  <a:srgbClr val="333333"/>
-                </a:solidFill>
-                <a:latin typeface="Consolas" pitchFamily="49" charset="0"/>
-              </a:rPr>
-              <a:t> (</a:t>
-            </a:r>
-            <a:r>
-              <a:rPr lang="nn-NO" sz="1400" dirty="0" smtClean="0">
-                <a:solidFill>
-                  <a:srgbClr val="2B91AF"/>
-                </a:solidFill>
-                <a:latin typeface="Consolas" pitchFamily="49" charset="0"/>
-              </a:rPr>
-              <a:t>int</a:t>
-            </a:r>
-            <a:r>
-              <a:rPr lang="nn-NO" sz="1400" dirty="0" smtClean="0">
-                <a:solidFill>
-                  <a:srgbClr val="333333"/>
-                </a:solidFill>
-                <a:latin typeface="Consolas" pitchFamily="49" charset="0"/>
-              </a:rPr>
-              <a:t> i = 0; i &lt; tests.length(); i++) {</a:t>
-            </a:r>
-          </a:p>
-          <a:p>
-            <a:r>
-              <a:rPr lang="en-US" sz="1400" dirty="0" smtClean="0">
+              <a:rPr lang="pt-PT" sz="1400" dirty="0" smtClean="0">
                 <a:solidFill>
                   <a:srgbClr val="333333"/>
                 </a:solidFill>
@@ -11923,16 +11982,34 @@
                 </a:solidFill>
                 <a:latin typeface="Consolas" pitchFamily="49" charset="0"/>
               </a:rPr>
-              <a:t>JSONObject</a:t>
-            </a:r>
-            <a:r>
-              <a:rPr lang="en-US" sz="1400" dirty="0" smtClean="0">
-                <a:solidFill>
-                  <a:srgbClr val="333333"/>
-                </a:solidFill>
-                <a:latin typeface="Consolas" pitchFamily="49" charset="0"/>
-              </a:rPr>
-              <a:t> c = </a:t>
+              <a:t>map.put</a:t>
+            </a:r>
+            <a:r>
+              <a:rPr lang="en-US" sz="1400" dirty="0" smtClean="0">
+                <a:solidFill>
+                  <a:srgbClr val="333333"/>
+                </a:solidFill>
+                <a:latin typeface="Consolas" pitchFamily="49" charset="0"/>
+              </a:rPr>
+              <a:t>(</a:t>
+            </a:r>
+            <a:r>
+              <a:rPr lang="en-US" sz="1400" dirty="0" smtClean="0">
+                <a:solidFill>
+                  <a:srgbClr val="A31515"/>
+                </a:solidFill>
+                <a:latin typeface="Consolas" pitchFamily="49" charset="0"/>
+              </a:rPr>
+              <a:t>"id"</a:t>
+            </a:r>
+            <a:r>
+              <a:rPr lang="en-US" sz="1400" dirty="0" smtClean="0">
+                <a:solidFill>
+                  <a:srgbClr val="333333"/>
+                </a:solidFill>
+                <a:latin typeface="Consolas" pitchFamily="49" charset="0"/>
+              </a:rPr>
+              <a:t>, </a:t>
             </a:r>
             <a:r>
               <a:rPr lang="en-US" sz="1400" dirty="0" err="1" smtClean="0">
@@ -11941,7 +12018,7 @@
                 </a:solidFill>
                 <a:latin typeface="Consolas" pitchFamily="49" charset="0"/>
               </a:rPr>
-              <a:t>tests.getJSONObject</a:t>
+              <a:t>c.getString</a:t>
             </a:r>
             <a:r>
               <a:rPr lang="en-US" sz="1400" dirty="0" smtClean="0">
@@ -11953,31 +12030,23 @@
               <a:t>(</a:t>
             </a:r>
             <a:r>
-              <a:rPr lang="en-US" sz="1400" dirty="0" err="1" smtClean="0">
-                <a:solidFill>
-                  <a:srgbClr val="333333"/>
-                </a:solidFill>
-                <a:latin typeface="Consolas" pitchFamily="49" charset="0"/>
-              </a:rPr>
-              <a:t>i</a:t>
-            </a:r>
-            <a:r>
-              <a:rPr lang="en-US" sz="1400" dirty="0" smtClean="0">
-                <a:solidFill>
-                  <a:srgbClr val="333333"/>
-                </a:solidFill>
-                <a:latin typeface="Consolas" pitchFamily="49" charset="0"/>
-              </a:rPr>
-              <a:t>);</a:t>
-            </a:r>
-          </a:p>
-          <a:p>
-            <a:endParaRPr lang="en-US" sz="1400" dirty="0" smtClean="0">
-              <a:solidFill>
-                <a:srgbClr val="333333"/>
-              </a:solidFill>
-              <a:latin typeface="Consolas" pitchFamily="49" charset="0"/>
-            </a:endParaRPr>
+              <a:rPr lang="en-US" sz="1400" dirty="0" smtClean="0">
+                <a:solidFill>
+                  <a:srgbClr val="A31515"/>
+                </a:solidFill>
+                <a:latin typeface="Consolas" pitchFamily="49" charset="0"/>
+              </a:rPr>
+              <a:t>"id"</a:t>
+            </a:r>
+            <a:r>
+              <a:rPr lang="en-US" sz="1400" dirty="0" smtClean="0">
+                <a:solidFill>
+                  <a:srgbClr val="333333"/>
+                </a:solidFill>
+                <a:latin typeface="Consolas" pitchFamily="49" charset="0"/>
+              </a:rPr>
+              <a:t>));</a:t>
+            </a:r>
           </a:p>
           <a:p>
             <a:r>
@@ -11990,419 +12059,43 @@
               <a:t>  </a:t>
             </a:r>
             <a:r>
-              <a:rPr lang="en-US" sz="1400" dirty="0" smtClean="0">
+              <a:rPr lang="pt-PT" sz="1400" dirty="0" smtClean="0">
                 <a:solidFill>
                   <a:srgbClr val="008000"/>
                 </a:solidFill>
                 <a:latin typeface="Consolas" pitchFamily="49" charset="0"/>
               </a:rPr>
-              <a:t>// </a:t>
-            </a:r>
-            <a:r>
-              <a:rPr lang="en-US" sz="1400" dirty="0" err="1" smtClean="0">
+              <a:t>// Repete para os outros (</a:t>
+            </a:r>
+            <a:r>
+              <a:rPr lang="pt-PT" sz="1400" dirty="0" err="1" smtClean="0">
                 <a:solidFill>
                   <a:srgbClr val="008000"/>
                 </a:solidFill>
                 <a:latin typeface="Consolas" pitchFamily="49" charset="0"/>
               </a:rPr>
-              <a:t>HashMap</a:t>
-            </a:r>
-            <a:r>
-              <a:rPr lang="en-US" sz="1400" dirty="0" smtClean="0">
+              <a:t>getInt</a:t>
+            </a:r>
+            <a:r>
+              <a:rPr lang="pt-PT" sz="1400" dirty="0" smtClean="0">
                 <a:solidFill>
                   <a:srgbClr val="008000"/>
                 </a:solidFill>
                 <a:latin typeface="Consolas" pitchFamily="49" charset="0"/>
               </a:rPr>
-              <a:t> </a:t>
-            </a:r>
-            <a:r>
-              <a:rPr lang="en-US" sz="1400" dirty="0" err="1" smtClean="0">
-                <a:solidFill>
-                  <a:srgbClr val="008000"/>
-                </a:solidFill>
-                <a:latin typeface="Consolas" pitchFamily="49" charset="0"/>
-              </a:rPr>
-              <a:t>que</a:t>
-            </a:r>
-            <a:r>
-              <a:rPr lang="en-US" sz="1400" dirty="0" smtClean="0">
-                <a:solidFill>
-                  <a:srgbClr val="008000"/>
-                </a:solidFill>
-                <a:latin typeface="Consolas" pitchFamily="49" charset="0"/>
-              </a:rPr>
-              <a:t> </a:t>
-            </a:r>
-            <a:r>
-              <a:rPr lang="en-US" sz="1400" dirty="0" err="1" smtClean="0">
-                <a:solidFill>
-                  <a:srgbClr val="008000"/>
-                </a:solidFill>
-                <a:latin typeface="Consolas" pitchFamily="49" charset="0"/>
-              </a:rPr>
-              <a:t>vai</a:t>
-            </a:r>
-            <a:r>
-              <a:rPr lang="en-US" sz="1400" dirty="0" smtClean="0">
-                <a:solidFill>
-                  <a:srgbClr val="008000"/>
-                </a:solidFill>
-                <a:latin typeface="Consolas" pitchFamily="49" charset="0"/>
-              </a:rPr>
-              <a:t> </a:t>
-            </a:r>
-            <a:r>
-              <a:rPr lang="en-US" sz="1400" dirty="0" err="1" smtClean="0">
-                <a:solidFill>
-                  <a:srgbClr val="008000"/>
-                </a:solidFill>
-                <a:latin typeface="Consolas" pitchFamily="49" charset="0"/>
-              </a:rPr>
-              <a:t>guardar</a:t>
-            </a:r>
-            <a:r>
-              <a:rPr lang="en-US" sz="1400" dirty="0" smtClean="0">
-                <a:solidFill>
-                  <a:srgbClr val="008000"/>
-                </a:solidFill>
-                <a:latin typeface="Consolas" pitchFamily="49" charset="0"/>
-              </a:rPr>
-              <a:t> </a:t>
-            </a:r>
-            <a:r>
-              <a:rPr lang="en-US" sz="1400" dirty="0" err="1" smtClean="0">
-                <a:solidFill>
-                  <a:srgbClr val="008000"/>
-                </a:solidFill>
-                <a:latin typeface="Consolas" pitchFamily="49" charset="0"/>
-              </a:rPr>
-              <a:t>os</a:t>
-            </a:r>
-            <a:r>
-              <a:rPr lang="en-US" sz="1400" dirty="0" smtClean="0">
-                <a:solidFill>
-                  <a:srgbClr val="008000"/>
-                </a:solidFill>
-                <a:latin typeface="Consolas" pitchFamily="49" charset="0"/>
-              </a:rPr>
-              <a:t> dados </a:t>
-            </a:r>
-            <a:r>
-              <a:rPr lang="en-US" sz="1400" dirty="0" err="1" smtClean="0">
-                <a:solidFill>
-                  <a:srgbClr val="008000"/>
-                </a:solidFill>
-                <a:latin typeface="Consolas" pitchFamily="49" charset="0"/>
-              </a:rPr>
-              <a:t>para</a:t>
-            </a:r>
-            <a:r>
-              <a:rPr lang="en-US" sz="1400" dirty="0" smtClean="0">
-                <a:solidFill>
-                  <a:srgbClr val="008000"/>
-                </a:solidFill>
-                <a:latin typeface="Consolas" pitchFamily="49" charset="0"/>
-              </a:rPr>
-              <a:t> </a:t>
-            </a:r>
-            <a:r>
-              <a:rPr lang="en-US" sz="1400" dirty="0" err="1" smtClean="0">
-                <a:solidFill>
-                  <a:srgbClr val="008000"/>
-                </a:solidFill>
-                <a:latin typeface="Consolas" pitchFamily="49" charset="0"/>
-              </a:rPr>
-              <a:t>depois</a:t>
-            </a:r>
-            <a:endParaRPr lang="en-US" sz="1400" dirty="0" smtClean="0">
-              <a:solidFill>
-                <a:srgbClr val="333333"/>
-              </a:solidFill>
-              <a:latin typeface="Consolas" pitchFamily="49" charset="0"/>
-            </a:endParaRPr>
-          </a:p>
-          <a:p>
-            <a:r>
-              <a:rPr lang="en-US" sz="1400" dirty="0" smtClean="0">
-                <a:solidFill>
-                  <a:srgbClr val="333333"/>
-                </a:solidFill>
-                <a:latin typeface="Consolas" pitchFamily="49" charset="0"/>
-              </a:rPr>
-              <a:t>  </a:t>
-            </a:r>
-            <a:r>
-              <a:rPr lang="en-US" sz="1400" dirty="0" err="1" smtClean="0">
-                <a:solidFill>
-                  <a:srgbClr val="333333"/>
-                </a:solidFill>
-                <a:latin typeface="Consolas" pitchFamily="49" charset="0"/>
-              </a:rPr>
-              <a:t>HashMap</a:t>
-            </a:r>
-            <a:r>
-              <a:rPr lang="en-US" sz="1400" dirty="0" smtClean="0">
-                <a:solidFill>
-                  <a:srgbClr val="333333"/>
-                </a:solidFill>
-                <a:latin typeface="Consolas" pitchFamily="49" charset="0"/>
-              </a:rPr>
-              <a:t>&lt;String, String&gt; map = </a:t>
-            </a:r>
-            <a:r>
-              <a:rPr lang="en-US" sz="1400" dirty="0" smtClean="0">
-                <a:solidFill>
-                  <a:srgbClr val="0000FF"/>
-                </a:solidFill>
-                <a:latin typeface="Consolas" pitchFamily="49" charset="0"/>
-              </a:rPr>
-              <a:t>new</a:t>
-            </a:r>
-            <a:r>
-              <a:rPr lang="en-US" sz="1400" dirty="0" smtClean="0">
-                <a:solidFill>
-                  <a:srgbClr val="333333"/>
-                </a:solidFill>
-                <a:latin typeface="Consolas" pitchFamily="49" charset="0"/>
-              </a:rPr>
-              <a:t> </a:t>
-            </a:r>
-            <a:r>
-              <a:rPr lang="en-US" sz="1400" dirty="0" err="1" smtClean="0">
-                <a:solidFill>
-                  <a:srgbClr val="333333"/>
-                </a:solidFill>
-                <a:latin typeface="Consolas" pitchFamily="49" charset="0"/>
-              </a:rPr>
-              <a:t>HashMap</a:t>
-            </a:r>
-            <a:r>
-              <a:rPr lang="en-US" sz="1400" dirty="0" smtClean="0">
-                <a:solidFill>
-                  <a:srgbClr val="333333"/>
-                </a:solidFill>
-                <a:latin typeface="Consolas" pitchFamily="49" charset="0"/>
-              </a:rPr>
-              <a:t>&lt;String, String&gt;();</a:t>
-            </a:r>
-          </a:p>
-          <a:p>
-            <a:endParaRPr lang="en-US" sz="1400" dirty="0" smtClean="0">
-              <a:solidFill>
-                <a:srgbClr val="333333"/>
-              </a:solidFill>
-              <a:latin typeface="Consolas" pitchFamily="49" charset="0"/>
-            </a:endParaRPr>
-          </a:p>
-          <a:p>
-            <a:r>
-              <a:rPr lang="en-US" sz="1400" dirty="0" smtClean="0">
-                <a:solidFill>
-                  <a:srgbClr val="333333"/>
-                </a:solidFill>
-                <a:latin typeface="Consolas" pitchFamily="49" charset="0"/>
-              </a:rPr>
-              <a:t>  </a:t>
-            </a:r>
+              <a:t>, etc. dependendo do tipo)...</a:t>
+            </a:r>
+          </a:p>
+          <a:p>
             <a:r>
               <a:rPr lang="pt-PT" sz="1400" dirty="0" smtClean="0">
                 <a:solidFill>
-                  <a:srgbClr val="008000"/>
-                </a:solidFill>
-                <a:latin typeface="Consolas" pitchFamily="49" charset="0"/>
-              </a:rPr>
-              <a:t>// Adicionar cada </a:t>
-            </a:r>
-            <a:r>
-              <a:rPr lang="pt-PT" sz="1400" dirty="0" smtClean="0">
-                <a:solidFill>
-                  <a:srgbClr val="008000"/>
-                </a:solidFill>
-                <a:latin typeface="Consolas" pitchFamily="49" charset="0"/>
-              </a:rPr>
-              <a:t>valor </a:t>
-            </a:r>
-            <a:r>
-              <a:rPr lang="pt-PT" sz="1400" dirty="0" smtClean="0">
-                <a:solidFill>
-                  <a:srgbClr val="008000"/>
-                </a:solidFill>
-                <a:latin typeface="Consolas" pitchFamily="49" charset="0"/>
-              </a:rPr>
-              <a:t>ao </a:t>
-            </a:r>
-            <a:r>
-              <a:rPr lang="pt-PT" sz="1400" dirty="0" err="1" smtClean="0">
-                <a:solidFill>
-                  <a:srgbClr val="008000"/>
-                </a:solidFill>
-                <a:latin typeface="Consolas" pitchFamily="49" charset="0"/>
-              </a:rPr>
-              <a:t>HashMap</a:t>
-            </a:r>
-            <a:r>
-              <a:rPr lang="pt-PT" sz="1400" dirty="0" smtClean="0">
-                <a:solidFill>
-                  <a:srgbClr val="008000"/>
-                </a:solidFill>
-                <a:latin typeface="Consolas" pitchFamily="49" charset="0"/>
-              </a:rPr>
-              <a:t> chave =&gt; valor</a:t>
-            </a:r>
-            <a:endParaRPr lang="pt-PT" sz="1400" dirty="0" smtClean="0">
-              <a:solidFill>
-                <a:srgbClr val="333333"/>
-              </a:solidFill>
-              <a:latin typeface="Consolas" pitchFamily="49" charset="0"/>
-            </a:endParaRPr>
-          </a:p>
-          <a:p>
-            <a:r>
-              <a:rPr lang="pt-PT" sz="1400" dirty="0" smtClean="0">
-                <a:solidFill>
-                  <a:srgbClr val="333333"/>
-                </a:solidFill>
-                <a:latin typeface="Consolas" pitchFamily="49" charset="0"/>
-              </a:rPr>
-              <a:t>  </a:t>
-            </a:r>
-            <a:r>
-              <a:rPr lang="en-US" sz="1400" dirty="0" err="1" smtClean="0">
-                <a:solidFill>
-                  <a:srgbClr val="333333"/>
-                </a:solidFill>
-                <a:latin typeface="Consolas" pitchFamily="49" charset="0"/>
-              </a:rPr>
-              <a:t>map.put</a:t>
-            </a:r>
-            <a:r>
-              <a:rPr lang="en-US" sz="1400" dirty="0" smtClean="0">
-                <a:solidFill>
-                  <a:srgbClr val="333333"/>
-                </a:solidFill>
-                <a:latin typeface="Consolas" pitchFamily="49" charset="0"/>
-              </a:rPr>
-              <a:t>(</a:t>
-            </a:r>
-            <a:r>
-              <a:rPr lang="en-US" sz="1400" dirty="0" smtClean="0">
-                <a:solidFill>
-                  <a:srgbClr val="A31515"/>
-                </a:solidFill>
-                <a:latin typeface="Consolas" pitchFamily="49" charset="0"/>
-              </a:rPr>
-              <a:t>"id"</a:t>
-            </a:r>
-            <a:r>
-              <a:rPr lang="en-US" sz="1400" dirty="0" smtClean="0">
-                <a:solidFill>
-                  <a:srgbClr val="333333"/>
-                </a:solidFill>
-                <a:latin typeface="Consolas" pitchFamily="49" charset="0"/>
-              </a:rPr>
-              <a:t>, </a:t>
-            </a:r>
-            <a:r>
-              <a:rPr lang="en-US" sz="1400" dirty="0" err="1" smtClean="0">
-                <a:solidFill>
-                  <a:srgbClr val="333333"/>
-                </a:solidFill>
-                <a:latin typeface="Consolas" pitchFamily="49" charset="0"/>
-              </a:rPr>
-              <a:t>c.getString</a:t>
-            </a:r>
-            <a:r>
-              <a:rPr lang="en-US" sz="1400" dirty="0" smtClean="0">
-                <a:solidFill>
-                  <a:srgbClr val="333333"/>
-                </a:solidFill>
-                <a:latin typeface="Consolas" pitchFamily="49" charset="0"/>
-              </a:rPr>
-              <a:t>(</a:t>
-            </a:r>
-            <a:r>
-              <a:rPr lang="en-US" sz="1400" dirty="0" smtClean="0">
-                <a:solidFill>
-                  <a:srgbClr val="A31515"/>
-                </a:solidFill>
-                <a:latin typeface="Consolas" pitchFamily="49" charset="0"/>
-              </a:rPr>
-              <a:t>"id"</a:t>
-            </a:r>
-            <a:r>
-              <a:rPr lang="en-US" sz="1400" dirty="0" smtClean="0">
-                <a:solidFill>
-                  <a:srgbClr val="333333"/>
-                </a:solidFill>
-                <a:latin typeface="Consolas" pitchFamily="49" charset="0"/>
-              </a:rPr>
-              <a:t>));</a:t>
-            </a:r>
-          </a:p>
-          <a:p>
-            <a:r>
-              <a:rPr lang="en-US" sz="1400" dirty="0" smtClean="0">
-                <a:solidFill>
-                  <a:srgbClr val="333333"/>
-                </a:solidFill>
-                <a:latin typeface="Consolas" pitchFamily="49" charset="0"/>
-              </a:rPr>
-              <a:t>  </a:t>
-            </a:r>
-            <a:r>
-              <a:rPr lang="pt-PT" sz="1400" dirty="0" smtClean="0">
-                <a:solidFill>
-                  <a:srgbClr val="008000"/>
-                </a:solidFill>
-                <a:latin typeface="Consolas" pitchFamily="49" charset="0"/>
-              </a:rPr>
-              <a:t>// </a:t>
-            </a:r>
-            <a:r>
-              <a:rPr lang="pt-PT" sz="1400" dirty="0" smtClean="0">
-                <a:solidFill>
-                  <a:srgbClr val="008000"/>
-                </a:solidFill>
-                <a:latin typeface="Consolas" pitchFamily="49" charset="0"/>
-              </a:rPr>
-              <a:t>Repete para os outros (</a:t>
-            </a:r>
-            <a:r>
-              <a:rPr lang="pt-PT" sz="1400" dirty="0" err="1" smtClean="0">
-                <a:solidFill>
-                  <a:srgbClr val="008000"/>
-                </a:solidFill>
-                <a:latin typeface="Consolas" pitchFamily="49" charset="0"/>
-              </a:rPr>
-              <a:t>getInt</a:t>
-            </a:r>
-            <a:r>
-              <a:rPr lang="pt-PT" sz="1400" dirty="0" smtClean="0">
-                <a:solidFill>
-                  <a:srgbClr val="008000"/>
-                </a:solidFill>
-                <a:latin typeface="Consolas" pitchFamily="49" charset="0"/>
-              </a:rPr>
-              <a:t>, etc. dependendo do tipo)...</a:t>
-            </a:r>
-          </a:p>
-          <a:p>
-            <a:r>
-              <a:rPr lang="pt-PT" sz="1400" dirty="0" smtClean="0">
-                <a:solidFill>
                   <a:srgbClr val="333333"/>
                 </a:solidFill>
                 <a:latin typeface="Consolas" pitchFamily="49" charset="0"/>
               </a:rPr>
               <a:t>}</a:t>
             </a:r>
-            <a:endParaRPr lang="pt-PT" sz="1400" dirty="0" smtClean="0">
-              <a:solidFill>
-                <a:srgbClr val="333333"/>
-              </a:solidFill>
-              <a:latin typeface="Consolas" pitchFamily="49" charset="0"/>
-            </a:endParaRPr>
           </a:p>
           <a:p>
             <a:endParaRPr lang="pt-PT" dirty="0"/>
@@ -12646,6 +12339,35 @@
               </a:rPr>
               <a:t>();</a:t>
             </a:r>
+          </a:p>
+          <a:p>
+            <a:r>
+              <a:rPr lang="pt-PT" sz="1400" dirty="0" smtClean="0">
+                <a:solidFill>
+                  <a:srgbClr val="008000"/>
+                </a:solidFill>
+                <a:latin typeface="Consolas" pitchFamily="49" charset="0"/>
+              </a:rPr>
+              <a:t>// Criação do </a:t>
+            </a:r>
+            <a:r>
+              <a:rPr lang="pt-PT" sz="1400" dirty="0" err="1" smtClean="0">
+                <a:solidFill>
+                  <a:srgbClr val="008000"/>
+                </a:solidFill>
+                <a:latin typeface="Consolas" pitchFamily="49" charset="0"/>
+              </a:rPr>
+              <a:t>array</a:t>
+            </a:r>
+            <a:r>
+              <a:rPr lang="pt-PT" sz="1400" dirty="0" smtClean="0">
+                <a:solidFill>
+                  <a:srgbClr val="008000"/>
+                </a:solidFill>
+                <a:latin typeface="Consolas" pitchFamily="49" charset="0"/>
+              </a:rPr>
+              <a:t> que vai conter os dados</a:t>
+            </a:r>
             <a:endParaRPr lang="pt-PT" sz="1400" dirty="0" smtClean="0">
               <a:solidFill>
                 <a:srgbClr val="333333"/>
@@ -12655,31 +12377,142 @@
           </a:p>
           <a:p>
             <a:r>
+              <a:rPr lang="en-US" sz="1400" dirty="0" err="1" smtClean="0">
+                <a:solidFill>
+                  <a:srgbClr val="333333"/>
+                </a:solidFill>
+                <a:latin typeface="Consolas" pitchFamily="49" charset="0"/>
+              </a:rPr>
+              <a:t>JSONArray</a:t>
+            </a:r>
+            <a:r>
+              <a:rPr lang="en-US" sz="1400" dirty="0" smtClean="0">
+                <a:solidFill>
+                  <a:srgbClr val="333333"/>
+                </a:solidFill>
+                <a:latin typeface="Consolas" pitchFamily="49" charset="0"/>
+              </a:rPr>
+              <a:t> </a:t>
+            </a:r>
+            <a:r>
+              <a:rPr lang="en-US" sz="1400" dirty="0" err="1" smtClean="0">
+                <a:solidFill>
+                  <a:srgbClr val="333333"/>
+                </a:solidFill>
+                <a:latin typeface="Consolas" pitchFamily="49" charset="0"/>
+              </a:rPr>
+              <a:t>solvedTests</a:t>
+            </a:r>
+            <a:r>
+              <a:rPr lang="en-US" sz="1400" dirty="0" smtClean="0">
+                <a:solidFill>
+                  <a:srgbClr val="333333"/>
+                </a:solidFill>
+                <a:latin typeface="Consolas" pitchFamily="49" charset="0"/>
+              </a:rPr>
+              <a:t> = </a:t>
+            </a:r>
+            <a:r>
+              <a:rPr lang="en-US" sz="1400" dirty="0" smtClean="0">
+                <a:solidFill>
+                  <a:srgbClr val="0000FF"/>
+                </a:solidFill>
+                <a:latin typeface="Consolas" pitchFamily="49" charset="0"/>
+              </a:rPr>
+              <a:t>new</a:t>
+            </a:r>
+            <a:r>
+              <a:rPr lang="en-US" sz="1400" dirty="0" smtClean="0">
+                <a:solidFill>
+                  <a:srgbClr val="333333"/>
+                </a:solidFill>
+                <a:latin typeface="Consolas" pitchFamily="49" charset="0"/>
+              </a:rPr>
+              <a:t> </a:t>
+            </a:r>
+            <a:r>
+              <a:rPr lang="en-US" sz="1400" dirty="0" err="1" smtClean="0">
+                <a:solidFill>
+                  <a:srgbClr val="333333"/>
+                </a:solidFill>
+                <a:latin typeface="Consolas" pitchFamily="49" charset="0"/>
+              </a:rPr>
+              <a:t>JSONArray</a:t>
+            </a:r>
+            <a:r>
+              <a:rPr lang="en-US" sz="1400" dirty="0" smtClean="0">
+                <a:solidFill>
+                  <a:srgbClr val="333333"/>
+                </a:solidFill>
+                <a:latin typeface="Consolas" pitchFamily="49" charset="0"/>
+              </a:rPr>
+              <a:t>();</a:t>
+            </a:r>
+          </a:p>
+          <a:p>
+            <a:endParaRPr lang="en-US" sz="1400" dirty="0" smtClean="0">
+              <a:solidFill>
+                <a:srgbClr val="333333"/>
+              </a:solidFill>
+              <a:latin typeface="Consolas" pitchFamily="49" charset="0"/>
+            </a:endParaRPr>
+          </a:p>
+          <a:p>
+            <a:r>
+              <a:rPr lang="en-US" sz="1400" dirty="0" smtClean="0">
+                <a:solidFill>
+                  <a:srgbClr val="0000FF"/>
+                </a:solidFill>
+                <a:latin typeface="Consolas" pitchFamily="49" charset="0"/>
+              </a:rPr>
+              <a:t>for</a:t>
+            </a:r>
+            <a:r>
+              <a:rPr lang="en-US" sz="1400" dirty="0" smtClean="0">
+                <a:solidFill>
+                  <a:srgbClr val="333333"/>
+                </a:solidFill>
+                <a:latin typeface="Consolas" pitchFamily="49" charset="0"/>
+              </a:rPr>
+              <a:t> (Test t : </a:t>
+            </a:r>
+            <a:r>
+              <a:rPr lang="en-US" sz="1400" dirty="0" err="1" smtClean="0">
+                <a:solidFill>
+                  <a:srgbClr val="333333"/>
+                </a:solidFill>
+                <a:latin typeface="Consolas" pitchFamily="49" charset="0"/>
+              </a:rPr>
+              <a:t>testArray</a:t>
+            </a:r>
+            <a:r>
+              <a:rPr lang="en-US" sz="1400" dirty="0" smtClean="0">
+                <a:solidFill>
+                  <a:srgbClr val="333333"/>
+                </a:solidFill>
+                <a:latin typeface="Consolas" pitchFamily="49" charset="0"/>
+              </a:rPr>
+              <a:t>) {</a:t>
+            </a:r>
+          </a:p>
+          <a:p>
+            <a:r>
+              <a:rPr lang="en-US" sz="1400" dirty="0" smtClean="0">
+                <a:solidFill>
+                  <a:srgbClr val="333333"/>
+                </a:solidFill>
+                <a:latin typeface="Consolas" pitchFamily="49" charset="0"/>
+              </a:rPr>
+              <a:t>  </a:t>
+            </a:r>
+            <a:r>
               <a:rPr lang="pt-PT" sz="1400" dirty="0" smtClean="0">
                 <a:solidFill>
                   <a:srgbClr val="008000"/>
                 </a:solidFill>
                 <a:latin typeface="Consolas" pitchFamily="49" charset="0"/>
               </a:rPr>
-              <a:t>// Criação do </a:t>
-            </a:r>
-            <a:r>
-              <a:rPr lang="pt-PT" sz="1400" dirty="0" err="1" smtClean="0">
-                <a:solidFill>
-                  <a:srgbClr val="008000"/>
-                </a:solidFill>
-                <a:latin typeface="Consolas" pitchFamily="49" charset="0"/>
-              </a:rPr>
-              <a:t>array</a:t>
-            </a:r>
-            <a:r>
-              <a:rPr lang="pt-PT" sz="1400" dirty="0" smtClean="0">
-                <a:solidFill>
-                  <a:srgbClr val="008000"/>
-                </a:solidFill>
-                <a:latin typeface="Consolas" pitchFamily="49" charset="0"/>
-              </a:rPr>
-              <a:t> que vai conter os dados</a:t>
+              <a:t>// Criar uma nova entidade</a:t>
             </a:r>
             <a:endParaRPr lang="pt-PT" sz="1400" dirty="0" smtClean="0">
               <a:solidFill>
@@ -12690,256 +12523,104 @@
           </a:p>
           <a:p>
             <a:r>
+              <a:rPr lang="pt-PT" sz="1400" dirty="0" smtClean="0">
+                <a:solidFill>
+                  <a:srgbClr val="333333"/>
+                </a:solidFill>
+                <a:latin typeface="Consolas" pitchFamily="49" charset="0"/>
+              </a:rPr>
+              <a:t>  </a:t>
+            </a:r>
+            <a:r>
+              <a:rPr lang="pt-PT" sz="1400" dirty="0" err="1" smtClean="0">
+                <a:solidFill>
+                  <a:srgbClr val="333333"/>
+                </a:solidFill>
+                <a:latin typeface="Consolas" pitchFamily="49" charset="0"/>
+              </a:rPr>
+              <a:t>JSONObject</a:t>
+            </a:r>
+            <a:r>
+              <a:rPr lang="pt-PT" sz="1400" dirty="0" smtClean="0">
+                <a:solidFill>
+                  <a:srgbClr val="333333"/>
+                </a:solidFill>
+                <a:latin typeface="Consolas" pitchFamily="49" charset="0"/>
+              </a:rPr>
+              <a:t> </a:t>
+            </a:r>
+            <a:r>
+              <a:rPr lang="pt-PT" sz="1400" dirty="0" err="1" smtClean="0">
+                <a:solidFill>
+                  <a:srgbClr val="333333"/>
+                </a:solidFill>
+                <a:latin typeface="Consolas" pitchFamily="49" charset="0"/>
+              </a:rPr>
+              <a:t>solvedTest</a:t>
+            </a:r>
+            <a:r>
+              <a:rPr lang="pt-PT" sz="1400" dirty="0" smtClean="0">
+                <a:solidFill>
+                  <a:srgbClr val="333333"/>
+                </a:solidFill>
+                <a:latin typeface="Consolas" pitchFamily="49" charset="0"/>
+              </a:rPr>
+              <a:t> = </a:t>
+            </a:r>
+            <a:r>
+              <a:rPr lang="pt-PT" sz="1400" dirty="0" err="1" smtClean="0">
+                <a:solidFill>
+                  <a:srgbClr val="0000FF"/>
+                </a:solidFill>
+                <a:latin typeface="Consolas" pitchFamily="49" charset="0"/>
+              </a:rPr>
+              <a:t>new</a:t>
+            </a:r>
+            <a:r>
+              <a:rPr lang="pt-PT" sz="1400" dirty="0" smtClean="0">
+                <a:solidFill>
+                  <a:srgbClr val="333333"/>
+                </a:solidFill>
+                <a:latin typeface="Consolas" pitchFamily="49" charset="0"/>
+              </a:rPr>
+              <a:t> </a:t>
+            </a:r>
+            <a:r>
+              <a:rPr lang="pt-PT" sz="1400" dirty="0" err="1" smtClean="0">
+                <a:solidFill>
+                  <a:srgbClr val="333333"/>
+                </a:solidFill>
+                <a:latin typeface="Consolas" pitchFamily="49" charset="0"/>
+              </a:rPr>
+              <a:t>JSONObject</a:t>
+            </a:r>
+            <a:r>
+              <a:rPr lang="pt-PT" sz="1400" dirty="0" smtClean="0">
+                <a:solidFill>
+                  <a:srgbClr val="333333"/>
+                </a:solidFill>
+                <a:latin typeface="Consolas" pitchFamily="49" charset="0"/>
+              </a:rPr>
+              <a:t>();</a:t>
+            </a:r>
+          </a:p>
+          <a:p>
+            <a:r>
+              <a:rPr lang="pt-PT" sz="1400" dirty="0" smtClean="0">
+                <a:solidFill>
+                  <a:srgbClr val="333333"/>
+                </a:solidFill>
+                <a:latin typeface="Consolas" pitchFamily="49" charset="0"/>
+              </a:rPr>
+              <a:t>  </a:t>
+            </a:r>
+            <a:r>
               <a:rPr lang="en-US" sz="1400" dirty="0" err="1" smtClean="0">
                 <a:solidFill>
                   <a:srgbClr val="333333"/>
                 </a:solidFill>
                 <a:latin typeface="Consolas" pitchFamily="49" charset="0"/>
               </a:rPr>
-              <a:t>JSONArray</a:t>
-            </a:r>
-            <a:r>
-              <a:rPr lang="en-US" sz="1400" dirty="0" smtClean="0">
-                <a:solidFill>
-                  <a:srgbClr val="333333"/>
-                </a:solidFill>
-                <a:latin typeface="Consolas" pitchFamily="49" charset="0"/>
-              </a:rPr>
-              <a:t> </a:t>
-            </a:r>
-            <a:r>
-              <a:rPr lang="en-US" sz="1400" dirty="0" err="1" smtClean="0">
-                <a:solidFill>
-                  <a:srgbClr val="333333"/>
-                </a:solidFill>
-                <a:latin typeface="Consolas" pitchFamily="49" charset="0"/>
-              </a:rPr>
-              <a:t>solvedTests</a:t>
-            </a:r>
-            <a:r>
-              <a:rPr lang="en-US" sz="1400" dirty="0" smtClean="0">
-                <a:solidFill>
-                  <a:srgbClr val="333333"/>
-                </a:solidFill>
-                <a:latin typeface="Consolas" pitchFamily="49" charset="0"/>
-              </a:rPr>
-              <a:t> = </a:t>
-            </a:r>
-            <a:r>
-              <a:rPr lang="en-US" sz="1400" dirty="0" smtClean="0">
-                <a:solidFill>
-                  <a:srgbClr val="0000FF"/>
-                </a:solidFill>
-                <a:latin typeface="Consolas" pitchFamily="49" charset="0"/>
-              </a:rPr>
-              <a:t>new</a:t>
-            </a:r>
-            <a:r>
-              <a:rPr lang="en-US" sz="1400" dirty="0" smtClean="0">
-                <a:solidFill>
-                  <a:srgbClr val="333333"/>
-                </a:solidFill>
-                <a:latin typeface="Consolas" pitchFamily="49" charset="0"/>
-              </a:rPr>
-              <a:t> </a:t>
-            </a:r>
-            <a:r>
-              <a:rPr lang="en-US" sz="1400" dirty="0" err="1" smtClean="0">
-                <a:solidFill>
-                  <a:srgbClr val="333333"/>
-                </a:solidFill>
-                <a:latin typeface="Consolas" pitchFamily="49" charset="0"/>
-              </a:rPr>
-              <a:t>JSONArray</a:t>
-            </a:r>
-            <a:r>
-              <a:rPr lang="en-US" sz="1400" dirty="0" smtClean="0">
-                <a:solidFill>
-                  <a:srgbClr val="333333"/>
-                </a:solidFill>
-                <a:latin typeface="Consolas" pitchFamily="49" charset="0"/>
-              </a:rPr>
-              <a:t>();</a:t>
-            </a:r>
-          </a:p>
-          <a:p>
-            <a:endParaRPr lang="en-US" sz="1400" dirty="0" smtClean="0">
-              <a:solidFill>
-                <a:srgbClr val="333333"/>
-              </a:solidFill>
-              <a:latin typeface="Consolas" pitchFamily="49" charset="0"/>
-            </a:endParaRPr>
-          </a:p>
-          <a:p>
-            <a:r>
-              <a:rPr lang="en-US" sz="1400" dirty="0" smtClean="0">
-                <a:solidFill>
-                  <a:srgbClr val="0000FF"/>
-                </a:solidFill>
-                <a:latin typeface="Consolas" pitchFamily="49" charset="0"/>
-              </a:rPr>
-              <a:t>for</a:t>
-            </a:r>
-            <a:r>
-              <a:rPr lang="en-US" sz="1400" dirty="0" smtClean="0">
-                <a:solidFill>
-                  <a:srgbClr val="333333"/>
-                </a:solidFill>
-                <a:latin typeface="Consolas" pitchFamily="49" charset="0"/>
-              </a:rPr>
-              <a:t> (Test t : </a:t>
-            </a:r>
-            <a:r>
-              <a:rPr lang="en-US" sz="1400" dirty="0" err="1" smtClean="0">
-                <a:solidFill>
-                  <a:srgbClr val="333333"/>
-                </a:solidFill>
-                <a:latin typeface="Consolas" pitchFamily="49" charset="0"/>
-              </a:rPr>
-              <a:t>testArray</a:t>
-            </a:r>
-            <a:r>
-              <a:rPr lang="en-US" sz="1400" dirty="0" smtClean="0">
-                <a:solidFill>
-                  <a:srgbClr val="333333"/>
-                </a:solidFill>
-                <a:latin typeface="Consolas" pitchFamily="49" charset="0"/>
-              </a:rPr>
-              <a:t>) {</a:t>
-            </a:r>
-          </a:p>
-          <a:p>
-            <a:r>
-              <a:rPr lang="en-US" sz="1400" dirty="0" smtClean="0">
-                <a:solidFill>
-                  <a:srgbClr val="333333"/>
-                </a:solidFill>
-                <a:latin typeface="Consolas" pitchFamily="49" charset="0"/>
-              </a:rPr>
-              <a:t>  </a:t>
-            </a:r>
-            <a:r>
-              <a:rPr lang="pt-PT" sz="1400" dirty="0" smtClean="0">
-                <a:solidFill>
-                  <a:srgbClr val="008000"/>
-                </a:solidFill>
-                <a:latin typeface="Consolas" pitchFamily="49" charset="0"/>
-              </a:rPr>
-              <a:t>// Criar uma nova entidade</a:t>
-            </a:r>
-            <a:endParaRPr lang="pt-PT" sz="1400" dirty="0" smtClean="0">
-              <a:solidFill>
-                <a:srgbClr val="333333"/>
-              </a:solidFill>
-              <a:latin typeface="Consolas" pitchFamily="49" charset="0"/>
-            </a:endParaRPr>
-          </a:p>
-          <a:p>
-            <a:r>
-              <a:rPr lang="pt-PT" sz="1400" dirty="0" smtClean="0">
-                <a:solidFill>
-                  <a:srgbClr val="333333"/>
-                </a:solidFill>
-                <a:latin typeface="Consolas" pitchFamily="49" charset="0"/>
-              </a:rPr>
-              <a:t>  </a:t>
-            </a:r>
-            <a:r>
-              <a:rPr lang="pt-PT" sz="1400" dirty="0" err="1" smtClean="0">
-                <a:solidFill>
-                  <a:srgbClr val="333333"/>
-                </a:solidFill>
-                <a:latin typeface="Consolas" pitchFamily="49" charset="0"/>
-              </a:rPr>
-              <a:t>JSONObject</a:t>
-            </a:r>
-            <a:r>
-              <a:rPr lang="pt-PT" sz="1400" dirty="0" smtClean="0">
-                <a:solidFill>
-                  <a:srgbClr val="333333"/>
-                </a:solidFill>
-                <a:latin typeface="Consolas" pitchFamily="49" charset="0"/>
-              </a:rPr>
-              <a:t> </a:t>
-            </a:r>
-            <a:r>
-              <a:rPr lang="pt-PT" sz="1400" dirty="0" err="1" smtClean="0">
-                <a:solidFill>
-                  <a:srgbClr val="333333"/>
-                </a:solidFill>
-                <a:latin typeface="Consolas" pitchFamily="49" charset="0"/>
-              </a:rPr>
-              <a:t>solvedTest</a:t>
-            </a:r>
-            <a:r>
-              <a:rPr lang="pt-PT" sz="1400" dirty="0" smtClean="0">
-                <a:solidFill>
-                  <a:srgbClr val="333333"/>
-                </a:solidFill>
-                <a:latin typeface="Consolas" pitchFamily="49" charset="0"/>
-              </a:rPr>
-              <a:t> = </a:t>
-            </a:r>
-            <a:r>
-              <a:rPr lang="pt-PT" sz="1400" dirty="0" err="1" smtClean="0">
-                <a:solidFill>
-                  <a:srgbClr val="0000FF"/>
-                </a:solidFill>
-                <a:latin typeface="Consolas" pitchFamily="49" charset="0"/>
-              </a:rPr>
-              <a:t>new</a:t>
-            </a:r>
-            <a:r>
-              <a:rPr lang="pt-PT" sz="1400" dirty="0" smtClean="0">
-                <a:solidFill>
-                  <a:srgbClr val="333333"/>
-                </a:solidFill>
-                <a:latin typeface="Consolas" pitchFamily="49" charset="0"/>
-              </a:rPr>
-              <a:t> </a:t>
-            </a:r>
-            <a:r>
-              <a:rPr lang="pt-PT" sz="1400" dirty="0" err="1" smtClean="0">
-                <a:solidFill>
-                  <a:srgbClr val="333333"/>
-                </a:solidFill>
-                <a:latin typeface="Consolas" pitchFamily="49" charset="0"/>
-              </a:rPr>
-              <a:t>JSONObject</a:t>
-            </a:r>
-            <a:r>
-              <a:rPr lang="pt-PT" sz="1400" dirty="0" smtClean="0">
-                <a:solidFill>
-                  <a:srgbClr val="333333"/>
-                </a:solidFill>
-                <a:latin typeface="Consolas" pitchFamily="49" charset="0"/>
-              </a:rPr>
-              <a:t>();</a:t>
-            </a:r>
-            <a:endParaRPr lang="pt-PT" sz="1400" dirty="0" smtClean="0">
-              <a:solidFill>
-                <a:srgbClr val="333333"/>
-              </a:solidFill>
-              <a:latin typeface="Consolas" pitchFamily="49" charset="0"/>
-            </a:endParaRPr>
-          </a:p>
-          <a:p>
-            <a:r>
-              <a:rPr lang="pt-PT" sz="1400" dirty="0" smtClean="0">
-                <a:solidFill>
-                  <a:srgbClr val="333333"/>
-                </a:solidFill>
-                <a:latin typeface="Consolas" pitchFamily="49" charset="0"/>
-              </a:rPr>
-              <a:t>  </a:t>
-            </a:r>
-            <a:r>
-              <a:rPr lang="en-US" sz="1400" dirty="0" err="1" smtClean="0">
-                <a:solidFill>
-                  <a:srgbClr val="333333"/>
-                </a:solidFill>
-                <a:latin typeface="Consolas" pitchFamily="49" charset="0"/>
-              </a:rPr>
               <a:t>solvedTest.put</a:t>
             </a:r>
             <a:r>
@@ -12967,16 +12648,7 @@
                 </a:solidFill>
                 <a:latin typeface="Consolas" pitchFamily="49" charset="0"/>
               </a:rPr>
-              <a:t>, t.id</a:t>
-            </a:r>
-            <a:r>
-              <a:rPr lang="en-US" sz="1400" dirty="0" smtClean="0">
-                <a:solidFill>
-                  <a:srgbClr val="333333"/>
-                </a:solidFill>
-                <a:latin typeface="Consolas" pitchFamily="49" charset="0"/>
-              </a:rPr>
-              <a:t>);</a:t>
+              <a:t>, t.id);</a:t>
             </a:r>
             <a:endParaRPr lang="pt-PT" sz="1400" dirty="0" smtClean="0">
               <a:solidFill>
@@ -13380,7 +13052,15 @@
           <a:p>
             <a:r>
               <a:rPr lang="pt-PT" dirty="0" smtClean="0"/>
-              <a:t>Modular, com recurso a bibliotecas e ao pub</a:t>
+              <a:t>Modular, com recurso a </a:t>
+            </a:r>
+            <a:r>
+              <a:rPr lang="pt-PT" dirty="0" smtClean="0"/>
+              <a:t>packages e </a:t>
+            </a:r>
+            <a:r>
+              <a:rPr lang="pt-PT" dirty="0" smtClean="0"/>
+              <a:t>ao pub</a:t>
             </a:r>
           </a:p>
           <a:p>
@@ -13406,10 +13086,6 @@
             <a:r>
               <a:rPr lang="pt-PT" dirty="0" err="1" smtClean="0"/>
               <a:t>source</a:t>
-            </a:r>
-            <a:r>
-              <a:rPr lang="pt-PT" dirty="0" smtClean="0"/>
-              <a:t> e comunidade ativa</a:t>
             </a:r>
             <a:endParaRPr lang="pt-PT" dirty="0"/>
           </a:p>
@@ -13879,21 +13555,21 @@
           <a:p>
             <a:r>
               <a:rPr lang="pt-PT" dirty="0" smtClean="0"/>
-              <a:t>Forte API base de I/O (</a:t>
-            </a:r>
-            <a:r>
-              <a:rPr lang="pt-PT" dirty="0" err="1" smtClean="0"/>
-              <a:t>dart:io</a:t>
+              <a:t>Forte API </a:t>
             </a:r>
             <a:r>
               <a:rPr lang="pt-PT" dirty="0" smtClean="0"/>
-              <a:t>)</a:t>
+              <a:t>base</a:t>
             </a:r>
           </a:p>
           <a:p>
             <a:r>
               <a:rPr lang="pt-PT" dirty="0" smtClean="0"/>
-              <a:t>Excelente documentação das </a:t>
+              <a:t>Excelente </a:t>
+            </a:r>
+            <a:r>
+              <a:rPr lang="pt-PT" dirty="0" smtClean="0"/>
+              <a:t>documentação das </a:t>
             </a:r>
             <a:r>
               <a:rPr lang="pt-PT" dirty="0" err="1" smtClean="0"/>
@@ -13914,44 +13590,17 @@
           <a:p>
             <a:r>
               <a:rPr lang="pt-PT" dirty="0" smtClean="0"/>
-              <a:t>Existência de bibliotecas e </a:t>
-            </a:r>
-            <a:r>
-              <a:rPr lang="pt-PT" dirty="0" err="1" smtClean="0"/>
-              <a:t>frameworks</a:t>
-            </a:r>
+              <a:t>I/O assíncrona</a:t>
+            </a:r>
+          </a:p>
+          <a:p>
             <a:r>
               <a:rPr lang="pt-PT" dirty="0" smtClean="0"/>
-              <a:t>:</a:t>
-            </a:r>
-          </a:p>
-          <a:p>
-            <a:pPr lvl="1"/>
+              <a:t>Performance </a:t>
+            </a:r>
             <a:r>
               <a:rPr lang="pt-PT" dirty="0" smtClean="0"/>
-              <a:t>Suporte para </a:t>
-            </a:r>
-            <a:r>
-              <a:rPr lang="pt-PT" dirty="0" err="1" smtClean="0"/>
-              <a:t>MySQL</a:t>
-            </a:r>
-            <a:r>
-              <a:rPr lang="pt-PT" dirty="0" smtClean="0"/>
-              <a:t> e </a:t>
-            </a:r>
-            <a:r>
-              <a:rPr lang="pt-PT" dirty="0" err="1" smtClean="0"/>
-              <a:t>webservices</a:t>
-            </a:r>
-            <a:r>
-              <a:rPr lang="pt-PT" dirty="0" smtClean="0"/>
-              <a:t>/websites</a:t>
-            </a:r>
-          </a:p>
-          <a:p>
-            <a:r>
-              <a:rPr lang="pt-PT" dirty="0" smtClean="0"/>
-              <a:t>Performance melhor que </a:t>
+              <a:t>melhor que </a:t>
             </a:r>
             <a:r>
               <a:rPr lang="pt-PT" dirty="0" err="1" smtClean="0"/>
@@ -13963,6 +13612,10 @@
             </a:r>
           </a:p>
           <a:p>
+            <a:r>
+              <a:rPr lang="pt-PT" dirty="0" smtClean="0"/>
+              <a:t>Comunidade em crescimento</a:t>
+            </a:r>
             <a:endParaRPr lang="pt-PT" dirty="0"/>
           </a:p>
         </p:txBody>
@@ -14178,6 +13831,21 @@
           <a:p>
             <a:r>
               <a:rPr lang="pt-PT" dirty="0" smtClean="0"/>
+              <a:t>Menos </a:t>
+            </a:r>
+            <a:r>
+              <a:rPr lang="pt-PT" dirty="0" err="1" smtClean="0"/>
+              <a:t>frameworks</a:t>
+            </a:r>
+            <a:r>
+              <a:rPr lang="pt-PT" dirty="0" smtClean="0"/>
+              <a:t>/bibliotecas do que o Node</a:t>
+            </a:r>
+          </a:p>
+          <a:p>
+            <a:pPr lvl="1"/>
+            <a:r>
+              <a:rPr lang="pt-PT" dirty="0" smtClean="0"/>
               <a:t>Conector </a:t>
             </a:r>
             <a:r>
@@ -14186,8 +13854,28 @@
             </a:r>
             <a:r>
               <a:rPr lang="pt-PT" dirty="0" smtClean="0"/>
-              <a:t> ainda em desenvolvimento (API estável)</a:t>
-            </a:r>
+              <a:t> ainda em desenvolvimento (</a:t>
+            </a:r>
+            <a:r>
+              <a:rPr lang="pt-PT" dirty="0" smtClean="0"/>
+              <a:t>API é </a:t>
+            </a:r>
+            <a:r>
+              <a:rPr lang="pt-PT" dirty="0" smtClean="0"/>
+              <a:t>estável</a:t>
+            </a:r>
+            <a:r>
+              <a:rPr lang="pt-PT" dirty="0" smtClean="0"/>
+              <a:t>)</a:t>
+            </a:r>
+          </a:p>
+          <a:p>
+            <a:pPr lvl="1"/>
+            <a:r>
+              <a:rPr lang="pt-PT" dirty="0" smtClean="0"/>
+              <a:t>Poderá implicar mais trabalho da nossa parte</a:t>
+            </a:r>
+            <a:endParaRPr lang="pt-PT" dirty="0" smtClean="0"/>
           </a:p>
           <a:p>
             <a:endParaRPr lang="pt-PT" dirty="0" smtClean="0"/>
@@ -14311,13 +13999,7 @@
               <a:rPr lang="pt-PT" sz="2000" dirty="0" smtClean="0">
                 <a:hlinkClick r:id="rId3"/>
               </a:rPr>
-              <a:t>https://</a:t>
-            </a:r>
-            <a:r>
-              <a:rPr lang="pt-PT" sz="2000" dirty="0" smtClean="0">
-                <a:hlinkClick r:id="rId3"/>
-              </a:rPr>
-              <a:t>github.com/felixge/node-mysql</a:t>
+              <a:t>https://github.com/felixge/node-mysql</a:t>
             </a:r>
             <a:endParaRPr lang="pt-PT" sz="2000" dirty="0" smtClean="0"/>
           </a:p>

--- a/Apresentacoes/v01.pptx
+++ b/Apresentacoes/v01.pptx
@@ -6521,9 +6521,280 @@
   <p:timing>
     <p:tnLst>
       <p:par>
-        <p:cTn id="1" dur="indefinite" restart="never" nodeType="tmRoot"/>
+        <p:cTn id="1" dur="indefinite" restart="never" nodeType="tmRoot">
+          <p:childTnLst>
+            <p:seq concurrent="1" nextAc="seek">
+              <p:cTn id="2" dur="indefinite" nodeType="mainSeq">
+                <p:childTnLst>
+                  <p:par>
+                    <p:cTn id="3" fill="hold">
+                      <p:stCondLst>
+                        <p:cond delay="indefinite"/>
+                      </p:stCondLst>
+                      <p:childTnLst>
+                        <p:par>
+                          <p:cTn id="4" fill="hold">
+                            <p:stCondLst>
+                              <p:cond delay="0"/>
+                            </p:stCondLst>
+                            <p:childTnLst>
+                              <p:par>
+                                <p:cTn id="5" presetID="1" presetClass="entr" presetSubtype="0" fill="hold" grpId="0" nodeType="clickEffect">
+                                  <p:stCondLst>
+                                    <p:cond delay="0"/>
+                                  </p:stCondLst>
+                                  <p:childTnLst>
+                                    <p:set>
+                                      <p:cBhvr>
+                                        <p:cTn id="6" dur="1" fill="hold">
+                                          <p:stCondLst>
+                                            <p:cond delay="0"/>
+                                          </p:stCondLst>
+                                        </p:cTn>
+                                        <p:tgtEl>
+                                          <p:spTgt spid="3">
+                                            <p:txEl>
+                                              <p:pRg st="0" end="0"/>
+                                            </p:txEl>
+                                          </p:spTgt>
+                                        </p:tgtEl>
+                                        <p:attrNameLst>
+                                          <p:attrName>style.visibility</p:attrName>
+                                        </p:attrNameLst>
+                                      </p:cBhvr>
+                                      <p:to>
+                                        <p:strVal val="visible"/>
+                                      </p:to>
+                                    </p:set>
+                                  </p:childTnLst>
+                                </p:cTn>
+                              </p:par>
+                            </p:childTnLst>
+                          </p:cTn>
+                        </p:par>
+                      </p:childTnLst>
+                    </p:cTn>
+                  </p:par>
+                  <p:par>
+                    <p:cTn id="7" fill="hold">
+                      <p:stCondLst>
+                        <p:cond delay="indefinite"/>
+                      </p:stCondLst>
+                      <p:childTnLst>
+                        <p:par>
+                          <p:cTn id="8" fill="hold">
+                            <p:stCondLst>
+                              <p:cond delay="0"/>
+                            </p:stCondLst>
+                            <p:childTnLst>
+                              <p:par>
+                                <p:cTn id="9" presetID="1" presetClass="entr" presetSubtype="0" fill="hold" grpId="0" nodeType="clickEffect">
+                                  <p:stCondLst>
+                                    <p:cond delay="0"/>
+                                  </p:stCondLst>
+                                  <p:childTnLst>
+                                    <p:set>
+                                      <p:cBhvr>
+                                        <p:cTn id="10" dur="1" fill="hold">
+                                          <p:stCondLst>
+                                            <p:cond delay="0"/>
+                                          </p:stCondLst>
+                                        </p:cTn>
+                                        <p:tgtEl>
+                                          <p:spTgt spid="3">
+                                            <p:txEl>
+                                              <p:pRg st="1" end="1"/>
+                                            </p:txEl>
+                                          </p:spTgt>
+                                        </p:tgtEl>
+                                        <p:attrNameLst>
+                                          <p:attrName>style.visibility</p:attrName>
+                                        </p:attrNameLst>
+                                      </p:cBhvr>
+                                      <p:to>
+                                        <p:strVal val="visible"/>
+                                      </p:to>
+                                    </p:set>
+                                  </p:childTnLst>
+                                </p:cTn>
+                              </p:par>
+                            </p:childTnLst>
+                          </p:cTn>
+                        </p:par>
+                      </p:childTnLst>
+                    </p:cTn>
+                  </p:par>
+                  <p:par>
+                    <p:cTn id="11" fill="hold">
+                      <p:stCondLst>
+                        <p:cond delay="indefinite"/>
+                      </p:stCondLst>
+                      <p:childTnLst>
+                        <p:par>
+                          <p:cTn id="12" fill="hold">
+                            <p:stCondLst>
+                              <p:cond delay="0"/>
+                            </p:stCondLst>
+                            <p:childTnLst>
+                              <p:par>
+                                <p:cTn id="13" presetID="1" presetClass="entr" presetSubtype="0" fill="hold" grpId="0" nodeType="clickEffect">
+                                  <p:stCondLst>
+                                    <p:cond delay="0"/>
+                                  </p:stCondLst>
+                                  <p:childTnLst>
+                                    <p:set>
+                                      <p:cBhvr>
+                                        <p:cTn id="14" dur="1" fill="hold">
+                                          <p:stCondLst>
+                                            <p:cond delay="0"/>
+                                          </p:stCondLst>
+                                        </p:cTn>
+                                        <p:tgtEl>
+                                          <p:spTgt spid="3">
+                                            <p:txEl>
+                                              <p:pRg st="2" end="2"/>
+                                            </p:txEl>
+                                          </p:spTgt>
+                                        </p:tgtEl>
+                                        <p:attrNameLst>
+                                          <p:attrName>style.visibility</p:attrName>
+                                        </p:attrNameLst>
+                                      </p:cBhvr>
+                                      <p:to>
+                                        <p:strVal val="visible"/>
+                                      </p:to>
+                                    </p:set>
+                                  </p:childTnLst>
+                                </p:cTn>
+                              </p:par>
+                            </p:childTnLst>
+                          </p:cTn>
+                        </p:par>
+                      </p:childTnLst>
+                    </p:cTn>
+                  </p:par>
+                  <p:par>
+                    <p:cTn id="15" fill="hold">
+                      <p:stCondLst>
+                        <p:cond delay="indefinite"/>
+                      </p:stCondLst>
+                      <p:childTnLst>
+                        <p:par>
+                          <p:cTn id="16" fill="hold">
+                            <p:stCondLst>
+                              <p:cond delay="0"/>
+                            </p:stCondLst>
+                            <p:childTnLst>
+                              <p:par>
+                                <p:cTn id="17" presetID="1" presetClass="entr" presetSubtype="0" fill="hold" grpId="0" nodeType="clickEffect">
+                                  <p:stCondLst>
+                                    <p:cond delay="0"/>
+                                  </p:stCondLst>
+                                  <p:childTnLst>
+                                    <p:set>
+                                      <p:cBhvr>
+                                        <p:cTn id="18" dur="1" fill="hold">
+                                          <p:stCondLst>
+                                            <p:cond delay="0"/>
+                                          </p:stCondLst>
+                                        </p:cTn>
+                                        <p:tgtEl>
+                                          <p:spTgt spid="3">
+                                            <p:txEl>
+                                              <p:pRg st="3" end="3"/>
+                                            </p:txEl>
+                                          </p:spTgt>
+                                        </p:tgtEl>
+                                        <p:attrNameLst>
+                                          <p:attrName>style.visibility</p:attrName>
+                                        </p:attrNameLst>
+                                      </p:cBhvr>
+                                      <p:to>
+                                        <p:strVal val="visible"/>
+                                      </p:to>
+                                    </p:set>
+                                  </p:childTnLst>
+                                </p:cTn>
+                              </p:par>
+                            </p:childTnLst>
+                          </p:cTn>
+                        </p:par>
+                      </p:childTnLst>
+                    </p:cTn>
+                  </p:par>
+                  <p:par>
+                    <p:cTn id="19" fill="hold">
+                      <p:stCondLst>
+                        <p:cond delay="indefinite"/>
+                      </p:stCondLst>
+                      <p:childTnLst>
+                        <p:par>
+                          <p:cTn id="20" fill="hold">
+                            <p:stCondLst>
+                              <p:cond delay="0"/>
+                            </p:stCondLst>
+                            <p:childTnLst>
+                              <p:par>
+                                <p:cTn id="21" presetID="1" presetClass="entr" presetSubtype="0" fill="hold" grpId="0" nodeType="clickEffect">
+                                  <p:stCondLst>
+                                    <p:cond delay="0"/>
+                                  </p:stCondLst>
+                                  <p:childTnLst>
+                                    <p:set>
+                                      <p:cBhvr>
+                                        <p:cTn id="22" dur="1" fill="hold">
+                                          <p:stCondLst>
+                                            <p:cond delay="0"/>
+                                          </p:stCondLst>
+                                        </p:cTn>
+                                        <p:tgtEl>
+                                          <p:spTgt spid="3">
+                                            <p:txEl>
+                                              <p:pRg st="4" end="4"/>
+                                            </p:txEl>
+                                          </p:spTgt>
+                                        </p:tgtEl>
+                                        <p:attrNameLst>
+                                          <p:attrName>style.visibility</p:attrName>
+                                        </p:attrNameLst>
+                                      </p:cBhvr>
+                                      <p:to>
+                                        <p:strVal val="visible"/>
+                                      </p:to>
+                                    </p:set>
+                                  </p:childTnLst>
+                                </p:cTn>
+                              </p:par>
+                            </p:childTnLst>
+                          </p:cTn>
+                        </p:par>
+                      </p:childTnLst>
+                    </p:cTn>
+                  </p:par>
+                </p:childTnLst>
+              </p:cTn>
+              <p:prevCondLst>
+                <p:cond evt="onPrev" delay="0">
+                  <p:tgtEl>
+                    <p:sldTgt/>
+                  </p:tgtEl>
+                </p:cond>
+              </p:prevCondLst>
+              <p:nextCondLst>
+                <p:cond evt="onNext" delay="0">
+                  <p:tgtEl>
+                    <p:sldTgt/>
+                  </p:tgtEl>
+                </p:cond>
+              </p:nextCondLst>
+            </p:seq>
+          </p:childTnLst>
+        </p:cTn>
       </p:par>
     </p:tnLst>
+    <p:bldLst>
+      <p:bldP spid="3" grpId="0" build="p"/>
+    </p:bldLst>
   </p:timing>
 </p:sld>
 </file>
@@ -6562,7 +6833,11 @@
           <a:p>
             <a:r>
               <a:rPr lang="pt-PT" dirty="0" smtClean="0"/>
-              <a:t>Bibliotecas usadas</a:t>
+              <a:t>Bibliotecas </a:t>
+            </a:r>
+            <a:r>
+              <a:rPr lang="pt-PT" dirty="0" smtClean="0"/>
+              <a:t>usadas para v0.1</a:t>
             </a:r>
             <a:endParaRPr lang="pt-PT" dirty="0"/>
           </a:p>
@@ -6629,9 +6904,133 @@
   <p:timing>
     <p:tnLst>
       <p:par>
-        <p:cTn id="1" dur="indefinite" restart="never" nodeType="tmRoot"/>
+        <p:cTn id="1" dur="indefinite" restart="never" nodeType="tmRoot">
+          <p:childTnLst>
+            <p:seq concurrent="1" nextAc="seek">
+              <p:cTn id="2" dur="indefinite" nodeType="mainSeq">
+                <p:childTnLst>
+                  <p:par>
+                    <p:cTn id="3" fill="hold">
+                      <p:stCondLst>
+                        <p:cond delay="indefinite"/>
+                      </p:stCondLst>
+                      <p:childTnLst>
+                        <p:par>
+                          <p:cTn id="4" fill="hold">
+                            <p:stCondLst>
+                              <p:cond delay="0"/>
+                            </p:stCondLst>
+                            <p:childTnLst>
+                              <p:par>
+                                <p:cTn id="5" presetID="1" presetClass="entr" presetSubtype="0" fill="hold" grpId="0" nodeType="clickEffect">
+                                  <p:stCondLst>
+                                    <p:cond delay="0"/>
+                                  </p:stCondLst>
+                                  <p:childTnLst>
+                                    <p:set>
+                                      <p:cBhvr>
+                                        <p:cTn id="6" dur="1" fill="hold">
+                                          <p:stCondLst>
+                                            <p:cond delay="0"/>
+                                          </p:stCondLst>
+                                        </p:cTn>
+                                        <p:tgtEl>
+                                          <p:spTgt spid="3">
+                                            <p:txEl>
+                                              <p:pRg st="0" end="0"/>
+                                            </p:txEl>
+                                          </p:spTgt>
+                                        </p:tgtEl>
+                                        <p:attrNameLst>
+                                          <p:attrName>style.visibility</p:attrName>
+                                        </p:attrNameLst>
+                                      </p:cBhvr>
+                                      <p:to>
+                                        <p:strVal val="visible"/>
+                                      </p:to>
+                                    </p:set>
+                                  </p:childTnLst>
+                                </p:cTn>
+                              </p:par>
+                            </p:childTnLst>
+                          </p:cTn>
+                        </p:par>
+                      </p:childTnLst>
+                    </p:cTn>
+                  </p:par>
+                  <p:par>
+                    <p:cTn id="7" fill="hold">
+                      <p:stCondLst>
+                        <p:cond delay="indefinite"/>
+                      </p:stCondLst>
+                      <p:childTnLst>
+                        <p:par>
+                          <p:cTn id="8" fill="hold">
+                            <p:stCondLst>
+                              <p:cond delay="0"/>
+                            </p:stCondLst>
+                            <p:childTnLst>
+                              <p:par>
+                                <p:cTn id="9" presetID="1" presetClass="entr" presetSubtype="0" fill="hold" grpId="0" nodeType="clickEffect">
+                                  <p:stCondLst>
+                                    <p:cond delay="0"/>
+                                  </p:stCondLst>
+                                  <p:childTnLst>
+                                    <p:set>
+                                      <p:cBhvr>
+                                        <p:cTn id="10" dur="1" fill="hold">
+                                          <p:stCondLst>
+                                            <p:cond delay="0"/>
+                                          </p:stCondLst>
+                                        </p:cTn>
+                                        <p:tgtEl>
+                                          <p:spTgt spid="3">
+                                            <p:txEl>
+                                              <p:pRg st="1" end="1"/>
+                                            </p:txEl>
+                                          </p:spTgt>
+                                        </p:tgtEl>
+                                        <p:attrNameLst>
+                                          <p:attrName>style.visibility</p:attrName>
+                                        </p:attrNameLst>
+                                      </p:cBhvr>
+                                      <p:to>
+                                        <p:strVal val="visible"/>
+                                      </p:to>
+                                    </p:set>
+                                  </p:childTnLst>
+                                </p:cTn>
+                              </p:par>
+                            </p:childTnLst>
+                          </p:cTn>
+                        </p:par>
+                      </p:childTnLst>
+                    </p:cTn>
+                  </p:par>
+                </p:childTnLst>
+              </p:cTn>
+              <p:prevCondLst>
+                <p:cond evt="onPrev" delay="0">
+                  <p:tgtEl>
+                    <p:sldTgt/>
+                  </p:tgtEl>
+                </p:cond>
+              </p:prevCondLst>
+              <p:nextCondLst>
+                <p:cond evt="onNext" delay="0">
+                  <p:tgtEl>
+                    <p:sldTgt/>
+                  </p:tgtEl>
+                </p:cond>
+              </p:nextCondLst>
+            </p:seq>
+          </p:childTnLst>
+        </p:cTn>
       </p:par>
     </p:tnLst>
+    <p:bldLst>
+      <p:bldP spid="3" grpId="0" build="p"/>
+    </p:bldLst>
   </p:timing>
 </p:sld>
 </file>
@@ -7237,7 +7636,805 @@
   <p:timing>
     <p:tnLst>
       <p:par>
-        <p:cTn id="1" dur="indefinite" restart="never" nodeType="tmRoot"/>
+        <p:cTn id="1" dur="indefinite" restart="never" nodeType="tmRoot">
+          <p:childTnLst>
+            <p:seq concurrent="1" nextAc="seek">
+              <p:cTn id="2" dur="indefinite" nodeType="mainSeq">
+                <p:childTnLst>
+                  <p:par>
+                    <p:cTn id="3" fill="hold">
+                      <p:stCondLst>
+                        <p:cond delay="indefinite"/>
+                        <p:cond evt="onBegin" delay="0">
+                          <p:tn val="2"/>
+                        </p:cond>
+                      </p:stCondLst>
+                      <p:childTnLst>
+                        <p:par>
+                          <p:cTn id="4" fill="hold">
+                            <p:stCondLst>
+                              <p:cond delay="0"/>
+                            </p:stCondLst>
+                            <p:childTnLst>
+                              <p:par>
+                                <p:cTn id="5" presetID="1" presetClass="exit" presetSubtype="0" fill="hold" nodeType="withEffect">
+                                  <p:stCondLst>
+                                    <p:cond delay="0"/>
+                                  </p:stCondLst>
+                                  <p:childTnLst>
+                                    <p:set>
+                                      <p:cBhvr>
+                                        <p:cTn id="6" dur="1" fill="hold">
+                                          <p:stCondLst>
+                                            <p:cond delay="0"/>
+                                          </p:stCondLst>
+                                        </p:cTn>
+                                        <p:tgtEl>
+                                          <p:spTgt spid="2">
+                                            <p:txEl>
+                                              <p:pRg st="0" end="0"/>
+                                            </p:txEl>
+                                          </p:spTgt>
+                                        </p:tgtEl>
+                                        <p:attrNameLst>
+                                          <p:attrName>style.visibility</p:attrName>
+                                        </p:attrNameLst>
+                                      </p:cBhvr>
+                                      <p:to>
+                                        <p:strVal val="hidden"/>
+                                      </p:to>
+                                    </p:set>
+                                  </p:childTnLst>
+                                </p:cTn>
+                              </p:par>
+                              <p:par>
+                                <p:cTn id="7" presetID="1" presetClass="exit" presetSubtype="0" fill="hold" nodeType="withEffect">
+                                  <p:stCondLst>
+                                    <p:cond delay="0"/>
+                                  </p:stCondLst>
+                                  <p:childTnLst>
+                                    <p:set>
+                                      <p:cBhvr>
+                                        <p:cTn id="8" dur="1" fill="hold">
+                                          <p:stCondLst>
+                                            <p:cond delay="0"/>
+                                          </p:stCondLst>
+                                        </p:cTn>
+                                        <p:tgtEl>
+                                          <p:spTgt spid="2">
+                                            <p:txEl>
+                                              <p:pRg st="1" end="1"/>
+                                            </p:txEl>
+                                          </p:spTgt>
+                                        </p:tgtEl>
+                                        <p:attrNameLst>
+                                          <p:attrName>style.visibility</p:attrName>
+                                        </p:attrNameLst>
+                                      </p:cBhvr>
+                                      <p:to>
+                                        <p:strVal val="hidden"/>
+                                      </p:to>
+                                    </p:set>
+                                  </p:childTnLst>
+                                </p:cTn>
+                              </p:par>
+                              <p:par>
+                                <p:cTn id="9" presetID="1" presetClass="exit" presetSubtype="0" fill="hold" nodeType="withEffect">
+                                  <p:stCondLst>
+                                    <p:cond delay="0"/>
+                                  </p:stCondLst>
+                                  <p:childTnLst>
+                                    <p:set>
+                                      <p:cBhvr>
+                                        <p:cTn id="10" dur="1" fill="hold">
+                                          <p:stCondLst>
+                                            <p:cond delay="0"/>
+                                          </p:stCondLst>
+                                        </p:cTn>
+                                        <p:tgtEl>
+                                          <p:spTgt spid="2">
+                                            <p:txEl>
+                                              <p:pRg st="3" end="3"/>
+                                            </p:txEl>
+                                          </p:spTgt>
+                                        </p:tgtEl>
+                                        <p:attrNameLst>
+                                          <p:attrName>style.visibility</p:attrName>
+                                        </p:attrNameLst>
+                                      </p:cBhvr>
+                                      <p:to>
+                                        <p:strVal val="hidden"/>
+                                      </p:to>
+                                    </p:set>
+                                  </p:childTnLst>
+                                </p:cTn>
+                              </p:par>
+                              <p:par>
+                                <p:cTn id="11" presetID="1" presetClass="exit" presetSubtype="0" fill="hold" nodeType="withEffect">
+                                  <p:stCondLst>
+                                    <p:cond delay="0"/>
+                                  </p:stCondLst>
+                                  <p:childTnLst>
+                                    <p:set>
+                                      <p:cBhvr>
+                                        <p:cTn id="12" dur="1" fill="hold">
+                                          <p:stCondLst>
+                                            <p:cond delay="0"/>
+                                          </p:stCondLst>
+                                        </p:cTn>
+                                        <p:tgtEl>
+                                          <p:spTgt spid="2">
+                                            <p:txEl>
+                                              <p:pRg st="4" end="4"/>
+                                            </p:txEl>
+                                          </p:spTgt>
+                                        </p:tgtEl>
+                                        <p:attrNameLst>
+                                          <p:attrName>style.visibility</p:attrName>
+                                        </p:attrNameLst>
+                                      </p:cBhvr>
+                                      <p:to>
+                                        <p:strVal val="hidden"/>
+                                      </p:to>
+                                    </p:set>
+                                  </p:childTnLst>
+                                </p:cTn>
+                              </p:par>
+                              <p:par>
+                                <p:cTn id="13" presetID="1" presetClass="exit" presetSubtype="0" fill="hold" nodeType="withEffect">
+                                  <p:stCondLst>
+                                    <p:cond delay="0"/>
+                                  </p:stCondLst>
+                                  <p:childTnLst>
+                                    <p:set>
+                                      <p:cBhvr>
+                                        <p:cTn id="14" dur="1" fill="hold">
+                                          <p:stCondLst>
+                                            <p:cond delay="0"/>
+                                          </p:stCondLst>
+                                        </p:cTn>
+                                        <p:tgtEl>
+                                          <p:spTgt spid="2">
+                                            <p:txEl>
+                                              <p:pRg st="6" end="6"/>
+                                            </p:txEl>
+                                          </p:spTgt>
+                                        </p:tgtEl>
+                                        <p:attrNameLst>
+                                          <p:attrName>style.visibility</p:attrName>
+                                        </p:attrNameLst>
+                                      </p:cBhvr>
+                                      <p:to>
+                                        <p:strVal val="hidden"/>
+                                      </p:to>
+                                    </p:set>
+                                  </p:childTnLst>
+                                </p:cTn>
+                              </p:par>
+                              <p:par>
+                                <p:cTn id="15" presetID="1" presetClass="exit" presetSubtype="0" fill="hold" nodeType="withEffect">
+                                  <p:stCondLst>
+                                    <p:cond delay="0"/>
+                                  </p:stCondLst>
+                                  <p:childTnLst>
+                                    <p:set>
+                                      <p:cBhvr>
+                                        <p:cTn id="16" dur="1" fill="hold">
+                                          <p:stCondLst>
+                                            <p:cond delay="0"/>
+                                          </p:stCondLst>
+                                        </p:cTn>
+                                        <p:tgtEl>
+                                          <p:spTgt spid="2">
+                                            <p:txEl>
+                                              <p:pRg st="7" end="7"/>
+                                            </p:txEl>
+                                          </p:spTgt>
+                                        </p:tgtEl>
+                                        <p:attrNameLst>
+                                          <p:attrName>style.visibility</p:attrName>
+                                        </p:attrNameLst>
+                                      </p:cBhvr>
+                                      <p:to>
+                                        <p:strVal val="hidden"/>
+                                      </p:to>
+                                    </p:set>
+                                  </p:childTnLst>
+                                </p:cTn>
+                              </p:par>
+                              <p:par>
+                                <p:cTn id="17" presetID="1" presetClass="exit" presetSubtype="0" fill="hold" nodeType="withEffect">
+                                  <p:stCondLst>
+                                    <p:cond delay="0"/>
+                                  </p:stCondLst>
+                                  <p:childTnLst>
+                                    <p:set>
+                                      <p:cBhvr>
+                                        <p:cTn id="18" dur="1" fill="hold">
+                                          <p:stCondLst>
+                                            <p:cond delay="0"/>
+                                          </p:stCondLst>
+                                        </p:cTn>
+                                        <p:tgtEl>
+                                          <p:spTgt spid="2">
+                                            <p:txEl>
+                                              <p:pRg st="8" end="8"/>
+                                            </p:txEl>
+                                          </p:spTgt>
+                                        </p:tgtEl>
+                                        <p:attrNameLst>
+                                          <p:attrName>style.visibility</p:attrName>
+                                        </p:attrNameLst>
+                                      </p:cBhvr>
+                                      <p:to>
+                                        <p:strVal val="hidden"/>
+                                      </p:to>
+                                    </p:set>
+                                  </p:childTnLst>
+                                </p:cTn>
+                              </p:par>
+                              <p:par>
+                                <p:cTn id="19" presetID="1" presetClass="exit" presetSubtype="0" fill="hold" nodeType="withEffect">
+                                  <p:stCondLst>
+                                    <p:cond delay="0"/>
+                                  </p:stCondLst>
+                                  <p:childTnLst>
+                                    <p:set>
+                                      <p:cBhvr>
+                                        <p:cTn id="20" dur="1" fill="hold">
+                                          <p:stCondLst>
+                                            <p:cond delay="0"/>
+                                          </p:stCondLst>
+                                        </p:cTn>
+                                        <p:tgtEl>
+                                          <p:spTgt spid="2">
+                                            <p:txEl>
+                                              <p:pRg st="9" end="9"/>
+                                            </p:txEl>
+                                          </p:spTgt>
+                                        </p:tgtEl>
+                                        <p:attrNameLst>
+                                          <p:attrName>style.visibility</p:attrName>
+                                        </p:attrNameLst>
+                                      </p:cBhvr>
+                                      <p:to>
+                                        <p:strVal val="hidden"/>
+                                      </p:to>
+                                    </p:set>
+                                  </p:childTnLst>
+                                </p:cTn>
+                              </p:par>
+                              <p:par>
+                                <p:cTn id="21" presetID="1" presetClass="exit" presetSubtype="0" fill="hold" nodeType="withEffect">
+                                  <p:stCondLst>
+                                    <p:cond delay="0"/>
+                                  </p:stCondLst>
+                                  <p:childTnLst>
+                                    <p:set>
+                                      <p:cBhvr>
+                                        <p:cTn id="22" dur="1" fill="hold">
+                                          <p:stCondLst>
+                                            <p:cond delay="0"/>
+                                          </p:stCondLst>
+                                        </p:cTn>
+                                        <p:tgtEl>
+                                          <p:spTgt spid="2">
+                                            <p:txEl>
+                                              <p:pRg st="11" end="11"/>
+                                            </p:txEl>
+                                          </p:spTgt>
+                                        </p:tgtEl>
+                                        <p:attrNameLst>
+                                          <p:attrName>style.visibility</p:attrName>
+                                        </p:attrNameLst>
+                                      </p:cBhvr>
+                                      <p:to>
+                                        <p:strVal val="hidden"/>
+                                      </p:to>
+                                    </p:set>
+                                  </p:childTnLst>
+                                </p:cTn>
+                              </p:par>
+                              <p:par>
+                                <p:cTn id="23" presetID="1" presetClass="exit" presetSubtype="0" fill="hold" nodeType="withEffect">
+                                  <p:stCondLst>
+                                    <p:cond delay="0"/>
+                                  </p:stCondLst>
+                                  <p:childTnLst>
+                                    <p:set>
+                                      <p:cBhvr>
+                                        <p:cTn id="24" dur="1" fill="hold">
+                                          <p:stCondLst>
+                                            <p:cond delay="0"/>
+                                          </p:stCondLst>
+                                        </p:cTn>
+                                        <p:tgtEl>
+                                          <p:spTgt spid="2">
+                                            <p:txEl>
+                                              <p:pRg st="12" end="12"/>
+                                            </p:txEl>
+                                          </p:spTgt>
+                                        </p:tgtEl>
+                                        <p:attrNameLst>
+                                          <p:attrName>style.visibility</p:attrName>
+                                        </p:attrNameLst>
+                                      </p:cBhvr>
+                                      <p:to>
+                                        <p:strVal val="hidden"/>
+                                      </p:to>
+                                    </p:set>
+                                  </p:childTnLst>
+                                </p:cTn>
+                              </p:par>
+                              <p:par>
+                                <p:cTn id="25" presetID="1" presetClass="exit" presetSubtype="0" fill="hold" nodeType="withEffect">
+                                  <p:stCondLst>
+                                    <p:cond delay="0"/>
+                                  </p:stCondLst>
+                                  <p:childTnLst>
+                                    <p:set>
+                                      <p:cBhvr>
+                                        <p:cTn id="26" dur="1" fill="hold">
+                                          <p:stCondLst>
+                                            <p:cond delay="0"/>
+                                          </p:stCondLst>
+                                        </p:cTn>
+                                        <p:tgtEl>
+                                          <p:spTgt spid="2">
+                                            <p:txEl>
+                                              <p:pRg st="13" end="13"/>
+                                            </p:txEl>
+                                          </p:spTgt>
+                                        </p:tgtEl>
+                                        <p:attrNameLst>
+                                          <p:attrName>style.visibility</p:attrName>
+                                        </p:attrNameLst>
+                                      </p:cBhvr>
+                                      <p:to>
+                                        <p:strVal val="hidden"/>
+                                      </p:to>
+                                    </p:set>
+                                  </p:childTnLst>
+                                </p:cTn>
+                              </p:par>
+                            </p:childTnLst>
+                          </p:cTn>
+                        </p:par>
+                      </p:childTnLst>
+                    </p:cTn>
+                  </p:par>
+                  <p:par>
+                    <p:cTn id="27" fill="hold">
+                      <p:stCondLst>
+                        <p:cond delay="indefinite"/>
+                      </p:stCondLst>
+                      <p:childTnLst>
+                        <p:par>
+                          <p:cTn id="28" fill="hold">
+                            <p:stCondLst>
+                              <p:cond delay="0"/>
+                            </p:stCondLst>
+                            <p:childTnLst>
+                              <p:par>
+                                <p:cTn id="29" presetID="1" presetClass="entr" presetSubtype="0" fill="hold" nodeType="clickEffect">
+                                  <p:stCondLst>
+                                    <p:cond delay="0"/>
+                                  </p:stCondLst>
+                                  <p:childTnLst>
+                                    <p:set>
+                                      <p:cBhvr>
+                                        <p:cTn id="30" dur="1" fill="hold">
+                                          <p:stCondLst>
+                                            <p:cond delay="0"/>
+                                          </p:stCondLst>
+                                        </p:cTn>
+                                        <p:tgtEl>
+                                          <p:spTgt spid="2">
+                                            <p:txEl>
+                                              <p:pRg st="0" end="0"/>
+                                            </p:txEl>
+                                          </p:spTgt>
+                                        </p:tgtEl>
+                                        <p:attrNameLst>
+                                          <p:attrName>style.visibility</p:attrName>
+                                        </p:attrNameLst>
+                                      </p:cBhvr>
+                                      <p:to>
+                                        <p:strVal val="visible"/>
+                                      </p:to>
+                                    </p:set>
+                                  </p:childTnLst>
+                                </p:cTn>
+                              </p:par>
+                              <p:par>
+                                <p:cTn id="31" presetID="1" presetClass="entr" presetSubtype="0" fill="hold" nodeType="withEffect">
+                                  <p:stCondLst>
+                                    <p:cond delay="0"/>
+                                  </p:stCondLst>
+                                  <p:childTnLst>
+                                    <p:set>
+                                      <p:cBhvr>
+                                        <p:cTn id="32" dur="1" fill="hold">
+                                          <p:stCondLst>
+                                            <p:cond delay="0"/>
+                                          </p:stCondLst>
+                                        </p:cTn>
+                                        <p:tgtEl>
+                                          <p:spTgt spid="2">
+                                            <p:txEl>
+                                              <p:pRg st="1" end="1"/>
+                                            </p:txEl>
+                                          </p:spTgt>
+                                        </p:tgtEl>
+                                        <p:attrNameLst>
+                                          <p:attrName>style.visibility</p:attrName>
+                                        </p:attrNameLst>
+                                      </p:cBhvr>
+                                      <p:to>
+                                        <p:strVal val="visible"/>
+                                      </p:to>
+                                    </p:set>
+                                  </p:childTnLst>
+                                </p:cTn>
+                              </p:par>
+                            </p:childTnLst>
+                          </p:cTn>
+                        </p:par>
+                      </p:childTnLst>
+                    </p:cTn>
+                  </p:par>
+                  <p:par>
+                    <p:cTn id="33" fill="hold">
+                      <p:stCondLst>
+                        <p:cond delay="indefinite"/>
+                      </p:stCondLst>
+                      <p:childTnLst>
+                        <p:par>
+                          <p:cTn id="34" fill="hold">
+                            <p:stCondLst>
+                              <p:cond delay="0"/>
+                            </p:stCondLst>
+                            <p:childTnLst>
+                              <p:par>
+                                <p:cTn id="35" presetID="1" presetClass="entr" presetSubtype="0" fill="hold" nodeType="clickEffect">
+                                  <p:stCondLst>
+                                    <p:cond delay="0"/>
+                                  </p:stCondLst>
+                                  <p:childTnLst>
+                                    <p:set>
+                                      <p:cBhvr>
+                                        <p:cTn id="36" dur="1" fill="hold">
+                                          <p:stCondLst>
+                                            <p:cond delay="0"/>
+                                          </p:stCondLst>
+                                        </p:cTn>
+                                        <p:tgtEl>
+                                          <p:spTgt spid="2">
+                                            <p:txEl>
+                                              <p:pRg st="3" end="3"/>
+                                            </p:txEl>
+                                          </p:spTgt>
+                                        </p:tgtEl>
+                                        <p:attrNameLst>
+                                          <p:attrName>style.visibility</p:attrName>
+                                        </p:attrNameLst>
+                                      </p:cBhvr>
+                                      <p:to>
+                                        <p:strVal val="visible"/>
+                                      </p:to>
+                                    </p:set>
+                                  </p:childTnLst>
+                                </p:cTn>
+                              </p:par>
+                              <p:par>
+                                <p:cTn id="37" presetID="1" presetClass="entr" presetSubtype="0" fill="hold" nodeType="withEffect">
+                                  <p:stCondLst>
+                                    <p:cond delay="0"/>
+                                  </p:stCondLst>
+                                  <p:childTnLst>
+                                    <p:set>
+                                      <p:cBhvr>
+                                        <p:cTn id="38" dur="1" fill="hold">
+                                          <p:stCondLst>
+                                            <p:cond delay="0"/>
+                                          </p:stCondLst>
+                                        </p:cTn>
+                                        <p:tgtEl>
+                                          <p:spTgt spid="2">
+                                            <p:txEl>
+                                              <p:pRg st="4" end="4"/>
+                                            </p:txEl>
+                                          </p:spTgt>
+                                        </p:tgtEl>
+                                        <p:attrNameLst>
+                                          <p:attrName>style.visibility</p:attrName>
+                                        </p:attrNameLst>
+                                      </p:cBhvr>
+                                      <p:to>
+                                        <p:strVal val="visible"/>
+                                      </p:to>
+                                    </p:set>
+                                  </p:childTnLst>
+                                </p:cTn>
+                              </p:par>
+                            </p:childTnLst>
+                          </p:cTn>
+                        </p:par>
+                      </p:childTnLst>
+                    </p:cTn>
+                  </p:par>
+                  <p:par>
+                    <p:cTn id="39" fill="hold">
+                      <p:stCondLst>
+                        <p:cond delay="indefinite"/>
+                      </p:stCondLst>
+                      <p:childTnLst>
+                        <p:par>
+                          <p:cTn id="40" fill="hold">
+                            <p:stCondLst>
+                              <p:cond delay="0"/>
+                            </p:stCondLst>
+                            <p:childTnLst>
+                              <p:par>
+                                <p:cTn id="41" presetID="1" presetClass="entr" presetSubtype="0" fill="hold" nodeType="clickEffect">
+                                  <p:stCondLst>
+                                    <p:cond delay="0"/>
+                                  </p:stCondLst>
+                                  <p:childTnLst>
+                                    <p:set>
+                                      <p:cBhvr>
+                                        <p:cTn id="42" dur="1" fill="hold">
+                                          <p:stCondLst>
+                                            <p:cond delay="0"/>
+                                          </p:stCondLst>
+                                        </p:cTn>
+                                        <p:tgtEl>
+                                          <p:spTgt spid="2">
+                                            <p:txEl>
+                                              <p:pRg st="6" end="6"/>
+                                            </p:txEl>
+                                          </p:spTgt>
+                                        </p:tgtEl>
+                                        <p:attrNameLst>
+                                          <p:attrName>style.visibility</p:attrName>
+                                        </p:attrNameLst>
+                                      </p:cBhvr>
+                                      <p:to>
+                                        <p:strVal val="visible"/>
+                                      </p:to>
+                                    </p:set>
+                                  </p:childTnLst>
+                                </p:cTn>
+                              </p:par>
+                              <p:par>
+                                <p:cTn id="43" presetID="1" presetClass="entr" presetSubtype="0" fill="hold" nodeType="withEffect">
+                                  <p:stCondLst>
+                                    <p:cond delay="0"/>
+                                  </p:stCondLst>
+                                  <p:childTnLst>
+                                    <p:set>
+                                      <p:cBhvr>
+                                        <p:cTn id="44" dur="1" fill="hold">
+                                          <p:stCondLst>
+                                            <p:cond delay="0"/>
+                                          </p:stCondLst>
+                                        </p:cTn>
+                                        <p:tgtEl>
+                                          <p:spTgt spid="2">
+                                            <p:txEl>
+                                              <p:pRg st="7" end="7"/>
+                                            </p:txEl>
+                                          </p:spTgt>
+                                        </p:tgtEl>
+                                        <p:attrNameLst>
+                                          <p:attrName>style.visibility</p:attrName>
+                                        </p:attrNameLst>
+                                      </p:cBhvr>
+                                      <p:to>
+                                        <p:strVal val="visible"/>
+                                      </p:to>
+                                    </p:set>
+                                  </p:childTnLst>
+                                </p:cTn>
+                              </p:par>
+                              <p:par>
+                                <p:cTn id="45" presetID="1" presetClass="entr" presetSubtype="0" fill="hold" nodeType="withEffect">
+                                  <p:stCondLst>
+                                    <p:cond delay="0"/>
+                                  </p:stCondLst>
+                                  <p:childTnLst>
+                                    <p:set>
+                                      <p:cBhvr>
+                                        <p:cTn id="46" dur="1" fill="hold">
+                                          <p:stCondLst>
+                                            <p:cond delay="0"/>
+                                          </p:stCondLst>
+                                        </p:cTn>
+                                        <p:tgtEl>
+                                          <p:spTgt spid="2">
+                                            <p:txEl>
+                                              <p:pRg st="8" end="8"/>
+                                            </p:txEl>
+                                          </p:spTgt>
+                                        </p:tgtEl>
+                                        <p:attrNameLst>
+                                          <p:attrName>style.visibility</p:attrName>
+                                        </p:attrNameLst>
+                                      </p:cBhvr>
+                                      <p:to>
+                                        <p:strVal val="visible"/>
+                                      </p:to>
+                                    </p:set>
+                                  </p:childTnLst>
+                                </p:cTn>
+                              </p:par>
+                              <p:par>
+                                <p:cTn id="47" presetID="1" presetClass="entr" presetSubtype="0" fill="hold" nodeType="withEffect">
+                                  <p:stCondLst>
+                                    <p:cond delay="0"/>
+                                  </p:stCondLst>
+                                  <p:childTnLst>
+                                    <p:set>
+                                      <p:cBhvr>
+                                        <p:cTn id="48" dur="1" fill="hold">
+                                          <p:stCondLst>
+                                            <p:cond delay="0"/>
+                                          </p:stCondLst>
+                                        </p:cTn>
+                                        <p:tgtEl>
+                                          <p:spTgt spid="2">
+                                            <p:txEl>
+                                              <p:pRg st="9" end="9"/>
+                                            </p:txEl>
+                                          </p:spTgt>
+                                        </p:tgtEl>
+                                        <p:attrNameLst>
+                                          <p:attrName>style.visibility</p:attrName>
+                                        </p:attrNameLst>
+                                      </p:cBhvr>
+                                      <p:to>
+                                        <p:strVal val="visible"/>
+                                      </p:to>
+                                    </p:set>
+                                  </p:childTnLst>
+                                </p:cTn>
+                              </p:par>
+                            </p:childTnLst>
+                          </p:cTn>
+                        </p:par>
+                      </p:childTnLst>
+                    </p:cTn>
+                  </p:par>
+                  <p:par>
+                    <p:cTn id="49" fill="hold">
+                      <p:stCondLst>
+                        <p:cond delay="indefinite"/>
+                      </p:stCondLst>
+                      <p:childTnLst>
+                        <p:par>
+                          <p:cTn id="50" fill="hold">
+                            <p:stCondLst>
+                              <p:cond delay="0"/>
+                            </p:stCondLst>
+                            <p:childTnLst>
+                              <p:par>
+                                <p:cTn id="51" presetID="1" presetClass="entr" presetSubtype="0" fill="hold" nodeType="clickEffect">
+                                  <p:stCondLst>
+                                    <p:cond delay="0"/>
+                                  </p:stCondLst>
+                                  <p:childTnLst>
+                                    <p:set>
+                                      <p:cBhvr>
+                                        <p:cTn id="52" dur="1" fill="hold">
+                                          <p:stCondLst>
+                                            <p:cond delay="0"/>
+                                          </p:stCondLst>
+                                        </p:cTn>
+                                        <p:tgtEl>
+                                          <p:spTgt spid="2">
+                                            <p:txEl>
+                                              <p:pRg st="11" end="11"/>
+                                            </p:txEl>
+                                          </p:spTgt>
+                                        </p:tgtEl>
+                                        <p:attrNameLst>
+                                          <p:attrName>style.visibility</p:attrName>
+                                        </p:attrNameLst>
+                                      </p:cBhvr>
+                                      <p:to>
+                                        <p:strVal val="visible"/>
+                                      </p:to>
+                                    </p:set>
+                                  </p:childTnLst>
+                                </p:cTn>
+                              </p:par>
+                              <p:par>
+                                <p:cTn id="53" presetID="1" presetClass="entr" presetSubtype="0" fill="hold" nodeType="withEffect">
+                                  <p:stCondLst>
+                                    <p:cond delay="0"/>
+                                  </p:stCondLst>
+                                  <p:childTnLst>
+                                    <p:set>
+                                      <p:cBhvr>
+                                        <p:cTn id="54" dur="1" fill="hold">
+                                          <p:stCondLst>
+                                            <p:cond delay="0"/>
+                                          </p:stCondLst>
+                                        </p:cTn>
+                                        <p:tgtEl>
+                                          <p:spTgt spid="2">
+                                            <p:txEl>
+                                              <p:pRg st="12" end="12"/>
+                                            </p:txEl>
+                                          </p:spTgt>
+                                        </p:tgtEl>
+                                        <p:attrNameLst>
+                                          <p:attrName>style.visibility</p:attrName>
+                                        </p:attrNameLst>
+                                      </p:cBhvr>
+                                      <p:to>
+                                        <p:strVal val="visible"/>
+                                      </p:to>
+                                    </p:set>
+                                  </p:childTnLst>
+                                </p:cTn>
+                              </p:par>
+                              <p:par>
+                                <p:cTn id="55" presetID="1" presetClass="entr" presetSubtype="0" fill="hold" nodeType="withEffect">
+                                  <p:stCondLst>
+                                    <p:cond delay="0"/>
+                                  </p:stCondLst>
+                                  <p:childTnLst>
+                                    <p:set>
+                                      <p:cBhvr>
+                                        <p:cTn id="56" dur="1" fill="hold">
+                                          <p:stCondLst>
+                                            <p:cond delay="0"/>
+                                          </p:stCondLst>
+                                        </p:cTn>
+                                        <p:tgtEl>
+                                          <p:spTgt spid="2">
+                                            <p:txEl>
+                                              <p:pRg st="13" end="13"/>
+                                            </p:txEl>
+                                          </p:spTgt>
+                                        </p:tgtEl>
+                                        <p:attrNameLst>
+                                          <p:attrName>style.visibility</p:attrName>
+                                        </p:attrNameLst>
+                                      </p:cBhvr>
+                                      <p:to>
+                                        <p:strVal val="visible"/>
+                                      </p:to>
+                                    </p:set>
+                                  </p:childTnLst>
+                                </p:cTn>
+                              </p:par>
+                            </p:childTnLst>
+                          </p:cTn>
+                        </p:par>
+                      </p:childTnLst>
+                    </p:cTn>
+                  </p:par>
+                </p:childTnLst>
+              </p:cTn>
+              <p:prevCondLst>
+                <p:cond evt="onPrev" delay="0">
+                  <p:tgtEl>
+                    <p:sldTgt/>
+                  </p:tgtEl>
+                </p:cond>
+              </p:prevCondLst>
+              <p:nextCondLst>
+                <p:cond evt="onNext" delay="0">
+                  <p:tgtEl>
+                    <p:sldTgt/>
+                  </p:tgtEl>
+                </p:cond>
+              </p:nextCondLst>
+            </p:seq>
+          </p:childTnLst>
+        </p:cTn>
       </p:par>
     </p:tnLst>
   </p:timing>
@@ -7431,11 +8628,7 @@
             </a:r>
             <a:r>
               <a:rPr lang="pt-PT" dirty="0" smtClean="0"/>
-              <a:t> no caso do </a:t>
-            </a:r>
-            <a:r>
-              <a:rPr lang="pt-PT" dirty="0" smtClean="0"/>
-              <a:t>GET</a:t>
+              <a:t> no caso do GET</a:t>
             </a:r>
             <a:endParaRPr lang="pt-PT" dirty="0"/>
           </a:p>
@@ -7532,6 +8725,13 @@
   <p:clrMapOvr>
     <a:masterClrMapping/>
   </p:clrMapOvr>
+  <p:timing>
+    <p:tnLst>
+      <p:par>
+        <p:cTn id="1" dur="indefinite" restart="never" nodeType="tmRoot"/>
+      </p:par>
+    </p:tnLst>
+  </p:timing>
 </p:sld>
 </file>
 
@@ -7648,7 +8848,7 @@
             <a:r>
               <a:rPr lang="en-US" sz="1400" dirty="0" err="1" smtClean="0">
                 <a:solidFill>
-                  <a:srgbClr val="333333"/>
+                  <a:srgbClr val="2B91AF"/>
                 </a:solidFill>
                 <a:latin typeface="Consolas" pitchFamily="49" charset="0"/>
               </a:rPr>
@@ -7661,7 +8861,25 @@
                 </a:solidFill>
                 <a:latin typeface="Consolas" pitchFamily="49" charset="0"/>
               </a:rPr>
-              <a:t> get(String </a:t>
+              <a:t> get(</a:t>
+            </a:r>
+            <a:r>
+              <a:rPr lang="en-US" sz="1400" dirty="0" smtClean="0">
+                <a:solidFill>
+                  <a:srgbClr val="2B91AF"/>
+                </a:solidFill>
+                <a:latin typeface="Consolas" pitchFamily="49" charset="0"/>
+              </a:rPr>
+              <a:t>String</a:t>
+            </a:r>
+            <a:r>
+              <a:rPr lang="en-US" sz="1400" dirty="0" smtClean="0">
+                <a:solidFill>
+                  <a:srgbClr val="333333"/>
+                </a:solidFill>
+                <a:latin typeface="Consolas" pitchFamily="49" charset="0"/>
+              </a:rPr>
+              <a:t> </a:t>
             </a:r>
             <a:r>
               <a:rPr lang="en-US" sz="1400" dirty="0" err="1" smtClean="0">
@@ -7679,12 +8897,30 @@
                 </a:solidFill>
                 <a:latin typeface="Consolas" pitchFamily="49" charset="0"/>
               </a:rPr>
-              <a:t>, List&lt;</a:t>
+              <a:t>, </a:t>
+            </a:r>
+            <a:r>
+              <a:rPr lang="en-US" sz="1400" dirty="0" smtClean="0">
+                <a:solidFill>
+                  <a:srgbClr val="2B91AF"/>
+                </a:solidFill>
+                <a:latin typeface="Consolas" pitchFamily="49" charset="0"/>
+              </a:rPr>
+              <a:t>List</a:t>
+            </a:r>
+            <a:r>
+              <a:rPr lang="en-US" sz="1400" dirty="0" smtClean="0">
+                <a:solidFill>
+                  <a:srgbClr val="333333"/>
+                </a:solidFill>
+                <a:latin typeface="Consolas" pitchFamily="49" charset="0"/>
+              </a:rPr>
+              <a:t>&lt;</a:t>
             </a:r>
             <a:r>
               <a:rPr lang="en-US" sz="1400" dirty="0" err="1" smtClean="0">
                 <a:solidFill>
-                  <a:srgbClr val="333333"/>
+                  <a:srgbClr val="2B91AF"/>
                 </a:solidFill>
                 <a:latin typeface="Consolas" pitchFamily="49" charset="0"/>
               </a:rPr>
@@ -7804,7 +9040,7 @@
             <a:r>
               <a:rPr lang="pt-PT" sz="1400" dirty="0" err="1" smtClean="0">
                 <a:solidFill>
-                  <a:srgbClr val="333333"/>
+                  <a:srgbClr val="2B91AF"/>
                 </a:solidFill>
                 <a:latin typeface="Consolas" pitchFamily="49" charset="0"/>
               </a:rPr>
@@ -7858,7 +9094,7 @@
             <a:r>
               <a:rPr lang="pt-PT" sz="1400" dirty="0" err="1" smtClean="0">
                 <a:solidFill>
-                  <a:srgbClr val="333333"/>
+                  <a:srgbClr val="2B91AF"/>
                 </a:solidFill>
                 <a:latin typeface="Consolas" pitchFamily="49" charset="0"/>
               </a:rPr>
@@ -7957,11 +9193,20 @@
             <a:r>
               <a:rPr lang="en-US" sz="1400" dirty="0" smtClean="0">
                 <a:solidFill>
-                  <a:srgbClr val="333333"/>
-                </a:solidFill>
-                <a:latin typeface="Consolas" pitchFamily="49" charset="0"/>
-              </a:rPr>
-              <a:t>String </a:t>
+                  <a:srgbClr val="2B91AF"/>
+                </a:solidFill>
+                <a:latin typeface="Consolas" pitchFamily="49" charset="0"/>
+              </a:rPr>
+              <a:t>String</a:t>
+            </a:r>
+            <a:r>
+              <a:rPr lang="en-US" sz="1400" dirty="0" smtClean="0">
+                <a:solidFill>
+                  <a:srgbClr val="333333"/>
+                </a:solidFill>
+                <a:latin typeface="Consolas" pitchFamily="49" charset="0"/>
+              </a:rPr>
+              <a:t> </a:t>
             </a:r>
             <a:r>
               <a:rPr lang="en-US" sz="1400" dirty="0" err="1" smtClean="0">
@@ -7984,11 +9229,20 @@
             <a:r>
               <a:rPr lang="en-US" sz="1400" dirty="0" err="1" smtClean="0">
                 <a:solidFill>
-                  <a:srgbClr val="333333"/>
-                </a:solidFill>
-                <a:latin typeface="Consolas" pitchFamily="49" charset="0"/>
-              </a:rPr>
-              <a:t>URLEncodedUtils.format</a:t>
+                  <a:srgbClr val="2B91AF"/>
+                </a:solidFill>
+                <a:latin typeface="Consolas" pitchFamily="49" charset="0"/>
+              </a:rPr>
+              <a:t>URLEncodedUtils</a:t>
+            </a:r>
+            <a:r>
+              <a:rPr lang="en-US" sz="1400" dirty="0" err="1" smtClean="0">
+                <a:solidFill>
+                  <a:srgbClr val="333333"/>
+                </a:solidFill>
+                <a:latin typeface="Consolas" pitchFamily="49" charset="0"/>
+              </a:rPr>
+              <a:t>.format</a:t>
             </a:r>
             <a:r>
               <a:rPr lang="en-US" sz="1400" dirty="0" smtClean="0">
@@ -8157,7 +9411,7 @@
             <a:r>
               <a:rPr lang="en-US" sz="1400" dirty="0" err="1" smtClean="0">
                 <a:solidFill>
-                  <a:srgbClr val="333333"/>
+                  <a:srgbClr val="2B91AF"/>
                 </a:solidFill>
                 <a:latin typeface="Consolas" pitchFamily="49" charset="0"/>
               </a:rPr>
@@ -8211,7 +9465,7 @@
             <a:r>
               <a:rPr lang="en-US" sz="1400" dirty="0" err="1" smtClean="0">
                 <a:solidFill>
-                  <a:srgbClr val="333333"/>
+                  <a:srgbClr val="2B91AF"/>
                 </a:solidFill>
                 <a:latin typeface="Consolas" pitchFamily="49" charset="0"/>
               </a:rPr>
@@ -8258,7 +9512,7 @@
             <a:r>
               <a:rPr lang="pt-PT" sz="1400" dirty="0" err="1" smtClean="0">
                 <a:solidFill>
-                  <a:srgbClr val="333333"/>
+                  <a:srgbClr val="2B91AF"/>
                 </a:solidFill>
                 <a:latin typeface="Consolas" pitchFamily="49" charset="0"/>
               </a:rPr>
@@ -8392,7 +9646,725 @@
   <p:timing>
     <p:tnLst>
       <p:par>
-        <p:cTn id="1" dur="indefinite" restart="never" nodeType="tmRoot"/>
+        <p:cTn id="1" dur="indefinite" restart="never" nodeType="tmRoot">
+          <p:childTnLst>
+            <p:seq concurrent="1" nextAc="seek">
+              <p:cTn id="2" dur="indefinite" nodeType="mainSeq">
+                <p:childTnLst>
+                  <p:par>
+                    <p:cTn id="3" fill="hold">
+                      <p:stCondLst>
+                        <p:cond delay="indefinite"/>
+                        <p:cond evt="onBegin" delay="0">
+                          <p:tn val="2"/>
+                        </p:cond>
+                      </p:stCondLst>
+                      <p:childTnLst>
+                        <p:par>
+                          <p:cTn id="4" fill="hold">
+                            <p:stCondLst>
+                              <p:cond delay="0"/>
+                            </p:stCondLst>
+                            <p:childTnLst>
+                              <p:par>
+                                <p:cTn id="5" presetID="1" presetClass="exit" presetSubtype="0" fill="hold" nodeType="withEffect">
+                                  <p:stCondLst>
+                                    <p:cond delay="0"/>
+                                  </p:stCondLst>
+                                  <p:childTnLst>
+                                    <p:set>
+                                      <p:cBhvr>
+                                        <p:cTn id="6" dur="1" fill="hold">
+                                          <p:stCondLst>
+                                            <p:cond delay="0"/>
+                                          </p:stCondLst>
+                                        </p:cTn>
+                                        <p:tgtEl>
+                                          <p:spTgt spid="2">
+                                            <p:txEl>
+                                              <p:pRg st="2" end="2"/>
+                                            </p:txEl>
+                                          </p:spTgt>
+                                        </p:tgtEl>
+                                        <p:attrNameLst>
+                                          <p:attrName>style.visibility</p:attrName>
+                                        </p:attrNameLst>
+                                      </p:cBhvr>
+                                      <p:to>
+                                        <p:strVal val="hidden"/>
+                                      </p:to>
+                                    </p:set>
+                                  </p:childTnLst>
+                                </p:cTn>
+                              </p:par>
+                              <p:par>
+                                <p:cTn id="7" presetID="1" presetClass="exit" presetSubtype="0" fill="hold" nodeType="withEffect">
+                                  <p:stCondLst>
+                                    <p:cond delay="0"/>
+                                  </p:stCondLst>
+                                  <p:childTnLst>
+                                    <p:set>
+                                      <p:cBhvr>
+                                        <p:cTn id="8" dur="1" fill="hold">
+                                          <p:stCondLst>
+                                            <p:cond delay="0"/>
+                                          </p:stCondLst>
+                                        </p:cTn>
+                                        <p:tgtEl>
+                                          <p:spTgt spid="2">
+                                            <p:txEl>
+                                              <p:pRg st="3" end="3"/>
+                                            </p:txEl>
+                                          </p:spTgt>
+                                        </p:tgtEl>
+                                        <p:attrNameLst>
+                                          <p:attrName>style.visibility</p:attrName>
+                                        </p:attrNameLst>
+                                      </p:cBhvr>
+                                      <p:to>
+                                        <p:strVal val="hidden"/>
+                                      </p:to>
+                                    </p:set>
+                                  </p:childTnLst>
+                                </p:cTn>
+                              </p:par>
+                              <p:par>
+                                <p:cTn id="9" presetID="1" presetClass="exit" presetSubtype="0" fill="hold" nodeType="withEffect">
+                                  <p:stCondLst>
+                                    <p:cond delay="0"/>
+                                  </p:stCondLst>
+                                  <p:childTnLst>
+                                    <p:set>
+                                      <p:cBhvr>
+                                        <p:cTn id="10" dur="1" fill="hold">
+                                          <p:stCondLst>
+                                            <p:cond delay="0"/>
+                                          </p:stCondLst>
+                                        </p:cTn>
+                                        <p:tgtEl>
+                                          <p:spTgt spid="2">
+                                            <p:txEl>
+                                              <p:pRg st="4" end="4"/>
+                                            </p:txEl>
+                                          </p:spTgt>
+                                        </p:tgtEl>
+                                        <p:attrNameLst>
+                                          <p:attrName>style.visibility</p:attrName>
+                                        </p:attrNameLst>
+                                      </p:cBhvr>
+                                      <p:to>
+                                        <p:strVal val="hidden"/>
+                                      </p:to>
+                                    </p:set>
+                                  </p:childTnLst>
+                                </p:cTn>
+                              </p:par>
+                              <p:par>
+                                <p:cTn id="11" presetID="1" presetClass="exit" presetSubtype="0" fill="hold" nodeType="withEffect">
+                                  <p:stCondLst>
+                                    <p:cond delay="0"/>
+                                  </p:stCondLst>
+                                  <p:childTnLst>
+                                    <p:set>
+                                      <p:cBhvr>
+                                        <p:cTn id="12" dur="1" fill="hold">
+                                          <p:stCondLst>
+                                            <p:cond delay="0"/>
+                                          </p:stCondLst>
+                                        </p:cTn>
+                                        <p:tgtEl>
+                                          <p:spTgt spid="2">
+                                            <p:txEl>
+                                              <p:pRg st="6" end="6"/>
+                                            </p:txEl>
+                                          </p:spTgt>
+                                        </p:tgtEl>
+                                        <p:attrNameLst>
+                                          <p:attrName>style.visibility</p:attrName>
+                                        </p:attrNameLst>
+                                      </p:cBhvr>
+                                      <p:to>
+                                        <p:strVal val="hidden"/>
+                                      </p:to>
+                                    </p:set>
+                                  </p:childTnLst>
+                                </p:cTn>
+                              </p:par>
+                              <p:par>
+                                <p:cTn id="13" presetID="1" presetClass="exit" presetSubtype="0" fill="hold" nodeType="withEffect">
+                                  <p:stCondLst>
+                                    <p:cond delay="0"/>
+                                  </p:stCondLst>
+                                  <p:childTnLst>
+                                    <p:set>
+                                      <p:cBhvr>
+                                        <p:cTn id="14" dur="1" fill="hold">
+                                          <p:stCondLst>
+                                            <p:cond delay="0"/>
+                                          </p:stCondLst>
+                                        </p:cTn>
+                                        <p:tgtEl>
+                                          <p:spTgt spid="2">
+                                            <p:txEl>
+                                              <p:pRg st="7" end="7"/>
+                                            </p:txEl>
+                                          </p:spTgt>
+                                        </p:tgtEl>
+                                        <p:attrNameLst>
+                                          <p:attrName>style.visibility</p:attrName>
+                                        </p:attrNameLst>
+                                      </p:cBhvr>
+                                      <p:to>
+                                        <p:strVal val="hidden"/>
+                                      </p:to>
+                                    </p:set>
+                                  </p:childTnLst>
+                                </p:cTn>
+                              </p:par>
+                              <p:par>
+                                <p:cTn id="15" presetID="1" presetClass="exit" presetSubtype="0" fill="hold" nodeType="withEffect">
+                                  <p:stCondLst>
+                                    <p:cond delay="0"/>
+                                  </p:stCondLst>
+                                  <p:childTnLst>
+                                    <p:set>
+                                      <p:cBhvr>
+                                        <p:cTn id="16" dur="1" fill="hold">
+                                          <p:stCondLst>
+                                            <p:cond delay="0"/>
+                                          </p:stCondLst>
+                                        </p:cTn>
+                                        <p:tgtEl>
+                                          <p:spTgt spid="2">
+                                            <p:txEl>
+                                              <p:pRg st="8" end="8"/>
+                                            </p:txEl>
+                                          </p:spTgt>
+                                        </p:tgtEl>
+                                        <p:attrNameLst>
+                                          <p:attrName>style.visibility</p:attrName>
+                                        </p:attrNameLst>
+                                      </p:cBhvr>
+                                      <p:to>
+                                        <p:strVal val="hidden"/>
+                                      </p:to>
+                                    </p:set>
+                                  </p:childTnLst>
+                                </p:cTn>
+                              </p:par>
+                              <p:par>
+                                <p:cTn id="17" presetID="1" presetClass="exit" presetSubtype="0" fill="hold" nodeType="withEffect">
+                                  <p:stCondLst>
+                                    <p:cond delay="0"/>
+                                  </p:stCondLst>
+                                  <p:childTnLst>
+                                    <p:set>
+                                      <p:cBhvr>
+                                        <p:cTn id="18" dur="1" fill="hold">
+                                          <p:stCondLst>
+                                            <p:cond delay="0"/>
+                                          </p:stCondLst>
+                                        </p:cTn>
+                                        <p:tgtEl>
+                                          <p:spTgt spid="2">
+                                            <p:txEl>
+                                              <p:pRg st="10" end="10"/>
+                                            </p:txEl>
+                                          </p:spTgt>
+                                        </p:tgtEl>
+                                        <p:attrNameLst>
+                                          <p:attrName>style.visibility</p:attrName>
+                                        </p:attrNameLst>
+                                      </p:cBhvr>
+                                      <p:to>
+                                        <p:strVal val="hidden"/>
+                                      </p:to>
+                                    </p:set>
+                                  </p:childTnLst>
+                                </p:cTn>
+                              </p:par>
+                              <p:par>
+                                <p:cTn id="19" presetID="1" presetClass="exit" presetSubtype="0" fill="hold" nodeType="withEffect">
+                                  <p:stCondLst>
+                                    <p:cond delay="0"/>
+                                  </p:stCondLst>
+                                  <p:childTnLst>
+                                    <p:set>
+                                      <p:cBhvr>
+                                        <p:cTn id="20" dur="1" fill="hold">
+                                          <p:stCondLst>
+                                            <p:cond delay="0"/>
+                                          </p:stCondLst>
+                                        </p:cTn>
+                                        <p:tgtEl>
+                                          <p:spTgt spid="2">
+                                            <p:txEl>
+                                              <p:pRg st="11" end="11"/>
+                                            </p:txEl>
+                                          </p:spTgt>
+                                        </p:tgtEl>
+                                        <p:attrNameLst>
+                                          <p:attrName>style.visibility</p:attrName>
+                                        </p:attrNameLst>
+                                      </p:cBhvr>
+                                      <p:to>
+                                        <p:strVal val="hidden"/>
+                                      </p:to>
+                                    </p:set>
+                                  </p:childTnLst>
+                                </p:cTn>
+                              </p:par>
+                              <p:par>
+                                <p:cTn id="21" presetID="1" presetClass="exit" presetSubtype="0" fill="hold" nodeType="withEffect">
+                                  <p:stCondLst>
+                                    <p:cond delay="0"/>
+                                  </p:stCondLst>
+                                  <p:childTnLst>
+                                    <p:set>
+                                      <p:cBhvr>
+                                        <p:cTn id="22" dur="1" fill="hold">
+                                          <p:stCondLst>
+                                            <p:cond delay="0"/>
+                                          </p:stCondLst>
+                                        </p:cTn>
+                                        <p:tgtEl>
+                                          <p:spTgt spid="2">
+                                            <p:txEl>
+                                              <p:pRg st="12" end="12"/>
+                                            </p:txEl>
+                                          </p:spTgt>
+                                        </p:tgtEl>
+                                        <p:attrNameLst>
+                                          <p:attrName>style.visibility</p:attrName>
+                                        </p:attrNameLst>
+                                      </p:cBhvr>
+                                      <p:to>
+                                        <p:strVal val="hidden"/>
+                                      </p:to>
+                                    </p:set>
+                                  </p:childTnLst>
+                                </p:cTn>
+                              </p:par>
+                              <p:par>
+                                <p:cTn id="23" presetID="1" presetClass="exit" presetSubtype="0" fill="hold" nodeType="withEffect">
+                                  <p:stCondLst>
+                                    <p:cond delay="0"/>
+                                  </p:stCondLst>
+                                  <p:childTnLst>
+                                    <p:set>
+                                      <p:cBhvr>
+                                        <p:cTn id="24" dur="1" fill="hold">
+                                          <p:stCondLst>
+                                            <p:cond delay="0"/>
+                                          </p:stCondLst>
+                                        </p:cTn>
+                                        <p:tgtEl>
+                                          <p:spTgt spid="2">
+                                            <p:txEl>
+                                              <p:pRg st="14" end="14"/>
+                                            </p:txEl>
+                                          </p:spTgt>
+                                        </p:tgtEl>
+                                        <p:attrNameLst>
+                                          <p:attrName>style.visibility</p:attrName>
+                                        </p:attrNameLst>
+                                      </p:cBhvr>
+                                      <p:to>
+                                        <p:strVal val="hidden"/>
+                                      </p:to>
+                                    </p:set>
+                                  </p:childTnLst>
+                                </p:cTn>
+                              </p:par>
+                            </p:childTnLst>
+                          </p:cTn>
+                        </p:par>
+                      </p:childTnLst>
+                    </p:cTn>
+                  </p:par>
+                  <p:par>
+                    <p:cTn id="25" fill="hold">
+                      <p:stCondLst>
+                        <p:cond delay="indefinite"/>
+                      </p:stCondLst>
+                      <p:childTnLst>
+                        <p:par>
+                          <p:cTn id="26" fill="hold">
+                            <p:stCondLst>
+                              <p:cond delay="0"/>
+                            </p:stCondLst>
+                            <p:childTnLst>
+                              <p:par>
+                                <p:cTn id="27" presetID="1" presetClass="entr" presetSubtype="0" fill="hold" nodeType="clickEffect">
+                                  <p:stCondLst>
+                                    <p:cond delay="0"/>
+                                  </p:stCondLst>
+                                  <p:childTnLst>
+                                    <p:set>
+                                      <p:cBhvr>
+                                        <p:cTn id="28" dur="1" fill="hold">
+                                          <p:stCondLst>
+                                            <p:cond delay="0"/>
+                                          </p:stCondLst>
+                                        </p:cTn>
+                                        <p:tgtEl>
+                                          <p:spTgt spid="2">
+                                            <p:txEl>
+                                              <p:pRg st="2" end="2"/>
+                                            </p:txEl>
+                                          </p:spTgt>
+                                        </p:tgtEl>
+                                        <p:attrNameLst>
+                                          <p:attrName>style.visibility</p:attrName>
+                                        </p:attrNameLst>
+                                      </p:cBhvr>
+                                      <p:to>
+                                        <p:strVal val="visible"/>
+                                      </p:to>
+                                    </p:set>
+                                  </p:childTnLst>
+                                </p:cTn>
+                              </p:par>
+                              <p:par>
+                                <p:cTn id="29" presetID="1" presetClass="entr" presetSubtype="0" fill="hold" nodeType="withEffect">
+                                  <p:stCondLst>
+                                    <p:cond delay="0"/>
+                                  </p:stCondLst>
+                                  <p:childTnLst>
+                                    <p:set>
+                                      <p:cBhvr>
+                                        <p:cTn id="30" dur="1" fill="hold">
+                                          <p:stCondLst>
+                                            <p:cond delay="0"/>
+                                          </p:stCondLst>
+                                        </p:cTn>
+                                        <p:tgtEl>
+                                          <p:spTgt spid="2">
+                                            <p:txEl>
+                                              <p:pRg st="3" end="3"/>
+                                            </p:txEl>
+                                          </p:spTgt>
+                                        </p:tgtEl>
+                                        <p:attrNameLst>
+                                          <p:attrName>style.visibility</p:attrName>
+                                        </p:attrNameLst>
+                                      </p:cBhvr>
+                                      <p:to>
+                                        <p:strVal val="visible"/>
+                                      </p:to>
+                                    </p:set>
+                                  </p:childTnLst>
+                                </p:cTn>
+                              </p:par>
+                              <p:par>
+                                <p:cTn id="31" presetID="1" presetClass="entr" presetSubtype="0" fill="hold" nodeType="withEffect">
+                                  <p:stCondLst>
+                                    <p:cond delay="0"/>
+                                  </p:stCondLst>
+                                  <p:childTnLst>
+                                    <p:set>
+                                      <p:cBhvr>
+                                        <p:cTn id="32" dur="1" fill="hold">
+                                          <p:stCondLst>
+                                            <p:cond delay="0"/>
+                                          </p:stCondLst>
+                                        </p:cTn>
+                                        <p:tgtEl>
+                                          <p:spTgt spid="2">
+                                            <p:txEl>
+                                              <p:pRg st="4" end="4"/>
+                                            </p:txEl>
+                                          </p:spTgt>
+                                        </p:tgtEl>
+                                        <p:attrNameLst>
+                                          <p:attrName>style.visibility</p:attrName>
+                                        </p:attrNameLst>
+                                      </p:cBhvr>
+                                      <p:to>
+                                        <p:strVal val="visible"/>
+                                      </p:to>
+                                    </p:set>
+                                  </p:childTnLst>
+                                </p:cTn>
+                              </p:par>
+                            </p:childTnLst>
+                          </p:cTn>
+                        </p:par>
+                      </p:childTnLst>
+                    </p:cTn>
+                  </p:par>
+                  <p:par>
+                    <p:cTn id="33" fill="hold">
+                      <p:stCondLst>
+                        <p:cond delay="indefinite"/>
+                      </p:stCondLst>
+                      <p:childTnLst>
+                        <p:par>
+                          <p:cTn id="34" fill="hold">
+                            <p:stCondLst>
+                              <p:cond delay="0"/>
+                            </p:stCondLst>
+                            <p:childTnLst>
+                              <p:par>
+                                <p:cTn id="35" presetID="1" presetClass="entr" presetSubtype="0" fill="hold" nodeType="clickEffect">
+                                  <p:stCondLst>
+                                    <p:cond delay="0"/>
+                                  </p:stCondLst>
+                                  <p:childTnLst>
+                                    <p:set>
+                                      <p:cBhvr>
+                                        <p:cTn id="36" dur="1" fill="hold">
+                                          <p:stCondLst>
+                                            <p:cond delay="0"/>
+                                          </p:stCondLst>
+                                        </p:cTn>
+                                        <p:tgtEl>
+                                          <p:spTgt spid="2">
+                                            <p:txEl>
+                                              <p:pRg st="6" end="6"/>
+                                            </p:txEl>
+                                          </p:spTgt>
+                                        </p:tgtEl>
+                                        <p:attrNameLst>
+                                          <p:attrName>style.visibility</p:attrName>
+                                        </p:attrNameLst>
+                                      </p:cBhvr>
+                                      <p:to>
+                                        <p:strVal val="visible"/>
+                                      </p:to>
+                                    </p:set>
+                                  </p:childTnLst>
+                                </p:cTn>
+                              </p:par>
+                              <p:par>
+                                <p:cTn id="37" presetID="1" presetClass="entr" presetSubtype="0" fill="hold" nodeType="withEffect">
+                                  <p:stCondLst>
+                                    <p:cond delay="0"/>
+                                  </p:stCondLst>
+                                  <p:childTnLst>
+                                    <p:set>
+                                      <p:cBhvr>
+                                        <p:cTn id="38" dur="1" fill="hold">
+                                          <p:stCondLst>
+                                            <p:cond delay="0"/>
+                                          </p:stCondLst>
+                                        </p:cTn>
+                                        <p:tgtEl>
+                                          <p:spTgt spid="2">
+                                            <p:txEl>
+                                              <p:pRg st="7" end="7"/>
+                                            </p:txEl>
+                                          </p:spTgt>
+                                        </p:tgtEl>
+                                        <p:attrNameLst>
+                                          <p:attrName>style.visibility</p:attrName>
+                                        </p:attrNameLst>
+                                      </p:cBhvr>
+                                      <p:to>
+                                        <p:strVal val="visible"/>
+                                      </p:to>
+                                    </p:set>
+                                  </p:childTnLst>
+                                </p:cTn>
+                              </p:par>
+                              <p:par>
+                                <p:cTn id="39" presetID="1" presetClass="entr" presetSubtype="0" fill="hold" nodeType="withEffect">
+                                  <p:stCondLst>
+                                    <p:cond delay="0"/>
+                                  </p:stCondLst>
+                                  <p:childTnLst>
+                                    <p:set>
+                                      <p:cBhvr>
+                                        <p:cTn id="40" dur="1" fill="hold">
+                                          <p:stCondLst>
+                                            <p:cond delay="0"/>
+                                          </p:stCondLst>
+                                        </p:cTn>
+                                        <p:tgtEl>
+                                          <p:spTgt spid="2">
+                                            <p:txEl>
+                                              <p:pRg st="8" end="8"/>
+                                            </p:txEl>
+                                          </p:spTgt>
+                                        </p:tgtEl>
+                                        <p:attrNameLst>
+                                          <p:attrName>style.visibility</p:attrName>
+                                        </p:attrNameLst>
+                                      </p:cBhvr>
+                                      <p:to>
+                                        <p:strVal val="visible"/>
+                                      </p:to>
+                                    </p:set>
+                                  </p:childTnLst>
+                                </p:cTn>
+                              </p:par>
+                            </p:childTnLst>
+                          </p:cTn>
+                        </p:par>
+                      </p:childTnLst>
+                    </p:cTn>
+                  </p:par>
+                  <p:par>
+                    <p:cTn id="41" fill="hold">
+                      <p:stCondLst>
+                        <p:cond delay="indefinite"/>
+                      </p:stCondLst>
+                      <p:childTnLst>
+                        <p:par>
+                          <p:cTn id="42" fill="hold">
+                            <p:stCondLst>
+                              <p:cond delay="0"/>
+                            </p:stCondLst>
+                            <p:childTnLst>
+                              <p:par>
+                                <p:cTn id="43" presetID="1" presetClass="entr" presetSubtype="0" fill="hold" nodeType="clickEffect">
+                                  <p:stCondLst>
+                                    <p:cond delay="0"/>
+                                  </p:stCondLst>
+                                  <p:childTnLst>
+                                    <p:set>
+                                      <p:cBhvr>
+                                        <p:cTn id="44" dur="1" fill="hold">
+                                          <p:stCondLst>
+                                            <p:cond delay="0"/>
+                                          </p:stCondLst>
+                                        </p:cTn>
+                                        <p:tgtEl>
+                                          <p:spTgt spid="2">
+                                            <p:txEl>
+                                              <p:pRg st="10" end="10"/>
+                                            </p:txEl>
+                                          </p:spTgt>
+                                        </p:tgtEl>
+                                        <p:attrNameLst>
+                                          <p:attrName>style.visibility</p:attrName>
+                                        </p:attrNameLst>
+                                      </p:cBhvr>
+                                      <p:to>
+                                        <p:strVal val="visible"/>
+                                      </p:to>
+                                    </p:set>
+                                  </p:childTnLst>
+                                </p:cTn>
+                              </p:par>
+                              <p:par>
+                                <p:cTn id="45" presetID="1" presetClass="entr" presetSubtype="0" fill="hold" nodeType="withEffect">
+                                  <p:stCondLst>
+                                    <p:cond delay="0"/>
+                                  </p:stCondLst>
+                                  <p:childTnLst>
+                                    <p:set>
+                                      <p:cBhvr>
+                                        <p:cTn id="46" dur="1" fill="hold">
+                                          <p:stCondLst>
+                                            <p:cond delay="0"/>
+                                          </p:stCondLst>
+                                        </p:cTn>
+                                        <p:tgtEl>
+                                          <p:spTgt spid="2">
+                                            <p:txEl>
+                                              <p:pRg st="11" end="11"/>
+                                            </p:txEl>
+                                          </p:spTgt>
+                                        </p:tgtEl>
+                                        <p:attrNameLst>
+                                          <p:attrName>style.visibility</p:attrName>
+                                        </p:attrNameLst>
+                                      </p:cBhvr>
+                                      <p:to>
+                                        <p:strVal val="visible"/>
+                                      </p:to>
+                                    </p:set>
+                                  </p:childTnLst>
+                                </p:cTn>
+                              </p:par>
+                              <p:par>
+                                <p:cTn id="47" presetID="1" presetClass="entr" presetSubtype="0" fill="hold" nodeType="withEffect">
+                                  <p:stCondLst>
+                                    <p:cond delay="0"/>
+                                  </p:stCondLst>
+                                  <p:childTnLst>
+                                    <p:set>
+                                      <p:cBhvr>
+                                        <p:cTn id="48" dur="1" fill="hold">
+                                          <p:stCondLst>
+                                            <p:cond delay="0"/>
+                                          </p:stCondLst>
+                                        </p:cTn>
+                                        <p:tgtEl>
+                                          <p:spTgt spid="2">
+                                            <p:txEl>
+                                              <p:pRg st="12" end="12"/>
+                                            </p:txEl>
+                                          </p:spTgt>
+                                        </p:tgtEl>
+                                        <p:attrNameLst>
+                                          <p:attrName>style.visibility</p:attrName>
+                                        </p:attrNameLst>
+                                      </p:cBhvr>
+                                      <p:to>
+                                        <p:strVal val="visible"/>
+                                      </p:to>
+                                    </p:set>
+                                  </p:childTnLst>
+                                </p:cTn>
+                              </p:par>
+                              <p:par>
+                                <p:cTn id="49" presetID="1" presetClass="entr" presetSubtype="0" fill="hold" nodeType="withEffect">
+                                  <p:stCondLst>
+                                    <p:cond delay="0"/>
+                                  </p:stCondLst>
+                                  <p:childTnLst>
+                                    <p:set>
+                                      <p:cBhvr>
+                                        <p:cTn id="50" dur="1" fill="hold">
+                                          <p:stCondLst>
+                                            <p:cond delay="0"/>
+                                          </p:stCondLst>
+                                        </p:cTn>
+                                        <p:tgtEl>
+                                          <p:spTgt spid="2">
+                                            <p:txEl>
+                                              <p:pRg st="14" end="14"/>
+                                            </p:txEl>
+                                          </p:spTgt>
+                                        </p:tgtEl>
+                                        <p:attrNameLst>
+                                          <p:attrName>style.visibility</p:attrName>
+                                        </p:attrNameLst>
+                                      </p:cBhvr>
+                                      <p:to>
+                                        <p:strVal val="visible"/>
+                                      </p:to>
+                                    </p:set>
+                                  </p:childTnLst>
+                                </p:cTn>
+                              </p:par>
+                            </p:childTnLst>
+                          </p:cTn>
+                        </p:par>
+                      </p:childTnLst>
+                    </p:cTn>
+                  </p:par>
+                </p:childTnLst>
+              </p:cTn>
+              <p:prevCondLst>
+                <p:cond evt="onPrev" delay="0">
+                  <p:tgtEl>
+                    <p:sldTgt/>
+                  </p:tgtEl>
+                </p:cond>
+              </p:prevCondLst>
+              <p:nextCondLst>
+                <p:cond evt="onNext" delay="0">
+                  <p:tgtEl>
+                    <p:sldTgt/>
+                  </p:tgtEl>
+                </p:cond>
+              </p:nextCondLst>
+            </p:seq>
+          </p:childTnLst>
+        </p:cTn>
       </p:par>
     </p:tnLst>
   </p:timing>
@@ -8476,7 +10448,7 @@
             <a:r>
               <a:rPr lang="en-US" sz="1400" dirty="0" err="1" smtClean="0">
                 <a:solidFill>
-                  <a:srgbClr val="333333"/>
+                  <a:srgbClr val="2B91AF"/>
                 </a:solidFill>
                 <a:latin typeface="Consolas" pitchFamily="49" charset="0"/>
               </a:rPr>
@@ -8541,7 +10513,7 @@
             <a:r>
               <a:rPr lang="en-US" sz="1400" dirty="0" err="1" smtClean="0">
                 <a:solidFill>
-                  <a:srgbClr val="333333"/>
+                  <a:srgbClr val="2B91AF"/>
                 </a:solidFill>
                 <a:latin typeface="Consolas" pitchFamily="49" charset="0"/>
               </a:rPr>
@@ -8609,7 +10581,25 @@
                 </a:solidFill>
                 <a:latin typeface="Consolas" pitchFamily="49" charset="0"/>
               </a:rPr>
-              <a:t> (Exception e) {</a:t>
+              <a:t> (</a:t>
+            </a:r>
+            <a:r>
+              <a:rPr lang="en-US" sz="1400" dirty="0" smtClean="0">
+                <a:solidFill>
+                  <a:srgbClr val="2B91AF"/>
+                </a:solidFill>
+                <a:latin typeface="Consolas" pitchFamily="49" charset="0"/>
+              </a:rPr>
+              <a:t>Exception</a:t>
+            </a:r>
+            <a:r>
+              <a:rPr lang="en-US" sz="1400" dirty="0" smtClean="0">
+                <a:solidFill>
+                  <a:srgbClr val="333333"/>
+                </a:solidFill>
+                <a:latin typeface="Consolas" pitchFamily="49" charset="0"/>
+              </a:rPr>
+              <a:t> e) {</a:t>
             </a:r>
             <a:r>
               <a:rPr lang="en-US" sz="1400" dirty="0" smtClean="0">
@@ -8734,7 +10724,7 @@
             <a:r>
               <a:rPr lang="pt-PT" sz="1400" dirty="0" err="1" smtClean="0">
                 <a:solidFill>
-                  <a:srgbClr val="333333"/>
+                  <a:srgbClr val="2B91AF"/>
                 </a:solidFill>
                 <a:latin typeface="Consolas" pitchFamily="49" charset="0"/>
               </a:rPr>
@@ -8799,7 +10789,7 @@
             <a:r>
               <a:rPr lang="en-US" sz="1400" dirty="0" err="1" smtClean="0">
                 <a:solidFill>
-                  <a:srgbClr val="333333"/>
+                  <a:srgbClr val="2B91AF"/>
                 </a:solidFill>
                 <a:latin typeface="Consolas" pitchFamily="49" charset="0"/>
               </a:rPr>
@@ -8846,7 +10836,7 @@
             <a:r>
               <a:rPr lang="en-US" sz="1400" dirty="0" err="1" smtClean="0">
                 <a:solidFill>
-                  <a:srgbClr val="333333"/>
+                  <a:srgbClr val="2B91AF"/>
                 </a:solidFill>
                 <a:latin typeface="Consolas" pitchFamily="49" charset="0"/>
               </a:rPr>
@@ -8948,7 +10938,7 @@
             <a:r>
               <a:rPr lang="en-US" sz="1400" dirty="0" err="1" smtClean="0">
                 <a:solidFill>
-                  <a:srgbClr val="333333"/>
+                  <a:srgbClr val="2B91AF"/>
                 </a:solidFill>
                 <a:latin typeface="Consolas" pitchFamily="49" charset="0"/>
               </a:rPr>
@@ -9002,7 +10992,7 @@
             <a:r>
               <a:rPr lang="en-US" sz="1400" dirty="0" err="1" smtClean="0">
                 <a:solidFill>
-                  <a:srgbClr val="333333"/>
+                  <a:srgbClr val="2B91AF"/>
                 </a:solidFill>
                 <a:latin typeface="Consolas" pitchFamily="49" charset="0"/>
               </a:rPr>
@@ -9026,7 +11016,25 @@
                 </a:solidFill>
                 <a:latin typeface="Consolas" pitchFamily="49" charset="0"/>
               </a:rPr>
-              <a:t>    String line;</a:t>
+              <a:t>    </a:t>
+            </a:r>
+            <a:r>
+              <a:rPr lang="en-US" sz="1400" dirty="0" smtClean="0">
+                <a:solidFill>
+                  <a:srgbClr val="2B91AF"/>
+                </a:solidFill>
+                <a:latin typeface="Consolas" pitchFamily="49" charset="0"/>
+              </a:rPr>
+              <a:t>String</a:t>
+            </a:r>
+            <a:r>
+              <a:rPr lang="en-US" sz="1400" dirty="0" smtClean="0">
+                <a:solidFill>
+                  <a:srgbClr val="333333"/>
+                </a:solidFill>
+                <a:latin typeface="Consolas" pitchFamily="49" charset="0"/>
+              </a:rPr>
+              <a:t> line;</a:t>
             </a:r>
           </a:p>
           <a:p>
@@ -9085,7 +11093,769 @@
   <p:timing>
     <p:tnLst>
       <p:par>
-        <p:cTn id="1" dur="indefinite" restart="never" nodeType="tmRoot"/>
+        <p:cTn id="1" dur="indefinite" restart="never" nodeType="tmRoot">
+          <p:childTnLst>
+            <p:seq concurrent="1" nextAc="seek">
+              <p:cTn id="2" dur="indefinite" nodeType="mainSeq">
+                <p:childTnLst>
+                  <p:par>
+                    <p:cTn id="3" fill="hold">
+                      <p:stCondLst>
+                        <p:cond delay="indefinite"/>
+                        <p:cond evt="onBegin" delay="0">
+                          <p:tn val="2"/>
+                        </p:cond>
+                      </p:stCondLst>
+                      <p:childTnLst>
+                        <p:par>
+                          <p:cTn id="4" fill="hold">
+                            <p:stCondLst>
+                              <p:cond delay="0"/>
+                            </p:stCondLst>
+                            <p:childTnLst>
+                              <p:par>
+                                <p:cTn id="5" presetID="1" presetClass="exit" presetSubtype="0" fill="hold" nodeType="withEffect">
+                                  <p:stCondLst>
+                                    <p:cond delay="0"/>
+                                  </p:stCondLst>
+                                  <p:childTnLst>
+                                    <p:set>
+                                      <p:cBhvr>
+                                        <p:cTn id="6" dur="1" fill="hold">
+                                          <p:stCondLst>
+                                            <p:cond delay="0"/>
+                                          </p:stCondLst>
+                                        </p:cTn>
+                                        <p:tgtEl>
+                                          <p:spTgt spid="2">
+                                            <p:txEl>
+                                              <p:pRg st="4" end="4"/>
+                                            </p:txEl>
+                                          </p:spTgt>
+                                        </p:tgtEl>
+                                        <p:attrNameLst>
+                                          <p:attrName>style.visibility</p:attrName>
+                                        </p:attrNameLst>
+                                      </p:cBhvr>
+                                      <p:to>
+                                        <p:strVal val="hidden"/>
+                                      </p:to>
+                                    </p:set>
+                                  </p:childTnLst>
+                                </p:cTn>
+                              </p:par>
+                              <p:par>
+                                <p:cTn id="7" presetID="1" presetClass="exit" presetSubtype="0" fill="hold" nodeType="withEffect">
+                                  <p:stCondLst>
+                                    <p:cond delay="0"/>
+                                  </p:stCondLst>
+                                  <p:childTnLst>
+                                    <p:set>
+                                      <p:cBhvr>
+                                        <p:cTn id="8" dur="1" fill="hold">
+                                          <p:stCondLst>
+                                            <p:cond delay="0"/>
+                                          </p:stCondLst>
+                                        </p:cTn>
+                                        <p:tgtEl>
+                                          <p:spTgt spid="2">
+                                            <p:txEl>
+                                              <p:pRg st="5" end="5"/>
+                                            </p:txEl>
+                                          </p:spTgt>
+                                        </p:tgtEl>
+                                        <p:attrNameLst>
+                                          <p:attrName>style.visibility</p:attrName>
+                                        </p:attrNameLst>
+                                      </p:cBhvr>
+                                      <p:to>
+                                        <p:strVal val="hidden"/>
+                                      </p:to>
+                                    </p:set>
+                                  </p:childTnLst>
+                                </p:cTn>
+                              </p:par>
+                              <p:par>
+                                <p:cTn id="9" presetID="1" presetClass="exit" presetSubtype="0" fill="hold" nodeType="withEffect">
+                                  <p:stCondLst>
+                                    <p:cond delay="0"/>
+                                  </p:stCondLst>
+                                  <p:childTnLst>
+                                    <p:set>
+                                      <p:cBhvr>
+                                        <p:cTn id="10" dur="1" fill="hold">
+                                          <p:stCondLst>
+                                            <p:cond delay="0"/>
+                                          </p:stCondLst>
+                                        </p:cTn>
+                                        <p:tgtEl>
+                                          <p:spTgt spid="2">
+                                            <p:txEl>
+                                              <p:pRg st="6" end="6"/>
+                                            </p:txEl>
+                                          </p:spTgt>
+                                        </p:tgtEl>
+                                        <p:attrNameLst>
+                                          <p:attrName>style.visibility</p:attrName>
+                                        </p:attrNameLst>
+                                      </p:cBhvr>
+                                      <p:to>
+                                        <p:strVal val="hidden"/>
+                                      </p:to>
+                                    </p:set>
+                                  </p:childTnLst>
+                                </p:cTn>
+                              </p:par>
+                              <p:par>
+                                <p:cTn id="11" presetID="1" presetClass="exit" presetSubtype="0" fill="hold" nodeType="withEffect">
+                                  <p:stCondLst>
+                                    <p:cond delay="0"/>
+                                  </p:stCondLst>
+                                  <p:childTnLst>
+                                    <p:set>
+                                      <p:cBhvr>
+                                        <p:cTn id="12" dur="1" fill="hold">
+                                          <p:stCondLst>
+                                            <p:cond delay="0"/>
+                                          </p:stCondLst>
+                                        </p:cTn>
+                                        <p:tgtEl>
+                                          <p:spTgt spid="2">
+                                            <p:txEl>
+                                              <p:pRg st="7" end="7"/>
+                                            </p:txEl>
+                                          </p:spTgt>
+                                        </p:tgtEl>
+                                        <p:attrNameLst>
+                                          <p:attrName>style.visibility</p:attrName>
+                                        </p:attrNameLst>
+                                      </p:cBhvr>
+                                      <p:to>
+                                        <p:strVal val="hidden"/>
+                                      </p:to>
+                                    </p:set>
+                                  </p:childTnLst>
+                                </p:cTn>
+                              </p:par>
+                              <p:par>
+                                <p:cTn id="13" presetID="1" presetClass="exit" presetSubtype="0" fill="hold" nodeType="withEffect">
+                                  <p:stCondLst>
+                                    <p:cond delay="0"/>
+                                  </p:stCondLst>
+                                  <p:childTnLst>
+                                    <p:set>
+                                      <p:cBhvr>
+                                        <p:cTn id="14" dur="1" fill="hold">
+                                          <p:stCondLst>
+                                            <p:cond delay="0"/>
+                                          </p:stCondLst>
+                                        </p:cTn>
+                                        <p:tgtEl>
+                                          <p:spTgt spid="2">
+                                            <p:txEl>
+                                              <p:pRg st="8" end="8"/>
+                                            </p:txEl>
+                                          </p:spTgt>
+                                        </p:tgtEl>
+                                        <p:attrNameLst>
+                                          <p:attrName>style.visibility</p:attrName>
+                                        </p:attrNameLst>
+                                      </p:cBhvr>
+                                      <p:to>
+                                        <p:strVal val="hidden"/>
+                                      </p:to>
+                                    </p:set>
+                                  </p:childTnLst>
+                                </p:cTn>
+                              </p:par>
+                              <p:par>
+                                <p:cTn id="15" presetID="1" presetClass="exit" presetSubtype="0" fill="hold" nodeType="withEffect">
+                                  <p:stCondLst>
+                                    <p:cond delay="0"/>
+                                  </p:stCondLst>
+                                  <p:childTnLst>
+                                    <p:set>
+                                      <p:cBhvr>
+                                        <p:cTn id="16" dur="1" fill="hold">
+                                          <p:stCondLst>
+                                            <p:cond delay="0"/>
+                                          </p:stCondLst>
+                                        </p:cTn>
+                                        <p:tgtEl>
+                                          <p:spTgt spid="2">
+                                            <p:txEl>
+                                              <p:pRg st="9" end="9"/>
+                                            </p:txEl>
+                                          </p:spTgt>
+                                        </p:tgtEl>
+                                        <p:attrNameLst>
+                                          <p:attrName>style.visibility</p:attrName>
+                                        </p:attrNameLst>
+                                      </p:cBhvr>
+                                      <p:to>
+                                        <p:strVal val="hidden"/>
+                                      </p:to>
+                                    </p:set>
+                                  </p:childTnLst>
+                                </p:cTn>
+                              </p:par>
+                              <p:par>
+                                <p:cTn id="17" presetID="1" presetClass="exit" presetSubtype="0" fill="hold" nodeType="withEffect">
+                                  <p:stCondLst>
+                                    <p:cond delay="0"/>
+                                  </p:stCondLst>
+                                  <p:childTnLst>
+                                    <p:set>
+                                      <p:cBhvr>
+                                        <p:cTn id="18" dur="1" fill="hold">
+                                          <p:stCondLst>
+                                            <p:cond delay="0"/>
+                                          </p:stCondLst>
+                                        </p:cTn>
+                                        <p:tgtEl>
+                                          <p:spTgt spid="2">
+                                            <p:txEl>
+                                              <p:pRg st="10" end="10"/>
+                                            </p:txEl>
+                                          </p:spTgt>
+                                        </p:tgtEl>
+                                        <p:attrNameLst>
+                                          <p:attrName>style.visibility</p:attrName>
+                                        </p:attrNameLst>
+                                      </p:cBhvr>
+                                      <p:to>
+                                        <p:strVal val="hidden"/>
+                                      </p:to>
+                                    </p:set>
+                                  </p:childTnLst>
+                                </p:cTn>
+                              </p:par>
+                              <p:par>
+                                <p:cTn id="19" presetID="1" presetClass="exit" presetSubtype="0" fill="hold" nodeType="withEffect">
+                                  <p:stCondLst>
+                                    <p:cond delay="0"/>
+                                  </p:stCondLst>
+                                  <p:childTnLst>
+                                    <p:set>
+                                      <p:cBhvr>
+                                        <p:cTn id="20" dur="1" fill="hold">
+                                          <p:stCondLst>
+                                            <p:cond delay="0"/>
+                                          </p:stCondLst>
+                                        </p:cTn>
+                                        <p:tgtEl>
+                                          <p:spTgt spid="2">
+                                            <p:txEl>
+                                              <p:pRg st="11" end="11"/>
+                                            </p:txEl>
+                                          </p:spTgt>
+                                        </p:tgtEl>
+                                        <p:attrNameLst>
+                                          <p:attrName>style.visibility</p:attrName>
+                                        </p:attrNameLst>
+                                      </p:cBhvr>
+                                      <p:to>
+                                        <p:strVal val="hidden"/>
+                                      </p:to>
+                                    </p:set>
+                                  </p:childTnLst>
+                                </p:cTn>
+                              </p:par>
+                              <p:par>
+                                <p:cTn id="21" presetID="1" presetClass="exit" presetSubtype="0" fill="hold" nodeType="withEffect">
+                                  <p:stCondLst>
+                                    <p:cond delay="0"/>
+                                  </p:stCondLst>
+                                  <p:childTnLst>
+                                    <p:set>
+                                      <p:cBhvr>
+                                        <p:cTn id="22" dur="1" fill="hold">
+                                          <p:stCondLst>
+                                            <p:cond delay="0"/>
+                                          </p:stCondLst>
+                                        </p:cTn>
+                                        <p:tgtEl>
+                                          <p:spTgt spid="2">
+                                            <p:txEl>
+                                              <p:pRg st="12" end="12"/>
+                                            </p:txEl>
+                                          </p:spTgt>
+                                        </p:tgtEl>
+                                        <p:attrNameLst>
+                                          <p:attrName>style.visibility</p:attrName>
+                                        </p:attrNameLst>
+                                      </p:cBhvr>
+                                      <p:to>
+                                        <p:strVal val="hidden"/>
+                                      </p:to>
+                                    </p:set>
+                                  </p:childTnLst>
+                                </p:cTn>
+                              </p:par>
+                              <p:par>
+                                <p:cTn id="23" presetID="1" presetClass="exit" presetSubtype="0" fill="hold" nodeType="withEffect">
+                                  <p:stCondLst>
+                                    <p:cond delay="0"/>
+                                  </p:stCondLst>
+                                  <p:childTnLst>
+                                    <p:set>
+                                      <p:cBhvr>
+                                        <p:cTn id="24" dur="1" fill="hold">
+                                          <p:stCondLst>
+                                            <p:cond delay="0"/>
+                                          </p:stCondLst>
+                                        </p:cTn>
+                                        <p:tgtEl>
+                                          <p:spTgt spid="2">
+                                            <p:txEl>
+                                              <p:pRg st="13" end="13"/>
+                                            </p:txEl>
+                                          </p:spTgt>
+                                        </p:tgtEl>
+                                        <p:attrNameLst>
+                                          <p:attrName>style.visibility</p:attrName>
+                                        </p:attrNameLst>
+                                      </p:cBhvr>
+                                      <p:to>
+                                        <p:strVal val="hidden"/>
+                                      </p:to>
+                                    </p:set>
+                                  </p:childTnLst>
+                                </p:cTn>
+                              </p:par>
+                              <p:par>
+                                <p:cTn id="25" presetID="1" presetClass="exit" presetSubtype="0" fill="hold" nodeType="withEffect">
+                                  <p:stCondLst>
+                                    <p:cond delay="0"/>
+                                  </p:stCondLst>
+                                  <p:childTnLst>
+                                    <p:set>
+                                      <p:cBhvr>
+                                        <p:cTn id="26" dur="1" fill="hold">
+                                          <p:stCondLst>
+                                            <p:cond delay="0"/>
+                                          </p:stCondLst>
+                                        </p:cTn>
+                                        <p:tgtEl>
+                                          <p:spTgt spid="2">
+                                            <p:txEl>
+                                              <p:pRg st="14" end="14"/>
+                                            </p:txEl>
+                                          </p:spTgt>
+                                        </p:tgtEl>
+                                        <p:attrNameLst>
+                                          <p:attrName>style.visibility</p:attrName>
+                                        </p:attrNameLst>
+                                      </p:cBhvr>
+                                      <p:to>
+                                        <p:strVal val="hidden"/>
+                                      </p:to>
+                                    </p:set>
+                                  </p:childTnLst>
+                                </p:cTn>
+                              </p:par>
+                            </p:childTnLst>
+                          </p:cTn>
+                        </p:par>
+                      </p:childTnLst>
+                    </p:cTn>
+                  </p:par>
+                  <p:par>
+                    <p:cTn id="27" fill="hold">
+                      <p:stCondLst>
+                        <p:cond delay="indefinite"/>
+                      </p:stCondLst>
+                      <p:childTnLst>
+                        <p:par>
+                          <p:cTn id="28" fill="hold">
+                            <p:stCondLst>
+                              <p:cond delay="0"/>
+                            </p:stCondLst>
+                            <p:childTnLst>
+                              <p:par>
+                                <p:cTn id="29" presetID="1" presetClass="entr" presetSubtype="0" fill="hold" nodeType="clickEffect">
+                                  <p:stCondLst>
+                                    <p:cond delay="0"/>
+                                  </p:stCondLst>
+                                  <p:childTnLst>
+                                    <p:set>
+                                      <p:cBhvr>
+                                        <p:cTn id="30" dur="1" fill="hold">
+                                          <p:stCondLst>
+                                            <p:cond delay="0"/>
+                                          </p:stCondLst>
+                                        </p:cTn>
+                                        <p:tgtEl>
+                                          <p:spTgt spid="2">
+                                            <p:txEl>
+                                              <p:pRg st="4" end="4"/>
+                                            </p:txEl>
+                                          </p:spTgt>
+                                        </p:tgtEl>
+                                        <p:attrNameLst>
+                                          <p:attrName>style.visibility</p:attrName>
+                                        </p:attrNameLst>
+                                      </p:cBhvr>
+                                      <p:to>
+                                        <p:strVal val="visible"/>
+                                      </p:to>
+                                    </p:set>
+                                  </p:childTnLst>
+                                </p:cTn>
+                              </p:par>
+                              <p:par>
+                                <p:cTn id="31" presetID="1" presetClass="entr" presetSubtype="0" fill="hold" nodeType="withEffect">
+                                  <p:stCondLst>
+                                    <p:cond delay="0"/>
+                                  </p:stCondLst>
+                                  <p:childTnLst>
+                                    <p:set>
+                                      <p:cBhvr>
+                                        <p:cTn id="32" dur="1" fill="hold">
+                                          <p:stCondLst>
+                                            <p:cond delay="0"/>
+                                          </p:stCondLst>
+                                        </p:cTn>
+                                        <p:tgtEl>
+                                          <p:spTgt spid="2">
+                                            <p:txEl>
+                                              <p:pRg st="5" end="5"/>
+                                            </p:txEl>
+                                          </p:spTgt>
+                                        </p:tgtEl>
+                                        <p:attrNameLst>
+                                          <p:attrName>style.visibility</p:attrName>
+                                        </p:attrNameLst>
+                                      </p:cBhvr>
+                                      <p:to>
+                                        <p:strVal val="visible"/>
+                                      </p:to>
+                                    </p:set>
+                                  </p:childTnLst>
+                                </p:cTn>
+                              </p:par>
+                              <p:par>
+                                <p:cTn id="33" presetID="1" presetClass="entr" presetSubtype="0" fill="hold" nodeType="withEffect">
+                                  <p:stCondLst>
+                                    <p:cond delay="0"/>
+                                  </p:stCondLst>
+                                  <p:childTnLst>
+                                    <p:set>
+                                      <p:cBhvr>
+                                        <p:cTn id="34" dur="1" fill="hold">
+                                          <p:stCondLst>
+                                            <p:cond delay="0"/>
+                                          </p:stCondLst>
+                                        </p:cTn>
+                                        <p:tgtEl>
+                                          <p:spTgt spid="2">
+                                            <p:txEl>
+                                              <p:pRg st="6" end="6"/>
+                                            </p:txEl>
+                                          </p:spTgt>
+                                        </p:tgtEl>
+                                        <p:attrNameLst>
+                                          <p:attrName>style.visibility</p:attrName>
+                                        </p:attrNameLst>
+                                      </p:cBhvr>
+                                      <p:to>
+                                        <p:strVal val="visible"/>
+                                      </p:to>
+                                    </p:set>
+                                  </p:childTnLst>
+                                </p:cTn>
+                              </p:par>
+                              <p:par>
+                                <p:cTn id="35" presetID="1" presetClass="entr" presetSubtype="0" fill="hold" nodeType="withEffect">
+                                  <p:stCondLst>
+                                    <p:cond delay="0"/>
+                                  </p:stCondLst>
+                                  <p:childTnLst>
+                                    <p:set>
+                                      <p:cBhvr>
+                                        <p:cTn id="36" dur="1" fill="hold">
+                                          <p:stCondLst>
+                                            <p:cond delay="0"/>
+                                          </p:stCondLst>
+                                        </p:cTn>
+                                        <p:tgtEl>
+                                          <p:spTgt spid="2">
+                                            <p:txEl>
+                                              <p:pRg st="7" end="7"/>
+                                            </p:txEl>
+                                          </p:spTgt>
+                                        </p:tgtEl>
+                                        <p:attrNameLst>
+                                          <p:attrName>style.visibility</p:attrName>
+                                        </p:attrNameLst>
+                                      </p:cBhvr>
+                                      <p:to>
+                                        <p:strVal val="visible"/>
+                                      </p:to>
+                                    </p:set>
+                                  </p:childTnLst>
+                                </p:cTn>
+                              </p:par>
+                              <p:par>
+                                <p:cTn id="37" presetID="1" presetClass="entr" presetSubtype="0" fill="hold" nodeType="withEffect">
+                                  <p:stCondLst>
+                                    <p:cond delay="0"/>
+                                  </p:stCondLst>
+                                  <p:childTnLst>
+                                    <p:set>
+                                      <p:cBhvr>
+                                        <p:cTn id="38" dur="1" fill="hold">
+                                          <p:stCondLst>
+                                            <p:cond delay="0"/>
+                                          </p:stCondLst>
+                                        </p:cTn>
+                                        <p:tgtEl>
+                                          <p:spTgt spid="2">
+                                            <p:txEl>
+                                              <p:pRg st="8" end="8"/>
+                                            </p:txEl>
+                                          </p:spTgt>
+                                        </p:tgtEl>
+                                        <p:attrNameLst>
+                                          <p:attrName>style.visibility</p:attrName>
+                                        </p:attrNameLst>
+                                      </p:cBhvr>
+                                      <p:to>
+                                        <p:strVal val="visible"/>
+                                      </p:to>
+                                    </p:set>
+                                  </p:childTnLst>
+                                </p:cTn>
+                              </p:par>
+                              <p:par>
+                                <p:cTn id="39" presetID="1" presetClass="entr" presetSubtype="0" fill="hold" nodeType="withEffect">
+                                  <p:stCondLst>
+                                    <p:cond delay="0"/>
+                                  </p:stCondLst>
+                                  <p:childTnLst>
+                                    <p:set>
+                                      <p:cBhvr>
+                                        <p:cTn id="40" dur="1" fill="hold">
+                                          <p:stCondLst>
+                                            <p:cond delay="0"/>
+                                          </p:stCondLst>
+                                        </p:cTn>
+                                        <p:tgtEl>
+                                          <p:spTgt spid="2">
+                                            <p:txEl>
+                                              <p:pRg st="9" end="9"/>
+                                            </p:txEl>
+                                          </p:spTgt>
+                                        </p:tgtEl>
+                                        <p:attrNameLst>
+                                          <p:attrName>style.visibility</p:attrName>
+                                        </p:attrNameLst>
+                                      </p:cBhvr>
+                                      <p:to>
+                                        <p:strVal val="visible"/>
+                                      </p:to>
+                                    </p:set>
+                                  </p:childTnLst>
+                                </p:cTn>
+                              </p:par>
+                              <p:par>
+                                <p:cTn id="41" presetID="1" presetClass="entr" presetSubtype="0" fill="hold" nodeType="withEffect">
+                                  <p:stCondLst>
+                                    <p:cond delay="0"/>
+                                  </p:stCondLst>
+                                  <p:childTnLst>
+                                    <p:set>
+                                      <p:cBhvr>
+                                        <p:cTn id="42" dur="1" fill="hold">
+                                          <p:stCondLst>
+                                            <p:cond delay="0"/>
+                                          </p:stCondLst>
+                                        </p:cTn>
+                                        <p:tgtEl>
+                                          <p:spTgt spid="2">
+                                            <p:txEl>
+                                              <p:pRg st="10" end="10"/>
+                                            </p:txEl>
+                                          </p:spTgt>
+                                        </p:tgtEl>
+                                        <p:attrNameLst>
+                                          <p:attrName>style.visibility</p:attrName>
+                                        </p:attrNameLst>
+                                      </p:cBhvr>
+                                      <p:to>
+                                        <p:strVal val="visible"/>
+                                      </p:to>
+                                    </p:set>
+                                  </p:childTnLst>
+                                </p:cTn>
+                              </p:par>
+                            </p:childTnLst>
+                          </p:cTn>
+                        </p:par>
+                      </p:childTnLst>
+                    </p:cTn>
+                  </p:par>
+                  <p:par>
+                    <p:cTn id="43" fill="hold">
+                      <p:stCondLst>
+                        <p:cond delay="indefinite"/>
+                      </p:stCondLst>
+                      <p:childTnLst>
+                        <p:par>
+                          <p:cTn id="44" fill="hold">
+                            <p:stCondLst>
+                              <p:cond delay="0"/>
+                            </p:stCondLst>
+                            <p:childTnLst>
+                              <p:par>
+                                <p:cTn id="45" presetID="1" presetClass="entr" presetSubtype="0" fill="hold" nodeType="clickEffect">
+                                  <p:stCondLst>
+                                    <p:cond delay="0"/>
+                                  </p:stCondLst>
+                                  <p:childTnLst>
+                                    <p:set>
+                                      <p:cBhvr>
+                                        <p:cTn id="46" dur="1" fill="hold">
+                                          <p:stCondLst>
+                                            <p:cond delay="0"/>
+                                          </p:stCondLst>
+                                        </p:cTn>
+                                        <p:tgtEl>
+                                          <p:spTgt spid="2">
+                                            <p:txEl>
+                                              <p:pRg st="11" end="11"/>
+                                            </p:txEl>
+                                          </p:spTgt>
+                                        </p:tgtEl>
+                                        <p:attrNameLst>
+                                          <p:attrName>style.visibility</p:attrName>
+                                        </p:attrNameLst>
+                                      </p:cBhvr>
+                                      <p:to>
+                                        <p:strVal val="visible"/>
+                                      </p:to>
+                                    </p:set>
+                                  </p:childTnLst>
+                                </p:cTn>
+                              </p:par>
+                              <p:par>
+                                <p:cTn id="47" presetID="1" presetClass="entr" presetSubtype="0" fill="hold" nodeType="withEffect">
+                                  <p:stCondLst>
+                                    <p:cond delay="0"/>
+                                  </p:stCondLst>
+                                  <p:childTnLst>
+                                    <p:set>
+                                      <p:cBhvr>
+                                        <p:cTn id="48" dur="1" fill="hold">
+                                          <p:stCondLst>
+                                            <p:cond delay="0"/>
+                                          </p:stCondLst>
+                                        </p:cTn>
+                                        <p:tgtEl>
+                                          <p:spTgt spid="2">
+                                            <p:txEl>
+                                              <p:pRg st="12" end="12"/>
+                                            </p:txEl>
+                                          </p:spTgt>
+                                        </p:tgtEl>
+                                        <p:attrNameLst>
+                                          <p:attrName>style.visibility</p:attrName>
+                                        </p:attrNameLst>
+                                      </p:cBhvr>
+                                      <p:to>
+                                        <p:strVal val="visible"/>
+                                      </p:to>
+                                    </p:set>
+                                  </p:childTnLst>
+                                </p:cTn>
+                              </p:par>
+                              <p:par>
+                                <p:cTn id="49" presetID="1" presetClass="entr" presetSubtype="0" fill="hold" nodeType="withEffect">
+                                  <p:stCondLst>
+                                    <p:cond delay="0"/>
+                                  </p:stCondLst>
+                                  <p:childTnLst>
+                                    <p:set>
+                                      <p:cBhvr>
+                                        <p:cTn id="50" dur="1" fill="hold">
+                                          <p:stCondLst>
+                                            <p:cond delay="0"/>
+                                          </p:stCondLst>
+                                        </p:cTn>
+                                        <p:tgtEl>
+                                          <p:spTgt spid="2">
+                                            <p:txEl>
+                                              <p:pRg st="13" end="13"/>
+                                            </p:txEl>
+                                          </p:spTgt>
+                                        </p:tgtEl>
+                                        <p:attrNameLst>
+                                          <p:attrName>style.visibility</p:attrName>
+                                        </p:attrNameLst>
+                                      </p:cBhvr>
+                                      <p:to>
+                                        <p:strVal val="visible"/>
+                                      </p:to>
+                                    </p:set>
+                                  </p:childTnLst>
+                                </p:cTn>
+                              </p:par>
+                              <p:par>
+                                <p:cTn id="51" presetID="1" presetClass="entr" presetSubtype="0" fill="hold" nodeType="withEffect">
+                                  <p:stCondLst>
+                                    <p:cond delay="0"/>
+                                  </p:stCondLst>
+                                  <p:childTnLst>
+                                    <p:set>
+                                      <p:cBhvr>
+                                        <p:cTn id="52" dur="1" fill="hold">
+                                          <p:stCondLst>
+                                            <p:cond delay="0"/>
+                                          </p:stCondLst>
+                                        </p:cTn>
+                                        <p:tgtEl>
+                                          <p:spTgt spid="2">
+                                            <p:txEl>
+                                              <p:pRg st="14" end="14"/>
+                                            </p:txEl>
+                                          </p:spTgt>
+                                        </p:tgtEl>
+                                        <p:attrNameLst>
+                                          <p:attrName>style.visibility</p:attrName>
+                                        </p:attrNameLst>
+                                      </p:cBhvr>
+                                      <p:to>
+                                        <p:strVal val="visible"/>
+                                      </p:to>
+                                    </p:set>
+                                  </p:childTnLst>
+                                </p:cTn>
+                              </p:par>
+                            </p:childTnLst>
+                          </p:cTn>
+                        </p:par>
+                      </p:childTnLst>
+                    </p:cTn>
+                  </p:par>
+                </p:childTnLst>
+              </p:cTn>
+              <p:prevCondLst>
+                <p:cond evt="onPrev" delay="0">
+                  <p:tgtEl>
+                    <p:sldTgt/>
+                  </p:tgtEl>
+                </p:cond>
+              </p:prevCondLst>
+              <p:nextCondLst>
+                <p:cond evt="onNext" delay="0">
+                  <p:tgtEl>
+                    <p:sldTgt/>
+                  </p:tgtEl>
+                </p:cond>
+              </p:nextCondLst>
+            </p:seq>
+          </p:childTnLst>
+        </p:cTn>
       </p:par>
     </p:tnLst>
   </p:timing>
@@ -9470,7 +12240,25 @@
                 </a:solidFill>
                 <a:latin typeface="Consolas" pitchFamily="49" charset="0"/>
               </a:rPr>
-              <a:t> (Exception e) {</a:t>
+              <a:t> (</a:t>
+            </a:r>
+            <a:r>
+              <a:rPr lang="en-US" sz="1400" dirty="0" smtClean="0">
+                <a:solidFill>
+                  <a:srgbClr val="2B91AF"/>
+                </a:solidFill>
+                <a:latin typeface="Consolas" pitchFamily="49" charset="0"/>
+              </a:rPr>
+              <a:t>Exception</a:t>
+            </a:r>
+            <a:r>
+              <a:rPr lang="en-US" sz="1400" dirty="0" smtClean="0">
+                <a:solidFill>
+                  <a:srgbClr val="333333"/>
+                </a:solidFill>
+                <a:latin typeface="Consolas" pitchFamily="49" charset="0"/>
+              </a:rPr>
+              <a:t> e) {</a:t>
             </a:r>
             <a:r>
               <a:rPr lang="en-US" sz="1400" dirty="0" smtClean="0">
@@ -9631,7 +12419,7 @@
             <a:r>
               <a:rPr lang="en-US" sz="1400" dirty="0" err="1" smtClean="0">
                 <a:solidFill>
-                  <a:srgbClr val="333333"/>
+                  <a:srgbClr val="2B91AF"/>
                 </a:solidFill>
                 <a:latin typeface="Consolas" pitchFamily="49" charset="0"/>
               </a:rPr>
@@ -9685,7 +12473,7 @@
             <a:r>
               <a:rPr lang="en-US" sz="1400" dirty="0" err="1" smtClean="0">
                 <a:solidFill>
-                  <a:srgbClr val="333333"/>
+                  <a:srgbClr val="2B91AF"/>
                 </a:solidFill>
                 <a:latin typeface="Consolas" pitchFamily="49" charset="0"/>
               </a:rPr>
@@ -9750,7 +12538,7 @@
             <a:r>
               <a:rPr lang="en-US" sz="1400" dirty="0" err="1" smtClean="0">
                 <a:solidFill>
-                  <a:srgbClr val="333333"/>
+                  <a:srgbClr val="2B91AF"/>
                 </a:solidFill>
                 <a:latin typeface="Consolas" pitchFamily="49" charset="0"/>
               </a:rPr>
@@ -9931,7 +12719,769 @@
   <p:timing>
     <p:tnLst>
       <p:par>
-        <p:cTn id="1" dur="indefinite" restart="never" nodeType="tmRoot"/>
+        <p:cTn id="1" dur="indefinite" restart="never" nodeType="tmRoot">
+          <p:childTnLst>
+            <p:seq concurrent="1" nextAc="seek">
+              <p:cTn id="2" dur="indefinite" nodeType="mainSeq">
+                <p:childTnLst>
+                  <p:par>
+                    <p:cTn id="3" fill="hold">
+                      <p:stCondLst>
+                        <p:cond delay="indefinite"/>
+                        <p:cond evt="onBegin" delay="0">
+                          <p:tn val="2"/>
+                        </p:cond>
+                      </p:stCondLst>
+                      <p:childTnLst>
+                        <p:par>
+                          <p:cTn id="4" fill="hold">
+                            <p:stCondLst>
+                              <p:cond delay="0"/>
+                            </p:stCondLst>
+                            <p:childTnLst>
+                              <p:par>
+                                <p:cTn id="5" presetID="1" presetClass="exit" presetSubtype="0" fill="hold" nodeType="withEffect">
+                                  <p:stCondLst>
+                                    <p:cond delay="0"/>
+                                  </p:stCondLst>
+                                  <p:childTnLst>
+                                    <p:set>
+                                      <p:cBhvr>
+                                        <p:cTn id="6" dur="1" fill="hold">
+                                          <p:stCondLst>
+                                            <p:cond delay="0"/>
+                                          </p:stCondLst>
+                                        </p:cTn>
+                                        <p:tgtEl>
+                                          <p:spTgt spid="2">
+                                            <p:txEl>
+                                              <p:pRg st="4" end="4"/>
+                                            </p:txEl>
+                                          </p:spTgt>
+                                        </p:tgtEl>
+                                        <p:attrNameLst>
+                                          <p:attrName>style.visibility</p:attrName>
+                                        </p:attrNameLst>
+                                      </p:cBhvr>
+                                      <p:to>
+                                        <p:strVal val="hidden"/>
+                                      </p:to>
+                                    </p:set>
+                                  </p:childTnLst>
+                                </p:cTn>
+                              </p:par>
+                              <p:par>
+                                <p:cTn id="7" presetID="1" presetClass="exit" presetSubtype="0" fill="hold" nodeType="withEffect">
+                                  <p:stCondLst>
+                                    <p:cond delay="0"/>
+                                  </p:stCondLst>
+                                  <p:childTnLst>
+                                    <p:set>
+                                      <p:cBhvr>
+                                        <p:cTn id="8" dur="1" fill="hold">
+                                          <p:stCondLst>
+                                            <p:cond delay="0"/>
+                                          </p:stCondLst>
+                                        </p:cTn>
+                                        <p:tgtEl>
+                                          <p:spTgt spid="2">
+                                            <p:txEl>
+                                              <p:pRg st="5" end="5"/>
+                                            </p:txEl>
+                                          </p:spTgt>
+                                        </p:tgtEl>
+                                        <p:attrNameLst>
+                                          <p:attrName>style.visibility</p:attrName>
+                                        </p:attrNameLst>
+                                      </p:cBhvr>
+                                      <p:to>
+                                        <p:strVal val="hidden"/>
+                                      </p:to>
+                                    </p:set>
+                                  </p:childTnLst>
+                                </p:cTn>
+                              </p:par>
+                              <p:par>
+                                <p:cTn id="9" presetID="1" presetClass="exit" presetSubtype="0" fill="hold" nodeType="withEffect">
+                                  <p:stCondLst>
+                                    <p:cond delay="0"/>
+                                  </p:stCondLst>
+                                  <p:childTnLst>
+                                    <p:set>
+                                      <p:cBhvr>
+                                        <p:cTn id="10" dur="1" fill="hold">
+                                          <p:stCondLst>
+                                            <p:cond delay="0"/>
+                                          </p:stCondLst>
+                                        </p:cTn>
+                                        <p:tgtEl>
+                                          <p:spTgt spid="2">
+                                            <p:txEl>
+                                              <p:pRg st="6" end="6"/>
+                                            </p:txEl>
+                                          </p:spTgt>
+                                        </p:tgtEl>
+                                        <p:attrNameLst>
+                                          <p:attrName>style.visibility</p:attrName>
+                                        </p:attrNameLst>
+                                      </p:cBhvr>
+                                      <p:to>
+                                        <p:strVal val="hidden"/>
+                                      </p:to>
+                                    </p:set>
+                                  </p:childTnLst>
+                                </p:cTn>
+                              </p:par>
+                              <p:par>
+                                <p:cTn id="11" presetID="1" presetClass="exit" presetSubtype="0" fill="hold" nodeType="withEffect">
+                                  <p:stCondLst>
+                                    <p:cond delay="0"/>
+                                  </p:stCondLst>
+                                  <p:childTnLst>
+                                    <p:set>
+                                      <p:cBhvr>
+                                        <p:cTn id="12" dur="1" fill="hold">
+                                          <p:stCondLst>
+                                            <p:cond delay="0"/>
+                                          </p:stCondLst>
+                                        </p:cTn>
+                                        <p:tgtEl>
+                                          <p:spTgt spid="2">
+                                            <p:txEl>
+                                              <p:pRg st="7" end="7"/>
+                                            </p:txEl>
+                                          </p:spTgt>
+                                        </p:tgtEl>
+                                        <p:attrNameLst>
+                                          <p:attrName>style.visibility</p:attrName>
+                                        </p:attrNameLst>
+                                      </p:cBhvr>
+                                      <p:to>
+                                        <p:strVal val="hidden"/>
+                                      </p:to>
+                                    </p:set>
+                                  </p:childTnLst>
+                                </p:cTn>
+                              </p:par>
+                              <p:par>
+                                <p:cTn id="13" presetID="1" presetClass="exit" presetSubtype="0" fill="hold" nodeType="withEffect">
+                                  <p:stCondLst>
+                                    <p:cond delay="0"/>
+                                  </p:stCondLst>
+                                  <p:childTnLst>
+                                    <p:set>
+                                      <p:cBhvr>
+                                        <p:cTn id="14" dur="1" fill="hold">
+                                          <p:stCondLst>
+                                            <p:cond delay="0"/>
+                                          </p:stCondLst>
+                                        </p:cTn>
+                                        <p:tgtEl>
+                                          <p:spTgt spid="2">
+                                            <p:txEl>
+                                              <p:pRg st="8" end="8"/>
+                                            </p:txEl>
+                                          </p:spTgt>
+                                        </p:tgtEl>
+                                        <p:attrNameLst>
+                                          <p:attrName>style.visibility</p:attrName>
+                                        </p:attrNameLst>
+                                      </p:cBhvr>
+                                      <p:to>
+                                        <p:strVal val="hidden"/>
+                                      </p:to>
+                                    </p:set>
+                                  </p:childTnLst>
+                                </p:cTn>
+                              </p:par>
+                              <p:par>
+                                <p:cTn id="15" presetID="1" presetClass="exit" presetSubtype="0" fill="hold" nodeType="withEffect">
+                                  <p:stCondLst>
+                                    <p:cond delay="0"/>
+                                  </p:stCondLst>
+                                  <p:childTnLst>
+                                    <p:set>
+                                      <p:cBhvr>
+                                        <p:cTn id="16" dur="1" fill="hold">
+                                          <p:stCondLst>
+                                            <p:cond delay="0"/>
+                                          </p:stCondLst>
+                                        </p:cTn>
+                                        <p:tgtEl>
+                                          <p:spTgt spid="2">
+                                            <p:txEl>
+                                              <p:pRg st="9" end="9"/>
+                                            </p:txEl>
+                                          </p:spTgt>
+                                        </p:tgtEl>
+                                        <p:attrNameLst>
+                                          <p:attrName>style.visibility</p:attrName>
+                                        </p:attrNameLst>
+                                      </p:cBhvr>
+                                      <p:to>
+                                        <p:strVal val="hidden"/>
+                                      </p:to>
+                                    </p:set>
+                                  </p:childTnLst>
+                                </p:cTn>
+                              </p:par>
+                              <p:par>
+                                <p:cTn id="17" presetID="1" presetClass="exit" presetSubtype="0" fill="hold" nodeType="withEffect">
+                                  <p:stCondLst>
+                                    <p:cond delay="0"/>
+                                  </p:stCondLst>
+                                  <p:childTnLst>
+                                    <p:set>
+                                      <p:cBhvr>
+                                        <p:cTn id="18" dur="1" fill="hold">
+                                          <p:stCondLst>
+                                            <p:cond delay="0"/>
+                                          </p:stCondLst>
+                                        </p:cTn>
+                                        <p:tgtEl>
+                                          <p:spTgt spid="2">
+                                            <p:txEl>
+                                              <p:pRg st="10" end="10"/>
+                                            </p:txEl>
+                                          </p:spTgt>
+                                        </p:tgtEl>
+                                        <p:attrNameLst>
+                                          <p:attrName>style.visibility</p:attrName>
+                                        </p:attrNameLst>
+                                      </p:cBhvr>
+                                      <p:to>
+                                        <p:strVal val="hidden"/>
+                                      </p:to>
+                                    </p:set>
+                                  </p:childTnLst>
+                                </p:cTn>
+                              </p:par>
+                              <p:par>
+                                <p:cTn id="19" presetID="1" presetClass="exit" presetSubtype="0" fill="hold" nodeType="withEffect">
+                                  <p:stCondLst>
+                                    <p:cond delay="0"/>
+                                  </p:stCondLst>
+                                  <p:childTnLst>
+                                    <p:set>
+                                      <p:cBhvr>
+                                        <p:cTn id="20" dur="1" fill="hold">
+                                          <p:stCondLst>
+                                            <p:cond delay="0"/>
+                                          </p:stCondLst>
+                                        </p:cTn>
+                                        <p:tgtEl>
+                                          <p:spTgt spid="2">
+                                            <p:txEl>
+                                              <p:pRg st="11" end="11"/>
+                                            </p:txEl>
+                                          </p:spTgt>
+                                        </p:tgtEl>
+                                        <p:attrNameLst>
+                                          <p:attrName>style.visibility</p:attrName>
+                                        </p:attrNameLst>
+                                      </p:cBhvr>
+                                      <p:to>
+                                        <p:strVal val="hidden"/>
+                                      </p:to>
+                                    </p:set>
+                                  </p:childTnLst>
+                                </p:cTn>
+                              </p:par>
+                              <p:par>
+                                <p:cTn id="21" presetID="1" presetClass="exit" presetSubtype="0" fill="hold" nodeType="withEffect">
+                                  <p:stCondLst>
+                                    <p:cond delay="0"/>
+                                  </p:stCondLst>
+                                  <p:childTnLst>
+                                    <p:set>
+                                      <p:cBhvr>
+                                        <p:cTn id="22" dur="1" fill="hold">
+                                          <p:stCondLst>
+                                            <p:cond delay="0"/>
+                                          </p:stCondLst>
+                                        </p:cTn>
+                                        <p:tgtEl>
+                                          <p:spTgt spid="2">
+                                            <p:txEl>
+                                              <p:pRg st="12" end="12"/>
+                                            </p:txEl>
+                                          </p:spTgt>
+                                        </p:tgtEl>
+                                        <p:attrNameLst>
+                                          <p:attrName>style.visibility</p:attrName>
+                                        </p:attrNameLst>
+                                      </p:cBhvr>
+                                      <p:to>
+                                        <p:strVal val="hidden"/>
+                                      </p:to>
+                                    </p:set>
+                                  </p:childTnLst>
+                                </p:cTn>
+                              </p:par>
+                              <p:par>
+                                <p:cTn id="23" presetID="1" presetClass="exit" presetSubtype="0" fill="hold" nodeType="withEffect">
+                                  <p:stCondLst>
+                                    <p:cond delay="0"/>
+                                  </p:stCondLst>
+                                  <p:childTnLst>
+                                    <p:set>
+                                      <p:cBhvr>
+                                        <p:cTn id="24" dur="1" fill="hold">
+                                          <p:stCondLst>
+                                            <p:cond delay="0"/>
+                                          </p:stCondLst>
+                                        </p:cTn>
+                                        <p:tgtEl>
+                                          <p:spTgt spid="2">
+                                            <p:txEl>
+                                              <p:pRg st="13" end="13"/>
+                                            </p:txEl>
+                                          </p:spTgt>
+                                        </p:tgtEl>
+                                        <p:attrNameLst>
+                                          <p:attrName>style.visibility</p:attrName>
+                                        </p:attrNameLst>
+                                      </p:cBhvr>
+                                      <p:to>
+                                        <p:strVal val="hidden"/>
+                                      </p:to>
+                                    </p:set>
+                                  </p:childTnLst>
+                                </p:cTn>
+                              </p:par>
+                              <p:par>
+                                <p:cTn id="25" presetID="1" presetClass="exit" presetSubtype="0" fill="hold" nodeType="withEffect">
+                                  <p:stCondLst>
+                                    <p:cond delay="0"/>
+                                  </p:stCondLst>
+                                  <p:childTnLst>
+                                    <p:set>
+                                      <p:cBhvr>
+                                        <p:cTn id="26" dur="1" fill="hold">
+                                          <p:stCondLst>
+                                            <p:cond delay="0"/>
+                                          </p:stCondLst>
+                                        </p:cTn>
+                                        <p:tgtEl>
+                                          <p:spTgt spid="2">
+                                            <p:txEl>
+                                              <p:pRg st="14" end="14"/>
+                                            </p:txEl>
+                                          </p:spTgt>
+                                        </p:tgtEl>
+                                        <p:attrNameLst>
+                                          <p:attrName>style.visibility</p:attrName>
+                                        </p:attrNameLst>
+                                      </p:cBhvr>
+                                      <p:to>
+                                        <p:strVal val="hidden"/>
+                                      </p:to>
+                                    </p:set>
+                                  </p:childTnLst>
+                                </p:cTn>
+                              </p:par>
+                            </p:childTnLst>
+                          </p:cTn>
+                        </p:par>
+                      </p:childTnLst>
+                    </p:cTn>
+                  </p:par>
+                  <p:par>
+                    <p:cTn id="27" fill="hold">
+                      <p:stCondLst>
+                        <p:cond delay="indefinite"/>
+                      </p:stCondLst>
+                      <p:childTnLst>
+                        <p:par>
+                          <p:cTn id="28" fill="hold">
+                            <p:stCondLst>
+                              <p:cond delay="0"/>
+                            </p:stCondLst>
+                            <p:childTnLst>
+                              <p:par>
+                                <p:cTn id="29" presetID="1" presetClass="entr" presetSubtype="0" fill="hold" nodeType="clickEffect">
+                                  <p:stCondLst>
+                                    <p:cond delay="0"/>
+                                  </p:stCondLst>
+                                  <p:childTnLst>
+                                    <p:set>
+                                      <p:cBhvr>
+                                        <p:cTn id="30" dur="1" fill="hold">
+                                          <p:stCondLst>
+                                            <p:cond delay="0"/>
+                                          </p:stCondLst>
+                                        </p:cTn>
+                                        <p:tgtEl>
+                                          <p:spTgt spid="2">
+                                            <p:txEl>
+                                              <p:pRg st="4" end="4"/>
+                                            </p:txEl>
+                                          </p:spTgt>
+                                        </p:tgtEl>
+                                        <p:attrNameLst>
+                                          <p:attrName>style.visibility</p:attrName>
+                                        </p:attrNameLst>
+                                      </p:cBhvr>
+                                      <p:to>
+                                        <p:strVal val="visible"/>
+                                      </p:to>
+                                    </p:set>
+                                  </p:childTnLst>
+                                </p:cTn>
+                              </p:par>
+                              <p:par>
+                                <p:cTn id="31" presetID="1" presetClass="entr" presetSubtype="0" fill="hold" nodeType="withEffect">
+                                  <p:stCondLst>
+                                    <p:cond delay="0"/>
+                                  </p:stCondLst>
+                                  <p:childTnLst>
+                                    <p:set>
+                                      <p:cBhvr>
+                                        <p:cTn id="32" dur="1" fill="hold">
+                                          <p:stCondLst>
+                                            <p:cond delay="0"/>
+                                          </p:stCondLst>
+                                        </p:cTn>
+                                        <p:tgtEl>
+                                          <p:spTgt spid="2">
+                                            <p:txEl>
+                                              <p:pRg st="5" end="5"/>
+                                            </p:txEl>
+                                          </p:spTgt>
+                                        </p:tgtEl>
+                                        <p:attrNameLst>
+                                          <p:attrName>style.visibility</p:attrName>
+                                        </p:attrNameLst>
+                                      </p:cBhvr>
+                                      <p:to>
+                                        <p:strVal val="visible"/>
+                                      </p:to>
+                                    </p:set>
+                                  </p:childTnLst>
+                                </p:cTn>
+                              </p:par>
+                              <p:par>
+                                <p:cTn id="33" presetID="1" presetClass="entr" presetSubtype="0" fill="hold" nodeType="withEffect">
+                                  <p:stCondLst>
+                                    <p:cond delay="0"/>
+                                  </p:stCondLst>
+                                  <p:childTnLst>
+                                    <p:set>
+                                      <p:cBhvr>
+                                        <p:cTn id="34" dur="1" fill="hold">
+                                          <p:stCondLst>
+                                            <p:cond delay="0"/>
+                                          </p:stCondLst>
+                                        </p:cTn>
+                                        <p:tgtEl>
+                                          <p:spTgt spid="2">
+                                            <p:txEl>
+                                              <p:pRg st="6" end="6"/>
+                                            </p:txEl>
+                                          </p:spTgt>
+                                        </p:tgtEl>
+                                        <p:attrNameLst>
+                                          <p:attrName>style.visibility</p:attrName>
+                                        </p:attrNameLst>
+                                      </p:cBhvr>
+                                      <p:to>
+                                        <p:strVal val="visible"/>
+                                      </p:to>
+                                    </p:set>
+                                  </p:childTnLst>
+                                </p:cTn>
+                              </p:par>
+                              <p:par>
+                                <p:cTn id="35" presetID="1" presetClass="entr" presetSubtype="0" fill="hold" nodeType="withEffect">
+                                  <p:stCondLst>
+                                    <p:cond delay="0"/>
+                                  </p:stCondLst>
+                                  <p:childTnLst>
+                                    <p:set>
+                                      <p:cBhvr>
+                                        <p:cTn id="36" dur="1" fill="hold">
+                                          <p:stCondLst>
+                                            <p:cond delay="0"/>
+                                          </p:stCondLst>
+                                        </p:cTn>
+                                        <p:tgtEl>
+                                          <p:spTgt spid="2">
+                                            <p:txEl>
+                                              <p:pRg st="7" end="7"/>
+                                            </p:txEl>
+                                          </p:spTgt>
+                                        </p:tgtEl>
+                                        <p:attrNameLst>
+                                          <p:attrName>style.visibility</p:attrName>
+                                        </p:attrNameLst>
+                                      </p:cBhvr>
+                                      <p:to>
+                                        <p:strVal val="visible"/>
+                                      </p:to>
+                                    </p:set>
+                                  </p:childTnLst>
+                                </p:cTn>
+                              </p:par>
+                            </p:childTnLst>
+                          </p:cTn>
+                        </p:par>
+                      </p:childTnLst>
+                    </p:cTn>
+                  </p:par>
+                  <p:par>
+                    <p:cTn id="37" fill="hold">
+                      <p:stCondLst>
+                        <p:cond delay="indefinite"/>
+                      </p:stCondLst>
+                      <p:childTnLst>
+                        <p:par>
+                          <p:cTn id="38" fill="hold">
+                            <p:stCondLst>
+                              <p:cond delay="0"/>
+                            </p:stCondLst>
+                            <p:childTnLst>
+                              <p:par>
+                                <p:cTn id="39" presetID="1" presetClass="entr" presetSubtype="0" fill="hold" nodeType="clickEffect">
+                                  <p:stCondLst>
+                                    <p:cond delay="0"/>
+                                  </p:stCondLst>
+                                  <p:childTnLst>
+                                    <p:set>
+                                      <p:cBhvr>
+                                        <p:cTn id="40" dur="1" fill="hold">
+                                          <p:stCondLst>
+                                            <p:cond delay="0"/>
+                                          </p:stCondLst>
+                                        </p:cTn>
+                                        <p:tgtEl>
+                                          <p:spTgt spid="2">
+                                            <p:txEl>
+                                              <p:pRg st="8" end="8"/>
+                                            </p:txEl>
+                                          </p:spTgt>
+                                        </p:tgtEl>
+                                        <p:attrNameLst>
+                                          <p:attrName>style.visibility</p:attrName>
+                                        </p:attrNameLst>
+                                      </p:cBhvr>
+                                      <p:to>
+                                        <p:strVal val="visible"/>
+                                      </p:to>
+                                    </p:set>
+                                  </p:childTnLst>
+                                </p:cTn>
+                              </p:par>
+                              <p:par>
+                                <p:cTn id="41" presetID="1" presetClass="entr" presetSubtype="0" fill="hold" nodeType="withEffect">
+                                  <p:stCondLst>
+                                    <p:cond delay="0"/>
+                                  </p:stCondLst>
+                                  <p:childTnLst>
+                                    <p:set>
+                                      <p:cBhvr>
+                                        <p:cTn id="42" dur="1" fill="hold">
+                                          <p:stCondLst>
+                                            <p:cond delay="0"/>
+                                          </p:stCondLst>
+                                        </p:cTn>
+                                        <p:tgtEl>
+                                          <p:spTgt spid="2">
+                                            <p:txEl>
+                                              <p:pRg st="9" end="9"/>
+                                            </p:txEl>
+                                          </p:spTgt>
+                                        </p:tgtEl>
+                                        <p:attrNameLst>
+                                          <p:attrName>style.visibility</p:attrName>
+                                        </p:attrNameLst>
+                                      </p:cBhvr>
+                                      <p:to>
+                                        <p:strVal val="visible"/>
+                                      </p:to>
+                                    </p:set>
+                                  </p:childTnLst>
+                                </p:cTn>
+                              </p:par>
+                              <p:par>
+                                <p:cTn id="43" presetID="1" presetClass="entr" presetSubtype="0" fill="hold" nodeType="withEffect">
+                                  <p:stCondLst>
+                                    <p:cond delay="0"/>
+                                  </p:stCondLst>
+                                  <p:childTnLst>
+                                    <p:set>
+                                      <p:cBhvr>
+                                        <p:cTn id="44" dur="1" fill="hold">
+                                          <p:stCondLst>
+                                            <p:cond delay="0"/>
+                                          </p:stCondLst>
+                                        </p:cTn>
+                                        <p:tgtEl>
+                                          <p:spTgt spid="2">
+                                            <p:txEl>
+                                              <p:pRg st="10" end="10"/>
+                                            </p:txEl>
+                                          </p:spTgt>
+                                        </p:tgtEl>
+                                        <p:attrNameLst>
+                                          <p:attrName>style.visibility</p:attrName>
+                                        </p:attrNameLst>
+                                      </p:cBhvr>
+                                      <p:to>
+                                        <p:strVal val="visible"/>
+                                      </p:to>
+                                    </p:set>
+                                  </p:childTnLst>
+                                </p:cTn>
+                              </p:par>
+                              <p:par>
+                                <p:cTn id="45" presetID="1" presetClass="entr" presetSubtype="0" fill="hold" nodeType="withEffect">
+                                  <p:stCondLst>
+                                    <p:cond delay="0"/>
+                                  </p:stCondLst>
+                                  <p:childTnLst>
+                                    <p:set>
+                                      <p:cBhvr>
+                                        <p:cTn id="46" dur="1" fill="hold">
+                                          <p:stCondLst>
+                                            <p:cond delay="0"/>
+                                          </p:stCondLst>
+                                        </p:cTn>
+                                        <p:tgtEl>
+                                          <p:spTgt spid="2">
+                                            <p:txEl>
+                                              <p:pRg st="11" end="11"/>
+                                            </p:txEl>
+                                          </p:spTgt>
+                                        </p:tgtEl>
+                                        <p:attrNameLst>
+                                          <p:attrName>style.visibility</p:attrName>
+                                        </p:attrNameLst>
+                                      </p:cBhvr>
+                                      <p:to>
+                                        <p:strVal val="visible"/>
+                                      </p:to>
+                                    </p:set>
+                                  </p:childTnLst>
+                                </p:cTn>
+                              </p:par>
+                              <p:par>
+                                <p:cTn id="47" presetID="1" presetClass="entr" presetSubtype="0" fill="hold" nodeType="withEffect">
+                                  <p:stCondLst>
+                                    <p:cond delay="0"/>
+                                  </p:stCondLst>
+                                  <p:childTnLst>
+                                    <p:set>
+                                      <p:cBhvr>
+                                        <p:cTn id="48" dur="1" fill="hold">
+                                          <p:stCondLst>
+                                            <p:cond delay="0"/>
+                                          </p:stCondLst>
+                                        </p:cTn>
+                                        <p:tgtEl>
+                                          <p:spTgt spid="2">
+                                            <p:txEl>
+                                              <p:pRg st="12" end="12"/>
+                                            </p:txEl>
+                                          </p:spTgt>
+                                        </p:tgtEl>
+                                        <p:attrNameLst>
+                                          <p:attrName>style.visibility</p:attrName>
+                                        </p:attrNameLst>
+                                      </p:cBhvr>
+                                      <p:to>
+                                        <p:strVal val="visible"/>
+                                      </p:to>
+                                    </p:set>
+                                  </p:childTnLst>
+                                </p:cTn>
+                              </p:par>
+                              <p:par>
+                                <p:cTn id="49" presetID="1" presetClass="entr" presetSubtype="0" fill="hold" nodeType="withEffect">
+                                  <p:stCondLst>
+                                    <p:cond delay="0"/>
+                                  </p:stCondLst>
+                                  <p:childTnLst>
+                                    <p:set>
+                                      <p:cBhvr>
+                                        <p:cTn id="50" dur="1" fill="hold">
+                                          <p:stCondLst>
+                                            <p:cond delay="0"/>
+                                          </p:stCondLst>
+                                        </p:cTn>
+                                        <p:tgtEl>
+                                          <p:spTgt spid="2">
+                                            <p:txEl>
+                                              <p:pRg st="13" end="13"/>
+                                            </p:txEl>
+                                          </p:spTgt>
+                                        </p:tgtEl>
+                                        <p:attrNameLst>
+                                          <p:attrName>style.visibility</p:attrName>
+                                        </p:attrNameLst>
+                                      </p:cBhvr>
+                                      <p:to>
+                                        <p:strVal val="visible"/>
+                                      </p:to>
+                                    </p:set>
+                                  </p:childTnLst>
+                                </p:cTn>
+                              </p:par>
+                              <p:par>
+                                <p:cTn id="51" presetID="1" presetClass="entr" presetSubtype="0" fill="hold" nodeType="withEffect">
+                                  <p:stCondLst>
+                                    <p:cond delay="0"/>
+                                  </p:stCondLst>
+                                  <p:childTnLst>
+                                    <p:set>
+                                      <p:cBhvr>
+                                        <p:cTn id="52" dur="1" fill="hold">
+                                          <p:stCondLst>
+                                            <p:cond delay="0"/>
+                                          </p:stCondLst>
+                                        </p:cTn>
+                                        <p:tgtEl>
+                                          <p:spTgt spid="2">
+                                            <p:txEl>
+                                              <p:pRg st="14" end="14"/>
+                                            </p:txEl>
+                                          </p:spTgt>
+                                        </p:tgtEl>
+                                        <p:attrNameLst>
+                                          <p:attrName>style.visibility</p:attrName>
+                                        </p:attrNameLst>
+                                      </p:cBhvr>
+                                      <p:to>
+                                        <p:strVal val="visible"/>
+                                      </p:to>
+                                    </p:set>
+                                  </p:childTnLst>
+                                </p:cTn>
+                              </p:par>
+                            </p:childTnLst>
+                          </p:cTn>
+                        </p:par>
+                      </p:childTnLst>
+                    </p:cTn>
+                  </p:par>
+                </p:childTnLst>
+              </p:cTn>
+              <p:prevCondLst>
+                <p:cond evt="onPrev" delay="0">
+                  <p:tgtEl>
+                    <p:sldTgt/>
+                  </p:tgtEl>
+                </p:cond>
+              </p:prevCondLst>
+              <p:nextCondLst>
+                <p:cond evt="onNext" delay="0">
+                  <p:tgtEl>
+                    <p:sldTgt/>
+                  </p:tgtEl>
+                </p:cond>
+              </p:nextCondLst>
+            </p:seq>
+          </p:childTnLst>
+        </p:cTn>
       </p:par>
     </p:tnLst>
   </p:timing>
@@ -10040,9 +13590,231 @@
   <p:timing>
     <p:tnLst>
       <p:par>
-        <p:cTn id="1" dur="indefinite" restart="never" nodeType="tmRoot"/>
+        <p:cTn id="1" dur="indefinite" restart="never" nodeType="tmRoot">
+          <p:childTnLst>
+            <p:seq concurrent="1" nextAc="seek">
+              <p:cTn id="2" dur="indefinite" nodeType="mainSeq">
+                <p:childTnLst>
+                  <p:par>
+                    <p:cTn id="3" fill="hold">
+                      <p:stCondLst>
+                        <p:cond delay="indefinite"/>
+                      </p:stCondLst>
+                      <p:childTnLst>
+                        <p:par>
+                          <p:cTn id="4" fill="hold">
+                            <p:stCondLst>
+                              <p:cond delay="0"/>
+                            </p:stCondLst>
+                            <p:childTnLst>
+                              <p:par>
+                                <p:cTn id="5" presetID="1" presetClass="entr" presetSubtype="0" fill="hold" grpId="0" nodeType="clickEffect">
+                                  <p:stCondLst>
+                                    <p:cond delay="0"/>
+                                  </p:stCondLst>
+                                  <p:childTnLst>
+                                    <p:set>
+                                      <p:cBhvr>
+                                        <p:cTn id="6" dur="1" fill="hold">
+                                          <p:stCondLst>
+                                            <p:cond delay="0"/>
+                                          </p:stCondLst>
+                                        </p:cTn>
+                                        <p:tgtEl>
+                                          <p:spTgt spid="5">
+                                            <p:txEl>
+                                              <p:pRg st="0" end="0"/>
+                                            </p:txEl>
+                                          </p:spTgt>
+                                        </p:tgtEl>
+                                        <p:attrNameLst>
+                                          <p:attrName>style.visibility</p:attrName>
+                                        </p:attrNameLst>
+                                      </p:cBhvr>
+                                      <p:to>
+                                        <p:strVal val="visible"/>
+                                      </p:to>
+                                    </p:set>
+                                  </p:childTnLst>
+                                </p:cTn>
+                              </p:par>
+                            </p:childTnLst>
+                          </p:cTn>
+                        </p:par>
+                      </p:childTnLst>
+                    </p:cTn>
+                  </p:par>
+                  <p:par>
+                    <p:cTn id="7" fill="hold">
+                      <p:stCondLst>
+                        <p:cond delay="indefinite"/>
+                      </p:stCondLst>
+                      <p:childTnLst>
+                        <p:par>
+                          <p:cTn id="8" fill="hold">
+                            <p:stCondLst>
+                              <p:cond delay="0"/>
+                            </p:stCondLst>
+                            <p:childTnLst>
+                              <p:par>
+                                <p:cTn id="9" presetID="1" presetClass="entr" presetSubtype="0" fill="hold" grpId="0" nodeType="clickEffect">
+                                  <p:stCondLst>
+                                    <p:cond delay="0"/>
+                                  </p:stCondLst>
+                                  <p:childTnLst>
+                                    <p:set>
+                                      <p:cBhvr>
+                                        <p:cTn id="10" dur="1" fill="hold">
+                                          <p:stCondLst>
+                                            <p:cond delay="0"/>
+                                          </p:stCondLst>
+                                        </p:cTn>
+                                        <p:tgtEl>
+                                          <p:spTgt spid="5">
+                                            <p:txEl>
+                                              <p:pRg st="1" end="1"/>
+                                            </p:txEl>
+                                          </p:spTgt>
+                                        </p:tgtEl>
+                                        <p:attrNameLst>
+                                          <p:attrName>style.visibility</p:attrName>
+                                        </p:attrNameLst>
+                                      </p:cBhvr>
+                                      <p:to>
+                                        <p:strVal val="visible"/>
+                                      </p:to>
+                                    </p:set>
+                                  </p:childTnLst>
+                                </p:cTn>
+                              </p:par>
+                            </p:childTnLst>
+                          </p:cTn>
+                        </p:par>
+                      </p:childTnLst>
+                    </p:cTn>
+                  </p:par>
+                  <p:par>
+                    <p:cTn id="11" fill="hold">
+                      <p:stCondLst>
+                        <p:cond delay="indefinite"/>
+                      </p:stCondLst>
+                      <p:childTnLst>
+                        <p:par>
+                          <p:cTn id="12" fill="hold">
+                            <p:stCondLst>
+                              <p:cond delay="0"/>
+                            </p:stCondLst>
+                            <p:childTnLst>
+                              <p:par>
+                                <p:cTn id="13" presetID="1" presetClass="entr" presetSubtype="0" fill="hold" grpId="0" nodeType="clickEffect">
+                                  <p:stCondLst>
+                                    <p:cond delay="0"/>
+                                  </p:stCondLst>
+                                  <p:childTnLst>
+                                    <p:set>
+                                      <p:cBhvr>
+                                        <p:cTn id="14" dur="1" fill="hold">
+                                          <p:stCondLst>
+                                            <p:cond delay="0"/>
+                                          </p:stCondLst>
+                                        </p:cTn>
+                                        <p:tgtEl>
+                                          <p:spTgt spid="5">
+                                            <p:txEl>
+                                              <p:pRg st="2" end="2"/>
+                                            </p:txEl>
+                                          </p:spTgt>
+                                        </p:tgtEl>
+                                        <p:attrNameLst>
+                                          <p:attrName>style.visibility</p:attrName>
+                                        </p:attrNameLst>
+                                      </p:cBhvr>
+                                      <p:to>
+                                        <p:strVal val="visible"/>
+                                      </p:to>
+                                    </p:set>
+                                  </p:childTnLst>
+                                </p:cTn>
+                              </p:par>
+                            </p:childTnLst>
+                          </p:cTn>
+                        </p:par>
+                      </p:childTnLst>
+                    </p:cTn>
+                  </p:par>
+                  <p:par>
+                    <p:cTn id="15" fill="hold">
+                      <p:stCondLst>
+                        <p:cond delay="indefinite"/>
+                      </p:stCondLst>
+                      <p:childTnLst>
+                        <p:par>
+                          <p:cTn id="16" fill="hold">
+                            <p:stCondLst>
+                              <p:cond delay="0"/>
+                            </p:stCondLst>
+                            <p:childTnLst>
+                              <p:par>
+                                <p:cTn id="17" presetID="1" presetClass="entr" presetSubtype="0" fill="hold" grpId="0" nodeType="clickEffect">
+                                  <p:stCondLst>
+                                    <p:cond delay="0"/>
+                                  </p:stCondLst>
+                                  <p:childTnLst>
+                                    <p:set>
+                                      <p:cBhvr>
+                                        <p:cTn id="18" dur="1" fill="hold">
+                                          <p:stCondLst>
+                                            <p:cond delay="0"/>
+                                          </p:stCondLst>
+                                        </p:cTn>
+                                        <p:tgtEl>
+                                          <p:spTgt spid="5">
+                                            <p:txEl>
+                                              <p:pRg st="3" end="3"/>
+                                            </p:txEl>
+                                          </p:spTgt>
+                                        </p:tgtEl>
+                                        <p:attrNameLst>
+                                          <p:attrName>style.visibility</p:attrName>
+                                        </p:attrNameLst>
+                                      </p:cBhvr>
+                                      <p:to>
+                                        <p:strVal val="visible"/>
+                                      </p:to>
+                                    </p:set>
+                                  </p:childTnLst>
+                                </p:cTn>
+                              </p:par>
+                            </p:childTnLst>
+                          </p:cTn>
+                        </p:par>
+                      </p:childTnLst>
+                    </p:cTn>
+                  </p:par>
+                </p:childTnLst>
+              </p:cTn>
+              <p:prevCondLst>
+                <p:cond evt="onPrev" delay="0">
+                  <p:tgtEl>
+                    <p:sldTgt/>
+                  </p:tgtEl>
+                </p:cond>
+              </p:prevCondLst>
+              <p:nextCondLst>
+                <p:cond evt="onNext" delay="0">
+                  <p:tgtEl>
+                    <p:sldTgt/>
+                  </p:tgtEl>
+                </p:cond>
+              </p:nextCondLst>
+            </p:seq>
+          </p:childTnLst>
+        </p:cTn>
       </p:par>
     </p:tnLst>
+    <p:bldLst>
+      <p:bldP spid="5" grpId="0" build="p"/>
+    </p:bldLst>
   </p:timing>
 </p:sld>
 </file>
@@ -10123,6 +13895,13 @@
   <p:clrMapOvr>
     <a:masterClrMapping/>
   </p:clrMapOvr>
+  <p:timing>
+    <p:tnLst>
+      <p:par>
+        <p:cTn id="1" dur="indefinite" restart="never" nodeType="tmRoot"/>
+      </p:par>
+    </p:tnLst>
+  </p:timing>
 </p:sld>
 </file>
 
@@ -10252,7 +14031,25 @@
                 </a:solidFill>
                 <a:latin typeface="Consolas" pitchFamily="49" charset="0"/>
               </a:rPr>
-              <a:t> post(String </a:t>
+              <a:t> post(</a:t>
+            </a:r>
+            <a:r>
+              <a:rPr lang="en-US" sz="1400" dirty="0" smtClean="0">
+                <a:solidFill>
+                  <a:srgbClr val="2B91AF"/>
+                </a:solidFill>
+                <a:latin typeface="Consolas" pitchFamily="49" charset="0"/>
+              </a:rPr>
+              <a:t>String</a:t>
+            </a:r>
+            <a:r>
+              <a:rPr lang="en-US" sz="1400" dirty="0" smtClean="0">
+                <a:solidFill>
+                  <a:srgbClr val="333333"/>
+                </a:solidFill>
+                <a:latin typeface="Consolas" pitchFamily="49" charset="0"/>
+              </a:rPr>
+              <a:t> </a:t>
             </a:r>
             <a:r>
               <a:rPr lang="en-US" sz="1400" dirty="0" err="1" smtClean="0">
@@ -10275,7 +14072,7 @@
             <a:r>
               <a:rPr lang="en-US" sz="1400" dirty="0" err="1" smtClean="0">
                 <a:solidFill>
-                  <a:srgbClr val="333333"/>
+                  <a:srgbClr val="2B91AF"/>
                 </a:solidFill>
                 <a:latin typeface="Consolas" pitchFamily="49" charset="0"/>
               </a:rPr>
@@ -10413,7 +14210,7 @@
             <a:r>
               <a:rPr lang="en-US" sz="1400" dirty="0" err="1" smtClean="0">
                 <a:solidFill>
-                  <a:srgbClr val="333333"/>
+                  <a:srgbClr val="2B91AF"/>
                 </a:solidFill>
                 <a:latin typeface="Consolas" pitchFamily="49" charset="0"/>
               </a:rPr>
@@ -10467,7 +14264,7 @@
             <a:r>
               <a:rPr lang="en-US" sz="1400" dirty="0" err="1" smtClean="0">
                 <a:solidFill>
-                  <a:srgbClr val="333333"/>
+                  <a:srgbClr val="2B91AF"/>
                 </a:solidFill>
                 <a:latin typeface="Consolas" pitchFamily="49" charset="0"/>
               </a:rPr>
@@ -10566,7 +14363,7 @@
             <a:r>
               <a:rPr lang="en-US" sz="1400" dirty="0" err="1" smtClean="0">
                 <a:solidFill>
-                  <a:srgbClr val="333333"/>
+                  <a:srgbClr val="2B91AF"/>
                 </a:solidFill>
                 <a:latin typeface="Consolas" pitchFamily="49" charset="0"/>
               </a:rPr>
@@ -10620,7 +14417,7 @@
             <a:r>
               <a:rPr lang="en-US" sz="1400" dirty="0" err="1" smtClean="0">
                 <a:solidFill>
-                  <a:srgbClr val="333333"/>
+                  <a:srgbClr val="2B91AF"/>
                 </a:solidFill>
                 <a:latin typeface="Consolas" pitchFamily="49" charset="0"/>
               </a:rPr>
@@ -10757,7 +14554,7 @@
             <a:r>
               <a:rPr lang="pt-PT" sz="1400" dirty="0" err="1" smtClean="0">
                 <a:solidFill>
-                  <a:srgbClr val="333333"/>
+                  <a:srgbClr val="2B91AF"/>
                 </a:solidFill>
                 <a:latin typeface="Consolas" pitchFamily="49" charset="0"/>
               </a:rPr>
@@ -10788,8 +14585,14 @@
                 </a:solidFill>
                 <a:latin typeface="Consolas" pitchFamily="49" charset="0"/>
               </a:rPr>
-              <a:t>()</a:t>
-            </a:r>
+              <a:t>())</a:t>
+            </a:r>
+            <a:endParaRPr lang="pt-PT" sz="1400" dirty="0" smtClean="0">
+              <a:solidFill>
+                <a:srgbClr val="333333"/>
+              </a:solidFill>
+              <a:latin typeface="Consolas" pitchFamily="49" charset="0"/>
+            </a:endParaRPr>
           </a:p>
           <a:p>
             <a:r>
@@ -10866,7 +14669,707 @@
   <p:timing>
     <p:tnLst>
       <p:par>
-        <p:cTn id="1" dur="indefinite" restart="never" nodeType="tmRoot"/>
+        <p:cTn id="1" dur="indefinite" restart="never" nodeType="tmRoot">
+          <p:childTnLst>
+            <p:seq concurrent="1" nextAc="seek">
+              <p:cTn id="2" dur="indefinite" nodeType="mainSeq">
+                <p:childTnLst>
+                  <p:par>
+                    <p:cTn id="3" fill="hold">
+                      <p:stCondLst>
+                        <p:cond delay="indefinite"/>
+                        <p:cond evt="onBegin" delay="0">
+                          <p:tn val="2"/>
+                        </p:cond>
+                      </p:stCondLst>
+                      <p:childTnLst>
+                        <p:par>
+                          <p:cTn id="4" fill="hold">
+                            <p:stCondLst>
+                              <p:cond delay="0"/>
+                            </p:stCondLst>
+                            <p:childTnLst>
+                              <p:par>
+                                <p:cTn id="5" presetID="1" presetClass="exit" presetSubtype="0" fill="hold" nodeType="withEffect">
+                                  <p:stCondLst>
+                                    <p:cond delay="0"/>
+                                  </p:stCondLst>
+                                  <p:childTnLst>
+                                    <p:set>
+                                      <p:cBhvr>
+                                        <p:cTn id="6" dur="1" fill="hold">
+                                          <p:stCondLst>
+                                            <p:cond delay="0"/>
+                                          </p:stCondLst>
+                                        </p:cTn>
+                                        <p:tgtEl>
+                                          <p:spTgt spid="2">
+                                            <p:txEl>
+                                              <p:pRg st="2" end="2"/>
+                                            </p:txEl>
+                                          </p:spTgt>
+                                        </p:tgtEl>
+                                        <p:attrNameLst>
+                                          <p:attrName>style.visibility</p:attrName>
+                                        </p:attrNameLst>
+                                      </p:cBhvr>
+                                      <p:to>
+                                        <p:strVal val="hidden"/>
+                                      </p:to>
+                                    </p:set>
+                                  </p:childTnLst>
+                                </p:cTn>
+                              </p:par>
+                              <p:par>
+                                <p:cTn id="7" presetID="1" presetClass="exit" presetSubtype="0" fill="hold" nodeType="withEffect">
+                                  <p:stCondLst>
+                                    <p:cond delay="0"/>
+                                  </p:stCondLst>
+                                  <p:childTnLst>
+                                    <p:set>
+                                      <p:cBhvr>
+                                        <p:cTn id="8" dur="1" fill="hold">
+                                          <p:stCondLst>
+                                            <p:cond delay="0"/>
+                                          </p:stCondLst>
+                                        </p:cTn>
+                                        <p:tgtEl>
+                                          <p:spTgt spid="2">
+                                            <p:txEl>
+                                              <p:pRg st="3" end="3"/>
+                                            </p:txEl>
+                                          </p:spTgt>
+                                        </p:tgtEl>
+                                        <p:attrNameLst>
+                                          <p:attrName>style.visibility</p:attrName>
+                                        </p:attrNameLst>
+                                      </p:cBhvr>
+                                      <p:to>
+                                        <p:strVal val="hidden"/>
+                                      </p:to>
+                                    </p:set>
+                                  </p:childTnLst>
+                                </p:cTn>
+                              </p:par>
+                              <p:par>
+                                <p:cTn id="9" presetID="1" presetClass="exit" presetSubtype="0" fill="hold" nodeType="withEffect">
+                                  <p:stCondLst>
+                                    <p:cond delay="0"/>
+                                  </p:stCondLst>
+                                  <p:childTnLst>
+                                    <p:set>
+                                      <p:cBhvr>
+                                        <p:cTn id="10" dur="1" fill="hold">
+                                          <p:stCondLst>
+                                            <p:cond delay="0"/>
+                                          </p:stCondLst>
+                                        </p:cTn>
+                                        <p:tgtEl>
+                                          <p:spTgt spid="2">
+                                            <p:txEl>
+                                              <p:pRg st="4" end="4"/>
+                                            </p:txEl>
+                                          </p:spTgt>
+                                        </p:tgtEl>
+                                        <p:attrNameLst>
+                                          <p:attrName>style.visibility</p:attrName>
+                                        </p:attrNameLst>
+                                      </p:cBhvr>
+                                      <p:to>
+                                        <p:strVal val="hidden"/>
+                                      </p:to>
+                                    </p:set>
+                                  </p:childTnLst>
+                                </p:cTn>
+                              </p:par>
+                              <p:par>
+                                <p:cTn id="11" presetID="1" presetClass="exit" presetSubtype="0" fill="hold" nodeType="withEffect">
+                                  <p:stCondLst>
+                                    <p:cond delay="0"/>
+                                  </p:stCondLst>
+                                  <p:childTnLst>
+                                    <p:set>
+                                      <p:cBhvr>
+                                        <p:cTn id="12" dur="1" fill="hold">
+                                          <p:stCondLst>
+                                            <p:cond delay="0"/>
+                                          </p:stCondLst>
+                                        </p:cTn>
+                                        <p:tgtEl>
+                                          <p:spTgt spid="2">
+                                            <p:txEl>
+                                              <p:pRg st="6" end="6"/>
+                                            </p:txEl>
+                                          </p:spTgt>
+                                        </p:tgtEl>
+                                        <p:attrNameLst>
+                                          <p:attrName>style.visibility</p:attrName>
+                                        </p:attrNameLst>
+                                      </p:cBhvr>
+                                      <p:to>
+                                        <p:strVal val="hidden"/>
+                                      </p:to>
+                                    </p:set>
+                                  </p:childTnLst>
+                                </p:cTn>
+                              </p:par>
+                              <p:par>
+                                <p:cTn id="13" presetID="1" presetClass="exit" presetSubtype="0" fill="hold" nodeType="withEffect">
+                                  <p:stCondLst>
+                                    <p:cond delay="0"/>
+                                  </p:stCondLst>
+                                  <p:childTnLst>
+                                    <p:set>
+                                      <p:cBhvr>
+                                        <p:cTn id="14" dur="1" fill="hold">
+                                          <p:stCondLst>
+                                            <p:cond delay="0"/>
+                                          </p:stCondLst>
+                                        </p:cTn>
+                                        <p:tgtEl>
+                                          <p:spTgt spid="2">
+                                            <p:txEl>
+                                              <p:pRg st="7" end="7"/>
+                                            </p:txEl>
+                                          </p:spTgt>
+                                        </p:tgtEl>
+                                        <p:attrNameLst>
+                                          <p:attrName>style.visibility</p:attrName>
+                                        </p:attrNameLst>
+                                      </p:cBhvr>
+                                      <p:to>
+                                        <p:strVal val="hidden"/>
+                                      </p:to>
+                                    </p:set>
+                                  </p:childTnLst>
+                                </p:cTn>
+                              </p:par>
+                              <p:par>
+                                <p:cTn id="15" presetID="1" presetClass="exit" presetSubtype="0" fill="hold" nodeType="withEffect">
+                                  <p:stCondLst>
+                                    <p:cond delay="0"/>
+                                  </p:stCondLst>
+                                  <p:childTnLst>
+                                    <p:set>
+                                      <p:cBhvr>
+                                        <p:cTn id="16" dur="1" fill="hold">
+                                          <p:stCondLst>
+                                            <p:cond delay="0"/>
+                                          </p:stCondLst>
+                                        </p:cTn>
+                                        <p:tgtEl>
+                                          <p:spTgt spid="2">
+                                            <p:txEl>
+                                              <p:pRg st="9" end="9"/>
+                                            </p:txEl>
+                                          </p:spTgt>
+                                        </p:tgtEl>
+                                        <p:attrNameLst>
+                                          <p:attrName>style.visibility</p:attrName>
+                                        </p:attrNameLst>
+                                      </p:cBhvr>
+                                      <p:to>
+                                        <p:strVal val="hidden"/>
+                                      </p:to>
+                                    </p:set>
+                                  </p:childTnLst>
+                                </p:cTn>
+                              </p:par>
+                              <p:par>
+                                <p:cTn id="17" presetID="1" presetClass="exit" presetSubtype="0" fill="hold" nodeType="withEffect">
+                                  <p:stCondLst>
+                                    <p:cond delay="0"/>
+                                  </p:stCondLst>
+                                  <p:childTnLst>
+                                    <p:set>
+                                      <p:cBhvr>
+                                        <p:cTn id="18" dur="1" fill="hold">
+                                          <p:stCondLst>
+                                            <p:cond delay="0"/>
+                                          </p:stCondLst>
+                                        </p:cTn>
+                                        <p:tgtEl>
+                                          <p:spTgt spid="2">
+                                            <p:txEl>
+                                              <p:pRg st="10" end="10"/>
+                                            </p:txEl>
+                                          </p:spTgt>
+                                        </p:tgtEl>
+                                        <p:attrNameLst>
+                                          <p:attrName>style.visibility</p:attrName>
+                                        </p:attrNameLst>
+                                      </p:cBhvr>
+                                      <p:to>
+                                        <p:strVal val="hidden"/>
+                                      </p:to>
+                                    </p:set>
+                                  </p:childTnLst>
+                                </p:cTn>
+                              </p:par>
+                              <p:par>
+                                <p:cTn id="19" presetID="1" presetClass="exit" presetSubtype="0" fill="hold" nodeType="withEffect">
+                                  <p:stCondLst>
+                                    <p:cond delay="0"/>
+                                  </p:stCondLst>
+                                  <p:childTnLst>
+                                    <p:set>
+                                      <p:cBhvr>
+                                        <p:cTn id="20" dur="1" fill="hold">
+                                          <p:stCondLst>
+                                            <p:cond delay="0"/>
+                                          </p:stCondLst>
+                                        </p:cTn>
+                                        <p:tgtEl>
+                                          <p:spTgt spid="2">
+                                            <p:txEl>
+                                              <p:pRg st="11" end="11"/>
+                                            </p:txEl>
+                                          </p:spTgt>
+                                        </p:tgtEl>
+                                        <p:attrNameLst>
+                                          <p:attrName>style.visibility</p:attrName>
+                                        </p:attrNameLst>
+                                      </p:cBhvr>
+                                      <p:to>
+                                        <p:strVal val="hidden"/>
+                                      </p:to>
+                                    </p:set>
+                                  </p:childTnLst>
+                                </p:cTn>
+                              </p:par>
+                              <p:par>
+                                <p:cTn id="21" presetID="1" presetClass="exit" presetSubtype="0" fill="hold" nodeType="withEffect">
+                                  <p:stCondLst>
+                                    <p:cond delay="0"/>
+                                  </p:stCondLst>
+                                  <p:childTnLst>
+                                    <p:set>
+                                      <p:cBhvr>
+                                        <p:cTn id="22" dur="1" fill="hold">
+                                          <p:stCondLst>
+                                            <p:cond delay="0"/>
+                                          </p:stCondLst>
+                                        </p:cTn>
+                                        <p:tgtEl>
+                                          <p:spTgt spid="2">
+                                            <p:txEl>
+                                              <p:pRg st="12" end="12"/>
+                                            </p:txEl>
+                                          </p:spTgt>
+                                        </p:tgtEl>
+                                        <p:attrNameLst>
+                                          <p:attrName>style.visibility</p:attrName>
+                                        </p:attrNameLst>
+                                      </p:cBhvr>
+                                      <p:to>
+                                        <p:strVal val="hidden"/>
+                                      </p:to>
+                                    </p:set>
+                                  </p:childTnLst>
+                                </p:cTn>
+                              </p:par>
+                              <p:par>
+                                <p:cTn id="23" presetID="1" presetClass="exit" presetSubtype="0" fill="hold" nodeType="withEffect">
+                                  <p:stCondLst>
+                                    <p:cond delay="0"/>
+                                  </p:stCondLst>
+                                  <p:childTnLst>
+                                    <p:set>
+                                      <p:cBhvr>
+                                        <p:cTn id="24" dur="1" fill="hold">
+                                          <p:stCondLst>
+                                            <p:cond delay="0"/>
+                                          </p:stCondLst>
+                                        </p:cTn>
+                                        <p:tgtEl>
+                                          <p:spTgt spid="2">
+                                            <p:txEl>
+                                              <p:pRg st="14" end="14"/>
+                                            </p:txEl>
+                                          </p:spTgt>
+                                        </p:tgtEl>
+                                        <p:attrNameLst>
+                                          <p:attrName>style.visibility</p:attrName>
+                                        </p:attrNameLst>
+                                      </p:cBhvr>
+                                      <p:to>
+                                        <p:strVal val="hidden"/>
+                                      </p:to>
+                                    </p:set>
+                                  </p:childTnLst>
+                                </p:cTn>
+                              </p:par>
+                            </p:childTnLst>
+                          </p:cTn>
+                        </p:par>
+                      </p:childTnLst>
+                    </p:cTn>
+                  </p:par>
+                  <p:par>
+                    <p:cTn id="25" fill="hold">
+                      <p:stCondLst>
+                        <p:cond delay="indefinite"/>
+                      </p:stCondLst>
+                      <p:childTnLst>
+                        <p:par>
+                          <p:cTn id="26" fill="hold">
+                            <p:stCondLst>
+                              <p:cond delay="0"/>
+                            </p:stCondLst>
+                            <p:childTnLst>
+                              <p:par>
+                                <p:cTn id="27" presetID="1" presetClass="entr" presetSubtype="0" fill="hold" nodeType="clickEffect">
+                                  <p:stCondLst>
+                                    <p:cond delay="0"/>
+                                  </p:stCondLst>
+                                  <p:childTnLst>
+                                    <p:set>
+                                      <p:cBhvr>
+                                        <p:cTn id="28" dur="1" fill="hold">
+                                          <p:stCondLst>
+                                            <p:cond delay="0"/>
+                                          </p:stCondLst>
+                                        </p:cTn>
+                                        <p:tgtEl>
+                                          <p:spTgt spid="2">
+                                            <p:txEl>
+                                              <p:pRg st="2" end="2"/>
+                                            </p:txEl>
+                                          </p:spTgt>
+                                        </p:tgtEl>
+                                        <p:attrNameLst>
+                                          <p:attrName>style.visibility</p:attrName>
+                                        </p:attrNameLst>
+                                      </p:cBhvr>
+                                      <p:to>
+                                        <p:strVal val="visible"/>
+                                      </p:to>
+                                    </p:set>
+                                  </p:childTnLst>
+                                </p:cTn>
+                              </p:par>
+                              <p:par>
+                                <p:cTn id="29" presetID="1" presetClass="entr" presetSubtype="0" fill="hold" nodeType="withEffect">
+                                  <p:stCondLst>
+                                    <p:cond delay="0"/>
+                                  </p:stCondLst>
+                                  <p:childTnLst>
+                                    <p:set>
+                                      <p:cBhvr>
+                                        <p:cTn id="30" dur="1" fill="hold">
+                                          <p:stCondLst>
+                                            <p:cond delay="0"/>
+                                          </p:stCondLst>
+                                        </p:cTn>
+                                        <p:tgtEl>
+                                          <p:spTgt spid="2">
+                                            <p:txEl>
+                                              <p:pRg st="3" end="3"/>
+                                            </p:txEl>
+                                          </p:spTgt>
+                                        </p:tgtEl>
+                                        <p:attrNameLst>
+                                          <p:attrName>style.visibility</p:attrName>
+                                        </p:attrNameLst>
+                                      </p:cBhvr>
+                                      <p:to>
+                                        <p:strVal val="visible"/>
+                                      </p:to>
+                                    </p:set>
+                                  </p:childTnLst>
+                                </p:cTn>
+                              </p:par>
+                              <p:par>
+                                <p:cTn id="31" presetID="1" presetClass="entr" presetSubtype="0" fill="hold" nodeType="withEffect">
+                                  <p:stCondLst>
+                                    <p:cond delay="0"/>
+                                  </p:stCondLst>
+                                  <p:childTnLst>
+                                    <p:set>
+                                      <p:cBhvr>
+                                        <p:cTn id="32" dur="1" fill="hold">
+                                          <p:stCondLst>
+                                            <p:cond delay="0"/>
+                                          </p:stCondLst>
+                                        </p:cTn>
+                                        <p:tgtEl>
+                                          <p:spTgt spid="2">
+                                            <p:txEl>
+                                              <p:pRg st="4" end="4"/>
+                                            </p:txEl>
+                                          </p:spTgt>
+                                        </p:tgtEl>
+                                        <p:attrNameLst>
+                                          <p:attrName>style.visibility</p:attrName>
+                                        </p:attrNameLst>
+                                      </p:cBhvr>
+                                      <p:to>
+                                        <p:strVal val="visible"/>
+                                      </p:to>
+                                    </p:set>
+                                  </p:childTnLst>
+                                </p:cTn>
+                              </p:par>
+                              <p:par>
+                                <p:cTn id="33" presetID="1" presetClass="entr" presetSubtype="0" fill="hold" nodeType="withEffect">
+                                  <p:stCondLst>
+                                    <p:cond delay="0"/>
+                                  </p:stCondLst>
+                                  <p:childTnLst>
+                                    <p:set>
+                                      <p:cBhvr>
+                                        <p:cTn id="34" dur="1" fill="hold">
+                                          <p:stCondLst>
+                                            <p:cond delay="0"/>
+                                          </p:stCondLst>
+                                        </p:cTn>
+                                        <p:tgtEl>
+                                          <p:spTgt spid="2">
+                                            <p:txEl>
+                                              <p:pRg st="6" end="6"/>
+                                            </p:txEl>
+                                          </p:spTgt>
+                                        </p:tgtEl>
+                                        <p:attrNameLst>
+                                          <p:attrName>style.visibility</p:attrName>
+                                        </p:attrNameLst>
+                                      </p:cBhvr>
+                                      <p:to>
+                                        <p:strVal val="visible"/>
+                                      </p:to>
+                                    </p:set>
+                                  </p:childTnLst>
+                                </p:cTn>
+                              </p:par>
+                              <p:par>
+                                <p:cTn id="35" presetID="1" presetClass="entr" presetSubtype="0" fill="hold" nodeType="withEffect">
+                                  <p:stCondLst>
+                                    <p:cond delay="0"/>
+                                  </p:stCondLst>
+                                  <p:childTnLst>
+                                    <p:set>
+                                      <p:cBhvr>
+                                        <p:cTn id="36" dur="1" fill="hold">
+                                          <p:stCondLst>
+                                            <p:cond delay="0"/>
+                                          </p:stCondLst>
+                                        </p:cTn>
+                                        <p:tgtEl>
+                                          <p:spTgt spid="2">
+                                            <p:txEl>
+                                              <p:pRg st="7" end="7"/>
+                                            </p:txEl>
+                                          </p:spTgt>
+                                        </p:tgtEl>
+                                        <p:attrNameLst>
+                                          <p:attrName>style.visibility</p:attrName>
+                                        </p:attrNameLst>
+                                      </p:cBhvr>
+                                      <p:to>
+                                        <p:strVal val="visible"/>
+                                      </p:to>
+                                    </p:set>
+                                  </p:childTnLst>
+                                </p:cTn>
+                              </p:par>
+                            </p:childTnLst>
+                          </p:cTn>
+                        </p:par>
+                      </p:childTnLst>
+                    </p:cTn>
+                  </p:par>
+                  <p:par>
+                    <p:cTn id="37" fill="hold">
+                      <p:stCondLst>
+                        <p:cond delay="indefinite"/>
+                      </p:stCondLst>
+                      <p:childTnLst>
+                        <p:par>
+                          <p:cTn id="38" fill="hold">
+                            <p:stCondLst>
+                              <p:cond delay="0"/>
+                            </p:stCondLst>
+                            <p:childTnLst>
+                              <p:par>
+                                <p:cTn id="39" presetID="1" presetClass="entr" presetSubtype="0" fill="hold" nodeType="clickEffect">
+                                  <p:stCondLst>
+                                    <p:cond delay="0"/>
+                                  </p:stCondLst>
+                                  <p:childTnLst>
+                                    <p:set>
+                                      <p:cBhvr>
+                                        <p:cTn id="40" dur="1" fill="hold">
+                                          <p:stCondLst>
+                                            <p:cond delay="0"/>
+                                          </p:stCondLst>
+                                        </p:cTn>
+                                        <p:tgtEl>
+                                          <p:spTgt spid="2">
+                                            <p:txEl>
+                                              <p:pRg st="9" end="9"/>
+                                            </p:txEl>
+                                          </p:spTgt>
+                                        </p:tgtEl>
+                                        <p:attrNameLst>
+                                          <p:attrName>style.visibility</p:attrName>
+                                        </p:attrNameLst>
+                                      </p:cBhvr>
+                                      <p:to>
+                                        <p:strVal val="visible"/>
+                                      </p:to>
+                                    </p:set>
+                                  </p:childTnLst>
+                                </p:cTn>
+                              </p:par>
+                              <p:par>
+                                <p:cTn id="41" presetID="1" presetClass="entr" presetSubtype="0" fill="hold" nodeType="withEffect">
+                                  <p:stCondLst>
+                                    <p:cond delay="0"/>
+                                  </p:stCondLst>
+                                  <p:childTnLst>
+                                    <p:set>
+                                      <p:cBhvr>
+                                        <p:cTn id="42" dur="1" fill="hold">
+                                          <p:stCondLst>
+                                            <p:cond delay="0"/>
+                                          </p:stCondLst>
+                                        </p:cTn>
+                                        <p:tgtEl>
+                                          <p:spTgt spid="2">
+                                            <p:txEl>
+                                              <p:pRg st="10" end="10"/>
+                                            </p:txEl>
+                                          </p:spTgt>
+                                        </p:tgtEl>
+                                        <p:attrNameLst>
+                                          <p:attrName>style.visibility</p:attrName>
+                                        </p:attrNameLst>
+                                      </p:cBhvr>
+                                      <p:to>
+                                        <p:strVal val="visible"/>
+                                      </p:to>
+                                    </p:set>
+                                  </p:childTnLst>
+                                </p:cTn>
+                              </p:par>
+                              <p:par>
+                                <p:cTn id="43" presetID="1" presetClass="entr" presetSubtype="0" fill="hold" nodeType="withEffect">
+                                  <p:stCondLst>
+                                    <p:cond delay="0"/>
+                                  </p:stCondLst>
+                                  <p:childTnLst>
+                                    <p:set>
+                                      <p:cBhvr>
+                                        <p:cTn id="44" dur="1" fill="hold">
+                                          <p:stCondLst>
+                                            <p:cond delay="0"/>
+                                          </p:stCondLst>
+                                        </p:cTn>
+                                        <p:tgtEl>
+                                          <p:spTgt spid="2">
+                                            <p:txEl>
+                                              <p:pRg st="11" end="11"/>
+                                            </p:txEl>
+                                          </p:spTgt>
+                                        </p:tgtEl>
+                                        <p:attrNameLst>
+                                          <p:attrName>style.visibility</p:attrName>
+                                        </p:attrNameLst>
+                                      </p:cBhvr>
+                                      <p:to>
+                                        <p:strVal val="visible"/>
+                                      </p:to>
+                                    </p:set>
+                                  </p:childTnLst>
+                                </p:cTn>
+                              </p:par>
+                              <p:par>
+                                <p:cTn id="45" presetID="1" presetClass="entr" presetSubtype="0" fill="hold" nodeType="withEffect">
+                                  <p:stCondLst>
+                                    <p:cond delay="0"/>
+                                  </p:stCondLst>
+                                  <p:childTnLst>
+                                    <p:set>
+                                      <p:cBhvr>
+                                        <p:cTn id="46" dur="1" fill="hold">
+                                          <p:stCondLst>
+                                            <p:cond delay="0"/>
+                                          </p:stCondLst>
+                                        </p:cTn>
+                                        <p:tgtEl>
+                                          <p:spTgt spid="2">
+                                            <p:txEl>
+                                              <p:pRg st="12" end="12"/>
+                                            </p:txEl>
+                                          </p:spTgt>
+                                        </p:tgtEl>
+                                        <p:attrNameLst>
+                                          <p:attrName>style.visibility</p:attrName>
+                                        </p:attrNameLst>
+                                      </p:cBhvr>
+                                      <p:to>
+                                        <p:strVal val="visible"/>
+                                      </p:to>
+                                    </p:set>
+                                  </p:childTnLst>
+                                </p:cTn>
+                              </p:par>
+                              <p:par>
+                                <p:cTn id="47" presetID="1" presetClass="entr" presetSubtype="0" fill="hold" nodeType="withEffect">
+                                  <p:stCondLst>
+                                    <p:cond delay="0"/>
+                                  </p:stCondLst>
+                                  <p:childTnLst>
+                                    <p:set>
+                                      <p:cBhvr>
+                                        <p:cTn id="48" dur="1" fill="hold">
+                                          <p:stCondLst>
+                                            <p:cond delay="0"/>
+                                          </p:stCondLst>
+                                        </p:cTn>
+                                        <p:tgtEl>
+                                          <p:spTgt spid="2">
+                                            <p:txEl>
+                                              <p:pRg st="14" end="14"/>
+                                            </p:txEl>
+                                          </p:spTgt>
+                                        </p:tgtEl>
+                                        <p:attrNameLst>
+                                          <p:attrName>style.visibility</p:attrName>
+                                        </p:attrNameLst>
+                                      </p:cBhvr>
+                                      <p:to>
+                                        <p:strVal val="visible"/>
+                                      </p:to>
+                                    </p:set>
+                                  </p:childTnLst>
+                                </p:cTn>
+                              </p:par>
+                            </p:childTnLst>
+                          </p:cTn>
+                        </p:par>
+                      </p:childTnLst>
+                    </p:cTn>
+                  </p:par>
+                </p:childTnLst>
+              </p:cTn>
+              <p:prevCondLst>
+                <p:cond evt="onPrev" delay="0">
+                  <p:tgtEl>
+                    <p:sldTgt/>
+                  </p:tgtEl>
+                </p:cond>
+              </p:prevCondLst>
+              <p:nextCondLst>
+                <p:cond evt="onNext" delay="0">
+                  <p:tgtEl>
+                    <p:sldTgt/>
+                  </p:tgtEl>
+                </p:cond>
+              </p:nextCondLst>
+            </p:seq>
+          </p:childTnLst>
+        </p:cTn>
       </p:par>
     </p:tnLst>
   </p:timing>
@@ -11002,7 +15505,7 @@
             <a:r>
               <a:rPr lang="pt-PT" sz="1400" dirty="0" err="1" smtClean="0">
                 <a:solidFill>
-                  <a:srgbClr val="333333"/>
+                  <a:srgbClr val="2B91AF"/>
                 </a:solidFill>
                 <a:latin typeface="Consolas" pitchFamily="49" charset="0"/>
               </a:rPr>
@@ -11148,7 +15651,7 @@
             <a:r>
               <a:rPr lang="pt-PT" sz="1400" dirty="0" err="1" smtClean="0">
                 <a:solidFill>
-                  <a:srgbClr val="333333"/>
+                  <a:srgbClr val="2B91AF"/>
                 </a:solidFill>
                 <a:latin typeface="Consolas" pitchFamily="49" charset="0"/>
               </a:rPr>
@@ -11345,12 +15848,24 @@
   <p:clrMapOvr>
     <a:masterClrMapping/>
   </p:clrMapOvr>
+  <p:timing>
+    <p:tnLst>
+      <p:par>
+        <p:cTn id="1" dur="indefinite" restart="never" nodeType="tmRoot"/>
+      </p:par>
+    </p:tnLst>
+  </p:timing>
 </p:sld>
 </file>
 
 <file path=ppt/slides/slide24.xml><?xml version="1.0" encoding="utf-8"?>
 <p:sld xmlns:a="http://schemas.openxmlformats.org/drawingml/2006/main" xmlns:r="http://schemas.openxmlformats.org/officeDocument/2006/relationships" xmlns:p="http://schemas.openxmlformats.org/presentationml/2006/main">
   <p:cSld>
+    <p:bg>
+      <p:bgRef idx="1001">
+        <a:schemeClr val="bg1"/>
+      </p:bgRef>
+    </p:bg>
     <p:spTree>
       <p:nvGrpSpPr>
         <p:cNvPr id="1" name=""/>
@@ -11407,7 +15922,7 @@
             <a:r>
               <a:rPr lang="pt-PT" sz="1400" dirty="0" err="1" smtClean="0">
                 <a:solidFill>
-                  <a:srgbClr val="333333"/>
+                  <a:srgbClr val="2B91AF"/>
                 </a:solidFill>
                 <a:latin typeface="Consolas" pitchFamily="49" charset="0"/>
               </a:rPr>
@@ -11459,13 +15974,31 @@
               <a:t>(</a:t>
             </a:r>
             <a:r>
+              <a:rPr lang="pt-PT" sz="1400" cap="all" dirty="0" err="1" smtClean="0">
+                <a:solidFill>
+                  <a:srgbClr val="333333"/>
+                </a:solidFill>
+                <a:latin typeface="Consolas" pitchFamily="49" charset="0"/>
+              </a:rPr>
+              <a:t>url_all_tests</a:t>
+            </a:r>
+            <a:r>
+              <a:rPr lang="pt-PT" sz="1400" dirty="0" smtClean="0">
+                <a:solidFill>
+                  <a:srgbClr val="333333"/>
+                </a:solidFill>
+                <a:latin typeface="Consolas" pitchFamily="49" charset="0"/>
+              </a:rPr>
+              <a:t>, </a:t>
+            </a:r>
+            <a:r>
               <a:rPr lang="pt-PT" sz="1400" dirty="0" err="1" smtClean="0">
                 <a:solidFill>
                   <a:srgbClr val="333333"/>
                 </a:solidFill>
                 <a:latin typeface="Consolas" pitchFamily="49" charset="0"/>
               </a:rPr>
-              <a:t>url_all_tests</a:t>
+              <a:t>params</a:t>
             </a:r>
             <a:r>
               <a:rPr lang="pt-PT" sz="1400" dirty="0" smtClean="0">
@@ -11474,24 +16007,6 @@
                 </a:solidFill>
                 <a:latin typeface="Consolas" pitchFamily="49" charset="0"/>
               </a:rPr>
-              <a:t>, </a:t>
-            </a:r>
-            <a:r>
-              <a:rPr lang="pt-PT" sz="1400" dirty="0" err="1" smtClean="0">
-                <a:solidFill>
-                  <a:srgbClr val="333333"/>
-                </a:solidFill>
-                <a:latin typeface="Consolas" pitchFamily="49" charset="0"/>
-              </a:rPr>
-              <a:t>params</a:t>
-            </a:r>
-            <a:r>
-              <a:rPr lang="pt-PT" sz="1400" dirty="0" smtClean="0">
-                <a:solidFill>
-                  <a:srgbClr val="333333"/>
-                </a:solidFill>
-                <a:latin typeface="Consolas" pitchFamily="49" charset="0"/>
-              </a:rPr>
               <a:t>);</a:t>
             </a:r>
           </a:p>
@@ -11503,7 +16018,25 @@
                 </a:solidFill>
                 <a:latin typeface="Consolas" pitchFamily="49" charset="0"/>
               </a:rPr>
-              <a:t>// tests é um array</a:t>
+              <a:t>// </a:t>
+            </a:r>
+            <a:r>
+              <a:rPr lang="en-US" sz="1400" dirty="0" err="1" smtClean="0">
+                <a:solidFill>
+                  <a:srgbClr val="008000"/>
+                </a:solidFill>
+                <a:latin typeface="Consolas" pitchFamily="49" charset="0"/>
+              </a:rPr>
+              <a:t>Obter</a:t>
+            </a:r>
+            <a:r>
+              <a:rPr lang="en-US" sz="1400" dirty="0" smtClean="0">
+                <a:solidFill>
+                  <a:srgbClr val="008000"/>
+                </a:solidFill>
+                <a:latin typeface="Consolas" pitchFamily="49" charset="0"/>
+              </a:rPr>
+              <a:t> o array de testes</a:t>
             </a:r>
             <a:endParaRPr lang="en-US" sz="1400" dirty="0" smtClean="0">
               <a:solidFill>
@@ -11516,7 +16049,7 @@
             <a:r>
               <a:rPr lang="en-US" sz="1400" dirty="0" err="1" smtClean="0">
                 <a:solidFill>
-                  <a:srgbClr val="333333"/>
+                  <a:srgbClr val="2B91AF"/>
                 </a:solidFill>
                 <a:latin typeface="Consolas" pitchFamily="49" charset="0"/>
               </a:rPr>
@@ -11645,7 +16178,7 @@
             <a:r>
               <a:rPr lang="en-US" sz="1400" dirty="0" err="1" smtClean="0">
                 <a:solidFill>
-                  <a:srgbClr val="333333"/>
+                  <a:srgbClr val="2B91AF"/>
                 </a:solidFill>
                 <a:latin typeface="Consolas" pitchFamily="49" charset="0"/>
               </a:rPr>
@@ -11861,7 +16394,7 @@
             <a:r>
               <a:rPr lang="en-US" sz="1400" dirty="0" err="1" smtClean="0">
                 <a:solidFill>
-                  <a:srgbClr val="333333"/>
+                  <a:srgbClr val="2B91AF"/>
                 </a:solidFill>
                 <a:latin typeface="Consolas" pitchFamily="49" charset="0"/>
               </a:rPr>
@@ -11874,11 +16407,47 @@
                 </a:solidFill>
                 <a:latin typeface="Consolas" pitchFamily="49" charset="0"/>
               </a:rPr>
-              <a:t>&lt;String, String&gt; map = </a:t>
+              <a:t>&lt;</a:t>
             </a:r>
             <a:r>
               <a:rPr lang="en-US" sz="1400" dirty="0" smtClean="0">
                 <a:solidFill>
+                  <a:srgbClr val="2B91AF"/>
+                </a:solidFill>
+                <a:latin typeface="Consolas" pitchFamily="49" charset="0"/>
+              </a:rPr>
+              <a:t>String</a:t>
+            </a:r>
+            <a:r>
+              <a:rPr lang="en-US" sz="1400" dirty="0" smtClean="0">
+                <a:solidFill>
+                  <a:srgbClr val="333333"/>
+                </a:solidFill>
+                <a:latin typeface="Consolas" pitchFamily="49" charset="0"/>
+              </a:rPr>
+              <a:t>, </a:t>
+            </a:r>
+            <a:r>
+              <a:rPr lang="en-US" sz="1400" dirty="0" smtClean="0">
+                <a:solidFill>
+                  <a:srgbClr val="2B91AF"/>
+                </a:solidFill>
+                <a:latin typeface="Consolas" pitchFamily="49" charset="0"/>
+              </a:rPr>
+              <a:t>String</a:t>
+            </a:r>
+            <a:r>
+              <a:rPr lang="en-US" sz="1400" dirty="0" smtClean="0">
+                <a:solidFill>
+                  <a:srgbClr val="333333"/>
+                </a:solidFill>
+                <a:latin typeface="Consolas" pitchFamily="49" charset="0"/>
+              </a:rPr>
+              <a:t>&gt; map = </a:t>
+            </a:r>
+            <a:r>
+              <a:rPr lang="en-US" sz="1400" dirty="0" smtClean="0">
+                <a:solidFill>
                   <a:srgbClr val="0000FF"/>
                 </a:solidFill>
                 <a:latin typeface="Consolas" pitchFamily="49" charset="0"/>
@@ -11897,7 +16466,7 @@
             <a:r>
               <a:rPr lang="en-US" sz="1400" dirty="0" err="1" smtClean="0">
                 <a:solidFill>
-                  <a:srgbClr val="333333"/>
+                  <a:srgbClr val="2B91AF"/>
                 </a:solidFill>
                 <a:latin typeface="Consolas" pitchFamily="49" charset="0"/>
               </a:rPr>
@@ -11910,7 +16479,43 @@
                 </a:solidFill>
                 <a:latin typeface="Consolas" pitchFamily="49" charset="0"/>
               </a:rPr>
-              <a:t>&lt;String, String&gt;();</a:t>
+              <a:t>&lt;</a:t>
+            </a:r>
+            <a:r>
+              <a:rPr lang="en-US" sz="1400" dirty="0" smtClean="0">
+                <a:solidFill>
+                  <a:srgbClr val="2B91AF"/>
+                </a:solidFill>
+                <a:latin typeface="Consolas" pitchFamily="49" charset="0"/>
+              </a:rPr>
+              <a:t>String</a:t>
+            </a:r>
+            <a:r>
+              <a:rPr lang="en-US" sz="1400" dirty="0" smtClean="0">
+                <a:solidFill>
+                  <a:srgbClr val="333333"/>
+                </a:solidFill>
+                <a:latin typeface="Consolas" pitchFamily="49" charset="0"/>
+              </a:rPr>
+              <a:t>, </a:t>
+            </a:r>
+            <a:r>
+              <a:rPr lang="en-US" sz="1400" dirty="0" smtClean="0">
+                <a:solidFill>
+                  <a:srgbClr val="2B91AF"/>
+                </a:solidFill>
+                <a:latin typeface="Consolas" pitchFamily="49" charset="0"/>
+              </a:rPr>
+              <a:t>String</a:t>
+            </a:r>
+            <a:r>
+              <a:rPr lang="en-US" sz="1400" dirty="0" smtClean="0">
+                <a:solidFill>
+                  <a:srgbClr val="333333"/>
+                </a:solidFill>
+                <a:latin typeface="Consolas" pitchFamily="49" charset="0"/>
+              </a:rPr>
+              <a:t>&gt;();</a:t>
             </a:r>
           </a:p>
           <a:p>
@@ -12128,12 +16733,810 @@
     </p:spTree>
   </p:cSld>
   <p:clrMapOvr>
-    <a:masterClrMapping/>
+    <a:overrideClrMapping bg1="lt1" tx1="dk1" bg2="lt2" tx2="dk2" accent1="accent1" accent2="accent2" accent3="accent3" accent4="accent4" accent5="accent5" accent6="accent6" hlink="hlink" folHlink="folHlink"/>
   </p:clrMapOvr>
   <p:timing>
     <p:tnLst>
       <p:par>
-        <p:cTn id="1" dur="indefinite" restart="never" nodeType="tmRoot"/>
+        <p:cTn id="1" dur="indefinite" restart="never" nodeType="tmRoot">
+          <p:childTnLst>
+            <p:seq concurrent="1" nextAc="seek">
+              <p:cTn id="2" dur="indefinite" nodeType="mainSeq">
+                <p:childTnLst>
+                  <p:par>
+                    <p:cTn id="3" fill="hold">
+                      <p:stCondLst>
+                        <p:cond delay="indefinite"/>
+                        <p:cond evt="onBegin" delay="0">
+                          <p:tn val="2"/>
+                        </p:cond>
+                      </p:stCondLst>
+                      <p:childTnLst>
+                        <p:par>
+                          <p:cTn id="4" fill="hold">
+                            <p:stCondLst>
+                              <p:cond delay="0"/>
+                            </p:stCondLst>
+                            <p:childTnLst>
+                              <p:par>
+                                <p:cTn id="5" presetID="1" presetClass="exit" presetSubtype="0" fill="hold" nodeType="withEffect">
+                                  <p:stCondLst>
+                                    <p:cond delay="0"/>
+                                  </p:stCondLst>
+                                  <p:childTnLst>
+                                    <p:set>
+                                      <p:cBhvr>
+                                        <p:cTn id="6" dur="1" fill="hold">
+                                          <p:stCondLst>
+                                            <p:cond delay="0"/>
+                                          </p:stCondLst>
+                                        </p:cTn>
+                                        <p:tgtEl>
+                                          <p:spTgt spid="2">
+                                            <p:txEl>
+                                              <p:pRg st="2" end="2"/>
+                                            </p:txEl>
+                                          </p:spTgt>
+                                        </p:tgtEl>
+                                        <p:attrNameLst>
+                                          <p:attrName>style.visibility</p:attrName>
+                                        </p:attrNameLst>
+                                      </p:cBhvr>
+                                      <p:to>
+                                        <p:strVal val="hidden"/>
+                                      </p:to>
+                                    </p:set>
+                                  </p:childTnLst>
+                                </p:cTn>
+                              </p:par>
+                              <p:par>
+                                <p:cTn id="7" presetID="1" presetClass="exit" presetSubtype="0" fill="hold" nodeType="withEffect">
+                                  <p:stCondLst>
+                                    <p:cond delay="0"/>
+                                  </p:stCondLst>
+                                  <p:childTnLst>
+                                    <p:set>
+                                      <p:cBhvr>
+                                        <p:cTn id="8" dur="1" fill="hold">
+                                          <p:stCondLst>
+                                            <p:cond delay="0"/>
+                                          </p:stCondLst>
+                                        </p:cTn>
+                                        <p:tgtEl>
+                                          <p:spTgt spid="2">
+                                            <p:txEl>
+                                              <p:pRg st="3" end="3"/>
+                                            </p:txEl>
+                                          </p:spTgt>
+                                        </p:tgtEl>
+                                        <p:attrNameLst>
+                                          <p:attrName>style.visibility</p:attrName>
+                                        </p:attrNameLst>
+                                      </p:cBhvr>
+                                      <p:to>
+                                        <p:strVal val="hidden"/>
+                                      </p:to>
+                                    </p:set>
+                                  </p:childTnLst>
+                                </p:cTn>
+                              </p:par>
+                              <p:par>
+                                <p:cTn id="9" presetID="1" presetClass="exit" presetSubtype="0" fill="hold" nodeType="withEffect">
+                                  <p:stCondLst>
+                                    <p:cond delay="0"/>
+                                  </p:stCondLst>
+                                  <p:childTnLst>
+                                    <p:set>
+                                      <p:cBhvr>
+                                        <p:cTn id="10" dur="1" fill="hold">
+                                          <p:stCondLst>
+                                            <p:cond delay="0"/>
+                                          </p:stCondLst>
+                                        </p:cTn>
+                                        <p:tgtEl>
+                                          <p:spTgt spid="2">
+                                            <p:txEl>
+                                              <p:pRg st="4" end="4"/>
+                                            </p:txEl>
+                                          </p:spTgt>
+                                        </p:tgtEl>
+                                        <p:attrNameLst>
+                                          <p:attrName>style.visibility</p:attrName>
+                                        </p:attrNameLst>
+                                      </p:cBhvr>
+                                      <p:to>
+                                        <p:strVal val="hidden"/>
+                                      </p:to>
+                                    </p:set>
+                                  </p:childTnLst>
+                                </p:cTn>
+                              </p:par>
+                              <p:par>
+                                <p:cTn id="11" presetID="1" presetClass="exit" presetSubtype="0" fill="hold" nodeType="withEffect">
+                                  <p:stCondLst>
+                                    <p:cond delay="0"/>
+                                  </p:stCondLst>
+                                  <p:childTnLst>
+                                    <p:set>
+                                      <p:cBhvr>
+                                        <p:cTn id="12" dur="1" fill="hold">
+                                          <p:stCondLst>
+                                            <p:cond delay="0"/>
+                                          </p:stCondLst>
+                                        </p:cTn>
+                                        <p:tgtEl>
+                                          <p:spTgt spid="2">
+                                            <p:txEl>
+                                              <p:pRg st="5" end="5"/>
+                                            </p:txEl>
+                                          </p:spTgt>
+                                        </p:tgtEl>
+                                        <p:attrNameLst>
+                                          <p:attrName>style.visibility</p:attrName>
+                                        </p:attrNameLst>
+                                      </p:cBhvr>
+                                      <p:to>
+                                        <p:strVal val="hidden"/>
+                                      </p:to>
+                                    </p:set>
+                                  </p:childTnLst>
+                                </p:cTn>
+                              </p:par>
+                              <p:par>
+                                <p:cTn id="13" presetID="1" presetClass="exit" presetSubtype="0" fill="hold" nodeType="withEffect">
+                                  <p:stCondLst>
+                                    <p:cond delay="0"/>
+                                  </p:stCondLst>
+                                  <p:childTnLst>
+                                    <p:set>
+                                      <p:cBhvr>
+                                        <p:cTn id="14" dur="1" fill="hold">
+                                          <p:stCondLst>
+                                            <p:cond delay="0"/>
+                                          </p:stCondLst>
+                                        </p:cTn>
+                                        <p:tgtEl>
+                                          <p:spTgt spid="2">
+                                            <p:txEl>
+                                              <p:pRg st="6" end="6"/>
+                                            </p:txEl>
+                                          </p:spTgt>
+                                        </p:tgtEl>
+                                        <p:attrNameLst>
+                                          <p:attrName>style.visibility</p:attrName>
+                                        </p:attrNameLst>
+                                      </p:cBhvr>
+                                      <p:to>
+                                        <p:strVal val="hidden"/>
+                                      </p:to>
+                                    </p:set>
+                                  </p:childTnLst>
+                                </p:cTn>
+                              </p:par>
+                              <p:par>
+                                <p:cTn id="15" presetID="1" presetClass="exit" presetSubtype="0" fill="hold" nodeType="withEffect">
+                                  <p:stCondLst>
+                                    <p:cond delay="0"/>
+                                  </p:stCondLst>
+                                  <p:childTnLst>
+                                    <p:set>
+                                      <p:cBhvr>
+                                        <p:cTn id="16" dur="1" fill="hold">
+                                          <p:stCondLst>
+                                            <p:cond delay="0"/>
+                                          </p:stCondLst>
+                                        </p:cTn>
+                                        <p:tgtEl>
+                                          <p:spTgt spid="2">
+                                            <p:txEl>
+                                              <p:pRg st="8" end="8"/>
+                                            </p:txEl>
+                                          </p:spTgt>
+                                        </p:tgtEl>
+                                        <p:attrNameLst>
+                                          <p:attrName>style.visibility</p:attrName>
+                                        </p:attrNameLst>
+                                      </p:cBhvr>
+                                      <p:to>
+                                        <p:strVal val="hidden"/>
+                                      </p:to>
+                                    </p:set>
+                                  </p:childTnLst>
+                                </p:cTn>
+                              </p:par>
+                              <p:par>
+                                <p:cTn id="17" presetID="1" presetClass="exit" presetSubtype="0" fill="hold" nodeType="withEffect">
+                                  <p:stCondLst>
+                                    <p:cond delay="0"/>
+                                  </p:stCondLst>
+                                  <p:childTnLst>
+                                    <p:set>
+                                      <p:cBhvr>
+                                        <p:cTn id="18" dur="1" fill="hold">
+                                          <p:stCondLst>
+                                            <p:cond delay="0"/>
+                                          </p:stCondLst>
+                                        </p:cTn>
+                                        <p:tgtEl>
+                                          <p:spTgt spid="2">
+                                            <p:txEl>
+                                              <p:pRg st="9" end="9"/>
+                                            </p:txEl>
+                                          </p:spTgt>
+                                        </p:tgtEl>
+                                        <p:attrNameLst>
+                                          <p:attrName>style.visibility</p:attrName>
+                                        </p:attrNameLst>
+                                      </p:cBhvr>
+                                      <p:to>
+                                        <p:strVal val="hidden"/>
+                                      </p:to>
+                                    </p:set>
+                                  </p:childTnLst>
+                                </p:cTn>
+                              </p:par>
+                              <p:par>
+                                <p:cTn id="19" presetID="1" presetClass="exit" presetSubtype="0" fill="hold" nodeType="withEffect">
+                                  <p:stCondLst>
+                                    <p:cond delay="0"/>
+                                  </p:stCondLst>
+                                  <p:childTnLst>
+                                    <p:set>
+                                      <p:cBhvr>
+                                        <p:cTn id="20" dur="1" fill="hold">
+                                          <p:stCondLst>
+                                            <p:cond delay="0"/>
+                                          </p:stCondLst>
+                                        </p:cTn>
+                                        <p:tgtEl>
+                                          <p:spTgt spid="2">
+                                            <p:txEl>
+                                              <p:pRg st="11" end="11"/>
+                                            </p:txEl>
+                                          </p:spTgt>
+                                        </p:tgtEl>
+                                        <p:attrNameLst>
+                                          <p:attrName>style.visibility</p:attrName>
+                                        </p:attrNameLst>
+                                      </p:cBhvr>
+                                      <p:to>
+                                        <p:strVal val="hidden"/>
+                                      </p:to>
+                                    </p:set>
+                                  </p:childTnLst>
+                                </p:cTn>
+                              </p:par>
+                              <p:par>
+                                <p:cTn id="21" presetID="1" presetClass="exit" presetSubtype="0" fill="hold" nodeType="withEffect">
+                                  <p:stCondLst>
+                                    <p:cond delay="0"/>
+                                  </p:stCondLst>
+                                  <p:childTnLst>
+                                    <p:set>
+                                      <p:cBhvr>
+                                        <p:cTn id="22" dur="1" fill="hold">
+                                          <p:stCondLst>
+                                            <p:cond delay="0"/>
+                                          </p:stCondLst>
+                                        </p:cTn>
+                                        <p:tgtEl>
+                                          <p:spTgt spid="2">
+                                            <p:txEl>
+                                              <p:pRg st="12" end="12"/>
+                                            </p:txEl>
+                                          </p:spTgt>
+                                        </p:tgtEl>
+                                        <p:attrNameLst>
+                                          <p:attrName>style.visibility</p:attrName>
+                                        </p:attrNameLst>
+                                      </p:cBhvr>
+                                      <p:to>
+                                        <p:strVal val="hidden"/>
+                                      </p:to>
+                                    </p:set>
+                                  </p:childTnLst>
+                                </p:cTn>
+                              </p:par>
+                              <p:par>
+                                <p:cTn id="23" presetID="1" presetClass="exit" presetSubtype="0" fill="hold" nodeType="withEffect">
+                                  <p:stCondLst>
+                                    <p:cond delay="0"/>
+                                  </p:stCondLst>
+                                  <p:childTnLst>
+                                    <p:set>
+                                      <p:cBhvr>
+                                        <p:cTn id="24" dur="1" fill="hold">
+                                          <p:stCondLst>
+                                            <p:cond delay="0"/>
+                                          </p:stCondLst>
+                                        </p:cTn>
+                                        <p:tgtEl>
+                                          <p:spTgt spid="2">
+                                            <p:txEl>
+                                              <p:pRg st="13" end="13"/>
+                                            </p:txEl>
+                                          </p:spTgt>
+                                        </p:tgtEl>
+                                        <p:attrNameLst>
+                                          <p:attrName>style.visibility</p:attrName>
+                                        </p:attrNameLst>
+                                      </p:cBhvr>
+                                      <p:to>
+                                        <p:strVal val="hidden"/>
+                                      </p:to>
+                                    </p:set>
+                                  </p:childTnLst>
+                                </p:cTn>
+                              </p:par>
+                              <p:par>
+                                <p:cTn id="25" presetID="1" presetClass="exit" presetSubtype="0" fill="hold" nodeType="withEffect">
+                                  <p:stCondLst>
+                                    <p:cond delay="0"/>
+                                  </p:stCondLst>
+                                  <p:childTnLst>
+                                    <p:set>
+                                      <p:cBhvr>
+                                        <p:cTn id="26" dur="1" fill="hold">
+                                          <p:stCondLst>
+                                            <p:cond delay="0"/>
+                                          </p:stCondLst>
+                                        </p:cTn>
+                                        <p:tgtEl>
+                                          <p:spTgt spid="2">
+                                            <p:txEl>
+                                              <p:pRg st="14" end="14"/>
+                                            </p:txEl>
+                                          </p:spTgt>
+                                        </p:tgtEl>
+                                        <p:attrNameLst>
+                                          <p:attrName>style.visibility</p:attrName>
+                                        </p:attrNameLst>
+                                      </p:cBhvr>
+                                      <p:to>
+                                        <p:strVal val="hidden"/>
+                                      </p:to>
+                                    </p:set>
+                                  </p:childTnLst>
+                                </p:cTn>
+                              </p:par>
+                            </p:childTnLst>
+                          </p:cTn>
+                        </p:par>
+                      </p:childTnLst>
+                    </p:cTn>
+                  </p:par>
+                  <p:par>
+                    <p:cTn id="27" fill="hold">
+                      <p:stCondLst>
+                        <p:cond delay="indefinite"/>
+                      </p:stCondLst>
+                      <p:childTnLst>
+                        <p:par>
+                          <p:cTn id="28" fill="hold">
+                            <p:stCondLst>
+                              <p:cond delay="0"/>
+                            </p:stCondLst>
+                            <p:childTnLst>
+                              <p:par>
+                                <p:cTn id="29" presetID="1" presetClass="entr" presetSubtype="0" fill="hold" nodeType="clickEffect">
+                                  <p:stCondLst>
+                                    <p:cond delay="0"/>
+                                  </p:stCondLst>
+                                  <p:childTnLst>
+                                    <p:set>
+                                      <p:cBhvr>
+                                        <p:cTn id="30" dur="1" fill="hold">
+                                          <p:stCondLst>
+                                            <p:cond delay="0"/>
+                                          </p:stCondLst>
+                                        </p:cTn>
+                                        <p:tgtEl>
+                                          <p:spTgt spid="2">
+                                            <p:txEl>
+                                              <p:pRg st="2" end="2"/>
+                                            </p:txEl>
+                                          </p:spTgt>
+                                        </p:tgtEl>
+                                        <p:attrNameLst>
+                                          <p:attrName>style.visibility</p:attrName>
+                                        </p:attrNameLst>
+                                      </p:cBhvr>
+                                      <p:to>
+                                        <p:strVal val="visible"/>
+                                      </p:to>
+                                    </p:set>
+                                  </p:childTnLst>
+                                </p:cTn>
+                              </p:par>
+                              <p:par>
+                                <p:cTn id="31" presetID="1" presetClass="entr" presetSubtype="0" fill="hold" nodeType="withEffect">
+                                  <p:stCondLst>
+                                    <p:cond delay="0"/>
+                                  </p:stCondLst>
+                                  <p:childTnLst>
+                                    <p:set>
+                                      <p:cBhvr>
+                                        <p:cTn id="32" dur="1" fill="hold">
+                                          <p:stCondLst>
+                                            <p:cond delay="0"/>
+                                          </p:stCondLst>
+                                        </p:cTn>
+                                        <p:tgtEl>
+                                          <p:spTgt spid="2">
+                                            <p:txEl>
+                                              <p:pRg st="3" end="3"/>
+                                            </p:txEl>
+                                          </p:spTgt>
+                                        </p:tgtEl>
+                                        <p:attrNameLst>
+                                          <p:attrName>style.visibility</p:attrName>
+                                        </p:attrNameLst>
+                                      </p:cBhvr>
+                                      <p:to>
+                                        <p:strVal val="visible"/>
+                                      </p:to>
+                                    </p:set>
+                                  </p:childTnLst>
+                                </p:cTn>
+                              </p:par>
+                            </p:childTnLst>
+                          </p:cTn>
+                        </p:par>
+                      </p:childTnLst>
+                    </p:cTn>
+                  </p:par>
+                  <p:par>
+                    <p:cTn id="33" fill="hold">
+                      <p:stCondLst>
+                        <p:cond delay="indefinite"/>
+                      </p:stCondLst>
+                      <p:childTnLst>
+                        <p:par>
+                          <p:cTn id="34" fill="hold">
+                            <p:stCondLst>
+                              <p:cond delay="0"/>
+                            </p:stCondLst>
+                            <p:childTnLst>
+                              <p:par>
+                                <p:cTn id="35" presetID="1" presetClass="entr" presetSubtype="0" fill="hold" nodeType="clickEffect">
+                                  <p:stCondLst>
+                                    <p:cond delay="0"/>
+                                  </p:stCondLst>
+                                  <p:childTnLst>
+                                    <p:set>
+                                      <p:cBhvr>
+                                        <p:cTn id="36" dur="1" fill="hold">
+                                          <p:stCondLst>
+                                            <p:cond delay="0"/>
+                                          </p:stCondLst>
+                                        </p:cTn>
+                                        <p:tgtEl>
+                                          <p:spTgt spid="2">
+                                            <p:txEl>
+                                              <p:pRg st="4" end="4"/>
+                                            </p:txEl>
+                                          </p:spTgt>
+                                        </p:tgtEl>
+                                        <p:attrNameLst>
+                                          <p:attrName>style.visibility</p:attrName>
+                                        </p:attrNameLst>
+                                      </p:cBhvr>
+                                      <p:to>
+                                        <p:strVal val="visible"/>
+                                      </p:to>
+                                    </p:set>
+                                  </p:childTnLst>
+                                </p:cTn>
+                              </p:par>
+                              <p:par>
+                                <p:cTn id="37" presetID="1" presetClass="entr" presetSubtype="0" fill="hold" nodeType="withEffect">
+                                  <p:stCondLst>
+                                    <p:cond delay="0"/>
+                                  </p:stCondLst>
+                                  <p:childTnLst>
+                                    <p:set>
+                                      <p:cBhvr>
+                                        <p:cTn id="38" dur="1" fill="hold">
+                                          <p:stCondLst>
+                                            <p:cond delay="0"/>
+                                          </p:stCondLst>
+                                        </p:cTn>
+                                        <p:tgtEl>
+                                          <p:spTgt spid="2">
+                                            <p:txEl>
+                                              <p:pRg st="5" end="5"/>
+                                            </p:txEl>
+                                          </p:spTgt>
+                                        </p:tgtEl>
+                                        <p:attrNameLst>
+                                          <p:attrName>style.visibility</p:attrName>
+                                        </p:attrNameLst>
+                                      </p:cBhvr>
+                                      <p:to>
+                                        <p:strVal val="visible"/>
+                                      </p:to>
+                                    </p:set>
+                                  </p:childTnLst>
+                                </p:cTn>
+                              </p:par>
+                              <p:par>
+                                <p:cTn id="39" presetID="1" presetClass="entr" presetSubtype="0" fill="hold" nodeType="withEffect">
+                                  <p:stCondLst>
+                                    <p:cond delay="0"/>
+                                  </p:stCondLst>
+                                  <p:childTnLst>
+                                    <p:set>
+                                      <p:cBhvr>
+                                        <p:cTn id="40" dur="1" fill="hold">
+                                          <p:stCondLst>
+                                            <p:cond delay="0"/>
+                                          </p:stCondLst>
+                                        </p:cTn>
+                                        <p:tgtEl>
+                                          <p:spTgt spid="2">
+                                            <p:txEl>
+                                              <p:pRg st="6" end="6"/>
+                                            </p:txEl>
+                                          </p:spTgt>
+                                        </p:tgtEl>
+                                        <p:attrNameLst>
+                                          <p:attrName>style.visibility</p:attrName>
+                                        </p:attrNameLst>
+                                      </p:cBhvr>
+                                      <p:to>
+                                        <p:strVal val="visible"/>
+                                      </p:to>
+                                    </p:set>
+                                  </p:childTnLst>
+                                </p:cTn>
+                              </p:par>
+                            </p:childTnLst>
+                          </p:cTn>
+                        </p:par>
+                      </p:childTnLst>
+                    </p:cTn>
+                  </p:par>
+                  <p:par>
+                    <p:cTn id="41" fill="hold">
+                      <p:stCondLst>
+                        <p:cond delay="indefinite"/>
+                      </p:stCondLst>
+                      <p:childTnLst>
+                        <p:par>
+                          <p:cTn id="42" fill="hold">
+                            <p:stCondLst>
+                              <p:cond delay="0"/>
+                            </p:stCondLst>
+                            <p:childTnLst>
+                              <p:par>
+                                <p:cTn id="43" presetID="1" presetClass="entr" presetSubtype="0" fill="hold" nodeType="clickEffect">
+                                  <p:stCondLst>
+                                    <p:cond delay="0"/>
+                                  </p:stCondLst>
+                                  <p:childTnLst>
+                                    <p:set>
+                                      <p:cBhvr>
+                                        <p:cTn id="44" dur="1" fill="hold">
+                                          <p:stCondLst>
+                                            <p:cond delay="0"/>
+                                          </p:stCondLst>
+                                        </p:cTn>
+                                        <p:tgtEl>
+                                          <p:spTgt spid="2">
+                                            <p:txEl>
+                                              <p:pRg st="8" end="8"/>
+                                            </p:txEl>
+                                          </p:spTgt>
+                                        </p:tgtEl>
+                                        <p:attrNameLst>
+                                          <p:attrName>style.visibility</p:attrName>
+                                        </p:attrNameLst>
+                                      </p:cBhvr>
+                                      <p:to>
+                                        <p:strVal val="visible"/>
+                                      </p:to>
+                                    </p:set>
+                                  </p:childTnLst>
+                                </p:cTn>
+                              </p:par>
+                              <p:par>
+                                <p:cTn id="45" presetID="1" presetClass="entr" presetSubtype="0" fill="hold" nodeType="withEffect">
+                                  <p:stCondLst>
+                                    <p:cond delay="0"/>
+                                  </p:stCondLst>
+                                  <p:childTnLst>
+                                    <p:set>
+                                      <p:cBhvr>
+                                        <p:cTn id="46" dur="1" fill="hold">
+                                          <p:stCondLst>
+                                            <p:cond delay="0"/>
+                                          </p:stCondLst>
+                                        </p:cTn>
+                                        <p:tgtEl>
+                                          <p:spTgt spid="2">
+                                            <p:txEl>
+                                              <p:pRg st="9" end="9"/>
+                                            </p:txEl>
+                                          </p:spTgt>
+                                        </p:tgtEl>
+                                        <p:attrNameLst>
+                                          <p:attrName>style.visibility</p:attrName>
+                                        </p:attrNameLst>
+                                      </p:cBhvr>
+                                      <p:to>
+                                        <p:strVal val="visible"/>
+                                      </p:to>
+                                    </p:set>
+                                  </p:childTnLst>
+                                </p:cTn>
+                              </p:par>
+                            </p:childTnLst>
+                          </p:cTn>
+                        </p:par>
+                      </p:childTnLst>
+                    </p:cTn>
+                  </p:par>
+                  <p:par>
+                    <p:cTn id="47" fill="hold">
+                      <p:stCondLst>
+                        <p:cond delay="indefinite"/>
+                      </p:stCondLst>
+                      <p:childTnLst>
+                        <p:par>
+                          <p:cTn id="48" fill="hold">
+                            <p:stCondLst>
+                              <p:cond delay="0"/>
+                            </p:stCondLst>
+                            <p:childTnLst>
+                              <p:par>
+                                <p:cTn id="49" presetID="1" presetClass="entr" presetSubtype="0" fill="hold" nodeType="clickEffect">
+                                  <p:stCondLst>
+                                    <p:cond delay="0"/>
+                                  </p:stCondLst>
+                                  <p:childTnLst>
+                                    <p:set>
+                                      <p:cBhvr>
+                                        <p:cTn id="50" dur="1" fill="hold">
+                                          <p:stCondLst>
+                                            <p:cond delay="0"/>
+                                          </p:stCondLst>
+                                        </p:cTn>
+                                        <p:tgtEl>
+                                          <p:spTgt spid="2">
+                                            <p:txEl>
+                                              <p:pRg st="11" end="11"/>
+                                            </p:txEl>
+                                          </p:spTgt>
+                                        </p:tgtEl>
+                                        <p:attrNameLst>
+                                          <p:attrName>style.visibility</p:attrName>
+                                        </p:attrNameLst>
+                                      </p:cBhvr>
+                                      <p:to>
+                                        <p:strVal val="visible"/>
+                                      </p:to>
+                                    </p:set>
+                                  </p:childTnLst>
+                                </p:cTn>
+                              </p:par>
+                              <p:par>
+                                <p:cTn id="51" presetID="1" presetClass="entr" presetSubtype="0" fill="hold" nodeType="withEffect">
+                                  <p:stCondLst>
+                                    <p:cond delay="0"/>
+                                  </p:stCondLst>
+                                  <p:childTnLst>
+                                    <p:set>
+                                      <p:cBhvr>
+                                        <p:cTn id="52" dur="1" fill="hold">
+                                          <p:stCondLst>
+                                            <p:cond delay="0"/>
+                                          </p:stCondLst>
+                                        </p:cTn>
+                                        <p:tgtEl>
+                                          <p:spTgt spid="2">
+                                            <p:txEl>
+                                              <p:pRg st="12" end="12"/>
+                                            </p:txEl>
+                                          </p:spTgt>
+                                        </p:tgtEl>
+                                        <p:attrNameLst>
+                                          <p:attrName>style.visibility</p:attrName>
+                                        </p:attrNameLst>
+                                      </p:cBhvr>
+                                      <p:to>
+                                        <p:strVal val="visible"/>
+                                      </p:to>
+                                    </p:set>
+                                  </p:childTnLst>
+                                </p:cTn>
+                              </p:par>
+                              <p:par>
+                                <p:cTn id="53" presetID="1" presetClass="entr" presetSubtype="0" fill="hold" nodeType="withEffect">
+                                  <p:stCondLst>
+                                    <p:cond delay="0"/>
+                                  </p:stCondLst>
+                                  <p:childTnLst>
+                                    <p:set>
+                                      <p:cBhvr>
+                                        <p:cTn id="54" dur="1" fill="hold">
+                                          <p:stCondLst>
+                                            <p:cond delay="0"/>
+                                          </p:stCondLst>
+                                        </p:cTn>
+                                        <p:tgtEl>
+                                          <p:spTgt spid="2">
+                                            <p:txEl>
+                                              <p:pRg st="13" end="13"/>
+                                            </p:txEl>
+                                          </p:spTgt>
+                                        </p:tgtEl>
+                                        <p:attrNameLst>
+                                          <p:attrName>style.visibility</p:attrName>
+                                        </p:attrNameLst>
+                                      </p:cBhvr>
+                                      <p:to>
+                                        <p:strVal val="visible"/>
+                                      </p:to>
+                                    </p:set>
+                                  </p:childTnLst>
+                                </p:cTn>
+                              </p:par>
+                              <p:par>
+                                <p:cTn id="55" presetID="1" presetClass="entr" presetSubtype="0" fill="hold" nodeType="withEffect">
+                                  <p:stCondLst>
+                                    <p:cond delay="0"/>
+                                  </p:stCondLst>
+                                  <p:childTnLst>
+                                    <p:set>
+                                      <p:cBhvr>
+                                        <p:cTn id="56" dur="1" fill="hold">
+                                          <p:stCondLst>
+                                            <p:cond delay="0"/>
+                                          </p:stCondLst>
+                                        </p:cTn>
+                                        <p:tgtEl>
+                                          <p:spTgt spid="2">
+                                            <p:txEl>
+                                              <p:pRg st="14" end="14"/>
+                                            </p:txEl>
+                                          </p:spTgt>
+                                        </p:tgtEl>
+                                        <p:attrNameLst>
+                                          <p:attrName>style.visibility</p:attrName>
+                                        </p:attrNameLst>
+                                      </p:cBhvr>
+                                      <p:to>
+                                        <p:strVal val="visible"/>
+                                      </p:to>
+                                    </p:set>
+                                  </p:childTnLst>
+                                </p:cTn>
+                              </p:par>
+                            </p:childTnLst>
+                          </p:cTn>
+                        </p:par>
+                      </p:childTnLst>
+                    </p:cTn>
+                  </p:par>
+                </p:childTnLst>
+              </p:cTn>
+              <p:prevCondLst>
+                <p:cond evt="onPrev" delay="0">
+                  <p:tgtEl>
+                    <p:sldTgt/>
+                  </p:tgtEl>
+                </p:cond>
+              </p:prevCondLst>
+              <p:nextCondLst>
+                <p:cond evt="onNext" delay="0">
+                  <p:tgtEl>
+                    <p:sldTgt/>
+                  </p:tgtEl>
+                </p:cond>
+              </p:nextCondLst>
+            </p:seq>
+          </p:childTnLst>
+        </p:cTn>
       </p:par>
     </p:tnLst>
   </p:timing>
@@ -12208,12 +17611,24 @@
   <p:clrMapOvr>
     <a:masterClrMapping/>
   </p:clrMapOvr>
+  <p:timing>
+    <p:tnLst>
+      <p:par>
+        <p:cTn id="1" dur="indefinite" restart="never" nodeType="tmRoot"/>
+      </p:par>
+    </p:tnLst>
+  </p:timing>
 </p:sld>
 </file>
 
 <file path=ppt/slides/slide26.xml><?xml version="1.0" encoding="utf-8"?>
 <p:sld xmlns:a="http://schemas.openxmlformats.org/drawingml/2006/main" xmlns:r="http://schemas.openxmlformats.org/officeDocument/2006/relationships" xmlns:p="http://schemas.openxmlformats.org/presentationml/2006/main">
   <p:cSld>
+    <p:bg>
+      <p:bgRef idx="1001">
+        <a:schemeClr val="bg1"/>
+      </p:bgRef>
+    </p:bg>
     <p:spTree>
       <p:nvGrpSpPr>
         <p:cNvPr id="1" name=""/>
@@ -12270,7 +17685,7 @@
             <a:r>
               <a:rPr lang="pt-PT" sz="1400" dirty="0" err="1" smtClean="0">
                 <a:solidFill>
-                  <a:srgbClr val="333333"/>
+                  <a:srgbClr val="2B91AF"/>
                 </a:solidFill>
                 <a:latin typeface="Consolas" pitchFamily="49" charset="0"/>
               </a:rPr>
@@ -12324,7 +17739,7 @@
             <a:r>
               <a:rPr lang="pt-PT" sz="1400" dirty="0" err="1" smtClean="0">
                 <a:solidFill>
-                  <a:srgbClr val="333333"/>
+                  <a:srgbClr val="2B91AF"/>
                 </a:solidFill>
                 <a:latin typeface="Consolas" pitchFamily="49" charset="0"/>
               </a:rPr>
@@ -12379,7 +17794,7 @@
             <a:r>
               <a:rPr lang="en-US" sz="1400" dirty="0" err="1" smtClean="0">
                 <a:solidFill>
-                  <a:srgbClr val="333333"/>
+                  <a:srgbClr val="2B91AF"/>
                 </a:solidFill>
                 <a:latin typeface="Consolas" pitchFamily="49" charset="0"/>
               </a:rPr>
@@ -12433,7 +17848,7 @@
             <a:r>
               <a:rPr lang="en-US" sz="1400" dirty="0" err="1" smtClean="0">
                 <a:solidFill>
-                  <a:srgbClr val="333333"/>
+                  <a:srgbClr val="2B91AF"/>
                 </a:solidFill>
                 <a:latin typeface="Consolas" pitchFamily="49" charset="0"/>
               </a:rPr>
@@ -12474,7 +17889,25 @@
                 </a:solidFill>
                 <a:latin typeface="Consolas" pitchFamily="49" charset="0"/>
               </a:rPr>
-              <a:t> (Test t : </a:t>
+              <a:t> (</a:t>
+            </a:r>
+            <a:r>
+              <a:rPr lang="en-US" sz="1400" dirty="0" smtClean="0">
+                <a:solidFill>
+                  <a:srgbClr val="2B91AF"/>
+                </a:solidFill>
+                <a:latin typeface="Consolas" pitchFamily="49" charset="0"/>
+              </a:rPr>
+              <a:t>Test</a:t>
+            </a:r>
+            <a:r>
+              <a:rPr lang="en-US" sz="1400" dirty="0" smtClean="0">
+                <a:solidFill>
+                  <a:srgbClr val="333333"/>
+                </a:solidFill>
+                <a:latin typeface="Consolas" pitchFamily="49" charset="0"/>
+              </a:rPr>
+              <a:t> t : </a:t>
             </a:r>
             <a:r>
               <a:rPr lang="en-US" sz="1400" dirty="0" err="1" smtClean="0">
@@ -12534,7 +17967,7 @@
             <a:r>
               <a:rPr lang="pt-PT" sz="1400" dirty="0" err="1" smtClean="0">
                 <a:solidFill>
-                  <a:srgbClr val="333333"/>
+                  <a:srgbClr val="2B91AF"/>
                 </a:solidFill>
                 <a:latin typeface="Consolas" pitchFamily="49" charset="0"/>
               </a:rPr>
@@ -12588,7 +18021,7 @@
             <a:r>
               <a:rPr lang="pt-PT" sz="1400" dirty="0" err="1" smtClean="0">
                 <a:solidFill>
-                  <a:srgbClr val="333333"/>
+                  <a:srgbClr val="2B91AF"/>
                 </a:solidFill>
                 <a:latin typeface="Consolas" pitchFamily="49" charset="0"/>
               </a:rPr>
@@ -12906,8 +18339,813 @@
     </p:spTree>
   </p:cSld>
   <p:clrMapOvr>
-    <a:masterClrMapping/>
+    <a:overrideClrMapping bg1="lt1" tx1="dk1" bg2="lt2" tx2="dk2" accent1="accent1" accent2="accent2" accent3="accent3" accent4="accent4" accent5="accent5" accent6="accent6" hlink="hlink" folHlink="folHlink"/>
   </p:clrMapOvr>
+  <p:timing>
+    <p:tnLst>
+      <p:par>
+        <p:cTn id="1" dur="indefinite" restart="never" nodeType="tmRoot">
+          <p:childTnLst>
+            <p:seq concurrent="1" nextAc="seek">
+              <p:cTn id="2" dur="indefinite" nodeType="mainSeq">
+                <p:childTnLst>
+                  <p:par>
+                    <p:cTn id="3" fill="hold">
+                      <p:stCondLst>
+                        <p:cond delay="indefinite"/>
+                        <p:cond evt="onBegin" delay="0">
+                          <p:tn val="2"/>
+                        </p:cond>
+                      </p:stCondLst>
+                      <p:childTnLst>
+                        <p:par>
+                          <p:cTn id="4" fill="hold">
+                            <p:stCondLst>
+                              <p:cond delay="0"/>
+                            </p:stCondLst>
+                            <p:childTnLst>
+                              <p:par>
+                                <p:cTn id="5" presetID="1" presetClass="exit" presetSubtype="0" fill="hold" nodeType="withEffect">
+                                  <p:stCondLst>
+                                    <p:cond delay="0"/>
+                                  </p:stCondLst>
+                                  <p:childTnLst>
+                                    <p:set>
+                                      <p:cBhvr>
+                                        <p:cTn id="6" dur="1" fill="hold">
+                                          <p:stCondLst>
+                                            <p:cond delay="0"/>
+                                          </p:stCondLst>
+                                        </p:cTn>
+                                        <p:tgtEl>
+                                          <p:spTgt spid="2">
+                                            <p:txEl>
+                                              <p:pRg st="2" end="2"/>
+                                            </p:txEl>
+                                          </p:spTgt>
+                                        </p:tgtEl>
+                                        <p:attrNameLst>
+                                          <p:attrName>style.visibility</p:attrName>
+                                        </p:attrNameLst>
+                                      </p:cBhvr>
+                                      <p:to>
+                                        <p:strVal val="hidden"/>
+                                      </p:to>
+                                    </p:set>
+                                  </p:childTnLst>
+                                </p:cTn>
+                              </p:par>
+                              <p:par>
+                                <p:cTn id="7" presetID="1" presetClass="exit" presetSubtype="0" fill="hold" nodeType="withEffect">
+                                  <p:stCondLst>
+                                    <p:cond delay="0"/>
+                                  </p:stCondLst>
+                                  <p:childTnLst>
+                                    <p:set>
+                                      <p:cBhvr>
+                                        <p:cTn id="8" dur="1" fill="hold">
+                                          <p:stCondLst>
+                                            <p:cond delay="0"/>
+                                          </p:stCondLst>
+                                        </p:cTn>
+                                        <p:tgtEl>
+                                          <p:spTgt spid="2">
+                                            <p:txEl>
+                                              <p:pRg st="3" end="3"/>
+                                            </p:txEl>
+                                          </p:spTgt>
+                                        </p:tgtEl>
+                                        <p:attrNameLst>
+                                          <p:attrName>style.visibility</p:attrName>
+                                        </p:attrNameLst>
+                                      </p:cBhvr>
+                                      <p:to>
+                                        <p:strVal val="hidden"/>
+                                      </p:to>
+                                    </p:set>
+                                  </p:childTnLst>
+                                </p:cTn>
+                              </p:par>
+                              <p:par>
+                                <p:cTn id="9" presetID="1" presetClass="exit" presetSubtype="0" fill="hold" nodeType="withEffect">
+                                  <p:stCondLst>
+                                    <p:cond delay="0"/>
+                                  </p:stCondLst>
+                                  <p:childTnLst>
+                                    <p:set>
+                                      <p:cBhvr>
+                                        <p:cTn id="10" dur="1" fill="hold">
+                                          <p:stCondLst>
+                                            <p:cond delay="0"/>
+                                          </p:stCondLst>
+                                        </p:cTn>
+                                        <p:tgtEl>
+                                          <p:spTgt spid="2">
+                                            <p:txEl>
+                                              <p:pRg st="5" end="5"/>
+                                            </p:txEl>
+                                          </p:spTgt>
+                                        </p:tgtEl>
+                                        <p:attrNameLst>
+                                          <p:attrName>style.visibility</p:attrName>
+                                        </p:attrNameLst>
+                                      </p:cBhvr>
+                                      <p:to>
+                                        <p:strVal val="hidden"/>
+                                      </p:to>
+                                    </p:set>
+                                  </p:childTnLst>
+                                </p:cTn>
+                              </p:par>
+                              <p:par>
+                                <p:cTn id="11" presetID="1" presetClass="exit" presetSubtype="0" fill="hold" nodeType="withEffect">
+                                  <p:stCondLst>
+                                    <p:cond delay="0"/>
+                                  </p:stCondLst>
+                                  <p:childTnLst>
+                                    <p:set>
+                                      <p:cBhvr>
+                                        <p:cTn id="12" dur="1" fill="hold">
+                                          <p:stCondLst>
+                                            <p:cond delay="0"/>
+                                          </p:stCondLst>
+                                        </p:cTn>
+                                        <p:tgtEl>
+                                          <p:spTgt spid="2">
+                                            <p:txEl>
+                                              <p:pRg st="6" end="6"/>
+                                            </p:txEl>
+                                          </p:spTgt>
+                                        </p:tgtEl>
+                                        <p:attrNameLst>
+                                          <p:attrName>style.visibility</p:attrName>
+                                        </p:attrNameLst>
+                                      </p:cBhvr>
+                                      <p:to>
+                                        <p:strVal val="hidden"/>
+                                      </p:to>
+                                    </p:set>
+                                  </p:childTnLst>
+                                </p:cTn>
+                              </p:par>
+                              <p:par>
+                                <p:cTn id="13" presetID="1" presetClass="exit" presetSubtype="0" fill="hold" nodeType="withEffect">
+                                  <p:stCondLst>
+                                    <p:cond delay="0"/>
+                                  </p:stCondLst>
+                                  <p:childTnLst>
+                                    <p:set>
+                                      <p:cBhvr>
+                                        <p:cTn id="14" dur="1" fill="hold">
+                                          <p:stCondLst>
+                                            <p:cond delay="0"/>
+                                          </p:stCondLst>
+                                        </p:cTn>
+                                        <p:tgtEl>
+                                          <p:spTgt spid="2">
+                                            <p:txEl>
+                                              <p:pRg st="7" end="7"/>
+                                            </p:txEl>
+                                          </p:spTgt>
+                                        </p:tgtEl>
+                                        <p:attrNameLst>
+                                          <p:attrName>style.visibility</p:attrName>
+                                        </p:attrNameLst>
+                                      </p:cBhvr>
+                                      <p:to>
+                                        <p:strVal val="hidden"/>
+                                      </p:to>
+                                    </p:set>
+                                  </p:childTnLst>
+                                </p:cTn>
+                              </p:par>
+                              <p:par>
+                                <p:cTn id="15" presetID="1" presetClass="exit" presetSubtype="0" fill="hold" nodeType="withEffect">
+                                  <p:stCondLst>
+                                    <p:cond delay="0"/>
+                                  </p:stCondLst>
+                                  <p:childTnLst>
+                                    <p:set>
+                                      <p:cBhvr>
+                                        <p:cTn id="16" dur="1" fill="hold">
+                                          <p:stCondLst>
+                                            <p:cond delay="0"/>
+                                          </p:stCondLst>
+                                        </p:cTn>
+                                        <p:tgtEl>
+                                          <p:spTgt spid="2">
+                                            <p:txEl>
+                                              <p:pRg st="8" end="8"/>
+                                            </p:txEl>
+                                          </p:spTgt>
+                                        </p:tgtEl>
+                                        <p:attrNameLst>
+                                          <p:attrName>style.visibility</p:attrName>
+                                        </p:attrNameLst>
+                                      </p:cBhvr>
+                                      <p:to>
+                                        <p:strVal val="hidden"/>
+                                      </p:to>
+                                    </p:set>
+                                  </p:childTnLst>
+                                </p:cTn>
+                              </p:par>
+                              <p:par>
+                                <p:cTn id="17" presetID="1" presetClass="exit" presetSubtype="0" fill="hold" nodeType="withEffect">
+                                  <p:stCondLst>
+                                    <p:cond delay="0"/>
+                                  </p:stCondLst>
+                                  <p:childTnLst>
+                                    <p:set>
+                                      <p:cBhvr>
+                                        <p:cTn id="18" dur="1" fill="hold">
+                                          <p:stCondLst>
+                                            <p:cond delay="0"/>
+                                          </p:stCondLst>
+                                        </p:cTn>
+                                        <p:tgtEl>
+                                          <p:spTgt spid="2">
+                                            <p:txEl>
+                                              <p:pRg st="10" end="10"/>
+                                            </p:txEl>
+                                          </p:spTgt>
+                                        </p:tgtEl>
+                                        <p:attrNameLst>
+                                          <p:attrName>style.visibility</p:attrName>
+                                        </p:attrNameLst>
+                                      </p:cBhvr>
+                                      <p:to>
+                                        <p:strVal val="hidden"/>
+                                      </p:to>
+                                    </p:set>
+                                  </p:childTnLst>
+                                </p:cTn>
+                              </p:par>
+                              <p:par>
+                                <p:cTn id="19" presetID="1" presetClass="exit" presetSubtype="0" fill="hold" nodeType="withEffect">
+                                  <p:stCondLst>
+                                    <p:cond delay="0"/>
+                                  </p:stCondLst>
+                                  <p:childTnLst>
+                                    <p:set>
+                                      <p:cBhvr>
+                                        <p:cTn id="20" dur="1" fill="hold">
+                                          <p:stCondLst>
+                                            <p:cond delay="0"/>
+                                          </p:stCondLst>
+                                        </p:cTn>
+                                        <p:tgtEl>
+                                          <p:spTgt spid="2">
+                                            <p:txEl>
+                                              <p:pRg st="11" end="11"/>
+                                            </p:txEl>
+                                          </p:spTgt>
+                                        </p:tgtEl>
+                                        <p:attrNameLst>
+                                          <p:attrName>style.visibility</p:attrName>
+                                        </p:attrNameLst>
+                                      </p:cBhvr>
+                                      <p:to>
+                                        <p:strVal val="hidden"/>
+                                      </p:to>
+                                    </p:set>
+                                  </p:childTnLst>
+                                </p:cTn>
+                              </p:par>
+                              <p:par>
+                                <p:cTn id="21" presetID="1" presetClass="exit" presetSubtype="0" fill="hold" nodeType="withEffect">
+                                  <p:stCondLst>
+                                    <p:cond delay="0"/>
+                                  </p:stCondLst>
+                                  <p:childTnLst>
+                                    <p:set>
+                                      <p:cBhvr>
+                                        <p:cTn id="22" dur="1" fill="hold">
+                                          <p:stCondLst>
+                                            <p:cond delay="0"/>
+                                          </p:stCondLst>
+                                        </p:cTn>
+                                        <p:tgtEl>
+                                          <p:spTgt spid="2">
+                                            <p:txEl>
+                                              <p:pRg st="12" end="12"/>
+                                            </p:txEl>
+                                          </p:spTgt>
+                                        </p:tgtEl>
+                                        <p:attrNameLst>
+                                          <p:attrName>style.visibility</p:attrName>
+                                        </p:attrNameLst>
+                                      </p:cBhvr>
+                                      <p:to>
+                                        <p:strVal val="hidden"/>
+                                      </p:to>
+                                    </p:set>
+                                  </p:childTnLst>
+                                </p:cTn>
+                              </p:par>
+                              <p:par>
+                                <p:cTn id="23" presetID="1" presetClass="exit" presetSubtype="0" fill="hold" nodeType="withEffect">
+                                  <p:stCondLst>
+                                    <p:cond delay="0"/>
+                                  </p:stCondLst>
+                                  <p:childTnLst>
+                                    <p:set>
+                                      <p:cBhvr>
+                                        <p:cTn id="24" dur="1" fill="hold">
+                                          <p:stCondLst>
+                                            <p:cond delay="0"/>
+                                          </p:stCondLst>
+                                        </p:cTn>
+                                        <p:tgtEl>
+                                          <p:spTgt spid="2">
+                                            <p:txEl>
+                                              <p:pRg st="13" end="13"/>
+                                            </p:txEl>
+                                          </p:spTgt>
+                                        </p:tgtEl>
+                                        <p:attrNameLst>
+                                          <p:attrName>style.visibility</p:attrName>
+                                        </p:attrNameLst>
+                                      </p:cBhvr>
+                                      <p:to>
+                                        <p:strVal val="hidden"/>
+                                      </p:to>
+                                    </p:set>
+                                  </p:childTnLst>
+                                </p:cTn>
+                              </p:par>
+                              <p:par>
+                                <p:cTn id="25" presetID="1" presetClass="exit" presetSubtype="0" fill="hold" nodeType="withEffect">
+                                  <p:stCondLst>
+                                    <p:cond delay="0"/>
+                                  </p:stCondLst>
+                                  <p:childTnLst>
+                                    <p:set>
+                                      <p:cBhvr>
+                                        <p:cTn id="26" dur="1" fill="hold">
+                                          <p:stCondLst>
+                                            <p:cond delay="0"/>
+                                          </p:stCondLst>
+                                        </p:cTn>
+                                        <p:tgtEl>
+                                          <p:spTgt spid="2">
+                                            <p:txEl>
+                                              <p:pRg st="14" end="14"/>
+                                            </p:txEl>
+                                          </p:spTgt>
+                                        </p:tgtEl>
+                                        <p:attrNameLst>
+                                          <p:attrName>style.visibility</p:attrName>
+                                        </p:attrNameLst>
+                                      </p:cBhvr>
+                                      <p:to>
+                                        <p:strVal val="hidden"/>
+                                      </p:to>
+                                    </p:set>
+                                  </p:childTnLst>
+                                </p:cTn>
+                              </p:par>
+                            </p:childTnLst>
+                          </p:cTn>
+                        </p:par>
+                      </p:childTnLst>
+                    </p:cTn>
+                  </p:par>
+                  <p:par>
+                    <p:cTn id="27" fill="hold">
+                      <p:stCondLst>
+                        <p:cond delay="indefinite"/>
+                      </p:stCondLst>
+                      <p:childTnLst>
+                        <p:par>
+                          <p:cTn id="28" fill="hold">
+                            <p:stCondLst>
+                              <p:cond delay="0"/>
+                            </p:stCondLst>
+                            <p:childTnLst>
+                              <p:par>
+                                <p:cTn id="29" presetID="1" presetClass="entr" presetSubtype="0" fill="hold" nodeType="clickEffect">
+                                  <p:stCondLst>
+                                    <p:cond delay="0"/>
+                                  </p:stCondLst>
+                                  <p:childTnLst>
+                                    <p:set>
+                                      <p:cBhvr>
+                                        <p:cTn id="30" dur="1" fill="hold">
+                                          <p:stCondLst>
+                                            <p:cond delay="0"/>
+                                          </p:stCondLst>
+                                        </p:cTn>
+                                        <p:tgtEl>
+                                          <p:spTgt spid="2">
+                                            <p:txEl>
+                                              <p:pRg st="2" end="2"/>
+                                            </p:txEl>
+                                          </p:spTgt>
+                                        </p:tgtEl>
+                                        <p:attrNameLst>
+                                          <p:attrName>style.visibility</p:attrName>
+                                        </p:attrNameLst>
+                                      </p:cBhvr>
+                                      <p:to>
+                                        <p:strVal val="visible"/>
+                                      </p:to>
+                                    </p:set>
+                                  </p:childTnLst>
+                                </p:cTn>
+                              </p:par>
+                              <p:par>
+                                <p:cTn id="31" presetID="1" presetClass="entr" presetSubtype="0" fill="hold" nodeType="withEffect">
+                                  <p:stCondLst>
+                                    <p:cond delay="0"/>
+                                  </p:stCondLst>
+                                  <p:childTnLst>
+                                    <p:set>
+                                      <p:cBhvr>
+                                        <p:cTn id="32" dur="1" fill="hold">
+                                          <p:stCondLst>
+                                            <p:cond delay="0"/>
+                                          </p:stCondLst>
+                                        </p:cTn>
+                                        <p:tgtEl>
+                                          <p:spTgt spid="2">
+                                            <p:txEl>
+                                              <p:pRg st="3" end="3"/>
+                                            </p:txEl>
+                                          </p:spTgt>
+                                        </p:tgtEl>
+                                        <p:attrNameLst>
+                                          <p:attrName>style.visibility</p:attrName>
+                                        </p:attrNameLst>
+                                      </p:cBhvr>
+                                      <p:to>
+                                        <p:strVal val="visible"/>
+                                      </p:to>
+                                    </p:set>
+                                  </p:childTnLst>
+                                </p:cTn>
+                              </p:par>
+                            </p:childTnLst>
+                          </p:cTn>
+                        </p:par>
+                      </p:childTnLst>
+                    </p:cTn>
+                  </p:par>
+                  <p:par>
+                    <p:cTn id="33" fill="hold">
+                      <p:stCondLst>
+                        <p:cond delay="indefinite"/>
+                      </p:stCondLst>
+                      <p:childTnLst>
+                        <p:par>
+                          <p:cTn id="34" fill="hold">
+                            <p:stCondLst>
+                              <p:cond delay="0"/>
+                            </p:stCondLst>
+                            <p:childTnLst>
+                              <p:par>
+                                <p:cTn id="35" presetID="1" presetClass="entr" presetSubtype="0" fill="hold" nodeType="clickEffect">
+                                  <p:stCondLst>
+                                    <p:cond delay="0"/>
+                                  </p:stCondLst>
+                                  <p:childTnLst>
+                                    <p:set>
+                                      <p:cBhvr>
+                                        <p:cTn id="36" dur="1" fill="hold">
+                                          <p:stCondLst>
+                                            <p:cond delay="0"/>
+                                          </p:stCondLst>
+                                        </p:cTn>
+                                        <p:tgtEl>
+                                          <p:spTgt spid="2">
+                                            <p:txEl>
+                                              <p:pRg st="5" end="5"/>
+                                            </p:txEl>
+                                          </p:spTgt>
+                                        </p:tgtEl>
+                                        <p:attrNameLst>
+                                          <p:attrName>style.visibility</p:attrName>
+                                        </p:attrNameLst>
+                                      </p:cBhvr>
+                                      <p:to>
+                                        <p:strVal val="visible"/>
+                                      </p:to>
+                                    </p:set>
+                                  </p:childTnLst>
+                                </p:cTn>
+                              </p:par>
+                              <p:par>
+                                <p:cTn id="37" presetID="1" presetClass="entr" presetSubtype="0" fill="hold" nodeType="withEffect">
+                                  <p:stCondLst>
+                                    <p:cond delay="0"/>
+                                  </p:stCondLst>
+                                  <p:childTnLst>
+                                    <p:set>
+                                      <p:cBhvr>
+                                        <p:cTn id="38" dur="1" fill="hold">
+                                          <p:stCondLst>
+                                            <p:cond delay="0"/>
+                                          </p:stCondLst>
+                                        </p:cTn>
+                                        <p:tgtEl>
+                                          <p:spTgt spid="2">
+                                            <p:txEl>
+                                              <p:pRg st="6" end="6"/>
+                                            </p:txEl>
+                                          </p:spTgt>
+                                        </p:tgtEl>
+                                        <p:attrNameLst>
+                                          <p:attrName>style.visibility</p:attrName>
+                                        </p:attrNameLst>
+                                      </p:cBhvr>
+                                      <p:to>
+                                        <p:strVal val="visible"/>
+                                      </p:to>
+                                    </p:set>
+                                  </p:childTnLst>
+                                </p:cTn>
+                              </p:par>
+                              <p:par>
+                                <p:cTn id="39" presetID="1" presetClass="entr" presetSubtype="0" fill="hold" nodeType="withEffect">
+                                  <p:stCondLst>
+                                    <p:cond delay="0"/>
+                                  </p:stCondLst>
+                                  <p:childTnLst>
+                                    <p:set>
+                                      <p:cBhvr>
+                                        <p:cTn id="40" dur="1" fill="hold">
+                                          <p:stCondLst>
+                                            <p:cond delay="0"/>
+                                          </p:stCondLst>
+                                        </p:cTn>
+                                        <p:tgtEl>
+                                          <p:spTgt spid="2">
+                                            <p:txEl>
+                                              <p:pRg st="7" end="7"/>
+                                            </p:txEl>
+                                          </p:spTgt>
+                                        </p:tgtEl>
+                                        <p:attrNameLst>
+                                          <p:attrName>style.visibility</p:attrName>
+                                        </p:attrNameLst>
+                                      </p:cBhvr>
+                                      <p:to>
+                                        <p:strVal val="visible"/>
+                                      </p:to>
+                                    </p:set>
+                                  </p:childTnLst>
+                                </p:cTn>
+                              </p:par>
+                              <p:par>
+                                <p:cTn id="41" presetID="1" presetClass="entr" presetSubtype="0" fill="hold" nodeType="withEffect">
+                                  <p:stCondLst>
+                                    <p:cond delay="0"/>
+                                  </p:stCondLst>
+                                  <p:childTnLst>
+                                    <p:set>
+                                      <p:cBhvr>
+                                        <p:cTn id="42" dur="1" fill="hold">
+                                          <p:stCondLst>
+                                            <p:cond delay="0"/>
+                                          </p:stCondLst>
+                                        </p:cTn>
+                                        <p:tgtEl>
+                                          <p:spTgt spid="2">
+                                            <p:txEl>
+                                              <p:pRg st="8" end="8"/>
+                                            </p:txEl>
+                                          </p:spTgt>
+                                        </p:tgtEl>
+                                        <p:attrNameLst>
+                                          <p:attrName>style.visibility</p:attrName>
+                                        </p:attrNameLst>
+                                      </p:cBhvr>
+                                      <p:to>
+                                        <p:strVal val="visible"/>
+                                      </p:to>
+                                    </p:set>
+                                  </p:childTnLst>
+                                </p:cTn>
+                              </p:par>
+                            </p:childTnLst>
+                          </p:cTn>
+                        </p:par>
+                      </p:childTnLst>
+                    </p:cTn>
+                  </p:par>
+                  <p:par>
+                    <p:cTn id="43" fill="hold">
+                      <p:stCondLst>
+                        <p:cond delay="indefinite"/>
+                      </p:stCondLst>
+                      <p:childTnLst>
+                        <p:par>
+                          <p:cTn id="44" fill="hold">
+                            <p:stCondLst>
+                              <p:cond delay="0"/>
+                            </p:stCondLst>
+                            <p:childTnLst>
+                              <p:par>
+                                <p:cTn id="45" presetID="1" presetClass="entr" presetSubtype="0" fill="hold" nodeType="clickEffect">
+                                  <p:stCondLst>
+                                    <p:cond delay="0"/>
+                                  </p:stCondLst>
+                                  <p:childTnLst>
+                                    <p:set>
+                                      <p:cBhvr>
+                                        <p:cTn id="46" dur="1" fill="hold">
+                                          <p:stCondLst>
+                                            <p:cond delay="0"/>
+                                          </p:stCondLst>
+                                        </p:cTn>
+                                        <p:tgtEl>
+                                          <p:spTgt spid="2">
+                                            <p:txEl>
+                                              <p:pRg st="10" end="10"/>
+                                            </p:txEl>
+                                          </p:spTgt>
+                                        </p:tgtEl>
+                                        <p:attrNameLst>
+                                          <p:attrName>style.visibility</p:attrName>
+                                        </p:attrNameLst>
+                                      </p:cBhvr>
+                                      <p:to>
+                                        <p:strVal val="visible"/>
+                                      </p:to>
+                                    </p:set>
+                                  </p:childTnLst>
+                                </p:cTn>
+                              </p:par>
+                              <p:par>
+                                <p:cTn id="47" presetID="1" presetClass="entr" presetSubtype="0" fill="hold" nodeType="withEffect">
+                                  <p:stCondLst>
+                                    <p:cond delay="0"/>
+                                  </p:stCondLst>
+                                  <p:childTnLst>
+                                    <p:set>
+                                      <p:cBhvr>
+                                        <p:cTn id="48" dur="1" fill="hold">
+                                          <p:stCondLst>
+                                            <p:cond delay="0"/>
+                                          </p:stCondLst>
+                                        </p:cTn>
+                                        <p:tgtEl>
+                                          <p:spTgt spid="2">
+                                            <p:txEl>
+                                              <p:pRg st="11" end="11"/>
+                                            </p:txEl>
+                                          </p:spTgt>
+                                        </p:tgtEl>
+                                        <p:attrNameLst>
+                                          <p:attrName>style.visibility</p:attrName>
+                                        </p:attrNameLst>
+                                      </p:cBhvr>
+                                      <p:to>
+                                        <p:strVal val="visible"/>
+                                      </p:to>
+                                    </p:set>
+                                  </p:childTnLst>
+                                </p:cTn>
+                              </p:par>
+                            </p:childTnLst>
+                          </p:cTn>
+                        </p:par>
+                      </p:childTnLst>
+                    </p:cTn>
+                  </p:par>
+                  <p:par>
+                    <p:cTn id="49" fill="hold">
+                      <p:stCondLst>
+                        <p:cond delay="indefinite"/>
+                      </p:stCondLst>
+                      <p:childTnLst>
+                        <p:par>
+                          <p:cTn id="50" fill="hold">
+                            <p:stCondLst>
+                              <p:cond delay="0"/>
+                            </p:stCondLst>
+                            <p:childTnLst>
+                              <p:par>
+                                <p:cTn id="51" presetID="1" presetClass="entr" presetSubtype="0" fill="hold" nodeType="clickEffect">
+                                  <p:stCondLst>
+                                    <p:cond delay="0"/>
+                                  </p:stCondLst>
+                                  <p:childTnLst>
+                                    <p:set>
+                                      <p:cBhvr>
+                                        <p:cTn id="52" dur="1" fill="hold">
+                                          <p:stCondLst>
+                                            <p:cond delay="0"/>
+                                          </p:stCondLst>
+                                        </p:cTn>
+                                        <p:tgtEl>
+                                          <p:spTgt spid="2">
+                                            <p:txEl>
+                                              <p:pRg st="12" end="12"/>
+                                            </p:txEl>
+                                          </p:spTgt>
+                                        </p:tgtEl>
+                                        <p:attrNameLst>
+                                          <p:attrName>style.visibility</p:attrName>
+                                        </p:attrNameLst>
+                                      </p:cBhvr>
+                                      <p:to>
+                                        <p:strVal val="visible"/>
+                                      </p:to>
+                                    </p:set>
+                                  </p:childTnLst>
+                                </p:cTn>
+                              </p:par>
+                              <p:par>
+                                <p:cTn id="53" presetID="1" presetClass="entr" presetSubtype="0" fill="hold" nodeType="withEffect">
+                                  <p:stCondLst>
+                                    <p:cond delay="0"/>
+                                  </p:stCondLst>
+                                  <p:childTnLst>
+                                    <p:set>
+                                      <p:cBhvr>
+                                        <p:cTn id="54" dur="1" fill="hold">
+                                          <p:stCondLst>
+                                            <p:cond delay="0"/>
+                                          </p:stCondLst>
+                                        </p:cTn>
+                                        <p:tgtEl>
+                                          <p:spTgt spid="2">
+                                            <p:txEl>
+                                              <p:pRg st="13" end="13"/>
+                                            </p:txEl>
+                                          </p:spTgt>
+                                        </p:tgtEl>
+                                        <p:attrNameLst>
+                                          <p:attrName>style.visibility</p:attrName>
+                                        </p:attrNameLst>
+                                      </p:cBhvr>
+                                      <p:to>
+                                        <p:strVal val="visible"/>
+                                      </p:to>
+                                    </p:set>
+                                  </p:childTnLst>
+                                </p:cTn>
+                              </p:par>
+                              <p:par>
+                                <p:cTn id="55" presetID="1" presetClass="entr" presetSubtype="0" fill="hold" nodeType="withEffect">
+                                  <p:stCondLst>
+                                    <p:cond delay="0"/>
+                                  </p:stCondLst>
+                                  <p:childTnLst>
+                                    <p:set>
+                                      <p:cBhvr>
+                                        <p:cTn id="56" dur="1" fill="hold">
+                                          <p:stCondLst>
+                                            <p:cond delay="0"/>
+                                          </p:stCondLst>
+                                        </p:cTn>
+                                        <p:tgtEl>
+                                          <p:spTgt spid="2">
+                                            <p:txEl>
+                                              <p:pRg st="14" end="14"/>
+                                            </p:txEl>
+                                          </p:spTgt>
+                                        </p:tgtEl>
+                                        <p:attrNameLst>
+                                          <p:attrName>style.visibility</p:attrName>
+                                        </p:attrNameLst>
+                                      </p:cBhvr>
+                                      <p:to>
+                                        <p:strVal val="visible"/>
+                                      </p:to>
+                                    </p:set>
+                                  </p:childTnLst>
+                                </p:cTn>
+                              </p:par>
+                            </p:childTnLst>
+                          </p:cTn>
+                        </p:par>
+                      </p:childTnLst>
+                    </p:cTn>
+                  </p:par>
+                </p:childTnLst>
+              </p:cTn>
+              <p:prevCondLst>
+                <p:cond evt="onPrev" delay="0">
+                  <p:tgtEl>
+                    <p:sldTgt/>
+                  </p:tgtEl>
+                </p:cond>
+              </p:prevCondLst>
+              <p:nextCondLst>
+                <p:cond evt="onNext" delay="0">
+                  <p:tgtEl>
+                    <p:sldTgt/>
+                  </p:tgtEl>
+                </p:cond>
+              </p:nextCondLst>
+            </p:seq>
+          </p:childTnLst>
+        </p:cTn>
+      </p:par>
+    </p:tnLst>
+  </p:timing>
 </p:sld>
 </file>
 
@@ -13052,15 +19290,7 @@
           <a:p>
             <a:r>
               <a:rPr lang="pt-PT" dirty="0" smtClean="0"/>
-              <a:t>Modular, com recurso a </a:t>
-            </a:r>
-            <a:r>
-              <a:rPr lang="pt-PT" dirty="0" smtClean="0"/>
-              <a:t>packages e </a:t>
-            </a:r>
-            <a:r>
-              <a:rPr lang="pt-PT" dirty="0" smtClean="0"/>
-              <a:t>ao pub</a:t>
+              <a:t>Modular, com recurso a packages e ao pub</a:t>
             </a:r>
           </a:p>
           <a:p>
@@ -13117,7 +19347,7 @@
                             </p:stCondLst>
                             <p:childTnLst>
                               <p:par>
-                                <p:cTn id="5" presetID="10" presetClass="entr" presetSubtype="0" fill="hold" grpId="0" nodeType="clickEffect">
+                                <p:cTn id="5" presetID="1" presetClass="entr" presetSubtype="0" fill="hold" grpId="0" nodeType="clickEffect">
                                   <p:stCondLst>
                                     <p:cond delay="0"/>
                                   </p:stCondLst>
@@ -13144,18 +19374,6 @@
                                         <p:strVal val="visible"/>
                                       </p:to>
                                     </p:set>
-                                    <p:animEffect transition="in" filter="fade">
-                                      <p:cBhvr>
-                                        <p:cTn id="7" dur="2000"/>
-                                        <p:tgtEl>
-                                          <p:spTgt spid="3">
-                                            <p:txEl>
-                                              <p:pRg st="0" end="0"/>
-                                            </p:txEl>
-                                          </p:spTgt>
-                                        </p:tgtEl>
-                                      </p:cBhvr>
-                                    </p:animEffect>
                                   </p:childTnLst>
                                 </p:cTn>
                               </p:par>
@@ -13166,26 +19384,26 @@
                     </p:cTn>
                   </p:par>
                   <p:par>
-                    <p:cTn id="8" fill="hold">
+                    <p:cTn id="7" fill="hold">
                       <p:stCondLst>
                         <p:cond delay="indefinite"/>
                       </p:stCondLst>
                       <p:childTnLst>
                         <p:par>
-                          <p:cTn id="9" fill="hold">
+                          <p:cTn id="8" fill="hold">
                             <p:stCondLst>
                               <p:cond delay="0"/>
                             </p:stCondLst>
                             <p:childTnLst>
                               <p:par>
-                                <p:cTn id="10" presetID="10" presetClass="entr" presetSubtype="0" fill="hold" grpId="0" nodeType="clickEffect">
+                                <p:cTn id="9" presetID="1" presetClass="entr" presetSubtype="0" fill="hold" grpId="0" nodeType="clickEffect">
                                   <p:stCondLst>
                                     <p:cond delay="0"/>
                                   </p:stCondLst>
                                   <p:childTnLst>
                                     <p:set>
                                       <p:cBhvr>
-                                        <p:cTn id="11" dur="1" fill="hold">
+                                        <p:cTn id="10" dur="1" fill="hold">
                                           <p:stCondLst>
                                             <p:cond delay="0"/>
                                           </p:stCondLst>
@@ -13205,18 +19423,6 @@
                                         <p:strVal val="visible"/>
                                       </p:to>
                                     </p:set>
-                                    <p:animEffect transition="in" filter="fade">
-                                      <p:cBhvr>
-                                        <p:cTn id="12" dur="2000"/>
-                                        <p:tgtEl>
-                                          <p:spTgt spid="3">
-                                            <p:txEl>
-                                              <p:pRg st="1" end="1"/>
-                                            </p:txEl>
-                                          </p:spTgt>
-                                        </p:tgtEl>
-                                      </p:cBhvr>
-                                    </p:animEffect>
                                   </p:childTnLst>
                                 </p:cTn>
                               </p:par>
@@ -13227,26 +19433,26 @@
                     </p:cTn>
                   </p:par>
                   <p:par>
-                    <p:cTn id="13" fill="hold">
+                    <p:cTn id="11" fill="hold">
                       <p:stCondLst>
                         <p:cond delay="indefinite"/>
                       </p:stCondLst>
                       <p:childTnLst>
                         <p:par>
-                          <p:cTn id="14" fill="hold">
+                          <p:cTn id="12" fill="hold">
                             <p:stCondLst>
                               <p:cond delay="0"/>
                             </p:stCondLst>
                             <p:childTnLst>
                               <p:par>
-                                <p:cTn id="15" presetID="10" presetClass="entr" presetSubtype="0" fill="hold" grpId="0" nodeType="clickEffect">
+                                <p:cTn id="13" presetID="1" presetClass="entr" presetSubtype="0" fill="hold" grpId="0" nodeType="clickEffect">
                                   <p:stCondLst>
                                     <p:cond delay="0"/>
                                   </p:stCondLst>
                                   <p:childTnLst>
                                     <p:set>
                                       <p:cBhvr>
-                                        <p:cTn id="16" dur="1" fill="hold">
+                                        <p:cTn id="14" dur="1" fill="hold">
                                           <p:stCondLst>
                                             <p:cond delay="0"/>
                                           </p:stCondLst>
@@ -13266,18 +19472,6 @@
                                         <p:strVal val="visible"/>
                                       </p:to>
                                     </p:set>
-                                    <p:animEffect transition="in" filter="fade">
-                                      <p:cBhvr>
-                                        <p:cTn id="17" dur="2000"/>
-                                        <p:tgtEl>
-                                          <p:spTgt spid="3">
-                                            <p:txEl>
-                                              <p:pRg st="2" end="2"/>
-                                            </p:txEl>
-                                          </p:spTgt>
-                                        </p:tgtEl>
-                                      </p:cBhvr>
-                                    </p:animEffect>
                                   </p:childTnLst>
                                 </p:cTn>
                               </p:par>
@@ -13288,26 +19482,26 @@
                     </p:cTn>
                   </p:par>
                   <p:par>
-                    <p:cTn id="18" fill="hold">
+                    <p:cTn id="15" fill="hold">
                       <p:stCondLst>
                         <p:cond delay="indefinite"/>
                       </p:stCondLst>
                       <p:childTnLst>
                         <p:par>
-                          <p:cTn id="19" fill="hold">
+                          <p:cTn id="16" fill="hold">
                             <p:stCondLst>
                               <p:cond delay="0"/>
                             </p:stCondLst>
                             <p:childTnLst>
                               <p:par>
-                                <p:cTn id="20" presetID="10" presetClass="entr" presetSubtype="0" fill="hold" grpId="0" nodeType="clickEffect">
+                                <p:cTn id="17" presetID="1" presetClass="entr" presetSubtype="0" fill="hold" grpId="0" nodeType="clickEffect">
                                   <p:stCondLst>
                                     <p:cond delay="0"/>
                                   </p:stCondLst>
                                   <p:childTnLst>
                                     <p:set>
                                       <p:cBhvr>
-                                        <p:cTn id="21" dur="1" fill="hold">
+                                        <p:cTn id="18" dur="1" fill="hold">
                                           <p:stCondLst>
                                             <p:cond delay="0"/>
                                           </p:stCondLst>
@@ -13327,18 +19521,55 @@
                                         <p:strVal val="visible"/>
                                       </p:to>
                                     </p:set>
-                                    <p:animEffect transition="in" filter="fade">
+                                  </p:childTnLst>
+                                </p:cTn>
+                              </p:par>
+                            </p:childTnLst>
+                          </p:cTn>
+                        </p:par>
+                      </p:childTnLst>
+                    </p:cTn>
+                  </p:par>
+                  <p:par>
+                    <p:cTn id="19" fill="hold">
+                      <p:stCondLst>
+                        <p:cond delay="indefinite"/>
+                      </p:stCondLst>
+                      <p:childTnLst>
+                        <p:par>
+                          <p:cTn id="20" fill="hold">
+                            <p:stCondLst>
+                              <p:cond delay="0"/>
+                            </p:stCondLst>
+                            <p:childTnLst>
+                              <p:par>
+                                <p:cTn id="21" presetID="1" presetClass="entr" presetSubtype="0" fill="hold" grpId="0" nodeType="clickEffect">
+                                  <p:stCondLst>
+                                    <p:cond delay="0"/>
+                                  </p:stCondLst>
+                                  <p:childTnLst>
+                                    <p:set>
                                       <p:cBhvr>
-                                        <p:cTn id="22" dur="2000"/>
+                                        <p:cTn id="22" dur="1" fill="hold">
+                                          <p:stCondLst>
+                                            <p:cond delay="0"/>
+                                          </p:stCondLst>
+                                        </p:cTn>
                                         <p:tgtEl>
                                           <p:spTgt spid="3">
                                             <p:txEl>
-                                              <p:pRg st="3" end="3"/>
+                                              <p:pRg st="4" end="4"/>
                                             </p:txEl>
                                           </p:spTgt>
                                         </p:tgtEl>
+                                        <p:attrNameLst>
+                                          <p:attrName>style.visibility</p:attrName>
+                                        </p:attrNameLst>
                                       </p:cBhvr>
-                                    </p:animEffect>
+                                      <p:to>
+                                        <p:strVal val="visible"/>
+                                      </p:to>
+                                    </p:set>
                                   </p:childTnLst>
                                 </p:cTn>
                               </p:par>
@@ -13361,7 +19592,7 @@
                             </p:stCondLst>
                             <p:childTnLst>
                               <p:par>
-                                <p:cTn id="25" presetID="10" presetClass="entr" presetSubtype="0" fill="hold" grpId="0" nodeType="clickEffect">
+                                <p:cTn id="25" presetID="1" presetClass="entr" presetSubtype="0" fill="hold" grpId="0" nodeType="clickEffect">
                                   <p:stCondLst>
                                     <p:cond delay="0"/>
                                   </p:stCondLst>
@@ -13369,67 +19600,6 @@
                                     <p:set>
                                       <p:cBhvr>
                                         <p:cTn id="26" dur="1" fill="hold">
-                                          <p:stCondLst>
-                                            <p:cond delay="0"/>
-                                          </p:stCondLst>
-                                        </p:cTn>
-                                        <p:tgtEl>
-                                          <p:spTgt spid="3">
-                                            <p:txEl>
-                                              <p:pRg st="4" end="4"/>
-                                            </p:txEl>
-                                          </p:spTgt>
-                                        </p:tgtEl>
-                                        <p:attrNameLst>
-                                          <p:attrName>style.visibility</p:attrName>
-                                        </p:attrNameLst>
-                                      </p:cBhvr>
-                                      <p:to>
-                                        <p:strVal val="visible"/>
-                                      </p:to>
-                                    </p:set>
-                                    <p:animEffect transition="in" filter="fade">
-                                      <p:cBhvr>
-                                        <p:cTn id="27" dur="2000"/>
-                                        <p:tgtEl>
-                                          <p:spTgt spid="3">
-                                            <p:txEl>
-                                              <p:pRg st="4" end="4"/>
-                                            </p:txEl>
-                                          </p:spTgt>
-                                        </p:tgtEl>
-                                      </p:cBhvr>
-                                    </p:animEffect>
-                                  </p:childTnLst>
-                                </p:cTn>
-                              </p:par>
-                            </p:childTnLst>
-                          </p:cTn>
-                        </p:par>
-                      </p:childTnLst>
-                    </p:cTn>
-                  </p:par>
-                  <p:par>
-                    <p:cTn id="28" fill="hold">
-                      <p:stCondLst>
-                        <p:cond delay="indefinite"/>
-                      </p:stCondLst>
-                      <p:childTnLst>
-                        <p:par>
-                          <p:cTn id="29" fill="hold">
-                            <p:stCondLst>
-                              <p:cond delay="0"/>
-                            </p:stCondLst>
-                            <p:childTnLst>
-                              <p:par>
-                                <p:cTn id="30" presetID="10" presetClass="entr" presetSubtype="0" fill="hold" grpId="0" nodeType="clickEffect">
-                                  <p:stCondLst>
-                                    <p:cond delay="0"/>
-                                  </p:stCondLst>
-                                  <p:childTnLst>
-                                    <p:set>
-                                      <p:cBhvr>
-                                        <p:cTn id="31" dur="1" fill="hold">
                                           <p:stCondLst>
                                             <p:cond delay="0"/>
                                           </p:stCondLst>
@@ -13449,18 +19619,6 @@
                                         <p:strVal val="visible"/>
                                       </p:to>
                                     </p:set>
-                                    <p:animEffect transition="in" filter="fade">
-                                      <p:cBhvr>
-                                        <p:cTn id="32" dur="2000"/>
-                                        <p:tgtEl>
-                                          <p:spTgt spid="3">
-                                            <p:txEl>
-                                              <p:pRg st="5" end="5"/>
-                                            </p:txEl>
-                                          </p:spTgt>
-                                        </p:tgtEl>
-                                      </p:cBhvr>
-                                    </p:animEffect>
                                   </p:childTnLst>
                                 </p:cTn>
                               </p:par>
@@ -13555,21 +19713,13 @@
           <a:p>
             <a:r>
               <a:rPr lang="pt-PT" dirty="0" smtClean="0"/>
-              <a:t>Forte API </a:t>
-            </a:r>
+              <a:t>Forte API base</a:t>
+            </a:r>
+          </a:p>
+          <a:p>
             <a:r>
               <a:rPr lang="pt-PT" dirty="0" smtClean="0"/>
-              <a:t>base</a:t>
-            </a:r>
-          </a:p>
-          <a:p>
-            <a:r>
-              <a:rPr lang="pt-PT" dirty="0" smtClean="0"/>
-              <a:t>Excelente </a:t>
-            </a:r>
-            <a:r>
-              <a:rPr lang="pt-PT" dirty="0" smtClean="0"/>
-              <a:t>documentação das </a:t>
+              <a:t>Excelente documentação das </a:t>
             </a:r>
             <a:r>
               <a:rPr lang="pt-PT" dirty="0" err="1" smtClean="0"/>
@@ -13596,11 +19746,7 @@
           <a:p>
             <a:r>
               <a:rPr lang="pt-PT" dirty="0" smtClean="0"/>
-              <a:t>Performance </a:t>
-            </a:r>
-            <a:r>
-              <a:rPr lang="pt-PT" dirty="0" smtClean="0"/>
-              <a:t>melhor que </a:t>
+              <a:t>Performance melhor que </a:t>
             </a:r>
             <a:r>
               <a:rPr lang="pt-PT" dirty="0" err="1" smtClean="0"/>
@@ -13625,6 +19771,13 @@
   <p:clrMapOvr>
     <a:masterClrMapping/>
   </p:clrMapOvr>
+  <p:timing>
+    <p:tnLst>
+      <p:par>
+        <p:cTn id="1" dur="indefinite" restart="never" nodeType="tmRoot"/>
+      </p:par>
+    </p:tnLst>
+  </p:timing>
 </p:sld>
 </file>
 
@@ -13819,19 +19972,17 @@
           <a:p>
             <a:r>
               <a:rPr lang="pt-PT" dirty="0" smtClean="0"/>
-              <a:t>Bibliotecas de autenticação inexistentes</a:t>
-            </a:r>
-          </a:p>
-          <a:p>
+              <a:t>Linguagem </a:t>
+            </a:r>
             <a:r>
               <a:rPr lang="pt-PT" dirty="0" smtClean="0"/>
-              <a:t>Linguagem relativamente recente</a:t>
+              <a:t>relativamente recente</a:t>
             </a:r>
           </a:p>
           <a:p>
             <a:r>
               <a:rPr lang="pt-PT" dirty="0" smtClean="0"/>
-              <a:t>Menos </a:t>
+              <a:t>Poucas </a:t>
             </a:r>
             <a:r>
               <a:rPr lang="pt-PT" dirty="0" err="1" smtClean="0"/>
@@ -13839,8 +19990,9 @@
             </a:r>
             <a:r>
               <a:rPr lang="pt-PT" dirty="0" smtClean="0"/>
-              <a:t>/bibliotecas do que o Node</a:t>
-            </a:r>
+              <a:t>/bibliotecas</a:t>
+            </a:r>
+            <a:endParaRPr lang="pt-PT" dirty="0" smtClean="0"/>
           </a:p>
           <a:p>
             <a:pPr lvl="1"/>
@@ -13854,19 +20006,7 @@
             </a:r>
             <a:r>
               <a:rPr lang="pt-PT" dirty="0" smtClean="0"/>
-              <a:t> ainda em desenvolvimento (</a:t>
-            </a:r>
-            <a:r>
-              <a:rPr lang="pt-PT" dirty="0" smtClean="0"/>
-              <a:t>API é </a:t>
-            </a:r>
-            <a:r>
-              <a:rPr lang="pt-PT" dirty="0" smtClean="0"/>
-              <a:t>estável</a:t>
-            </a:r>
-            <a:r>
-              <a:rPr lang="pt-PT" dirty="0" smtClean="0"/>
-              <a:t>)</a:t>
+              <a:t> ainda em desenvolvimento (API é estável)</a:t>
             </a:r>
           </a:p>
           <a:p>
@@ -13875,7 +20015,6 @@
               <a:rPr lang="pt-PT" dirty="0" smtClean="0"/>
               <a:t>Poderá implicar mais trabalho da nossa parte</a:t>
             </a:r>
-            <a:endParaRPr lang="pt-PT" dirty="0" smtClean="0"/>
           </a:p>
           <a:p>
             <a:endParaRPr lang="pt-PT" dirty="0" smtClean="0"/>
@@ -13890,9 +20029,231 @@
   <p:timing>
     <p:tnLst>
       <p:par>
-        <p:cTn id="1" dur="indefinite" restart="never" nodeType="tmRoot"/>
+        <p:cTn id="1" dur="indefinite" restart="never" nodeType="tmRoot">
+          <p:childTnLst>
+            <p:seq concurrent="1" nextAc="seek">
+              <p:cTn id="2" dur="indefinite" nodeType="mainSeq">
+                <p:childTnLst>
+                  <p:par>
+                    <p:cTn id="3" fill="hold">
+                      <p:stCondLst>
+                        <p:cond delay="indefinite"/>
+                      </p:stCondLst>
+                      <p:childTnLst>
+                        <p:par>
+                          <p:cTn id="4" fill="hold">
+                            <p:stCondLst>
+                              <p:cond delay="0"/>
+                            </p:stCondLst>
+                            <p:childTnLst>
+                              <p:par>
+                                <p:cTn id="5" presetID="1" presetClass="entr" presetSubtype="0" fill="hold" grpId="0" nodeType="clickEffect">
+                                  <p:stCondLst>
+                                    <p:cond delay="0"/>
+                                  </p:stCondLst>
+                                  <p:childTnLst>
+                                    <p:set>
+                                      <p:cBhvr>
+                                        <p:cTn id="6" dur="1" fill="hold">
+                                          <p:stCondLst>
+                                            <p:cond delay="0"/>
+                                          </p:stCondLst>
+                                        </p:cTn>
+                                        <p:tgtEl>
+                                          <p:spTgt spid="3">
+                                            <p:txEl>
+                                              <p:pRg st="0" end="0"/>
+                                            </p:txEl>
+                                          </p:spTgt>
+                                        </p:tgtEl>
+                                        <p:attrNameLst>
+                                          <p:attrName>style.visibility</p:attrName>
+                                        </p:attrNameLst>
+                                      </p:cBhvr>
+                                      <p:to>
+                                        <p:strVal val="visible"/>
+                                      </p:to>
+                                    </p:set>
+                                  </p:childTnLst>
+                                </p:cTn>
+                              </p:par>
+                            </p:childTnLst>
+                          </p:cTn>
+                        </p:par>
+                      </p:childTnLst>
+                    </p:cTn>
+                  </p:par>
+                  <p:par>
+                    <p:cTn id="7" fill="hold">
+                      <p:stCondLst>
+                        <p:cond delay="indefinite"/>
+                      </p:stCondLst>
+                      <p:childTnLst>
+                        <p:par>
+                          <p:cTn id="8" fill="hold">
+                            <p:stCondLst>
+                              <p:cond delay="0"/>
+                            </p:stCondLst>
+                            <p:childTnLst>
+                              <p:par>
+                                <p:cTn id="9" presetID="1" presetClass="entr" presetSubtype="0" fill="hold" grpId="0" nodeType="clickEffect">
+                                  <p:stCondLst>
+                                    <p:cond delay="0"/>
+                                  </p:stCondLst>
+                                  <p:childTnLst>
+                                    <p:set>
+                                      <p:cBhvr>
+                                        <p:cTn id="10" dur="1" fill="hold">
+                                          <p:stCondLst>
+                                            <p:cond delay="0"/>
+                                          </p:stCondLst>
+                                        </p:cTn>
+                                        <p:tgtEl>
+                                          <p:spTgt spid="3">
+                                            <p:txEl>
+                                              <p:pRg st="1" end="1"/>
+                                            </p:txEl>
+                                          </p:spTgt>
+                                        </p:tgtEl>
+                                        <p:attrNameLst>
+                                          <p:attrName>style.visibility</p:attrName>
+                                        </p:attrNameLst>
+                                      </p:cBhvr>
+                                      <p:to>
+                                        <p:strVal val="visible"/>
+                                      </p:to>
+                                    </p:set>
+                                  </p:childTnLst>
+                                </p:cTn>
+                              </p:par>
+                            </p:childTnLst>
+                          </p:cTn>
+                        </p:par>
+                      </p:childTnLst>
+                    </p:cTn>
+                  </p:par>
+                  <p:par>
+                    <p:cTn id="11" fill="hold">
+                      <p:stCondLst>
+                        <p:cond delay="indefinite"/>
+                      </p:stCondLst>
+                      <p:childTnLst>
+                        <p:par>
+                          <p:cTn id="12" fill="hold">
+                            <p:stCondLst>
+                              <p:cond delay="0"/>
+                            </p:stCondLst>
+                            <p:childTnLst>
+                              <p:par>
+                                <p:cTn id="13" presetID="1" presetClass="entr" presetSubtype="0" fill="hold" grpId="0" nodeType="clickEffect">
+                                  <p:stCondLst>
+                                    <p:cond delay="0"/>
+                                  </p:stCondLst>
+                                  <p:childTnLst>
+                                    <p:set>
+                                      <p:cBhvr>
+                                        <p:cTn id="14" dur="1" fill="hold">
+                                          <p:stCondLst>
+                                            <p:cond delay="0"/>
+                                          </p:stCondLst>
+                                        </p:cTn>
+                                        <p:tgtEl>
+                                          <p:spTgt spid="3">
+                                            <p:txEl>
+                                              <p:pRg st="2" end="2"/>
+                                            </p:txEl>
+                                          </p:spTgt>
+                                        </p:tgtEl>
+                                        <p:attrNameLst>
+                                          <p:attrName>style.visibility</p:attrName>
+                                        </p:attrNameLst>
+                                      </p:cBhvr>
+                                      <p:to>
+                                        <p:strVal val="visible"/>
+                                      </p:to>
+                                    </p:set>
+                                  </p:childTnLst>
+                                </p:cTn>
+                              </p:par>
+                            </p:childTnLst>
+                          </p:cTn>
+                        </p:par>
+                      </p:childTnLst>
+                    </p:cTn>
+                  </p:par>
+                  <p:par>
+                    <p:cTn id="15" fill="hold">
+                      <p:stCondLst>
+                        <p:cond delay="indefinite"/>
+                      </p:stCondLst>
+                      <p:childTnLst>
+                        <p:par>
+                          <p:cTn id="16" fill="hold">
+                            <p:stCondLst>
+                              <p:cond delay="0"/>
+                            </p:stCondLst>
+                            <p:childTnLst>
+                              <p:par>
+                                <p:cTn id="17" presetID="1" presetClass="entr" presetSubtype="0" fill="hold" grpId="0" nodeType="clickEffect">
+                                  <p:stCondLst>
+                                    <p:cond delay="0"/>
+                                  </p:stCondLst>
+                                  <p:childTnLst>
+                                    <p:set>
+                                      <p:cBhvr>
+                                        <p:cTn id="18" dur="1" fill="hold">
+                                          <p:stCondLst>
+                                            <p:cond delay="0"/>
+                                          </p:stCondLst>
+                                        </p:cTn>
+                                        <p:tgtEl>
+                                          <p:spTgt spid="3">
+                                            <p:txEl>
+                                              <p:pRg st="3" end="3"/>
+                                            </p:txEl>
+                                          </p:spTgt>
+                                        </p:tgtEl>
+                                        <p:attrNameLst>
+                                          <p:attrName>style.visibility</p:attrName>
+                                        </p:attrNameLst>
+                                      </p:cBhvr>
+                                      <p:to>
+                                        <p:strVal val="visible"/>
+                                      </p:to>
+                                    </p:set>
+                                  </p:childTnLst>
+                                </p:cTn>
+                              </p:par>
+                            </p:childTnLst>
+                          </p:cTn>
+                        </p:par>
+                      </p:childTnLst>
+                    </p:cTn>
+                  </p:par>
+                </p:childTnLst>
+              </p:cTn>
+              <p:prevCondLst>
+                <p:cond evt="onPrev" delay="0">
+                  <p:tgtEl>
+                    <p:sldTgt/>
+                  </p:tgtEl>
+                </p:cond>
+              </p:prevCondLst>
+              <p:nextCondLst>
+                <p:cond evt="onNext" delay="0">
+                  <p:tgtEl>
+                    <p:sldTgt/>
+                  </p:tgtEl>
+                </p:cond>
+              </p:nextCondLst>
+            </p:seq>
+          </p:childTnLst>
+        </p:cTn>
       </p:par>
     </p:tnLst>
+    <p:bldLst>
+      <p:bldP spid="3" grpId="0" uiExpand="1" build="p"/>
+    </p:bldLst>
   </p:timing>
 </p:sld>
 </file>
@@ -14130,9 +20491,329 @@
   <p:timing>
     <p:tnLst>
       <p:par>
-        <p:cTn id="1" dur="indefinite" restart="never" nodeType="tmRoot"/>
+        <p:cTn id="1" dur="indefinite" restart="never" nodeType="tmRoot">
+          <p:childTnLst>
+            <p:seq concurrent="1" nextAc="seek">
+              <p:cTn id="2" dur="indefinite" nodeType="mainSeq">
+                <p:childTnLst>
+                  <p:par>
+                    <p:cTn id="3" fill="hold">
+                      <p:stCondLst>
+                        <p:cond delay="indefinite"/>
+                      </p:stCondLst>
+                      <p:childTnLst>
+                        <p:par>
+                          <p:cTn id="4" fill="hold">
+                            <p:stCondLst>
+                              <p:cond delay="0"/>
+                            </p:stCondLst>
+                            <p:childTnLst>
+                              <p:par>
+                                <p:cTn id="5" presetID="1" presetClass="entr" presetSubtype="0" fill="hold" grpId="0" nodeType="clickEffect">
+                                  <p:stCondLst>
+                                    <p:cond delay="0"/>
+                                  </p:stCondLst>
+                                  <p:childTnLst>
+                                    <p:set>
+                                      <p:cBhvr>
+                                        <p:cTn id="6" dur="1" fill="hold">
+                                          <p:stCondLst>
+                                            <p:cond delay="0"/>
+                                          </p:stCondLst>
+                                        </p:cTn>
+                                        <p:tgtEl>
+                                          <p:spTgt spid="3">
+                                            <p:txEl>
+                                              <p:pRg st="0" end="0"/>
+                                            </p:txEl>
+                                          </p:spTgt>
+                                        </p:tgtEl>
+                                        <p:attrNameLst>
+                                          <p:attrName>style.visibility</p:attrName>
+                                        </p:attrNameLst>
+                                      </p:cBhvr>
+                                      <p:to>
+                                        <p:strVal val="visible"/>
+                                      </p:to>
+                                    </p:set>
+                                  </p:childTnLst>
+                                </p:cTn>
+                              </p:par>
+                            </p:childTnLst>
+                          </p:cTn>
+                        </p:par>
+                      </p:childTnLst>
+                    </p:cTn>
+                  </p:par>
+                  <p:par>
+                    <p:cTn id="7" fill="hold">
+                      <p:stCondLst>
+                        <p:cond delay="indefinite"/>
+                      </p:stCondLst>
+                      <p:childTnLst>
+                        <p:par>
+                          <p:cTn id="8" fill="hold">
+                            <p:stCondLst>
+                              <p:cond delay="0"/>
+                            </p:stCondLst>
+                            <p:childTnLst>
+                              <p:par>
+                                <p:cTn id="9" presetID="1" presetClass="entr" presetSubtype="0" fill="hold" grpId="0" nodeType="clickEffect">
+                                  <p:stCondLst>
+                                    <p:cond delay="0"/>
+                                  </p:stCondLst>
+                                  <p:childTnLst>
+                                    <p:set>
+                                      <p:cBhvr>
+                                        <p:cTn id="10" dur="1" fill="hold">
+                                          <p:stCondLst>
+                                            <p:cond delay="0"/>
+                                          </p:stCondLst>
+                                        </p:cTn>
+                                        <p:tgtEl>
+                                          <p:spTgt spid="3">
+                                            <p:txEl>
+                                              <p:pRg st="1" end="1"/>
+                                            </p:txEl>
+                                          </p:spTgt>
+                                        </p:tgtEl>
+                                        <p:attrNameLst>
+                                          <p:attrName>style.visibility</p:attrName>
+                                        </p:attrNameLst>
+                                      </p:cBhvr>
+                                      <p:to>
+                                        <p:strVal val="visible"/>
+                                      </p:to>
+                                    </p:set>
+                                  </p:childTnLst>
+                                </p:cTn>
+                              </p:par>
+                            </p:childTnLst>
+                          </p:cTn>
+                        </p:par>
+                      </p:childTnLst>
+                    </p:cTn>
+                  </p:par>
+                  <p:par>
+                    <p:cTn id="11" fill="hold">
+                      <p:stCondLst>
+                        <p:cond delay="indefinite"/>
+                      </p:stCondLst>
+                      <p:childTnLst>
+                        <p:par>
+                          <p:cTn id="12" fill="hold">
+                            <p:stCondLst>
+                              <p:cond delay="0"/>
+                            </p:stCondLst>
+                            <p:childTnLst>
+                              <p:par>
+                                <p:cTn id="13" presetID="1" presetClass="entr" presetSubtype="0" fill="hold" grpId="0" nodeType="clickEffect">
+                                  <p:stCondLst>
+                                    <p:cond delay="0"/>
+                                  </p:stCondLst>
+                                  <p:childTnLst>
+                                    <p:set>
+                                      <p:cBhvr>
+                                        <p:cTn id="14" dur="1" fill="hold">
+                                          <p:stCondLst>
+                                            <p:cond delay="0"/>
+                                          </p:stCondLst>
+                                        </p:cTn>
+                                        <p:tgtEl>
+                                          <p:spTgt spid="3">
+                                            <p:txEl>
+                                              <p:pRg st="2" end="2"/>
+                                            </p:txEl>
+                                          </p:spTgt>
+                                        </p:tgtEl>
+                                        <p:attrNameLst>
+                                          <p:attrName>style.visibility</p:attrName>
+                                        </p:attrNameLst>
+                                      </p:cBhvr>
+                                      <p:to>
+                                        <p:strVal val="visible"/>
+                                      </p:to>
+                                    </p:set>
+                                  </p:childTnLst>
+                                </p:cTn>
+                              </p:par>
+                            </p:childTnLst>
+                          </p:cTn>
+                        </p:par>
+                      </p:childTnLst>
+                    </p:cTn>
+                  </p:par>
+                  <p:par>
+                    <p:cTn id="15" fill="hold">
+                      <p:stCondLst>
+                        <p:cond delay="indefinite"/>
+                      </p:stCondLst>
+                      <p:childTnLst>
+                        <p:par>
+                          <p:cTn id="16" fill="hold">
+                            <p:stCondLst>
+                              <p:cond delay="0"/>
+                            </p:stCondLst>
+                            <p:childTnLst>
+                              <p:par>
+                                <p:cTn id="17" presetID="1" presetClass="entr" presetSubtype="0" fill="hold" grpId="0" nodeType="clickEffect">
+                                  <p:stCondLst>
+                                    <p:cond delay="0"/>
+                                  </p:stCondLst>
+                                  <p:childTnLst>
+                                    <p:set>
+                                      <p:cBhvr>
+                                        <p:cTn id="18" dur="1" fill="hold">
+                                          <p:stCondLst>
+                                            <p:cond delay="0"/>
+                                          </p:stCondLst>
+                                        </p:cTn>
+                                        <p:tgtEl>
+                                          <p:spTgt spid="3">
+                                            <p:txEl>
+                                              <p:pRg st="3" end="3"/>
+                                            </p:txEl>
+                                          </p:spTgt>
+                                        </p:tgtEl>
+                                        <p:attrNameLst>
+                                          <p:attrName>style.visibility</p:attrName>
+                                        </p:attrNameLst>
+                                      </p:cBhvr>
+                                      <p:to>
+                                        <p:strVal val="visible"/>
+                                      </p:to>
+                                    </p:set>
+                                  </p:childTnLst>
+                                </p:cTn>
+                              </p:par>
+                            </p:childTnLst>
+                          </p:cTn>
+                        </p:par>
+                      </p:childTnLst>
+                    </p:cTn>
+                  </p:par>
+                  <p:par>
+                    <p:cTn id="19" fill="hold">
+                      <p:stCondLst>
+                        <p:cond delay="indefinite"/>
+                      </p:stCondLst>
+                      <p:childTnLst>
+                        <p:par>
+                          <p:cTn id="20" fill="hold">
+                            <p:stCondLst>
+                              <p:cond delay="0"/>
+                            </p:stCondLst>
+                            <p:childTnLst>
+                              <p:par>
+                                <p:cTn id="21" presetID="1" presetClass="entr" presetSubtype="0" fill="hold" grpId="0" nodeType="clickEffect">
+                                  <p:stCondLst>
+                                    <p:cond delay="0"/>
+                                  </p:stCondLst>
+                                  <p:childTnLst>
+                                    <p:set>
+                                      <p:cBhvr>
+                                        <p:cTn id="22" dur="1" fill="hold">
+                                          <p:stCondLst>
+                                            <p:cond delay="0"/>
+                                          </p:stCondLst>
+                                        </p:cTn>
+                                        <p:tgtEl>
+                                          <p:spTgt spid="3">
+                                            <p:txEl>
+                                              <p:pRg st="4" end="4"/>
+                                            </p:txEl>
+                                          </p:spTgt>
+                                        </p:tgtEl>
+                                        <p:attrNameLst>
+                                          <p:attrName>style.visibility</p:attrName>
+                                        </p:attrNameLst>
+                                      </p:cBhvr>
+                                      <p:to>
+                                        <p:strVal val="visible"/>
+                                      </p:to>
+                                    </p:set>
+                                  </p:childTnLst>
+                                </p:cTn>
+                              </p:par>
+                            </p:childTnLst>
+                          </p:cTn>
+                        </p:par>
+                      </p:childTnLst>
+                    </p:cTn>
+                  </p:par>
+                  <p:par>
+                    <p:cTn id="23" fill="hold">
+                      <p:stCondLst>
+                        <p:cond delay="indefinite"/>
+                      </p:stCondLst>
+                      <p:childTnLst>
+                        <p:par>
+                          <p:cTn id="24" fill="hold">
+                            <p:stCondLst>
+                              <p:cond delay="0"/>
+                            </p:stCondLst>
+                            <p:childTnLst>
+                              <p:par>
+                                <p:cTn id="25" presetID="1" presetClass="entr" presetSubtype="0" fill="hold" grpId="0" nodeType="clickEffect">
+                                  <p:stCondLst>
+                                    <p:cond delay="0"/>
+                                  </p:stCondLst>
+                                  <p:childTnLst>
+                                    <p:set>
+                                      <p:cBhvr>
+                                        <p:cTn id="26" dur="1" fill="hold">
+                                          <p:stCondLst>
+                                            <p:cond delay="0"/>
+                                          </p:stCondLst>
+                                        </p:cTn>
+                                        <p:tgtEl>
+                                          <p:spTgt spid="3">
+                                            <p:txEl>
+                                              <p:pRg st="5" end="5"/>
+                                            </p:txEl>
+                                          </p:spTgt>
+                                        </p:tgtEl>
+                                        <p:attrNameLst>
+                                          <p:attrName>style.visibility</p:attrName>
+                                        </p:attrNameLst>
+                                      </p:cBhvr>
+                                      <p:to>
+                                        <p:strVal val="visible"/>
+                                      </p:to>
+                                    </p:set>
+                                  </p:childTnLst>
+                                </p:cTn>
+                              </p:par>
+                            </p:childTnLst>
+                          </p:cTn>
+                        </p:par>
+                      </p:childTnLst>
+                    </p:cTn>
+                  </p:par>
+                </p:childTnLst>
+              </p:cTn>
+              <p:prevCondLst>
+                <p:cond evt="onPrev" delay="0">
+                  <p:tgtEl>
+                    <p:sldTgt/>
+                  </p:tgtEl>
+                </p:cond>
+              </p:prevCondLst>
+              <p:nextCondLst>
+                <p:cond evt="onNext" delay="0">
+                  <p:tgtEl>
+                    <p:sldTgt/>
+                  </p:tgtEl>
+                </p:cond>
+              </p:nextCondLst>
+            </p:seq>
+          </p:childTnLst>
+        </p:cTn>
       </p:par>
     </p:tnLst>
+    <p:bldLst>
+      <p:bldP spid="3" grpId="0" uiExpand="1" build="p"/>
+    </p:bldLst>
   </p:timing>
 </p:sld>
 </file>
@@ -14197,8 +20878,8 @@
         </p:blipFill>
         <p:spPr>
           <a:xfrm>
-            <a:off x="2862360" y="306700"/>
-            <a:ext cx="3419280" cy="3990960"/>
+            <a:off x="2862360" y="490254"/>
+            <a:ext cx="3419280" cy="3623851"/>
           </a:xfrm>
           <a:prstGeom prst="rect">
             <a:avLst/>
@@ -14386,9 +21067,560 @@
   <p:timing>
     <p:tnLst>
       <p:par>
-        <p:cTn id="1" dur="indefinite" restart="never" nodeType="tmRoot"/>
+        <p:cTn id="1" dur="indefinite" restart="never" nodeType="tmRoot">
+          <p:childTnLst>
+            <p:seq concurrent="1" nextAc="seek">
+              <p:cTn id="2" dur="indefinite" nodeType="mainSeq">
+                <p:childTnLst>
+                  <p:par>
+                    <p:cTn id="3" fill="hold">
+                      <p:stCondLst>
+                        <p:cond delay="indefinite"/>
+                      </p:stCondLst>
+                      <p:childTnLst>
+                        <p:par>
+                          <p:cTn id="4" fill="hold">
+                            <p:stCondLst>
+                              <p:cond delay="0"/>
+                            </p:stCondLst>
+                            <p:childTnLst>
+                              <p:par>
+                                <p:cTn id="5" presetID="1" presetClass="entr" presetSubtype="0" fill="hold" grpId="0" nodeType="clickEffect">
+                                  <p:stCondLst>
+                                    <p:cond delay="0"/>
+                                  </p:stCondLst>
+                                  <p:childTnLst>
+                                    <p:set>
+                                      <p:cBhvr>
+                                        <p:cTn id="6" dur="1" fill="hold">
+                                          <p:stCondLst>
+                                            <p:cond delay="0"/>
+                                          </p:stCondLst>
+                                        </p:cTn>
+                                        <p:tgtEl>
+                                          <p:spTgt spid="3">
+                                            <p:txEl>
+                                              <p:pRg st="0" end="0"/>
+                                            </p:txEl>
+                                          </p:spTgt>
+                                        </p:tgtEl>
+                                        <p:attrNameLst>
+                                          <p:attrName>style.visibility</p:attrName>
+                                        </p:attrNameLst>
+                                      </p:cBhvr>
+                                      <p:to>
+                                        <p:strVal val="visible"/>
+                                      </p:to>
+                                    </p:set>
+                                  </p:childTnLst>
+                                </p:cTn>
+                              </p:par>
+                            </p:childTnLst>
+                          </p:cTn>
+                        </p:par>
+                      </p:childTnLst>
+                    </p:cTn>
+                  </p:par>
+                  <p:par>
+                    <p:cTn id="7" fill="hold">
+                      <p:stCondLst>
+                        <p:cond delay="indefinite"/>
+                      </p:stCondLst>
+                      <p:childTnLst>
+                        <p:par>
+                          <p:cTn id="8" fill="hold">
+                            <p:stCondLst>
+                              <p:cond delay="0"/>
+                            </p:stCondLst>
+                            <p:childTnLst>
+                              <p:par>
+                                <p:cTn id="9" presetID="1" presetClass="entr" presetSubtype="0" fill="hold" grpId="0" nodeType="clickEffect">
+                                  <p:stCondLst>
+                                    <p:cond delay="0"/>
+                                  </p:stCondLst>
+                                  <p:childTnLst>
+                                    <p:set>
+                                      <p:cBhvr>
+                                        <p:cTn id="10" dur="1" fill="hold">
+                                          <p:stCondLst>
+                                            <p:cond delay="0"/>
+                                          </p:stCondLst>
+                                        </p:cTn>
+                                        <p:tgtEl>
+                                          <p:spTgt spid="3">
+                                            <p:txEl>
+                                              <p:pRg st="1" end="1"/>
+                                            </p:txEl>
+                                          </p:spTgt>
+                                        </p:tgtEl>
+                                        <p:attrNameLst>
+                                          <p:attrName>style.visibility</p:attrName>
+                                        </p:attrNameLst>
+                                      </p:cBhvr>
+                                      <p:to>
+                                        <p:strVal val="visible"/>
+                                      </p:to>
+                                    </p:set>
+                                  </p:childTnLst>
+                                </p:cTn>
+                              </p:par>
+                            </p:childTnLst>
+                          </p:cTn>
+                        </p:par>
+                      </p:childTnLst>
+                    </p:cTn>
+                  </p:par>
+                  <p:par>
+                    <p:cTn id="11" fill="hold">
+                      <p:stCondLst>
+                        <p:cond delay="indefinite"/>
+                      </p:stCondLst>
+                      <p:childTnLst>
+                        <p:par>
+                          <p:cTn id="12" fill="hold">
+                            <p:stCondLst>
+                              <p:cond delay="0"/>
+                            </p:stCondLst>
+                            <p:childTnLst>
+                              <p:par>
+                                <p:cTn id="13" presetID="1" presetClass="entr" presetSubtype="0" fill="hold" grpId="0" nodeType="clickEffect">
+                                  <p:stCondLst>
+                                    <p:cond delay="0"/>
+                                  </p:stCondLst>
+                                  <p:childTnLst>
+                                    <p:set>
+                                      <p:cBhvr>
+                                        <p:cTn id="14" dur="1" fill="hold">
+                                          <p:stCondLst>
+                                            <p:cond delay="0"/>
+                                          </p:stCondLst>
+                                        </p:cTn>
+                                        <p:tgtEl>
+                                          <p:spTgt spid="3">
+                                            <p:txEl>
+                                              <p:pRg st="2" end="2"/>
+                                            </p:txEl>
+                                          </p:spTgt>
+                                        </p:tgtEl>
+                                        <p:attrNameLst>
+                                          <p:attrName>style.visibility</p:attrName>
+                                        </p:attrNameLst>
+                                      </p:cBhvr>
+                                      <p:to>
+                                        <p:strVal val="visible"/>
+                                      </p:to>
+                                    </p:set>
+                                  </p:childTnLst>
+                                </p:cTn>
+                              </p:par>
+                            </p:childTnLst>
+                          </p:cTn>
+                        </p:par>
+                      </p:childTnLst>
+                    </p:cTn>
+                  </p:par>
+                  <p:par>
+                    <p:cTn id="15" fill="hold">
+                      <p:stCondLst>
+                        <p:cond delay="indefinite"/>
+                      </p:stCondLst>
+                      <p:childTnLst>
+                        <p:par>
+                          <p:cTn id="16" fill="hold">
+                            <p:stCondLst>
+                              <p:cond delay="0"/>
+                            </p:stCondLst>
+                            <p:childTnLst>
+                              <p:par>
+                                <p:cTn id="17" presetID="1" presetClass="entr" presetSubtype="0" fill="hold" grpId="0" nodeType="clickEffect">
+                                  <p:stCondLst>
+                                    <p:cond delay="0"/>
+                                  </p:stCondLst>
+                                  <p:childTnLst>
+                                    <p:set>
+                                      <p:cBhvr>
+                                        <p:cTn id="18" dur="1" fill="hold">
+                                          <p:stCondLst>
+                                            <p:cond delay="0"/>
+                                          </p:stCondLst>
+                                        </p:cTn>
+                                        <p:tgtEl>
+                                          <p:spTgt spid="3">
+                                            <p:txEl>
+                                              <p:pRg st="3" end="3"/>
+                                            </p:txEl>
+                                          </p:spTgt>
+                                        </p:tgtEl>
+                                        <p:attrNameLst>
+                                          <p:attrName>style.visibility</p:attrName>
+                                        </p:attrNameLst>
+                                      </p:cBhvr>
+                                      <p:to>
+                                        <p:strVal val="visible"/>
+                                      </p:to>
+                                    </p:set>
+                                  </p:childTnLst>
+                                </p:cTn>
+                              </p:par>
+                            </p:childTnLst>
+                          </p:cTn>
+                        </p:par>
+                      </p:childTnLst>
+                    </p:cTn>
+                  </p:par>
+                  <p:par>
+                    <p:cTn id="19" fill="hold">
+                      <p:stCondLst>
+                        <p:cond delay="indefinite"/>
+                      </p:stCondLst>
+                      <p:childTnLst>
+                        <p:par>
+                          <p:cTn id="20" fill="hold">
+                            <p:stCondLst>
+                              <p:cond delay="0"/>
+                            </p:stCondLst>
+                            <p:childTnLst>
+                              <p:par>
+                                <p:cTn id="21" presetID="1" presetClass="entr" presetSubtype="0" fill="hold" grpId="0" nodeType="clickEffect">
+                                  <p:stCondLst>
+                                    <p:cond delay="0"/>
+                                  </p:stCondLst>
+                                  <p:childTnLst>
+                                    <p:set>
+                                      <p:cBhvr>
+                                        <p:cTn id="22" dur="1" fill="hold">
+                                          <p:stCondLst>
+                                            <p:cond delay="0"/>
+                                          </p:stCondLst>
+                                        </p:cTn>
+                                        <p:tgtEl>
+                                          <p:spTgt spid="3">
+                                            <p:txEl>
+                                              <p:pRg st="4" end="4"/>
+                                            </p:txEl>
+                                          </p:spTgt>
+                                        </p:tgtEl>
+                                        <p:attrNameLst>
+                                          <p:attrName>style.visibility</p:attrName>
+                                        </p:attrNameLst>
+                                      </p:cBhvr>
+                                      <p:to>
+                                        <p:strVal val="visible"/>
+                                      </p:to>
+                                    </p:set>
+                                  </p:childTnLst>
+                                </p:cTn>
+                              </p:par>
+                            </p:childTnLst>
+                          </p:cTn>
+                        </p:par>
+                      </p:childTnLst>
+                    </p:cTn>
+                  </p:par>
+                  <p:par>
+                    <p:cTn id="23" fill="hold">
+                      <p:stCondLst>
+                        <p:cond delay="indefinite"/>
+                      </p:stCondLst>
+                      <p:childTnLst>
+                        <p:par>
+                          <p:cTn id="24" fill="hold">
+                            <p:stCondLst>
+                              <p:cond delay="0"/>
+                            </p:stCondLst>
+                            <p:childTnLst>
+                              <p:par>
+                                <p:cTn id="25" presetID="1" presetClass="entr" presetSubtype="0" fill="hold" grpId="0" nodeType="clickEffect">
+                                  <p:stCondLst>
+                                    <p:cond delay="0"/>
+                                  </p:stCondLst>
+                                  <p:childTnLst>
+                                    <p:set>
+                                      <p:cBhvr>
+                                        <p:cTn id="26" dur="1" fill="hold">
+                                          <p:stCondLst>
+                                            <p:cond delay="0"/>
+                                          </p:stCondLst>
+                                        </p:cTn>
+                                        <p:tgtEl>
+                                          <p:spTgt spid="3">
+                                            <p:txEl>
+                                              <p:pRg st="5" end="5"/>
+                                            </p:txEl>
+                                          </p:spTgt>
+                                        </p:tgtEl>
+                                        <p:attrNameLst>
+                                          <p:attrName>style.visibility</p:attrName>
+                                        </p:attrNameLst>
+                                      </p:cBhvr>
+                                      <p:to>
+                                        <p:strVal val="visible"/>
+                                      </p:to>
+                                    </p:set>
+                                  </p:childTnLst>
+                                </p:cTn>
+                              </p:par>
+                            </p:childTnLst>
+                          </p:cTn>
+                        </p:par>
+                      </p:childTnLst>
+                    </p:cTn>
+                  </p:par>
+                  <p:par>
+                    <p:cTn id="27" fill="hold">
+                      <p:stCondLst>
+                        <p:cond delay="indefinite"/>
+                      </p:stCondLst>
+                      <p:childTnLst>
+                        <p:par>
+                          <p:cTn id="28" fill="hold">
+                            <p:stCondLst>
+                              <p:cond delay="0"/>
+                            </p:stCondLst>
+                            <p:childTnLst>
+                              <p:par>
+                                <p:cTn id="29" presetID="1" presetClass="entr" presetSubtype="0" fill="hold" grpId="0" nodeType="clickEffect">
+                                  <p:stCondLst>
+                                    <p:cond delay="0"/>
+                                  </p:stCondLst>
+                                  <p:childTnLst>
+                                    <p:set>
+                                      <p:cBhvr>
+                                        <p:cTn id="30" dur="1" fill="hold">
+                                          <p:stCondLst>
+                                            <p:cond delay="0"/>
+                                          </p:stCondLst>
+                                        </p:cTn>
+                                        <p:tgtEl>
+                                          <p:spTgt spid="3">
+                                            <p:txEl>
+                                              <p:pRg st="6" end="6"/>
+                                            </p:txEl>
+                                          </p:spTgt>
+                                        </p:tgtEl>
+                                        <p:attrNameLst>
+                                          <p:attrName>style.visibility</p:attrName>
+                                        </p:attrNameLst>
+                                      </p:cBhvr>
+                                      <p:to>
+                                        <p:strVal val="visible"/>
+                                      </p:to>
+                                    </p:set>
+                                  </p:childTnLst>
+                                </p:cTn>
+                              </p:par>
+                            </p:childTnLst>
+                          </p:cTn>
+                        </p:par>
+                      </p:childTnLst>
+                    </p:cTn>
+                  </p:par>
+                  <p:par>
+                    <p:cTn id="31" fill="hold">
+                      <p:stCondLst>
+                        <p:cond delay="indefinite"/>
+                      </p:stCondLst>
+                      <p:childTnLst>
+                        <p:par>
+                          <p:cTn id="32" fill="hold">
+                            <p:stCondLst>
+                              <p:cond delay="0"/>
+                            </p:stCondLst>
+                            <p:childTnLst>
+                              <p:par>
+                                <p:cTn id="33" presetID="9" presetClass="emph" presetSubtype="0" grpId="1" nodeType="clickEffect">
+                                  <p:stCondLst>
+                                    <p:cond delay="0"/>
+                                  </p:stCondLst>
+                                  <p:childTnLst>
+                                    <p:set>
+                                      <p:cBhvr rctx="PPT">
+                                        <p:cTn id="34" dur="indefinite"/>
+                                        <p:tgtEl>
+                                          <p:spTgt spid="3">
+                                            <p:txEl>
+                                              <p:pRg st="0" end="0"/>
+                                            </p:txEl>
+                                          </p:spTgt>
+                                        </p:tgtEl>
+                                        <p:attrNameLst>
+                                          <p:attrName>style.opacity</p:attrName>
+                                        </p:attrNameLst>
+                                      </p:cBhvr>
+                                      <p:to>
+                                        <p:strVal val="0.5"/>
+                                      </p:to>
+                                    </p:set>
+                                    <p:animEffect filter="image" prLst="opacity: 0.5">
+                                      <p:cBhvr rctx="IE">
+                                        <p:cTn id="35" dur="indefinite"/>
+                                        <p:tgtEl>
+                                          <p:spTgt spid="3">
+                                            <p:txEl>
+                                              <p:pRg st="0" end="0"/>
+                                            </p:txEl>
+                                          </p:spTgt>
+                                        </p:tgtEl>
+                                      </p:cBhvr>
+                                    </p:animEffect>
+                                  </p:childTnLst>
+                                </p:cTn>
+                              </p:par>
+                              <p:par>
+                                <p:cTn id="36" presetID="9" presetClass="emph" presetSubtype="0" grpId="1" nodeType="withEffect">
+                                  <p:stCondLst>
+                                    <p:cond delay="0"/>
+                                  </p:stCondLst>
+                                  <p:childTnLst>
+                                    <p:set>
+                                      <p:cBhvr rctx="PPT">
+                                        <p:cTn id="37" dur="indefinite"/>
+                                        <p:tgtEl>
+                                          <p:spTgt spid="3">
+                                            <p:txEl>
+                                              <p:pRg st="1" end="1"/>
+                                            </p:txEl>
+                                          </p:spTgt>
+                                        </p:tgtEl>
+                                        <p:attrNameLst>
+                                          <p:attrName>style.opacity</p:attrName>
+                                        </p:attrNameLst>
+                                      </p:cBhvr>
+                                      <p:to>
+                                        <p:strVal val="0.5"/>
+                                      </p:to>
+                                    </p:set>
+                                    <p:animEffect filter="image" prLst="opacity: 0.5">
+                                      <p:cBhvr rctx="IE">
+                                        <p:cTn id="38" dur="indefinite"/>
+                                        <p:tgtEl>
+                                          <p:spTgt spid="3">
+                                            <p:txEl>
+                                              <p:pRg st="1" end="1"/>
+                                            </p:txEl>
+                                          </p:spTgt>
+                                        </p:tgtEl>
+                                      </p:cBhvr>
+                                    </p:animEffect>
+                                  </p:childTnLst>
+                                </p:cTn>
+                              </p:par>
+                              <p:par>
+                                <p:cTn id="39" presetID="9" presetClass="emph" presetSubtype="0" grpId="1" nodeType="withEffect">
+                                  <p:stCondLst>
+                                    <p:cond delay="0"/>
+                                  </p:stCondLst>
+                                  <p:childTnLst>
+                                    <p:set>
+                                      <p:cBhvr rctx="PPT">
+                                        <p:cTn id="40" dur="indefinite"/>
+                                        <p:tgtEl>
+                                          <p:spTgt spid="3">
+                                            <p:txEl>
+                                              <p:pRg st="2" end="2"/>
+                                            </p:txEl>
+                                          </p:spTgt>
+                                        </p:tgtEl>
+                                        <p:attrNameLst>
+                                          <p:attrName>style.opacity</p:attrName>
+                                        </p:attrNameLst>
+                                      </p:cBhvr>
+                                      <p:to>
+                                        <p:strVal val="0.5"/>
+                                      </p:to>
+                                    </p:set>
+                                    <p:animEffect filter="image" prLst="opacity: 0.5">
+                                      <p:cBhvr rctx="IE">
+                                        <p:cTn id="41" dur="indefinite"/>
+                                        <p:tgtEl>
+                                          <p:spTgt spid="3">
+                                            <p:txEl>
+                                              <p:pRg st="2" end="2"/>
+                                            </p:txEl>
+                                          </p:spTgt>
+                                        </p:tgtEl>
+                                      </p:cBhvr>
+                                    </p:animEffect>
+                                  </p:childTnLst>
+                                </p:cTn>
+                              </p:par>
+                              <p:par>
+                                <p:cTn id="42" presetID="9" presetClass="emph" presetSubtype="0" grpId="1" nodeType="withEffect">
+                                  <p:stCondLst>
+                                    <p:cond delay="0"/>
+                                  </p:stCondLst>
+                                  <p:endCondLst>
+                                    <p:cond evt="onNext" delay="0">
+                                      <p:tgtEl>
+                                        <p:sldTgt/>
+                                      </p:tgtEl>
+                                    </p:cond>
+                                  </p:endCondLst>
+                                  <p:childTnLst>
+                                    <p:set>
+                                      <p:cBhvr rctx="PPT">
+                                        <p:cTn id="43" dur="indefinite"/>
+                                        <p:tgtEl>
+                                          <p:spTgt spid="3">
+                                            <p:txEl>
+                                              <p:pRg st="3" end="3"/>
+                                            </p:txEl>
+                                          </p:spTgt>
+                                        </p:tgtEl>
+                                        <p:attrNameLst>
+                                          <p:attrName>style.opacity</p:attrName>
+                                        </p:attrNameLst>
+                                      </p:cBhvr>
+                                      <p:to>
+                                        <p:strVal val="0.5"/>
+                                      </p:to>
+                                    </p:set>
+                                    <p:animEffect filter="image" prLst="opacity: 0.5">
+                                      <p:cBhvr rctx="IE">
+                                        <p:cTn id="44" dur="indefinite"/>
+                                        <p:tgtEl>
+                                          <p:spTgt spid="3">
+                                            <p:txEl>
+                                              <p:pRg st="3" end="3"/>
+                                            </p:txEl>
+                                          </p:spTgt>
+                                        </p:tgtEl>
+                                      </p:cBhvr>
+                                    </p:animEffect>
+                                  </p:childTnLst>
+                                </p:cTn>
+                              </p:par>
+                            </p:childTnLst>
+                          </p:cTn>
+                        </p:par>
+                      </p:childTnLst>
+                    </p:cTn>
+                  </p:par>
+                </p:childTnLst>
+              </p:cTn>
+              <p:prevCondLst>
+                <p:cond evt="onPrev" delay="0">
+                  <p:tgtEl>
+                    <p:sldTgt/>
+                  </p:tgtEl>
+                </p:cond>
+              </p:prevCondLst>
+              <p:nextCondLst>
+                <p:cond evt="onNext" delay="0">
+                  <p:tgtEl>
+                    <p:sldTgt/>
+                  </p:tgtEl>
+                </p:cond>
+              </p:nextCondLst>
+            </p:seq>
+          </p:childTnLst>
+        </p:cTn>
       </p:par>
     </p:tnLst>
+    <p:bldLst>
+      <p:bldP spid="3" grpId="0" uiExpand="1" build="p"/>
+      <p:bldP spid="3" grpId="1" uiExpand="1" build="p"/>
+    </p:bldLst>
   </p:timing>
 </p:sld>
 </file>
@@ -14484,16 +21716,13 @@
             </a:r>
             <a:r>
               <a:rPr lang="pt-PT" dirty="0" smtClean="0"/>
-              <a:t> → No ACID, No </a:t>
-            </a:r>
-            <a:r>
-              <a:rPr lang="pt-PT" dirty="0" err="1" smtClean="0"/>
-              <a:t>Transactions</a:t>
+              <a:t> → No </a:t>
             </a:r>
             <a:r>
               <a:rPr lang="pt-PT" dirty="0" smtClean="0"/>
-              <a:t>…)</a:t>
-            </a:r>
+              <a:t>ACID)</a:t>
+            </a:r>
+            <a:endParaRPr lang="pt-PT" dirty="0" smtClean="0"/>
           </a:p>
           <a:p>
             <a:pPr lvl="1"/>
@@ -14515,8 +21744,24 @@
             </a:r>
             <a:r>
               <a:rPr lang="pt-PT" dirty="0" smtClean="0"/>
-              <a:t> to continue?)</a:t>
-            </a:r>
+              <a:t> to continue</a:t>
+            </a:r>
+            <a:r>
+              <a:rPr lang="pt-PT" dirty="0" smtClean="0"/>
+              <a:t>?)</a:t>
+            </a:r>
+          </a:p>
+          <a:p>
+            <a:pPr lvl="1"/>
+            <a:r>
+              <a:rPr lang="pt-PT" dirty="0" err="1" smtClean="0"/>
+              <a:t>PostgreSQL</a:t>
+            </a:r>
+            <a:r>
+              <a:rPr lang="pt-PT" dirty="0" smtClean="0"/>
+              <a:t> (Pouco conhecido)</a:t>
+            </a:r>
+            <a:endParaRPr lang="pt-PT" dirty="0" smtClean="0"/>
           </a:p>
           <a:p>
             <a:pPr lvl="1"/>
@@ -14540,9 +21785,543 @@
   <p:timing>
     <p:tnLst>
       <p:par>
-        <p:cTn id="1" dur="indefinite" restart="never" nodeType="tmRoot"/>
+        <p:cTn id="1" dur="indefinite" restart="never" nodeType="tmRoot">
+          <p:childTnLst>
+            <p:seq concurrent="1" nextAc="seek">
+              <p:cTn id="2" dur="indefinite" nodeType="mainSeq">
+                <p:childTnLst>
+                  <p:par>
+                    <p:cTn id="3" fill="hold">
+                      <p:stCondLst>
+                        <p:cond delay="indefinite"/>
+                      </p:stCondLst>
+                      <p:childTnLst>
+                        <p:par>
+                          <p:cTn id="4" fill="hold">
+                            <p:stCondLst>
+                              <p:cond delay="0"/>
+                            </p:stCondLst>
+                            <p:childTnLst>
+                              <p:par>
+                                <p:cTn id="5" presetID="1" presetClass="entr" presetSubtype="0" fill="hold" grpId="0" nodeType="clickEffect">
+                                  <p:stCondLst>
+                                    <p:cond delay="0"/>
+                                  </p:stCondLst>
+                                  <p:childTnLst>
+                                    <p:set>
+                                      <p:cBhvr>
+                                        <p:cTn id="6" dur="1" fill="hold">
+                                          <p:stCondLst>
+                                            <p:cond delay="0"/>
+                                          </p:stCondLst>
+                                        </p:cTn>
+                                        <p:tgtEl>
+                                          <p:spTgt spid="3">
+                                            <p:txEl>
+                                              <p:pRg st="0" end="0"/>
+                                            </p:txEl>
+                                          </p:spTgt>
+                                        </p:tgtEl>
+                                        <p:attrNameLst>
+                                          <p:attrName>style.visibility</p:attrName>
+                                        </p:attrNameLst>
+                                      </p:cBhvr>
+                                      <p:to>
+                                        <p:strVal val="visible"/>
+                                      </p:to>
+                                    </p:set>
+                                  </p:childTnLst>
+                                </p:cTn>
+                              </p:par>
+                            </p:childTnLst>
+                          </p:cTn>
+                        </p:par>
+                      </p:childTnLst>
+                    </p:cTn>
+                  </p:par>
+                  <p:par>
+                    <p:cTn id="7" fill="hold">
+                      <p:stCondLst>
+                        <p:cond delay="indefinite"/>
+                      </p:stCondLst>
+                      <p:childTnLst>
+                        <p:par>
+                          <p:cTn id="8" fill="hold">
+                            <p:stCondLst>
+                              <p:cond delay="0"/>
+                            </p:stCondLst>
+                            <p:childTnLst>
+                              <p:par>
+                                <p:cTn id="9" presetID="1" presetClass="entr" presetSubtype="0" fill="hold" grpId="0" nodeType="clickEffect">
+                                  <p:stCondLst>
+                                    <p:cond delay="0"/>
+                                  </p:stCondLst>
+                                  <p:childTnLst>
+                                    <p:set>
+                                      <p:cBhvr>
+                                        <p:cTn id="10" dur="1" fill="hold">
+                                          <p:stCondLst>
+                                            <p:cond delay="0"/>
+                                          </p:stCondLst>
+                                        </p:cTn>
+                                        <p:tgtEl>
+                                          <p:spTgt spid="3">
+                                            <p:txEl>
+                                              <p:pRg st="1" end="1"/>
+                                            </p:txEl>
+                                          </p:spTgt>
+                                        </p:tgtEl>
+                                        <p:attrNameLst>
+                                          <p:attrName>style.visibility</p:attrName>
+                                        </p:attrNameLst>
+                                      </p:cBhvr>
+                                      <p:to>
+                                        <p:strVal val="visible"/>
+                                      </p:to>
+                                    </p:set>
+                                  </p:childTnLst>
+                                </p:cTn>
+                              </p:par>
+                            </p:childTnLst>
+                          </p:cTn>
+                        </p:par>
+                      </p:childTnLst>
+                    </p:cTn>
+                  </p:par>
+                  <p:par>
+                    <p:cTn id="11" fill="hold">
+                      <p:stCondLst>
+                        <p:cond delay="indefinite"/>
+                      </p:stCondLst>
+                      <p:childTnLst>
+                        <p:par>
+                          <p:cTn id="12" fill="hold">
+                            <p:stCondLst>
+                              <p:cond delay="0"/>
+                            </p:stCondLst>
+                            <p:childTnLst>
+                              <p:par>
+                                <p:cTn id="13" presetID="1" presetClass="entr" presetSubtype="0" fill="hold" grpId="0" nodeType="clickEffect">
+                                  <p:stCondLst>
+                                    <p:cond delay="0"/>
+                                  </p:stCondLst>
+                                  <p:childTnLst>
+                                    <p:set>
+                                      <p:cBhvr>
+                                        <p:cTn id="14" dur="1" fill="hold">
+                                          <p:stCondLst>
+                                            <p:cond delay="0"/>
+                                          </p:stCondLst>
+                                        </p:cTn>
+                                        <p:tgtEl>
+                                          <p:spTgt spid="3">
+                                            <p:txEl>
+                                              <p:pRg st="2" end="2"/>
+                                            </p:txEl>
+                                          </p:spTgt>
+                                        </p:tgtEl>
+                                        <p:attrNameLst>
+                                          <p:attrName>style.visibility</p:attrName>
+                                        </p:attrNameLst>
+                                      </p:cBhvr>
+                                      <p:to>
+                                        <p:strVal val="visible"/>
+                                      </p:to>
+                                    </p:set>
+                                  </p:childTnLst>
+                                </p:cTn>
+                              </p:par>
+                            </p:childTnLst>
+                          </p:cTn>
+                        </p:par>
+                      </p:childTnLst>
+                    </p:cTn>
+                  </p:par>
+                  <p:par>
+                    <p:cTn id="15" fill="hold">
+                      <p:stCondLst>
+                        <p:cond delay="indefinite"/>
+                      </p:stCondLst>
+                      <p:childTnLst>
+                        <p:par>
+                          <p:cTn id="16" fill="hold">
+                            <p:stCondLst>
+                              <p:cond delay="0"/>
+                            </p:stCondLst>
+                            <p:childTnLst>
+                              <p:par>
+                                <p:cTn id="17" presetID="1" presetClass="entr" presetSubtype="0" fill="hold" grpId="0" nodeType="clickEffect">
+                                  <p:stCondLst>
+                                    <p:cond delay="0"/>
+                                  </p:stCondLst>
+                                  <p:childTnLst>
+                                    <p:set>
+                                      <p:cBhvr>
+                                        <p:cTn id="18" dur="1" fill="hold">
+                                          <p:stCondLst>
+                                            <p:cond delay="0"/>
+                                          </p:stCondLst>
+                                        </p:cTn>
+                                        <p:tgtEl>
+                                          <p:spTgt spid="3">
+                                            <p:txEl>
+                                              <p:pRg st="3" end="3"/>
+                                            </p:txEl>
+                                          </p:spTgt>
+                                        </p:tgtEl>
+                                        <p:attrNameLst>
+                                          <p:attrName>style.visibility</p:attrName>
+                                        </p:attrNameLst>
+                                      </p:cBhvr>
+                                      <p:to>
+                                        <p:strVal val="visible"/>
+                                      </p:to>
+                                    </p:set>
+                                  </p:childTnLst>
+                                </p:cTn>
+                              </p:par>
+                            </p:childTnLst>
+                          </p:cTn>
+                        </p:par>
+                      </p:childTnLst>
+                    </p:cTn>
+                  </p:par>
+                  <p:par>
+                    <p:cTn id="19" fill="hold">
+                      <p:stCondLst>
+                        <p:cond delay="indefinite"/>
+                      </p:stCondLst>
+                      <p:childTnLst>
+                        <p:par>
+                          <p:cTn id="20" fill="hold">
+                            <p:stCondLst>
+                              <p:cond delay="0"/>
+                            </p:stCondLst>
+                            <p:childTnLst>
+                              <p:par>
+                                <p:cTn id="21" presetID="1" presetClass="entr" presetSubtype="0" fill="hold" grpId="0" nodeType="clickEffect">
+                                  <p:stCondLst>
+                                    <p:cond delay="0"/>
+                                  </p:stCondLst>
+                                  <p:childTnLst>
+                                    <p:set>
+                                      <p:cBhvr>
+                                        <p:cTn id="22" dur="1" fill="hold">
+                                          <p:stCondLst>
+                                            <p:cond delay="0"/>
+                                          </p:stCondLst>
+                                        </p:cTn>
+                                        <p:tgtEl>
+                                          <p:spTgt spid="3">
+                                            <p:txEl>
+                                              <p:pRg st="4" end="4"/>
+                                            </p:txEl>
+                                          </p:spTgt>
+                                        </p:tgtEl>
+                                        <p:attrNameLst>
+                                          <p:attrName>style.visibility</p:attrName>
+                                        </p:attrNameLst>
+                                      </p:cBhvr>
+                                      <p:to>
+                                        <p:strVal val="visible"/>
+                                      </p:to>
+                                    </p:set>
+                                  </p:childTnLst>
+                                </p:cTn>
+                              </p:par>
+                            </p:childTnLst>
+                          </p:cTn>
+                        </p:par>
+                      </p:childTnLst>
+                    </p:cTn>
+                  </p:par>
+                  <p:par>
+                    <p:cTn id="23" fill="hold">
+                      <p:stCondLst>
+                        <p:cond delay="indefinite"/>
+                      </p:stCondLst>
+                      <p:childTnLst>
+                        <p:par>
+                          <p:cTn id="24" fill="hold">
+                            <p:stCondLst>
+                              <p:cond delay="0"/>
+                            </p:stCondLst>
+                            <p:childTnLst>
+                              <p:par>
+                                <p:cTn id="25" presetID="1" presetClass="entr" presetSubtype="0" fill="hold" grpId="0" nodeType="clickEffect">
+                                  <p:stCondLst>
+                                    <p:cond delay="0"/>
+                                  </p:stCondLst>
+                                  <p:childTnLst>
+                                    <p:set>
+                                      <p:cBhvr>
+                                        <p:cTn id="26" dur="1" fill="hold">
+                                          <p:stCondLst>
+                                            <p:cond delay="0"/>
+                                          </p:stCondLst>
+                                        </p:cTn>
+                                        <p:tgtEl>
+                                          <p:spTgt spid="3">
+                                            <p:txEl>
+                                              <p:pRg st="5" end="5"/>
+                                            </p:txEl>
+                                          </p:spTgt>
+                                        </p:tgtEl>
+                                        <p:attrNameLst>
+                                          <p:attrName>style.visibility</p:attrName>
+                                        </p:attrNameLst>
+                                      </p:cBhvr>
+                                      <p:to>
+                                        <p:strVal val="visible"/>
+                                      </p:to>
+                                    </p:set>
+                                  </p:childTnLst>
+                                </p:cTn>
+                              </p:par>
+                            </p:childTnLst>
+                          </p:cTn>
+                        </p:par>
+                      </p:childTnLst>
+                    </p:cTn>
+                  </p:par>
+                  <p:par>
+                    <p:cTn id="27" fill="hold">
+                      <p:stCondLst>
+                        <p:cond delay="indefinite"/>
+                      </p:stCondLst>
+                      <p:childTnLst>
+                        <p:par>
+                          <p:cTn id="28" fill="hold">
+                            <p:stCondLst>
+                              <p:cond delay="0"/>
+                            </p:stCondLst>
+                            <p:childTnLst>
+                              <p:par>
+                                <p:cTn id="29" presetID="9" presetClass="emph" presetSubtype="0" grpId="1" nodeType="clickEffect">
+                                  <p:stCondLst>
+                                    <p:cond delay="0"/>
+                                  </p:stCondLst>
+                                  <p:childTnLst>
+                                    <p:set>
+                                      <p:cBhvr rctx="PPT">
+                                        <p:cTn id="30" dur="indefinite"/>
+                                        <p:tgtEl>
+                                          <p:spTgt spid="3">
+                                            <p:txEl>
+                                              <p:pRg st="0" end="0"/>
+                                            </p:txEl>
+                                          </p:spTgt>
+                                        </p:tgtEl>
+                                        <p:attrNameLst>
+                                          <p:attrName>style.opacity</p:attrName>
+                                        </p:attrNameLst>
+                                      </p:cBhvr>
+                                      <p:to>
+                                        <p:strVal val="0.5"/>
+                                      </p:to>
+                                    </p:set>
+                                    <p:animEffect filter="image" prLst="opacity: 0.5">
+                                      <p:cBhvr rctx="IE">
+                                        <p:cTn id="31" dur="indefinite"/>
+                                        <p:tgtEl>
+                                          <p:spTgt spid="3">
+                                            <p:txEl>
+                                              <p:pRg st="0" end="0"/>
+                                            </p:txEl>
+                                          </p:spTgt>
+                                        </p:tgtEl>
+                                      </p:cBhvr>
+                                    </p:animEffect>
+                                  </p:childTnLst>
+                                </p:cTn>
+                              </p:par>
+                              <p:par>
+                                <p:cTn id="32" presetID="9" presetClass="emph" presetSubtype="0" grpId="1" nodeType="withEffect">
+                                  <p:stCondLst>
+                                    <p:cond delay="0"/>
+                                  </p:stCondLst>
+                                  <p:childTnLst>
+                                    <p:set>
+                                      <p:cBhvr rctx="PPT">
+                                        <p:cTn id="33" dur="indefinite"/>
+                                        <p:tgtEl>
+                                          <p:spTgt spid="3">
+                                            <p:txEl>
+                                              <p:pRg st="1" end="1"/>
+                                            </p:txEl>
+                                          </p:spTgt>
+                                        </p:tgtEl>
+                                        <p:attrNameLst>
+                                          <p:attrName>style.opacity</p:attrName>
+                                        </p:attrNameLst>
+                                      </p:cBhvr>
+                                      <p:to>
+                                        <p:strVal val="0.5"/>
+                                      </p:to>
+                                    </p:set>
+                                    <p:animEffect filter="image" prLst="opacity: 0.5">
+                                      <p:cBhvr rctx="IE">
+                                        <p:cTn id="34" dur="indefinite"/>
+                                        <p:tgtEl>
+                                          <p:spTgt spid="3">
+                                            <p:txEl>
+                                              <p:pRg st="1" end="1"/>
+                                            </p:txEl>
+                                          </p:spTgt>
+                                        </p:tgtEl>
+                                      </p:cBhvr>
+                                    </p:animEffect>
+                                  </p:childTnLst>
+                                </p:cTn>
+                              </p:par>
+                              <p:par>
+                                <p:cTn id="35" presetID="9" presetClass="emph" presetSubtype="0" grpId="1" nodeType="withEffect">
+                                  <p:stCondLst>
+                                    <p:cond delay="0"/>
+                                  </p:stCondLst>
+                                  <p:childTnLst>
+                                    <p:set>
+                                      <p:cBhvr rctx="PPT">
+                                        <p:cTn id="36" dur="indefinite"/>
+                                        <p:tgtEl>
+                                          <p:spTgt spid="3">
+                                            <p:txEl>
+                                              <p:pRg st="2" end="2"/>
+                                            </p:txEl>
+                                          </p:spTgt>
+                                        </p:tgtEl>
+                                        <p:attrNameLst>
+                                          <p:attrName>style.opacity</p:attrName>
+                                        </p:attrNameLst>
+                                      </p:cBhvr>
+                                      <p:to>
+                                        <p:strVal val="0.5"/>
+                                      </p:to>
+                                    </p:set>
+                                    <p:animEffect filter="image" prLst="opacity: 0.5">
+                                      <p:cBhvr rctx="IE">
+                                        <p:cTn id="37" dur="indefinite"/>
+                                        <p:tgtEl>
+                                          <p:spTgt spid="3">
+                                            <p:txEl>
+                                              <p:pRg st="2" end="2"/>
+                                            </p:txEl>
+                                          </p:spTgt>
+                                        </p:tgtEl>
+                                      </p:cBhvr>
+                                    </p:animEffect>
+                                  </p:childTnLst>
+                                </p:cTn>
+                              </p:par>
+                              <p:par>
+                                <p:cTn id="38" presetID="9" presetClass="emph" presetSubtype="0" grpId="1" nodeType="withEffect">
+                                  <p:stCondLst>
+                                    <p:cond delay="0"/>
+                                  </p:stCondLst>
+                                  <p:childTnLst>
+                                    <p:set>
+                                      <p:cBhvr rctx="PPT">
+                                        <p:cTn id="39" dur="indefinite"/>
+                                        <p:tgtEl>
+                                          <p:spTgt spid="3">
+                                            <p:txEl>
+                                              <p:pRg st="3" end="3"/>
+                                            </p:txEl>
+                                          </p:spTgt>
+                                        </p:tgtEl>
+                                        <p:attrNameLst>
+                                          <p:attrName>style.opacity</p:attrName>
+                                        </p:attrNameLst>
+                                      </p:cBhvr>
+                                      <p:to>
+                                        <p:strVal val="0.5"/>
+                                      </p:to>
+                                    </p:set>
+                                    <p:animEffect filter="image" prLst="opacity: 0.5">
+                                      <p:cBhvr rctx="IE">
+                                        <p:cTn id="40" dur="indefinite"/>
+                                        <p:tgtEl>
+                                          <p:spTgt spid="3">
+                                            <p:txEl>
+                                              <p:pRg st="3" end="3"/>
+                                            </p:txEl>
+                                          </p:spTgt>
+                                        </p:tgtEl>
+                                      </p:cBhvr>
+                                    </p:animEffect>
+                                  </p:childTnLst>
+                                </p:cTn>
+                              </p:par>
+                              <p:par>
+                                <p:cTn id="41" presetID="9" presetClass="emph" presetSubtype="0" grpId="1" nodeType="withEffect">
+                                  <p:stCondLst>
+                                    <p:cond delay="0"/>
+                                  </p:stCondLst>
+                                  <p:childTnLst>
+                                    <p:set>
+                                      <p:cBhvr rctx="PPT">
+                                        <p:cTn id="42" dur="indefinite"/>
+                                        <p:tgtEl>
+                                          <p:spTgt spid="3">
+                                            <p:txEl>
+                                              <p:pRg st="4" end="4"/>
+                                            </p:txEl>
+                                          </p:spTgt>
+                                        </p:tgtEl>
+                                        <p:attrNameLst>
+                                          <p:attrName>style.opacity</p:attrName>
+                                        </p:attrNameLst>
+                                      </p:cBhvr>
+                                      <p:to>
+                                        <p:strVal val="0.5"/>
+                                      </p:to>
+                                    </p:set>
+                                    <p:animEffect filter="image" prLst="opacity: 0.5">
+                                      <p:cBhvr rctx="IE">
+                                        <p:cTn id="43" dur="indefinite"/>
+                                        <p:tgtEl>
+                                          <p:spTgt spid="3">
+                                            <p:txEl>
+                                              <p:pRg st="4" end="4"/>
+                                            </p:txEl>
+                                          </p:spTgt>
+                                        </p:tgtEl>
+                                      </p:cBhvr>
+                                    </p:animEffect>
+                                  </p:childTnLst>
+                                </p:cTn>
+                              </p:par>
+                            </p:childTnLst>
+                          </p:cTn>
+                        </p:par>
+                      </p:childTnLst>
+                    </p:cTn>
+                  </p:par>
+                </p:childTnLst>
+              </p:cTn>
+              <p:prevCondLst>
+                <p:cond evt="onPrev" delay="0">
+                  <p:tgtEl>
+                    <p:sldTgt/>
+                  </p:tgtEl>
+                </p:cond>
+              </p:prevCondLst>
+              <p:nextCondLst>
+                <p:cond evt="onNext" delay="0">
+                  <p:tgtEl>
+                    <p:sldTgt/>
+                  </p:tgtEl>
+                </p:cond>
+              </p:nextCondLst>
+            </p:seq>
+          </p:childTnLst>
+        </p:cTn>
       </p:par>
     </p:tnLst>
+    <p:bldLst>
+      <p:bldP spid="3" grpId="0" uiExpand="1" build="p"/>
+      <p:bldP spid="3" grpId="1" uiExpand="1" build="p"/>
+    </p:bldLst>
   </p:timing>
 </p:sld>
 </file>
@@ -14644,9 +22423,338 @@
   <p:timing>
     <p:tnLst>
       <p:par>
-        <p:cTn id="1" dur="indefinite" restart="never" nodeType="tmRoot"/>
+        <p:cTn id="1" dur="indefinite" restart="never" nodeType="tmRoot">
+          <p:childTnLst>
+            <p:seq concurrent="1" nextAc="seek">
+              <p:cTn id="2" dur="indefinite" nodeType="mainSeq">
+                <p:childTnLst>
+                  <p:par>
+                    <p:cTn id="3" fill="hold">
+                      <p:stCondLst>
+                        <p:cond delay="indefinite"/>
+                      </p:stCondLst>
+                      <p:childTnLst>
+                        <p:par>
+                          <p:cTn id="4" fill="hold">
+                            <p:stCondLst>
+                              <p:cond delay="0"/>
+                            </p:stCondLst>
+                            <p:childTnLst>
+                              <p:par>
+                                <p:cTn id="5" presetID="1" presetClass="entr" presetSubtype="0" fill="hold" grpId="0" nodeType="clickEffect">
+                                  <p:stCondLst>
+                                    <p:cond delay="0"/>
+                                  </p:stCondLst>
+                                  <p:childTnLst>
+                                    <p:set>
+                                      <p:cBhvr>
+                                        <p:cTn id="6" dur="1" fill="hold">
+                                          <p:stCondLst>
+                                            <p:cond delay="0"/>
+                                          </p:stCondLst>
+                                        </p:cTn>
+                                        <p:tgtEl>
+                                          <p:spTgt spid="3">
+                                            <p:txEl>
+                                              <p:pRg st="0" end="0"/>
+                                            </p:txEl>
+                                          </p:spTgt>
+                                        </p:tgtEl>
+                                        <p:attrNameLst>
+                                          <p:attrName>style.visibility</p:attrName>
+                                        </p:attrNameLst>
+                                      </p:cBhvr>
+                                      <p:to>
+                                        <p:strVal val="visible"/>
+                                      </p:to>
+                                    </p:set>
+                                  </p:childTnLst>
+                                </p:cTn>
+                              </p:par>
+                            </p:childTnLst>
+                          </p:cTn>
+                        </p:par>
+                      </p:childTnLst>
+                    </p:cTn>
+                  </p:par>
+                  <p:par>
+                    <p:cTn id="7" fill="hold">
+                      <p:stCondLst>
+                        <p:cond delay="indefinite"/>
+                      </p:stCondLst>
+                      <p:childTnLst>
+                        <p:par>
+                          <p:cTn id="8" fill="hold">
+                            <p:stCondLst>
+                              <p:cond delay="0"/>
+                            </p:stCondLst>
+                            <p:childTnLst>
+                              <p:par>
+                                <p:cTn id="9" presetID="1" presetClass="entr" presetSubtype="0" fill="hold" grpId="0" nodeType="clickEffect">
+                                  <p:stCondLst>
+                                    <p:cond delay="0"/>
+                                  </p:stCondLst>
+                                  <p:childTnLst>
+                                    <p:set>
+                                      <p:cBhvr>
+                                        <p:cTn id="10" dur="1" fill="hold">
+                                          <p:stCondLst>
+                                            <p:cond delay="0"/>
+                                          </p:stCondLst>
+                                        </p:cTn>
+                                        <p:tgtEl>
+                                          <p:spTgt spid="3">
+                                            <p:txEl>
+                                              <p:pRg st="1" end="1"/>
+                                            </p:txEl>
+                                          </p:spTgt>
+                                        </p:tgtEl>
+                                        <p:attrNameLst>
+                                          <p:attrName>style.visibility</p:attrName>
+                                        </p:attrNameLst>
+                                      </p:cBhvr>
+                                      <p:to>
+                                        <p:strVal val="visible"/>
+                                      </p:to>
+                                    </p:set>
+                                  </p:childTnLst>
+                                </p:cTn>
+                              </p:par>
+                            </p:childTnLst>
+                          </p:cTn>
+                        </p:par>
+                      </p:childTnLst>
+                    </p:cTn>
+                  </p:par>
+                  <p:par>
+                    <p:cTn id="11" fill="hold">
+                      <p:stCondLst>
+                        <p:cond delay="indefinite"/>
+                      </p:stCondLst>
+                      <p:childTnLst>
+                        <p:par>
+                          <p:cTn id="12" fill="hold">
+                            <p:stCondLst>
+                              <p:cond delay="0"/>
+                            </p:stCondLst>
+                            <p:childTnLst>
+                              <p:par>
+                                <p:cTn id="13" presetID="1" presetClass="entr" presetSubtype="0" fill="hold" grpId="0" nodeType="clickEffect">
+                                  <p:stCondLst>
+                                    <p:cond delay="0"/>
+                                  </p:stCondLst>
+                                  <p:childTnLst>
+                                    <p:set>
+                                      <p:cBhvr>
+                                        <p:cTn id="14" dur="1" fill="hold">
+                                          <p:stCondLst>
+                                            <p:cond delay="0"/>
+                                          </p:stCondLst>
+                                        </p:cTn>
+                                        <p:tgtEl>
+                                          <p:spTgt spid="3">
+                                            <p:txEl>
+                                              <p:pRg st="2" end="2"/>
+                                            </p:txEl>
+                                          </p:spTgt>
+                                        </p:tgtEl>
+                                        <p:attrNameLst>
+                                          <p:attrName>style.visibility</p:attrName>
+                                        </p:attrNameLst>
+                                      </p:cBhvr>
+                                      <p:to>
+                                        <p:strVal val="visible"/>
+                                      </p:to>
+                                    </p:set>
+                                  </p:childTnLst>
+                                </p:cTn>
+                              </p:par>
+                            </p:childTnLst>
+                          </p:cTn>
+                        </p:par>
+                      </p:childTnLst>
+                    </p:cTn>
+                  </p:par>
+                  <p:par>
+                    <p:cTn id="15" fill="hold">
+                      <p:stCondLst>
+                        <p:cond delay="indefinite"/>
+                      </p:stCondLst>
+                      <p:childTnLst>
+                        <p:par>
+                          <p:cTn id="16" fill="hold">
+                            <p:stCondLst>
+                              <p:cond delay="0"/>
+                            </p:stCondLst>
+                            <p:childTnLst>
+                              <p:par>
+                                <p:cTn id="17" presetID="1" presetClass="entr" presetSubtype="0" fill="hold" grpId="0" nodeType="clickEffect">
+                                  <p:stCondLst>
+                                    <p:cond delay="0"/>
+                                  </p:stCondLst>
+                                  <p:childTnLst>
+                                    <p:set>
+                                      <p:cBhvr>
+                                        <p:cTn id="18" dur="1" fill="hold">
+                                          <p:stCondLst>
+                                            <p:cond delay="0"/>
+                                          </p:stCondLst>
+                                        </p:cTn>
+                                        <p:tgtEl>
+                                          <p:spTgt spid="3">
+                                            <p:txEl>
+                                              <p:pRg st="3" end="3"/>
+                                            </p:txEl>
+                                          </p:spTgt>
+                                        </p:tgtEl>
+                                        <p:attrNameLst>
+                                          <p:attrName>style.visibility</p:attrName>
+                                        </p:attrNameLst>
+                                      </p:cBhvr>
+                                      <p:to>
+                                        <p:strVal val="visible"/>
+                                      </p:to>
+                                    </p:set>
+                                  </p:childTnLst>
+                                </p:cTn>
+                              </p:par>
+                            </p:childTnLst>
+                          </p:cTn>
+                        </p:par>
+                      </p:childTnLst>
+                    </p:cTn>
+                  </p:par>
+                  <p:par>
+                    <p:cTn id="19" fill="hold">
+                      <p:stCondLst>
+                        <p:cond delay="indefinite"/>
+                      </p:stCondLst>
+                      <p:childTnLst>
+                        <p:par>
+                          <p:cTn id="20" fill="hold">
+                            <p:stCondLst>
+                              <p:cond delay="0"/>
+                            </p:stCondLst>
+                            <p:childTnLst>
+                              <p:par>
+                                <p:cTn id="21" presetID="1" presetClass="entr" presetSubtype="0" fill="hold" grpId="0" nodeType="clickEffect">
+                                  <p:stCondLst>
+                                    <p:cond delay="0"/>
+                                  </p:stCondLst>
+                                  <p:childTnLst>
+                                    <p:set>
+                                      <p:cBhvr>
+                                        <p:cTn id="22" dur="1" fill="hold">
+                                          <p:stCondLst>
+                                            <p:cond delay="0"/>
+                                          </p:stCondLst>
+                                        </p:cTn>
+                                        <p:tgtEl>
+                                          <p:spTgt spid="3">
+                                            <p:txEl>
+                                              <p:pRg st="4" end="4"/>
+                                            </p:txEl>
+                                          </p:spTgt>
+                                        </p:tgtEl>
+                                        <p:attrNameLst>
+                                          <p:attrName>style.visibility</p:attrName>
+                                        </p:attrNameLst>
+                                      </p:cBhvr>
+                                      <p:to>
+                                        <p:strVal val="visible"/>
+                                      </p:to>
+                                    </p:set>
+                                  </p:childTnLst>
+                                </p:cTn>
+                              </p:par>
+                            </p:childTnLst>
+                          </p:cTn>
+                        </p:par>
+                      </p:childTnLst>
+                    </p:cTn>
+                  </p:par>
+                  <p:par>
+                    <p:cTn id="23" fill="hold">
+                      <p:stCondLst>
+                        <p:cond delay="indefinite"/>
+                      </p:stCondLst>
+                      <p:childTnLst>
+                        <p:par>
+                          <p:cTn id="24" fill="hold">
+                            <p:stCondLst>
+                              <p:cond delay="0"/>
+                            </p:stCondLst>
+                            <p:childTnLst>
+                              <p:par>
+                                <p:cTn id="25" presetID="9" presetClass="emph" presetSubtype="0" grpId="1" nodeType="clickEffect">
+                                  <p:stCondLst>
+                                    <p:cond delay="0"/>
+                                  </p:stCondLst>
+                                  <p:childTnLst>
+                                    <p:set>
+                                      <p:cBhvr rctx="PPT">
+                                        <p:cTn id="26" dur="indefinite"/>
+                                        <p:tgtEl>
+                                          <p:spTgt spid="3">
+                                            <p:txEl>
+                                              <p:pRg st="3" end="3"/>
+                                            </p:txEl>
+                                          </p:spTgt>
+                                        </p:tgtEl>
+                                        <p:attrNameLst>
+                                          <p:attrName>style.opacity</p:attrName>
+                                        </p:attrNameLst>
+                                      </p:cBhvr>
+                                      <p:to>
+                                        <p:strVal val="0.5"/>
+                                      </p:to>
+                                    </p:set>
+                                    <p:animEffect filter="image" prLst="opacity: 0.5">
+                                      <p:cBhvr rctx="IE">
+                                        <p:cTn id="27" dur="indefinite"/>
+                                        <p:tgtEl>
+                                          <p:spTgt spid="3">
+                                            <p:txEl>
+                                              <p:pRg st="3" end="3"/>
+                                            </p:txEl>
+                                          </p:spTgt>
+                                        </p:tgtEl>
+                                      </p:cBhvr>
+                                    </p:animEffect>
+                                  </p:childTnLst>
+                                </p:cTn>
+                              </p:par>
+                            </p:childTnLst>
+                          </p:cTn>
+                        </p:par>
+                      </p:childTnLst>
+                    </p:cTn>
+                  </p:par>
+                </p:childTnLst>
+              </p:cTn>
+              <p:prevCondLst>
+                <p:cond evt="onPrev" delay="0">
+                  <p:tgtEl>
+                    <p:sldTgt/>
+                  </p:tgtEl>
+                </p:cond>
+              </p:prevCondLst>
+              <p:nextCondLst>
+                <p:cond evt="onNext" delay="0">
+                  <p:tgtEl>
+                    <p:sldTgt/>
+                  </p:tgtEl>
+                </p:cond>
+              </p:nextCondLst>
+            </p:seq>
+          </p:childTnLst>
+        </p:cTn>
       </p:par>
     </p:tnLst>
+    <p:bldLst>
+      <p:bldP spid="3" grpId="0" uiExpand="1" build="p"/>
+      <p:bldP spid="3" grpId="1" uiExpand="1" build="p"/>
+    </p:bldLst>
   </p:timing>
 </p:sld>
 </file>
@@ -14782,9 +22890,280 @@
   <p:timing>
     <p:tnLst>
       <p:par>
-        <p:cTn id="1" dur="indefinite" restart="never" nodeType="tmRoot"/>
+        <p:cTn id="1" dur="indefinite" restart="never" nodeType="tmRoot">
+          <p:childTnLst>
+            <p:seq concurrent="1" nextAc="seek">
+              <p:cTn id="2" dur="indefinite" nodeType="mainSeq">
+                <p:childTnLst>
+                  <p:par>
+                    <p:cTn id="3" fill="hold">
+                      <p:stCondLst>
+                        <p:cond delay="indefinite"/>
+                      </p:stCondLst>
+                      <p:childTnLst>
+                        <p:par>
+                          <p:cTn id="4" fill="hold">
+                            <p:stCondLst>
+                              <p:cond delay="0"/>
+                            </p:stCondLst>
+                            <p:childTnLst>
+                              <p:par>
+                                <p:cTn id="5" presetID="1" presetClass="entr" presetSubtype="0" fill="hold" grpId="0" nodeType="clickEffect">
+                                  <p:stCondLst>
+                                    <p:cond delay="0"/>
+                                  </p:stCondLst>
+                                  <p:childTnLst>
+                                    <p:set>
+                                      <p:cBhvr>
+                                        <p:cTn id="6" dur="1" fill="hold">
+                                          <p:stCondLst>
+                                            <p:cond delay="0"/>
+                                          </p:stCondLst>
+                                        </p:cTn>
+                                        <p:tgtEl>
+                                          <p:spTgt spid="3">
+                                            <p:txEl>
+                                              <p:pRg st="0" end="0"/>
+                                            </p:txEl>
+                                          </p:spTgt>
+                                        </p:tgtEl>
+                                        <p:attrNameLst>
+                                          <p:attrName>style.visibility</p:attrName>
+                                        </p:attrNameLst>
+                                      </p:cBhvr>
+                                      <p:to>
+                                        <p:strVal val="visible"/>
+                                      </p:to>
+                                    </p:set>
+                                  </p:childTnLst>
+                                </p:cTn>
+                              </p:par>
+                            </p:childTnLst>
+                          </p:cTn>
+                        </p:par>
+                      </p:childTnLst>
+                    </p:cTn>
+                  </p:par>
+                  <p:par>
+                    <p:cTn id="7" fill="hold">
+                      <p:stCondLst>
+                        <p:cond delay="indefinite"/>
+                      </p:stCondLst>
+                      <p:childTnLst>
+                        <p:par>
+                          <p:cTn id="8" fill="hold">
+                            <p:stCondLst>
+                              <p:cond delay="0"/>
+                            </p:stCondLst>
+                            <p:childTnLst>
+                              <p:par>
+                                <p:cTn id="9" presetID="1" presetClass="entr" presetSubtype="0" fill="hold" grpId="0" nodeType="clickEffect">
+                                  <p:stCondLst>
+                                    <p:cond delay="0"/>
+                                  </p:stCondLst>
+                                  <p:childTnLst>
+                                    <p:set>
+                                      <p:cBhvr>
+                                        <p:cTn id="10" dur="1" fill="hold">
+                                          <p:stCondLst>
+                                            <p:cond delay="0"/>
+                                          </p:stCondLst>
+                                        </p:cTn>
+                                        <p:tgtEl>
+                                          <p:spTgt spid="3">
+                                            <p:txEl>
+                                              <p:pRg st="1" end="1"/>
+                                            </p:txEl>
+                                          </p:spTgt>
+                                        </p:tgtEl>
+                                        <p:attrNameLst>
+                                          <p:attrName>style.visibility</p:attrName>
+                                        </p:attrNameLst>
+                                      </p:cBhvr>
+                                      <p:to>
+                                        <p:strVal val="visible"/>
+                                      </p:to>
+                                    </p:set>
+                                  </p:childTnLst>
+                                </p:cTn>
+                              </p:par>
+                            </p:childTnLst>
+                          </p:cTn>
+                        </p:par>
+                      </p:childTnLst>
+                    </p:cTn>
+                  </p:par>
+                  <p:par>
+                    <p:cTn id="11" fill="hold">
+                      <p:stCondLst>
+                        <p:cond delay="indefinite"/>
+                      </p:stCondLst>
+                      <p:childTnLst>
+                        <p:par>
+                          <p:cTn id="12" fill="hold">
+                            <p:stCondLst>
+                              <p:cond delay="0"/>
+                            </p:stCondLst>
+                            <p:childTnLst>
+                              <p:par>
+                                <p:cTn id="13" presetID="1" presetClass="entr" presetSubtype="0" fill="hold" grpId="0" nodeType="clickEffect">
+                                  <p:stCondLst>
+                                    <p:cond delay="0"/>
+                                  </p:stCondLst>
+                                  <p:childTnLst>
+                                    <p:set>
+                                      <p:cBhvr>
+                                        <p:cTn id="14" dur="1" fill="hold">
+                                          <p:stCondLst>
+                                            <p:cond delay="0"/>
+                                          </p:stCondLst>
+                                        </p:cTn>
+                                        <p:tgtEl>
+                                          <p:spTgt spid="3">
+                                            <p:txEl>
+                                              <p:pRg st="2" end="2"/>
+                                            </p:txEl>
+                                          </p:spTgt>
+                                        </p:tgtEl>
+                                        <p:attrNameLst>
+                                          <p:attrName>style.visibility</p:attrName>
+                                        </p:attrNameLst>
+                                      </p:cBhvr>
+                                      <p:to>
+                                        <p:strVal val="visible"/>
+                                      </p:to>
+                                    </p:set>
+                                  </p:childTnLst>
+                                </p:cTn>
+                              </p:par>
+                            </p:childTnLst>
+                          </p:cTn>
+                        </p:par>
+                      </p:childTnLst>
+                    </p:cTn>
+                  </p:par>
+                  <p:par>
+                    <p:cTn id="15" fill="hold">
+                      <p:stCondLst>
+                        <p:cond delay="indefinite"/>
+                      </p:stCondLst>
+                      <p:childTnLst>
+                        <p:par>
+                          <p:cTn id="16" fill="hold">
+                            <p:stCondLst>
+                              <p:cond delay="0"/>
+                            </p:stCondLst>
+                            <p:childTnLst>
+                              <p:par>
+                                <p:cTn id="17" presetID="1" presetClass="entr" presetSubtype="0" fill="hold" grpId="0" nodeType="clickEffect">
+                                  <p:stCondLst>
+                                    <p:cond delay="0"/>
+                                  </p:stCondLst>
+                                  <p:childTnLst>
+                                    <p:set>
+                                      <p:cBhvr>
+                                        <p:cTn id="18" dur="1" fill="hold">
+                                          <p:stCondLst>
+                                            <p:cond delay="0"/>
+                                          </p:stCondLst>
+                                        </p:cTn>
+                                        <p:tgtEl>
+                                          <p:spTgt spid="3">
+                                            <p:txEl>
+                                              <p:pRg st="3" end="3"/>
+                                            </p:txEl>
+                                          </p:spTgt>
+                                        </p:tgtEl>
+                                        <p:attrNameLst>
+                                          <p:attrName>style.visibility</p:attrName>
+                                        </p:attrNameLst>
+                                      </p:cBhvr>
+                                      <p:to>
+                                        <p:strVal val="visible"/>
+                                      </p:to>
+                                    </p:set>
+                                  </p:childTnLst>
+                                </p:cTn>
+                              </p:par>
+                            </p:childTnLst>
+                          </p:cTn>
+                        </p:par>
+                      </p:childTnLst>
+                    </p:cTn>
+                  </p:par>
+                  <p:par>
+                    <p:cTn id="19" fill="hold">
+                      <p:stCondLst>
+                        <p:cond delay="indefinite"/>
+                      </p:stCondLst>
+                      <p:childTnLst>
+                        <p:par>
+                          <p:cTn id="20" fill="hold">
+                            <p:stCondLst>
+                              <p:cond delay="0"/>
+                            </p:stCondLst>
+                            <p:childTnLst>
+                              <p:par>
+                                <p:cTn id="21" presetID="1" presetClass="entr" presetSubtype="0" fill="hold" grpId="0" nodeType="clickEffect">
+                                  <p:stCondLst>
+                                    <p:cond delay="0"/>
+                                  </p:stCondLst>
+                                  <p:childTnLst>
+                                    <p:set>
+                                      <p:cBhvr>
+                                        <p:cTn id="22" dur="1" fill="hold">
+                                          <p:stCondLst>
+                                            <p:cond delay="0"/>
+                                          </p:stCondLst>
+                                        </p:cTn>
+                                        <p:tgtEl>
+                                          <p:spTgt spid="3">
+                                            <p:txEl>
+                                              <p:pRg st="4" end="4"/>
+                                            </p:txEl>
+                                          </p:spTgt>
+                                        </p:tgtEl>
+                                        <p:attrNameLst>
+                                          <p:attrName>style.visibility</p:attrName>
+                                        </p:attrNameLst>
+                                      </p:cBhvr>
+                                      <p:to>
+                                        <p:strVal val="visible"/>
+                                      </p:to>
+                                    </p:set>
+                                  </p:childTnLst>
+                                </p:cTn>
+                              </p:par>
+                            </p:childTnLst>
+                          </p:cTn>
+                        </p:par>
+                      </p:childTnLst>
+                    </p:cTn>
+                  </p:par>
+                </p:childTnLst>
+              </p:cTn>
+              <p:prevCondLst>
+                <p:cond evt="onPrev" delay="0">
+                  <p:tgtEl>
+                    <p:sldTgt/>
+                  </p:tgtEl>
+                </p:cond>
+              </p:prevCondLst>
+              <p:nextCondLst>
+                <p:cond evt="onNext" delay="0">
+                  <p:tgtEl>
+                    <p:sldTgt/>
+                  </p:tgtEl>
+                </p:cond>
+              </p:nextCondLst>
+            </p:seq>
+          </p:childTnLst>
+        </p:cTn>
       </p:par>
     </p:tnLst>
+    <p:bldLst>
+      <p:bldP spid="3" grpId="0" build="p"/>
+    </p:bldLst>
   </p:timing>
 </p:sld>
 </file>
@@ -16202,4 +24581,90 @@
   <a:objectDefaults/>
   <a:extraClrSchemeLst/>
 </a:theme>
+</file>
+
+<file path=ppt/theme/themeOverride1.xml><?xml version="1.0" encoding="utf-8"?>
+<a:themeOverride xmlns:a="http://schemas.openxmlformats.org/drawingml/2006/main">
+  <a:clrScheme name="Office">
+    <a:dk1>
+      <a:sysClr val="windowText" lastClr="000000"/>
+    </a:dk1>
+    <a:lt1>
+      <a:sysClr val="window" lastClr="FFFFFF"/>
+    </a:lt1>
+    <a:dk2>
+      <a:srgbClr val="1F497D"/>
+    </a:dk2>
+    <a:lt2>
+      <a:srgbClr val="EEECE1"/>
+    </a:lt2>
+    <a:accent1>
+      <a:srgbClr val="4F81BD"/>
+    </a:accent1>
+    <a:accent2>
+      <a:srgbClr val="C0504D"/>
+    </a:accent2>
+    <a:accent3>
+      <a:srgbClr val="9BBB59"/>
+    </a:accent3>
+    <a:accent4>
+      <a:srgbClr val="8064A2"/>
+    </a:accent4>
+    <a:accent5>
+      <a:srgbClr val="4BACC6"/>
+    </a:accent5>
+    <a:accent6>
+      <a:srgbClr val="F79646"/>
+    </a:accent6>
+    <a:hlink>
+      <a:srgbClr val="0000FF"/>
+    </a:hlink>
+    <a:folHlink>
+      <a:srgbClr val="800080"/>
+    </a:folHlink>
+  </a:clrScheme>
+</a:themeOverride>
+</file>
+
+<file path=ppt/theme/themeOverride2.xml><?xml version="1.0" encoding="utf-8"?>
+<a:themeOverride xmlns:a="http://schemas.openxmlformats.org/drawingml/2006/main">
+  <a:clrScheme name="Office">
+    <a:dk1>
+      <a:sysClr val="windowText" lastClr="000000"/>
+    </a:dk1>
+    <a:lt1>
+      <a:sysClr val="window" lastClr="FFFFFF"/>
+    </a:lt1>
+    <a:dk2>
+      <a:srgbClr val="1F497D"/>
+    </a:dk2>
+    <a:lt2>
+      <a:srgbClr val="EEECE1"/>
+    </a:lt2>
+    <a:accent1>
+      <a:srgbClr val="4F81BD"/>
+    </a:accent1>
+    <a:accent2>
+      <a:srgbClr val="C0504D"/>
+    </a:accent2>
+    <a:accent3>
+      <a:srgbClr val="9BBB59"/>
+    </a:accent3>
+    <a:accent4>
+      <a:srgbClr val="8064A2"/>
+    </a:accent4>
+    <a:accent5>
+      <a:srgbClr val="4BACC6"/>
+    </a:accent5>
+    <a:accent6>
+      <a:srgbClr val="F79646"/>
+    </a:accent6>
+    <a:hlink>
+      <a:srgbClr val="0000FF"/>
+    </a:hlink>
+    <a:folHlink>
+      <a:srgbClr val="800080"/>
+    </a:folHlink>
+  </a:clrScheme>
+</a:themeOverride>
 </file>
--- a/Apresentacoes/v01.pptx
+++ b/Apresentacoes/v01.pptx
@@ -7,10 +7,10 @@
     <p:sldMasterId id="2147483665" r:id="rId3"/>
   </p:sldMasterIdLst>
   <p:notesMasterIdLst>
-    <p:notesMasterId r:id="rId36"/>
+    <p:notesMasterId r:id="rId44"/>
   </p:notesMasterIdLst>
   <p:handoutMasterIdLst>
-    <p:handoutMasterId r:id="rId37"/>
+    <p:handoutMasterId r:id="rId45"/>
   </p:handoutMasterIdLst>
   <p:sldIdLst>
     <p:sldId id="256" r:id="rId4"/>
@@ -21,30 +21,38 @@
     <p:sldId id="260" r:id="rId9"/>
     <p:sldId id="261" r:id="rId10"/>
     <p:sldId id="262" r:id="rId11"/>
-    <p:sldId id="264" r:id="rId12"/>
-    <p:sldId id="269" r:id="rId13"/>
-    <p:sldId id="271" r:id="rId14"/>
-    <p:sldId id="273" r:id="rId15"/>
-    <p:sldId id="275" r:id="rId16"/>
-    <p:sldId id="270" r:id="rId17"/>
-    <p:sldId id="274" r:id="rId18"/>
-    <p:sldId id="281" r:id="rId19"/>
-    <p:sldId id="278" r:id="rId20"/>
-    <p:sldId id="279" r:id="rId21"/>
-    <p:sldId id="280" r:id="rId22"/>
-    <p:sldId id="282" r:id="rId23"/>
-    <p:sldId id="276" r:id="rId24"/>
-    <p:sldId id="277" r:id="rId25"/>
-    <p:sldId id="283" r:id="rId26"/>
-    <p:sldId id="285" r:id="rId27"/>
-    <p:sldId id="287" r:id="rId28"/>
-    <p:sldId id="286" r:id="rId29"/>
-    <p:sldId id="263" r:id="rId30"/>
-    <p:sldId id="265" r:id="rId31"/>
-    <p:sldId id="266" r:id="rId32"/>
-    <p:sldId id="268" r:id="rId33"/>
-    <p:sldId id="267" r:id="rId34"/>
-    <p:sldId id="284" r:id="rId35"/>
+    <p:sldId id="290" r:id="rId12"/>
+    <p:sldId id="264" r:id="rId13"/>
+    <p:sldId id="269" r:id="rId14"/>
+    <p:sldId id="271" r:id="rId15"/>
+    <p:sldId id="273" r:id="rId16"/>
+    <p:sldId id="292" r:id="rId17"/>
+    <p:sldId id="275" r:id="rId18"/>
+    <p:sldId id="293" r:id="rId19"/>
+    <p:sldId id="294" r:id="rId20"/>
+    <p:sldId id="270" r:id="rId21"/>
+    <p:sldId id="274" r:id="rId22"/>
+    <p:sldId id="281" r:id="rId23"/>
+    <p:sldId id="288" r:id="rId24"/>
+    <p:sldId id="278" r:id="rId25"/>
+    <p:sldId id="279" r:id="rId26"/>
+    <p:sldId id="280" r:id="rId27"/>
+    <p:sldId id="282" r:id="rId28"/>
+    <p:sldId id="289" r:id="rId29"/>
+    <p:sldId id="276" r:id="rId30"/>
+    <p:sldId id="277" r:id="rId31"/>
+    <p:sldId id="283" r:id="rId32"/>
+    <p:sldId id="285" r:id="rId33"/>
+    <p:sldId id="287" r:id="rId34"/>
+    <p:sldId id="286" r:id="rId35"/>
+    <p:sldId id="291" r:id="rId36"/>
+    <p:sldId id="263" r:id="rId37"/>
+    <p:sldId id="265" r:id="rId38"/>
+    <p:sldId id="266" r:id="rId39"/>
+    <p:sldId id="268" r:id="rId40"/>
+    <p:sldId id="267" r:id="rId41"/>
+    <p:sldId id="295" r:id="rId42"/>
+    <p:sldId id="284" r:id="rId43"/>
   </p:sldIdLst>
   <p:sldSz cx="9144000" cy="5715000" type="screen16x10"/>
   <p:notesSz cx="6858000" cy="9144000"/>
@@ -725,9 +733,9 @@
             <a:fld id="{88F4BC70-1E78-4FA8-B0FE-372303FE609B}" type="slidenum">
               <a:rPr lang="pt-PT" smtClean="0"/>
               <a:pPr/>
-              <a:t>30</a:t>
+              <a:t>37</a:t>
             </a:fld>
-            <a:endParaRPr lang="pt-PT"/>
+            <a:endParaRPr lang="pt-PT" dirty="0"/>
           </a:p>
         </p:txBody>
       </p:sp>
@@ -1324,198 +1332,6 @@
 
 <file path=ppt/slideLayouts/slideLayout12.xml><?xml version="1.0" encoding="utf-8"?>
 <p:sldLayout xmlns:a="http://schemas.openxmlformats.org/drawingml/2006/main" xmlns:r="http://schemas.openxmlformats.org/officeDocument/2006/relationships" xmlns:p="http://schemas.openxmlformats.org/presentationml/2006/main" preserve="1" userDrawn="1">
-  <p:cSld name="Código-Fonte">
-    <p:spTree>
-      <p:nvGrpSpPr>
-        <p:cNvPr id="1" name=""/>
-        <p:cNvGrpSpPr/>
-        <p:nvPr/>
-      </p:nvGrpSpPr>
-      <p:grpSpPr>
-        <a:xfrm>
-          <a:off x="0" y="0"/>
-          <a:ext cx="0" cy="0"/>
-          <a:chOff x="0" y="0"/>
-          <a:chExt cx="0" cy="0"/>
-        </a:xfrm>
-      </p:grpSpPr>
-      <p:sp>
-        <p:nvSpPr>
-          <p:cNvPr id="6" name="Marcador de Posição da Data 5"/>
-          <p:cNvSpPr>
-            <a:spLocks noGrp="1"/>
-          </p:cNvSpPr>
-          <p:nvPr>
-            <p:ph type="dt" sz="half" idx="10"/>
-          </p:nvPr>
-        </p:nvSpPr>
-        <p:spPr/>
-        <p:txBody>
-          <a:bodyPr/>
-          <a:lstStyle/>
-          <a:p>
-            <a:fld id="{57B51982-E955-4F1A-BFA0-0F0AB3300023}" type="datetimeFigureOut">
-              <a:rPr lang="pt-PT" smtClean="0"/>
-              <a:pPr/>
-              <a:t>27/03/2014</a:t>
-            </a:fld>
-            <a:endParaRPr lang="pt-PT"/>
-          </a:p>
-        </p:txBody>
-      </p:sp>
-      <p:sp>
-        <p:nvSpPr>
-          <p:cNvPr id="7" name="Marcador de Posição do Número do Diapositivo 6"/>
-          <p:cNvSpPr>
-            <a:spLocks noGrp="1"/>
-          </p:cNvSpPr>
-          <p:nvPr>
-            <p:ph type="sldNum" sz="quarter" idx="11"/>
-          </p:nvPr>
-        </p:nvSpPr>
-        <p:spPr/>
-        <p:txBody>
-          <a:bodyPr/>
-          <a:lstStyle/>
-          <a:p>
-            <a:fld id="{401E976E-C8D5-4C14-AA28-98D0FCC98DAD}" type="slidenum">
-              <a:rPr lang="pt-PT" smtClean="0"/>
-              <a:pPr/>
-              <a:t>‹nº›</a:t>
-            </a:fld>
-            <a:endParaRPr lang="pt-PT"/>
-          </a:p>
-        </p:txBody>
-      </p:sp>
-      <p:sp>
-        <p:nvSpPr>
-          <p:cNvPr id="8" name="Marcador de Posição do Rodapé 7"/>
-          <p:cNvSpPr>
-            <a:spLocks noGrp="1"/>
-          </p:cNvSpPr>
-          <p:nvPr>
-            <p:ph type="ftr" sz="quarter" idx="12"/>
-          </p:nvPr>
-        </p:nvSpPr>
-        <p:spPr/>
-        <p:txBody>
-          <a:bodyPr/>
-          <a:lstStyle/>
-          <a:p>
-            <a:endParaRPr lang="pt-PT"/>
-          </a:p>
-        </p:txBody>
-      </p:sp>
-      <p:sp>
-        <p:nvSpPr>
-          <p:cNvPr id="10" name="Marcador de Posição do Texto 9"/>
-          <p:cNvSpPr>
-            <a:spLocks noGrp="1"/>
-          </p:cNvSpPr>
-          <p:nvPr>
-            <p:ph type="body" sz="quarter" idx="13" hasCustomPrompt="1"/>
-          </p:nvPr>
-        </p:nvSpPr>
-        <p:spPr>
-          <a:xfrm>
-            <a:off x="251520" y="696913"/>
-            <a:ext cx="8640960" cy="3600747"/>
-          </a:xfrm>
-        </p:spPr>
-        <p:txBody>
-          <a:bodyPr>
-            <a:normAutofit/>
-          </a:bodyPr>
-          <a:lstStyle>
-            <a:lvl1pPr algn="l">
-              <a:buFont typeface="Arial" pitchFamily="34" charset="0"/>
-              <a:buNone/>
-              <a:defRPr sz="1600">
-                <a:latin typeface="Source Code Pro" pitchFamily="49" charset="0"/>
-                <a:cs typeface="Consolas" pitchFamily="49" charset="0"/>
-              </a:defRPr>
-            </a:lvl1pPr>
-            <a:lvl2pPr algn="l">
-              <a:defRPr sz="1800">
-                <a:latin typeface="Source Code Pro" pitchFamily="49" charset="0"/>
-                <a:cs typeface="Consolas" pitchFamily="49" charset="0"/>
-              </a:defRPr>
-            </a:lvl2pPr>
-            <a:lvl3pPr algn="l">
-              <a:defRPr sz="1800">
-                <a:latin typeface="Source Code Pro" pitchFamily="49" charset="0"/>
-                <a:cs typeface="Consolas" pitchFamily="49" charset="0"/>
-              </a:defRPr>
-            </a:lvl3pPr>
-            <a:lvl4pPr algn="l">
-              <a:defRPr sz="1800">
-                <a:latin typeface="Source Code Pro" pitchFamily="49" charset="0"/>
-                <a:cs typeface="Consolas" pitchFamily="49" charset="0"/>
-              </a:defRPr>
-            </a:lvl4pPr>
-            <a:lvl5pPr algn="l">
-              <a:defRPr sz="1800">
-                <a:latin typeface="Source Code Pro" pitchFamily="49" charset="0"/>
-                <a:cs typeface="Consolas" pitchFamily="49" charset="0"/>
-              </a:defRPr>
-            </a:lvl5pPr>
-          </a:lstStyle>
-          <a:p>
-            <a:pPr lvl="0"/>
-            <a:r>
-              <a:rPr lang="pt-PT" dirty="0" smtClean="0"/>
-              <a:t>Código-fonte</a:t>
-            </a:r>
-            <a:endParaRPr lang="pt-PT" dirty="0"/>
-          </a:p>
-        </p:txBody>
-      </p:sp>
-      <p:sp>
-        <p:nvSpPr>
-          <p:cNvPr id="12" name="Marcador de Posição do Texto 11"/>
-          <p:cNvSpPr>
-            <a:spLocks noGrp="1"/>
-          </p:cNvSpPr>
-          <p:nvPr>
-            <p:ph type="body" sz="quarter" idx="14" hasCustomPrompt="1"/>
-          </p:nvPr>
-        </p:nvSpPr>
-        <p:spPr>
-          <a:xfrm>
-            <a:off x="251520" y="4586288"/>
-            <a:ext cx="8640960" cy="431800"/>
-          </a:xfrm>
-        </p:spPr>
-        <p:txBody>
-          <a:bodyPr>
-            <a:normAutofit/>
-          </a:bodyPr>
-          <a:lstStyle>
-            <a:lvl1pPr algn="ctr">
-              <a:buNone/>
-              <a:defRPr sz="1600"/>
-            </a:lvl1pPr>
-          </a:lstStyle>
-          <a:p>
-            <a:pPr lvl="0"/>
-            <a:r>
-              <a:rPr lang="pt-PT" dirty="0" smtClean="0"/>
-              <a:t>Legenda</a:t>
-            </a:r>
-            <a:endParaRPr lang="pt-PT" dirty="0"/>
-          </a:p>
-        </p:txBody>
-      </p:sp>
-    </p:spTree>
-  </p:cSld>
-  <p:clrMapOvr>
-    <a:masterClrMapping/>
-  </p:clrMapOvr>
-</p:sldLayout>
-</file>
-
-<file path=ppt/slideLayouts/slideLayout13.xml><?xml version="1.0" encoding="utf-8"?>
-<p:sldLayout xmlns:a="http://schemas.openxmlformats.org/drawingml/2006/main" xmlns:r="http://schemas.openxmlformats.org/officeDocument/2006/relationships" xmlns:p="http://schemas.openxmlformats.org/presentationml/2006/main" preserve="1" userDrawn="1">
   <p:cSld name="Código fonte">
     <p:spTree>
       <p:nvGrpSpPr>
@@ -1622,8 +1438,8 @@
             <a:lvl1pPr algn="l">
               <a:buFont typeface="Arial" pitchFamily="34" charset="0"/>
               <a:buNone/>
-              <a:defRPr sz="1600">
-                <a:latin typeface="Source Code Pro" pitchFamily="49" charset="0"/>
+              <a:defRPr sz="1400">
+                <a:latin typeface="Consolas" pitchFamily="49" charset="0"/>
                 <a:cs typeface="Consolas" pitchFamily="49" charset="0"/>
               </a:defRPr>
             </a:lvl1pPr>
@@ -1703,10 +1519,17 @@
   <p:clrMapOvr>
     <a:masterClrMapping/>
   </p:clrMapOvr>
+  <p:timing>
+    <p:tnLst>
+      <p:par>
+        <p:cTn id="1" dur="indefinite" restart="never" nodeType="tmRoot"/>
+      </p:par>
+    </p:tnLst>
+  </p:timing>
 </p:sldLayout>
 </file>
 
-<file path=ppt/slideLayouts/slideLayout14.xml><?xml version="1.0" encoding="utf-8"?>
+<file path=ppt/slideLayouts/slideLayout13.xml><?xml version="1.0" encoding="utf-8"?>
 <p:sldLayout xmlns:a="http://schemas.openxmlformats.org/drawingml/2006/main" xmlns:r="http://schemas.openxmlformats.org/officeDocument/2006/relationships" xmlns:p="http://schemas.openxmlformats.org/presentationml/2006/main" preserve="1" userDrawn="1">
   <p:cSld name="Imagem, legenda">
     <p:spTree>
@@ -1863,7 +1686,7 @@
 </p:sldLayout>
 </file>
 
-<file path=ppt/slideLayouts/slideLayout15.xml><?xml version="1.0" encoding="utf-8"?>
+<file path=ppt/slideLayouts/slideLayout14.xml><?xml version="1.0" encoding="utf-8"?>
 <p:sldLayout xmlns:a="http://schemas.openxmlformats.org/drawingml/2006/main" xmlns:r="http://schemas.openxmlformats.org/officeDocument/2006/relationships" xmlns:p="http://schemas.openxmlformats.org/presentationml/2006/main" preserve="1" userDrawn="1">
   <p:cSld name="Título">
     <p:spTree>
@@ -2141,7 +1964,7 @@
 </p:sldLayout>
 </file>
 
-<file path=ppt/slideLayouts/slideLayout16.xml><?xml version="1.0" encoding="utf-8"?>
+<file path=ppt/slideLayouts/slideLayout15.xml><?xml version="1.0" encoding="utf-8"?>
 <p:sldLayout xmlns:a="http://schemas.openxmlformats.org/drawingml/2006/main" xmlns:r="http://schemas.openxmlformats.org/officeDocument/2006/relationships" xmlns:p="http://schemas.openxmlformats.org/presentationml/2006/main" preserve="1" userDrawn="1">
   <p:cSld name="Esquema Personalizado">
     <p:spTree>
@@ -2419,7 +2242,7 @@
 </p:sldLayout>
 </file>
 
-<file path=ppt/slideLayouts/slideLayout17.xml><?xml version="1.0" encoding="utf-8"?>
+<file path=ppt/slideLayouts/slideLayout16.xml><?xml version="1.0" encoding="utf-8"?>
 <p:sldLayout xmlns:a="http://schemas.openxmlformats.org/drawingml/2006/main" xmlns:r="http://schemas.openxmlformats.org/officeDocument/2006/relationships" xmlns:p="http://schemas.openxmlformats.org/presentationml/2006/main" preserve="1" userDrawn="1">
   <p:cSld name="Esquema Personalizado">
     <p:spTree>
@@ -4472,7 +4295,7 @@
           <p:nvPr userDrawn="1"/>
         </p:nvPicPr>
         <p:blipFill>
-          <a:blip r:embed="rId17" cstate="print"/>
+          <a:blip r:embed="rId16" cstate="print"/>
           <a:stretch>
             <a:fillRect/>
           </a:stretch>
@@ -4719,10 +4542,9 @@
     <p:sldLayoutId id="2147483657" r:id="rId9"/>
     <p:sldLayoutId id="2147483658" r:id="rId10"/>
     <p:sldLayoutId id="2147483659" r:id="rId11"/>
-    <p:sldLayoutId id="2147483661" r:id="rId12"/>
-    <p:sldLayoutId id="2147483667" r:id="rId13"/>
-    <p:sldLayoutId id="2147483662" r:id="rId14"/>
-    <p:sldLayoutId id="2147483660" r:id="rId15"/>
+    <p:sldLayoutId id="2147483667" r:id="rId12"/>
+    <p:sldLayoutId id="2147483662" r:id="rId13"/>
+    <p:sldLayoutId id="2147483660" r:id="rId14"/>
   </p:sldLayoutIdLst>
   <p:txStyles>
     <p:titleStyle>
@@ -6047,7 +5869,12 @@
             <p:ph type="subTitle" idx="1"/>
           </p:nvPr>
         </p:nvSpPr>
-        <p:spPr/>
+        <p:spPr>
+          <a:xfrm>
+            <a:off x="1371600" y="2549128"/>
+            <a:ext cx="6400800" cy="1172468"/>
+          </a:xfrm>
+        </p:spPr>
         <p:txBody>
           <a:bodyPr/>
           <a:lstStyle/>
@@ -6070,7 +5897,12 @@
             <p:ph type="title"/>
           </p:nvPr>
         </p:nvSpPr>
-        <p:spPr/>
+        <p:spPr>
+          <a:xfrm>
+            <a:off x="457200" y="1112912"/>
+            <a:ext cx="8229600" cy="952500"/>
+          </a:xfrm>
+        </p:spPr>
         <p:txBody>
           <a:bodyPr/>
           <a:lstStyle/>
@@ -6083,222 +5915,48 @@
           </a:p>
         </p:txBody>
       </p:sp>
-      <p:graphicFrame>
-        <p:nvGraphicFramePr>
-          <p:cNvPr id="8" name="Marcador de Posição da Tabela 7"/>
-          <p:cNvGraphicFramePr>
-            <a:graphicFrameLocks noGrp="1"/>
-          </p:cNvGraphicFramePr>
-          <p:nvPr>
-            <p:ph type="tbl" sz="quarter" idx="13"/>
-          </p:nvPr>
-        </p:nvGraphicFramePr>
-        <p:xfrm>
-          <a:off x="250825" y="3578225"/>
-          <a:ext cx="2611940" cy="1828800"/>
-        </p:xfrm>
-        <a:graphic>
-          <a:graphicData uri="http://schemas.openxmlformats.org/drawingml/2006/table">
-            <a:tbl>
-              <a:tblPr firstRow="1" bandRow="1">
-                <a:tableStyleId>{2D5ABB26-0587-4C30-8999-92F81FD0307C}</a:tableStyleId>
-              </a:tblPr>
-              <a:tblGrid>
-                <a:gridCol w="1781585"/>
-                <a:gridCol w="830355"/>
-              </a:tblGrid>
-              <a:tr h="172690">
-                <a:tc>
-                  <a:txBody>
-                    <a:bodyPr/>
-                    <a:lstStyle/>
-                    <a:p>
-                      <a:r>
-                        <a:rPr lang="pt-PT" sz="1400" dirty="0" smtClean="0"/>
-                        <a:t>André Carvalho</a:t>
-                      </a:r>
-                      <a:endParaRPr lang="pt-PT" sz="1400" dirty="0"/>
-                    </a:p>
-                  </a:txBody>
-                  <a:tcPr marL="169115" marR="169115"/>
-                </a:tc>
-                <a:tc>
-                  <a:txBody>
-                    <a:bodyPr/>
-                    <a:lstStyle/>
-                    <a:p>
-                      <a:r>
-                        <a:rPr lang="pt-PT" sz="1400" dirty="0" smtClean="0"/>
-                        <a:t>17102</a:t>
-                      </a:r>
-                      <a:endParaRPr lang="pt-PT" sz="1400" dirty="0"/>
-                    </a:p>
-                  </a:txBody>
-                  <a:tcPr marL="169115" marR="169115"/>
-                </a:tc>
-              </a:tr>
-              <a:tr h="172690">
-                <a:tc>
-                  <a:txBody>
-                    <a:bodyPr/>
-                    <a:lstStyle/>
-                    <a:p>
-                      <a:r>
-                        <a:rPr lang="pt-PT" sz="1400" dirty="0" smtClean="0"/>
-                        <a:t>Alexandre</a:t>
-                      </a:r>
-                      <a:r>
-                        <a:rPr lang="pt-PT" sz="1400" baseline="0" dirty="0" smtClean="0"/>
-                        <a:t> Carvalho</a:t>
-                      </a:r>
-                      <a:endParaRPr lang="pt-PT" sz="1400" dirty="0"/>
-                    </a:p>
-                  </a:txBody>
-                  <a:tcPr marL="169115" marR="169115"/>
-                </a:tc>
-                <a:tc>
-                  <a:txBody>
-                    <a:bodyPr/>
-                    <a:lstStyle/>
-                    <a:p>
-                      <a:r>
-                        <a:rPr lang="pt-PT" sz="1400" dirty="0" smtClean="0"/>
-                        <a:t>14922</a:t>
-                      </a:r>
-                      <a:endParaRPr lang="pt-PT" sz="1400" dirty="0"/>
-                    </a:p>
-                  </a:txBody>
-                  <a:tcPr marL="169115" marR="169115"/>
-                </a:tc>
-              </a:tr>
-              <a:tr h="172690">
-                <a:tc>
-                  <a:txBody>
-                    <a:bodyPr/>
-                    <a:lstStyle/>
-                    <a:p>
-                      <a:r>
-                        <a:rPr lang="pt-PT" sz="1400" dirty="0" smtClean="0"/>
-                        <a:t>Bruno</a:t>
-                      </a:r>
-                      <a:r>
-                        <a:rPr lang="pt-PT" sz="1400" baseline="0" dirty="0" smtClean="0"/>
-                        <a:t> Duque</a:t>
-                      </a:r>
-                      <a:endParaRPr lang="pt-PT" sz="1400" dirty="0"/>
-                    </a:p>
-                  </a:txBody>
-                  <a:tcPr marL="169115" marR="169115"/>
-                </a:tc>
-                <a:tc>
-                  <a:txBody>
-                    <a:bodyPr/>
-                    <a:lstStyle/>
-                    <a:p>
-                      <a:r>
-                        <a:rPr lang="pt-PT" sz="1400" dirty="0" smtClean="0"/>
-                        <a:t>16182</a:t>
-                      </a:r>
-                      <a:endParaRPr lang="pt-PT" sz="1400" dirty="0"/>
-                    </a:p>
-                  </a:txBody>
-                  <a:tcPr marL="169115" marR="169115"/>
-                </a:tc>
-              </a:tr>
-              <a:tr h="172690">
-                <a:tc>
-                  <a:txBody>
-                    <a:bodyPr/>
-                    <a:lstStyle/>
-                    <a:p>
-                      <a:r>
-                        <a:rPr lang="pt-PT" sz="1400" dirty="0" smtClean="0"/>
-                        <a:t>João Carvalho</a:t>
-                      </a:r>
-                      <a:endParaRPr lang="pt-PT" sz="1400" dirty="0"/>
-                    </a:p>
-                  </a:txBody>
-                  <a:tcPr marL="169115" marR="169115"/>
-                </a:tc>
-                <a:tc>
-                  <a:txBody>
-                    <a:bodyPr/>
-                    <a:lstStyle/>
-                    <a:p>
-                      <a:r>
-                        <a:rPr lang="pt-PT" sz="1400" dirty="0" smtClean="0"/>
-                        <a:t>15499</a:t>
-                      </a:r>
-                      <a:endParaRPr lang="pt-PT" sz="1400" dirty="0"/>
-                    </a:p>
-                  </a:txBody>
-                  <a:tcPr marL="169115" marR="169115"/>
-                </a:tc>
-              </a:tr>
-              <a:tr h="172690">
-                <a:tc>
-                  <a:txBody>
-                    <a:bodyPr/>
-                    <a:lstStyle/>
-                    <a:p>
-                      <a:r>
-                        <a:rPr lang="pt-PT" sz="1400" dirty="0" smtClean="0"/>
-                        <a:t>Joni Correia</a:t>
-                      </a:r>
-                      <a:endParaRPr lang="pt-PT" sz="1400" dirty="0"/>
-                    </a:p>
-                  </a:txBody>
-                  <a:tcPr marL="169115" marR="169115"/>
-                </a:tc>
-                <a:tc>
-                  <a:txBody>
-                    <a:bodyPr/>
-                    <a:lstStyle/>
-                    <a:p>
-                      <a:r>
-                        <a:rPr lang="pt-PT" sz="1400" dirty="0" smtClean="0"/>
-                        <a:t>15501</a:t>
-                      </a:r>
-                      <a:endParaRPr lang="pt-PT" sz="1400" dirty="0"/>
-                    </a:p>
-                  </a:txBody>
-                  <a:tcPr marL="169115" marR="169115"/>
-                </a:tc>
-              </a:tr>
-              <a:tr h="172690">
-                <a:tc>
-                  <a:txBody>
-                    <a:bodyPr/>
-                    <a:lstStyle/>
-                    <a:p>
-                      <a:r>
-                        <a:rPr lang="pt-PT" sz="1400" dirty="0" smtClean="0"/>
-                        <a:t>Luís Oliveira</a:t>
-                      </a:r>
-                      <a:endParaRPr lang="pt-PT" sz="1400" dirty="0"/>
-                    </a:p>
-                  </a:txBody>
-                  <a:tcPr marL="169115" marR="169115"/>
-                </a:tc>
-                <a:tc>
-                  <a:txBody>
-                    <a:bodyPr/>
-                    <a:lstStyle/>
-                    <a:p>
-                      <a:r>
-                        <a:rPr lang="pt-PT" sz="1400" dirty="0" smtClean="0"/>
-                        <a:t>15192</a:t>
-                      </a:r>
-                      <a:endParaRPr lang="pt-PT" sz="1400" dirty="0"/>
-                    </a:p>
-                  </a:txBody>
-                  <a:tcPr marL="169115" marR="169115"/>
-                </a:tc>
-              </a:tr>
-            </a:tbl>
-          </a:graphicData>
-        </a:graphic>
-      </p:graphicFrame>
+      <p:sp>
+        <p:nvSpPr>
+          <p:cNvPr id="6" name="CaixaDeTexto 5"/>
+          <p:cNvSpPr txBox="1"/>
+          <p:nvPr/>
+        </p:nvSpPr>
+        <p:spPr>
+          <a:xfrm>
+            <a:off x="971600" y="4083377"/>
+            <a:ext cx="7200800" cy="646331"/>
+          </a:xfrm>
+          <a:prstGeom prst="rect">
+            <a:avLst/>
+          </a:prstGeom>
+          <a:noFill/>
+        </p:spPr>
+        <p:txBody>
+          <a:bodyPr wrap="square" rtlCol="0">
+            <a:spAutoFit/>
+          </a:bodyPr>
+          <a:lstStyle/>
+          <a:p>
+            <a:pPr algn="ctr"/>
+            <a:r>
+              <a:rPr lang="pt-PT" dirty="0" smtClean="0"/>
+              <a:t>André Carvalho     Alexandre Carvalho     Luís Oliveira</a:t>
+            </a:r>
+          </a:p>
+          <a:p>
+            <a:pPr algn="ctr">
+              <a:tabLst>
+                <a:tab pos="180000" algn="l"/>
+              </a:tabLst>
+            </a:pPr>
+            <a:r>
+              <a:rPr lang="pt-PT" dirty="0" smtClean="0"/>
+              <a:t>João Carvalho     Joni Correia     Bruno Duque</a:t>
+            </a:r>
+            <a:endParaRPr lang="pt-PT" dirty="0"/>
+          </a:p>
+        </p:txBody>
+      </p:sp>
     </p:spTree>
   </p:cSld>
   <p:clrMapOvr>
@@ -6338,96 +5996,6 @@
             <a:spLocks noGrp="1"/>
           </p:cNvSpPr>
           <p:nvPr>
-            <p:ph type="ctrTitle"/>
-          </p:nvPr>
-        </p:nvSpPr>
-        <p:spPr/>
-        <p:txBody>
-          <a:bodyPr/>
-          <a:lstStyle/>
-          <a:p>
-            <a:r>
-              <a:rPr lang="pt-PT" dirty="0" smtClean="0"/>
-              <a:t>Sistema de Informação</a:t>
-            </a:r>
-            <a:endParaRPr lang="pt-PT" dirty="0"/>
-          </a:p>
-        </p:txBody>
-      </p:sp>
-      <p:sp>
-        <p:nvSpPr>
-          <p:cNvPr id="3" name="Subtítulo 2"/>
-          <p:cNvSpPr>
-            <a:spLocks noGrp="1"/>
-          </p:cNvSpPr>
-          <p:nvPr>
-            <p:ph type="subTitle" idx="1"/>
-          </p:nvPr>
-        </p:nvSpPr>
-        <p:spPr/>
-        <p:txBody>
-          <a:bodyPr/>
-          <a:lstStyle/>
-          <a:p>
-            <a:r>
-              <a:rPr lang="pt-PT" dirty="0" err="1" smtClean="0"/>
-              <a:t>WebService</a:t>
-            </a:r>
-            <a:r>
-              <a:rPr lang="pt-PT" dirty="0" smtClean="0"/>
-              <a:t> de suporte à </a:t>
-            </a:r>
-            <a:r>
-              <a:rPr lang="pt-PT" dirty="0" err="1" smtClean="0"/>
-              <a:t>app</a:t>
-            </a:r>
-            <a:r>
-              <a:rPr lang="pt-PT" dirty="0" smtClean="0"/>
-              <a:t>.</a:t>
-            </a:r>
-            <a:endParaRPr lang="pt-PT" dirty="0"/>
-          </a:p>
-        </p:txBody>
-      </p:sp>
-    </p:spTree>
-  </p:cSld>
-  <p:clrMapOvr>
-    <a:masterClrMapping/>
-  </p:clrMapOvr>
-  <p:timing>
-    <p:tnLst>
-      <p:par>
-        <p:cTn id="1" dur="indefinite" restart="never" nodeType="tmRoot"/>
-      </p:par>
-    </p:tnLst>
-  </p:timing>
-</p:sld>
-</file>
-
-<file path=ppt/slides/slide11.xml><?xml version="1.0" encoding="utf-8"?>
-<p:sld xmlns:a="http://schemas.openxmlformats.org/drawingml/2006/main" xmlns:r="http://schemas.openxmlformats.org/officeDocument/2006/relationships" xmlns:p="http://schemas.openxmlformats.org/presentationml/2006/main">
-  <p:cSld>
-    <p:spTree>
-      <p:nvGrpSpPr>
-        <p:cNvPr id="1" name=""/>
-        <p:cNvGrpSpPr/>
-        <p:nvPr/>
-      </p:nvGrpSpPr>
-      <p:grpSpPr>
-        <a:xfrm>
-          <a:off x="0" y="0"/>
-          <a:ext cx="0" cy="0"/>
-          <a:chOff x="0" y="0"/>
-          <a:chExt cx="0" cy="0"/>
-        </a:xfrm>
-      </p:grpSpPr>
-      <p:sp>
-        <p:nvSpPr>
-          <p:cNvPr id="2" name="Título 1"/>
-          <p:cNvSpPr>
-            <a:spLocks noGrp="1"/>
-          </p:cNvSpPr>
-          <p:nvPr>
             <p:ph type="title"/>
           </p:nvPr>
         </p:nvSpPr>
@@ -6438,7 +6006,7 @@
           <a:p>
             <a:r>
               <a:rPr lang="pt-PT" dirty="0" smtClean="0"/>
-              <a:t>Sistema de Informação</a:t>
+              <a:t>Tecnologias escolhidas</a:t>
             </a:r>
             <a:endParaRPr lang="pt-PT" dirty="0"/>
           </a:p>
@@ -6461,7 +6029,37 @@
           <a:p>
             <a:r>
               <a:rPr lang="pt-PT" dirty="0" smtClean="0"/>
-              <a:t>Tecnologia em </a:t>
+              <a:t>Protocolo de transporte: </a:t>
+            </a:r>
+            <a:r>
+              <a:rPr lang="pt-PT" dirty="0" err="1" smtClean="0"/>
+              <a:t>Http</a:t>
+            </a:r>
+            <a:endParaRPr lang="pt-PT" dirty="0" smtClean="0"/>
+          </a:p>
+          <a:p>
+            <a:r>
+              <a:rPr lang="pt-PT" dirty="0" smtClean="0"/>
+              <a:t>Suporte de dados: JSON + Base64 </a:t>
+            </a:r>
+            <a:r>
+              <a:rPr lang="pt-PT" dirty="0" err="1" smtClean="0"/>
+              <a:t>Encoding</a:t>
+            </a:r>
+            <a:endParaRPr lang="pt-PT" dirty="0" smtClean="0"/>
+          </a:p>
+          <a:p>
+            <a:r>
+              <a:rPr lang="pt-PT" dirty="0" smtClean="0"/>
+              <a:t>Servidor web + </a:t>
+            </a:r>
+            <a:r>
+              <a:rPr lang="pt-PT" dirty="0" err="1" smtClean="0"/>
+              <a:t>WebService</a:t>
+            </a:r>
+            <a:r>
+              <a:rPr lang="pt-PT" dirty="0" smtClean="0"/>
+              <a:t>: </a:t>
             </a:r>
             <a:r>
               <a:rPr lang="pt-PT" dirty="0" err="1" smtClean="0"/>
@@ -6472,43 +6070,27 @@
           <a:p>
             <a:r>
               <a:rPr lang="pt-PT" dirty="0" smtClean="0"/>
-              <a:t>Suporte para servir uma lista de testes à </a:t>
+              <a:t>Base de dados: </a:t>
             </a:r>
             <a:r>
               <a:rPr lang="pt-PT" dirty="0" err="1" smtClean="0"/>
-              <a:t>app</a:t>
+              <a:t>MySQL</a:t>
             </a:r>
             <a:endParaRPr lang="pt-PT" dirty="0" smtClean="0"/>
           </a:p>
           <a:p>
             <a:r>
               <a:rPr lang="pt-PT" dirty="0" smtClean="0"/>
-              <a:t>Suporte para receber uma lista de respostas aos testes a partir da </a:t>
+              <a:t>Sistema Operativo: Linux (</a:t>
             </a:r>
             <a:r>
               <a:rPr lang="pt-PT" dirty="0" err="1" smtClean="0"/>
-              <a:t>app</a:t>
-            </a:r>
-            <a:endParaRPr lang="pt-PT" dirty="0" smtClean="0"/>
-          </a:p>
-          <a:p>
+              <a:t>Ubuntu</a:t>
+            </a:r>
             <a:r>
               <a:rPr lang="pt-PT" dirty="0" smtClean="0"/>
-              <a:t>Comunicação feita através de </a:t>
-            </a:r>
-            <a:r>
-              <a:rPr lang="pt-PT" dirty="0" err="1" smtClean="0"/>
-              <a:t>Http</a:t>
-            </a:r>
-            <a:endParaRPr lang="pt-PT" dirty="0" smtClean="0"/>
-          </a:p>
-          <a:p>
-            <a:r>
-              <a:rPr lang="pt-PT" dirty="0" smtClean="0"/>
-              <a:t>Dados transferidos em JSON + Base64</a:t>
-            </a:r>
-          </a:p>
-          <a:p>
+              <a:t> Server)</a:t>
+            </a:r>
             <a:endParaRPr lang="pt-PT" dirty="0"/>
           </a:p>
         </p:txBody>
@@ -6799,6 +6381,96 @@
 </p:sld>
 </file>
 
+<file path=ppt/slides/slide11.xml><?xml version="1.0" encoding="utf-8"?>
+<p:sld xmlns:a="http://schemas.openxmlformats.org/drawingml/2006/main" xmlns:r="http://schemas.openxmlformats.org/officeDocument/2006/relationships" xmlns:p="http://schemas.openxmlformats.org/presentationml/2006/main">
+  <p:cSld>
+    <p:spTree>
+      <p:nvGrpSpPr>
+        <p:cNvPr id="1" name=""/>
+        <p:cNvGrpSpPr/>
+        <p:nvPr/>
+      </p:nvGrpSpPr>
+      <p:grpSpPr>
+        <a:xfrm>
+          <a:off x="0" y="0"/>
+          <a:ext cx="0" cy="0"/>
+          <a:chOff x="0" y="0"/>
+          <a:chExt cx="0" cy="0"/>
+        </a:xfrm>
+      </p:grpSpPr>
+      <p:sp>
+        <p:nvSpPr>
+          <p:cNvPr id="2" name="Título 1"/>
+          <p:cNvSpPr>
+            <a:spLocks noGrp="1"/>
+          </p:cNvSpPr>
+          <p:nvPr>
+            <p:ph type="ctrTitle"/>
+          </p:nvPr>
+        </p:nvSpPr>
+        <p:spPr/>
+        <p:txBody>
+          <a:bodyPr/>
+          <a:lstStyle/>
+          <a:p>
+            <a:r>
+              <a:rPr lang="pt-PT" dirty="0" smtClean="0"/>
+              <a:t>Sistema de Informação</a:t>
+            </a:r>
+            <a:endParaRPr lang="pt-PT" dirty="0"/>
+          </a:p>
+        </p:txBody>
+      </p:sp>
+      <p:sp>
+        <p:nvSpPr>
+          <p:cNvPr id="3" name="Subtítulo 2"/>
+          <p:cNvSpPr>
+            <a:spLocks noGrp="1"/>
+          </p:cNvSpPr>
+          <p:nvPr>
+            <p:ph type="subTitle" idx="1"/>
+          </p:nvPr>
+        </p:nvSpPr>
+        <p:spPr/>
+        <p:txBody>
+          <a:bodyPr/>
+          <a:lstStyle/>
+          <a:p>
+            <a:r>
+              <a:rPr lang="pt-PT" dirty="0" err="1" smtClean="0"/>
+              <a:t>WebService</a:t>
+            </a:r>
+            <a:r>
+              <a:rPr lang="pt-PT" dirty="0" smtClean="0"/>
+              <a:t> de suporte à </a:t>
+            </a:r>
+            <a:r>
+              <a:rPr lang="pt-PT" dirty="0" err="1" smtClean="0"/>
+              <a:t>app</a:t>
+            </a:r>
+            <a:r>
+              <a:rPr lang="pt-PT" dirty="0" smtClean="0"/>
+              <a:t>.</a:t>
+            </a:r>
+            <a:endParaRPr lang="pt-PT" dirty="0"/>
+          </a:p>
+        </p:txBody>
+      </p:sp>
+    </p:spTree>
+  </p:cSld>
+  <p:clrMapOvr>
+    <a:masterClrMapping/>
+  </p:clrMapOvr>
+  <p:timing>
+    <p:tnLst>
+      <p:par>
+        <p:cTn id="1" dur="indefinite" restart="never" nodeType="tmRoot"/>
+      </p:par>
+    </p:tnLst>
+  </p:timing>
+</p:sld>
+</file>
+
 <file path=ppt/slides/slide12.xml><?xml version="1.0" encoding="utf-8"?>
 <p:sld xmlns:a="http://schemas.openxmlformats.org/drawingml/2006/main" xmlns:r="http://schemas.openxmlformats.org/officeDocument/2006/relationships" xmlns:p="http://schemas.openxmlformats.org/presentationml/2006/main">
   <p:cSld>
@@ -6833,11 +6505,402 @@
           <a:p>
             <a:r>
               <a:rPr lang="pt-PT" dirty="0" smtClean="0"/>
-              <a:t>Bibliotecas </a:t>
-            </a:r>
+              <a:t>Sistema de Informação</a:t>
+            </a:r>
+            <a:endParaRPr lang="pt-PT" dirty="0"/>
+          </a:p>
+        </p:txBody>
+      </p:sp>
+      <p:sp>
+        <p:nvSpPr>
+          <p:cNvPr id="3" name="Marcador de Posição de Conteúdo 2"/>
+          <p:cNvSpPr>
+            <a:spLocks noGrp="1"/>
+          </p:cNvSpPr>
+          <p:nvPr>
+            <p:ph idx="1"/>
+          </p:nvPr>
+        </p:nvSpPr>
+        <p:spPr/>
+        <p:txBody>
+          <a:bodyPr/>
+          <a:lstStyle/>
+          <a:p>
             <a:r>
               <a:rPr lang="pt-PT" dirty="0" smtClean="0"/>
-              <a:t>usadas para v0.1</a:t>
+              <a:t>Tecnologia em </a:t>
+            </a:r>
+            <a:r>
+              <a:rPr lang="pt-PT" dirty="0" err="1" smtClean="0"/>
+              <a:t>Node.JS</a:t>
+            </a:r>
+            <a:endParaRPr lang="pt-PT" dirty="0" smtClean="0"/>
+          </a:p>
+          <a:p>
+            <a:r>
+              <a:rPr lang="pt-PT" dirty="0" smtClean="0"/>
+              <a:t>Suporte para servir uma lista de testes à </a:t>
+            </a:r>
+            <a:r>
+              <a:rPr lang="pt-PT" dirty="0" err="1" smtClean="0"/>
+              <a:t>app</a:t>
+            </a:r>
+            <a:endParaRPr lang="pt-PT" dirty="0" smtClean="0"/>
+          </a:p>
+          <a:p>
+            <a:r>
+              <a:rPr lang="pt-PT" dirty="0" smtClean="0"/>
+              <a:t>Suporte para receber uma lista de respostas aos testes a partir da </a:t>
+            </a:r>
+            <a:r>
+              <a:rPr lang="pt-PT" dirty="0" err="1" smtClean="0"/>
+              <a:t>app</a:t>
+            </a:r>
+            <a:endParaRPr lang="pt-PT" dirty="0" smtClean="0"/>
+          </a:p>
+          <a:p>
+            <a:r>
+              <a:rPr lang="pt-PT" dirty="0" smtClean="0"/>
+              <a:t>Comunicação feita através de </a:t>
+            </a:r>
+            <a:r>
+              <a:rPr lang="pt-PT" dirty="0" err="1" smtClean="0"/>
+              <a:t>Http</a:t>
+            </a:r>
+            <a:endParaRPr lang="pt-PT" dirty="0" smtClean="0"/>
+          </a:p>
+          <a:p>
+            <a:r>
+              <a:rPr lang="pt-PT" dirty="0" smtClean="0"/>
+              <a:t>Dados transferidos em JSON + Base64</a:t>
+            </a:r>
+          </a:p>
+          <a:p>
+            <a:endParaRPr lang="pt-PT" dirty="0"/>
+          </a:p>
+        </p:txBody>
+      </p:sp>
+    </p:spTree>
+  </p:cSld>
+  <p:clrMapOvr>
+    <a:masterClrMapping/>
+  </p:clrMapOvr>
+  <p:timing>
+    <p:tnLst>
+      <p:par>
+        <p:cTn id="1" dur="indefinite" restart="never" nodeType="tmRoot">
+          <p:childTnLst>
+            <p:seq concurrent="1" nextAc="seek">
+              <p:cTn id="2" dur="indefinite" nodeType="mainSeq">
+                <p:childTnLst>
+                  <p:par>
+                    <p:cTn id="3" fill="hold">
+                      <p:stCondLst>
+                        <p:cond delay="indefinite"/>
+                      </p:stCondLst>
+                      <p:childTnLst>
+                        <p:par>
+                          <p:cTn id="4" fill="hold">
+                            <p:stCondLst>
+                              <p:cond delay="0"/>
+                            </p:stCondLst>
+                            <p:childTnLst>
+                              <p:par>
+                                <p:cTn id="5" presetID="1" presetClass="entr" presetSubtype="0" fill="hold" grpId="0" nodeType="clickEffect">
+                                  <p:stCondLst>
+                                    <p:cond delay="0"/>
+                                  </p:stCondLst>
+                                  <p:childTnLst>
+                                    <p:set>
+                                      <p:cBhvr>
+                                        <p:cTn id="6" dur="1" fill="hold">
+                                          <p:stCondLst>
+                                            <p:cond delay="0"/>
+                                          </p:stCondLst>
+                                        </p:cTn>
+                                        <p:tgtEl>
+                                          <p:spTgt spid="3">
+                                            <p:txEl>
+                                              <p:pRg st="0" end="0"/>
+                                            </p:txEl>
+                                          </p:spTgt>
+                                        </p:tgtEl>
+                                        <p:attrNameLst>
+                                          <p:attrName>style.visibility</p:attrName>
+                                        </p:attrNameLst>
+                                      </p:cBhvr>
+                                      <p:to>
+                                        <p:strVal val="visible"/>
+                                      </p:to>
+                                    </p:set>
+                                  </p:childTnLst>
+                                </p:cTn>
+                              </p:par>
+                            </p:childTnLst>
+                          </p:cTn>
+                        </p:par>
+                      </p:childTnLst>
+                    </p:cTn>
+                  </p:par>
+                  <p:par>
+                    <p:cTn id="7" fill="hold">
+                      <p:stCondLst>
+                        <p:cond delay="indefinite"/>
+                      </p:stCondLst>
+                      <p:childTnLst>
+                        <p:par>
+                          <p:cTn id="8" fill="hold">
+                            <p:stCondLst>
+                              <p:cond delay="0"/>
+                            </p:stCondLst>
+                            <p:childTnLst>
+                              <p:par>
+                                <p:cTn id="9" presetID="1" presetClass="entr" presetSubtype="0" fill="hold" grpId="0" nodeType="clickEffect">
+                                  <p:stCondLst>
+                                    <p:cond delay="0"/>
+                                  </p:stCondLst>
+                                  <p:childTnLst>
+                                    <p:set>
+                                      <p:cBhvr>
+                                        <p:cTn id="10" dur="1" fill="hold">
+                                          <p:stCondLst>
+                                            <p:cond delay="0"/>
+                                          </p:stCondLst>
+                                        </p:cTn>
+                                        <p:tgtEl>
+                                          <p:spTgt spid="3">
+                                            <p:txEl>
+                                              <p:pRg st="1" end="1"/>
+                                            </p:txEl>
+                                          </p:spTgt>
+                                        </p:tgtEl>
+                                        <p:attrNameLst>
+                                          <p:attrName>style.visibility</p:attrName>
+                                        </p:attrNameLst>
+                                      </p:cBhvr>
+                                      <p:to>
+                                        <p:strVal val="visible"/>
+                                      </p:to>
+                                    </p:set>
+                                  </p:childTnLst>
+                                </p:cTn>
+                              </p:par>
+                            </p:childTnLst>
+                          </p:cTn>
+                        </p:par>
+                      </p:childTnLst>
+                    </p:cTn>
+                  </p:par>
+                  <p:par>
+                    <p:cTn id="11" fill="hold">
+                      <p:stCondLst>
+                        <p:cond delay="indefinite"/>
+                      </p:stCondLst>
+                      <p:childTnLst>
+                        <p:par>
+                          <p:cTn id="12" fill="hold">
+                            <p:stCondLst>
+                              <p:cond delay="0"/>
+                            </p:stCondLst>
+                            <p:childTnLst>
+                              <p:par>
+                                <p:cTn id="13" presetID="1" presetClass="entr" presetSubtype="0" fill="hold" grpId="0" nodeType="clickEffect">
+                                  <p:stCondLst>
+                                    <p:cond delay="0"/>
+                                  </p:stCondLst>
+                                  <p:childTnLst>
+                                    <p:set>
+                                      <p:cBhvr>
+                                        <p:cTn id="14" dur="1" fill="hold">
+                                          <p:stCondLst>
+                                            <p:cond delay="0"/>
+                                          </p:stCondLst>
+                                        </p:cTn>
+                                        <p:tgtEl>
+                                          <p:spTgt spid="3">
+                                            <p:txEl>
+                                              <p:pRg st="2" end="2"/>
+                                            </p:txEl>
+                                          </p:spTgt>
+                                        </p:tgtEl>
+                                        <p:attrNameLst>
+                                          <p:attrName>style.visibility</p:attrName>
+                                        </p:attrNameLst>
+                                      </p:cBhvr>
+                                      <p:to>
+                                        <p:strVal val="visible"/>
+                                      </p:to>
+                                    </p:set>
+                                  </p:childTnLst>
+                                </p:cTn>
+                              </p:par>
+                            </p:childTnLst>
+                          </p:cTn>
+                        </p:par>
+                      </p:childTnLst>
+                    </p:cTn>
+                  </p:par>
+                  <p:par>
+                    <p:cTn id="15" fill="hold">
+                      <p:stCondLst>
+                        <p:cond delay="indefinite"/>
+                      </p:stCondLst>
+                      <p:childTnLst>
+                        <p:par>
+                          <p:cTn id="16" fill="hold">
+                            <p:stCondLst>
+                              <p:cond delay="0"/>
+                            </p:stCondLst>
+                            <p:childTnLst>
+                              <p:par>
+                                <p:cTn id="17" presetID="1" presetClass="entr" presetSubtype="0" fill="hold" grpId="0" nodeType="clickEffect">
+                                  <p:stCondLst>
+                                    <p:cond delay="0"/>
+                                  </p:stCondLst>
+                                  <p:childTnLst>
+                                    <p:set>
+                                      <p:cBhvr>
+                                        <p:cTn id="18" dur="1" fill="hold">
+                                          <p:stCondLst>
+                                            <p:cond delay="0"/>
+                                          </p:stCondLst>
+                                        </p:cTn>
+                                        <p:tgtEl>
+                                          <p:spTgt spid="3">
+                                            <p:txEl>
+                                              <p:pRg st="3" end="3"/>
+                                            </p:txEl>
+                                          </p:spTgt>
+                                        </p:tgtEl>
+                                        <p:attrNameLst>
+                                          <p:attrName>style.visibility</p:attrName>
+                                        </p:attrNameLst>
+                                      </p:cBhvr>
+                                      <p:to>
+                                        <p:strVal val="visible"/>
+                                      </p:to>
+                                    </p:set>
+                                  </p:childTnLst>
+                                </p:cTn>
+                              </p:par>
+                            </p:childTnLst>
+                          </p:cTn>
+                        </p:par>
+                      </p:childTnLst>
+                    </p:cTn>
+                  </p:par>
+                  <p:par>
+                    <p:cTn id="19" fill="hold">
+                      <p:stCondLst>
+                        <p:cond delay="indefinite"/>
+                      </p:stCondLst>
+                      <p:childTnLst>
+                        <p:par>
+                          <p:cTn id="20" fill="hold">
+                            <p:stCondLst>
+                              <p:cond delay="0"/>
+                            </p:stCondLst>
+                            <p:childTnLst>
+                              <p:par>
+                                <p:cTn id="21" presetID="1" presetClass="entr" presetSubtype="0" fill="hold" grpId="0" nodeType="clickEffect">
+                                  <p:stCondLst>
+                                    <p:cond delay="0"/>
+                                  </p:stCondLst>
+                                  <p:childTnLst>
+                                    <p:set>
+                                      <p:cBhvr>
+                                        <p:cTn id="22" dur="1" fill="hold">
+                                          <p:stCondLst>
+                                            <p:cond delay="0"/>
+                                          </p:stCondLst>
+                                        </p:cTn>
+                                        <p:tgtEl>
+                                          <p:spTgt spid="3">
+                                            <p:txEl>
+                                              <p:pRg st="4" end="4"/>
+                                            </p:txEl>
+                                          </p:spTgt>
+                                        </p:tgtEl>
+                                        <p:attrNameLst>
+                                          <p:attrName>style.visibility</p:attrName>
+                                        </p:attrNameLst>
+                                      </p:cBhvr>
+                                      <p:to>
+                                        <p:strVal val="visible"/>
+                                      </p:to>
+                                    </p:set>
+                                  </p:childTnLst>
+                                </p:cTn>
+                              </p:par>
+                            </p:childTnLst>
+                          </p:cTn>
+                        </p:par>
+                      </p:childTnLst>
+                    </p:cTn>
+                  </p:par>
+                </p:childTnLst>
+              </p:cTn>
+              <p:prevCondLst>
+                <p:cond evt="onPrev" delay="0">
+                  <p:tgtEl>
+                    <p:sldTgt/>
+                  </p:tgtEl>
+                </p:cond>
+              </p:prevCondLst>
+              <p:nextCondLst>
+                <p:cond evt="onNext" delay="0">
+                  <p:tgtEl>
+                    <p:sldTgt/>
+                  </p:tgtEl>
+                </p:cond>
+              </p:nextCondLst>
+            </p:seq>
+          </p:childTnLst>
+        </p:cTn>
+      </p:par>
+    </p:tnLst>
+    <p:bldLst>
+      <p:bldP spid="3" grpId="0" build="p"/>
+    </p:bldLst>
+  </p:timing>
+</p:sld>
+</file>
+
+<file path=ppt/slides/slide13.xml><?xml version="1.0" encoding="utf-8"?>
+<p:sld xmlns:a="http://schemas.openxmlformats.org/drawingml/2006/main" xmlns:r="http://schemas.openxmlformats.org/officeDocument/2006/relationships" xmlns:p="http://schemas.openxmlformats.org/presentationml/2006/main">
+  <p:cSld>
+    <p:spTree>
+      <p:nvGrpSpPr>
+        <p:cNvPr id="1" name=""/>
+        <p:cNvGrpSpPr/>
+        <p:nvPr/>
+      </p:nvGrpSpPr>
+      <p:grpSpPr>
+        <a:xfrm>
+          <a:off x="0" y="0"/>
+          <a:ext cx="0" cy="0"/>
+          <a:chOff x="0" y="0"/>
+          <a:chExt cx="0" cy="0"/>
+        </a:xfrm>
+      </p:grpSpPr>
+      <p:sp>
+        <p:nvSpPr>
+          <p:cNvPr id="2" name="Título 1"/>
+          <p:cNvSpPr>
+            <a:spLocks noGrp="1"/>
+          </p:cNvSpPr>
+          <p:nvPr>
+            <p:ph type="title"/>
+          </p:nvPr>
+        </p:nvSpPr>
+        <p:spPr/>
+        <p:txBody>
+          <a:bodyPr/>
+          <a:lstStyle/>
+          <a:p>
+            <a:r>
+              <a:rPr lang="pt-PT" dirty="0" smtClean="0"/>
+              <a:t>Bibliotecas usadas para v0.1</a:t>
             </a:r>
             <a:endParaRPr lang="pt-PT" dirty="0"/>
           </a:p>
@@ -7035,7 +7098,93 @@
 </p:sld>
 </file>
 
-<file path=ppt/slides/slide13.xml><?xml version="1.0" encoding="utf-8"?>
+<file path=ppt/slides/slide14.xml><?xml version="1.0" encoding="utf-8"?>
+<p:sld xmlns:a="http://schemas.openxmlformats.org/drawingml/2006/main" xmlns:r="http://schemas.openxmlformats.org/officeDocument/2006/relationships" xmlns:p="http://schemas.openxmlformats.org/presentationml/2006/main">
+  <p:cSld>
+    <p:spTree>
+      <p:nvGrpSpPr>
+        <p:cNvPr id="1" name=""/>
+        <p:cNvGrpSpPr/>
+        <p:nvPr/>
+      </p:nvGrpSpPr>
+      <p:grpSpPr>
+        <a:xfrm>
+          <a:off x="0" y="0"/>
+          <a:ext cx="0" cy="0"/>
+          <a:chOff x="0" y="0"/>
+          <a:chExt cx="0" cy="0"/>
+        </a:xfrm>
+      </p:grpSpPr>
+      <p:sp>
+        <p:nvSpPr>
+          <p:cNvPr id="2" name="Título 1"/>
+          <p:cNvSpPr>
+            <a:spLocks noGrp="1"/>
+          </p:cNvSpPr>
+          <p:nvPr>
+            <p:ph type="ctrTitle"/>
+          </p:nvPr>
+        </p:nvSpPr>
+        <p:spPr/>
+        <p:txBody>
+          <a:bodyPr/>
+          <a:lstStyle/>
+          <a:p>
+            <a:r>
+              <a:rPr lang="pt-PT" dirty="0" smtClean="0"/>
+              <a:t>Exemplo</a:t>
+            </a:r>
+            <a:endParaRPr lang="pt-PT" dirty="0"/>
+          </a:p>
+        </p:txBody>
+      </p:sp>
+      <p:sp>
+        <p:nvSpPr>
+          <p:cNvPr id="3" name="Subtítulo 2"/>
+          <p:cNvSpPr>
+            <a:spLocks noGrp="1"/>
+          </p:cNvSpPr>
+          <p:nvPr>
+            <p:ph type="subTitle" idx="1"/>
+          </p:nvPr>
+        </p:nvSpPr>
+        <p:spPr/>
+        <p:txBody>
+          <a:bodyPr/>
+          <a:lstStyle/>
+          <a:p>
+            <a:r>
+              <a:rPr lang="pt-PT" dirty="0" smtClean="0"/>
+              <a:t>Servidor </a:t>
+            </a:r>
+            <a:r>
+              <a:rPr lang="pt-PT" dirty="0" err="1" smtClean="0"/>
+              <a:t>Http</a:t>
+            </a:r>
+            <a:r>
+              <a:rPr lang="pt-PT" dirty="0" smtClean="0"/>
+              <a:t> simples com recurso a um sistema de Base de Dados</a:t>
+            </a:r>
+            <a:endParaRPr lang="pt-PT" dirty="0"/>
+          </a:p>
+        </p:txBody>
+      </p:sp>
+    </p:spTree>
+  </p:cSld>
+  <p:clrMapOvr>
+    <a:masterClrMapping/>
+  </p:clrMapOvr>
+  <p:timing>
+    <p:tnLst>
+      <p:par>
+        <p:cTn id="1" dur="indefinite" restart="never" nodeType="tmRoot"/>
+      </p:par>
+    </p:tnLst>
+  </p:timing>
+</p:sld>
+</file>
+
+<file path=ppt/slides/slide15.xml><?xml version="1.0" encoding="utf-8"?>
 <p:sld xmlns:a="http://schemas.openxmlformats.org/drawingml/2006/main" xmlns:r="http://schemas.openxmlformats.org/officeDocument/2006/relationships" xmlns:p="http://schemas.openxmlformats.org/presentationml/2006/main">
   <p:cSld>
     <p:spTree>
@@ -7618,11 +7767,19 @@
             </a:r>
             <a:r>
               <a:rPr lang="pt-PT" dirty="0" err="1" smtClean="0"/>
-              <a:t>http</a:t>
+              <a:t>H</a:t>
+            </a:r>
+            <a:r>
+              <a:rPr lang="pt-PT" dirty="0" err="1" smtClean="0"/>
+              <a:t>ttp</a:t>
             </a:r>
             <a:r>
               <a:rPr lang="pt-PT" dirty="0" smtClean="0"/>
-              <a:t> simples</a:t>
+              <a:t> </a:t>
+            </a:r>
+            <a:r>
+              <a:rPr lang="pt-PT" dirty="0" smtClean="0"/>
+              <a:t>simples</a:t>
             </a:r>
             <a:endParaRPr lang="pt-PT" dirty="0"/>
           </a:p>
@@ -8441,7 +8598,187 @@
 </p:sld>
 </file>
 
-<file path=ppt/slides/slide14.xml><?xml version="1.0" encoding="utf-8"?>
+<file path=ppt/slides/slide16.xml><?xml version="1.0" encoding="utf-8"?>
+<p:sld xmlns:a="http://schemas.openxmlformats.org/drawingml/2006/main" xmlns:r="http://schemas.openxmlformats.org/officeDocument/2006/relationships" xmlns:p="http://schemas.openxmlformats.org/presentationml/2006/main">
+  <p:cSld>
+    <p:spTree>
+      <p:nvGrpSpPr>
+        <p:cNvPr id="1" name=""/>
+        <p:cNvGrpSpPr/>
+        <p:nvPr/>
+      </p:nvGrpSpPr>
+      <p:grpSpPr>
+        <a:xfrm>
+          <a:off x="0" y="0"/>
+          <a:ext cx="0" cy="0"/>
+          <a:chOff x="0" y="0"/>
+          <a:chExt cx="0" cy="0"/>
+        </a:xfrm>
+      </p:grpSpPr>
+      <p:sp>
+        <p:nvSpPr>
+          <p:cNvPr id="2" name="Marcador de Posição do Texto 1"/>
+          <p:cNvSpPr>
+            <a:spLocks noGrp="1"/>
+          </p:cNvSpPr>
+          <p:nvPr>
+            <p:ph type="body" sz="quarter" idx="13"/>
+          </p:nvPr>
+        </p:nvSpPr>
+        <p:spPr/>
+        <p:txBody>
+          <a:bodyPr/>
+          <a:lstStyle/>
+          <a:p>
+            <a:endParaRPr lang="pt-PT"/>
+          </a:p>
+        </p:txBody>
+      </p:sp>
+      <p:sp>
+        <p:nvSpPr>
+          <p:cNvPr id="3" name="Marcador de Posição do Texto 2"/>
+          <p:cNvSpPr>
+            <a:spLocks noGrp="1"/>
+          </p:cNvSpPr>
+          <p:nvPr>
+            <p:ph type="body" sz="quarter" idx="14"/>
+          </p:nvPr>
+        </p:nvSpPr>
+        <p:spPr/>
+        <p:txBody>
+          <a:bodyPr/>
+          <a:lstStyle/>
+          <a:p>
+            <a:r>
+              <a:rPr lang="pt-PT" dirty="0" smtClean="0"/>
+              <a:t>Exemplo:  </a:t>
+            </a:r>
+            <a:r>
+              <a:rPr lang="pt-PT" dirty="0" err="1" smtClean="0"/>
+              <a:t>Routing</a:t>
+            </a:r>
+            <a:r>
+              <a:rPr lang="pt-PT" dirty="0" smtClean="0"/>
+              <a:t> das </a:t>
+            </a:r>
+            <a:r>
+              <a:rPr lang="pt-PT" dirty="0" err="1" smtClean="0"/>
+              <a:t>requests</a:t>
+            </a:r>
+            <a:r>
+              <a:rPr lang="pt-PT" dirty="0" smtClean="0"/>
+              <a:t> para métodos.</a:t>
+            </a:r>
+            <a:endParaRPr lang="pt-PT" dirty="0"/>
+          </a:p>
+        </p:txBody>
+      </p:sp>
+    </p:spTree>
+  </p:cSld>
+  <p:clrMapOvr>
+    <a:masterClrMapping/>
+  </p:clrMapOvr>
+  <p:timing>
+    <p:tnLst>
+      <p:par>
+        <p:cTn id="1" dur="indefinite" restart="never" nodeType="tmRoot"/>
+      </p:par>
+    </p:tnLst>
+  </p:timing>
+</p:sld>
+</file>
+
+<file path=ppt/slides/slide17.xml><?xml version="1.0" encoding="utf-8"?>
+<p:sld xmlns:a="http://schemas.openxmlformats.org/drawingml/2006/main" xmlns:r="http://schemas.openxmlformats.org/officeDocument/2006/relationships" xmlns:p="http://schemas.openxmlformats.org/presentationml/2006/main">
+  <p:cSld>
+    <p:spTree>
+      <p:nvGrpSpPr>
+        <p:cNvPr id="1" name=""/>
+        <p:cNvGrpSpPr/>
+        <p:nvPr/>
+      </p:nvGrpSpPr>
+      <p:grpSpPr>
+        <a:xfrm>
+          <a:off x="0" y="0"/>
+          <a:ext cx="0" cy="0"/>
+          <a:chOff x="0" y="0"/>
+          <a:chExt cx="0" cy="0"/>
+        </a:xfrm>
+      </p:grpSpPr>
+      <p:sp>
+        <p:nvSpPr>
+          <p:cNvPr id="2" name="Marcador de Posição do Texto 1"/>
+          <p:cNvSpPr>
+            <a:spLocks noGrp="1"/>
+          </p:cNvSpPr>
+          <p:nvPr>
+            <p:ph type="body" sz="quarter" idx="13"/>
+          </p:nvPr>
+        </p:nvSpPr>
+        <p:spPr/>
+        <p:txBody>
+          <a:bodyPr/>
+          <a:lstStyle/>
+          <a:p>
+            <a:endParaRPr lang="pt-PT"/>
+          </a:p>
+        </p:txBody>
+      </p:sp>
+      <p:sp>
+        <p:nvSpPr>
+          <p:cNvPr id="3" name="Marcador de Posição do Texto 2"/>
+          <p:cNvSpPr>
+            <a:spLocks noGrp="1"/>
+          </p:cNvSpPr>
+          <p:nvPr>
+            <p:ph type="body" sz="quarter" idx="14"/>
+          </p:nvPr>
+        </p:nvSpPr>
+        <p:spPr/>
+        <p:txBody>
+          <a:bodyPr/>
+          <a:lstStyle/>
+          <a:p>
+            <a:r>
+              <a:rPr lang="pt-PT" dirty="0" smtClean="0"/>
+              <a:t>Exemplo: </a:t>
+            </a:r>
+            <a:r>
+              <a:rPr lang="pt-PT" dirty="0" err="1" smtClean="0"/>
+              <a:t>Query</a:t>
+            </a:r>
+            <a:r>
+              <a:rPr lang="pt-PT" dirty="0" smtClean="0"/>
+              <a:t> de uma base de dados </a:t>
+            </a:r>
+            <a:r>
+              <a:rPr lang="pt-PT" dirty="0" err="1" smtClean="0"/>
+              <a:t>mysql</a:t>
+            </a:r>
+            <a:r>
+              <a:rPr lang="pt-PT" dirty="0" smtClean="0"/>
+              <a:t> e devolução dos resultados.</a:t>
+            </a:r>
+            <a:endParaRPr lang="pt-PT" dirty="0"/>
+          </a:p>
+        </p:txBody>
+      </p:sp>
+    </p:spTree>
+  </p:cSld>
+  <p:clrMapOvr>
+    <a:masterClrMapping/>
+  </p:clrMapOvr>
+  <p:timing>
+    <p:tnLst>
+      <p:par>
+        <p:cTn id="1" dur="indefinite" restart="never" nodeType="tmRoot"/>
+      </p:par>
+    </p:tnLst>
+  </p:timing>
+</p:sld>
+</file>
+
+<file path=ppt/slides/slide18.xml><?xml version="1.0" encoding="utf-8"?>
 <p:sld xmlns:a="http://schemas.openxmlformats.org/drawingml/2006/main" xmlns:r="http://schemas.openxmlformats.org/officeDocument/2006/relationships" xmlns:p="http://schemas.openxmlformats.org/presentationml/2006/main">
   <p:cSld>
     <p:spTree>
@@ -8527,7 +8864,7 @@
 </p:sld>
 </file>
 
-<file path=ppt/slides/slide15.xml><?xml version="1.0" encoding="utf-8"?>
+<file path=ppt/slides/slide19.xml><?xml version="1.0" encoding="utf-8"?>
 <p:sld xmlns:a="http://schemas.openxmlformats.org/drawingml/2006/main" xmlns:r="http://schemas.openxmlformats.org/officeDocument/2006/relationships" xmlns:p="http://schemas.openxmlformats.org/presentationml/2006/main">
   <p:cSld>
     <p:spTree>
@@ -8642,14 +8979,518 @@
   <p:timing>
     <p:tnLst>
       <p:par>
-        <p:cTn id="1" dur="indefinite" restart="never" nodeType="tmRoot"/>
+        <p:cTn id="1" dur="indefinite" restart="never" nodeType="tmRoot">
+          <p:childTnLst>
+            <p:seq concurrent="1" nextAc="seek">
+              <p:cTn id="2" dur="indefinite" nodeType="mainSeq">
+                <p:childTnLst>
+                  <p:par>
+                    <p:cTn id="3" fill="hold">
+                      <p:stCondLst>
+                        <p:cond delay="indefinite"/>
+                      </p:stCondLst>
+                      <p:childTnLst>
+                        <p:par>
+                          <p:cTn id="4" fill="hold">
+                            <p:stCondLst>
+                              <p:cond delay="0"/>
+                            </p:stCondLst>
+                            <p:childTnLst>
+                              <p:par>
+                                <p:cTn id="5" presetID="1" presetClass="entr" presetSubtype="0" fill="hold" grpId="0" nodeType="clickEffect">
+                                  <p:stCondLst>
+                                    <p:cond delay="0"/>
+                                  </p:stCondLst>
+                                  <p:childTnLst>
+                                    <p:set>
+                                      <p:cBhvr>
+                                        <p:cTn id="6" dur="1" fill="hold">
+                                          <p:stCondLst>
+                                            <p:cond delay="0"/>
+                                          </p:stCondLst>
+                                        </p:cTn>
+                                        <p:tgtEl>
+                                          <p:spTgt spid="3">
+                                            <p:txEl>
+                                              <p:pRg st="0" end="0"/>
+                                            </p:txEl>
+                                          </p:spTgt>
+                                        </p:tgtEl>
+                                        <p:attrNameLst>
+                                          <p:attrName>style.visibility</p:attrName>
+                                        </p:attrNameLst>
+                                      </p:cBhvr>
+                                      <p:to>
+                                        <p:strVal val="visible"/>
+                                      </p:to>
+                                    </p:set>
+                                  </p:childTnLst>
+                                </p:cTn>
+                              </p:par>
+                            </p:childTnLst>
+                          </p:cTn>
+                        </p:par>
+                      </p:childTnLst>
+                    </p:cTn>
+                  </p:par>
+                  <p:par>
+                    <p:cTn id="7" fill="hold">
+                      <p:stCondLst>
+                        <p:cond delay="indefinite"/>
+                      </p:stCondLst>
+                      <p:childTnLst>
+                        <p:par>
+                          <p:cTn id="8" fill="hold">
+                            <p:stCondLst>
+                              <p:cond delay="0"/>
+                            </p:stCondLst>
+                            <p:childTnLst>
+                              <p:par>
+                                <p:cTn id="9" presetID="1" presetClass="entr" presetSubtype="0" fill="hold" grpId="0" nodeType="clickEffect">
+                                  <p:stCondLst>
+                                    <p:cond delay="0"/>
+                                  </p:stCondLst>
+                                  <p:childTnLst>
+                                    <p:set>
+                                      <p:cBhvr>
+                                        <p:cTn id="10" dur="1" fill="hold">
+                                          <p:stCondLst>
+                                            <p:cond delay="0"/>
+                                          </p:stCondLst>
+                                        </p:cTn>
+                                        <p:tgtEl>
+                                          <p:spTgt spid="3">
+                                            <p:txEl>
+                                              <p:pRg st="1" end="1"/>
+                                            </p:txEl>
+                                          </p:spTgt>
+                                        </p:tgtEl>
+                                        <p:attrNameLst>
+                                          <p:attrName>style.visibility</p:attrName>
+                                        </p:attrNameLst>
+                                      </p:cBhvr>
+                                      <p:to>
+                                        <p:strVal val="visible"/>
+                                      </p:to>
+                                    </p:set>
+                                  </p:childTnLst>
+                                </p:cTn>
+                              </p:par>
+                            </p:childTnLst>
+                          </p:cTn>
+                        </p:par>
+                      </p:childTnLst>
+                    </p:cTn>
+                  </p:par>
+                  <p:par>
+                    <p:cTn id="11" fill="hold">
+                      <p:stCondLst>
+                        <p:cond delay="indefinite"/>
+                      </p:stCondLst>
+                      <p:childTnLst>
+                        <p:par>
+                          <p:cTn id="12" fill="hold">
+                            <p:stCondLst>
+                              <p:cond delay="0"/>
+                            </p:stCondLst>
+                            <p:childTnLst>
+                              <p:par>
+                                <p:cTn id="13" presetID="1" presetClass="entr" presetSubtype="0" fill="hold" grpId="0" nodeType="clickEffect">
+                                  <p:stCondLst>
+                                    <p:cond delay="0"/>
+                                  </p:stCondLst>
+                                  <p:childTnLst>
+                                    <p:set>
+                                      <p:cBhvr>
+                                        <p:cTn id="14" dur="1" fill="hold">
+                                          <p:stCondLst>
+                                            <p:cond delay="0"/>
+                                          </p:stCondLst>
+                                        </p:cTn>
+                                        <p:tgtEl>
+                                          <p:spTgt spid="3">
+                                            <p:txEl>
+                                              <p:pRg st="2" end="2"/>
+                                            </p:txEl>
+                                          </p:spTgt>
+                                        </p:tgtEl>
+                                        <p:attrNameLst>
+                                          <p:attrName>style.visibility</p:attrName>
+                                        </p:attrNameLst>
+                                      </p:cBhvr>
+                                      <p:to>
+                                        <p:strVal val="visible"/>
+                                      </p:to>
+                                    </p:set>
+                                  </p:childTnLst>
+                                </p:cTn>
+                              </p:par>
+                            </p:childTnLst>
+                          </p:cTn>
+                        </p:par>
+                      </p:childTnLst>
+                    </p:cTn>
+                  </p:par>
+                </p:childTnLst>
+              </p:cTn>
+              <p:prevCondLst>
+                <p:cond evt="onPrev" delay="0">
+                  <p:tgtEl>
+                    <p:sldTgt/>
+                  </p:tgtEl>
+                </p:cond>
+              </p:prevCondLst>
+              <p:nextCondLst>
+                <p:cond evt="onNext" delay="0">
+                  <p:tgtEl>
+                    <p:sldTgt/>
+                  </p:tgtEl>
+                </p:cond>
+              </p:nextCondLst>
+            </p:seq>
+          </p:childTnLst>
+        </p:cTn>
       </p:par>
     </p:tnLst>
+    <p:bldLst>
+      <p:bldP spid="3" grpId="0" build="p"/>
+    </p:bldLst>
   </p:timing>
 </p:sld>
 </file>
 
-<file path=ppt/slides/slide16.xml><?xml version="1.0" encoding="utf-8"?>
+<file path=ppt/slides/slide2.xml><?xml version="1.0" encoding="utf-8"?>
+<p:sld xmlns:a="http://schemas.openxmlformats.org/drawingml/2006/main" xmlns:r="http://schemas.openxmlformats.org/officeDocument/2006/relationships" xmlns:p="http://schemas.openxmlformats.org/presentationml/2006/main">
+  <p:cSld>
+    <p:spTree>
+      <p:nvGrpSpPr>
+        <p:cNvPr id="1" name=""/>
+        <p:cNvGrpSpPr/>
+        <p:nvPr/>
+      </p:nvGrpSpPr>
+      <p:grpSpPr>
+        <a:xfrm>
+          <a:off x="0" y="0"/>
+          <a:ext cx="0" cy="0"/>
+          <a:chOff x="0" y="0"/>
+          <a:chExt cx="0" cy="0"/>
+        </a:xfrm>
+      </p:grpSpPr>
+      <p:sp>
+        <p:nvSpPr>
+          <p:cNvPr id="4" name="Título 3"/>
+          <p:cNvSpPr>
+            <a:spLocks noGrp="1"/>
+          </p:cNvSpPr>
+          <p:nvPr>
+            <p:ph type="title"/>
+          </p:nvPr>
+        </p:nvSpPr>
+        <p:spPr/>
+        <p:txBody>
+          <a:bodyPr/>
+          <a:lstStyle/>
+          <a:p>
+            <a:r>
+              <a:rPr lang="pt-PT" dirty="0" smtClean="0"/>
+              <a:t>Conteúdos</a:t>
+            </a:r>
+            <a:endParaRPr lang="pt-PT" dirty="0"/>
+          </a:p>
+        </p:txBody>
+      </p:sp>
+      <p:sp>
+        <p:nvSpPr>
+          <p:cNvPr id="5" name="Marcador de Posição de Conteúdo 4"/>
+          <p:cNvSpPr>
+            <a:spLocks noGrp="1"/>
+          </p:cNvSpPr>
+          <p:nvPr>
+            <p:ph idx="1"/>
+          </p:nvPr>
+        </p:nvSpPr>
+        <p:spPr/>
+        <p:txBody>
+          <a:bodyPr/>
+          <a:lstStyle/>
+          <a:p>
+            <a:r>
+              <a:rPr lang="pt-PT" dirty="0" smtClean="0"/>
+              <a:t>Tecnologias propostas</a:t>
+            </a:r>
+          </a:p>
+          <a:p>
+            <a:r>
+              <a:rPr lang="pt-PT" dirty="0" smtClean="0"/>
+              <a:t>Descrição e demonstração do S.I.</a:t>
+            </a:r>
+          </a:p>
+          <a:p>
+            <a:r>
+              <a:rPr lang="pt-PT" dirty="0" smtClean="0"/>
+              <a:t>Descrição e demonstração da </a:t>
+            </a:r>
+            <a:r>
+              <a:rPr lang="pt-PT" dirty="0" err="1" smtClean="0"/>
+              <a:t>App</a:t>
+            </a:r>
+            <a:r>
+              <a:rPr lang="pt-PT" dirty="0" smtClean="0"/>
+              <a:t> </a:t>
+            </a:r>
+            <a:r>
+              <a:rPr lang="pt-PT" dirty="0" err="1" smtClean="0"/>
+              <a:t>Android</a:t>
+            </a:r>
+            <a:endParaRPr lang="pt-PT" dirty="0" smtClean="0"/>
+          </a:p>
+          <a:p>
+            <a:r>
+              <a:rPr lang="pt-PT" dirty="0" smtClean="0"/>
+              <a:t>Tecnologias em investigação</a:t>
+            </a:r>
+            <a:endParaRPr lang="pt-PT" dirty="0"/>
+          </a:p>
+        </p:txBody>
+      </p:sp>
+    </p:spTree>
+  </p:cSld>
+  <p:clrMapOvr>
+    <a:masterClrMapping/>
+  </p:clrMapOvr>
+  <p:timing>
+    <p:tnLst>
+      <p:par>
+        <p:cTn id="1" dur="indefinite" restart="never" nodeType="tmRoot">
+          <p:childTnLst>
+            <p:seq concurrent="1" nextAc="seek">
+              <p:cTn id="2" dur="indefinite" nodeType="mainSeq">
+                <p:childTnLst>
+                  <p:par>
+                    <p:cTn id="3" fill="hold">
+                      <p:stCondLst>
+                        <p:cond delay="indefinite"/>
+                      </p:stCondLst>
+                      <p:childTnLst>
+                        <p:par>
+                          <p:cTn id="4" fill="hold">
+                            <p:stCondLst>
+                              <p:cond delay="0"/>
+                            </p:stCondLst>
+                            <p:childTnLst>
+                              <p:par>
+                                <p:cTn id="5" presetID="1" presetClass="entr" presetSubtype="0" fill="hold" grpId="0" nodeType="clickEffect">
+                                  <p:stCondLst>
+                                    <p:cond delay="0"/>
+                                  </p:stCondLst>
+                                  <p:childTnLst>
+                                    <p:set>
+                                      <p:cBhvr>
+                                        <p:cTn id="6" dur="1" fill="hold">
+                                          <p:stCondLst>
+                                            <p:cond delay="0"/>
+                                          </p:stCondLst>
+                                        </p:cTn>
+                                        <p:tgtEl>
+                                          <p:spTgt spid="5">
+                                            <p:txEl>
+                                              <p:pRg st="0" end="0"/>
+                                            </p:txEl>
+                                          </p:spTgt>
+                                        </p:tgtEl>
+                                        <p:attrNameLst>
+                                          <p:attrName>style.visibility</p:attrName>
+                                        </p:attrNameLst>
+                                      </p:cBhvr>
+                                      <p:to>
+                                        <p:strVal val="visible"/>
+                                      </p:to>
+                                    </p:set>
+                                  </p:childTnLst>
+                                </p:cTn>
+                              </p:par>
+                            </p:childTnLst>
+                          </p:cTn>
+                        </p:par>
+                      </p:childTnLst>
+                    </p:cTn>
+                  </p:par>
+                  <p:par>
+                    <p:cTn id="7" fill="hold">
+                      <p:stCondLst>
+                        <p:cond delay="indefinite"/>
+                      </p:stCondLst>
+                      <p:childTnLst>
+                        <p:par>
+                          <p:cTn id="8" fill="hold">
+                            <p:stCondLst>
+                              <p:cond delay="0"/>
+                            </p:stCondLst>
+                            <p:childTnLst>
+                              <p:par>
+                                <p:cTn id="9" presetID="1" presetClass="entr" presetSubtype="0" fill="hold" grpId="0" nodeType="clickEffect">
+                                  <p:stCondLst>
+                                    <p:cond delay="0"/>
+                                  </p:stCondLst>
+                                  <p:childTnLst>
+                                    <p:set>
+                                      <p:cBhvr>
+                                        <p:cTn id="10" dur="1" fill="hold">
+                                          <p:stCondLst>
+                                            <p:cond delay="0"/>
+                                          </p:stCondLst>
+                                        </p:cTn>
+                                        <p:tgtEl>
+                                          <p:spTgt spid="5">
+                                            <p:txEl>
+                                              <p:pRg st="1" end="1"/>
+                                            </p:txEl>
+                                          </p:spTgt>
+                                        </p:tgtEl>
+                                        <p:attrNameLst>
+                                          <p:attrName>style.visibility</p:attrName>
+                                        </p:attrNameLst>
+                                      </p:cBhvr>
+                                      <p:to>
+                                        <p:strVal val="visible"/>
+                                      </p:to>
+                                    </p:set>
+                                  </p:childTnLst>
+                                </p:cTn>
+                              </p:par>
+                            </p:childTnLst>
+                          </p:cTn>
+                        </p:par>
+                      </p:childTnLst>
+                    </p:cTn>
+                  </p:par>
+                  <p:par>
+                    <p:cTn id="11" fill="hold">
+                      <p:stCondLst>
+                        <p:cond delay="indefinite"/>
+                      </p:stCondLst>
+                      <p:childTnLst>
+                        <p:par>
+                          <p:cTn id="12" fill="hold">
+                            <p:stCondLst>
+                              <p:cond delay="0"/>
+                            </p:stCondLst>
+                            <p:childTnLst>
+                              <p:par>
+                                <p:cTn id="13" presetID="1" presetClass="entr" presetSubtype="0" fill="hold" grpId="0" nodeType="clickEffect">
+                                  <p:stCondLst>
+                                    <p:cond delay="0"/>
+                                  </p:stCondLst>
+                                  <p:childTnLst>
+                                    <p:set>
+                                      <p:cBhvr>
+                                        <p:cTn id="14" dur="1" fill="hold">
+                                          <p:stCondLst>
+                                            <p:cond delay="0"/>
+                                          </p:stCondLst>
+                                        </p:cTn>
+                                        <p:tgtEl>
+                                          <p:spTgt spid="5">
+                                            <p:txEl>
+                                              <p:pRg st="2" end="2"/>
+                                            </p:txEl>
+                                          </p:spTgt>
+                                        </p:tgtEl>
+                                        <p:attrNameLst>
+                                          <p:attrName>style.visibility</p:attrName>
+                                        </p:attrNameLst>
+                                      </p:cBhvr>
+                                      <p:to>
+                                        <p:strVal val="visible"/>
+                                      </p:to>
+                                    </p:set>
+                                  </p:childTnLst>
+                                </p:cTn>
+                              </p:par>
+                            </p:childTnLst>
+                          </p:cTn>
+                        </p:par>
+                      </p:childTnLst>
+                    </p:cTn>
+                  </p:par>
+                  <p:par>
+                    <p:cTn id="15" fill="hold">
+                      <p:stCondLst>
+                        <p:cond delay="indefinite"/>
+                      </p:stCondLst>
+                      <p:childTnLst>
+                        <p:par>
+                          <p:cTn id="16" fill="hold">
+                            <p:stCondLst>
+                              <p:cond delay="0"/>
+                            </p:stCondLst>
+                            <p:childTnLst>
+                              <p:par>
+                                <p:cTn id="17" presetID="1" presetClass="entr" presetSubtype="0" fill="hold" grpId="0" nodeType="clickEffect">
+                                  <p:stCondLst>
+                                    <p:cond delay="0"/>
+                                  </p:stCondLst>
+                                  <p:childTnLst>
+                                    <p:set>
+                                      <p:cBhvr>
+                                        <p:cTn id="18" dur="1" fill="hold">
+                                          <p:stCondLst>
+                                            <p:cond delay="0"/>
+                                          </p:stCondLst>
+                                        </p:cTn>
+                                        <p:tgtEl>
+                                          <p:spTgt spid="5">
+                                            <p:txEl>
+                                              <p:pRg st="3" end="3"/>
+                                            </p:txEl>
+                                          </p:spTgt>
+                                        </p:tgtEl>
+                                        <p:attrNameLst>
+                                          <p:attrName>style.visibility</p:attrName>
+                                        </p:attrNameLst>
+                                      </p:cBhvr>
+                                      <p:to>
+                                        <p:strVal val="visible"/>
+                                      </p:to>
+                                    </p:set>
+                                  </p:childTnLst>
+                                </p:cTn>
+                              </p:par>
+                            </p:childTnLst>
+                          </p:cTn>
+                        </p:par>
+                      </p:childTnLst>
+                    </p:cTn>
+                  </p:par>
+                </p:childTnLst>
+              </p:cTn>
+              <p:prevCondLst>
+                <p:cond evt="onPrev" delay="0">
+                  <p:tgtEl>
+                    <p:sldTgt/>
+                  </p:tgtEl>
+                </p:cond>
+              </p:prevCondLst>
+              <p:nextCondLst>
+                <p:cond evt="onNext" delay="0">
+                  <p:tgtEl>
+                    <p:sldTgt/>
+                  </p:tgtEl>
+                </p:cond>
+              </p:nextCondLst>
+            </p:seq>
+          </p:childTnLst>
+        </p:cTn>
+      </p:par>
+    </p:tnLst>
+    <p:bldLst>
+      <p:bldP spid="5" grpId="0" build="p"/>
+    </p:bldLst>
+  </p:timing>
+</p:sld>
+</file>
+
+<file path=ppt/slides/slide20.xml><?xml version="1.0" encoding="utf-8"?>
 <p:sld xmlns:a="http://schemas.openxmlformats.org/drawingml/2006/main" xmlns:r="http://schemas.openxmlformats.org/officeDocument/2006/relationships" xmlns:p="http://schemas.openxmlformats.org/presentationml/2006/main">
   <p:cSld>
     <p:spTree>
@@ -8714,7 +9555,7 @@
             </a:r>
             <a:r>
               <a:rPr lang="pt-PT" dirty="0" smtClean="0"/>
-              <a:t>.</a:t>
+              <a:t> em Java.</a:t>
             </a:r>
             <a:endParaRPr lang="pt-PT" dirty="0"/>
           </a:p>
@@ -8735,7 +9576,351 @@
 </p:sld>
 </file>
 
-<file path=ppt/slides/slide17.xml><?xml version="1.0" encoding="utf-8"?>
+<file path=ppt/slides/slide21.xml><?xml version="1.0" encoding="utf-8"?>
+<p:sld xmlns:a="http://schemas.openxmlformats.org/drawingml/2006/main" xmlns:r="http://schemas.openxmlformats.org/officeDocument/2006/relationships" xmlns:p="http://schemas.openxmlformats.org/presentationml/2006/main">
+  <p:cSld>
+    <p:spTree>
+      <p:nvGrpSpPr>
+        <p:cNvPr id="1" name=""/>
+        <p:cNvGrpSpPr/>
+        <p:nvPr/>
+      </p:nvGrpSpPr>
+      <p:grpSpPr>
+        <a:xfrm>
+          <a:off x="0" y="0"/>
+          <a:ext cx="0" cy="0"/>
+          <a:chOff x="0" y="0"/>
+          <a:chExt cx="0" cy="0"/>
+        </a:xfrm>
+      </p:grpSpPr>
+      <p:sp>
+        <p:nvSpPr>
+          <p:cNvPr id="2" name="Marcador de Posição do Texto 1"/>
+          <p:cNvSpPr>
+            <a:spLocks noGrp="1"/>
+          </p:cNvSpPr>
+          <p:nvPr>
+            <p:ph type="body" sz="quarter" idx="13"/>
+          </p:nvPr>
+        </p:nvSpPr>
+        <p:spPr>
+          <a:xfrm>
+            <a:off x="2159732" y="1057300"/>
+            <a:ext cx="4824536" cy="3240360"/>
+          </a:xfrm>
+        </p:spPr>
+        <p:txBody>
+          <a:bodyPr/>
+          <a:lstStyle/>
+          <a:p>
+            <a:r>
+              <a:rPr lang="pt-PT" sz="1400" dirty="0" smtClean="0">
+                <a:solidFill>
+                  <a:srgbClr val="333333"/>
+                </a:solidFill>
+                <a:latin typeface="Consolas" pitchFamily="49" charset="0"/>
+              </a:rPr>
+              <a:t>{</a:t>
+            </a:r>
+          </a:p>
+          <a:p>
+            <a:r>
+              <a:rPr lang="pt-PT" sz="1400" dirty="0" smtClean="0">
+                <a:solidFill>
+                  <a:srgbClr val="333333"/>
+                </a:solidFill>
+                <a:latin typeface="Consolas" pitchFamily="49" charset="0"/>
+              </a:rPr>
+              <a:t>  "</a:t>
+            </a:r>
+            <a:r>
+              <a:rPr lang="pt-PT" sz="1400" dirty="0" err="1" smtClean="0">
+                <a:solidFill>
+                  <a:srgbClr val="333333"/>
+                </a:solidFill>
+                <a:latin typeface="Consolas" pitchFamily="49" charset="0"/>
+              </a:rPr>
+              <a:t>tests</a:t>
+            </a:r>
+            <a:r>
+              <a:rPr lang="pt-PT" sz="1400" dirty="0" smtClean="0">
+                <a:solidFill>
+                  <a:srgbClr val="333333"/>
+                </a:solidFill>
+                <a:latin typeface="Consolas" pitchFamily="49" charset="0"/>
+              </a:rPr>
+              <a:t>": [</a:t>
+            </a:r>
+          </a:p>
+          <a:p>
+            <a:r>
+              <a:rPr lang="pt-PT" sz="1400" dirty="0" smtClean="0">
+                <a:solidFill>
+                  <a:srgbClr val="333333"/>
+                </a:solidFill>
+                <a:latin typeface="Consolas" pitchFamily="49" charset="0"/>
+              </a:rPr>
+              <a:t>    {</a:t>
+            </a:r>
+          </a:p>
+          <a:p>
+            <a:r>
+              <a:rPr lang="pt-PT" sz="1400" dirty="0" smtClean="0">
+                <a:solidFill>
+                  <a:srgbClr val="333333"/>
+                </a:solidFill>
+                <a:latin typeface="Consolas" pitchFamily="49" charset="0"/>
+              </a:rPr>
+              <a:t>      "id": 1,</a:t>
+            </a:r>
+          </a:p>
+          <a:p>
+            <a:r>
+              <a:rPr lang="pt-PT" sz="1400" dirty="0" smtClean="0">
+                <a:solidFill>
+                  <a:srgbClr val="333333"/>
+                </a:solidFill>
+                <a:latin typeface="Consolas" pitchFamily="49" charset="0"/>
+              </a:rPr>
+              <a:t>      "</a:t>
+            </a:r>
+            <a:r>
+              <a:rPr lang="pt-PT" sz="1400" dirty="0" err="1" smtClean="0">
+                <a:solidFill>
+                  <a:srgbClr val="333333"/>
+                </a:solidFill>
+                <a:latin typeface="Consolas" pitchFamily="49" charset="0"/>
+              </a:rPr>
+              <a:t>title</a:t>
+            </a:r>
+            <a:r>
+              <a:rPr lang="pt-PT" sz="1400" dirty="0" smtClean="0">
+                <a:solidFill>
+                  <a:srgbClr val="333333"/>
+                </a:solidFill>
+                <a:latin typeface="Consolas" pitchFamily="49" charset="0"/>
+              </a:rPr>
+              <a:t>": </a:t>
+            </a:r>
+            <a:r>
+              <a:rPr lang="pt-PT" sz="1400" dirty="0" smtClean="0">
+                <a:solidFill>
+                  <a:srgbClr val="A31515"/>
+                </a:solidFill>
+                <a:latin typeface="Consolas" pitchFamily="49" charset="0"/>
+              </a:rPr>
+              <a:t>"O Capuchinho Vermelho"</a:t>
+            </a:r>
+            <a:r>
+              <a:rPr lang="pt-PT" sz="1400" dirty="0" smtClean="0">
+                <a:solidFill>
+                  <a:srgbClr val="333333"/>
+                </a:solidFill>
+                <a:latin typeface="Consolas" pitchFamily="49" charset="0"/>
+              </a:rPr>
+              <a:t>,</a:t>
+            </a:r>
+          </a:p>
+          <a:p>
+            <a:r>
+              <a:rPr lang="pt-PT" sz="1400" dirty="0" smtClean="0">
+                <a:solidFill>
+                  <a:srgbClr val="333333"/>
+                </a:solidFill>
+                <a:latin typeface="Consolas" pitchFamily="49" charset="0"/>
+              </a:rPr>
+              <a:t>      "</a:t>
+            </a:r>
+            <a:r>
+              <a:rPr lang="pt-PT" sz="1400" dirty="0" err="1" smtClean="0">
+                <a:solidFill>
+                  <a:srgbClr val="333333"/>
+                </a:solidFill>
+                <a:latin typeface="Consolas" pitchFamily="49" charset="0"/>
+              </a:rPr>
+              <a:t>text</a:t>
+            </a:r>
+            <a:r>
+              <a:rPr lang="pt-PT" sz="1400" dirty="0" smtClean="0">
+                <a:solidFill>
+                  <a:srgbClr val="333333"/>
+                </a:solidFill>
+                <a:latin typeface="Consolas" pitchFamily="49" charset="0"/>
+              </a:rPr>
+              <a:t>": </a:t>
+            </a:r>
+            <a:r>
+              <a:rPr lang="pt-PT" sz="1400" dirty="0" smtClean="0">
+                <a:solidFill>
+                  <a:srgbClr val="A31515"/>
+                </a:solidFill>
+                <a:latin typeface="Consolas" pitchFamily="49" charset="0"/>
+              </a:rPr>
+              <a:t>"Era uma vez..."</a:t>
+            </a:r>
+            <a:r>
+              <a:rPr lang="pt-PT" sz="1400" dirty="0" smtClean="0">
+                <a:solidFill>
+                  <a:srgbClr val="333333"/>
+                </a:solidFill>
+                <a:latin typeface="Consolas" pitchFamily="49" charset="0"/>
+              </a:rPr>
+              <a:t>,</a:t>
+            </a:r>
+          </a:p>
+          <a:p>
+            <a:r>
+              <a:rPr lang="pt-PT" sz="1400" dirty="0" smtClean="0">
+                <a:solidFill>
+                  <a:srgbClr val="333333"/>
+                </a:solidFill>
+                <a:latin typeface="Consolas" pitchFamily="49" charset="0"/>
+              </a:rPr>
+              <a:t>      "</a:t>
+            </a:r>
+            <a:r>
+              <a:rPr lang="pt-PT" sz="1400" dirty="0" err="1" smtClean="0">
+                <a:solidFill>
+                  <a:srgbClr val="333333"/>
+                </a:solidFill>
+                <a:latin typeface="Consolas" pitchFamily="49" charset="0"/>
+              </a:rPr>
+              <a:t>professorName</a:t>
+            </a:r>
+            <a:r>
+              <a:rPr lang="pt-PT" sz="1400" dirty="0" smtClean="0">
+                <a:solidFill>
+                  <a:srgbClr val="333333"/>
+                </a:solidFill>
+                <a:latin typeface="Consolas" pitchFamily="49" charset="0"/>
+              </a:rPr>
+              <a:t>": </a:t>
+            </a:r>
+            <a:r>
+              <a:rPr lang="pt-PT" sz="1400" dirty="0" smtClean="0">
+                <a:solidFill>
+                  <a:srgbClr val="A31515"/>
+                </a:solidFill>
+                <a:latin typeface="Consolas" pitchFamily="49" charset="0"/>
+              </a:rPr>
+              <a:t>"Um professor qualquer"</a:t>
+            </a:r>
+            <a:r>
+              <a:rPr lang="pt-PT" sz="1400" dirty="0" smtClean="0">
+                <a:solidFill>
+                  <a:srgbClr val="333333"/>
+                </a:solidFill>
+                <a:latin typeface="Consolas" pitchFamily="49" charset="0"/>
+              </a:rPr>
+              <a:t>,</a:t>
+            </a:r>
+          </a:p>
+          <a:p>
+            <a:r>
+              <a:rPr lang="pt-PT" sz="1400" dirty="0" smtClean="0">
+                <a:solidFill>
+                  <a:srgbClr val="333333"/>
+                </a:solidFill>
+                <a:latin typeface="Consolas" pitchFamily="49" charset="0"/>
+              </a:rPr>
+              <a:t>      "</a:t>
+            </a:r>
+            <a:r>
+              <a:rPr lang="pt-PT" sz="1400" dirty="0" err="1" smtClean="0">
+                <a:solidFill>
+                  <a:srgbClr val="333333"/>
+                </a:solidFill>
+                <a:latin typeface="Consolas" pitchFamily="49" charset="0"/>
+              </a:rPr>
+              <a:t>maxTries</a:t>
+            </a:r>
+            <a:r>
+              <a:rPr lang="pt-PT" sz="1400" dirty="0" smtClean="0">
+                <a:solidFill>
+                  <a:srgbClr val="333333"/>
+                </a:solidFill>
+                <a:latin typeface="Consolas" pitchFamily="49" charset="0"/>
+              </a:rPr>
+              <a:t>": 3</a:t>
+            </a:r>
+          </a:p>
+          <a:p>
+            <a:r>
+              <a:rPr lang="pt-PT" sz="1400" dirty="0" smtClean="0">
+                <a:solidFill>
+                  <a:srgbClr val="333333"/>
+                </a:solidFill>
+                <a:latin typeface="Consolas" pitchFamily="49" charset="0"/>
+              </a:rPr>
+              <a:t>    }</a:t>
+            </a:r>
+          </a:p>
+          <a:p>
+            <a:r>
+              <a:rPr lang="pt-PT" sz="1400" dirty="0" smtClean="0">
+                <a:solidFill>
+                  <a:srgbClr val="333333"/>
+                </a:solidFill>
+                <a:latin typeface="Consolas" pitchFamily="49" charset="0"/>
+              </a:rPr>
+              <a:t>  ]</a:t>
+            </a:r>
+          </a:p>
+          <a:p>
+            <a:r>
+              <a:rPr lang="pt-PT" sz="1400" dirty="0" smtClean="0">
+                <a:solidFill>
+                  <a:srgbClr val="333333"/>
+                </a:solidFill>
+                <a:latin typeface="Consolas" pitchFamily="49" charset="0"/>
+              </a:rPr>
+              <a:t>}</a:t>
+            </a:r>
+          </a:p>
+          <a:p>
+            <a:endParaRPr lang="pt-PT" dirty="0"/>
+          </a:p>
+        </p:txBody>
+      </p:sp>
+      <p:sp>
+        <p:nvSpPr>
+          <p:cNvPr id="3" name="Marcador de Posição do Texto 2"/>
+          <p:cNvSpPr>
+            <a:spLocks noGrp="1"/>
+          </p:cNvSpPr>
+          <p:nvPr>
+            <p:ph type="body" sz="quarter" idx="14"/>
+          </p:nvPr>
+        </p:nvSpPr>
+        <p:spPr/>
+        <p:txBody>
+          <a:bodyPr/>
+          <a:lstStyle/>
+          <a:p>
+            <a:r>
+              <a:rPr lang="pt-PT" dirty="0" smtClean="0"/>
+              <a:t>Estrutura do ficheiro JSON para GET dos dados.</a:t>
+            </a:r>
+            <a:endParaRPr lang="pt-PT" dirty="0"/>
+          </a:p>
+        </p:txBody>
+      </p:sp>
+    </p:spTree>
+  </p:cSld>
+  <p:clrMapOvr>
+    <a:masterClrMapping/>
+  </p:clrMapOvr>
+  <p:timing>
+    <p:tnLst>
+      <p:par>
+        <p:cTn id="1" dur="indefinite" restart="never" nodeType="tmRoot"/>
+      </p:par>
+    </p:tnLst>
+  </p:timing>
+</p:sld>
+</file>
+
+<file path=ppt/slides/slide22.xml><?xml version="1.0" encoding="utf-8"?>
 <p:sld xmlns:a="http://schemas.openxmlformats.org/drawingml/2006/main" xmlns:r="http://schemas.openxmlformats.org/officeDocument/2006/relationships" xmlns:p="http://schemas.openxmlformats.org/presentationml/2006/main">
   <p:cSld>
     <p:spTree>
@@ -10371,7 +11556,7 @@
 </p:sld>
 </file>
 
-<file path=ppt/slides/slide18.xml><?xml version="1.0" encoding="utf-8"?>
+<file path=ppt/slides/slide23.xml><?xml version="1.0" encoding="utf-8"?>
 <p:sld xmlns:a="http://schemas.openxmlformats.org/drawingml/2006/main" xmlns:r="http://schemas.openxmlformats.org/officeDocument/2006/relationships" xmlns:p="http://schemas.openxmlformats.org/presentationml/2006/main">
   <p:cSld>
     <p:spTree>
@@ -11862,7 +13047,7 @@
 </p:sld>
 </file>
 
-<file path=ppt/slides/slide19.xml><?xml version="1.0" encoding="utf-8"?>
+<file path=ppt/slides/slide24.xml><?xml version="1.0" encoding="utf-8"?>
 <p:sld xmlns:a="http://schemas.openxmlformats.org/drawingml/2006/main" xmlns:r="http://schemas.openxmlformats.org/officeDocument/2006/relationships" xmlns:p="http://schemas.openxmlformats.org/presentationml/2006/main">
   <p:cSld>
     <p:spTree>
@@ -13488,338 +14673,7 @@
 </p:sld>
 </file>
 
-<file path=ppt/slides/slide2.xml><?xml version="1.0" encoding="utf-8"?>
-<p:sld xmlns:a="http://schemas.openxmlformats.org/drawingml/2006/main" xmlns:r="http://schemas.openxmlformats.org/officeDocument/2006/relationships" xmlns:p="http://schemas.openxmlformats.org/presentationml/2006/main">
-  <p:cSld>
-    <p:spTree>
-      <p:nvGrpSpPr>
-        <p:cNvPr id="1" name=""/>
-        <p:cNvGrpSpPr/>
-        <p:nvPr/>
-      </p:nvGrpSpPr>
-      <p:grpSpPr>
-        <a:xfrm>
-          <a:off x="0" y="0"/>
-          <a:ext cx="0" cy="0"/>
-          <a:chOff x="0" y="0"/>
-          <a:chExt cx="0" cy="0"/>
-        </a:xfrm>
-      </p:grpSpPr>
-      <p:sp>
-        <p:nvSpPr>
-          <p:cNvPr id="4" name="Título 3"/>
-          <p:cNvSpPr>
-            <a:spLocks noGrp="1"/>
-          </p:cNvSpPr>
-          <p:nvPr>
-            <p:ph type="title"/>
-          </p:nvPr>
-        </p:nvSpPr>
-        <p:spPr/>
-        <p:txBody>
-          <a:bodyPr/>
-          <a:lstStyle/>
-          <a:p>
-            <a:r>
-              <a:rPr lang="pt-PT" dirty="0" smtClean="0"/>
-              <a:t>Conteúdos</a:t>
-            </a:r>
-            <a:endParaRPr lang="pt-PT" dirty="0"/>
-          </a:p>
-        </p:txBody>
-      </p:sp>
-      <p:sp>
-        <p:nvSpPr>
-          <p:cNvPr id="5" name="Marcador de Posição de Conteúdo 4"/>
-          <p:cNvSpPr>
-            <a:spLocks noGrp="1"/>
-          </p:cNvSpPr>
-          <p:nvPr>
-            <p:ph idx="1"/>
-          </p:nvPr>
-        </p:nvSpPr>
-        <p:spPr/>
-        <p:txBody>
-          <a:bodyPr/>
-          <a:lstStyle/>
-          <a:p>
-            <a:r>
-              <a:rPr lang="pt-PT" dirty="0" smtClean="0"/>
-              <a:t>Tecnologias propostas</a:t>
-            </a:r>
-          </a:p>
-          <a:p>
-            <a:r>
-              <a:rPr lang="pt-PT" dirty="0" smtClean="0"/>
-              <a:t>Descrição e demonstração do S.I.</a:t>
-            </a:r>
-          </a:p>
-          <a:p>
-            <a:r>
-              <a:rPr lang="pt-PT" dirty="0" smtClean="0"/>
-              <a:t>Descrição e demonstração da </a:t>
-            </a:r>
-            <a:r>
-              <a:rPr lang="pt-PT" dirty="0" err="1" smtClean="0"/>
-              <a:t>App</a:t>
-            </a:r>
-            <a:r>
-              <a:rPr lang="pt-PT" dirty="0" smtClean="0"/>
-              <a:t> </a:t>
-            </a:r>
-            <a:r>
-              <a:rPr lang="pt-PT" dirty="0" err="1" smtClean="0"/>
-              <a:t>Android</a:t>
-            </a:r>
-            <a:endParaRPr lang="pt-PT" dirty="0" smtClean="0"/>
-          </a:p>
-          <a:p>
-            <a:r>
-              <a:rPr lang="pt-PT" dirty="0" smtClean="0"/>
-              <a:t>Tecnologias em investigação</a:t>
-            </a:r>
-            <a:endParaRPr lang="pt-PT" dirty="0"/>
-          </a:p>
-        </p:txBody>
-      </p:sp>
-    </p:spTree>
-  </p:cSld>
-  <p:clrMapOvr>
-    <a:masterClrMapping/>
-  </p:clrMapOvr>
-  <p:timing>
-    <p:tnLst>
-      <p:par>
-        <p:cTn id="1" dur="indefinite" restart="never" nodeType="tmRoot">
-          <p:childTnLst>
-            <p:seq concurrent="1" nextAc="seek">
-              <p:cTn id="2" dur="indefinite" nodeType="mainSeq">
-                <p:childTnLst>
-                  <p:par>
-                    <p:cTn id="3" fill="hold">
-                      <p:stCondLst>
-                        <p:cond delay="indefinite"/>
-                      </p:stCondLst>
-                      <p:childTnLst>
-                        <p:par>
-                          <p:cTn id="4" fill="hold">
-                            <p:stCondLst>
-                              <p:cond delay="0"/>
-                            </p:stCondLst>
-                            <p:childTnLst>
-                              <p:par>
-                                <p:cTn id="5" presetID="1" presetClass="entr" presetSubtype="0" fill="hold" grpId="0" nodeType="clickEffect">
-                                  <p:stCondLst>
-                                    <p:cond delay="0"/>
-                                  </p:stCondLst>
-                                  <p:childTnLst>
-                                    <p:set>
-                                      <p:cBhvr>
-                                        <p:cTn id="6" dur="1" fill="hold">
-                                          <p:stCondLst>
-                                            <p:cond delay="0"/>
-                                          </p:stCondLst>
-                                        </p:cTn>
-                                        <p:tgtEl>
-                                          <p:spTgt spid="5">
-                                            <p:txEl>
-                                              <p:pRg st="0" end="0"/>
-                                            </p:txEl>
-                                          </p:spTgt>
-                                        </p:tgtEl>
-                                        <p:attrNameLst>
-                                          <p:attrName>style.visibility</p:attrName>
-                                        </p:attrNameLst>
-                                      </p:cBhvr>
-                                      <p:to>
-                                        <p:strVal val="visible"/>
-                                      </p:to>
-                                    </p:set>
-                                  </p:childTnLst>
-                                </p:cTn>
-                              </p:par>
-                            </p:childTnLst>
-                          </p:cTn>
-                        </p:par>
-                      </p:childTnLst>
-                    </p:cTn>
-                  </p:par>
-                  <p:par>
-                    <p:cTn id="7" fill="hold">
-                      <p:stCondLst>
-                        <p:cond delay="indefinite"/>
-                      </p:stCondLst>
-                      <p:childTnLst>
-                        <p:par>
-                          <p:cTn id="8" fill="hold">
-                            <p:stCondLst>
-                              <p:cond delay="0"/>
-                            </p:stCondLst>
-                            <p:childTnLst>
-                              <p:par>
-                                <p:cTn id="9" presetID="1" presetClass="entr" presetSubtype="0" fill="hold" grpId="0" nodeType="clickEffect">
-                                  <p:stCondLst>
-                                    <p:cond delay="0"/>
-                                  </p:stCondLst>
-                                  <p:childTnLst>
-                                    <p:set>
-                                      <p:cBhvr>
-                                        <p:cTn id="10" dur="1" fill="hold">
-                                          <p:stCondLst>
-                                            <p:cond delay="0"/>
-                                          </p:stCondLst>
-                                        </p:cTn>
-                                        <p:tgtEl>
-                                          <p:spTgt spid="5">
-                                            <p:txEl>
-                                              <p:pRg st="1" end="1"/>
-                                            </p:txEl>
-                                          </p:spTgt>
-                                        </p:tgtEl>
-                                        <p:attrNameLst>
-                                          <p:attrName>style.visibility</p:attrName>
-                                        </p:attrNameLst>
-                                      </p:cBhvr>
-                                      <p:to>
-                                        <p:strVal val="visible"/>
-                                      </p:to>
-                                    </p:set>
-                                  </p:childTnLst>
-                                </p:cTn>
-                              </p:par>
-                            </p:childTnLst>
-                          </p:cTn>
-                        </p:par>
-                      </p:childTnLst>
-                    </p:cTn>
-                  </p:par>
-                  <p:par>
-                    <p:cTn id="11" fill="hold">
-                      <p:stCondLst>
-                        <p:cond delay="indefinite"/>
-                      </p:stCondLst>
-                      <p:childTnLst>
-                        <p:par>
-                          <p:cTn id="12" fill="hold">
-                            <p:stCondLst>
-                              <p:cond delay="0"/>
-                            </p:stCondLst>
-                            <p:childTnLst>
-                              <p:par>
-                                <p:cTn id="13" presetID="1" presetClass="entr" presetSubtype="0" fill="hold" grpId="0" nodeType="clickEffect">
-                                  <p:stCondLst>
-                                    <p:cond delay="0"/>
-                                  </p:stCondLst>
-                                  <p:childTnLst>
-                                    <p:set>
-                                      <p:cBhvr>
-                                        <p:cTn id="14" dur="1" fill="hold">
-                                          <p:stCondLst>
-                                            <p:cond delay="0"/>
-                                          </p:stCondLst>
-                                        </p:cTn>
-                                        <p:tgtEl>
-                                          <p:spTgt spid="5">
-                                            <p:txEl>
-                                              <p:pRg st="2" end="2"/>
-                                            </p:txEl>
-                                          </p:spTgt>
-                                        </p:tgtEl>
-                                        <p:attrNameLst>
-                                          <p:attrName>style.visibility</p:attrName>
-                                        </p:attrNameLst>
-                                      </p:cBhvr>
-                                      <p:to>
-                                        <p:strVal val="visible"/>
-                                      </p:to>
-                                    </p:set>
-                                  </p:childTnLst>
-                                </p:cTn>
-                              </p:par>
-                            </p:childTnLst>
-                          </p:cTn>
-                        </p:par>
-                      </p:childTnLst>
-                    </p:cTn>
-                  </p:par>
-                  <p:par>
-                    <p:cTn id="15" fill="hold">
-                      <p:stCondLst>
-                        <p:cond delay="indefinite"/>
-                      </p:stCondLst>
-                      <p:childTnLst>
-                        <p:par>
-                          <p:cTn id="16" fill="hold">
-                            <p:stCondLst>
-                              <p:cond delay="0"/>
-                            </p:stCondLst>
-                            <p:childTnLst>
-                              <p:par>
-                                <p:cTn id="17" presetID="1" presetClass="entr" presetSubtype="0" fill="hold" grpId="0" nodeType="clickEffect">
-                                  <p:stCondLst>
-                                    <p:cond delay="0"/>
-                                  </p:stCondLst>
-                                  <p:childTnLst>
-                                    <p:set>
-                                      <p:cBhvr>
-                                        <p:cTn id="18" dur="1" fill="hold">
-                                          <p:stCondLst>
-                                            <p:cond delay="0"/>
-                                          </p:stCondLst>
-                                        </p:cTn>
-                                        <p:tgtEl>
-                                          <p:spTgt spid="5">
-                                            <p:txEl>
-                                              <p:pRg st="3" end="3"/>
-                                            </p:txEl>
-                                          </p:spTgt>
-                                        </p:tgtEl>
-                                        <p:attrNameLst>
-                                          <p:attrName>style.visibility</p:attrName>
-                                        </p:attrNameLst>
-                                      </p:cBhvr>
-                                      <p:to>
-                                        <p:strVal val="visible"/>
-                                      </p:to>
-                                    </p:set>
-                                  </p:childTnLst>
-                                </p:cTn>
-                              </p:par>
-                            </p:childTnLst>
-                          </p:cTn>
-                        </p:par>
-                      </p:childTnLst>
-                    </p:cTn>
-                  </p:par>
-                </p:childTnLst>
-              </p:cTn>
-              <p:prevCondLst>
-                <p:cond evt="onPrev" delay="0">
-                  <p:tgtEl>
-                    <p:sldTgt/>
-                  </p:tgtEl>
-                </p:cond>
-              </p:prevCondLst>
-              <p:nextCondLst>
-                <p:cond evt="onNext" delay="0">
-                  <p:tgtEl>
-                    <p:sldTgt/>
-                  </p:tgtEl>
-                </p:cond>
-              </p:nextCondLst>
-            </p:seq>
-          </p:childTnLst>
-        </p:cTn>
-      </p:par>
-    </p:tnLst>
-    <p:bldLst>
-      <p:bldP spid="5" grpId="0" build="p"/>
-    </p:bldLst>
-  </p:timing>
-</p:sld>
-</file>
-
-<file path=ppt/slides/slide20.xml><?xml version="1.0" encoding="utf-8"?>
+<file path=ppt/slides/slide25.xml><?xml version="1.0" encoding="utf-8"?>
 <p:sld xmlns:a="http://schemas.openxmlformats.org/drawingml/2006/main" xmlns:r="http://schemas.openxmlformats.org/officeDocument/2006/relationships" xmlns:p="http://schemas.openxmlformats.org/presentationml/2006/main">
   <p:cSld>
     <p:spTree>
@@ -13884,7 +14738,7 @@
             </a:r>
             <a:r>
               <a:rPr lang="pt-PT" dirty="0" smtClean="0"/>
-              <a:t>.</a:t>
+              <a:t> em Java.</a:t>
             </a:r>
             <a:endParaRPr lang="pt-PT" dirty="0"/>
           </a:p>
@@ -13905,7 +14759,332 @@
 </p:sld>
 </file>
 
-<file path=ppt/slides/slide21.xml><?xml version="1.0" encoding="utf-8"?>
+<file path=ppt/slides/slide26.xml><?xml version="1.0" encoding="utf-8"?>
+<p:sld xmlns:a="http://schemas.openxmlformats.org/drawingml/2006/main" xmlns:r="http://schemas.openxmlformats.org/officeDocument/2006/relationships" xmlns:p="http://schemas.openxmlformats.org/presentationml/2006/main">
+  <p:cSld>
+    <p:spTree>
+      <p:nvGrpSpPr>
+        <p:cNvPr id="1" name=""/>
+        <p:cNvGrpSpPr/>
+        <p:nvPr/>
+      </p:nvGrpSpPr>
+      <p:grpSpPr>
+        <a:xfrm>
+          <a:off x="0" y="0"/>
+          <a:ext cx="0" cy="0"/>
+          <a:chOff x="0" y="0"/>
+          <a:chExt cx="0" cy="0"/>
+        </a:xfrm>
+      </p:grpSpPr>
+      <p:sp>
+        <p:nvSpPr>
+          <p:cNvPr id="2" name="Marcador de Posição do Texto 1"/>
+          <p:cNvSpPr>
+            <a:spLocks noGrp="1"/>
+          </p:cNvSpPr>
+          <p:nvPr>
+            <p:ph type="body" sz="quarter" idx="13"/>
+          </p:nvPr>
+        </p:nvSpPr>
+        <p:spPr>
+          <a:xfrm>
+            <a:off x="2627784" y="841276"/>
+            <a:ext cx="3888432" cy="3456384"/>
+          </a:xfrm>
+        </p:spPr>
+        <p:txBody>
+          <a:bodyPr>
+            <a:normAutofit/>
+          </a:bodyPr>
+          <a:lstStyle/>
+          <a:p>
+            <a:r>
+              <a:rPr lang="pt-PT" sz="1400" dirty="0" smtClean="0">
+                <a:solidFill>
+                  <a:srgbClr val="333333"/>
+                </a:solidFill>
+                <a:latin typeface="Consolas" pitchFamily="49" charset="0"/>
+              </a:rPr>
+              <a:t>{</a:t>
+            </a:r>
+          </a:p>
+          <a:p>
+            <a:r>
+              <a:rPr lang="pt-PT" sz="1400" dirty="0" smtClean="0">
+                <a:solidFill>
+                  <a:srgbClr val="333333"/>
+                </a:solidFill>
+                <a:latin typeface="Consolas" pitchFamily="49" charset="0"/>
+              </a:rPr>
+              <a:t>  "</a:t>
+            </a:r>
+            <a:r>
+              <a:rPr lang="pt-PT" sz="1400" dirty="0" err="1" smtClean="0">
+                <a:solidFill>
+                  <a:srgbClr val="333333"/>
+                </a:solidFill>
+                <a:latin typeface="Consolas" pitchFamily="49" charset="0"/>
+              </a:rPr>
+              <a:t>solvedTests</a:t>
+            </a:r>
+            <a:r>
+              <a:rPr lang="pt-PT" sz="1400" dirty="0" smtClean="0">
+                <a:solidFill>
+                  <a:srgbClr val="333333"/>
+                </a:solidFill>
+                <a:latin typeface="Consolas" pitchFamily="49" charset="0"/>
+              </a:rPr>
+              <a:t>": [</a:t>
+            </a:r>
+          </a:p>
+          <a:p>
+            <a:r>
+              <a:rPr lang="pt-PT" sz="1400" dirty="0" smtClean="0">
+                <a:solidFill>
+                  <a:srgbClr val="333333"/>
+                </a:solidFill>
+                <a:latin typeface="Consolas" pitchFamily="49" charset="0"/>
+              </a:rPr>
+              <a:t>    {</a:t>
+            </a:r>
+          </a:p>
+          <a:p>
+            <a:r>
+              <a:rPr lang="pt-PT" sz="1400" dirty="0" smtClean="0">
+                <a:solidFill>
+                  <a:srgbClr val="333333"/>
+                </a:solidFill>
+                <a:latin typeface="Consolas" pitchFamily="49" charset="0"/>
+              </a:rPr>
+              <a:t>      "id": 1,</a:t>
+            </a:r>
+          </a:p>
+          <a:p>
+            <a:r>
+              <a:rPr lang="pt-PT" sz="1400" dirty="0" smtClean="0">
+                <a:solidFill>
+                  <a:srgbClr val="333333"/>
+                </a:solidFill>
+                <a:latin typeface="Consolas" pitchFamily="49" charset="0"/>
+              </a:rPr>
+              <a:t>      "</a:t>
+            </a:r>
+            <a:r>
+              <a:rPr lang="pt-PT" sz="1400" dirty="0" err="1" smtClean="0">
+                <a:solidFill>
+                  <a:srgbClr val="333333"/>
+                </a:solidFill>
+                <a:latin typeface="Consolas" pitchFamily="49" charset="0"/>
+              </a:rPr>
+              <a:t>testId</a:t>
+            </a:r>
+            <a:r>
+              <a:rPr lang="pt-PT" sz="1400" dirty="0" smtClean="0">
+                <a:solidFill>
+                  <a:srgbClr val="333333"/>
+                </a:solidFill>
+                <a:latin typeface="Consolas" pitchFamily="49" charset="0"/>
+              </a:rPr>
+              <a:t>": 1,</a:t>
+            </a:r>
+          </a:p>
+          <a:p>
+            <a:r>
+              <a:rPr lang="pt-PT" sz="1400" dirty="0" smtClean="0">
+                <a:solidFill>
+                  <a:srgbClr val="333333"/>
+                </a:solidFill>
+                <a:latin typeface="Consolas" pitchFamily="49" charset="0"/>
+              </a:rPr>
+              <a:t>      "</a:t>
+            </a:r>
+            <a:r>
+              <a:rPr lang="pt-PT" sz="1400" dirty="0" err="1" smtClean="0">
+                <a:solidFill>
+                  <a:srgbClr val="333333"/>
+                </a:solidFill>
+                <a:latin typeface="Consolas" pitchFamily="49" charset="0"/>
+              </a:rPr>
+              <a:t>completionDate</a:t>
+            </a:r>
+            <a:r>
+              <a:rPr lang="pt-PT" sz="1400" dirty="0" smtClean="0">
+                <a:solidFill>
+                  <a:srgbClr val="333333"/>
+                </a:solidFill>
+                <a:latin typeface="Consolas" pitchFamily="49" charset="0"/>
+              </a:rPr>
+              <a:t>": </a:t>
+            </a:r>
+            <a:r>
+              <a:rPr lang="pt-PT" sz="1400" dirty="0" smtClean="0">
+                <a:solidFill>
+                  <a:srgbClr val="A31515"/>
+                </a:solidFill>
+                <a:latin typeface="Consolas" pitchFamily="49" charset="0"/>
+              </a:rPr>
+              <a:t>"1-1-2014"</a:t>
+            </a:r>
+            <a:r>
+              <a:rPr lang="pt-PT" sz="1400" dirty="0" smtClean="0">
+                <a:solidFill>
+                  <a:srgbClr val="333333"/>
+                </a:solidFill>
+                <a:latin typeface="Consolas" pitchFamily="49" charset="0"/>
+              </a:rPr>
+              <a:t>,</a:t>
+            </a:r>
+          </a:p>
+          <a:p>
+            <a:r>
+              <a:rPr lang="pt-PT" sz="1400" dirty="0" smtClean="0">
+                <a:solidFill>
+                  <a:srgbClr val="333333"/>
+                </a:solidFill>
+                <a:latin typeface="Consolas" pitchFamily="49" charset="0"/>
+              </a:rPr>
+              <a:t>      "</a:t>
+            </a:r>
+            <a:r>
+              <a:rPr lang="pt-PT" sz="1400" dirty="0" err="1" smtClean="0">
+                <a:solidFill>
+                  <a:srgbClr val="333333"/>
+                </a:solidFill>
+                <a:latin typeface="Consolas" pitchFamily="49" charset="0"/>
+              </a:rPr>
+              <a:t>studentName</a:t>
+            </a:r>
+            <a:r>
+              <a:rPr lang="pt-PT" sz="1400" dirty="0" smtClean="0">
+                <a:solidFill>
+                  <a:srgbClr val="333333"/>
+                </a:solidFill>
+                <a:latin typeface="Consolas" pitchFamily="49" charset="0"/>
+              </a:rPr>
+              <a:t>": </a:t>
+            </a:r>
+            <a:r>
+              <a:rPr lang="pt-PT" sz="1400" dirty="0" smtClean="0">
+                <a:solidFill>
+                  <a:srgbClr val="A31515"/>
+                </a:solidFill>
+                <a:latin typeface="Consolas" pitchFamily="49" charset="0"/>
+              </a:rPr>
+              <a:t>"Nome do aluno"</a:t>
+            </a:r>
+            <a:r>
+              <a:rPr lang="pt-PT" sz="1400" dirty="0" smtClean="0">
+                <a:solidFill>
+                  <a:srgbClr val="333333"/>
+                </a:solidFill>
+                <a:latin typeface="Consolas" pitchFamily="49" charset="0"/>
+              </a:rPr>
+              <a:t>,</a:t>
+            </a:r>
+          </a:p>
+          <a:p>
+            <a:r>
+              <a:rPr lang="pt-PT" sz="1400" dirty="0" smtClean="0">
+                <a:solidFill>
+                  <a:srgbClr val="333333"/>
+                </a:solidFill>
+                <a:latin typeface="Consolas" pitchFamily="49" charset="0"/>
+              </a:rPr>
+              <a:t>      "voiceBase64": </a:t>
+            </a:r>
+            <a:r>
+              <a:rPr lang="pt-PT" sz="1400" dirty="0" smtClean="0">
+                <a:solidFill>
+                  <a:srgbClr val="A31515"/>
+                </a:solidFill>
+                <a:latin typeface="Consolas" pitchFamily="49" charset="0"/>
+              </a:rPr>
+              <a:t>""</a:t>
+            </a:r>
+            <a:endParaRPr lang="pt-PT" sz="1400" dirty="0" smtClean="0">
+              <a:solidFill>
+                <a:srgbClr val="333333"/>
+              </a:solidFill>
+              <a:latin typeface="Consolas" pitchFamily="49" charset="0"/>
+            </a:endParaRPr>
+          </a:p>
+          <a:p>
+            <a:r>
+              <a:rPr lang="pt-PT" sz="1400" dirty="0" smtClean="0">
+                <a:solidFill>
+                  <a:srgbClr val="333333"/>
+                </a:solidFill>
+                <a:latin typeface="Consolas" pitchFamily="49" charset="0"/>
+              </a:rPr>
+              <a:t>    }</a:t>
+            </a:r>
+          </a:p>
+          <a:p>
+            <a:r>
+              <a:rPr lang="pt-PT" sz="1400" dirty="0" smtClean="0">
+                <a:solidFill>
+                  <a:srgbClr val="333333"/>
+                </a:solidFill>
+                <a:latin typeface="Consolas" pitchFamily="49" charset="0"/>
+              </a:rPr>
+              <a:t>  ]</a:t>
+            </a:r>
+          </a:p>
+          <a:p>
+            <a:r>
+              <a:rPr lang="pt-PT" sz="1400" dirty="0" smtClean="0">
+                <a:solidFill>
+                  <a:srgbClr val="333333"/>
+                </a:solidFill>
+                <a:latin typeface="Consolas" pitchFamily="49" charset="0"/>
+              </a:rPr>
+              <a:t>}</a:t>
+            </a:r>
+            <a:endParaRPr lang="pt-PT" sz="1400" dirty="0">
+              <a:latin typeface="Consolas" pitchFamily="49" charset="0"/>
+            </a:endParaRPr>
+          </a:p>
+        </p:txBody>
+      </p:sp>
+      <p:sp>
+        <p:nvSpPr>
+          <p:cNvPr id="3" name="Marcador de Posição do Texto 2"/>
+          <p:cNvSpPr>
+            <a:spLocks noGrp="1"/>
+          </p:cNvSpPr>
+          <p:nvPr>
+            <p:ph type="body" sz="quarter" idx="14"/>
+          </p:nvPr>
+        </p:nvSpPr>
+        <p:spPr/>
+        <p:txBody>
+          <a:bodyPr/>
+          <a:lstStyle/>
+          <a:p>
+            <a:r>
+              <a:rPr lang="pt-PT" dirty="0" smtClean="0"/>
+              <a:t>Estrutura do ficheiro JSON para POST dos dados.</a:t>
+            </a:r>
+            <a:endParaRPr lang="pt-PT" dirty="0"/>
+          </a:p>
+        </p:txBody>
+      </p:sp>
+    </p:spTree>
+  </p:cSld>
+  <p:clrMapOvr>
+    <a:masterClrMapping/>
+  </p:clrMapOvr>
+  <p:timing>
+    <p:tnLst>
+      <p:par>
+        <p:cTn id="1" dur="indefinite" restart="never" nodeType="tmRoot"/>
+      </p:par>
+    </p:tnLst>
+  </p:timing>
+</p:sld>
+</file>
+
+<file path=ppt/slides/slide27.xml><?xml version="1.0" encoding="utf-8"?>
 <p:sld xmlns:a="http://schemas.openxmlformats.org/drawingml/2006/main" xmlns:r="http://schemas.openxmlformats.org/officeDocument/2006/relationships" xmlns:p="http://schemas.openxmlformats.org/presentationml/2006/main">
   <p:cSld>
     <p:spTree>
@@ -14587,12 +15766,6 @@
               </a:rPr>
               <a:t>())</a:t>
             </a:r>
-            <a:endParaRPr lang="pt-PT" sz="1400" dirty="0" smtClean="0">
-              <a:solidFill>
-                <a:srgbClr val="333333"/>
-              </a:solidFill>
-              <a:latin typeface="Consolas" pitchFamily="49" charset="0"/>
-            </a:endParaRPr>
           </a:p>
           <a:p>
             <a:r>
@@ -15376,7 +16549,7 @@
 </p:sld>
 </file>
 
-<file path=ppt/slides/slide22.xml><?xml version="1.0" encoding="utf-8"?>
+<file path=ppt/slides/slide28.xml><?xml version="1.0" encoding="utf-8"?>
 <p:sld xmlns:a="http://schemas.openxmlformats.org/drawingml/2006/main" xmlns:r="http://schemas.openxmlformats.org/officeDocument/2006/relationships" xmlns:p="http://schemas.openxmlformats.org/presentationml/2006/main">
   <p:cSld>
     <p:spTree>
@@ -15776,7 +16949,7 @@
 </p:sld>
 </file>
 
-<file path=ppt/slides/slide23.xml><?xml version="1.0" encoding="utf-8"?>
+<file path=ppt/slides/slide29.xml><?xml version="1.0" encoding="utf-8"?>
 <p:sld xmlns:a="http://schemas.openxmlformats.org/drawingml/2006/main" xmlns:r="http://schemas.openxmlformats.org/officeDocument/2006/relationships" xmlns:p="http://schemas.openxmlformats.org/presentationml/2006/main">
   <p:cSld>
     <p:spTree>
@@ -15858,7 +17031,85 @@
 </p:sld>
 </file>
 
-<file path=ppt/slides/slide24.xml><?xml version="1.0" encoding="utf-8"?>
+<file path=ppt/slides/slide3.xml><?xml version="1.0" encoding="utf-8"?>
+<p:sld xmlns:a="http://schemas.openxmlformats.org/drawingml/2006/main" xmlns:r="http://schemas.openxmlformats.org/officeDocument/2006/relationships" xmlns:p="http://schemas.openxmlformats.org/presentationml/2006/main">
+  <p:cSld>
+    <p:spTree>
+      <p:nvGrpSpPr>
+        <p:cNvPr id="1" name=""/>
+        <p:cNvGrpSpPr/>
+        <p:nvPr/>
+      </p:nvGrpSpPr>
+      <p:grpSpPr>
+        <a:xfrm>
+          <a:off x="0" y="0"/>
+          <a:ext cx="0" cy="0"/>
+          <a:chOff x="0" y="0"/>
+          <a:chExt cx="0" cy="0"/>
+        </a:xfrm>
+      </p:grpSpPr>
+      <p:sp>
+        <p:nvSpPr>
+          <p:cNvPr id="2" name="Título 1"/>
+          <p:cNvSpPr>
+            <a:spLocks noGrp="1"/>
+          </p:cNvSpPr>
+          <p:nvPr>
+            <p:ph type="ctrTitle"/>
+          </p:nvPr>
+        </p:nvSpPr>
+        <p:spPr/>
+        <p:txBody>
+          <a:bodyPr/>
+          <a:lstStyle/>
+          <a:p>
+            <a:r>
+              <a:rPr lang="pt-PT" dirty="0" smtClean="0"/>
+              <a:t>Tecnologias propostas</a:t>
+            </a:r>
+            <a:endParaRPr lang="pt-PT" dirty="0"/>
+          </a:p>
+        </p:txBody>
+      </p:sp>
+      <p:sp>
+        <p:nvSpPr>
+          <p:cNvPr id="3" name="Subtítulo 2"/>
+          <p:cNvSpPr>
+            <a:spLocks noGrp="1"/>
+          </p:cNvSpPr>
+          <p:nvPr>
+            <p:ph type="subTitle" idx="1"/>
+          </p:nvPr>
+        </p:nvSpPr>
+        <p:spPr/>
+        <p:txBody>
+          <a:bodyPr/>
+          <a:lstStyle/>
+          <a:p>
+            <a:r>
+              <a:rPr lang="pt-PT" dirty="0" smtClean="0"/>
+              <a:t>Servidores web. Protocolos. Formatos de dados.</a:t>
+            </a:r>
+            <a:endParaRPr lang="pt-PT" dirty="0"/>
+          </a:p>
+        </p:txBody>
+      </p:sp>
+    </p:spTree>
+  </p:cSld>
+  <p:clrMapOvr>
+    <a:masterClrMapping/>
+  </p:clrMapOvr>
+  <p:timing>
+    <p:tnLst>
+      <p:par>
+        <p:cTn id="1" dur="indefinite" restart="never" nodeType="tmRoot"/>
+      </p:par>
+    </p:tnLst>
+  </p:timing>
+</p:sld>
+</file>
+
+<file path=ppt/slides/slide30.xml><?xml version="1.0" encoding="utf-8"?>
 <p:sld xmlns:a="http://schemas.openxmlformats.org/drawingml/2006/main" xmlns:r="http://schemas.openxmlformats.org/officeDocument/2006/relationships" xmlns:p="http://schemas.openxmlformats.org/presentationml/2006/main">
   <p:cSld>
     <p:bg>
@@ -17543,7 +18794,7 @@
 </p:sld>
 </file>
 
-<file path=ppt/slides/slide25.xml><?xml version="1.0" encoding="utf-8"?>
+<file path=ppt/slides/slide31.xml><?xml version="1.0" encoding="utf-8"?>
 <p:sld xmlns:a="http://schemas.openxmlformats.org/drawingml/2006/main" xmlns:r="http://schemas.openxmlformats.org/officeDocument/2006/relationships" xmlns:p="http://schemas.openxmlformats.org/presentationml/2006/main">
   <p:cSld>
     <p:spTree>
@@ -17621,7 +18872,7 @@
 </p:sld>
 </file>
 
-<file path=ppt/slides/slide26.xml><?xml version="1.0" encoding="utf-8"?>
+<file path=ppt/slides/slide32.xml><?xml version="1.0" encoding="utf-8"?>
 <p:sld xmlns:a="http://schemas.openxmlformats.org/drawingml/2006/main" xmlns:r="http://schemas.openxmlformats.org/officeDocument/2006/relationships" xmlns:p="http://schemas.openxmlformats.org/presentationml/2006/main">
   <p:cSld>
     <p:bg>
@@ -19149,7 +20400,85 @@
 </p:sld>
 </file>
 
-<file path=ppt/slides/slide27.xml><?xml version="1.0" encoding="utf-8"?>
+<file path=ppt/slides/slide33.xml><?xml version="1.0" encoding="utf-8"?>
+<p:sld xmlns:a="http://schemas.openxmlformats.org/drawingml/2006/main" xmlns:r="http://schemas.openxmlformats.org/officeDocument/2006/relationships" xmlns:p="http://schemas.openxmlformats.org/presentationml/2006/main">
+  <p:cSld>
+    <p:spTree>
+      <p:nvGrpSpPr>
+        <p:cNvPr id="1" name=""/>
+        <p:cNvGrpSpPr/>
+        <p:nvPr/>
+      </p:nvGrpSpPr>
+      <p:grpSpPr>
+        <a:xfrm>
+          <a:off x="0" y="0"/>
+          <a:ext cx="0" cy="0"/>
+          <a:chOff x="0" y="0"/>
+          <a:chExt cx="0" cy="0"/>
+        </a:xfrm>
+      </p:grpSpPr>
+      <p:sp>
+        <p:nvSpPr>
+          <p:cNvPr id="2" name="Título 1"/>
+          <p:cNvSpPr>
+            <a:spLocks noGrp="1"/>
+          </p:cNvSpPr>
+          <p:nvPr>
+            <p:ph type="ctrTitle"/>
+          </p:nvPr>
+        </p:nvSpPr>
+        <p:spPr/>
+        <p:txBody>
+          <a:bodyPr/>
+          <a:lstStyle/>
+          <a:p>
+            <a:r>
+              <a:rPr lang="pt-PT" dirty="0" smtClean="0"/>
+              <a:t>Tecnologias em investigação</a:t>
+            </a:r>
+            <a:endParaRPr lang="pt-PT" dirty="0"/>
+          </a:p>
+        </p:txBody>
+      </p:sp>
+      <p:sp>
+        <p:nvSpPr>
+          <p:cNvPr id="3" name="Subtítulo 2"/>
+          <p:cNvSpPr>
+            <a:spLocks noGrp="1"/>
+          </p:cNvSpPr>
+          <p:nvPr>
+            <p:ph type="subTitle" idx="1"/>
+          </p:nvPr>
+        </p:nvSpPr>
+        <p:spPr/>
+        <p:txBody>
+          <a:bodyPr/>
+          <a:lstStyle/>
+          <a:p>
+            <a:r>
+              <a:rPr lang="pt-PT" dirty="0" smtClean="0"/>
+              <a:t>Faz bem experimentar algo de que se goste.</a:t>
+            </a:r>
+            <a:endParaRPr lang="pt-PT" dirty="0"/>
+          </a:p>
+        </p:txBody>
+      </p:sp>
+    </p:spTree>
+  </p:cSld>
+  <p:clrMapOvr>
+    <a:masterClrMapping/>
+  </p:clrMapOvr>
+  <p:timing>
+    <p:tnLst>
+      <p:par>
+        <p:cTn id="1" dur="indefinite" restart="never" nodeType="tmRoot"/>
+      </p:par>
+    </p:tnLst>
+  </p:timing>
+</p:sld>
+</file>
+
+<file path=ppt/slides/slide34.xml><?xml version="1.0" encoding="utf-8"?>
 <p:sld xmlns:a="http://schemas.openxmlformats.org/drawingml/2006/main" xmlns:r="http://schemas.openxmlformats.org/officeDocument/2006/relationships" xmlns:p="http://schemas.openxmlformats.org/presentationml/2006/main">
   <p:cSld>
     <p:spTree>
@@ -19205,7 +20534,7 @@
 </p:sld>
 </file>
 
-<file path=ppt/slides/slide28.xml><?xml version="1.0" encoding="utf-8"?>
+<file path=ppt/slides/slide35.xml><?xml version="1.0" encoding="utf-8"?>
 <p:sld xmlns:a="http://schemas.openxmlformats.org/drawingml/2006/main" xmlns:r="http://schemas.openxmlformats.org/officeDocument/2006/relationships" xmlns:p="http://schemas.openxmlformats.org/presentationml/2006/main">
   <p:cSld>
     <p:spTree>
@@ -19656,7 +20985,7 @@
 </p:sld>
 </file>
 
-<file path=ppt/slides/slide29.xml><?xml version="1.0" encoding="utf-8"?>
+<file path=ppt/slides/slide36.xml><?xml version="1.0" encoding="utf-8"?>
 <p:sld xmlns:a="http://schemas.openxmlformats.org/drawingml/2006/main" xmlns:r="http://schemas.openxmlformats.org/officeDocument/2006/relationships" xmlns:p="http://schemas.openxmlformats.org/presentationml/2006/main">
   <p:cSld>
     <p:spTree>
@@ -19781,85 +21110,7 @@
 </p:sld>
 </file>
 
-<file path=ppt/slides/slide3.xml><?xml version="1.0" encoding="utf-8"?>
-<p:sld xmlns:a="http://schemas.openxmlformats.org/drawingml/2006/main" xmlns:r="http://schemas.openxmlformats.org/officeDocument/2006/relationships" xmlns:p="http://schemas.openxmlformats.org/presentationml/2006/main">
-  <p:cSld>
-    <p:spTree>
-      <p:nvGrpSpPr>
-        <p:cNvPr id="1" name=""/>
-        <p:cNvGrpSpPr/>
-        <p:nvPr/>
-      </p:nvGrpSpPr>
-      <p:grpSpPr>
-        <a:xfrm>
-          <a:off x="0" y="0"/>
-          <a:ext cx="0" cy="0"/>
-          <a:chOff x="0" y="0"/>
-          <a:chExt cx="0" cy="0"/>
-        </a:xfrm>
-      </p:grpSpPr>
-      <p:sp>
-        <p:nvSpPr>
-          <p:cNvPr id="2" name="Título 1"/>
-          <p:cNvSpPr>
-            <a:spLocks noGrp="1"/>
-          </p:cNvSpPr>
-          <p:nvPr>
-            <p:ph type="ctrTitle"/>
-          </p:nvPr>
-        </p:nvSpPr>
-        <p:spPr/>
-        <p:txBody>
-          <a:bodyPr/>
-          <a:lstStyle/>
-          <a:p>
-            <a:r>
-              <a:rPr lang="pt-PT" dirty="0" smtClean="0"/>
-              <a:t>Tecnologias propostas</a:t>
-            </a:r>
-            <a:endParaRPr lang="pt-PT" dirty="0"/>
-          </a:p>
-        </p:txBody>
-      </p:sp>
-      <p:sp>
-        <p:nvSpPr>
-          <p:cNvPr id="3" name="Subtítulo 2"/>
-          <p:cNvSpPr>
-            <a:spLocks noGrp="1"/>
-          </p:cNvSpPr>
-          <p:nvPr>
-            <p:ph type="subTitle" idx="1"/>
-          </p:nvPr>
-        </p:nvSpPr>
-        <p:spPr/>
-        <p:txBody>
-          <a:bodyPr/>
-          <a:lstStyle/>
-          <a:p>
-            <a:r>
-              <a:rPr lang="pt-PT" dirty="0" smtClean="0"/>
-              <a:t>Servidores web. Protocolos. Formatos de dados.</a:t>
-            </a:r>
-            <a:endParaRPr lang="pt-PT" dirty="0"/>
-          </a:p>
-        </p:txBody>
-      </p:sp>
-    </p:spTree>
-  </p:cSld>
-  <p:clrMapOvr>
-    <a:masterClrMapping/>
-  </p:clrMapOvr>
-  <p:timing>
-    <p:tnLst>
-      <p:par>
-        <p:cTn id="1" dur="indefinite" restart="never" nodeType="tmRoot"/>
-      </p:par>
-    </p:tnLst>
-  </p:timing>
-</p:sld>
-</file>
-
-<file path=ppt/slides/slide30.xml><?xml version="1.0" encoding="utf-8"?>
+<file path=ppt/slides/slide37.xml><?xml version="1.0" encoding="utf-8"?>
 <p:sld xmlns:a="http://schemas.openxmlformats.org/drawingml/2006/main" xmlns:r="http://schemas.openxmlformats.org/officeDocument/2006/relationships" xmlns:p="http://schemas.openxmlformats.org/presentationml/2006/main">
   <p:cSld>
     <p:spTree>
@@ -19915,7 +21166,7 @@
 </p:sld>
 </file>
 
-<file path=ppt/slides/slide31.xml><?xml version="1.0" encoding="utf-8"?>
+<file path=ppt/slides/slide38.xml><?xml version="1.0" encoding="utf-8"?>
 <p:sld xmlns:a="http://schemas.openxmlformats.org/drawingml/2006/main" xmlns:r="http://schemas.openxmlformats.org/officeDocument/2006/relationships" xmlns:p="http://schemas.openxmlformats.org/presentationml/2006/main">
   <p:cSld>
     <p:spTree>
@@ -19972,11 +21223,7 @@
           <a:p>
             <a:r>
               <a:rPr lang="pt-PT" dirty="0" smtClean="0"/>
-              <a:t>Linguagem </a:t>
-            </a:r>
-            <a:r>
-              <a:rPr lang="pt-PT" dirty="0" smtClean="0"/>
-              <a:t>relativamente recente</a:t>
+              <a:t>Linguagem relativamente recente</a:t>
             </a:r>
           </a:p>
           <a:p>
@@ -19992,7 +21239,6 @@
               <a:rPr lang="pt-PT" dirty="0" smtClean="0"/>
               <a:t>/bibliotecas</a:t>
             </a:r>
-            <a:endParaRPr lang="pt-PT" dirty="0" smtClean="0"/>
           </a:p>
           <a:p>
             <a:pPr lvl="1"/>
@@ -20258,7 +21504,7 @@
 </p:sld>
 </file>
 
-<file path=ppt/slides/slide32.xml><?xml version="1.0" encoding="utf-8"?>
+<file path=ppt/slides/slide39.xml><?xml version="1.0" encoding="utf-8"?>
 <p:sld xmlns:a="http://schemas.openxmlformats.org/drawingml/2006/main" xmlns:r="http://schemas.openxmlformats.org/officeDocument/2006/relationships" xmlns:p="http://schemas.openxmlformats.org/presentationml/2006/main">
   <p:cSld>
     <p:spTree>
@@ -20282,90 +21528,24 @@
             <a:spLocks noGrp="1"/>
           </p:cNvSpPr>
           <p:nvPr>
-            <p:ph type="title"/>
+            <p:ph type="ctrTitle"/>
           </p:nvPr>
         </p:nvSpPr>
-        <p:spPr/>
+        <p:spPr>
+          <a:xfrm>
+            <a:off x="685800" y="2244990"/>
+            <a:ext cx="7772400" cy="1225021"/>
+          </a:xfrm>
+        </p:spPr>
         <p:txBody>
           <a:bodyPr/>
           <a:lstStyle/>
           <a:p>
             <a:r>
               <a:rPr lang="pt-PT" dirty="0" smtClean="0"/>
-              <a:t>Referências</a:t>
+              <a:t>Live demo</a:t>
             </a:r>
             <a:endParaRPr lang="pt-PT" dirty="0"/>
-          </a:p>
-        </p:txBody>
-      </p:sp>
-      <p:sp>
-        <p:nvSpPr>
-          <p:cNvPr id="3" name="Marcador de Posição de Conteúdo 2"/>
-          <p:cNvSpPr>
-            <a:spLocks noGrp="1"/>
-          </p:cNvSpPr>
-          <p:nvPr>
-            <p:ph idx="1"/>
-          </p:nvPr>
-        </p:nvSpPr>
-        <p:spPr/>
-        <p:txBody>
-          <a:bodyPr>
-            <a:normAutofit/>
-          </a:bodyPr>
-          <a:lstStyle/>
-          <a:p>
-            <a:r>
-              <a:rPr lang="pt-PT" sz="2000" dirty="0" err="1" smtClean="0"/>
-              <a:t>NodeJS</a:t>
-            </a:r>
-            <a:r>
-              <a:rPr lang="pt-PT" sz="2000" dirty="0" smtClean="0"/>
-              <a:t>: </a:t>
-            </a:r>
-            <a:r>
-              <a:rPr lang="pt-PT" sz="2000" dirty="0" smtClean="0">
-                <a:hlinkClick r:id="rId2"/>
-              </a:rPr>
-              <a:t>http://nodejs.org</a:t>
-            </a:r>
-            <a:endParaRPr lang="pt-PT" sz="2000" dirty="0" smtClean="0"/>
-          </a:p>
-          <a:p>
-            <a:r>
-              <a:rPr lang="pt-PT" sz="2000" dirty="0" err="1" smtClean="0"/>
-              <a:t>MySQL</a:t>
-            </a:r>
-            <a:r>
-              <a:rPr lang="pt-PT" sz="2000" dirty="0" smtClean="0"/>
-              <a:t> </a:t>
-            </a:r>
-            <a:r>
-              <a:rPr lang="pt-PT" sz="2000" dirty="0" err="1" smtClean="0"/>
-              <a:t>connector</a:t>
-            </a:r>
-            <a:r>
-              <a:rPr lang="pt-PT" sz="2000" dirty="0" smtClean="0"/>
-              <a:t> for </a:t>
-            </a:r>
-            <a:r>
-              <a:rPr lang="pt-PT" sz="2000" dirty="0" err="1" smtClean="0"/>
-              <a:t>NodeJS</a:t>
-            </a:r>
-            <a:r>
-              <a:rPr lang="pt-PT" sz="2000" dirty="0" smtClean="0"/>
-              <a:t>: </a:t>
-            </a:r>
-            <a:r>
-              <a:rPr lang="pt-PT" sz="2000" dirty="0" smtClean="0">
-                <a:hlinkClick r:id="rId3"/>
-              </a:rPr>
-              <a:t>https://github.com/felixge/node-mysql</a:t>
-            </a:r>
-            <a:endParaRPr lang="pt-PT" sz="2000" dirty="0" smtClean="0"/>
-          </a:p>
-          <a:p>
-            <a:endParaRPr lang="pt-PT" sz="2000" dirty="0"/>
           </a:p>
         </p:txBody>
       </p:sp>
@@ -20818,6 +21998,132 @@
 </p:sld>
 </file>
 
+<file path=ppt/slides/slide40.xml><?xml version="1.0" encoding="utf-8"?>
+<p:sld xmlns:a="http://schemas.openxmlformats.org/drawingml/2006/main" xmlns:r="http://schemas.openxmlformats.org/officeDocument/2006/relationships" xmlns:p="http://schemas.openxmlformats.org/presentationml/2006/main">
+  <p:cSld>
+    <p:spTree>
+      <p:nvGrpSpPr>
+        <p:cNvPr id="1" name=""/>
+        <p:cNvGrpSpPr/>
+        <p:nvPr/>
+      </p:nvGrpSpPr>
+      <p:grpSpPr>
+        <a:xfrm>
+          <a:off x="0" y="0"/>
+          <a:ext cx="0" cy="0"/>
+          <a:chOff x="0" y="0"/>
+          <a:chExt cx="0" cy="0"/>
+        </a:xfrm>
+      </p:grpSpPr>
+      <p:sp>
+        <p:nvSpPr>
+          <p:cNvPr id="2" name="Título 1"/>
+          <p:cNvSpPr>
+            <a:spLocks noGrp="1"/>
+          </p:cNvSpPr>
+          <p:nvPr>
+            <p:ph type="title"/>
+          </p:nvPr>
+        </p:nvSpPr>
+        <p:spPr/>
+        <p:txBody>
+          <a:bodyPr/>
+          <a:lstStyle/>
+          <a:p>
+            <a:r>
+              <a:rPr lang="pt-PT" dirty="0" smtClean="0"/>
+              <a:t>Referências</a:t>
+            </a:r>
+            <a:endParaRPr lang="pt-PT" dirty="0"/>
+          </a:p>
+        </p:txBody>
+      </p:sp>
+      <p:sp>
+        <p:nvSpPr>
+          <p:cNvPr id="3" name="Marcador de Posição de Conteúdo 2"/>
+          <p:cNvSpPr>
+            <a:spLocks noGrp="1"/>
+          </p:cNvSpPr>
+          <p:nvPr>
+            <p:ph idx="1"/>
+          </p:nvPr>
+        </p:nvSpPr>
+        <p:spPr/>
+        <p:txBody>
+          <a:bodyPr>
+            <a:normAutofit/>
+          </a:bodyPr>
+          <a:lstStyle/>
+          <a:p>
+            <a:r>
+              <a:rPr lang="pt-PT" sz="2000" dirty="0" err="1" smtClean="0"/>
+              <a:t>NodeJS</a:t>
+            </a:r>
+            <a:r>
+              <a:rPr lang="pt-PT" sz="2000" dirty="0" smtClean="0"/>
+              <a:t>: </a:t>
+            </a:r>
+            <a:r>
+              <a:rPr lang="pt-PT" sz="2000" dirty="0" smtClean="0">
+                <a:hlinkClick r:id="rId2"/>
+              </a:rPr>
+              <a:t>http://nodejs.org</a:t>
+            </a:r>
+            <a:endParaRPr lang="pt-PT" sz="2000" dirty="0" smtClean="0"/>
+          </a:p>
+          <a:p>
+            <a:r>
+              <a:rPr lang="pt-PT" sz="2000" dirty="0" err="1" smtClean="0"/>
+              <a:t>MySQL</a:t>
+            </a:r>
+            <a:r>
+              <a:rPr lang="pt-PT" sz="2000" dirty="0" smtClean="0"/>
+              <a:t> </a:t>
+            </a:r>
+            <a:r>
+              <a:rPr lang="pt-PT" sz="2000" dirty="0" err="1" smtClean="0"/>
+              <a:t>connector</a:t>
+            </a:r>
+            <a:r>
+              <a:rPr lang="pt-PT" sz="2000" dirty="0" smtClean="0"/>
+              <a:t> for </a:t>
+            </a:r>
+            <a:r>
+              <a:rPr lang="pt-PT" sz="2000" dirty="0" err="1" smtClean="0"/>
+              <a:t>NodeJS</a:t>
+            </a:r>
+            <a:r>
+              <a:rPr lang="pt-PT" sz="2000" dirty="0" smtClean="0"/>
+              <a:t>: </a:t>
+            </a:r>
+            <a:r>
+              <a:rPr lang="pt-PT" sz="2000" dirty="0" smtClean="0">
+                <a:hlinkClick r:id="rId3"/>
+              </a:rPr>
+              <a:t>https://github.com/felixge/node-mysql</a:t>
+            </a:r>
+            <a:endParaRPr lang="pt-PT" sz="2000" dirty="0" smtClean="0"/>
+          </a:p>
+          <a:p>
+            <a:endParaRPr lang="pt-PT" sz="2000" dirty="0"/>
+          </a:p>
+        </p:txBody>
+      </p:sp>
+    </p:spTree>
+  </p:cSld>
+  <p:clrMapOvr>
+    <a:masterClrMapping/>
+  </p:clrMapOvr>
+  <p:timing>
+    <p:tnLst>
+      <p:par>
+        <p:cTn id="1" dur="indefinite" restart="never" nodeType="tmRoot"/>
+      </p:par>
+    </p:tnLst>
+  </p:timing>
+</p:sld>
+</file>
+
 <file path=ppt/slides/slide5.xml><?xml version="1.0" encoding="utf-8"?>
 <p:sld xmlns:a="http://schemas.openxmlformats.org/drawingml/2006/main" xmlns:r="http://schemas.openxmlformats.org/officeDocument/2006/relationships" xmlns:p="http://schemas.openxmlformats.org/presentationml/2006/main">
   <p:cSld>
@@ -21012,19 +22318,23 @@
             <a:pPr lvl="1"/>
             <a:r>
               <a:rPr lang="pt-PT" dirty="0" err="1" smtClean="0"/>
-              <a:t>NodeJS</a:t>
+              <a:t>Node.JS</a:t>
             </a:r>
             <a:r>
               <a:rPr lang="pt-PT" dirty="0" smtClean="0"/>
-              <a:t> (</a:t>
+              <a:t> (Difícil </a:t>
             </a:r>
             <a:r>
               <a:rPr lang="pt-PT" dirty="0" err="1" smtClean="0"/>
-              <a:t>Learning</a:t>
+              <a:t>learning</a:t>
             </a:r>
             <a:r>
               <a:rPr lang="pt-PT" dirty="0" smtClean="0"/>
-              <a:t> curve elevada, com </a:t>
+              <a:t> curve, </a:t>
+            </a:r>
+            <a:r>
+              <a:rPr lang="pt-PT" dirty="0" smtClean="0"/>
+              <a:t>com </a:t>
             </a:r>
             <a:r>
               <a:rPr lang="pt-PT" dirty="0" err="1" smtClean="0"/>
@@ -21704,11 +23014,23 @@
             <a:pPr lvl="1"/>
             <a:r>
               <a:rPr lang="pt-PT" dirty="0" err="1" smtClean="0"/>
-              <a:t>MongoDB+Semelhantes</a:t>
+              <a:t>MongoDB</a:t>
             </a:r>
             <a:r>
               <a:rPr lang="pt-PT" dirty="0" smtClean="0"/>
-              <a:t> (</a:t>
+              <a:t> e </a:t>
+            </a:r>
+            <a:r>
+              <a:rPr lang="pt-PT" dirty="0" smtClean="0"/>
+              <a:t>s</a:t>
+            </a:r>
+            <a:r>
+              <a:rPr lang="pt-PT" dirty="0" smtClean="0"/>
+              <a:t>emelhantes </a:t>
+            </a:r>
+            <a:r>
+              <a:rPr lang="pt-PT" dirty="0" smtClean="0"/>
+              <a:t>(</a:t>
             </a:r>
             <a:r>
               <a:rPr lang="pt-PT" dirty="0" err="1" smtClean="0"/>
@@ -21716,13 +23038,8 @@
             </a:r>
             <a:r>
               <a:rPr lang="pt-PT" dirty="0" smtClean="0"/>
-              <a:t> → No </a:t>
-            </a:r>
-            <a:r>
-              <a:rPr lang="pt-PT" dirty="0" smtClean="0"/>
-              <a:t>ACID)</a:t>
-            </a:r>
-            <a:endParaRPr lang="pt-PT" dirty="0" smtClean="0"/>
+              <a:t> → No ACID)</a:t>
+            </a:r>
           </a:p>
           <a:p>
             <a:pPr lvl="1"/>
@@ -21744,11 +23061,7 @@
             </a:r>
             <a:r>
               <a:rPr lang="pt-PT" dirty="0" smtClean="0"/>
-              <a:t> to continue</a:t>
-            </a:r>
-            <a:r>
-              <a:rPr lang="pt-PT" dirty="0" smtClean="0"/>
-              <a:t>?)</a:t>
+              <a:t> to continue?)</a:t>
             </a:r>
           </a:p>
           <a:p>
@@ -21761,7 +23074,6 @@
               <a:rPr lang="pt-PT" dirty="0" smtClean="0"/>
               <a:t> (Pouco conhecido)</a:t>
             </a:r>
-            <a:endParaRPr lang="pt-PT" dirty="0" smtClean="0"/>
           </a:p>
           <a:p>
             <a:pPr lvl="1"/>
@@ -22778,12 +24090,279 @@
       </p:grpSpPr>
       <p:sp>
         <p:nvSpPr>
-          <p:cNvPr id="2" name="Título 1"/>
+          <p:cNvPr id="2" name="Marcador de Posição do Texto 1"/>
           <p:cNvSpPr>
             <a:spLocks noGrp="1"/>
           </p:cNvSpPr>
           <p:nvPr>
-            <p:ph type="title"/>
+            <p:ph type="body" sz="quarter" idx="13"/>
+          </p:nvPr>
+        </p:nvSpPr>
+        <p:spPr>
+          <a:xfrm>
+            <a:off x="251520" y="913284"/>
+            <a:ext cx="3888432" cy="3384376"/>
+          </a:xfrm>
+        </p:spPr>
+        <p:txBody>
+          <a:bodyPr>
+            <a:normAutofit/>
+          </a:bodyPr>
+          <a:lstStyle/>
+          <a:p>
+            <a:r>
+              <a:rPr lang="pt-PT" sz="1400" dirty="0" smtClean="0">
+                <a:solidFill>
+                  <a:srgbClr val="333333"/>
+                </a:solidFill>
+                <a:latin typeface="Consolas" pitchFamily="49" charset="0"/>
+              </a:rPr>
+              <a:t>{</a:t>
+            </a:r>
+          </a:p>
+          <a:p>
+            <a:r>
+              <a:rPr lang="pt-PT" sz="1400" dirty="0" smtClean="0">
+                <a:solidFill>
+                  <a:srgbClr val="333333"/>
+                </a:solidFill>
+                <a:latin typeface="Consolas" pitchFamily="49" charset="0"/>
+              </a:rPr>
+              <a:t>  "</a:t>
+            </a:r>
+            <a:r>
+              <a:rPr lang="pt-PT" sz="1400" dirty="0" err="1" smtClean="0">
+                <a:solidFill>
+                  <a:srgbClr val="333333"/>
+                </a:solidFill>
+                <a:latin typeface="Consolas" pitchFamily="49" charset="0"/>
+              </a:rPr>
+              <a:t>solvedTests</a:t>
+            </a:r>
+            <a:r>
+              <a:rPr lang="pt-PT" sz="1400" dirty="0" smtClean="0">
+                <a:solidFill>
+                  <a:srgbClr val="333333"/>
+                </a:solidFill>
+                <a:latin typeface="Consolas" pitchFamily="49" charset="0"/>
+              </a:rPr>
+              <a:t>": [</a:t>
+            </a:r>
+          </a:p>
+          <a:p>
+            <a:r>
+              <a:rPr lang="pt-PT" sz="1400" dirty="0" smtClean="0">
+                <a:solidFill>
+                  <a:srgbClr val="333333"/>
+                </a:solidFill>
+                <a:latin typeface="Consolas" pitchFamily="49" charset="0"/>
+              </a:rPr>
+              <a:t>    {</a:t>
+            </a:r>
+          </a:p>
+          <a:p>
+            <a:r>
+              <a:rPr lang="pt-PT" sz="1400" dirty="0" smtClean="0">
+                <a:solidFill>
+                  <a:srgbClr val="333333"/>
+                </a:solidFill>
+                <a:latin typeface="Consolas" pitchFamily="49" charset="0"/>
+              </a:rPr>
+              <a:t>      "id": 1,</a:t>
+            </a:r>
+          </a:p>
+          <a:p>
+            <a:r>
+              <a:rPr lang="pt-PT" sz="1400" dirty="0" smtClean="0">
+                <a:solidFill>
+                  <a:srgbClr val="333333"/>
+                </a:solidFill>
+                <a:latin typeface="Consolas" pitchFamily="49" charset="0"/>
+              </a:rPr>
+              <a:t>      "</a:t>
+            </a:r>
+            <a:r>
+              <a:rPr lang="pt-PT" sz="1400" dirty="0" err="1" smtClean="0">
+                <a:solidFill>
+                  <a:srgbClr val="333333"/>
+                </a:solidFill>
+                <a:latin typeface="Consolas" pitchFamily="49" charset="0"/>
+              </a:rPr>
+              <a:t>testId</a:t>
+            </a:r>
+            <a:r>
+              <a:rPr lang="pt-PT" sz="1400" dirty="0" smtClean="0">
+                <a:solidFill>
+                  <a:srgbClr val="333333"/>
+                </a:solidFill>
+                <a:latin typeface="Consolas" pitchFamily="49" charset="0"/>
+              </a:rPr>
+              <a:t>": 1,</a:t>
+            </a:r>
+          </a:p>
+          <a:p>
+            <a:r>
+              <a:rPr lang="pt-PT" sz="1400" dirty="0" smtClean="0">
+                <a:solidFill>
+                  <a:srgbClr val="333333"/>
+                </a:solidFill>
+                <a:latin typeface="Consolas" pitchFamily="49" charset="0"/>
+              </a:rPr>
+              <a:t>      "</a:t>
+            </a:r>
+            <a:r>
+              <a:rPr lang="pt-PT" sz="1400" dirty="0" err="1" smtClean="0">
+                <a:solidFill>
+                  <a:srgbClr val="333333"/>
+                </a:solidFill>
+                <a:latin typeface="Consolas" pitchFamily="49" charset="0"/>
+              </a:rPr>
+              <a:t>completionDate</a:t>
+            </a:r>
+            <a:r>
+              <a:rPr lang="pt-PT" sz="1400" dirty="0" smtClean="0">
+                <a:solidFill>
+                  <a:srgbClr val="333333"/>
+                </a:solidFill>
+                <a:latin typeface="Consolas" pitchFamily="49" charset="0"/>
+              </a:rPr>
+              <a:t>": </a:t>
+            </a:r>
+            <a:r>
+              <a:rPr lang="pt-PT" sz="1400" dirty="0" smtClean="0">
+                <a:solidFill>
+                  <a:srgbClr val="A31515"/>
+                </a:solidFill>
+                <a:latin typeface="Consolas" pitchFamily="49" charset="0"/>
+              </a:rPr>
+              <a:t>"1-1-2014"</a:t>
+            </a:r>
+            <a:r>
+              <a:rPr lang="pt-PT" sz="1400" dirty="0" smtClean="0">
+                <a:solidFill>
+                  <a:srgbClr val="333333"/>
+                </a:solidFill>
+                <a:latin typeface="Consolas" pitchFamily="49" charset="0"/>
+              </a:rPr>
+              <a:t>,</a:t>
+            </a:r>
+          </a:p>
+          <a:p>
+            <a:r>
+              <a:rPr lang="pt-PT" sz="1400" dirty="0" smtClean="0">
+                <a:solidFill>
+                  <a:srgbClr val="333333"/>
+                </a:solidFill>
+                <a:latin typeface="Consolas" pitchFamily="49" charset="0"/>
+              </a:rPr>
+              <a:t>      "</a:t>
+            </a:r>
+            <a:r>
+              <a:rPr lang="pt-PT" sz="1400" dirty="0" err="1" smtClean="0">
+                <a:solidFill>
+                  <a:srgbClr val="333333"/>
+                </a:solidFill>
+                <a:latin typeface="Consolas" pitchFamily="49" charset="0"/>
+              </a:rPr>
+              <a:t>studentName</a:t>
+            </a:r>
+            <a:r>
+              <a:rPr lang="pt-PT" sz="1400" dirty="0" smtClean="0">
+                <a:solidFill>
+                  <a:srgbClr val="333333"/>
+                </a:solidFill>
+                <a:latin typeface="Consolas" pitchFamily="49" charset="0"/>
+              </a:rPr>
+              <a:t>": </a:t>
+            </a:r>
+            <a:r>
+              <a:rPr lang="pt-PT" sz="1400" dirty="0" smtClean="0">
+                <a:solidFill>
+                  <a:srgbClr val="A31515"/>
+                </a:solidFill>
+                <a:latin typeface="Consolas" pitchFamily="49" charset="0"/>
+              </a:rPr>
+              <a:t>"Nome do aluno"</a:t>
+            </a:r>
+            <a:r>
+              <a:rPr lang="pt-PT" sz="1400" dirty="0" smtClean="0">
+                <a:solidFill>
+                  <a:srgbClr val="333333"/>
+                </a:solidFill>
+                <a:latin typeface="Consolas" pitchFamily="49" charset="0"/>
+              </a:rPr>
+              <a:t>,</a:t>
+            </a:r>
+          </a:p>
+          <a:p>
+            <a:r>
+              <a:rPr lang="pt-PT" sz="1400" dirty="0" smtClean="0">
+                <a:solidFill>
+                  <a:srgbClr val="333333"/>
+                </a:solidFill>
+                <a:latin typeface="Consolas" pitchFamily="49" charset="0"/>
+              </a:rPr>
+              <a:t>      "voiceBase64": </a:t>
+            </a:r>
+            <a:r>
+              <a:rPr lang="pt-PT" sz="1400" dirty="0" smtClean="0">
+                <a:solidFill>
+                  <a:srgbClr val="A31515"/>
+                </a:solidFill>
+                <a:latin typeface="Consolas" pitchFamily="49" charset="0"/>
+              </a:rPr>
+              <a:t>""</a:t>
+            </a:r>
+            <a:endParaRPr lang="pt-PT" sz="1400" dirty="0" smtClean="0">
+              <a:solidFill>
+                <a:srgbClr val="333333"/>
+              </a:solidFill>
+              <a:latin typeface="Consolas" pitchFamily="49" charset="0"/>
+            </a:endParaRPr>
+          </a:p>
+          <a:p>
+            <a:r>
+              <a:rPr lang="pt-PT" sz="1400" dirty="0" smtClean="0">
+                <a:solidFill>
+                  <a:srgbClr val="333333"/>
+                </a:solidFill>
+                <a:latin typeface="Consolas" pitchFamily="49" charset="0"/>
+              </a:rPr>
+              <a:t>    }</a:t>
+            </a:r>
+          </a:p>
+          <a:p>
+            <a:r>
+              <a:rPr lang="pt-PT" sz="1400" dirty="0" smtClean="0">
+                <a:solidFill>
+                  <a:srgbClr val="333333"/>
+                </a:solidFill>
+                <a:latin typeface="Consolas" pitchFamily="49" charset="0"/>
+              </a:rPr>
+              <a:t>  ]</a:t>
+            </a:r>
+          </a:p>
+          <a:p>
+            <a:r>
+              <a:rPr lang="pt-PT" sz="1400" dirty="0" smtClean="0">
+                <a:solidFill>
+                  <a:srgbClr val="333333"/>
+                </a:solidFill>
+                <a:latin typeface="Consolas" pitchFamily="49" charset="0"/>
+              </a:rPr>
+              <a:t>}</a:t>
+            </a:r>
+          </a:p>
+        </p:txBody>
+      </p:sp>
+      <p:sp>
+        <p:nvSpPr>
+          <p:cNvPr id="3" name="Marcador de Posição do Texto 2"/>
+          <p:cNvSpPr>
+            <a:spLocks noGrp="1"/>
+          </p:cNvSpPr>
+          <p:nvPr>
+            <p:ph type="body" sz="quarter" idx="14"/>
           </p:nvPr>
         </p:nvSpPr>
         <p:spPr/>
@@ -22793,7 +24372,7 @@
           <a:p>
             <a:r>
               <a:rPr lang="pt-PT" dirty="0" smtClean="0"/>
-              <a:t>Tecnologias escolhidas</a:t>
+              <a:t>Comparação entre XML e JSON</a:t>
             </a:r>
             <a:endParaRPr lang="pt-PT" dirty="0"/>
           </a:p>
@@ -22801,84 +24380,373 @@
       </p:sp>
       <p:sp>
         <p:nvSpPr>
-          <p:cNvPr id="3" name="Marcador de Posição de Conteúdo 2"/>
-          <p:cNvSpPr>
-            <a:spLocks noGrp="1"/>
+          <p:cNvPr id="4" name="Marcador de Posição do Texto 1"/>
+          <p:cNvSpPr txBox="1">
+            <a:spLocks/>
           </p:cNvSpPr>
-          <p:nvPr>
-            <p:ph idx="1"/>
-          </p:nvPr>
+          <p:nvPr/>
         </p:nvSpPr>
-        <p:spPr/>
+        <p:spPr>
+          <a:xfrm>
+            <a:off x="4211960" y="913284"/>
+            <a:ext cx="4680520" cy="3384376"/>
+          </a:xfrm>
+          <a:prstGeom prst="rect">
+            <a:avLst/>
+          </a:prstGeom>
+        </p:spPr>
         <p:txBody>
-          <a:bodyPr/>
+          <a:bodyPr vert="horz" lIns="91440" tIns="45720" rIns="91440" bIns="45720" rtlCol="0">
+            <a:normAutofit/>
+          </a:bodyPr>
           <a:lstStyle/>
           <a:p>
             <a:r>
-              <a:rPr lang="pt-PT" dirty="0" smtClean="0"/>
-              <a:t>Protocolo de transporte: </a:t>
-            </a:r>
-            <a:r>
-              <a:rPr lang="pt-PT" dirty="0" err="1" smtClean="0"/>
-              <a:t>Http</a:t>
-            </a:r>
-            <a:endParaRPr lang="pt-PT" dirty="0" smtClean="0"/>
-          </a:p>
-          <a:p>
-            <a:r>
-              <a:rPr lang="pt-PT" dirty="0" smtClean="0"/>
-              <a:t>Suporte de dados: JSON + Base64 </a:t>
-            </a:r>
-            <a:r>
-              <a:rPr lang="pt-PT" dirty="0" err="1" smtClean="0"/>
-              <a:t>Encoding</a:t>
-            </a:r>
-            <a:endParaRPr lang="pt-PT" dirty="0" smtClean="0"/>
-          </a:p>
-          <a:p>
-            <a:r>
-              <a:rPr lang="pt-PT" dirty="0" smtClean="0"/>
-              <a:t>Servidor web + </a:t>
-            </a:r>
-            <a:r>
-              <a:rPr lang="pt-PT" dirty="0" err="1" smtClean="0"/>
-              <a:t>WebService</a:t>
-            </a:r>
-            <a:r>
-              <a:rPr lang="pt-PT" dirty="0" smtClean="0"/>
-              <a:t>: </a:t>
-            </a:r>
-            <a:r>
-              <a:rPr lang="pt-PT" dirty="0" err="1" smtClean="0"/>
-              <a:t>Node.JS</a:t>
-            </a:r>
-            <a:endParaRPr lang="pt-PT" dirty="0" smtClean="0"/>
-          </a:p>
-          <a:p>
-            <a:r>
-              <a:rPr lang="pt-PT" dirty="0" smtClean="0"/>
-              <a:t>Base de dados: </a:t>
-            </a:r>
-            <a:r>
-              <a:rPr lang="pt-PT" dirty="0" err="1" smtClean="0"/>
-              <a:t>MySQL</a:t>
-            </a:r>
-            <a:endParaRPr lang="pt-PT" dirty="0" smtClean="0"/>
-          </a:p>
-          <a:p>
-            <a:r>
-              <a:rPr lang="pt-PT" dirty="0" smtClean="0"/>
-              <a:t>Sistema Operativo: Linux (</a:t>
-            </a:r>
-            <a:r>
-              <a:rPr lang="pt-PT" dirty="0" err="1" smtClean="0"/>
-              <a:t>Ubuntu</a:t>
-            </a:r>
-            <a:r>
-              <a:rPr lang="pt-PT" dirty="0" smtClean="0"/>
-              <a:t> Server)</a:t>
-            </a:r>
-            <a:endParaRPr lang="pt-PT" dirty="0"/>
+              <a:rPr lang="en-US" sz="1400" dirty="0" smtClean="0">
+                <a:solidFill>
+                  <a:srgbClr val="0000FF"/>
+                </a:solidFill>
+                <a:latin typeface="Consolas" pitchFamily="49" charset="0"/>
+                <a:cs typeface="Consolas" pitchFamily="49" charset="0"/>
+              </a:rPr>
+              <a:t>&lt;?xml version="1.0" encoding="utf-8"?&gt;</a:t>
+            </a:r>
+            <a:endParaRPr lang="en-US" sz="1400" dirty="0" smtClean="0">
+              <a:solidFill>
+                <a:srgbClr val="333333"/>
+              </a:solidFill>
+              <a:latin typeface="Consolas" pitchFamily="49" charset="0"/>
+              <a:cs typeface="Consolas" pitchFamily="49" charset="0"/>
+            </a:endParaRPr>
+          </a:p>
+          <a:p>
+            <a:endParaRPr lang="en-US" sz="1400" dirty="0" smtClean="0">
+              <a:solidFill>
+                <a:srgbClr val="333333"/>
+              </a:solidFill>
+              <a:latin typeface="Consolas" pitchFamily="49" charset="0"/>
+              <a:cs typeface="Consolas" pitchFamily="49" charset="0"/>
+            </a:endParaRPr>
+          </a:p>
+          <a:p>
+            <a:r>
+              <a:rPr lang="en-US" sz="1400" dirty="0" smtClean="0">
+                <a:solidFill>
+                  <a:srgbClr val="333333"/>
+                </a:solidFill>
+                <a:latin typeface="Consolas" pitchFamily="49" charset="0"/>
+                <a:cs typeface="Consolas" pitchFamily="49" charset="0"/>
+              </a:rPr>
+              <a:t>&lt;</a:t>
+            </a:r>
+            <a:r>
+              <a:rPr lang="en-US" sz="1400" dirty="0" err="1" smtClean="0">
+                <a:solidFill>
+                  <a:srgbClr val="333333"/>
+                </a:solidFill>
+                <a:latin typeface="Consolas" pitchFamily="49" charset="0"/>
+                <a:cs typeface="Consolas" pitchFamily="49" charset="0"/>
+              </a:rPr>
+              <a:t>solvedTests</a:t>
+            </a:r>
+            <a:r>
+              <a:rPr lang="en-US" sz="1400" dirty="0" smtClean="0">
+                <a:solidFill>
+                  <a:srgbClr val="333333"/>
+                </a:solidFill>
+                <a:latin typeface="Consolas" pitchFamily="49" charset="0"/>
+                <a:cs typeface="Consolas" pitchFamily="49" charset="0"/>
+              </a:rPr>
+              <a:t>&gt;</a:t>
+            </a:r>
+          </a:p>
+          <a:p>
+            <a:r>
+              <a:rPr lang="en-US" sz="1400" dirty="0" smtClean="0">
+                <a:solidFill>
+                  <a:srgbClr val="333333"/>
+                </a:solidFill>
+                <a:latin typeface="Consolas" pitchFamily="49" charset="0"/>
+                <a:cs typeface="Consolas" pitchFamily="49" charset="0"/>
+              </a:rPr>
+              <a:t>  &lt;test&gt;</a:t>
+            </a:r>
+          </a:p>
+          <a:p>
+            <a:r>
+              <a:rPr lang="en-US" sz="1400" dirty="0" smtClean="0">
+                <a:solidFill>
+                  <a:srgbClr val="333333"/>
+                </a:solidFill>
+                <a:latin typeface="Consolas" pitchFamily="49" charset="0"/>
+                <a:cs typeface="Consolas" pitchFamily="49" charset="0"/>
+              </a:rPr>
+              <a:t>    &lt;id&gt;1&lt;/id&gt;</a:t>
+            </a:r>
+          </a:p>
+          <a:p>
+            <a:r>
+              <a:rPr lang="en-US" sz="1400" dirty="0" smtClean="0">
+                <a:solidFill>
+                  <a:srgbClr val="333333"/>
+                </a:solidFill>
+                <a:latin typeface="Consolas" pitchFamily="49" charset="0"/>
+                <a:cs typeface="Consolas" pitchFamily="49" charset="0"/>
+              </a:rPr>
+              <a:t>    &lt;</a:t>
+            </a:r>
+            <a:r>
+              <a:rPr lang="en-US" sz="1400" dirty="0" err="1" smtClean="0">
+                <a:solidFill>
+                  <a:srgbClr val="333333"/>
+                </a:solidFill>
+                <a:latin typeface="Consolas" pitchFamily="49" charset="0"/>
+                <a:cs typeface="Consolas" pitchFamily="49" charset="0"/>
+              </a:rPr>
+              <a:t>testId</a:t>
+            </a:r>
+            <a:r>
+              <a:rPr lang="en-US" sz="1400" dirty="0" smtClean="0">
+                <a:solidFill>
+                  <a:srgbClr val="333333"/>
+                </a:solidFill>
+                <a:latin typeface="Consolas" pitchFamily="49" charset="0"/>
+                <a:cs typeface="Consolas" pitchFamily="49" charset="0"/>
+              </a:rPr>
+              <a:t>&gt;1&lt;/</a:t>
+            </a:r>
+            <a:r>
+              <a:rPr lang="en-US" sz="1400" dirty="0" err="1" smtClean="0">
+                <a:solidFill>
+                  <a:srgbClr val="333333"/>
+                </a:solidFill>
+                <a:latin typeface="Consolas" pitchFamily="49" charset="0"/>
+                <a:cs typeface="Consolas" pitchFamily="49" charset="0"/>
+              </a:rPr>
+              <a:t>testId</a:t>
+            </a:r>
+            <a:r>
+              <a:rPr lang="en-US" sz="1400" dirty="0" smtClean="0">
+                <a:solidFill>
+                  <a:srgbClr val="333333"/>
+                </a:solidFill>
+                <a:latin typeface="Consolas" pitchFamily="49" charset="0"/>
+                <a:cs typeface="Consolas" pitchFamily="49" charset="0"/>
+              </a:rPr>
+              <a:t>&gt;</a:t>
+            </a:r>
+          </a:p>
+          <a:p>
+            <a:r>
+              <a:rPr lang="en-US" sz="1400" dirty="0" smtClean="0">
+                <a:solidFill>
+                  <a:srgbClr val="333333"/>
+                </a:solidFill>
+                <a:latin typeface="Consolas" pitchFamily="49" charset="0"/>
+                <a:cs typeface="Consolas" pitchFamily="49" charset="0"/>
+              </a:rPr>
+              <a:t>    &lt;</a:t>
+            </a:r>
+            <a:r>
+              <a:rPr lang="en-US" sz="1400" dirty="0" err="1" smtClean="0">
+                <a:solidFill>
+                  <a:srgbClr val="333333"/>
+                </a:solidFill>
+                <a:latin typeface="Consolas" pitchFamily="49" charset="0"/>
+                <a:cs typeface="Consolas" pitchFamily="49" charset="0"/>
+              </a:rPr>
+              <a:t>completionDate</a:t>
+            </a:r>
+            <a:r>
+              <a:rPr lang="en-US" sz="1400" dirty="0" smtClean="0">
+                <a:solidFill>
+                  <a:srgbClr val="333333"/>
+                </a:solidFill>
+                <a:latin typeface="Consolas" pitchFamily="49" charset="0"/>
+                <a:cs typeface="Consolas" pitchFamily="49" charset="0"/>
+              </a:rPr>
+              <a:t>&gt;1-1-2014&lt;/</a:t>
+            </a:r>
+            <a:r>
+              <a:rPr lang="en-US" sz="1400" dirty="0" err="1" smtClean="0">
+                <a:solidFill>
+                  <a:srgbClr val="333333"/>
+                </a:solidFill>
+                <a:latin typeface="Consolas" pitchFamily="49" charset="0"/>
+                <a:cs typeface="Consolas" pitchFamily="49" charset="0"/>
+              </a:rPr>
+              <a:t>completionDate</a:t>
+            </a:r>
+            <a:r>
+              <a:rPr lang="en-US" sz="1400" dirty="0" smtClean="0">
+                <a:solidFill>
+                  <a:srgbClr val="333333"/>
+                </a:solidFill>
+                <a:latin typeface="Consolas" pitchFamily="49" charset="0"/>
+                <a:cs typeface="Consolas" pitchFamily="49" charset="0"/>
+              </a:rPr>
+              <a:t>&gt;</a:t>
+            </a:r>
+          </a:p>
+          <a:p>
+            <a:r>
+              <a:rPr lang="en-US" sz="1400" dirty="0" smtClean="0">
+                <a:solidFill>
+                  <a:srgbClr val="333333"/>
+                </a:solidFill>
+                <a:latin typeface="Consolas" pitchFamily="49" charset="0"/>
+                <a:cs typeface="Consolas" pitchFamily="49" charset="0"/>
+              </a:rPr>
+              <a:t>    &lt;</a:t>
+            </a:r>
+            <a:r>
+              <a:rPr lang="en-US" sz="1400" dirty="0" err="1" smtClean="0">
+                <a:solidFill>
+                  <a:srgbClr val="333333"/>
+                </a:solidFill>
+                <a:latin typeface="Consolas" pitchFamily="49" charset="0"/>
+                <a:cs typeface="Consolas" pitchFamily="49" charset="0"/>
+              </a:rPr>
+              <a:t>studentName</a:t>
+            </a:r>
+            <a:r>
+              <a:rPr lang="en-US" sz="1400" dirty="0" smtClean="0">
+                <a:solidFill>
+                  <a:srgbClr val="333333"/>
+                </a:solidFill>
+                <a:latin typeface="Consolas" pitchFamily="49" charset="0"/>
+                <a:cs typeface="Consolas" pitchFamily="49" charset="0"/>
+              </a:rPr>
+              <a:t>&gt;Nome do </a:t>
+            </a:r>
+            <a:r>
+              <a:rPr lang="en-US" sz="1400" dirty="0" err="1" smtClean="0">
+                <a:solidFill>
+                  <a:srgbClr val="333333"/>
+                </a:solidFill>
+                <a:latin typeface="Consolas" pitchFamily="49" charset="0"/>
+                <a:cs typeface="Consolas" pitchFamily="49" charset="0"/>
+              </a:rPr>
+              <a:t>aluno</a:t>
+            </a:r>
+            <a:r>
+              <a:rPr lang="en-US" sz="1400" dirty="0" smtClean="0">
+                <a:solidFill>
+                  <a:srgbClr val="333333"/>
+                </a:solidFill>
+                <a:latin typeface="Consolas" pitchFamily="49" charset="0"/>
+                <a:cs typeface="Consolas" pitchFamily="49" charset="0"/>
+              </a:rPr>
+              <a:t>&lt;/</a:t>
+            </a:r>
+            <a:r>
+              <a:rPr lang="en-US" sz="1400" dirty="0" err="1" smtClean="0">
+                <a:solidFill>
+                  <a:srgbClr val="333333"/>
+                </a:solidFill>
+                <a:latin typeface="Consolas" pitchFamily="49" charset="0"/>
+                <a:cs typeface="Consolas" pitchFamily="49" charset="0"/>
+              </a:rPr>
+              <a:t>studentName</a:t>
+            </a:r>
+            <a:r>
+              <a:rPr lang="en-US" sz="1400" dirty="0" smtClean="0">
+                <a:solidFill>
+                  <a:srgbClr val="333333"/>
+                </a:solidFill>
+                <a:latin typeface="Consolas" pitchFamily="49" charset="0"/>
+                <a:cs typeface="Consolas" pitchFamily="49" charset="0"/>
+              </a:rPr>
+              <a:t>&gt;</a:t>
+            </a:r>
+          </a:p>
+          <a:p>
+            <a:r>
+              <a:rPr lang="en-US" sz="1400" dirty="0" smtClean="0">
+                <a:solidFill>
+                  <a:srgbClr val="333333"/>
+                </a:solidFill>
+                <a:latin typeface="Consolas" pitchFamily="49" charset="0"/>
+                <a:cs typeface="Consolas" pitchFamily="49" charset="0"/>
+              </a:rPr>
+              <a:t>    &lt;voiceBase64&gt;&lt;/voiceBase64&gt;</a:t>
+            </a:r>
+          </a:p>
+          <a:p>
+            <a:r>
+              <a:rPr lang="en-US" sz="1400" dirty="0" smtClean="0">
+                <a:solidFill>
+                  <a:srgbClr val="333333"/>
+                </a:solidFill>
+                <a:latin typeface="Consolas" pitchFamily="49" charset="0"/>
+                <a:cs typeface="Consolas" pitchFamily="49" charset="0"/>
+              </a:rPr>
+              <a:t>  &lt;/test&gt;</a:t>
+            </a:r>
+          </a:p>
+          <a:p>
+            <a:r>
+              <a:rPr lang="en-US" sz="1400" dirty="0" smtClean="0">
+                <a:solidFill>
+                  <a:srgbClr val="333333"/>
+                </a:solidFill>
+                <a:latin typeface="Consolas" pitchFamily="49" charset="0"/>
+                <a:cs typeface="Consolas" pitchFamily="49" charset="0"/>
+              </a:rPr>
+              <a:t>&lt;/</a:t>
+            </a:r>
+            <a:r>
+              <a:rPr lang="en-US" sz="1400" dirty="0" err="1" smtClean="0">
+                <a:solidFill>
+                  <a:srgbClr val="333333"/>
+                </a:solidFill>
+                <a:latin typeface="Consolas" pitchFamily="49" charset="0"/>
+                <a:cs typeface="Consolas" pitchFamily="49" charset="0"/>
+              </a:rPr>
+              <a:t>solvedTests</a:t>
+            </a:r>
+            <a:r>
+              <a:rPr lang="en-US" sz="1400" dirty="0" smtClean="0">
+                <a:solidFill>
+                  <a:srgbClr val="333333"/>
+                </a:solidFill>
+                <a:latin typeface="Consolas" pitchFamily="49" charset="0"/>
+                <a:cs typeface="Consolas" pitchFamily="49" charset="0"/>
+              </a:rPr>
+              <a:t>&gt;</a:t>
+            </a:r>
+          </a:p>
+          <a:p>
+            <a:pPr marL="342000" marR="0" lvl="0" indent="-342000" algn="l" defTabSz="914400" rtl="0" eaLnBrk="1" fontAlgn="auto" latinLnBrk="0" hangingPunct="1">
+              <a:lnSpc>
+                <a:spcPct val="100000"/>
+              </a:lnSpc>
+              <a:spcBef>
+                <a:spcPts val="95"/>
+              </a:spcBef>
+              <a:spcAft>
+                <a:spcPts val="95"/>
+              </a:spcAft>
+              <a:buClrTx/>
+              <a:buSzTx/>
+              <a:buFont typeface="Arial" pitchFamily="34" charset="0"/>
+              <a:buNone/>
+              <a:tabLst/>
+              <a:defRPr/>
+            </a:pPr>
+            <a:endParaRPr kumimoji="0" lang="pt-PT" sz="1400" b="0" i="0" u="none" strike="noStrike" kern="1200" cap="none" spc="0" normalizeH="0" baseline="0" noProof="0" dirty="0">
+              <a:ln>
+                <a:noFill/>
+              </a:ln>
+              <a:solidFill>
+                <a:schemeClr val="tx1"/>
+              </a:solidFill>
+              <a:effectLst/>
+              <a:uLnTx/>
+              <a:uFillTx/>
+              <a:latin typeface="Consolas" pitchFamily="49" charset="0"/>
+              <a:cs typeface="Consolas" pitchFamily="49" charset="0"/>
+            </a:endParaRPr>
           </a:p>
         </p:txBody>
       </p:sp>
@@ -22890,280 +24758,9 @@
   <p:timing>
     <p:tnLst>
       <p:par>
-        <p:cTn id="1" dur="indefinite" restart="never" nodeType="tmRoot">
-          <p:childTnLst>
-            <p:seq concurrent="1" nextAc="seek">
-              <p:cTn id="2" dur="indefinite" nodeType="mainSeq">
-                <p:childTnLst>
-                  <p:par>
-                    <p:cTn id="3" fill="hold">
-                      <p:stCondLst>
-                        <p:cond delay="indefinite"/>
-                      </p:stCondLst>
-                      <p:childTnLst>
-                        <p:par>
-                          <p:cTn id="4" fill="hold">
-                            <p:stCondLst>
-                              <p:cond delay="0"/>
-                            </p:stCondLst>
-                            <p:childTnLst>
-                              <p:par>
-                                <p:cTn id="5" presetID="1" presetClass="entr" presetSubtype="0" fill="hold" grpId="0" nodeType="clickEffect">
-                                  <p:stCondLst>
-                                    <p:cond delay="0"/>
-                                  </p:stCondLst>
-                                  <p:childTnLst>
-                                    <p:set>
-                                      <p:cBhvr>
-                                        <p:cTn id="6" dur="1" fill="hold">
-                                          <p:stCondLst>
-                                            <p:cond delay="0"/>
-                                          </p:stCondLst>
-                                        </p:cTn>
-                                        <p:tgtEl>
-                                          <p:spTgt spid="3">
-                                            <p:txEl>
-                                              <p:pRg st="0" end="0"/>
-                                            </p:txEl>
-                                          </p:spTgt>
-                                        </p:tgtEl>
-                                        <p:attrNameLst>
-                                          <p:attrName>style.visibility</p:attrName>
-                                        </p:attrNameLst>
-                                      </p:cBhvr>
-                                      <p:to>
-                                        <p:strVal val="visible"/>
-                                      </p:to>
-                                    </p:set>
-                                  </p:childTnLst>
-                                </p:cTn>
-                              </p:par>
-                            </p:childTnLst>
-                          </p:cTn>
-                        </p:par>
-                      </p:childTnLst>
-                    </p:cTn>
-                  </p:par>
-                  <p:par>
-                    <p:cTn id="7" fill="hold">
-                      <p:stCondLst>
-                        <p:cond delay="indefinite"/>
-                      </p:stCondLst>
-                      <p:childTnLst>
-                        <p:par>
-                          <p:cTn id="8" fill="hold">
-                            <p:stCondLst>
-                              <p:cond delay="0"/>
-                            </p:stCondLst>
-                            <p:childTnLst>
-                              <p:par>
-                                <p:cTn id="9" presetID="1" presetClass="entr" presetSubtype="0" fill="hold" grpId="0" nodeType="clickEffect">
-                                  <p:stCondLst>
-                                    <p:cond delay="0"/>
-                                  </p:stCondLst>
-                                  <p:childTnLst>
-                                    <p:set>
-                                      <p:cBhvr>
-                                        <p:cTn id="10" dur="1" fill="hold">
-                                          <p:stCondLst>
-                                            <p:cond delay="0"/>
-                                          </p:stCondLst>
-                                        </p:cTn>
-                                        <p:tgtEl>
-                                          <p:spTgt spid="3">
-                                            <p:txEl>
-                                              <p:pRg st="1" end="1"/>
-                                            </p:txEl>
-                                          </p:spTgt>
-                                        </p:tgtEl>
-                                        <p:attrNameLst>
-                                          <p:attrName>style.visibility</p:attrName>
-                                        </p:attrNameLst>
-                                      </p:cBhvr>
-                                      <p:to>
-                                        <p:strVal val="visible"/>
-                                      </p:to>
-                                    </p:set>
-                                  </p:childTnLst>
-                                </p:cTn>
-                              </p:par>
-                            </p:childTnLst>
-                          </p:cTn>
-                        </p:par>
-                      </p:childTnLst>
-                    </p:cTn>
-                  </p:par>
-                  <p:par>
-                    <p:cTn id="11" fill="hold">
-                      <p:stCondLst>
-                        <p:cond delay="indefinite"/>
-                      </p:stCondLst>
-                      <p:childTnLst>
-                        <p:par>
-                          <p:cTn id="12" fill="hold">
-                            <p:stCondLst>
-                              <p:cond delay="0"/>
-                            </p:stCondLst>
-                            <p:childTnLst>
-                              <p:par>
-                                <p:cTn id="13" presetID="1" presetClass="entr" presetSubtype="0" fill="hold" grpId="0" nodeType="clickEffect">
-                                  <p:stCondLst>
-                                    <p:cond delay="0"/>
-                                  </p:stCondLst>
-                                  <p:childTnLst>
-                                    <p:set>
-                                      <p:cBhvr>
-                                        <p:cTn id="14" dur="1" fill="hold">
-                                          <p:stCondLst>
-                                            <p:cond delay="0"/>
-                                          </p:stCondLst>
-                                        </p:cTn>
-                                        <p:tgtEl>
-                                          <p:spTgt spid="3">
-                                            <p:txEl>
-                                              <p:pRg st="2" end="2"/>
-                                            </p:txEl>
-                                          </p:spTgt>
-                                        </p:tgtEl>
-                                        <p:attrNameLst>
-                                          <p:attrName>style.visibility</p:attrName>
-                                        </p:attrNameLst>
-                                      </p:cBhvr>
-                                      <p:to>
-                                        <p:strVal val="visible"/>
-                                      </p:to>
-                                    </p:set>
-                                  </p:childTnLst>
-                                </p:cTn>
-                              </p:par>
-                            </p:childTnLst>
-                          </p:cTn>
-                        </p:par>
-                      </p:childTnLst>
-                    </p:cTn>
-                  </p:par>
-                  <p:par>
-                    <p:cTn id="15" fill="hold">
-                      <p:stCondLst>
-                        <p:cond delay="indefinite"/>
-                      </p:stCondLst>
-                      <p:childTnLst>
-                        <p:par>
-                          <p:cTn id="16" fill="hold">
-                            <p:stCondLst>
-                              <p:cond delay="0"/>
-                            </p:stCondLst>
-                            <p:childTnLst>
-                              <p:par>
-                                <p:cTn id="17" presetID="1" presetClass="entr" presetSubtype="0" fill="hold" grpId="0" nodeType="clickEffect">
-                                  <p:stCondLst>
-                                    <p:cond delay="0"/>
-                                  </p:stCondLst>
-                                  <p:childTnLst>
-                                    <p:set>
-                                      <p:cBhvr>
-                                        <p:cTn id="18" dur="1" fill="hold">
-                                          <p:stCondLst>
-                                            <p:cond delay="0"/>
-                                          </p:stCondLst>
-                                        </p:cTn>
-                                        <p:tgtEl>
-                                          <p:spTgt spid="3">
-                                            <p:txEl>
-                                              <p:pRg st="3" end="3"/>
-                                            </p:txEl>
-                                          </p:spTgt>
-                                        </p:tgtEl>
-                                        <p:attrNameLst>
-                                          <p:attrName>style.visibility</p:attrName>
-                                        </p:attrNameLst>
-                                      </p:cBhvr>
-                                      <p:to>
-                                        <p:strVal val="visible"/>
-                                      </p:to>
-                                    </p:set>
-                                  </p:childTnLst>
-                                </p:cTn>
-                              </p:par>
-                            </p:childTnLst>
-                          </p:cTn>
-                        </p:par>
-                      </p:childTnLst>
-                    </p:cTn>
-                  </p:par>
-                  <p:par>
-                    <p:cTn id="19" fill="hold">
-                      <p:stCondLst>
-                        <p:cond delay="indefinite"/>
-                      </p:stCondLst>
-                      <p:childTnLst>
-                        <p:par>
-                          <p:cTn id="20" fill="hold">
-                            <p:stCondLst>
-                              <p:cond delay="0"/>
-                            </p:stCondLst>
-                            <p:childTnLst>
-                              <p:par>
-                                <p:cTn id="21" presetID="1" presetClass="entr" presetSubtype="0" fill="hold" grpId="0" nodeType="clickEffect">
-                                  <p:stCondLst>
-                                    <p:cond delay="0"/>
-                                  </p:stCondLst>
-                                  <p:childTnLst>
-                                    <p:set>
-                                      <p:cBhvr>
-                                        <p:cTn id="22" dur="1" fill="hold">
-                                          <p:stCondLst>
-                                            <p:cond delay="0"/>
-                                          </p:stCondLst>
-                                        </p:cTn>
-                                        <p:tgtEl>
-                                          <p:spTgt spid="3">
-                                            <p:txEl>
-                                              <p:pRg st="4" end="4"/>
-                                            </p:txEl>
-                                          </p:spTgt>
-                                        </p:tgtEl>
-                                        <p:attrNameLst>
-                                          <p:attrName>style.visibility</p:attrName>
-                                        </p:attrNameLst>
-                                      </p:cBhvr>
-                                      <p:to>
-                                        <p:strVal val="visible"/>
-                                      </p:to>
-                                    </p:set>
-                                  </p:childTnLst>
-                                </p:cTn>
-                              </p:par>
-                            </p:childTnLst>
-                          </p:cTn>
-                        </p:par>
-                      </p:childTnLst>
-                    </p:cTn>
-                  </p:par>
-                </p:childTnLst>
-              </p:cTn>
-              <p:prevCondLst>
-                <p:cond evt="onPrev" delay="0">
-                  <p:tgtEl>
-                    <p:sldTgt/>
-                  </p:tgtEl>
-                </p:cond>
-              </p:prevCondLst>
-              <p:nextCondLst>
-                <p:cond evt="onNext" delay="0">
-                  <p:tgtEl>
-                    <p:sldTgt/>
-                  </p:tgtEl>
-                </p:cond>
-              </p:nextCondLst>
-            </p:seq>
-          </p:childTnLst>
-        </p:cTn>
+        <p:cTn id="1" dur="indefinite" restart="never" nodeType="tmRoot"/>
       </p:par>
     </p:tnLst>
-    <p:bldLst>
-      <p:bldP spid="3" grpId="0" build="p"/>
-    </p:bldLst>
   </p:timing>
 </p:sld>
 </file>

--- a/Apresentacoes/v01.pptx
+++ b/Apresentacoes/v01.pptx
@@ -7,10 +7,10 @@
     <p:sldMasterId id="2147483665" r:id="rId3"/>
   </p:sldMasterIdLst>
   <p:notesMasterIdLst>
-    <p:notesMasterId r:id="rId44"/>
+    <p:notesMasterId r:id="rId50"/>
   </p:notesMasterIdLst>
   <p:handoutMasterIdLst>
-    <p:handoutMasterId r:id="rId45"/>
+    <p:handoutMasterId r:id="rId51"/>
   </p:handoutMasterIdLst>
   <p:sldIdLst>
     <p:sldId id="256" r:id="rId4"/>
@@ -48,11 +48,17 @@
     <p:sldId id="291" r:id="rId36"/>
     <p:sldId id="263" r:id="rId37"/>
     <p:sldId id="265" r:id="rId38"/>
-    <p:sldId id="266" r:id="rId39"/>
-    <p:sldId id="268" r:id="rId40"/>
-    <p:sldId id="267" r:id="rId41"/>
-    <p:sldId id="295" r:id="rId42"/>
-    <p:sldId id="284" r:id="rId43"/>
+    <p:sldId id="296" r:id="rId39"/>
+    <p:sldId id="297" r:id="rId40"/>
+    <p:sldId id="298" r:id="rId41"/>
+    <p:sldId id="299" r:id="rId42"/>
+    <p:sldId id="300" r:id="rId43"/>
+    <p:sldId id="301" r:id="rId44"/>
+    <p:sldId id="266" r:id="rId45"/>
+    <p:sldId id="268" r:id="rId46"/>
+    <p:sldId id="267" r:id="rId47"/>
+    <p:sldId id="295" r:id="rId48"/>
+    <p:sldId id="284" r:id="rId49"/>
   </p:sldIdLst>
   <p:sldSz cx="9144000" cy="5715000" type="screen16x10"/>
   <p:notesSz cx="6858000" cy="9144000"/>
@@ -733,7 +739,7 @@
             <a:fld id="{88F4BC70-1E78-4FA8-B0FE-372303FE609B}" type="slidenum">
               <a:rPr lang="pt-PT" smtClean="0"/>
               <a:pPr/>
-              <a:t>37</a:t>
+              <a:t>43</a:t>
             </a:fld>
             <a:endParaRPr lang="pt-PT" dirty="0"/>
           </a:p>
@@ -6035,6 +6041,10 @@
               <a:rPr lang="pt-PT" dirty="0" err="1" smtClean="0"/>
               <a:t>Http</a:t>
             </a:r>
+            <a:r>
+              <a:rPr lang="pt-PT" dirty="0" smtClean="0"/>
+              <a:t>;</a:t>
+            </a:r>
             <a:endParaRPr lang="pt-PT" dirty="0" smtClean="0"/>
           </a:p>
           <a:p>
@@ -6046,6 +6056,10 @@
               <a:rPr lang="pt-PT" dirty="0" err="1" smtClean="0"/>
               <a:t>Encoding</a:t>
             </a:r>
+            <a:r>
+              <a:rPr lang="pt-PT" dirty="0" smtClean="0"/>
+              <a:t>;</a:t>
+            </a:r>
             <a:endParaRPr lang="pt-PT" dirty="0" smtClean="0"/>
           </a:p>
           <a:p>
@@ -6065,6 +6079,10 @@
               <a:rPr lang="pt-PT" dirty="0" err="1" smtClean="0"/>
               <a:t>Node.JS</a:t>
             </a:r>
+            <a:r>
+              <a:rPr lang="pt-PT" dirty="0" smtClean="0"/>
+              <a:t>;</a:t>
+            </a:r>
             <a:endParaRPr lang="pt-PT" dirty="0" smtClean="0"/>
           </a:p>
           <a:p>
@@ -6076,6 +6094,10 @@
               <a:rPr lang="pt-PT" dirty="0" err="1" smtClean="0"/>
               <a:t>MySQL</a:t>
             </a:r>
+            <a:r>
+              <a:rPr lang="pt-PT" dirty="0" smtClean="0"/>
+              <a:t>;</a:t>
+            </a:r>
             <a:endParaRPr lang="pt-PT" dirty="0" smtClean="0"/>
           </a:p>
           <a:p>
@@ -6089,7 +6111,11 @@
             </a:r>
             <a:r>
               <a:rPr lang="pt-PT" dirty="0" smtClean="0"/>
-              <a:t> Server)</a:t>
+              <a:t> Server</a:t>
+            </a:r>
+            <a:r>
+              <a:rPr lang="pt-PT" dirty="0" smtClean="0"/>
+              <a:t>).</a:t>
             </a:r>
             <a:endParaRPr lang="pt-PT" dirty="0"/>
           </a:p>
@@ -6534,6 +6560,10 @@
               <a:rPr lang="pt-PT" dirty="0" err="1" smtClean="0"/>
               <a:t>Node.JS</a:t>
             </a:r>
+            <a:r>
+              <a:rPr lang="pt-PT" dirty="0" smtClean="0"/>
+              <a:t>;</a:t>
+            </a:r>
             <a:endParaRPr lang="pt-PT" dirty="0" smtClean="0"/>
           </a:p>
           <a:p>
@@ -6545,17 +6575,33 @@
               <a:rPr lang="pt-PT" dirty="0" err="1" smtClean="0"/>
               <a:t>app</a:t>
             </a:r>
+            <a:r>
+              <a:rPr lang="pt-PT" dirty="0" smtClean="0"/>
+              <a:t>;</a:t>
+            </a:r>
             <a:endParaRPr lang="pt-PT" dirty="0" smtClean="0"/>
           </a:p>
           <a:p>
             <a:r>
               <a:rPr lang="pt-PT" dirty="0" smtClean="0"/>
-              <a:t>Suporte para receber uma lista de respostas aos testes a partir da </a:t>
+              <a:t>Suporte para receber uma lista de respostas </a:t>
+            </a:r>
+            <a:r>
+              <a:rPr lang="pt-PT" dirty="0" smtClean="0"/>
+              <a:t>aos </a:t>
+            </a:r>
+            <a:r>
+              <a:rPr lang="pt-PT" dirty="0" smtClean="0"/>
+              <a:t>testes a partir da </a:t>
             </a:r>
             <a:r>
               <a:rPr lang="pt-PT" dirty="0" err="1" smtClean="0"/>
               <a:t>app</a:t>
             </a:r>
+            <a:r>
+              <a:rPr lang="pt-PT" dirty="0" smtClean="0"/>
+              <a:t>;</a:t>
+            </a:r>
             <a:endParaRPr lang="pt-PT" dirty="0" smtClean="0"/>
           </a:p>
           <a:p>
@@ -6567,13 +6613,22 @@
               <a:rPr lang="pt-PT" dirty="0" err="1" smtClean="0"/>
               <a:t>Http</a:t>
             </a:r>
+            <a:r>
+              <a:rPr lang="pt-PT" dirty="0" smtClean="0"/>
+              <a:t>;</a:t>
+            </a:r>
             <a:endParaRPr lang="pt-PT" dirty="0" smtClean="0"/>
           </a:p>
           <a:p>
             <a:r>
               <a:rPr lang="pt-PT" dirty="0" smtClean="0"/>
-              <a:t>Dados transferidos em JSON + Base64</a:t>
-            </a:r>
+              <a:t>Dados transferidos em JSON + </a:t>
+            </a:r>
+            <a:r>
+              <a:rPr lang="pt-PT" dirty="0" smtClean="0"/>
+              <a:t>Base64.</a:t>
+            </a:r>
+            <a:endParaRPr lang="pt-PT" dirty="0" smtClean="0"/>
           </a:p>
           <a:p>
             <a:endParaRPr lang="pt-PT" dirty="0"/>
@@ -6927,7 +6982,15 @@
             </a:r>
             <a:r>
               <a:rPr lang="pt-PT" dirty="0" err="1" smtClean="0"/>
-              <a:t>http</a:t>
+              <a:t>H</a:t>
+            </a:r>
+            <a:r>
+              <a:rPr lang="pt-PT" dirty="0" err="1" smtClean="0"/>
+              <a:t>ttp</a:t>
+            </a:r>
+            <a:r>
+              <a:rPr lang="pt-PT" dirty="0" smtClean="0"/>
+              <a:t>;</a:t>
             </a:r>
             <a:endParaRPr lang="pt-PT" dirty="0" smtClean="0"/>
           </a:p>
@@ -6938,7 +7001,11 @@
             </a:r>
             <a:r>
               <a:rPr lang="pt-PT" dirty="0" smtClean="0"/>
-              <a:t>: Estabelecer uma ligação a um servidor </a:t>
+              <a:t>: Estabelecer uma ligação a um </a:t>
+            </a:r>
+            <a:r>
+              <a:rPr lang="pt-PT" dirty="0" smtClean="0"/>
+              <a:t>servidor </a:t>
             </a:r>
             <a:r>
               <a:rPr lang="pt-PT" dirty="0" err="1" smtClean="0"/>
@@ -6954,8 +7021,13 @@
             </a:r>
             <a:r>
               <a:rPr lang="pt-PT" dirty="0" smtClean="0"/>
-              <a:t> Server</a:t>
-            </a:r>
+              <a:t> </a:t>
+            </a:r>
+            <a:r>
+              <a:rPr lang="pt-PT" dirty="0" smtClean="0"/>
+              <a:t>Server.</a:t>
+            </a:r>
+            <a:endParaRPr lang="pt-PT" dirty="0" smtClean="0"/>
           </a:p>
         </p:txBody>
       </p:sp>
@@ -7767,19 +7839,11 @@
             </a:r>
             <a:r>
               <a:rPr lang="pt-PT" dirty="0" err="1" smtClean="0"/>
-              <a:t>H</a:t>
-            </a:r>
-            <a:r>
-              <a:rPr lang="pt-PT" dirty="0" err="1" smtClean="0"/>
-              <a:t>ttp</a:t>
+              <a:t>Http</a:t>
             </a:r>
             <a:r>
               <a:rPr lang="pt-PT" dirty="0" smtClean="0"/>
-              <a:t> </a:t>
-            </a:r>
-            <a:r>
-              <a:rPr lang="pt-PT" dirty="0" smtClean="0"/>
-              <a:t>simples</a:t>
+              <a:t> simples</a:t>
             </a:r>
             <a:endParaRPr lang="pt-PT" dirty="0"/>
           </a:p>
@@ -8929,8 +8993,13 @@
             </a:r>
             <a:r>
               <a:rPr lang="pt-PT" dirty="0" smtClean="0"/>
-              <a:t> para requisitar e colocar recursos no servidor</a:t>
-            </a:r>
+              <a:t> para requisitar e colocar recursos no </a:t>
+            </a:r>
+            <a:r>
+              <a:rPr lang="pt-PT" dirty="0" smtClean="0"/>
+              <a:t>servidor;</a:t>
+            </a:r>
+            <a:endParaRPr lang="pt-PT" dirty="0" smtClean="0"/>
           </a:p>
           <a:p>
             <a:r>
@@ -8951,8 +9020,13 @@
             </a:r>
             <a:r>
               <a:rPr lang="pt-PT" dirty="0" smtClean="0"/>
-              <a:t> para fazer o tratamento de JSON</a:t>
-            </a:r>
+              <a:t> para fazer o tratamento de </a:t>
+            </a:r>
+            <a:r>
+              <a:rPr lang="pt-PT" dirty="0" smtClean="0"/>
+              <a:t>JSON;</a:t>
+            </a:r>
+            <a:endParaRPr lang="pt-PT" dirty="0" smtClean="0"/>
           </a:p>
           <a:p>
             <a:r>
@@ -8965,7 +9039,11 @@
             </a:r>
             <a:r>
               <a:rPr lang="pt-PT" dirty="0" smtClean="0"/>
-              <a:t> no caso do GET</a:t>
+              <a:t> no caso do </a:t>
+            </a:r>
+            <a:r>
+              <a:rPr lang="pt-PT" dirty="0" smtClean="0"/>
+              <a:t>GET.</a:t>
             </a:r>
             <a:endParaRPr lang="pt-PT" dirty="0"/>
           </a:p>
@@ -9216,8 +9294,13 @@
           <a:p>
             <a:r>
               <a:rPr lang="pt-PT" dirty="0" smtClean="0"/>
-              <a:t>Tecnologias propostas</a:t>
-            </a:r>
+              <a:t>Tecnologias </a:t>
+            </a:r>
+            <a:r>
+              <a:rPr lang="pt-PT" dirty="0" smtClean="0"/>
+              <a:t>propostas.</a:t>
+            </a:r>
+            <a:endParaRPr lang="pt-PT" dirty="0" smtClean="0"/>
           </a:p>
           <a:p>
             <a:r>
@@ -9242,12 +9325,20 @@
               <a:rPr lang="pt-PT" dirty="0" err="1" smtClean="0"/>
               <a:t>Android</a:t>
             </a:r>
+            <a:r>
+              <a:rPr lang="pt-PT" dirty="0" smtClean="0"/>
+              <a:t>.</a:t>
+            </a:r>
             <a:endParaRPr lang="pt-PT" dirty="0" smtClean="0"/>
           </a:p>
           <a:p>
             <a:r>
               <a:rPr lang="pt-PT" dirty="0" smtClean="0"/>
-              <a:t>Tecnologias em investigação</a:t>
+              <a:t>Tecnologias em </a:t>
+            </a:r>
+            <a:r>
+              <a:rPr lang="pt-PT" dirty="0" smtClean="0"/>
+              <a:t>investigação.</a:t>
             </a:r>
             <a:endParaRPr lang="pt-PT" dirty="0"/>
           </a:p>
@@ -20601,26 +20692,46 @@
           <a:p>
             <a:r>
               <a:rPr lang="pt-PT" dirty="0" smtClean="0"/>
-              <a:t>Linguagem orientada a objetos da Google</a:t>
-            </a:r>
-          </a:p>
-          <a:p>
+              <a:t>Linguagem orientada a objetos da </a:t>
+            </a:r>
             <a:r>
               <a:rPr lang="pt-PT" dirty="0" smtClean="0"/>
-              <a:t>Familiar, com sintaxe semelhante ao Java e C#</a:t>
-            </a:r>
+              <a:t>Google;</a:t>
+            </a:r>
+            <a:endParaRPr lang="pt-PT" dirty="0" smtClean="0"/>
           </a:p>
           <a:p>
             <a:r>
               <a:rPr lang="pt-PT" dirty="0" smtClean="0"/>
-              <a:t>Funciona tanto no servidor como no browser</a:t>
-            </a:r>
-          </a:p>
-          <a:p>
+              <a:t>Familiar, com sintaxe semelhante ao Java e C</a:t>
+            </a:r>
             <a:r>
               <a:rPr lang="pt-PT" dirty="0" smtClean="0"/>
-              <a:t>Modular, com recurso a packages e ao pub</a:t>
-            </a:r>
+              <a:t>#;</a:t>
+            </a:r>
+            <a:endParaRPr lang="pt-PT" dirty="0" smtClean="0"/>
+          </a:p>
+          <a:p>
+            <a:r>
+              <a:rPr lang="pt-PT" dirty="0" smtClean="0"/>
+              <a:t>Funciona tanto no servidor como no </a:t>
+            </a:r>
+            <a:r>
+              <a:rPr lang="pt-PT" dirty="0" smtClean="0"/>
+              <a:t>browser;</a:t>
+            </a:r>
+            <a:endParaRPr lang="pt-PT" dirty="0" smtClean="0"/>
+          </a:p>
+          <a:p>
+            <a:r>
+              <a:rPr lang="pt-PT" dirty="0" smtClean="0"/>
+              <a:t>Modular, com recurso a packages e ao </a:t>
+            </a:r>
+            <a:r>
+              <a:rPr lang="pt-PT" dirty="0" smtClean="0"/>
+              <a:t>pub;</a:t>
+            </a:r>
+            <a:endParaRPr lang="pt-PT" dirty="0" smtClean="0"/>
           </a:p>
           <a:p>
             <a:r>
@@ -20635,6 +20746,10 @@
               <a:rPr lang="pt-PT" dirty="0" err="1" smtClean="0"/>
               <a:t>Isolates</a:t>
             </a:r>
+            <a:r>
+              <a:rPr lang="pt-PT" dirty="0" smtClean="0"/>
+              <a:t>;</a:t>
+            </a:r>
             <a:endParaRPr lang="pt-PT" dirty="0" smtClean="0"/>
           </a:p>
           <a:p>
@@ -20645,6 +20760,10 @@
             <a:r>
               <a:rPr lang="pt-PT" dirty="0" err="1" smtClean="0"/>
               <a:t>source</a:t>
+            </a:r>
+            <a:r>
+              <a:rPr lang="pt-PT" dirty="0" smtClean="0"/>
+              <a:t>!</a:t>
             </a:r>
             <a:endParaRPr lang="pt-PT" dirty="0"/>
           </a:p>
@@ -21004,12 +21123,12 @@
       </p:grpSpPr>
       <p:sp>
         <p:nvSpPr>
-          <p:cNvPr id="4" name="Título 3"/>
+          <p:cNvPr id="2" name="Título 1"/>
           <p:cNvSpPr>
             <a:spLocks noGrp="1"/>
           </p:cNvSpPr>
           <p:nvPr>
-            <p:ph type="title"/>
+            <p:ph type="ctrTitle"/>
           </p:nvPr>
         </p:nvSpPr>
         <p:spPr/>
@@ -21019,7 +21138,7 @@
           <a:p>
             <a:r>
               <a:rPr lang="pt-PT" dirty="0" smtClean="0"/>
-              <a:t>Potencialidades</a:t>
+              <a:t>Exemplos</a:t>
             </a:r>
             <a:endParaRPr lang="pt-PT" dirty="0"/>
           </a:p>
@@ -21027,12 +21146,12 @@
       </p:sp>
       <p:sp>
         <p:nvSpPr>
-          <p:cNvPr id="5" name="Marcador de Posição de Conteúdo 4"/>
+          <p:cNvPr id="3" name="Subtítulo 2"/>
           <p:cNvSpPr>
             <a:spLocks noGrp="1"/>
           </p:cNvSpPr>
           <p:nvPr>
-            <p:ph idx="1"/>
+            <p:ph type="subTitle" idx="1"/>
           </p:nvPr>
         </p:nvSpPr>
         <p:spPr/>
@@ -21042,54 +21161,7 @@
           <a:p>
             <a:r>
               <a:rPr lang="pt-PT" dirty="0" smtClean="0"/>
-              <a:t>Forte API base</a:t>
-            </a:r>
-          </a:p>
-          <a:p>
-            <a:r>
-              <a:rPr lang="pt-PT" dirty="0" smtClean="0"/>
-              <a:t>Excelente documentação das </a:t>
-            </a:r>
-            <a:r>
-              <a:rPr lang="pt-PT" dirty="0" err="1" smtClean="0"/>
-              <a:t>APIs</a:t>
-            </a:r>
-            <a:endParaRPr lang="pt-PT" dirty="0" smtClean="0"/>
-          </a:p>
-          <a:p>
-            <a:r>
-              <a:rPr lang="pt-PT" dirty="0" err="1" smtClean="0"/>
-              <a:t>Learning</a:t>
-            </a:r>
-            <a:r>
-              <a:rPr lang="pt-PT" dirty="0" smtClean="0"/>
-              <a:t> curve inexistente se se sabe Java</a:t>
-            </a:r>
-          </a:p>
-          <a:p>
-            <a:r>
-              <a:rPr lang="pt-PT" dirty="0" smtClean="0"/>
-              <a:t>I/O assíncrona</a:t>
-            </a:r>
-          </a:p>
-          <a:p>
-            <a:r>
-              <a:rPr lang="pt-PT" dirty="0" smtClean="0"/>
-              <a:t>Performance melhor que </a:t>
-            </a:r>
-            <a:r>
-              <a:rPr lang="pt-PT" dirty="0" err="1" smtClean="0"/>
-              <a:t>JavaScript</a:t>
-            </a:r>
-            <a:r>
-              <a:rPr lang="pt-PT" dirty="0" smtClean="0"/>
-              <a:t> (V8)</a:t>
-            </a:r>
-          </a:p>
-          <a:p>
-            <a:r>
-              <a:rPr lang="pt-PT" dirty="0" smtClean="0"/>
-              <a:t>Comunidade em crescimento</a:t>
+              <a:t>Poucos, senão nunca mais saio daqui!</a:t>
             </a:r>
             <a:endParaRPr lang="pt-PT" dirty="0"/>
           </a:p>
@@ -21127,70 +21199,655 @@
           <a:chExt cx="0" cy="0"/>
         </a:xfrm>
       </p:grpSpPr>
-      <p:pic>
-        <p:nvPicPr>
-          <p:cNvPr id="6" name="Imagem 5" descr="Untitled-1.png"/>
-          <p:cNvPicPr>
-            <a:picLocks noChangeAspect="1"/>
-          </p:cNvPicPr>
-          <p:nvPr/>
-        </p:nvPicPr>
-        <p:blipFill>
-          <a:blip r:embed="rId3" cstate="print"/>
-          <a:stretch>
-            <a:fillRect/>
-          </a:stretch>
-        </p:blipFill>
-        <p:spPr>
-          <a:xfrm>
-            <a:off x="971600" y="494664"/>
-            <a:ext cx="7200800" cy="4725672"/>
-          </a:xfrm>
-          <a:prstGeom prst="rect">
-            <a:avLst/>
-          </a:prstGeom>
-        </p:spPr>
-      </p:pic>
-    </p:spTree>
-  </p:cSld>
-  <p:clrMapOvr>
-    <a:masterClrMapping/>
-  </p:clrMapOvr>
-  <p:timing>
-    <p:tnLst>
-      <p:par>
-        <p:cTn id="1" dur="indefinite" restart="never" nodeType="tmRoot"/>
-      </p:par>
-    </p:tnLst>
-  </p:timing>
-</p:sld>
-</file>
-
-<file path=ppt/slides/slide38.xml><?xml version="1.0" encoding="utf-8"?>
-<p:sld xmlns:a="http://schemas.openxmlformats.org/drawingml/2006/main" xmlns:r="http://schemas.openxmlformats.org/officeDocument/2006/relationships" xmlns:p="http://schemas.openxmlformats.org/presentationml/2006/main">
-  <p:cSld>
-    <p:spTree>
-      <p:nvGrpSpPr>
-        <p:cNvPr id="1" name=""/>
-        <p:cNvGrpSpPr/>
-        <p:nvPr/>
-      </p:nvGrpSpPr>
-      <p:grpSpPr>
-        <a:xfrm>
-          <a:off x="0" y="0"/>
-          <a:ext cx="0" cy="0"/>
-          <a:chOff x="0" y="0"/>
-          <a:chExt cx="0" cy="0"/>
-        </a:xfrm>
-      </p:grpSpPr>
       <p:sp>
         <p:nvSpPr>
-          <p:cNvPr id="2" name="Título 1"/>
+          <p:cNvPr id="2" name="Marcador de Posição do Texto 1"/>
           <p:cNvSpPr>
             <a:spLocks noGrp="1"/>
           </p:cNvSpPr>
           <p:nvPr>
-            <p:ph type="title"/>
+            <p:ph type="body" sz="quarter" idx="13"/>
+          </p:nvPr>
+        </p:nvSpPr>
+        <p:spPr>
+          <a:xfrm>
+            <a:off x="2051720" y="337221"/>
+            <a:ext cx="5040560" cy="3960440"/>
+          </a:xfrm>
+        </p:spPr>
+        <p:txBody>
+          <a:bodyPr>
+            <a:noAutofit/>
+          </a:bodyPr>
+          <a:lstStyle/>
+          <a:p>
+            <a:r>
+              <a:rPr lang="pt-PT" dirty="0" err="1" smtClean="0">
+                <a:solidFill>
+                  <a:srgbClr val="0000FF"/>
+                </a:solidFill>
+                <a:latin typeface="Consolas"/>
+              </a:rPr>
+              <a:t>class</a:t>
+            </a:r>
+            <a:r>
+              <a:rPr lang="pt-PT" dirty="0" smtClean="0">
+                <a:solidFill>
+                  <a:srgbClr val="333333"/>
+                </a:solidFill>
+                <a:latin typeface="Consolas"/>
+              </a:rPr>
+              <a:t> </a:t>
+            </a:r>
+            <a:r>
+              <a:rPr lang="pt-PT" dirty="0" err="1" smtClean="0">
+                <a:solidFill>
+                  <a:srgbClr val="2B91AF"/>
+                </a:solidFill>
+                <a:latin typeface="Consolas"/>
+              </a:rPr>
+              <a:t>Complex</a:t>
+            </a:r>
+            <a:r>
+              <a:rPr lang="pt-PT" dirty="0" smtClean="0">
+                <a:solidFill>
+                  <a:srgbClr val="333333"/>
+                </a:solidFill>
+                <a:latin typeface="Consolas"/>
+              </a:rPr>
+              <a:t> </a:t>
+            </a:r>
+            <a:r>
+              <a:rPr lang="pt-PT" dirty="0" smtClean="0">
+                <a:solidFill>
+                  <a:srgbClr val="333333"/>
+                </a:solidFill>
+                <a:latin typeface="Consolas"/>
+              </a:rPr>
+              <a:t>{</a:t>
+            </a:r>
+          </a:p>
+          <a:p>
+            <a:r>
+              <a:rPr lang="pt-PT" dirty="0" smtClean="0">
+                <a:solidFill>
+                  <a:srgbClr val="333333"/>
+                </a:solidFill>
+                <a:latin typeface="Consolas"/>
+              </a:rPr>
+              <a:t> </a:t>
+            </a:r>
+            <a:r>
+              <a:rPr lang="pt-PT" dirty="0" smtClean="0">
+                <a:solidFill>
+                  <a:srgbClr val="333333"/>
+                </a:solidFill>
+                <a:latin typeface="Consolas"/>
+              </a:rPr>
+              <a:t> </a:t>
+            </a:r>
+            <a:r>
+              <a:rPr lang="pt-PT" dirty="0" err="1" smtClean="0">
+                <a:solidFill>
+                  <a:srgbClr val="2B91AF"/>
+                </a:solidFill>
+                <a:latin typeface="Consolas"/>
+              </a:rPr>
+              <a:t>double</a:t>
+            </a:r>
+            <a:r>
+              <a:rPr lang="pt-PT" dirty="0" smtClean="0">
+                <a:solidFill>
+                  <a:srgbClr val="333333"/>
+                </a:solidFill>
+                <a:latin typeface="Consolas"/>
+              </a:rPr>
+              <a:t> </a:t>
+            </a:r>
+            <a:r>
+              <a:rPr lang="pt-PT" dirty="0" err="1" smtClean="0">
+                <a:solidFill>
+                  <a:srgbClr val="333333"/>
+                </a:solidFill>
+                <a:latin typeface="Consolas"/>
+              </a:rPr>
+              <a:t>re</a:t>
+            </a:r>
+            <a:r>
+              <a:rPr lang="pt-PT" dirty="0" smtClean="0">
+                <a:solidFill>
+                  <a:srgbClr val="333333"/>
+                </a:solidFill>
+                <a:latin typeface="Consolas"/>
+              </a:rPr>
+              <a:t>;</a:t>
+            </a:r>
+            <a:endParaRPr lang="pt-PT" dirty="0" smtClean="0">
+              <a:solidFill>
+                <a:srgbClr val="333333"/>
+              </a:solidFill>
+              <a:latin typeface="Consolas"/>
+            </a:endParaRPr>
+          </a:p>
+          <a:p>
+            <a:r>
+              <a:rPr lang="pt-PT" dirty="0" smtClean="0">
+                <a:solidFill>
+                  <a:srgbClr val="333333"/>
+                </a:solidFill>
+                <a:latin typeface="Consolas"/>
+              </a:rPr>
+              <a:t>  </a:t>
+            </a:r>
+            <a:r>
+              <a:rPr lang="pt-PT" dirty="0" err="1" smtClean="0">
+                <a:solidFill>
+                  <a:srgbClr val="2B91AF"/>
+                </a:solidFill>
+                <a:latin typeface="Consolas"/>
+              </a:rPr>
+              <a:t>double</a:t>
+            </a:r>
+            <a:r>
+              <a:rPr lang="pt-PT" dirty="0" smtClean="0">
+                <a:solidFill>
+                  <a:srgbClr val="333333"/>
+                </a:solidFill>
+                <a:latin typeface="Consolas"/>
+              </a:rPr>
+              <a:t> _</a:t>
+            </a:r>
+            <a:r>
+              <a:rPr lang="pt-PT" dirty="0" err="1" smtClean="0">
+                <a:solidFill>
+                  <a:srgbClr val="333333"/>
+                </a:solidFill>
+                <a:latin typeface="Consolas"/>
+              </a:rPr>
+              <a:t>im</a:t>
+            </a:r>
+            <a:r>
+              <a:rPr lang="pt-PT" dirty="0" smtClean="0">
+                <a:solidFill>
+                  <a:srgbClr val="333333"/>
+                </a:solidFill>
+                <a:latin typeface="Consolas"/>
+              </a:rPr>
+              <a:t>;</a:t>
+            </a:r>
+          </a:p>
+          <a:p>
+            <a:endParaRPr lang="pt-PT" dirty="0" smtClean="0">
+              <a:solidFill>
+                <a:srgbClr val="333333"/>
+              </a:solidFill>
+              <a:latin typeface="Consolas"/>
+            </a:endParaRPr>
+          </a:p>
+          <a:p>
+            <a:r>
+              <a:rPr lang="pt-PT" dirty="0" smtClean="0">
+                <a:solidFill>
+                  <a:srgbClr val="333333"/>
+                </a:solidFill>
+                <a:latin typeface="Consolas"/>
+              </a:rPr>
+              <a:t>  </a:t>
+            </a:r>
+            <a:r>
+              <a:rPr lang="en-US" dirty="0" smtClean="0">
+                <a:solidFill>
+                  <a:srgbClr val="333333"/>
+                </a:solidFill>
+                <a:latin typeface="Consolas"/>
+              </a:rPr>
+              <a:t>Complex(</a:t>
+            </a:r>
+            <a:r>
+              <a:rPr lang="en-US" dirty="0" smtClean="0">
+                <a:solidFill>
+                  <a:srgbClr val="0000FF"/>
+                </a:solidFill>
+                <a:latin typeface="Consolas"/>
+              </a:rPr>
+              <a:t>this</a:t>
+            </a:r>
+            <a:r>
+              <a:rPr lang="en-US" dirty="0" smtClean="0">
+                <a:solidFill>
+                  <a:srgbClr val="333333"/>
+                </a:solidFill>
+                <a:latin typeface="Consolas"/>
+              </a:rPr>
+              <a:t>.re, </a:t>
+            </a:r>
+            <a:r>
+              <a:rPr lang="en-US" dirty="0" err="1" smtClean="0">
+                <a:solidFill>
+                  <a:srgbClr val="0000FF"/>
+                </a:solidFill>
+                <a:latin typeface="Consolas"/>
+              </a:rPr>
+              <a:t>this</a:t>
+            </a:r>
+            <a:r>
+              <a:rPr lang="en-US" dirty="0" err="1" smtClean="0">
+                <a:solidFill>
+                  <a:srgbClr val="333333"/>
+                </a:solidFill>
+                <a:latin typeface="Consolas"/>
+              </a:rPr>
+              <a:t>._im</a:t>
+            </a:r>
+            <a:r>
+              <a:rPr lang="en-US" dirty="0" smtClean="0">
+                <a:solidFill>
+                  <a:srgbClr val="333333"/>
+                </a:solidFill>
+                <a:latin typeface="Consolas"/>
+              </a:rPr>
+              <a:t>);</a:t>
+            </a:r>
+          </a:p>
+          <a:p>
+            <a:endParaRPr lang="en-US" dirty="0" smtClean="0">
+              <a:solidFill>
+                <a:srgbClr val="333333"/>
+              </a:solidFill>
+              <a:latin typeface="Consolas"/>
+            </a:endParaRPr>
+          </a:p>
+          <a:p>
+            <a:r>
+              <a:rPr lang="pt-PT" dirty="0" smtClean="0">
+                <a:solidFill>
+                  <a:srgbClr val="333333"/>
+                </a:solidFill>
+                <a:latin typeface="Consolas"/>
+              </a:rPr>
+              <a:t>  </a:t>
+            </a:r>
+            <a:r>
+              <a:rPr lang="pt-PT" dirty="0" err="1" smtClean="0">
+                <a:solidFill>
+                  <a:srgbClr val="333333"/>
+                </a:solidFill>
+                <a:latin typeface="Consolas"/>
+              </a:rPr>
+              <a:t>Complex.zero</a:t>
+            </a:r>
+            <a:r>
+              <a:rPr lang="pt-PT" dirty="0" smtClean="0">
+                <a:solidFill>
+                  <a:srgbClr val="333333"/>
+                </a:solidFill>
+                <a:latin typeface="Consolas"/>
+              </a:rPr>
+              <a:t>() : </a:t>
+            </a:r>
+            <a:r>
+              <a:rPr lang="pt-PT" dirty="0" err="1" smtClean="0">
+                <a:solidFill>
+                  <a:srgbClr val="0000FF"/>
+                </a:solidFill>
+                <a:latin typeface="Consolas"/>
+              </a:rPr>
+              <a:t>this</a:t>
+            </a:r>
+            <a:r>
+              <a:rPr lang="pt-PT" dirty="0" smtClean="0">
+                <a:solidFill>
+                  <a:srgbClr val="333333"/>
+                </a:solidFill>
+                <a:latin typeface="Consolas"/>
+              </a:rPr>
+              <a:t>(0.0, 0.0);</a:t>
+            </a:r>
+          </a:p>
+          <a:p>
+            <a:endParaRPr lang="pt-PT" dirty="0" smtClean="0">
+              <a:solidFill>
+                <a:srgbClr val="333333"/>
+              </a:solidFill>
+              <a:latin typeface="Consolas"/>
+            </a:endParaRPr>
+          </a:p>
+          <a:p>
+            <a:r>
+              <a:rPr lang="en-US" dirty="0" smtClean="0">
+                <a:solidFill>
+                  <a:srgbClr val="2B91AF"/>
+                </a:solidFill>
+                <a:latin typeface="Consolas"/>
+              </a:rPr>
+              <a:t>  double</a:t>
+            </a:r>
+            <a:r>
+              <a:rPr lang="en-US" dirty="0" smtClean="0">
+                <a:solidFill>
+                  <a:srgbClr val="333333"/>
+                </a:solidFill>
+                <a:latin typeface="Consolas"/>
+              </a:rPr>
+              <a:t> </a:t>
+            </a:r>
+            <a:r>
+              <a:rPr lang="en-US" dirty="0" smtClean="0">
+                <a:solidFill>
+                  <a:srgbClr val="0000FF"/>
+                </a:solidFill>
+                <a:latin typeface="Consolas"/>
+              </a:rPr>
+              <a:t>get</a:t>
+            </a:r>
+            <a:r>
+              <a:rPr lang="en-US" dirty="0" smtClean="0">
+                <a:solidFill>
+                  <a:srgbClr val="333333"/>
+                </a:solidFill>
+                <a:latin typeface="Consolas"/>
+              </a:rPr>
+              <a:t> mod =&gt; </a:t>
+            </a:r>
+            <a:r>
+              <a:rPr lang="en-US" dirty="0" err="1" smtClean="0">
+                <a:solidFill>
+                  <a:srgbClr val="333333"/>
+                </a:solidFill>
+                <a:latin typeface="Consolas"/>
+              </a:rPr>
+              <a:t>math.sqrt</a:t>
+            </a:r>
+            <a:r>
+              <a:rPr lang="en-US" dirty="0" smtClean="0">
+                <a:solidFill>
+                  <a:srgbClr val="333333"/>
+                </a:solidFill>
+                <a:latin typeface="Consolas"/>
+              </a:rPr>
+              <a:t>(re * re + </a:t>
+            </a:r>
+            <a:r>
+              <a:rPr lang="en-US" dirty="0" err="1" smtClean="0">
+                <a:solidFill>
+                  <a:srgbClr val="333333"/>
+                </a:solidFill>
+                <a:latin typeface="Consolas"/>
+              </a:rPr>
+              <a:t>im</a:t>
+            </a:r>
+            <a:r>
+              <a:rPr lang="en-US" dirty="0" smtClean="0">
+                <a:solidFill>
+                  <a:srgbClr val="333333"/>
+                </a:solidFill>
+                <a:latin typeface="Consolas"/>
+              </a:rPr>
+              <a:t> * </a:t>
+            </a:r>
+            <a:r>
+              <a:rPr lang="en-US" dirty="0" err="1" smtClean="0">
+                <a:solidFill>
+                  <a:srgbClr val="333333"/>
+                </a:solidFill>
+                <a:latin typeface="Consolas"/>
+              </a:rPr>
+              <a:t>im</a:t>
+            </a:r>
+            <a:r>
+              <a:rPr lang="en-US" dirty="0" smtClean="0">
+                <a:solidFill>
+                  <a:srgbClr val="333333"/>
+                </a:solidFill>
+                <a:latin typeface="Consolas"/>
+              </a:rPr>
+              <a:t>);</a:t>
+            </a:r>
+          </a:p>
+          <a:p>
+            <a:endParaRPr lang="en-US" dirty="0" smtClean="0">
+              <a:solidFill>
+                <a:srgbClr val="333333"/>
+              </a:solidFill>
+              <a:latin typeface="Consolas"/>
+            </a:endParaRPr>
+          </a:p>
+          <a:p>
+            <a:r>
+              <a:rPr lang="en-US" dirty="0" smtClean="0">
+                <a:solidFill>
+                  <a:srgbClr val="333333"/>
+                </a:solidFill>
+                <a:latin typeface="Consolas"/>
+              </a:rPr>
+              <a:t>  </a:t>
+            </a:r>
+            <a:r>
+              <a:rPr lang="en-US" dirty="0" smtClean="0">
+                <a:solidFill>
+                  <a:srgbClr val="0000FF"/>
+                </a:solidFill>
+                <a:latin typeface="Consolas"/>
+              </a:rPr>
+              <a:t>set</a:t>
+            </a:r>
+            <a:r>
+              <a:rPr lang="en-US" dirty="0" smtClean="0">
+                <a:solidFill>
+                  <a:srgbClr val="333333"/>
+                </a:solidFill>
+                <a:latin typeface="Consolas"/>
+              </a:rPr>
+              <a:t> </a:t>
+            </a:r>
+            <a:r>
+              <a:rPr lang="en-US" dirty="0" err="1" smtClean="0">
+                <a:solidFill>
+                  <a:srgbClr val="333333"/>
+                </a:solidFill>
+                <a:latin typeface="Consolas"/>
+              </a:rPr>
+              <a:t>im</a:t>
+            </a:r>
+            <a:r>
+              <a:rPr lang="en-US" dirty="0" smtClean="0">
+                <a:solidFill>
+                  <a:srgbClr val="333333"/>
+                </a:solidFill>
+                <a:latin typeface="Consolas"/>
+              </a:rPr>
+              <a:t>(</a:t>
+            </a:r>
+            <a:r>
+              <a:rPr lang="en-US" dirty="0" smtClean="0">
+                <a:solidFill>
+                  <a:srgbClr val="2B91AF"/>
+                </a:solidFill>
+                <a:latin typeface="Consolas"/>
+              </a:rPr>
+              <a:t>double</a:t>
+            </a:r>
+            <a:r>
+              <a:rPr lang="en-US" dirty="0" smtClean="0">
+                <a:solidFill>
+                  <a:srgbClr val="333333"/>
+                </a:solidFill>
+                <a:latin typeface="Consolas"/>
+              </a:rPr>
+              <a:t> value) </a:t>
+            </a:r>
+            <a:r>
+              <a:rPr lang="en-US" dirty="0" smtClean="0">
+                <a:solidFill>
+                  <a:srgbClr val="333333"/>
+                </a:solidFill>
+                <a:latin typeface="Consolas"/>
+              </a:rPr>
+              <a:t>{ _</a:t>
+            </a:r>
+            <a:r>
+              <a:rPr lang="en-US" dirty="0" err="1" smtClean="0">
+                <a:solidFill>
+                  <a:srgbClr val="333333"/>
+                </a:solidFill>
+                <a:latin typeface="Consolas"/>
+              </a:rPr>
+              <a:t>im</a:t>
+            </a:r>
+            <a:r>
+              <a:rPr lang="en-US" dirty="0" smtClean="0">
+                <a:solidFill>
+                  <a:srgbClr val="333333"/>
+                </a:solidFill>
+                <a:latin typeface="Consolas"/>
+              </a:rPr>
+              <a:t> = value</a:t>
+            </a:r>
+            <a:r>
+              <a:rPr lang="en-US" dirty="0" smtClean="0">
+                <a:solidFill>
+                  <a:srgbClr val="333333"/>
+                </a:solidFill>
+                <a:latin typeface="Consolas"/>
+              </a:rPr>
+              <a:t>; }</a:t>
+            </a:r>
+            <a:endParaRPr lang="en-US" dirty="0" smtClean="0">
+              <a:solidFill>
+                <a:srgbClr val="333333"/>
+              </a:solidFill>
+              <a:latin typeface="Consolas"/>
+            </a:endParaRPr>
+          </a:p>
+          <a:p>
+            <a:endParaRPr lang="en-US" dirty="0" smtClean="0">
+              <a:solidFill>
+                <a:srgbClr val="333333"/>
+              </a:solidFill>
+              <a:latin typeface="Consolas"/>
+            </a:endParaRPr>
+          </a:p>
+          <a:p>
+            <a:r>
+              <a:rPr lang="en-US" dirty="0" smtClean="0">
+                <a:solidFill>
+                  <a:srgbClr val="333333"/>
+                </a:solidFill>
+                <a:latin typeface="Consolas"/>
+              </a:rPr>
+              <a:t>  Complex </a:t>
+            </a:r>
+            <a:r>
+              <a:rPr lang="en-US" dirty="0" smtClean="0">
+                <a:solidFill>
+                  <a:srgbClr val="0000FF"/>
+                </a:solidFill>
+                <a:latin typeface="Consolas"/>
+              </a:rPr>
+              <a:t>operator</a:t>
+            </a:r>
+            <a:r>
+              <a:rPr lang="en-US" dirty="0" smtClean="0">
+                <a:solidFill>
+                  <a:srgbClr val="333333"/>
+                </a:solidFill>
+                <a:latin typeface="Consolas"/>
+              </a:rPr>
+              <a:t>+(Complex other) =&gt; </a:t>
+            </a:r>
+            <a:endParaRPr lang="en-US" dirty="0" smtClean="0">
+              <a:solidFill>
+                <a:srgbClr val="333333"/>
+              </a:solidFill>
+              <a:latin typeface="Consolas"/>
+            </a:endParaRPr>
+          </a:p>
+          <a:p>
+            <a:r>
+              <a:rPr lang="en-US" dirty="0" smtClean="0">
+                <a:solidFill>
+                  <a:srgbClr val="333333"/>
+                </a:solidFill>
+                <a:latin typeface="Consolas"/>
+              </a:rPr>
+              <a:t> </a:t>
+            </a:r>
+            <a:r>
+              <a:rPr lang="en-US" dirty="0" smtClean="0">
+                <a:solidFill>
+                  <a:srgbClr val="333333"/>
+                </a:solidFill>
+                <a:latin typeface="Consolas"/>
+              </a:rPr>
+              <a:t>   </a:t>
+            </a:r>
+            <a:r>
+              <a:rPr lang="en-US" dirty="0" smtClean="0">
+                <a:solidFill>
+                  <a:srgbClr val="0000FF"/>
+                </a:solidFill>
+                <a:latin typeface="Consolas"/>
+              </a:rPr>
+              <a:t>new</a:t>
+            </a:r>
+            <a:r>
+              <a:rPr lang="en-US" dirty="0" smtClean="0">
+                <a:solidFill>
+                  <a:srgbClr val="333333"/>
+                </a:solidFill>
+                <a:latin typeface="Consolas"/>
+              </a:rPr>
+              <a:t> </a:t>
+            </a:r>
+            <a:r>
+              <a:rPr lang="en-US" dirty="0" smtClean="0">
+                <a:solidFill>
+                  <a:srgbClr val="333333"/>
+                </a:solidFill>
+                <a:latin typeface="Consolas"/>
+              </a:rPr>
+              <a:t>Complex(re + other.re, </a:t>
+            </a:r>
+            <a:r>
+              <a:rPr lang="en-US" dirty="0" err="1" smtClean="0">
+                <a:solidFill>
+                  <a:srgbClr val="333333"/>
+                </a:solidFill>
+                <a:latin typeface="Consolas"/>
+              </a:rPr>
+              <a:t>im</a:t>
+            </a:r>
+            <a:r>
+              <a:rPr lang="en-US" dirty="0" smtClean="0">
+                <a:solidFill>
+                  <a:srgbClr val="333333"/>
+                </a:solidFill>
+                <a:latin typeface="Consolas"/>
+              </a:rPr>
+              <a:t> + other.im);</a:t>
+            </a:r>
+          </a:p>
+          <a:p>
+            <a:r>
+              <a:rPr lang="pt-PT" dirty="0" smtClean="0">
+                <a:latin typeface="Consolas"/>
+              </a:rPr>
+              <a:t>}</a:t>
+            </a:r>
+          </a:p>
+          <a:p>
+            <a:endParaRPr lang="pt-PT" dirty="0"/>
+          </a:p>
+        </p:txBody>
+      </p:sp>
+      <p:sp>
+        <p:nvSpPr>
+          <p:cNvPr id="3" name="Marcador de Posição do Texto 2"/>
+          <p:cNvSpPr>
+            <a:spLocks noGrp="1"/>
+          </p:cNvSpPr>
+          <p:nvPr>
+            <p:ph type="body" sz="quarter" idx="14"/>
           </p:nvPr>
         </p:nvSpPr>
         <p:spPr/>
@@ -21200,70 +21857,9 @@
           <a:p>
             <a:r>
               <a:rPr lang="pt-PT" dirty="0" smtClean="0"/>
-              <a:t>Limitações</a:t>
+              <a:t>Exemplo: Uma simples classe com atributos, seletores, modificadores e operadores.</a:t>
             </a:r>
             <a:endParaRPr lang="pt-PT" dirty="0"/>
-          </a:p>
-        </p:txBody>
-      </p:sp>
-      <p:sp>
-        <p:nvSpPr>
-          <p:cNvPr id="3" name="Marcador de Posição de Conteúdo 2"/>
-          <p:cNvSpPr>
-            <a:spLocks noGrp="1"/>
-          </p:cNvSpPr>
-          <p:nvPr>
-            <p:ph idx="1"/>
-          </p:nvPr>
-        </p:nvSpPr>
-        <p:spPr/>
-        <p:txBody>
-          <a:bodyPr/>
-          <a:lstStyle/>
-          <a:p>
-            <a:r>
-              <a:rPr lang="pt-PT" dirty="0" smtClean="0"/>
-              <a:t>Linguagem relativamente recente</a:t>
-            </a:r>
-          </a:p>
-          <a:p>
-            <a:r>
-              <a:rPr lang="pt-PT" dirty="0" smtClean="0"/>
-              <a:t>Poucas </a:t>
-            </a:r>
-            <a:r>
-              <a:rPr lang="pt-PT" dirty="0" err="1" smtClean="0"/>
-              <a:t>frameworks</a:t>
-            </a:r>
-            <a:r>
-              <a:rPr lang="pt-PT" dirty="0" smtClean="0"/>
-              <a:t>/bibliotecas</a:t>
-            </a:r>
-          </a:p>
-          <a:p>
-            <a:pPr lvl="1"/>
-            <a:r>
-              <a:rPr lang="pt-PT" dirty="0" smtClean="0"/>
-              <a:t>Conector </a:t>
-            </a:r>
-            <a:r>
-              <a:rPr lang="pt-PT" dirty="0" err="1" smtClean="0"/>
-              <a:t>MySQL</a:t>
-            </a:r>
-            <a:r>
-              <a:rPr lang="pt-PT" dirty="0" smtClean="0"/>
-              <a:t> ainda em desenvolvimento (API é estável)</a:t>
-            </a:r>
-          </a:p>
-          <a:p>
-            <a:pPr lvl="1"/>
-            <a:r>
-              <a:rPr lang="pt-PT" dirty="0" smtClean="0"/>
-              <a:t>Poderá implicar mais trabalho da nossa parte</a:t>
-            </a:r>
-          </a:p>
-          <a:p>
-            <a:endParaRPr lang="pt-PT" dirty="0" smtClean="0"/>
           </a:p>
         </p:txBody>
       </p:sp>
@@ -21284,6 +21880,9 @@
                     <p:cTn id="3" fill="hold">
                       <p:stCondLst>
                         <p:cond delay="indefinite"/>
+                        <p:cond evt="onBegin" delay="0">
+                          <p:tn val="2"/>
+                        </p:cond>
                       </p:stCondLst>
                       <p:childTnLst>
                         <p:par>
@@ -21293,7 +21892,7 @@
                             </p:stCondLst>
                             <p:childTnLst>
                               <p:par>
-                                <p:cTn id="5" presetID="1" presetClass="entr" presetSubtype="0" fill="hold" grpId="0" nodeType="clickEffect">
+                                <p:cTn id="5" presetID="1" presetClass="exit" presetSubtype="0" fill="hold" grpId="0" nodeType="withEffect">
                                   <p:stCondLst>
                                     <p:cond delay="0"/>
                                   </p:stCondLst>
@@ -21306,7 +21905,317 @@
                                           </p:stCondLst>
                                         </p:cTn>
                                         <p:tgtEl>
-                                          <p:spTgt spid="3">
+                                          <p:spTgt spid="2">
+                                            <p:txEl>
+                                              <p:pRg st="0" end="0"/>
+                                            </p:txEl>
+                                          </p:spTgt>
+                                        </p:tgtEl>
+                                        <p:attrNameLst>
+                                          <p:attrName>style.visibility</p:attrName>
+                                        </p:attrNameLst>
+                                      </p:cBhvr>
+                                      <p:to>
+                                        <p:strVal val="hidden"/>
+                                      </p:to>
+                                    </p:set>
+                                  </p:childTnLst>
+                                </p:cTn>
+                              </p:par>
+                              <p:par>
+                                <p:cTn id="7" presetID="1" presetClass="exit" presetSubtype="0" fill="hold" grpId="0" nodeType="withEffect">
+                                  <p:stCondLst>
+                                    <p:cond delay="0"/>
+                                  </p:stCondLst>
+                                  <p:childTnLst>
+                                    <p:set>
+                                      <p:cBhvr>
+                                        <p:cTn id="8" dur="1" fill="hold">
+                                          <p:stCondLst>
+                                            <p:cond delay="0"/>
+                                          </p:stCondLst>
+                                        </p:cTn>
+                                        <p:tgtEl>
+                                          <p:spTgt spid="2">
+                                            <p:txEl>
+                                              <p:pRg st="1" end="1"/>
+                                            </p:txEl>
+                                          </p:spTgt>
+                                        </p:tgtEl>
+                                        <p:attrNameLst>
+                                          <p:attrName>style.visibility</p:attrName>
+                                        </p:attrNameLst>
+                                      </p:cBhvr>
+                                      <p:to>
+                                        <p:strVal val="hidden"/>
+                                      </p:to>
+                                    </p:set>
+                                  </p:childTnLst>
+                                </p:cTn>
+                              </p:par>
+                              <p:par>
+                                <p:cTn id="9" presetID="1" presetClass="exit" presetSubtype="0" fill="hold" grpId="0" nodeType="withEffect">
+                                  <p:stCondLst>
+                                    <p:cond delay="0"/>
+                                  </p:stCondLst>
+                                  <p:childTnLst>
+                                    <p:set>
+                                      <p:cBhvr>
+                                        <p:cTn id="10" dur="1" fill="hold">
+                                          <p:stCondLst>
+                                            <p:cond delay="0"/>
+                                          </p:stCondLst>
+                                        </p:cTn>
+                                        <p:tgtEl>
+                                          <p:spTgt spid="2">
+                                            <p:txEl>
+                                              <p:pRg st="2" end="2"/>
+                                            </p:txEl>
+                                          </p:spTgt>
+                                        </p:tgtEl>
+                                        <p:attrNameLst>
+                                          <p:attrName>style.visibility</p:attrName>
+                                        </p:attrNameLst>
+                                      </p:cBhvr>
+                                      <p:to>
+                                        <p:strVal val="hidden"/>
+                                      </p:to>
+                                    </p:set>
+                                  </p:childTnLst>
+                                </p:cTn>
+                              </p:par>
+                              <p:par>
+                                <p:cTn id="11" presetID="1" presetClass="exit" presetSubtype="0" fill="hold" grpId="0" nodeType="withEffect">
+                                  <p:stCondLst>
+                                    <p:cond delay="0"/>
+                                  </p:stCondLst>
+                                  <p:childTnLst>
+                                    <p:set>
+                                      <p:cBhvr>
+                                        <p:cTn id="12" dur="1" fill="hold">
+                                          <p:stCondLst>
+                                            <p:cond delay="0"/>
+                                          </p:stCondLst>
+                                        </p:cTn>
+                                        <p:tgtEl>
+                                          <p:spTgt spid="2">
+                                            <p:txEl>
+                                              <p:pRg st="4" end="4"/>
+                                            </p:txEl>
+                                          </p:spTgt>
+                                        </p:tgtEl>
+                                        <p:attrNameLst>
+                                          <p:attrName>style.visibility</p:attrName>
+                                        </p:attrNameLst>
+                                      </p:cBhvr>
+                                      <p:to>
+                                        <p:strVal val="hidden"/>
+                                      </p:to>
+                                    </p:set>
+                                  </p:childTnLst>
+                                </p:cTn>
+                              </p:par>
+                              <p:par>
+                                <p:cTn id="13" presetID="1" presetClass="exit" presetSubtype="0" fill="hold" grpId="0" nodeType="withEffect">
+                                  <p:stCondLst>
+                                    <p:cond delay="0"/>
+                                  </p:stCondLst>
+                                  <p:childTnLst>
+                                    <p:set>
+                                      <p:cBhvr>
+                                        <p:cTn id="14" dur="1" fill="hold">
+                                          <p:stCondLst>
+                                            <p:cond delay="0"/>
+                                          </p:stCondLst>
+                                        </p:cTn>
+                                        <p:tgtEl>
+                                          <p:spTgt spid="2">
+                                            <p:txEl>
+                                              <p:pRg st="6" end="6"/>
+                                            </p:txEl>
+                                          </p:spTgt>
+                                        </p:tgtEl>
+                                        <p:attrNameLst>
+                                          <p:attrName>style.visibility</p:attrName>
+                                        </p:attrNameLst>
+                                      </p:cBhvr>
+                                      <p:to>
+                                        <p:strVal val="hidden"/>
+                                      </p:to>
+                                    </p:set>
+                                  </p:childTnLst>
+                                </p:cTn>
+                              </p:par>
+                              <p:par>
+                                <p:cTn id="15" presetID="1" presetClass="exit" presetSubtype="0" fill="hold" grpId="0" nodeType="withEffect">
+                                  <p:stCondLst>
+                                    <p:cond delay="0"/>
+                                  </p:stCondLst>
+                                  <p:childTnLst>
+                                    <p:set>
+                                      <p:cBhvr>
+                                        <p:cTn id="16" dur="1" fill="hold">
+                                          <p:stCondLst>
+                                            <p:cond delay="0"/>
+                                          </p:stCondLst>
+                                        </p:cTn>
+                                        <p:tgtEl>
+                                          <p:spTgt spid="2">
+                                            <p:txEl>
+                                              <p:pRg st="8" end="8"/>
+                                            </p:txEl>
+                                          </p:spTgt>
+                                        </p:tgtEl>
+                                        <p:attrNameLst>
+                                          <p:attrName>style.visibility</p:attrName>
+                                        </p:attrNameLst>
+                                      </p:cBhvr>
+                                      <p:to>
+                                        <p:strVal val="hidden"/>
+                                      </p:to>
+                                    </p:set>
+                                  </p:childTnLst>
+                                </p:cTn>
+                              </p:par>
+                              <p:par>
+                                <p:cTn id="17" presetID="1" presetClass="exit" presetSubtype="0" fill="hold" grpId="0" nodeType="withEffect">
+                                  <p:stCondLst>
+                                    <p:cond delay="0"/>
+                                  </p:stCondLst>
+                                  <p:childTnLst>
+                                    <p:set>
+                                      <p:cBhvr>
+                                        <p:cTn id="18" dur="1" fill="hold">
+                                          <p:stCondLst>
+                                            <p:cond delay="0"/>
+                                          </p:stCondLst>
+                                        </p:cTn>
+                                        <p:tgtEl>
+                                          <p:spTgt spid="2">
+                                            <p:txEl>
+                                              <p:pRg st="10" end="10"/>
+                                            </p:txEl>
+                                          </p:spTgt>
+                                        </p:tgtEl>
+                                        <p:attrNameLst>
+                                          <p:attrName>style.visibility</p:attrName>
+                                        </p:attrNameLst>
+                                      </p:cBhvr>
+                                      <p:to>
+                                        <p:strVal val="hidden"/>
+                                      </p:to>
+                                    </p:set>
+                                  </p:childTnLst>
+                                </p:cTn>
+                              </p:par>
+                              <p:par>
+                                <p:cTn id="19" presetID="1" presetClass="exit" presetSubtype="0" fill="hold" grpId="0" nodeType="withEffect">
+                                  <p:stCondLst>
+                                    <p:cond delay="0"/>
+                                  </p:stCondLst>
+                                  <p:childTnLst>
+                                    <p:set>
+                                      <p:cBhvr>
+                                        <p:cTn id="20" dur="1" fill="hold">
+                                          <p:stCondLst>
+                                            <p:cond delay="0"/>
+                                          </p:stCondLst>
+                                        </p:cTn>
+                                        <p:tgtEl>
+                                          <p:spTgt spid="2">
+                                            <p:txEl>
+                                              <p:pRg st="12" end="12"/>
+                                            </p:txEl>
+                                          </p:spTgt>
+                                        </p:tgtEl>
+                                        <p:attrNameLst>
+                                          <p:attrName>style.visibility</p:attrName>
+                                        </p:attrNameLst>
+                                      </p:cBhvr>
+                                      <p:to>
+                                        <p:strVal val="hidden"/>
+                                      </p:to>
+                                    </p:set>
+                                  </p:childTnLst>
+                                </p:cTn>
+                              </p:par>
+                              <p:par>
+                                <p:cTn id="21" presetID="1" presetClass="exit" presetSubtype="0" fill="hold" grpId="0" nodeType="withEffect">
+                                  <p:stCondLst>
+                                    <p:cond delay="0"/>
+                                  </p:stCondLst>
+                                  <p:childTnLst>
+                                    <p:set>
+                                      <p:cBhvr>
+                                        <p:cTn id="22" dur="1" fill="hold">
+                                          <p:stCondLst>
+                                            <p:cond delay="0"/>
+                                          </p:stCondLst>
+                                        </p:cTn>
+                                        <p:tgtEl>
+                                          <p:spTgt spid="2">
+                                            <p:txEl>
+                                              <p:pRg st="13" end="13"/>
+                                            </p:txEl>
+                                          </p:spTgt>
+                                        </p:tgtEl>
+                                        <p:attrNameLst>
+                                          <p:attrName>style.visibility</p:attrName>
+                                        </p:attrNameLst>
+                                      </p:cBhvr>
+                                      <p:to>
+                                        <p:strVal val="hidden"/>
+                                      </p:to>
+                                    </p:set>
+                                  </p:childTnLst>
+                                </p:cTn>
+                              </p:par>
+                              <p:par>
+                                <p:cTn id="23" presetID="1" presetClass="exit" presetSubtype="0" fill="hold" grpId="0" nodeType="withEffect">
+                                  <p:stCondLst>
+                                    <p:cond delay="0"/>
+                                  </p:stCondLst>
+                                  <p:childTnLst>
+                                    <p:set>
+                                      <p:cBhvr>
+                                        <p:cTn id="24" dur="1" fill="hold">
+                                          <p:stCondLst>
+                                            <p:cond delay="0"/>
+                                          </p:stCondLst>
+                                        </p:cTn>
+                                        <p:tgtEl>
+                                          <p:spTgt spid="2">
+                                            <p:txEl>
+                                              <p:pRg st="14" end="14"/>
+                                            </p:txEl>
+                                          </p:spTgt>
+                                        </p:tgtEl>
+                                        <p:attrNameLst>
+                                          <p:attrName>style.visibility</p:attrName>
+                                        </p:attrNameLst>
+                                      </p:cBhvr>
+                                      <p:to>
+                                        <p:strVal val="hidden"/>
+                                      </p:to>
+                                    </p:set>
+                                  </p:childTnLst>
+                                </p:cTn>
+                              </p:par>
+                              <p:par>
+                                <p:cTn id="25" presetID="1" presetClass="entr" presetSubtype="0" fill="hold" nodeType="withEffect">
+                                  <p:stCondLst>
+                                    <p:cond delay="0"/>
+                                  </p:stCondLst>
+                                  <p:childTnLst>
+                                    <p:set>
+                                      <p:cBhvr>
+                                        <p:cTn id="26" dur="1" fill="hold">
+                                          <p:stCondLst>
+                                            <p:cond delay="0"/>
+                                          </p:stCondLst>
+                                        </p:cTn>
+                                        <p:tgtEl>
+                                          <p:spTgt spid="2">
                                             <p:txEl>
                                               <p:pRg st="0" end="0"/>
                                             </p:txEl>
@@ -21323,39 +22232,21 @@
                                   </p:childTnLst>
                                 </p:cTn>
                               </p:par>
-                            </p:childTnLst>
-                          </p:cTn>
-                        </p:par>
-                      </p:childTnLst>
-                    </p:cTn>
-                  </p:par>
-                  <p:par>
-                    <p:cTn id="7" fill="hold">
-                      <p:stCondLst>
-                        <p:cond delay="indefinite"/>
-                      </p:stCondLst>
-                      <p:childTnLst>
-                        <p:par>
-                          <p:cTn id="8" fill="hold">
-                            <p:stCondLst>
-                              <p:cond delay="0"/>
-                            </p:stCondLst>
-                            <p:childTnLst>
                               <p:par>
-                                <p:cTn id="9" presetID="1" presetClass="entr" presetSubtype="0" fill="hold" grpId="0" nodeType="clickEffect">
+                                <p:cTn id="27" presetID="1" presetClass="entr" presetSubtype="0" fill="hold" nodeType="withEffect">
                                   <p:stCondLst>
                                     <p:cond delay="0"/>
                                   </p:stCondLst>
                                   <p:childTnLst>
                                     <p:set>
                                       <p:cBhvr>
-                                        <p:cTn id="10" dur="1" fill="hold">
+                                        <p:cTn id="28" dur="1" fill="hold">
                                           <p:stCondLst>
                                             <p:cond delay="0"/>
                                           </p:stCondLst>
                                         </p:cTn>
                                         <p:tgtEl>
-                                          <p:spTgt spid="3">
+                                          <p:spTgt spid="2">
                                             <p:txEl>
                                               <p:pRg st="1" end="1"/>
                                             </p:txEl>
@@ -21372,39 +22263,21 @@
                                   </p:childTnLst>
                                 </p:cTn>
                               </p:par>
-                            </p:childTnLst>
-                          </p:cTn>
-                        </p:par>
-                      </p:childTnLst>
-                    </p:cTn>
-                  </p:par>
-                  <p:par>
-                    <p:cTn id="11" fill="hold">
-                      <p:stCondLst>
-                        <p:cond delay="indefinite"/>
-                      </p:stCondLst>
-                      <p:childTnLst>
-                        <p:par>
-                          <p:cTn id="12" fill="hold">
-                            <p:stCondLst>
-                              <p:cond delay="0"/>
-                            </p:stCondLst>
-                            <p:childTnLst>
                               <p:par>
-                                <p:cTn id="13" presetID="1" presetClass="entr" presetSubtype="0" fill="hold" grpId="0" nodeType="clickEffect">
+                                <p:cTn id="29" presetID="1" presetClass="entr" presetSubtype="0" fill="hold" nodeType="withEffect">
                                   <p:stCondLst>
                                     <p:cond delay="0"/>
                                   </p:stCondLst>
                                   <p:childTnLst>
                                     <p:set>
                                       <p:cBhvr>
-                                        <p:cTn id="14" dur="1" fill="hold">
+                                        <p:cTn id="30" dur="1" fill="hold">
                                           <p:stCondLst>
                                             <p:cond delay="0"/>
                                           </p:stCondLst>
                                         </p:cTn>
                                         <p:tgtEl>
-                                          <p:spTgt spid="3">
+                                          <p:spTgt spid="2">
                                             <p:txEl>
                                               <p:pRg st="2" end="2"/>
                                             </p:txEl>
@@ -21428,34 +22301,274 @@
                     </p:cTn>
                   </p:par>
                   <p:par>
-                    <p:cTn id="15" fill="hold">
+                    <p:cTn id="31" fill="hold">
                       <p:stCondLst>
                         <p:cond delay="indefinite"/>
                       </p:stCondLst>
                       <p:childTnLst>
                         <p:par>
-                          <p:cTn id="16" fill="hold">
+                          <p:cTn id="32" fill="hold">
                             <p:stCondLst>
                               <p:cond delay="0"/>
                             </p:stCondLst>
                             <p:childTnLst>
                               <p:par>
-                                <p:cTn id="17" presetID="1" presetClass="entr" presetSubtype="0" fill="hold" grpId="0" nodeType="clickEffect">
+                                <p:cTn id="33" presetID="1" presetClass="entr" presetSubtype="0" fill="hold" nodeType="clickEffect">
                                   <p:stCondLst>
                                     <p:cond delay="0"/>
                                   </p:stCondLst>
                                   <p:childTnLst>
                                     <p:set>
                                       <p:cBhvr>
-                                        <p:cTn id="18" dur="1" fill="hold">
+                                        <p:cTn id="34" dur="1" fill="hold">
                                           <p:stCondLst>
                                             <p:cond delay="0"/>
                                           </p:stCondLst>
                                         </p:cTn>
                                         <p:tgtEl>
-                                          <p:spTgt spid="3">
+                                          <p:spTgt spid="2">
                                             <p:txEl>
-                                              <p:pRg st="3" end="3"/>
+                                              <p:pRg st="4" end="4"/>
+                                            </p:txEl>
+                                          </p:spTgt>
+                                        </p:tgtEl>
+                                        <p:attrNameLst>
+                                          <p:attrName>style.visibility</p:attrName>
+                                        </p:attrNameLst>
+                                      </p:cBhvr>
+                                      <p:to>
+                                        <p:strVal val="visible"/>
+                                      </p:to>
+                                    </p:set>
+                                  </p:childTnLst>
+                                </p:cTn>
+                              </p:par>
+                            </p:childTnLst>
+                          </p:cTn>
+                        </p:par>
+                      </p:childTnLst>
+                    </p:cTn>
+                  </p:par>
+                  <p:par>
+                    <p:cTn id="35" fill="hold">
+                      <p:stCondLst>
+                        <p:cond delay="indefinite"/>
+                      </p:stCondLst>
+                      <p:childTnLst>
+                        <p:par>
+                          <p:cTn id="36" fill="hold">
+                            <p:stCondLst>
+                              <p:cond delay="0"/>
+                            </p:stCondLst>
+                            <p:childTnLst>
+                              <p:par>
+                                <p:cTn id="37" presetID="1" presetClass="entr" presetSubtype="0" fill="hold" nodeType="clickEffect">
+                                  <p:stCondLst>
+                                    <p:cond delay="0"/>
+                                  </p:stCondLst>
+                                  <p:childTnLst>
+                                    <p:set>
+                                      <p:cBhvr>
+                                        <p:cTn id="38" dur="1" fill="hold">
+                                          <p:stCondLst>
+                                            <p:cond delay="0"/>
+                                          </p:stCondLst>
+                                        </p:cTn>
+                                        <p:tgtEl>
+                                          <p:spTgt spid="2">
+                                            <p:txEl>
+                                              <p:pRg st="6" end="6"/>
+                                            </p:txEl>
+                                          </p:spTgt>
+                                        </p:tgtEl>
+                                        <p:attrNameLst>
+                                          <p:attrName>style.visibility</p:attrName>
+                                        </p:attrNameLst>
+                                      </p:cBhvr>
+                                      <p:to>
+                                        <p:strVal val="visible"/>
+                                      </p:to>
+                                    </p:set>
+                                  </p:childTnLst>
+                                </p:cTn>
+                              </p:par>
+                            </p:childTnLst>
+                          </p:cTn>
+                        </p:par>
+                      </p:childTnLst>
+                    </p:cTn>
+                  </p:par>
+                  <p:par>
+                    <p:cTn id="39" fill="hold">
+                      <p:stCondLst>
+                        <p:cond delay="indefinite"/>
+                      </p:stCondLst>
+                      <p:childTnLst>
+                        <p:par>
+                          <p:cTn id="40" fill="hold">
+                            <p:stCondLst>
+                              <p:cond delay="0"/>
+                            </p:stCondLst>
+                            <p:childTnLst>
+                              <p:par>
+                                <p:cTn id="41" presetID="1" presetClass="entr" presetSubtype="0" fill="hold" nodeType="clickEffect">
+                                  <p:stCondLst>
+                                    <p:cond delay="0"/>
+                                  </p:stCondLst>
+                                  <p:childTnLst>
+                                    <p:set>
+                                      <p:cBhvr>
+                                        <p:cTn id="42" dur="1" fill="hold">
+                                          <p:stCondLst>
+                                            <p:cond delay="0"/>
+                                          </p:stCondLst>
+                                        </p:cTn>
+                                        <p:tgtEl>
+                                          <p:spTgt spid="2">
+                                            <p:txEl>
+                                              <p:pRg st="8" end="8"/>
+                                            </p:txEl>
+                                          </p:spTgt>
+                                        </p:tgtEl>
+                                        <p:attrNameLst>
+                                          <p:attrName>style.visibility</p:attrName>
+                                        </p:attrNameLst>
+                                      </p:cBhvr>
+                                      <p:to>
+                                        <p:strVal val="visible"/>
+                                      </p:to>
+                                    </p:set>
+                                  </p:childTnLst>
+                                </p:cTn>
+                              </p:par>
+                              <p:par>
+                                <p:cTn id="43" presetID="1" presetClass="entr" presetSubtype="0" fill="hold" nodeType="withEffect">
+                                  <p:stCondLst>
+                                    <p:cond delay="0"/>
+                                  </p:stCondLst>
+                                  <p:childTnLst>
+                                    <p:set>
+                                      <p:cBhvr>
+                                        <p:cTn id="44" dur="1" fill="hold">
+                                          <p:stCondLst>
+                                            <p:cond delay="0"/>
+                                          </p:stCondLst>
+                                        </p:cTn>
+                                        <p:tgtEl>
+                                          <p:spTgt spid="2">
+                                            <p:txEl>
+                                              <p:pRg st="10" end="10"/>
+                                            </p:txEl>
+                                          </p:spTgt>
+                                        </p:tgtEl>
+                                        <p:attrNameLst>
+                                          <p:attrName>style.visibility</p:attrName>
+                                        </p:attrNameLst>
+                                      </p:cBhvr>
+                                      <p:to>
+                                        <p:strVal val="visible"/>
+                                      </p:to>
+                                    </p:set>
+                                  </p:childTnLst>
+                                </p:cTn>
+                              </p:par>
+                            </p:childTnLst>
+                          </p:cTn>
+                        </p:par>
+                      </p:childTnLst>
+                    </p:cTn>
+                  </p:par>
+                  <p:par>
+                    <p:cTn id="45" fill="hold">
+                      <p:stCondLst>
+                        <p:cond delay="indefinite"/>
+                      </p:stCondLst>
+                      <p:childTnLst>
+                        <p:par>
+                          <p:cTn id="46" fill="hold">
+                            <p:stCondLst>
+                              <p:cond delay="0"/>
+                            </p:stCondLst>
+                            <p:childTnLst>
+                              <p:par>
+                                <p:cTn id="47" presetID="1" presetClass="entr" presetSubtype="0" fill="hold" nodeType="clickEffect">
+                                  <p:stCondLst>
+                                    <p:cond delay="0"/>
+                                  </p:stCondLst>
+                                  <p:childTnLst>
+                                    <p:set>
+                                      <p:cBhvr>
+                                        <p:cTn id="48" dur="1" fill="hold">
+                                          <p:stCondLst>
+                                            <p:cond delay="0"/>
+                                          </p:stCondLst>
+                                        </p:cTn>
+                                        <p:tgtEl>
+                                          <p:spTgt spid="2">
+                                            <p:txEl>
+                                              <p:pRg st="12" end="12"/>
+                                            </p:txEl>
+                                          </p:spTgt>
+                                        </p:tgtEl>
+                                        <p:attrNameLst>
+                                          <p:attrName>style.visibility</p:attrName>
+                                        </p:attrNameLst>
+                                      </p:cBhvr>
+                                      <p:to>
+                                        <p:strVal val="visible"/>
+                                      </p:to>
+                                    </p:set>
+                                  </p:childTnLst>
+                                </p:cTn>
+                              </p:par>
+                              <p:par>
+                                <p:cTn id="49" presetID="1" presetClass="entr" presetSubtype="0" fill="hold" nodeType="withEffect">
+                                  <p:stCondLst>
+                                    <p:cond delay="0"/>
+                                  </p:stCondLst>
+                                  <p:childTnLst>
+                                    <p:set>
+                                      <p:cBhvr>
+                                        <p:cTn id="50" dur="1" fill="hold">
+                                          <p:stCondLst>
+                                            <p:cond delay="0"/>
+                                          </p:stCondLst>
+                                        </p:cTn>
+                                        <p:tgtEl>
+                                          <p:spTgt spid="2">
+                                            <p:txEl>
+                                              <p:pRg st="13" end="13"/>
+                                            </p:txEl>
+                                          </p:spTgt>
+                                        </p:tgtEl>
+                                        <p:attrNameLst>
+                                          <p:attrName>style.visibility</p:attrName>
+                                        </p:attrNameLst>
+                                      </p:cBhvr>
+                                      <p:to>
+                                        <p:strVal val="visible"/>
+                                      </p:to>
+                                    </p:set>
+                                  </p:childTnLst>
+                                </p:cTn>
+                              </p:par>
+                              <p:par>
+                                <p:cTn id="51" presetID="1" presetClass="entr" presetSubtype="0" fill="hold" nodeType="withEffect">
+                                  <p:stCondLst>
+                                    <p:cond delay="0"/>
+                                  </p:stCondLst>
+                                  <p:childTnLst>
+                                    <p:set>
+                                      <p:cBhvr>
+                                        <p:cTn id="52" dur="1" fill="hold">
+                                          <p:stCondLst>
+                                            <p:cond delay="0"/>
+                                          </p:stCondLst>
+                                        </p:cTn>
+                                        <p:tgtEl>
+                                          <p:spTgt spid="2">
+                                            <p:txEl>
+                                              <p:pRg st="14" end="14"/>
                                             </p:txEl>
                                           </p:spTgt>
                                         </p:tgtEl>
@@ -21498,7 +22611,1253 @@
       </p:par>
     </p:tnLst>
     <p:bldLst>
-      <p:bldP spid="3" grpId="0" uiExpand="1" build="p"/>
+      <p:bldP spid="2" grpId="0" build="p"/>
+    </p:bldLst>
+  </p:timing>
+</p:sld>
+</file>
+
+<file path=ppt/slides/slide38.xml><?xml version="1.0" encoding="utf-8"?>
+<p:sld xmlns:a="http://schemas.openxmlformats.org/drawingml/2006/main" xmlns:r="http://schemas.openxmlformats.org/officeDocument/2006/relationships" xmlns:p="http://schemas.openxmlformats.org/presentationml/2006/main">
+  <p:cSld>
+    <p:spTree>
+      <p:nvGrpSpPr>
+        <p:cNvPr id="1" name=""/>
+        <p:cNvGrpSpPr/>
+        <p:nvPr/>
+      </p:nvGrpSpPr>
+      <p:grpSpPr>
+        <a:xfrm>
+          <a:off x="0" y="0"/>
+          <a:ext cx="0" cy="0"/>
+          <a:chOff x="0" y="0"/>
+          <a:chExt cx="0" cy="0"/>
+        </a:xfrm>
+      </p:grpSpPr>
+      <p:sp>
+        <p:nvSpPr>
+          <p:cNvPr id="2" name="Marcador de Posição do Texto 1"/>
+          <p:cNvSpPr>
+            <a:spLocks noGrp="1"/>
+          </p:cNvSpPr>
+          <p:nvPr>
+            <p:ph type="body" sz="quarter" idx="13"/>
+          </p:nvPr>
+        </p:nvSpPr>
+        <p:spPr>
+          <a:xfrm>
+            <a:off x="2087724" y="337221"/>
+            <a:ext cx="4968552" cy="3960440"/>
+          </a:xfrm>
+        </p:spPr>
+        <p:txBody>
+          <a:bodyPr/>
+          <a:lstStyle/>
+          <a:p>
+            <a:r>
+              <a:rPr lang="en-US" dirty="0" smtClean="0">
+                <a:solidFill>
+                  <a:srgbClr val="0000FF"/>
+                </a:solidFill>
+                <a:latin typeface="Consolas"/>
+              </a:rPr>
+              <a:t>import</a:t>
+            </a:r>
+            <a:r>
+              <a:rPr lang="en-US" dirty="0" smtClean="0">
+                <a:solidFill>
+                  <a:srgbClr val="333333"/>
+                </a:solidFill>
+                <a:latin typeface="Consolas"/>
+              </a:rPr>
+              <a:t> </a:t>
+            </a:r>
+            <a:r>
+              <a:rPr lang="en-US" dirty="0" smtClean="0">
+                <a:solidFill>
+                  <a:srgbClr val="A31515"/>
+                </a:solidFill>
+                <a:latin typeface="Consolas"/>
+              </a:rPr>
+              <a:t>'</a:t>
+            </a:r>
+            <a:r>
+              <a:rPr lang="en-US" dirty="0" err="1" smtClean="0">
+                <a:solidFill>
+                  <a:srgbClr val="A31515"/>
+                </a:solidFill>
+                <a:latin typeface="Consolas"/>
+              </a:rPr>
+              <a:t>complex.dart</a:t>
+            </a:r>
+            <a:r>
+              <a:rPr lang="en-US" dirty="0" smtClean="0">
+                <a:solidFill>
+                  <a:srgbClr val="A31515"/>
+                </a:solidFill>
+                <a:latin typeface="Consolas"/>
+              </a:rPr>
+              <a:t>'</a:t>
+            </a:r>
+            <a:r>
+              <a:rPr lang="en-US" dirty="0" smtClean="0">
+                <a:solidFill>
+                  <a:srgbClr val="333333"/>
+                </a:solidFill>
+                <a:latin typeface="Consolas"/>
+              </a:rPr>
+              <a:t>;</a:t>
+            </a:r>
+          </a:p>
+          <a:p>
+            <a:endParaRPr lang="en-US" dirty="0" smtClean="0">
+              <a:solidFill>
+                <a:srgbClr val="333333"/>
+              </a:solidFill>
+              <a:latin typeface="Consolas"/>
+            </a:endParaRPr>
+          </a:p>
+          <a:p>
+            <a:r>
+              <a:rPr lang="en-US" dirty="0" smtClean="0">
+                <a:solidFill>
+                  <a:srgbClr val="333333"/>
+                </a:solidFill>
+                <a:latin typeface="Consolas"/>
+              </a:rPr>
+              <a:t>main() {</a:t>
+            </a:r>
+          </a:p>
+          <a:p>
+            <a:r>
+              <a:rPr lang="en-US" dirty="0" smtClean="0">
+                <a:solidFill>
+                  <a:srgbClr val="333333"/>
+                </a:solidFill>
+                <a:latin typeface="Consolas"/>
+              </a:rPr>
+              <a:t>  Complex c = </a:t>
+            </a:r>
+            <a:r>
+              <a:rPr lang="en-US" dirty="0" smtClean="0">
+                <a:solidFill>
+                  <a:srgbClr val="0000FF"/>
+                </a:solidFill>
+                <a:latin typeface="Consolas"/>
+              </a:rPr>
+              <a:t>new</a:t>
+            </a:r>
+            <a:r>
+              <a:rPr lang="en-US" dirty="0" smtClean="0">
+                <a:solidFill>
+                  <a:srgbClr val="333333"/>
+                </a:solidFill>
+                <a:latin typeface="Consolas"/>
+              </a:rPr>
+              <a:t> Complex(3.0, 4.0);</a:t>
+            </a:r>
+          </a:p>
+          <a:p>
+            <a:endParaRPr lang="en-US" dirty="0" smtClean="0">
+              <a:solidFill>
+                <a:srgbClr val="333333"/>
+              </a:solidFill>
+              <a:latin typeface="Consolas"/>
+            </a:endParaRPr>
+          </a:p>
+          <a:p>
+            <a:r>
+              <a:rPr lang="en-US" dirty="0" smtClean="0">
+                <a:solidFill>
+                  <a:srgbClr val="333333"/>
+                </a:solidFill>
+                <a:latin typeface="Consolas"/>
+              </a:rPr>
+              <a:t>  </a:t>
+            </a:r>
+            <a:r>
+              <a:rPr lang="pt-PT" dirty="0" smtClean="0">
+                <a:solidFill>
+                  <a:srgbClr val="333333"/>
+                </a:solidFill>
+                <a:latin typeface="Consolas"/>
+              </a:rPr>
+              <a:t>print(</a:t>
+            </a:r>
+            <a:r>
+              <a:rPr lang="pt-PT" dirty="0" smtClean="0">
+                <a:solidFill>
+                  <a:srgbClr val="A31515"/>
+                </a:solidFill>
+                <a:latin typeface="Consolas"/>
+              </a:rPr>
+              <a:t>'Valor absoluto de c: ${</a:t>
+            </a:r>
+            <a:r>
+              <a:rPr lang="pt-PT" dirty="0" err="1" smtClean="0">
+                <a:solidFill>
+                  <a:srgbClr val="333333"/>
+                </a:solidFill>
+                <a:latin typeface="Consolas"/>
+              </a:rPr>
+              <a:t>c.mod</a:t>
+            </a:r>
+            <a:r>
+              <a:rPr lang="pt-PT" dirty="0" smtClean="0">
+                <a:solidFill>
+                  <a:srgbClr val="A31515"/>
+                </a:solidFill>
+                <a:latin typeface="Consolas"/>
+              </a:rPr>
+              <a:t>}'</a:t>
+            </a:r>
+            <a:r>
+              <a:rPr lang="pt-PT" dirty="0" smtClean="0">
+                <a:solidFill>
+                  <a:srgbClr val="333333"/>
+                </a:solidFill>
+                <a:latin typeface="Consolas"/>
+              </a:rPr>
+              <a:t>); </a:t>
+            </a:r>
+            <a:r>
+              <a:rPr lang="pt-PT" dirty="0" smtClean="0">
+                <a:solidFill>
+                  <a:srgbClr val="008000"/>
+                </a:solidFill>
+                <a:latin typeface="Consolas"/>
+              </a:rPr>
+              <a:t>// 5.0</a:t>
+            </a:r>
+            <a:endParaRPr lang="pt-PT" dirty="0" smtClean="0">
+              <a:solidFill>
+                <a:srgbClr val="333333"/>
+              </a:solidFill>
+              <a:latin typeface="Consolas"/>
+            </a:endParaRPr>
+          </a:p>
+          <a:p>
+            <a:endParaRPr lang="pt-PT" dirty="0" smtClean="0">
+              <a:solidFill>
+                <a:srgbClr val="333333"/>
+              </a:solidFill>
+              <a:latin typeface="Consolas"/>
+            </a:endParaRPr>
+          </a:p>
+          <a:p>
+            <a:r>
+              <a:rPr lang="pt-PT" dirty="0" smtClean="0">
+                <a:solidFill>
+                  <a:srgbClr val="333333"/>
+                </a:solidFill>
+                <a:latin typeface="Consolas"/>
+              </a:rPr>
+              <a:t>  </a:t>
+            </a:r>
+            <a:r>
+              <a:rPr lang="en-US" dirty="0" smtClean="0">
+                <a:solidFill>
+                  <a:srgbClr val="333333"/>
+                </a:solidFill>
+                <a:latin typeface="Consolas"/>
+              </a:rPr>
+              <a:t>c = </a:t>
+            </a:r>
+            <a:r>
+              <a:rPr lang="en-US" dirty="0" smtClean="0">
+                <a:solidFill>
+                  <a:srgbClr val="0000FF"/>
+                </a:solidFill>
+                <a:latin typeface="Consolas"/>
+              </a:rPr>
+              <a:t>new</a:t>
+            </a:r>
+            <a:r>
+              <a:rPr lang="en-US" dirty="0" smtClean="0">
+                <a:solidFill>
+                  <a:srgbClr val="333333"/>
+                </a:solidFill>
+                <a:latin typeface="Consolas"/>
+              </a:rPr>
+              <a:t> </a:t>
+            </a:r>
+            <a:r>
+              <a:rPr lang="en-US" dirty="0" err="1" smtClean="0">
+                <a:solidFill>
+                  <a:srgbClr val="333333"/>
+                </a:solidFill>
+                <a:latin typeface="Consolas"/>
+              </a:rPr>
+              <a:t>Complex.zero</a:t>
+            </a:r>
+            <a:r>
+              <a:rPr lang="en-US" dirty="0" smtClean="0">
+                <a:solidFill>
+                  <a:srgbClr val="333333"/>
+                </a:solidFill>
+                <a:latin typeface="Consolas"/>
+              </a:rPr>
+              <a:t>();</a:t>
+            </a:r>
+          </a:p>
+          <a:p>
+            <a:r>
+              <a:rPr lang="en-US" dirty="0" smtClean="0">
+                <a:solidFill>
+                  <a:srgbClr val="333333"/>
+                </a:solidFill>
+                <a:latin typeface="Consolas"/>
+              </a:rPr>
+              <a:t>  print(</a:t>
+            </a:r>
+            <a:r>
+              <a:rPr lang="en-US" dirty="0" smtClean="0">
+                <a:solidFill>
+                  <a:srgbClr val="A31515"/>
+                </a:solidFill>
+                <a:latin typeface="Consolas"/>
+              </a:rPr>
+              <a:t>'re: ${</a:t>
+            </a:r>
+            <a:r>
+              <a:rPr lang="en-US" dirty="0" smtClean="0">
+                <a:solidFill>
+                  <a:srgbClr val="333333"/>
+                </a:solidFill>
+                <a:latin typeface="Consolas"/>
+              </a:rPr>
+              <a:t>c.re</a:t>
+            </a:r>
+            <a:r>
+              <a:rPr lang="en-US" dirty="0" smtClean="0">
+                <a:solidFill>
+                  <a:srgbClr val="A31515"/>
+                </a:solidFill>
+                <a:latin typeface="Consolas"/>
+              </a:rPr>
+              <a:t>}'</a:t>
+            </a:r>
+            <a:r>
+              <a:rPr lang="en-US" dirty="0" smtClean="0">
+                <a:solidFill>
+                  <a:srgbClr val="333333"/>
+                </a:solidFill>
+                <a:latin typeface="Consolas"/>
+              </a:rPr>
+              <a:t>); </a:t>
+            </a:r>
+            <a:r>
+              <a:rPr lang="en-US" dirty="0" smtClean="0">
+                <a:solidFill>
+                  <a:srgbClr val="008000"/>
+                </a:solidFill>
+                <a:latin typeface="Consolas"/>
+              </a:rPr>
+              <a:t>// 0.0</a:t>
+            </a:r>
+            <a:endParaRPr lang="en-US" dirty="0" smtClean="0">
+              <a:solidFill>
+                <a:srgbClr val="333333"/>
+              </a:solidFill>
+              <a:latin typeface="Consolas"/>
+            </a:endParaRPr>
+          </a:p>
+          <a:p>
+            <a:endParaRPr lang="en-US" dirty="0" smtClean="0">
+              <a:solidFill>
+                <a:srgbClr val="333333"/>
+              </a:solidFill>
+              <a:latin typeface="Consolas"/>
+            </a:endParaRPr>
+          </a:p>
+          <a:p>
+            <a:r>
+              <a:rPr lang="en-US" dirty="0" smtClean="0">
+                <a:solidFill>
+                  <a:srgbClr val="333333"/>
+                </a:solidFill>
+                <a:latin typeface="Consolas"/>
+              </a:rPr>
+              <a:t>  </a:t>
+            </a:r>
+            <a:r>
+              <a:rPr lang="en-US" dirty="0" err="1" smtClean="0">
+                <a:solidFill>
+                  <a:srgbClr val="0000FF"/>
+                </a:solidFill>
+                <a:latin typeface="Consolas"/>
+              </a:rPr>
+              <a:t>var</a:t>
+            </a:r>
+            <a:r>
+              <a:rPr lang="en-US" dirty="0" smtClean="0">
+                <a:solidFill>
+                  <a:srgbClr val="333333"/>
+                </a:solidFill>
+                <a:latin typeface="Consolas"/>
+              </a:rPr>
+              <a:t> z = </a:t>
+            </a:r>
+            <a:r>
+              <a:rPr lang="en-US" dirty="0" smtClean="0">
+                <a:solidFill>
+                  <a:srgbClr val="0000FF"/>
+                </a:solidFill>
+                <a:latin typeface="Consolas"/>
+              </a:rPr>
+              <a:t>new</a:t>
+            </a:r>
+            <a:r>
+              <a:rPr lang="en-US" dirty="0" smtClean="0">
+                <a:solidFill>
+                  <a:srgbClr val="333333"/>
+                </a:solidFill>
+                <a:latin typeface="Consolas"/>
+              </a:rPr>
+              <a:t> Complex(4.0, 3.0);</a:t>
+            </a:r>
+          </a:p>
+          <a:p>
+            <a:r>
+              <a:rPr lang="pl-PL" dirty="0" smtClean="0">
+                <a:solidFill>
+                  <a:srgbClr val="333333"/>
+                </a:solidFill>
+                <a:latin typeface="Consolas"/>
+              </a:rPr>
+              <a:t>  print(</a:t>
+            </a:r>
+            <a:r>
+              <a:rPr lang="pl-PL" dirty="0" smtClean="0">
+                <a:solidFill>
+                  <a:srgbClr val="A31515"/>
+                </a:solidFill>
+                <a:latin typeface="Consolas"/>
+              </a:rPr>
+              <a:t>'re(z + c): ${</a:t>
+            </a:r>
+            <a:r>
+              <a:rPr lang="pl-PL" dirty="0" smtClean="0">
+                <a:solidFill>
+                  <a:srgbClr val="333333"/>
+                </a:solidFill>
+                <a:latin typeface="Consolas"/>
+              </a:rPr>
+              <a:t>(z + c).re</a:t>
+            </a:r>
+            <a:r>
+              <a:rPr lang="pl-PL" dirty="0" smtClean="0">
+                <a:solidFill>
+                  <a:srgbClr val="A31515"/>
+                </a:solidFill>
+                <a:latin typeface="Consolas"/>
+              </a:rPr>
+              <a:t>}'</a:t>
+            </a:r>
+            <a:r>
+              <a:rPr lang="pl-PL" dirty="0" smtClean="0">
+                <a:solidFill>
+                  <a:srgbClr val="333333"/>
+                </a:solidFill>
+                <a:latin typeface="Consolas"/>
+              </a:rPr>
+              <a:t>) </a:t>
+            </a:r>
+            <a:r>
+              <a:rPr lang="pl-PL" dirty="0" smtClean="0">
+                <a:solidFill>
+                  <a:srgbClr val="008000"/>
+                </a:solidFill>
+                <a:latin typeface="Consolas"/>
+              </a:rPr>
+              <a:t>// 7.0</a:t>
+            </a:r>
+            <a:endParaRPr lang="pl-PL" dirty="0" smtClean="0">
+              <a:solidFill>
+                <a:srgbClr val="333333"/>
+              </a:solidFill>
+              <a:latin typeface="Consolas"/>
+            </a:endParaRPr>
+          </a:p>
+          <a:p>
+            <a:r>
+              <a:rPr lang="pt-PT" dirty="0" smtClean="0">
+                <a:solidFill>
+                  <a:srgbClr val="333333"/>
+                </a:solidFill>
+                <a:latin typeface="Consolas"/>
+              </a:rPr>
+              <a:t>}</a:t>
+            </a:r>
+            <a:endParaRPr lang="pt-PT" dirty="0" smtClean="0">
+              <a:solidFill>
+                <a:srgbClr val="333333"/>
+              </a:solidFill>
+              <a:latin typeface="Consolas"/>
+            </a:endParaRPr>
+          </a:p>
+        </p:txBody>
+      </p:sp>
+      <p:sp>
+        <p:nvSpPr>
+          <p:cNvPr id="3" name="Marcador de Posição do Texto 2"/>
+          <p:cNvSpPr>
+            <a:spLocks noGrp="1"/>
+          </p:cNvSpPr>
+          <p:nvPr>
+            <p:ph type="body" sz="quarter" idx="14"/>
+          </p:nvPr>
+        </p:nvSpPr>
+        <p:spPr/>
+        <p:txBody>
+          <a:bodyPr/>
+          <a:lstStyle/>
+          <a:p>
+            <a:r>
+              <a:rPr lang="pt-PT" dirty="0" smtClean="0"/>
+              <a:t>Exemplo: </a:t>
+            </a:r>
+            <a:r>
+              <a:rPr lang="pt-PT" dirty="0" err="1" smtClean="0"/>
+              <a:t>Import</a:t>
+            </a:r>
+            <a:r>
+              <a:rPr lang="pt-PT" dirty="0" smtClean="0"/>
+              <a:t> de ficheiros, utilização de classes, </a:t>
+            </a:r>
+            <a:r>
+              <a:rPr lang="pt-PT" dirty="0" err="1" smtClean="0"/>
+              <a:t>String</a:t>
+            </a:r>
+            <a:r>
+              <a:rPr lang="pt-PT" dirty="0" smtClean="0"/>
+              <a:t> </a:t>
+            </a:r>
+            <a:r>
+              <a:rPr lang="pt-PT" dirty="0" err="1" smtClean="0"/>
+              <a:t>interpolation</a:t>
+            </a:r>
+            <a:r>
+              <a:rPr lang="pt-PT" dirty="0" smtClean="0"/>
+              <a:t>, método </a:t>
+            </a:r>
+            <a:r>
+              <a:rPr lang="pt-PT" dirty="0" err="1" smtClean="0"/>
+              <a:t>main</a:t>
+            </a:r>
+            <a:r>
+              <a:rPr lang="pt-PT" dirty="0" smtClean="0"/>
+              <a:t>()</a:t>
+            </a:r>
+            <a:endParaRPr lang="pt-PT" dirty="0"/>
+          </a:p>
+        </p:txBody>
+      </p:sp>
+    </p:spTree>
+  </p:cSld>
+  <p:clrMapOvr>
+    <a:masterClrMapping/>
+  </p:clrMapOvr>
+  <p:timing>
+    <p:tnLst>
+      <p:par>
+        <p:cTn id="1" dur="indefinite" restart="never" nodeType="tmRoot">
+          <p:childTnLst>
+            <p:seq concurrent="1" nextAc="seek">
+              <p:cTn id="2" dur="indefinite" nodeType="mainSeq">
+                <p:childTnLst>
+                  <p:par>
+                    <p:cTn id="3" fill="hold">
+                      <p:stCondLst>
+                        <p:cond delay="indefinite"/>
+                        <p:cond evt="onBegin" delay="0">
+                          <p:tn val="2"/>
+                        </p:cond>
+                      </p:stCondLst>
+                      <p:childTnLst>
+                        <p:par>
+                          <p:cTn id="4" fill="hold">
+                            <p:stCondLst>
+                              <p:cond delay="0"/>
+                            </p:stCondLst>
+                            <p:childTnLst>
+                              <p:par>
+                                <p:cTn id="5" presetID="1" presetClass="exit" presetSubtype="0" fill="hold" grpId="0" nodeType="withEffect">
+                                  <p:stCondLst>
+                                    <p:cond delay="0"/>
+                                  </p:stCondLst>
+                                  <p:childTnLst>
+                                    <p:set>
+                                      <p:cBhvr>
+                                        <p:cTn id="6" dur="1" fill="hold">
+                                          <p:stCondLst>
+                                            <p:cond delay="0"/>
+                                          </p:stCondLst>
+                                        </p:cTn>
+                                        <p:tgtEl>
+                                          <p:spTgt spid="2">
+                                            <p:txEl>
+                                              <p:pRg st="0" end="0"/>
+                                            </p:txEl>
+                                          </p:spTgt>
+                                        </p:tgtEl>
+                                        <p:attrNameLst>
+                                          <p:attrName>style.visibility</p:attrName>
+                                        </p:attrNameLst>
+                                      </p:cBhvr>
+                                      <p:to>
+                                        <p:strVal val="hidden"/>
+                                      </p:to>
+                                    </p:set>
+                                  </p:childTnLst>
+                                </p:cTn>
+                              </p:par>
+                              <p:par>
+                                <p:cTn id="7" presetID="1" presetClass="exit" presetSubtype="0" fill="hold" grpId="0" nodeType="withEffect">
+                                  <p:stCondLst>
+                                    <p:cond delay="0"/>
+                                  </p:stCondLst>
+                                  <p:childTnLst>
+                                    <p:set>
+                                      <p:cBhvr>
+                                        <p:cTn id="8" dur="1" fill="hold">
+                                          <p:stCondLst>
+                                            <p:cond delay="0"/>
+                                          </p:stCondLst>
+                                        </p:cTn>
+                                        <p:tgtEl>
+                                          <p:spTgt spid="2">
+                                            <p:txEl>
+                                              <p:pRg st="2" end="2"/>
+                                            </p:txEl>
+                                          </p:spTgt>
+                                        </p:tgtEl>
+                                        <p:attrNameLst>
+                                          <p:attrName>style.visibility</p:attrName>
+                                        </p:attrNameLst>
+                                      </p:cBhvr>
+                                      <p:to>
+                                        <p:strVal val="hidden"/>
+                                      </p:to>
+                                    </p:set>
+                                  </p:childTnLst>
+                                </p:cTn>
+                              </p:par>
+                              <p:par>
+                                <p:cTn id="9" presetID="1" presetClass="exit" presetSubtype="0" fill="hold" grpId="0" nodeType="withEffect">
+                                  <p:stCondLst>
+                                    <p:cond delay="0"/>
+                                  </p:stCondLst>
+                                  <p:childTnLst>
+                                    <p:set>
+                                      <p:cBhvr>
+                                        <p:cTn id="10" dur="1" fill="hold">
+                                          <p:stCondLst>
+                                            <p:cond delay="0"/>
+                                          </p:stCondLst>
+                                        </p:cTn>
+                                        <p:tgtEl>
+                                          <p:spTgt spid="2">
+                                            <p:txEl>
+                                              <p:pRg st="3" end="3"/>
+                                            </p:txEl>
+                                          </p:spTgt>
+                                        </p:tgtEl>
+                                        <p:attrNameLst>
+                                          <p:attrName>style.visibility</p:attrName>
+                                        </p:attrNameLst>
+                                      </p:cBhvr>
+                                      <p:to>
+                                        <p:strVal val="hidden"/>
+                                      </p:to>
+                                    </p:set>
+                                  </p:childTnLst>
+                                </p:cTn>
+                              </p:par>
+                              <p:par>
+                                <p:cTn id="11" presetID="1" presetClass="exit" presetSubtype="0" fill="hold" grpId="0" nodeType="withEffect">
+                                  <p:stCondLst>
+                                    <p:cond delay="0"/>
+                                  </p:stCondLst>
+                                  <p:childTnLst>
+                                    <p:set>
+                                      <p:cBhvr>
+                                        <p:cTn id="12" dur="1" fill="hold">
+                                          <p:stCondLst>
+                                            <p:cond delay="0"/>
+                                          </p:stCondLst>
+                                        </p:cTn>
+                                        <p:tgtEl>
+                                          <p:spTgt spid="2">
+                                            <p:txEl>
+                                              <p:pRg st="5" end="5"/>
+                                            </p:txEl>
+                                          </p:spTgt>
+                                        </p:tgtEl>
+                                        <p:attrNameLst>
+                                          <p:attrName>style.visibility</p:attrName>
+                                        </p:attrNameLst>
+                                      </p:cBhvr>
+                                      <p:to>
+                                        <p:strVal val="hidden"/>
+                                      </p:to>
+                                    </p:set>
+                                  </p:childTnLst>
+                                </p:cTn>
+                              </p:par>
+                              <p:par>
+                                <p:cTn id="13" presetID="1" presetClass="exit" presetSubtype="0" fill="hold" grpId="0" nodeType="withEffect">
+                                  <p:stCondLst>
+                                    <p:cond delay="0"/>
+                                  </p:stCondLst>
+                                  <p:childTnLst>
+                                    <p:set>
+                                      <p:cBhvr>
+                                        <p:cTn id="14" dur="1" fill="hold">
+                                          <p:stCondLst>
+                                            <p:cond delay="0"/>
+                                          </p:stCondLst>
+                                        </p:cTn>
+                                        <p:tgtEl>
+                                          <p:spTgt spid="2">
+                                            <p:txEl>
+                                              <p:pRg st="7" end="7"/>
+                                            </p:txEl>
+                                          </p:spTgt>
+                                        </p:tgtEl>
+                                        <p:attrNameLst>
+                                          <p:attrName>style.visibility</p:attrName>
+                                        </p:attrNameLst>
+                                      </p:cBhvr>
+                                      <p:to>
+                                        <p:strVal val="hidden"/>
+                                      </p:to>
+                                    </p:set>
+                                  </p:childTnLst>
+                                </p:cTn>
+                              </p:par>
+                              <p:par>
+                                <p:cTn id="15" presetID="1" presetClass="exit" presetSubtype="0" fill="hold" grpId="0" nodeType="withEffect">
+                                  <p:stCondLst>
+                                    <p:cond delay="0"/>
+                                  </p:stCondLst>
+                                  <p:childTnLst>
+                                    <p:set>
+                                      <p:cBhvr>
+                                        <p:cTn id="16" dur="1" fill="hold">
+                                          <p:stCondLst>
+                                            <p:cond delay="0"/>
+                                          </p:stCondLst>
+                                        </p:cTn>
+                                        <p:tgtEl>
+                                          <p:spTgt spid="2">
+                                            <p:txEl>
+                                              <p:pRg st="8" end="8"/>
+                                            </p:txEl>
+                                          </p:spTgt>
+                                        </p:tgtEl>
+                                        <p:attrNameLst>
+                                          <p:attrName>style.visibility</p:attrName>
+                                        </p:attrNameLst>
+                                      </p:cBhvr>
+                                      <p:to>
+                                        <p:strVal val="hidden"/>
+                                      </p:to>
+                                    </p:set>
+                                  </p:childTnLst>
+                                </p:cTn>
+                              </p:par>
+                              <p:par>
+                                <p:cTn id="17" presetID="1" presetClass="exit" presetSubtype="0" fill="hold" grpId="0" nodeType="withEffect">
+                                  <p:stCondLst>
+                                    <p:cond delay="0"/>
+                                  </p:stCondLst>
+                                  <p:childTnLst>
+                                    <p:set>
+                                      <p:cBhvr>
+                                        <p:cTn id="18" dur="1" fill="hold">
+                                          <p:stCondLst>
+                                            <p:cond delay="0"/>
+                                          </p:stCondLst>
+                                        </p:cTn>
+                                        <p:tgtEl>
+                                          <p:spTgt spid="2">
+                                            <p:txEl>
+                                              <p:pRg st="10" end="10"/>
+                                            </p:txEl>
+                                          </p:spTgt>
+                                        </p:tgtEl>
+                                        <p:attrNameLst>
+                                          <p:attrName>style.visibility</p:attrName>
+                                        </p:attrNameLst>
+                                      </p:cBhvr>
+                                      <p:to>
+                                        <p:strVal val="hidden"/>
+                                      </p:to>
+                                    </p:set>
+                                  </p:childTnLst>
+                                </p:cTn>
+                              </p:par>
+                              <p:par>
+                                <p:cTn id="19" presetID="1" presetClass="exit" presetSubtype="0" fill="hold" grpId="0" nodeType="withEffect">
+                                  <p:stCondLst>
+                                    <p:cond delay="0"/>
+                                  </p:stCondLst>
+                                  <p:childTnLst>
+                                    <p:set>
+                                      <p:cBhvr>
+                                        <p:cTn id="20" dur="1" fill="hold">
+                                          <p:stCondLst>
+                                            <p:cond delay="0"/>
+                                          </p:stCondLst>
+                                        </p:cTn>
+                                        <p:tgtEl>
+                                          <p:spTgt spid="2">
+                                            <p:txEl>
+                                              <p:pRg st="11" end="11"/>
+                                            </p:txEl>
+                                          </p:spTgt>
+                                        </p:tgtEl>
+                                        <p:attrNameLst>
+                                          <p:attrName>style.visibility</p:attrName>
+                                        </p:attrNameLst>
+                                      </p:cBhvr>
+                                      <p:to>
+                                        <p:strVal val="hidden"/>
+                                      </p:to>
+                                    </p:set>
+                                  </p:childTnLst>
+                                </p:cTn>
+                              </p:par>
+                              <p:par>
+                                <p:cTn id="21" presetID="1" presetClass="exit" presetSubtype="0" fill="hold" grpId="0" nodeType="withEffect">
+                                  <p:stCondLst>
+                                    <p:cond delay="0"/>
+                                  </p:stCondLst>
+                                  <p:childTnLst>
+                                    <p:set>
+                                      <p:cBhvr>
+                                        <p:cTn id="22" dur="1" fill="hold">
+                                          <p:stCondLst>
+                                            <p:cond delay="0"/>
+                                          </p:stCondLst>
+                                        </p:cTn>
+                                        <p:tgtEl>
+                                          <p:spTgt spid="2">
+                                            <p:txEl>
+                                              <p:pRg st="12" end="12"/>
+                                            </p:txEl>
+                                          </p:spTgt>
+                                        </p:tgtEl>
+                                        <p:attrNameLst>
+                                          <p:attrName>style.visibility</p:attrName>
+                                        </p:attrNameLst>
+                                      </p:cBhvr>
+                                      <p:to>
+                                        <p:strVal val="hidden"/>
+                                      </p:to>
+                                    </p:set>
+                                  </p:childTnLst>
+                                </p:cTn>
+                              </p:par>
+                              <p:par>
+                                <p:cTn id="23" presetID="1" presetClass="entr" presetSubtype="0" fill="hold" nodeType="withEffect">
+                                  <p:stCondLst>
+                                    <p:cond delay="0"/>
+                                  </p:stCondLst>
+                                  <p:childTnLst>
+                                    <p:set>
+                                      <p:cBhvr>
+                                        <p:cTn id="24" dur="1" fill="hold">
+                                          <p:stCondLst>
+                                            <p:cond delay="0"/>
+                                          </p:stCondLst>
+                                        </p:cTn>
+                                        <p:tgtEl>
+                                          <p:spTgt spid="2">
+                                            <p:txEl>
+                                              <p:pRg st="2" end="2"/>
+                                            </p:txEl>
+                                          </p:spTgt>
+                                        </p:tgtEl>
+                                        <p:attrNameLst>
+                                          <p:attrName>style.visibility</p:attrName>
+                                        </p:attrNameLst>
+                                      </p:cBhvr>
+                                      <p:to>
+                                        <p:strVal val="visible"/>
+                                      </p:to>
+                                    </p:set>
+                                  </p:childTnLst>
+                                </p:cTn>
+                              </p:par>
+                            </p:childTnLst>
+                          </p:cTn>
+                        </p:par>
+                      </p:childTnLst>
+                    </p:cTn>
+                  </p:par>
+                  <p:par>
+                    <p:cTn id="25" fill="hold">
+                      <p:stCondLst>
+                        <p:cond delay="indefinite"/>
+                      </p:stCondLst>
+                      <p:childTnLst>
+                        <p:par>
+                          <p:cTn id="26" fill="hold">
+                            <p:stCondLst>
+                              <p:cond delay="0"/>
+                            </p:stCondLst>
+                            <p:childTnLst>
+                              <p:par>
+                                <p:cTn id="27" presetID="1" presetClass="entr" presetSubtype="0" fill="hold" nodeType="clickEffect">
+                                  <p:stCondLst>
+                                    <p:cond delay="0"/>
+                                  </p:stCondLst>
+                                  <p:childTnLst>
+                                    <p:set>
+                                      <p:cBhvr>
+                                        <p:cTn id="28" dur="1" fill="hold">
+                                          <p:stCondLst>
+                                            <p:cond delay="0"/>
+                                          </p:stCondLst>
+                                        </p:cTn>
+                                        <p:tgtEl>
+                                          <p:spTgt spid="2">
+                                            <p:txEl>
+                                              <p:pRg st="0" end="0"/>
+                                            </p:txEl>
+                                          </p:spTgt>
+                                        </p:tgtEl>
+                                        <p:attrNameLst>
+                                          <p:attrName>style.visibility</p:attrName>
+                                        </p:attrNameLst>
+                                      </p:cBhvr>
+                                      <p:to>
+                                        <p:strVal val="visible"/>
+                                      </p:to>
+                                    </p:set>
+                                  </p:childTnLst>
+                                </p:cTn>
+                              </p:par>
+                            </p:childTnLst>
+                          </p:cTn>
+                        </p:par>
+                      </p:childTnLst>
+                    </p:cTn>
+                  </p:par>
+                  <p:par>
+                    <p:cTn id="29" fill="hold">
+                      <p:stCondLst>
+                        <p:cond delay="indefinite"/>
+                      </p:stCondLst>
+                      <p:childTnLst>
+                        <p:par>
+                          <p:cTn id="30" fill="hold">
+                            <p:stCondLst>
+                              <p:cond delay="0"/>
+                            </p:stCondLst>
+                            <p:childTnLst>
+                              <p:par>
+                                <p:cTn id="31" presetID="1" presetClass="entr" presetSubtype="0" fill="hold" nodeType="clickEffect">
+                                  <p:stCondLst>
+                                    <p:cond delay="0"/>
+                                  </p:stCondLst>
+                                  <p:childTnLst>
+                                    <p:set>
+                                      <p:cBhvr>
+                                        <p:cTn id="32" dur="1" fill="hold">
+                                          <p:stCondLst>
+                                            <p:cond delay="0"/>
+                                          </p:stCondLst>
+                                        </p:cTn>
+                                        <p:tgtEl>
+                                          <p:spTgt spid="2">
+                                            <p:txEl>
+                                              <p:pRg st="3" end="3"/>
+                                            </p:txEl>
+                                          </p:spTgt>
+                                        </p:tgtEl>
+                                        <p:attrNameLst>
+                                          <p:attrName>style.visibility</p:attrName>
+                                        </p:attrNameLst>
+                                      </p:cBhvr>
+                                      <p:to>
+                                        <p:strVal val="visible"/>
+                                      </p:to>
+                                    </p:set>
+                                  </p:childTnLst>
+                                </p:cTn>
+                              </p:par>
+                            </p:childTnLst>
+                          </p:cTn>
+                        </p:par>
+                      </p:childTnLst>
+                    </p:cTn>
+                  </p:par>
+                  <p:par>
+                    <p:cTn id="33" fill="hold">
+                      <p:stCondLst>
+                        <p:cond delay="indefinite"/>
+                      </p:stCondLst>
+                      <p:childTnLst>
+                        <p:par>
+                          <p:cTn id="34" fill="hold">
+                            <p:stCondLst>
+                              <p:cond delay="0"/>
+                            </p:stCondLst>
+                            <p:childTnLst>
+                              <p:par>
+                                <p:cTn id="35" presetID="1" presetClass="entr" presetSubtype="0" fill="hold" nodeType="clickEffect">
+                                  <p:stCondLst>
+                                    <p:cond delay="0"/>
+                                  </p:stCondLst>
+                                  <p:childTnLst>
+                                    <p:set>
+                                      <p:cBhvr>
+                                        <p:cTn id="36" dur="1" fill="hold">
+                                          <p:stCondLst>
+                                            <p:cond delay="0"/>
+                                          </p:stCondLst>
+                                        </p:cTn>
+                                        <p:tgtEl>
+                                          <p:spTgt spid="2">
+                                            <p:txEl>
+                                              <p:pRg st="5" end="5"/>
+                                            </p:txEl>
+                                          </p:spTgt>
+                                        </p:tgtEl>
+                                        <p:attrNameLst>
+                                          <p:attrName>style.visibility</p:attrName>
+                                        </p:attrNameLst>
+                                      </p:cBhvr>
+                                      <p:to>
+                                        <p:strVal val="visible"/>
+                                      </p:to>
+                                    </p:set>
+                                  </p:childTnLst>
+                                </p:cTn>
+                              </p:par>
+                            </p:childTnLst>
+                          </p:cTn>
+                        </p:par>
+                      </p:childTnLst>
+                    </p:cTn>
+                  </p:par>
+                  <p:par>
+                    <p:cTn id="37" fill="hold">
+                      <p:stCondLst>
+                        <p:cond delay="indefinite"/>
+                      </p:stCondLst>
+                      <p:childTnLst>
+                        <p:par>
+                          <p:cTn id="38" fill="hold">
+                            <p:stCondLst>
+                              <p:cond delay="0"/>
+                            </p:stCondLst>
+                            <p:childTnLst>
+                              <p:par>
+                                <p:cTn id="39" presetID="1" presetClass="entr" presetSubtype="0" fill="hold" nodeType="clickEffect">
+                                  <p:stCondLst>
+                                    <p:cond delay="0"/>
+                                  </p:stCondLst>
+                                  <p:childTnLst>
+                                    <p:set>
+                                      <p:cBhvr>
+                                        <p:cTn id="40" dur="1" fill="hold">
+                                          <p:stCondLst>
+                                            <p:cond delay="0"/>
+                                          </p:stCondLst>
+                                        </p:cTn>
+                                        <p:tgtEl>
+                                          <p:spTgt spid="2">
+                                            <p:txEl>
+                                              <p:pRg st="7" end="7"/>
+                                            </p:txEl>
+                                          </p:spTgt>
+                                        </p:tgtEl>
+                                        <p:attrNameLst>
+                                          <p:attrName>style.visibility</p:attrName>
+                                        </p:attrNameLst>
+                                      </p:cBhvr>
+                                      <p:to>
+                                        <p:strVal val="visible"/>
+                                      </p:to>
+                                    </p:set>
+                                  </p:childTnLst>
+                                </p:cTn>
+                              </p:par>
+                              <p:par>
+                                <p:cTn id="41" presetID="1" presetClass="entr" presetSubtype="0" fill="hold" nodeType="withEffect">
+                                  <p:stCondLst>
+                                    <p:cond delay="0"/>
+                                  </p:stCondLst>
+                                  <p:childTnLst>
+                                    <p:set>
+                                      <p:cBhvr>
+                                        <p:cTn id="42" dur="1" fill="hold">
+                                          <p:stCondLst>
+                                            <p:cond delay="0"/>
+                                          </p:stCondLst>
+                                        </p:cTn>
+                                        <p:tgtEl>
+                                          <p:spTgt spid="2">
+                                            <p:txEl>
+                                              <p:pRg st="8" end="8"/>
+                                            </p:txEl>
+                                          </p:spTgt>
+                                        </p:tgtEl>
+                                        <p:attrNameLst>
+                                          <p:attrName>style.visibility</p:attrName>
+                                        </p:attrNameLst>
+                                      </p:cBhvr>
+                                      <p:to>
+                                        <p:strVal val="visible"/>
+                                      </p:to>
+                                    </p:set>
+                                  </p:childTnLst>
+                                </p:cTn>
+                              </p:par>
+                            </p:childTnLst>
+                          </p:cTn>
+                        </p:par>
+                      </p:childTnLst>
+                    </p:cTn>
+                  </p:par>
+                  <p:par>
+                    <p:cTn id="43" fill="hold">
+                      <p:stCondLst>
+                        <p:cond delay="indefinite"/>
+                      </p:stCondLst>
+                      <p:childTnLst>
+                        <p:par>
+                          <p:cTn id="44" fill="hold">
+                            <p:stCondLst>
+                              <p:cond delay="0"/>
+                            </p:stCondLst>
+                            <p:childTnLst>
+                              <p:par>
+                                <p:cTn id="45" presetID="1" presetClass="entr" presetSubtype="0" fill="hold" nodeType="clickEffect">
+                                  <p:stCondLst>
+                                    <p:cond delay="0"/>
+                                  </p:stCondLst>
+                                  <p:childTnLst>
+                                    <p:set>
+                                      <p:cBhvr>
+                                        <p:cTn id="46" dur="1" fill="hold">
+                                          <p:stCondLst>
+                                            <p:cond delay="0"/>
+                                          </p:stCondLst>
+                                        </p:cTn>
+                                        <p:tgtEl>
+                                          <p:spTgt spid="2">
+                                            <p:txEl>
+                                              <p:pRg st="10" end="10"/>
+                                            </p:txEl>
+                                          </p:spTgt>
+                                        </p:tgtEl>
+                                        <p:attrNameLst>
+                                          <p:attrName>style.visibility</p:attrName>
+                                        </p:attrNameLst>
+                                      </p:cBhvr>
+                                      <p:to>
+                                        <p:strVal val="visible"/>
+                                      </p:to>
+                                    </p:set>
+                                  </p:childTnLst>
+                                </p:cTn>
+                              </p:par>
+                              <p:par>
+                                <p:cTn id="47" presetID="1" presetClass="entr" presetSubtype="0" fill="hold" nodeType="withEffect">
+                                  <p:stCondLst>
+                                    <p:cond delay="0"/>
+                                  </p:stCondLst>
+                                  <p:childTnLst>
+                                    <p:set>
+                                      <p:cBhvr>
+                                        <p:cTn id="48" dur="1" fill="hold">
+                                          <p:stCondLst>
+                                            <p:cond delay="0"/>
+                                          </p:stCondLst>
+                                        </p:cTn>
+                                        <p:tgtEl>
+                                          <p:spTgt spid="2">
+                                            <p:txEl>
+                                              <p:pRg st="11" end="11"/>
+                                            </p:txEl>
+                                          </p:spTgt>
+                                        </p:tgtEl>
+                                        <p:attrNameLst>
+                                          <p:attrName>style.visibility</p:attrName>
+                                        </p:attrNameLst>
+                                      </p:cBhvr>
+                                      <p:to>
+                                        <p:strVal val="visible"/>
+                                      </p:to>
+                                    </p:set>
+                                  </p:childTnLst>
+                                </p:cTn>
+                              </p:par>
+                              <p:par>
+                                <p:cTn id="49" presetID="1" presetClass="entr" presetSubtype="0" fill="hold" nodeType="withEffect">
+                                  <p:stCondLst>
+                                    <p:cond delay="0"/>
+                                  </p:stCondLst>
+                                  <p:childTnLst>
+                                    <p:set>
+                                      <p:cBhvr>
+                                        <p:cTn id="50" dur="1" fill="hold">
+                                          <p:stCondLst>
+                                            <p:cond delay="0"/>
+                                          </p:stCondLst>
+                                        </p:cTn>
+                                        <p:tgtEl>
+                                          <p:spTgt spid="2">
+                                            <p:txEl>
+                                              <p:pRg st="12" end="12"/>
+                                            </p:txEl>
+                                          </p:spTgt>
+                                        </p:tgtEl>
+                                        <p:attrNameLst>
+                                          <p:attrName>style.visibility</p:attrName>
+                                        </p:attrNameLst>
+                                      </p:cBhvr>
+                                      <p:to>
+                                        <p:strVal val="visible"/>
+                                      </p:to>
+                                    </p:set>
+                                  </p:childTnLst>
+                                </p:cTn>
+                              </p:par>
+                            </p:childTnLst>
+                          </p:cTn>
+                        </p:par>
+                      </p:childTnLst>
+                    </p:cTn>
+                  </p:par>
+                </p:childTnLst>
+              </p:cTn>
+              <p:prevCondLst>
+                <p:cond evt="onPrev" delay="0">
+                  <p:tgtEl>
+                    <p:sldTgt/>
+                  </p:tgtEl>
+                </p:cond>
+              </p:prevCondLst>
+              <p:nextCondLst>
+                <p:cond evt="onNext" delay="0">
+                  <p:tgtEl>
+                    <p:sldTgt/>
+                  </p:tgtEl>
+                </p:cond>
+              </p:nextCondLst>
+            </p:seq>
+          </p:childTnLst>
+        </p:cTn>
+      </p:par>
+    </p:tnLst>
+    <p:bldLst>
+      <p:bldP spid="2" grpId="0" build="p"/>
     </p:bldLst>
   </p:timing>
 </p:sld>
@@ -21523,27 +23882,631 @@
       </p:grpSpPr>
       <p:sp>
         <p:nvSpPr>
-          <p:cNvPr id="2" name="Título 1"/>
+          <p:cNvPr id="2" name="Marcador de Posição do Texto 1"/>
           <p:cNvSpPr>
             <a:spLocks noGrp="1"/>
           </p:cNvSpPr>
           <p:nvPr>
-            <p:ph type="ctrTitle"/>
+            <p:ph type="body" sz="quarter" idx="13"/>
           </p:nvPr>
         </p:nvSpPr>
         <p:spPr>
           <a:xfrm>
-            <a:off x="685800" y="2244990"/>
-            <a:ext cx="7772400" cy="1225021"/>
+            <a:off x="2159732" y="337221"/>
+            <a:ext cx="4824536" cy="3960440"/>
           </a:xfrm>
         </p:spPr>
         <p:txBody>
+          <a:bodyPr>
+            <a:noAutofit/>
+          </a:bodyPr>
+          <a:lstStyle/>
+          <a:p>
+            <a:r>
+              <a:rPr lang="en-US" dirty="0" smtClean="0">
+                <a:solidFill>
+                  <a:srgbClr val="333333"/>
+                </a:solidFill>
+                <a:latin typeface="Consolas"/>
+              </a:rPr>
+              <a:t>Future&lt;Map&lt;</a:t>
+            </a:r>
+            <a:r>
+              <a:rPr lang="en-US" dirty="0" smtClean="0">
+                <a:solidFill>
+                  <a:srgbClr val="2B91AF"/>
+                </a:solidFill>
+                <a:latin typeface="Consolas"/>
+              </a:rPr>
+              <a:t>String</a:t>
+            </a:r>
+            <a:r>
+              <a:rPr lang="en-US" dirty="0" smtClean="0">
+                <a:solidFill>
+                  <a:srgbClr val="333333"/>
+                </a:solidFill>
+                <a:latin typeface="Consolas"/>
+              </a:rPr>
+              <a:t>, dynamic&gt;&gt; </a:t>
+            </a:r>
+            <a:r>
+              <a:rPr lang="en-US" dirty="0" err="1" smtClean="0">
+                <a:solidFill>
+                  <a:srgbClr val="333333"/>
+                </a:solidFill>
+                <a:latin typeface="Consolas"/>
+              </a:rPr>
+              <a:t>getTestsFromDb</a:t>
+            </a:r>
+            <a:r>
+              <a:rPr lang="en-US" dirty="0" smtClean="0">
+                <a:solidFill>
+                  <a:srgbClr val="333333"/>
+                </a:solidFill>
+                <a:latin typeface="Consolas"/>
+              </a:rPr>
+              <a:t>() {</a:t>
+            </a:r>
+          </a:p>
+          <a:p>
+            <a:r>
+              <a:rPr lang="en-US" dirty="0" smtClean="0">
+                <a:solidFill>
+                  <a:srgbClr val="333333"/>
+                </a:solidFill>
+                <a:latin typeface="Consolas"/>
+              </a:rPr>
+              <a:t>  </a:t>
+            </a:r>
+            <a:r>
+              <a:rPr lang="en-US" dirty="0" smtClean="0">
+                <a:solidFill>
+                  <a:srgbClr val="0000FF"/>
+                </a:solidFill>
+                <a:latin typeface="Consolas"/>
+              </a:rPr>
+              <a:t>return</a:t>
+            </a:r>
+            <a:r>
+              <a:rPr lang="en-US" dirty="0" smtClean="0">
+                <a:solidFill>
+                  <a:srgbClr val="333333"/>
+                </a:solidFill>
+                <a:latin typeface="Consolas"/>
+              </a:rPr>
+              <a:t> </a:t>
+            </a:r>
+            <a:r>
+              <a:rPr lang="en-US" dirty="0" err="1" smtClean="0">
+                <a:solidFill>
+                  <a:srgbClr val="333333"/>
+                </a:solidFill>
+                <a:latin typeface="Consolas"/>
+              </a:rPr>
+              <a:t>db.query</a:t>
+            </a:r>
+            <a:r>
+              <a:rPr lang="en-US" dirty="0" smtClean="0">
+                <a:solidFill>
+                  <a:srgbClr val="333333"/>
+                </a:solidFill>
+                <a:latin typeface="Consolas"/>
+              </a:rPr>
+              <a:t>(</a:t>
+            </a:r>
+            <a:r>
+              <a:rPr lang="en-US" dirty="0" smtClean="0">
+                <a:solidFill>
+                  <a:srgbClr val="A31515"/>
+                </a:solidFill>
+                <a:latin typeface="Consolas"/>
+              </a:rPr>
+              <a:t>'SELECT * FROM Testes;'</a:t>
+            </a:r>
+            <a:r>
+              <a:rPr lang="en-US" dirty="0" smtClean="0">
+                <a:solidFill>
+                  <a:srgbClr val="333333"/>
+                </a:solidFill>
+                <a:latin typeface="Consolas"/>
+              </a:rPr>
+              <a:t>)</a:t>
+            </a:r>
+          </a:p>
+          <a:p>
+            <a:r>
+              <a:rPr lang="en-US" dirty="0" smtClean="0">
+                <a:solidFill>
+                  <a:srgbClr val="333333"/>
+                </a:solidFill>
+                <a:latin typeface="Consolas"/>
+              </a:rPr>
+              <a:t>    .then((results) =&gt; </a:t>
+            </a:r>
+            <a:r>
+              <a:rPr lang="en-US" dirty="0" err="1" smtClean="0">
+                <a:solidFill>
+                  <a:srgbClr val="333333"/>
+                </a:solidFill>
+                <a:latin typeface="Consolas"/>
+              </a:rPr>
+              <a:t>results.toList</a:t>
+            </a:r>
+            <a:r>
+              <a:rPr lang="en-US" dirty="0" smtClean="0">
+                <a:solidFill>
+                  <a:srgbClr val="333333"/>
+                </a:solidFill>
+                <a:latin typeface="Consolas"/>
+              </a:rPr>
+              <a:t>())</a:t>
+            </a:r>
+          </a:p>
+          <a:p>
+            <a:r>
+              <a:rPr lang="en-US" dirty="0" smtClean="0">
+                <a:solidFill>
+                  <a:srgbClr val="333333"/>
+                </a:solidFill>
+                <a:latin typeface="Consolas"/>
+              </a:rPr>
+              <a:t>    .then((rows) {</a:t>
+            </a:r>
+          </a:p>
+          <a:p>
+            <a:r>
+              <a:rPr lang="en-US" dirty="0" smtClean="0">
+                <a:solidFill>
+                  <a:srgbClr val="333333"/>
+                </a:solidFill>
+                <a:latin typeface="Consolas"/>
+              </a:rPr>
+              <a:t>      </a:t>
+            </a:r>
+            <a:r>
+              <a:rPr lang="en-US" dirty="0" err="1" smtClean="0">
+                <a:solidFill>
+                  <a:srgbClr val="0000FF"/>
+                </a:solidFill>
+                <a:latin typeface="Consolas"/>
+              </a:rPr>
+              <a:t>var</a:t>
+            </a:r>
+            <a:r>
+              <a:rPr lang="en-US" dirty="0" smtClean="0">
+                <a:solidFill>
+                  <a:srgbClr val="333333"/>
+                </a:solidFill>
+                <a:latin typeface="Consolas"/>
+              </a:rPr>
+              <a:t> data = &lt;</a:t>
+            </a:r>
+            <a:r>
+              <a:rPr lang="en-US" dirty="0" smtClean="0">
+                <a:solidFill>
+                  <a:srgbClr val="2B91AF"/>
+                </a:solidFill>
+                <a:latin typeface="Consolas"/>
+              </a:rPr>
+              <a:t>String</a:t>
+            </a:r>
+            <a:r>
+              <a:rPr lang="en-US" dirty="0" smtClean="0">
+                <a:solidFill>
+                  <a:srgbClr val="333333"/>
+                </a:solidFill>
+                <a:latin typeface="Consolas"/>
+              </a:rPr>
+              <a:t>, dynamic&gt; {</a:t>
+            </a:r>
+          </a:p>
+          <a:p>
+            <a:r>
+              <a:rPr lang="en-US" dirty="0" smtClean="0">
+                <a:solidFill>
+                  <a:srgbClr val="333333"/>
+                </a:solidFill>
+                <a:latin typeface="Consolas"/>
+              </a:rPr>
+              <a:t>        </a:t>
+            </a:r>
+            <a:r>
+              <a:rPr lang="en-US" dirty="0" smtClean="0">
+                <a:solidFill>
+                  <a:srgbClr val="A31515"/>
+                </a:solidFill>
+                <a:latin typeface="Consolas"/>
+              </a:rPr>
+              <a:t>'tests'</a:t>
+            </a:r>
+            <a:r>
+              <a:rPr lang="en-US" dirty="0" smtClean="0">
+                <a:solidFill>
+                  <a:srgbClr val="333333"/>
+                </a:solidFill>
+                <a:latin typeface="Consolas"/>
+              </a:rPr>
+              <a:t>: &lt;Map&lt;</a:t>
+            </a:r>
+            <a:r>
+              <a:rPr lang="en-US" dirty="0" smtClean="0">
+                <a:solidFill>
+                  <a:srgbClr val="2B91AF"/>
+                </a:solidFill>
+                <a:latin typeface="Consolas"/>
+              </a:rPr>
+              <a:t>String</a:t>
+            </a:r>
+            <a:r>
+              <a:rPr lang="en-US" dirty="0" smtClean="0">
+                <a:solidFill>
+                  <a:srgbClr val="333333"/>
+                </a:solidFill>
+                <a:latin typeface="Consolas"/>
+              </a:rPr>
+              <a:t>, dynamic&gt;&gt;[],</a:t>
+            </a:r>
+          </a:p>
+          <a:p>
+            <a:r>
+              <a:rPr lang="en-US" dirty="0" smtClean="0">
+                <a:solidFill>
+                  <a:srgbClr val="333333"/>
+                </a:solidFill>
+                <a:latin typeface="Consolas"/>
+              </a:rPr>
+              <a:t>        </a:t>
+            </a:r>
+            <a:r>
+              <a:rPr lang="en-US" dirty="0" smtClean="0">
+                <a:solidFill>
+                  <a:srgbClr val="A31515"/>
+                </a:solidFill>
+                <a:latin typeface="Consolas"/>
+              </a:rPr>
+              <a:t>'success'</a:t>
+            </a:r>
+            <a:r>
+              <a:rPr lang="en-US" dirty="0" smtClean="0">
+                <a:solidFill>
+                  <a:srgbClr val="333333"/>
+                </a:solidFill>
+                <a:latin typeface="Consolas"/>
+              </a:rPr>
+              <a:t>: 1</a:t>
+            </a:r>
+          </a:p>
+          <a:p>
+            <a:r>
+              <a:rPr lang="en-US" dirty="0" smtClean="0">
+                <a:solidFill>
+                  <a:srgbClr val="333333"/>
+                </a:solidFill>
+                <a:latin typeface="Consolas"/>
+              </a:rPr>
+              <a:t>      };</a:t>
+            </a:r>
+          </a:p>
+          <a:p>
+            <a:endParaRPr lang="en-US" dirty="0" smtClean="0">
+              <a:solidFill>
+                <a:srgbClr val="333333"/>
+              </a:solidFill>
+              <a:latin typeface="Consolas"/>
+            </a:endParaRPr>
+          </a:p>
+          <a:p>
+            <a:r>
+              <a:rPr lang="en-US" dirty="0" smtClean="0">
+                <a:solidFill>
+                  <a:srgbClr val="333333"/>
+                </a:solidFill>
+                <a:latin typeface="Consolas"/>
+              </a:rPr>
+              <a:t>      data[</a:t>
+            </a:r>
+            <a:r>
+              <a:rPr lang="en-US" dirty="0" smtClean="0">
+                <a:solidFill>
+                  <a:srgbClr val="A31515"/>
+                </a:solidFill>
+                <a:latin typeface="Consolas"/>
+              </a:rPr>
+              <a:t>'tests'</a:t>
+            </a:r>
+            <a:r>
+              <a:rPr lang="en-US" dirty="0" smtClean="0">
+                <a:solidFill>
+                  <a:srgbClr val="333333"/>
+                </a:solidFill>
+                <a:latin typeface="Consolas"/>
+              </a:rPr>
+              <a:t>] = rows.map((row) =&gt; {</a:t>
+            </a:r>
+          </a:p>
+          <a:p>
+            <a:r>
+              <a:rPr lang="en-US" dirty="0" smtClean="0">
+                <a:solidFill>
+                  <a:srgbClr val="333333"/>
+                </a:solidFill>
+                <a:latin typeface="Consolas"/>
+              </a:rPr>
+              <a:t>        </a:t>
+            </a:r>
+            <a:r>
+              <a:rPr lang="en-US" dirty="0" smtClean="0">
+                <a:solidFill>
+                  <a:srgbClr val="A31515"/>
+                </a:solidFill>
+                <a:latin typeface="Consolas"/>
+              </a:rPr>
+              <a:t>'id'</a:t>
+            </a:r>
+            <a:r>
+              <a:rPr lang="en-US" dirty="0" smtClean="0">
+                <a:solidFill>
+                  <a:srgbClr val="333333"/>
+                </a:solidFill>
+                <a:latin typeface="Consolas"/>
+              </a:rPr>
+              <a:t>: row.id,</a:t>
+            </a:r>
+          </a:p>
+          <a:p>
+            <a:r>
+              <a:rPr lang="en-US" dirty="0" smtClean="0">
+                <a:solidFill>
+                  <a:srgbClr val="333333"/>
+                </a:solidFill>
+                <a:latin typeface="Consolas"/>
+              </a:rPr>
+              <a:t>        </a:t>
+            </a:r>
+            <a:r>
+              <a:rPr lang="en-US" dirty="0" smtClean="0">
+                <a:solidFill>
+                  <a:srgbClr val="008000"/>
+                </a:solidFill>
+                <a:latin typeface="Consolas"/>
+              </a:rPr>
+              <a:t>// </a:t>
+            </a:r>
+            <a:r>
+              <a:rPr lang="en-US" dirty="0" err="1" smtClean="0">
+                <a:solidFill>
+                  <a:srgbClr val="008000"/>
+                </a:solidFill>
+                <a:latin typeface="Consolas"/>
+              </a:rPr>
+              <a:t>Omitido</a:t>
+            </a:r>
+            <a:r>
+              <a:rPr lang="en-US" dirty="0" smtClean="0">
+                <a:solidFill>
+                  <a:srgbClr val="008000"/>
+                </a:solidFill>
+                <a:latin typeface="Consolas"/>
+              </a:rPr>
+              <a:t> </a:t>
+            </a:r>
+            <a:r>
+              <a:rPr lang="en-US" dirty="0" err="1" smtClean="0">
+                <a:solidFill>
+                  <a:srgbClr val="008000"/>
+                </a:solidFill>
+                <a:latin typeface="Consolas"/>
+              </a:rPr>
+              <a:t>para</a:t>
+            </a:r>
+            <a:r>
+              <a:rPr lang="en-US" dirty="0" smtClean="0">
+                <a:solidFill>
+                  <a:srgbClr val="008000"/>
+                </a:solidFill>
+                <a:latin typeface="Consolas"/>
+              </a:rPr>
+              <a:t> </a:t>
+            </a:r>
+            <a:r>
+              <a:rPr lang="en-US" dirty="0" err="1" smtClean="0">
+                <a:solidFill>
+                  <a:srgbClr val="008000"/>
+                </a:solidFill>
+                <a:latin typeface="Consolas"/>
+              </a:rPr>
+              <a:t>os</a:t>
+            </a:r>
+            <a:r>
+              <a:rPr lang="en-US" dirty="0" smtClean="0">
+                <a:solidFill>
+                  <a:srgbClr val="008000"/>
+                </a:solidFill>
+                <a:latin typeface="Consolas"/>
+              </a:rPr>
+              <a:t> </a:t>
+            </a:r>
+            <a:r>
+              <a:rPr lang="en-US" dirty="0" err="1" smtClean="0">
+                <a:solidFill>
+                  <a:srgbClr val="008000"/>
+                </a:solidFill>
+                <a:latin typeface="Consolas"/>
+              </a:rPr>
+              <a:t>restantes</a:t>
+            </a:r>
+            <a:endParaRPr lang="en-US" dirty="0" smtClean="0">
+              <a:solidFill>
+                <a:srgbClr val="333333"/>
+              </a:solidFill>
+              <a:latin typeface="Consolas"/>
+            </a:endParaRPr>
+          </a:p>
+          <a:p>
+            <a:r>
+              <a:rPr lang="en-US" dirty="0" smtClean="0">
+                <a:solidFill>
+                  <a:srgbClr val="333333"/>
+                </a:solidFill>
+                <a:latin typeface="Consolas"/>
+              </a:rPr>
+              <a:t>        </a:t>
+            </a:r>
+            <a:r>
+              <a:rPr lang="en-US" dirty="0" smtClean="0">
+                <a:solidFill>
+                  <a:srgbClr val="A31515"/>
+                </a:solidFill>
+                <a:latin typeface="Consolas"/>
+              </a:rPr>
+              <a:t>'</a:t>
+            </a:r>
+            <a:r>
+              <a:rPr lang="en-US" dirty="0" err="1" smtClean="0">
+                <a:solidFill>
+                  <a:srgbClr val="A31515"/>
+                </a:solidFill>
+                <a:latin typeface="Consolas"/>
+              </a:rPr>
+              <a:t>maxTries</a:t>
+            </a:r>
+            <a:r>
+              <a:rPr lang="en-US" dirty="0" smtClean="0">
+                <a:solidFill>
+                  <a:srgbClr val="A31515"/>
+                </a:solidFill>
+                <a:latin typeface="Consolas"/>
+              </a:rPr>
+              <a:t>'</a:t>
+            </a:r>
+            <a:r>
+              <a:rPr lang="en-US" dirty="0" smtClean="0">
+                <a:solidFill>
+                  <a:srgbClr val="333333"/>
+                </a:solidFill>
+                <a:latin typeface="Consolas"/>
+              </a:rPr>
+              <a:t>: </a:t>
+            </a:r>
+            <a:r>
+              <a:rPr lang="en-US" dirty="0" err="1" smtClean="0">
+                <a:solidFill>
+                  <a:srgbClr val="333333"/>
+                </a:solidFill>
+                <a:latin typeface="Consolas"/>
+              </a:rPr>
+              <a:t>row.maxTries</a:t>
+            </a:r>
+            <a:endParaRPr lang="en-US" dirty="0" smtClean="0">
+              <a:solidFill>
+                <a:srgbClr val="333333"/>
+              </a:solidFill>
+              <a:latin typeface="Consolas"/>
+            </a:endParaRPr>
+          </a:p>
+          <a:p>
+            <a:r>
+              <a:rPr lang="en-US" dirty="0" smtClean="0">
+                <a:solidFill>
+                  <a:srgbClr val="333333"/>
+                </a:solidFill>
+                <a:latin typeface="Consolas"/>
+              </a:rPr>
+              <a:t>      }).</a:t>
+            </a:r>
+            <a:r>
+              <a:rPr lang="en-US" dirty="0" err="1" smtClean="0">
+                <a:solidFill>
+                  <a:srgbClr val="333333"/>
+                </a:solidFill>
+                <a:latin typeface="Consolas"/>
+              </a:rPr>
+              <a:t>toList</a:t>
+            </a:r>
+            <a:r>
+              <a:rPr lang="en-US" dirty="0" smtClean="0">
+                <a:solidFill>
+                  <a:srgbClr val="333333"/>
+                </a:solidFill>
+                <a:latin typeface="Consolas"/>
+              </a:rPr>
+              <a:t>(</a:t>
+            </a:r>
+            <a:r>
+              <a:rPr lang="en-US" dirty="0" err="1" smtClean="0">
+                <a:solidFill>
+                  <a:srgbClr val="333333"/>
+                </a:solidFill>
+                <a:latin typeface="Consolas"/>
+              </a:rPr>
+              <a:t>growable</a:t>
+            </a:r>
+            <a:r>
+              <a:rPr lang="en-US" dirty="0" smtClean="0">
+                <a:solidFill>
+                  <a:srgbClr val="333333"/>
+                </a:solidFill>
+                <a:latin typeface="Consolas"/>
+              </a:rPr>
+              <a:t>: </a:t>
+            </a:r>
+            <a:r>
+              <a:rPr lang="en-US" dirty="0" smtClean="0">
+                <a:solidFill>
+                  <a:srgbClr val="0000FF"/>
+                </a:solidFill>
+                <a:latin typeface="Consolas"/>
+              </a:rPr>
+              <a:t>false</a:t>
+            </a:r>
+            <a:r>
+              <a:rPr lang="en-US" dirty="0" smtClean="0">
+                <a:solidFill>
+                  <a:srgbClr val="333333"/>
+                </a:solidFill>
+                <a:latin typeface="Consolas"/>
+              </a:rPr>
+              <a:t>);</a:t>
+            </a:r>
+            <a:endParaRPr lang="en-US" dirty="0" smtClean="0">
+              <a:solidFill>
+                <a:srgbClr val="333333"/>
+              </a:solidFill>
+              <a:latin typeface="Consolas"/>
+            </a:endParaRPr>
+          </a:p>
+        </p:txBody>
+      </p:sp>
+      <p:sp>
+        <p:nvSpPr>
+          <p:cNvPr id="3" name="Marcador de Posição do Texto 2"/>
+          <p:cNvSpPr>
+            <a:spLocks noGrp="1"/>
+          </p:cNvSpPr>
+          <p:nvPr>
+            <p:ph type="body" sz="quarter" idx="14"/>
+          </p:nvPr>
+        </p:nvSpPr>
+        <p:spPr/>
+        <p:txBody>
           <a:bodyPr/>
           <a:lstStyle/>
           <a:p>
             <a:r>
               <a:rPr lang="pt-PT" dirty="0" smtClean="0"/>
-              <a:t>Live demo</a:t>
+              <a:t>Exemplo: Obtenção de dados uma base de dados </a:t>
+            </a:r>
+            <a:r>
+              <a:rPr lang="pt-PT" dirty="0" err="1" smtClean="0"/>
+              <a:t>MySQL</a:t>
+            </a:r>
+            <a:r>
+              <a:rPr lang="pt-PT" dirty="0" smtClean="0"/>
+              <a:t> </a:t>
+            </a:r>
+            <a:r>
+              <a:rPr lang="pt-PT" dirty="0" smtClean="0"/>
+              <a:t>(1/2)</a:t>
             </a:r>
             <a:endParaRPr lang="pt-PT" dirty="0"/>
           </a:p>
@@ -21554,6 +24517,987 @@
   <p:clrMapOvr>
     <a:masterClrMapping/>
   </p:clrMapOvr>
+  <p:timing>
+    <p:tnLst>
+      <p:par>
+        <p:cTn id="1" dur="indefinite" restart="never" nodeType="tmRoot">
+          <p:childTnLst>
+            <p:seq concurrent="1" nextAc="seek">
+              <p:cTn id="2" dur="indefinite" nodeType="mainSeq">
+                <p:childTnLst>
+                  <p:par>
+                    <p:cTn id="3" fill="hold">
+                      <p:stCondLst>
+                        <p:cond delay="indefinite"/>
+                        <p:cond evt="onBegin" delay="0">
+                          <p:tn val="2"/>
+                        </p:cond>
+                      </p:stCondLst>
+                      <p:childTnLst>
+                        <p:par>
+                          <p:cTn id="4" fill="hold">
+                            <p:stCondLst>
+                              <p:cond delay="0"/>
+                            </p:stCondLst>
+                            <p:childTnLst>
+                              <p:par>
+                                <p:cTn id="5" presetID="1" presetClass="exit" presetSubtype="0" fill="hold" grpId="0" nodeType="withEffect">
+                                  <p:stCondLst>
+                                    <p:cond delay="0"/>
+                                  </p:stCondLst>
+                                  <p:childTnLst>
+                                    <p:set>
+                                      <p:cBhvr>
+                                        <p:cTn id="6" dur="1" fill="hold">
+                                          <p:stCondLst>
+                                            <p:cond delay="0"/>
+                                          </p:stCondLst>
+                                        </p:cTn>
+                                        <p:tgtEl>
+                                          <p:spTgt spid="2">
+                                            <p:txEl>
+                                              <p:pRg st="0" end="0"/>
+                                            </p:txEl>
+                                          </p:spTgt>
+                                        </p:tgtEl>
+                                        <p:attrNameLst>
+                                          <p:attrName>style.visibility</p:attrName>
+                                        </p:attrNameLst>
+                                      </p:cBhvr>
+                                      <p:to>
+                                        <p:strVal val="hidden"/>
+                                      </p:to>
+                                    </p:set>
+                                  </p:childTnLst>
+                                </p:cTn>
+                              </p:par>
+                              <p:par>
+                                <p:cTn id="7" presetID="1" presetClass="exit" presetSubtype="0" fill="hold" grpId="0" nodeType="withEffect">
+                                  <p:stCondLst>
+                                    <p:cond delay="0"/>
+                                  </p:stCondLst>
+                                  <p:childTnLst>
+                                    <p:set>
+                                      <p:cBhvr>
+                                        <p:cTn id="8" dur="1" fill="hold">
+                                          <p:stCondLst>
+                                            <p:cond delay="0"/>
+                                          </p:stCondLst>
+                                        </p:cTn>
+                                        <p:tgtEl>
+                                          <p:spTgt spid="2">
+                                            <p:txEl>
+                                              <p:pRg st="1" end="1"/>
+                                            </p:txEl>
+                                          </p:spTgt>
+                                        </p:tgtEl>
+                                        <p:attrNameLst>
+                                          <p:attrName>style.visibility</p:attrName>
+                                        </p:attrNameLst>
+                                      </p:cBhvr>
+                                      <p:to>
+                                        <p:strVal val="hidden"/>
+                                      </p:to>
+                                    </p:set>
+                                  </p:childTnLst>
+                                </p:cTn>
+                              </p:par>
+                              <p:par>
+                                <p:cTn id="9" presetID="1" presetClass="exit" presetSubtype="0" fill="hold" grpId="0" nodeType="withEffect">
+                                  <p:stCondLst>
+                                    <p:cond delay="0"/>
+                                  </p:stCondLst>
+                                  <p:childTnLst>
+                                    <p:set>
+                                      <p:cBhvr>
+                                        <p:cTn id="10" dur="1" fill="hold">
+                                          <p:stCondLst>
+                                            <p:cond delay="0"/>
+                                          </p:stCondLst>
+                                        </p:cTn>
+                                        <p:tgtEl>
+                                          <p:spTgt spid="2">
+                                            <p:txEl>
+                                              <p:pRg st="2" end="2"/>
+                                            </p:txEl>
+                                          </p:spTgt>
+                                        </p:tgtEl>
+                                        <p:attrNameLst>
+                                          <p:attrName>style.visibility</p:attrName>
+                                        </p:attrNameLst>
+                                      </p:cBhvr>
+                                      <p:to>
+                                        <p:strVal val="hidden"/>
+                                      </p:to>
+                                    </p:set>
+                                  </p:childTnLst>
+                                </p:cTn>
+                              </p:par>
+                              <p:par>
+                                <p:cTn id="11" presetID="1" presetClass="exit" presetSubtype="0" fill="hold" grpId="0" nodeType="withEffect">
+                                  <p:stCondLst>
+                                    <p:cond delay="0"/>
+                                  </p:stCondLst>
+                                  <p:childTnLst>
+                                    <p:set>
+                                      <p:cBhvr>
+                                        <p:cTn id="12" dur="1" fill="hold">
+                                          <p:stCondLst>
+                                            <p:cond delay="0"/>
+                                          </p:stCondLst>
+                                        </p:cTn>
+                                        <p:tgtEl>
+                                          <p:spTgt spid="2">
+                                            <p:txEl>
+                                              <p:pRg st="3" end="3"/>
+                                            </p:txEl>
+                                          </p:spTgt>
+                                        </p:tgtEl>
+                                        <p:attrNameLst>
+                                          <p:attrName>style.visibility</p:attrName>
+                                        </p:attrNameLst>
+                                      </p:cBhvr>
+                                      <p:to>
+                                        <p:strVal val="hidden"/>
+                                      </p:to>
+                                    </p:set>
+                                  </p:childTnLst>
+                                </p:cTn>
+                              </p:par>
+                              <p:par>
+                                <p:cTn id="13" presetID="1" presetClass="exit" presetSubtype="0" fill="hold" grpId="0" nodeType="withEffect">
+                                  <p:stCondLst>
+                                    <p:cond delay="0"/>
+                                  </p:stCondLst>
+                                  <p:childTnLst>
+                                    <p:set>
+                                      <p:cBhvr>
+                                        <p:cTn id="14" dur="1" fill="hold">
+                                          <p:stCondLst>
+                                            <p:cond delay="0"/>
+                                          </p:stCondLst>
+                                        </p:cTn>
+                                        <p:tgtEl>
+                                          <p:spTgt spid="2">
+                                            <p:txEl>
+                                              <p:pRg st="4" end="4"/>
+                                            </p:txEl>
+                                          </p:spTgt>
+                                        </p:tgtEl>
+                                        <p:attrNameLst>
+                                          <p:attrName>style.visibility</p:attrName>
+                                        </p:attrNameLst>
+                                      </p:cBhvr>
+                                      <p:to>
+                                        <p:strVal val="hidden"/>
+                                      </p:to>
+                                    </p:set>
+                                  </p:childTnLst>
+                                </p:cTn>
+                              </p:par>
+                              <p:par>
+                                <p:cTn id="15" presetID="1" presetClass="exit" presetSubtype="0" fill="hold" grpId="0" nodeType="withEffect">
+                                  <p:stCondLst>
+                                    <p:cond delay="0"/>
+                                  </p:stCondLst>
+                                  <p:childTnLst>
+                                    <p:set>
+                                      <p:cBhvr>
+                                        <p:cTn id="16" dur="1" fill="hold">
+                                          <p:stCondLst>
+                                            <p:cond delay="0"/>
+                                          </p:stCondLst>
+                                        </p:cTn>
+                                        <p:tgtEl>
+                                          <p:spTgt spid="2">
+                                            <p:txEl>
+                                              <p:pRg st="5" end="5"/>
+                                            </p:txEl>
+                                          </p:spTgt>
+                                        </p:tgtEl>
+                                        <p:attrNameLst>
+                                          <p:attrName>style.visibility</p:attrName>
+                                        </p:attrNameLst>
+                                      </p:cBhvr>
+                                      <p:to>
+                                        <p:strVal val="hidden"/>
+                                      </p:to>
+                                    </p:set>
+                                  </p:childTnLst>
+                                </p:cTn>
+                              </p:par>
+                              <p:par>
+                                <p:cTn id="17" presetID="1" presetClass="exit" presetSubtype="0" fill="hold" grpId="0" nodeType="withEffect">
+                                  <p:stCondLst>
+                                    <p:cond delay="0"/>
+                                  </p:stCondLst>
+                                  <p:childTnLst>
+                                    <p:set>
+                                      <p:cBhvr>
+                                        <p:cTn id="18" dur="1" fill="hold">
+                                          <p:stCondLst>
+                                            <p:cond delay="0"/>
+                                          </p:stCondLst>
+                                        </p:cTn>
+                                        <p:tgtEl>
+                                          <p:spTgt spid="2">
+                                            <p:txEl>
+                                              <p:pRg st="6" end="6"/>
+                                            </p:txEl>
+                                          </p:spTgt>
+                                        </p:tgtEl>
+                                        <p:attrNameLst>
+                                          <p:attrName>style.visibility</p:attrName>
+                                        </p:attrNameLst>
+                                      </p:cBhvr>
+                                      <p:to>
+                                        <p:strVal val="hidden"/>
+                                      </p:to>
+                                    </p:set>
+                                  </p:childTnLst>
+                                </p:cTn>
+                              </p:par>
+                              <p:par>
+                                <p:cTn id="19" presetID="1" presetClass="exit" presetSubtype="0" fill="hold" grpId="0" nodeType="withEffect">
+                                  <p:stCondLst>
+                                    <p:cond delay="0"/>
+                                  </p:stCondLst>
+                                  <p:childTnLst>
+                                    <p:set>
+                                      <p:cBhvr>
+                                        <p:cTn id="20" dur="1" fill="hold">
+                                          <p:stCondLst>
+                                            <p:cond delay="0"/>
+                                          </p:stCondLst>
+                                        </p:cTn>
+                                        <p:tgtEl>
+                                          <p:spTgt spid="2">
+                                            <p:txEl>
+                                              <p:pRg st="7" end="7"/>
+                                            </p:txEl>
+                                          </p:spTgt>
+                                        </p:tgtEl>
+                                        <p:attrNameLst>
+                                          <p:attrName>style.visibility</p:attrName>
+                                        </p:attrNameLst>
+                                      </p:cBhvr>
+                                      <p:to>
+                                        <p:strVal val="hidden"/>
+                                      </p:to>
+                                    </p:set>
+                                  </p:childTnLst>
+                                </p:cTn>
+                              </p:par>
+                              <p:par>
+                                <p:cTn id="21" presetID="1" presetClass="exit" presetSubtype="0" fill="hold" grpId="0" nodeType="withEffect">
+                                  <p:stCondLst>
+                                    <p:cond delay="0"/>
+                                  </p:stCondLst>
+                                  <p:childTnLst>
+                                    <p:set>
+                                      <p:cBhvr>
+                                        <p:cTn id="22" dur="1" fill="hold">
+                                          <p:stCondLst>
+                                            <p:cond delay="0"/>
+                                          </p:stCondLst>
+                                        </p:cTn>
+                                        <p:tgtEl>
+                                          <p:spTgt spid="2">
+                                            <p:txEl>
+                                              <p:pRg st="9" end="9"/>
+                                            </p:txEl>
+                                          </p:spTgt>
+                                        </p:tgtEl>
+                                        <p:attrNameLst>
+                                          <p:attrName>style.visibility</p:attrName>
+                                        </p:attrNameLst>
+                                      </p:cBhvr>
+                                      <p:to>
+                                        <p:strVal val="hidden"/>
+                                      </p:to>
+                                    </p:set>
+                                  </p:childTnLst>
+                                </p:cTn>
+                              </p:par>
+                              <p:par>
+                                <p:cTn id="23" presetID="1" presetClass="exit" presetSubtype="0" fill="hold" grpId="0" nodeType="withEffect">
+                                  <p:stCondLst>
+                                    <p:cond delay="0"/>
+                                  </p:stCondLst>
+                                  <p:childTnLst>
+                                    <p:set>
+                                      <p:cBhvr>
+                                        <p:cTn id="24" dur="1" fill="hold">
+                                          <p:stCondLst>
+                                            <p:cond delay="0"/>
+                                          </p:stCondLst>
+                                        </p:cTn>
+                                        <p:tgtEl>
+                                          <p:spTgt spid="2">
+                                            <p:txEl>
+                                              <p:pRg st="10" end="10"/>
+                                            </p:txEl>
+                                          </p:spTgt>
+                                        </p:tgtEl>
+                                        <p:attrNameLst>
+                                          <p:attrName>style.visibility</p:attrName>
+                                        </p:attrNameLst>
+                                      </p:cBhvr>
+                                      <p:to>
+                                        <p:strVal val="hidden"/>
+                                      </p:to>
+                                    </p:set>
+                                  </p:childTnLst>
+                                </p:cTn>
+                              </p:par>
+                              <p:par>
+                                <p:cTn id="25" presetID="1" presetClass="exit" presetSubtype="0" fill="hold" grpId="0" nodeType="withEffect">
+                                  <p:stCondLst>
+                                    <p:cond delay="0"/>
+                                  </p:stCondLst>
+                                  <p:childTnLst>
+                                    <p:set>
+                                      <p:cBhvr>
+                                        <p:cTn id="26" dur="1" fill="hold">
+                                          <p:stCondLst>
+                                            <p:cond delay="0"/>
+                                          </p:stCondLst>
+                                        </p:cTn>
+                                        <p:tgtEl>
+                                          <p:spTgt spid="2">
+                                            <p:txEl>
+                                              <p:pRg st="11" end="11"/>
+                                            </p:txEl>
+                                          </p:spTgt>
+                                        </p:tgtEl>
+                                        <p:attrNameLst>
+                                          <p:attrName>style.visibility</p:attrName>
+                                        </p:attrNameLst>
+                                      </p:cBhvr>
+                                      <p:to>
+                                        <p:strVal val="hidden"/>
+                                      </p:to>
+                                    </p:set>
+                                  </p:childTnLst>
+                                </p:cTn>
+                              </p:par>
+                              <p:par>
+                                <p:cTn id="27" presetID="1" presetClass="exit" presetSubtype="0" fill="hold" grpId="0" nodeType="withEffect">
+                                  <p:stCondLst>
+                                    <p:cond delay="0"/>
+                                  </p:stCondLst>
+                                  <p:childTnLst>
+                                    <p:set>
+                                      <p:cBhvr>
+                                        <p:cTn id="28" dur="1" fill="hold">
+                                          <p:stCondLst>
+                                            <p:cond delay="0"/>
+                                          </p:stCondLst>
+                                        </p:cTn>
+                                        <p:tgtEl>
+                                          <p:spTgt spid="2">
+                                            <p:txEl>
+                                              <p:pRg st="12" end="12"/>
+                                            </p:txEl>
+                                          </p:spTgt>
+                                        </p:tgtEl>
+                                        <p:attrNameLst>
+                                          <p:attrName>style.visibility</p:attrName>
+                                        </p:attrNameLst>
+                                      </p:cBhvr>
+                                      <p:to>
+                                        <p:strVal val="hidden"/>
+                                      </p:to>
+                                    </p:set>
+                                  </p:childTnLst>
+                                </p:cTn>
+                              </p:par>
+                              <p:par>
+                                <p:cTn id="29" presetID="1" presetClass="exit" presetSubtype="0" fill="hold" grpId="0" nodeType="withEffect">
+                                  <p:stCondLst>
+                                    <p:cond delay="0"/>
+                                  </p:stCondLst>
+                                  <p:childTnLst>
+                                    <p:set>
+                                      <p:cBhvr>
+                                        <p:cTn id="30" dur="1" fill="hold">
+                                          <p:stCondLst>
+                                            <p:cond delay="0"/>
+                                          </p:stCondLst>
+                                        </p:cTn>
+                                        <p:tgtEl>
+                                          <p:spTgt spid="2">
+                                            <p:txEl>
+                                              <p:pRg st="13" end="13"/>
+                                            </p:txEl>
+                                          </p:spTgt>
+                                        </p:tgtEl>
+                                        <p:attrNameLst>
+                                          <p:attrName>style.visibility</p:attrName>
+                                        </p:attrNameLst>
+                                      </p:cBhvr>
+                                      <p:to>
+                                        <p:strVal val="hidden"/>
+                                      </p:to>
+                                    </p:set>
+                                  </p:childTnLst>
+                                </p:cTn>
+                              </p:par>
+                              <p:par>
+                                <p:cTn id="31" presetID="1" presetClass="entr" presetSubtype="0" fill="hold" nodeType="withEffect">
+                                  <p:stCondLst>
+                                    <p:cond delay="0"/>
+                                  </p:stCondLst>
+                                  <p:childTnLst>
+                                    <p:set>
+                                      <p:cBhvr>
+                                        <p:cTn id="32" dur="1" fill="hold">
+                                          <p:stCondLst>
+                                            <p:cond delay="0"/>
+                                          </p:stCondLst>
+                                        </p:cTn>
+                                        <p:tgtEl>
+                                          <p:spTgt spid="2">
+                                            <p:txEl>
+                                              <p:pRg st="0" end="0"/>
+                                            </p:txEl>
+                                          </p:spTgt>
+                                        </p:tgtEl>
+                                        <p:attrNameLst>
+                                          <p:attrName>style.visibility</p:attrName>
+                                        </p:attrNameLst>
+                                      </p:cBhvr>
+                                      <p:to>
+                                        <p:strVal val="visible"/>
+                                      </p:to>
+                                    </p:set>
+                                  </p:childTnLst>
+                                </p:cTn>
+                              </p:par>
+                              <p:par>
+                                <p:cTn id="33" presetID="1" presetClass="entr" presetSubtype="0" fill="hold" nodeType="withEffect">
+                                  <p:stCondLst>
+                                    <p:cond delay="0"/>
+                                  </p:stCondLst>
+                                  <p:childTnLst>
+                                    <p:set>
+                                      <p:cBhvr>
+                                        <p:cTn id="34" dur="1" fill="hold">
+                                          <p:stCondLst>
+                                            <p:cond delay="0"/>
+                                          </p:stCondLst>
+                                        </p:cTn>
+                                        <p:tgtEl>
+                                          <p:spTgt spid="2">
+                                            <p:txEl>
+                                              <p:pRg st="1" end="1"/>
+                                            </p:txEl>
+                                          </p:spTgt>
+                                        </p:tgtEl>
+                                        <p:attrNameLst>
+                                          <p:attrName>style.visibility</p:attrName>
+                                        </p:attrNameLst>
+                                      </p:cBhvr>
+                                      <p:to>
+                                        <p:strVal val="visible"/>
+                                      </p:to>
+                                    </p:set>
+                                  </p:childTnLst>
+                                </p:cTn>
+                              </p:par>
+                            </p:childTnLst>
+                          </p:cTn>
+                        </p:par>
+                      </p:childTnLst>
+                    </p:cTn>
+                  </p:par>
+                  <p:par>
+                    <p:cTn id="35" fill="hold">
+                      <p:stCondLst>
+                        <p:cond delay="indefinite"/>
+                      </p:stCondLst>
+                      <p:childTnLst>
+                        <p:par>
+                          <p:cTn id="36" fill="hold">
+                            <p:stCondLst>
+                              <p:cond delay="0"/>
+                            </p:stCondLst>
+                            <p:childTnLst>
+                              <p:par>
+                                <p:cTn id="37" presetID="1" presetClass="entr" presetSubtype="0" fill="hold" nodeType="clickEffect">
+                                  <p:stCondLst>
+                                    <p:cond delay="0"/>
+                                  </p:stCondLst>
+                                  <p:childTnLst>
+                                    <p:set>
+                                      <p:cBhvr>
+                                        <p:cTn id="38" dur="1" fill="hold">
+                                          <p:stCondLst>
+                                            <p:cond delay="0"/>
+                                          </p:stCondLst>
+                                        </p:cTn>
+                                        <p:tgtEl>
+                                          <p:spTgt spid="2">
+                                            <p:txEl>
+                                              <p:pRg st="1" end="1"/>
+                                            </p:txEl>
+                                          </p:spTgt>
+                                        </p:tgtEl>
+                                        <p:attrNameLst>
+                                          <p:attrName>style.visibility</p:attrName>
+                                        </p:attrNameLst>
+                                      </p:cBhvr>
+                                      <p:to>
+                                        <p:strVal val="visible"/>
+                                      </p:to>
+                                    </p:set>
+                                  </p:childTnLst>
+                                </p:cTn>
+                              </p:par>
+                              <p:par>
+                                <p:cTn id="39" presetID="1" presetClass="entr" presetSubtype="0" fill="hold" nodeType="withEffect">
+                                  <p:stCondLst>
+                                    <p:cond delay="0"/>
+                                  </p:stCondLst>
+                                  <p:childTnLst>
+                                    <p:set>
+                                      <p:cBhvr>
+                                        <p:cTn id="40" dur="1" fill="hold">
+                                          <p:stCondLst>
+                                            <p:cond delay="0"/>
+                                          </p:stCondLst>
+                                        </p:cTn>
+                                        <p:tgtEl>
+                                          <p:spTgt spid="2">
+                                            <p:txEl>
+                                              <p:pRg st="2" end="2"/>
+                                            </p:txEl>
+                                          </p:spTgt>
+                                        </p:tgtEl>
+                                        <p:attrNameLst>
+                                          <p:attrName>style.visibility</p:attrName>
+                                        </p:attrNameLst>
+                                      </p:cBhvr>
+                                      <p:to>
+                                        <p:strVal val="visible"/>
+                                      </p:to>
+                                    </p:set>
+                                  </p:childTnLst>
+                                </p:cTn>
+                              </p:par>
+                              <p:par>
+                                <p:cTn id="41" presetID="1" presetClass="entr" presetSubtype="0" fill="hold" nodeType="withEffect">
+                                  <p:stCondLst>
+                                    <p:cond delay="0"/>
+                                  </p:stCondLst>
+                                  <p:childTnLst>
+                                    <p:set>
+                                      <p:cBhvr>
+                                        <p:cTn id="42" dur="1" fill="hold">
+                                          <p:stCondLst>
+                                            <p:cond delay="0"/>
+                                          </p:stCondLst>
+                                        </p:cTn>
+                                        <p:tgtEl>
+                                          <p:spTgt spid="2">
+                                            <p:txEl>
+                                              <p:pRg st="3" end="3"/>
+                                            </p:txEl>
+                                          </p:spTgt>
+                                        </p:tgtEl>
+                                        <p:attrNameLst>
+                                          <p:attrName>style.visibility</p:attrName>
+                                        </p:attrNameLst>
+                                      </p:cBhvr>
+                                      <p:to>
+                                        <p:strVal val="visible"/>
+                                      </p:to>
+                                    </p:set>
+                                  </p:childTnLst>
+                                </p:cTn>
+                              </p:par>
+                            </p:childTnLst>
+                          </p:cTn>
+                        </p:par>
+                      </p:childTnLst>
+                    </p:cTn>
+                  </p:par>
+                  <p:par>
+                    <p:cTn id="43" fill="hold">
+                      <p:stCondLst>
+                        <p:cond delay="indefinite"/>
+                      </p:stCondLst>
+                      <p:childTnLst>
+                        <p:par>
+                          <p:cTn id="44" fill="hold">
+                            <p:stCondLst>
+                              <p:cond delay="0"/>
+                            </p:stCondLst>
+                            <p:childTnLst>
+                              <p:par>
+                                <p:cTn id="45" presetID="1" presetClass="entr" presetSubtype="0" fill="hold" nodeType="clickEffect">
+                                  <p:stCondLst>
+                                    <p:cond delay="0"/>
+                                  </p:stCondLst>
+                                  <p:childTnLst>
+                                    <p:set>
+                                      <p:cBhvr>
+                                        <p:cTn id="46" dur="1" fill="hold">
+                                          <p:stCondLst>
+                                            <p:cond delay="0"/>
+                                          </p:stCondLst>
+                                        </p:cTn>
+                                        <p:tgtEl>
+                                          <p:spTgt spid="2">
+                                            <p:txEl>
+                                              <p:pRg st="4" end="4"/>
+                                            </p:txEl>
+                                          </p:spTgt>
+                                        </p:tgtEl>
+                                        <p:attrNameLst>
+                                          <p:attrName>style.visibility</p:attrName>
+                                        </p:attrNameLst>
+                                      </p:cBhvr>
+                                      <p:to>
+                                        <p:strVal val="visible"/>
+                                      </p:to>
+                                    </p:set>
+                                  </p:childTnLst>
+                                </p:cTn>
+                              </p:par>
+                              <p:par>
+                                <p:cTn id="47" presetID="1" presetClass="entr" presetSubtype="0" fill="hold" nodeType="withEffect">
+                                  <p:stCondLst>
+                                    <p:cond delay="0"/>
+                                  </p:stCondLst>
+                                  <p:childTnLst>
+                                    <p:set>
+                                      <p:cBhvr>
+                                        <p:cTn id="48" dur="1" fill="hold">
+                                          <p:stCondLst>
+                                            <p:cond delay="0"/>
+                                          </p:stCondLst>
+                                        </p:cTn>
+                                        <p:tgtEl>
+                                          <p:spTgt spid="2">
+                                            <p:txEl>
+                                              <p:pRg st="5" end="5"/>
+                                            </p:txEl>
+                                          </p:spTgt>
+                                        </p:tgtEl>
+                                        <p:attrNameLst>
+                                          <p:attrName>style.visibility</p:attrName>
+                                        </p:attrNameLst>
+                                      </p:cBhvr>
+                                      <p:to>
+                                        <p:strVal val="visible"/>
+                                      </p:to>
+                                    </p:set>
+                                  </p:childTnLst>
+                                </p:cTn>
+                              </p:par>
+                              <p:par>
+                                <p:cTn id="49" presetID="1" presetClass="entr" presetSubtype="0" fill="hold" nodeType="withEffect">
+                                  <p:stCondLst>
+                                    <p:cond delay="0"/>
+                                  </p:stCondLst>
+                                  <p:childTnLst>
+                                    <p:set>
+                                      <p:cBhvr>
+                                        <p:cTn id="50" dur="1" fill="hold">
+                                          <p:stCondLst>
+                                            <p:cond delay="0"/>
+                                          </p:stCondLst>
+                                        </p:cTn>
+                                        <p:tgtEl>
+                                          <p:spTgt spid="2">
+                                            <p:txEl>
+                                              <p:pRg st="6" end="6"/>
+                                            </p:txEl>
+                                          </p:spTgt>
+                                        </p:tgtEl>
+                                        <p:attrNameLst>
+                                          <p:attrName>style.visibility</p:attrName>
+                                        </p:attrNameLst>
+                                      </p:cBhvr>
+                                      <p:to>
+                                        <p:strVal val="visible"/>
+                                      </p:to>
+                                    </p:set>
+                                  </p:childTnLst>
+                                </p:cTn>
+                              </p:par>
+                              <p:par>
+                                <p:cTn id="51" presetID="1" presetClass="entr" presetSubtype="0" fill="hold" nodeType="withEffect">
+                                  <p:stCondLst>
+                                    <p:cond delay="0"/>
+                                  </p:stCondLst>
+                                  <p:childTnLst>
+                                    <p:set>
+                                      <p:cBhvr>
+                                        <p:cTn id="52" dur="1" fill="hold">
+                                          <p:stCondLst>
+                                            <p:cond delay="0"/>
+                                          </p:stCondLst>
+                                        </p:cTn>
+                                        <p:tgtEl>
+                                          <p:spTgt spid="2">
+                                            <p:txEl>
+                                              <p:pRg st="7" end="7"/>
+                                            </p:txEl>
+                                          </p:spTgt>
+                                        </p:tgtEl>
+                                        <p:attrNameLst>
+                                          <p:attrName>style.visibility</p:attrName>
+                                        </p:attrNameLst>
+                                      </p:cBhvr>
+                                      <p:to>
+                                        <p:strVal val="visible"/>
+                                      </p:to>
+                                    </p:set>
+                                  </p:childTnLst>
+                                </p:cTn>
+                              </p:par>
+                            </p:childTnLst>
+                          </p:cTn>
+                        </p:par>
+                      </p:childTnLst>
+                    </p:cTn>
+                  </p:par>
+                  <p:par>
+                    <p:cTn id="53" fill="hold">
+                      <p:stCondLst>
+                        <p:cond delay="indefinite"/>
+                      </p:stCondLst>
+                      <p:childTnLst>
+                        <p:par>
+                          <p:cTn id="54" fill="hold">
+                            <p:stCondLst>
+                              <p:cond delay="0"/>
+                            </p:stCondLst>
+                            <p:childTnLst>
+                              <p:par>
+                                <p:cTn id="55" presetID="1" presetClass="entr" presetSubtype="0" fill="hold" nodeType="clickEffect">
+                                  <p:stCondLst>
+                                    <p:cond delay="0"/>
+                                  </p:stCondLst>
+                                  <p:childTnLst>
+                                    <p:set>
+                                      <p:cBhvr>
+                                        <p:cTn id="56" dur="1" fill="hold">
+                                          <p:stCondLst>
+                                            <p:cond delay="0"/>
+                                          </p:stCondLst>
+                                        </p:cTn>
+                                        <p:tgtEl>
+                                          <p:spTgt spid="2">
+                                            <p:txEl>
+                                              <p:pRg st="9" end="9"/>
+                                            </p:txEl>
+                                          </p:spTgt>
+                                        </p:tgtEl>
+                                        <p:attrNameLst>
+                                          <p:attrName>style.visibility</p:attrName>
+                                        </p:attrNameLst>
+                                      </p:cBhvr>
+                                      <p:to>
+                                        <p:strVal val="visible"/>
+                                      </p:to>
+                                    </p:set>
+                                  </p:childTnLst>
+                                </p:cTn>
+                              </p:par>
+                            </p:childTnLst>
+                          </p:cTn>
+                        </p:par>
+                      </p:childTnLst>
+                    </p:cTn>
+                  </p:par>
+                  <p:par>
+                    <p:cTn id="57" fill="hold">
+                      <p:stCondLst>
+                        <p:cond delay="indefinite"/>
+                      </p:stCondLst>
+                      <p:childTnLst>
+                        <p:par>
+                          <p:cTn id="58" fill="hold">
+                            <p:stCondLst>
+                              <p:cond delay="0"/>
+                            </p:stCondLst>
+                            <p:childTnLst>
+                              <p:par>
+                                <p:cTn id="59" presetID="1" presetClass="entr" presetSubtype="0" fill="hold" nodeType="clickEffect">
+                                  <p:stCondLst>
+                                    <p:cond delay="0"/>
+                                  </p:stCondLst>
+                                  <p:childTnLst>
+                                    <p:set>
+                                      <p:cBhvr>
+                                        <p:cTn id="60" dur="1" fill="hold">
+                                          <p:stCondLst>
+                                            <p:cond delay="0"/>
+                                          </p:stCondLst>
+                                        </p:cTn>
+                                        <p:tgtEl>
+                                          <p:spTgt spid="2">
+                                            <p:txEl>
+                                              <p:pRg st="10" end="10"/>
+                                            </p:txEl>
+                                          </p:spTgt>
+                                        </p:tgtEl>
+                                        <p:attrNameLst>
+                                          <p:attrName>style.visibility</p:attrName>
+                                        </p:attrNameLst>
+                                      </p:cBhvr>
+                                      <p:to>
+                                        <p:strVal val="visible"/>
+                                      </p:to>
+                                    </p:set>
+                                  </p:childTnLst>
+                                </p:cTn>
+                              </p:par>
+                              <p:par>
+                                <p:cTn id="61" presetID="1" presetClass="entr" presetSubtype="0" fill="hold" nodeType="withEffect">
+                                  <p:stCondLst>
+                                    <p:cond delay="0"/>
+                                  </p:stCondLst>
+                                  <p:childTnLst>
+                                    <p:set>
+                                      <p:cBhvr>
+                                        <p:cTn id="62" dur="1" fill="hold">
+                                          <p:stCondLst>
+                                            <p:cond delay="0"/>
+                                          </p:stCondLst>
+                                        </p:cTn>
+                                        <p:tgtEl>
+                                          <p:spTgt spid="2">
+                                            <p:txEl>
+                                              <p:pRg st="11" end="11"/>
+                                            </p:txEl>
+                                          </p:spTgt>
+                                        </p:tgtEl>
+                                        <p:attrNameLst>
+                                          <p:attrName>style.visibility</p:attrName>
+                                        </p:attrNameLst>
+                                      </p:cBhvr>
+                                      <p:to>
+                                        <p:strVal val="visible"/>
+                                      </p:to>
+                                    </p:set>
+                                  </p:childTnLst>
+                                </p:cTn>
+                              </p:par>
+                              <p:par>
+                                <p:cTn id="63" presetID="1" presetClass="entr" presetSubtype="0" fill="hold" nodeType="withEffect">
+                                  <p:stCondLst>
+                                    <p:cond delay="0"/>
+                                  </p:stCondLst>
+                                  <p:childTnLst>
+                                    <p:set>
+                                      <p:cBhvr>
+                                        <p:cTn id="64" dur="1" fill="hold">
+                                          <p:stCondLst>
+                                            <p:cond delay="0"/>
+                                          </p:stCondLst>
+                                        </p:cTn>
+                                        <p:tgtEl>
+                                          <p:spTgt spid="2">
+                                            <p:txEl>
+                                              <p:pRg st="12" end="12"/>
+                                            </p:txEl>
+                                          </p:spTgt>
+                                        </p:tgtEl>
+                                        <p:attrNameLst>
+                                          <p:attrName>style.visibility</p:attrName>
+                                        </p:attrNameLst>
+                                      </p:cBhvr>
+                                      <p:to>
+                                        <p:strVal val="visible"/>
+                                      </p:to>
+                                    </p:set>
+                                  </p:childTnLst>
+                                </p:cTn>
+                              </p:par>
+                            </p:childTnLst>
+                          </p:cTn>
+                        </p:par>
+                      </p:childTnLst>
+                    </p:cTn>
+                  </p:par>
+                  <p:par>
+                    <p:cTn id="65" fill="hold">
+                      <p:stCondLst>
+                        <p:cond delay="indefinite"/>
+                      </p:stCondLst>
+                      <p:childTnLst>
+                        <p:par>
+                          <p:cTn id="66" fill="hold">
+                            <p:stCondLst>
+                              <p:cond delay="0"/>
+                            </p:stCondLst>
+                            <p:childTnLst>
+                              <p:par>
+                                <p:cTn id="67" presetID="1" presetClass="entr" presetSubtype="0" fill="hold" nodeType="clickEffect">
+                                  <p:stCondLst>
+                                    <p:cond delay="0"/>
+                                  </p:stCondLst>
+                                  <p:childTnLst>
+                                    <p:set>
+                                      <p:cBhvr>
+                                        <p:cTn id="68" dur="1" fill="hold">
+                                          <p:stCondLst>
+                                            <p:cond delay="0"/>
+                                          </p:stCondLst>
+                                        </p:cTn>
+                                        <p:tgtEl>
+                                          <p:spTgt spid="2">
+                                            <p:txEl>
+                                              <p:pRg st="13" end="13"/>
+                                            </p:txEl>
+                                          </p:spTgt>
+                                        </p:tgtEl>
+                                        <p:attrNameLst>
+                                          <p:attrName>style.visibility</p:attrName>
+                                        </p:attrNameLst>
+                                      </p:cBhvr>
+                                      <p:to>
+                                        <p:strVal val="visible"/>
+                                      </p:to>
+                                    </p:set>
+                                  </p:childTnLst>
+                                </p:cTn>
+                              </p:par>
+                            </p:childTnLst>
+                          </p:cTn>
+                        </p:par>
+                      </p:childTnLst>
+                    </p:cTn>
+                  </p:par>
+                </p:childTnLst>
+              </p:cTn>
+              <p:prevCondLst>
+                <p:cond evt="onPrev" delay="0">
+                  <p:tgtEl>
+                    <p:sldTgt/>
+                  </p:tgtEl>
+                </p:cond>
+              </p:prevCondLst>
+              <p:nextCondLst>
+                <p:cond evt="onNext" delay="0">
+                  <p:tgtEl>
+                    <p:sldTgt/>
+                  </p:tgtEl>
+                </p:cond>
+              </p:nextCondLst>
+            </p:seq>
+          </p:childTnLst>
+        </p:cTn>
+      </p:par>
+    </p:tnLst>
+    <p:bldLst>
+      <p:bldP spid="2" grpId="0" build="p"/>
+    </p:bldLst>
+  </p:timing>
 </p:sld>
 </file>
 
@@ -22017,6 +25961,1135 @@
       </p:grpSpPr>
       <p:sp>
         <p:nvSpPr>
+          <p:cNvPr id="2" name="Marcador de Posição do Texto 1"/>
+          <p:cNvSpPr>
+            <a:spLocks noGrp="1"/>
+          </p:cNvSpPr>
+          <p:nvPr>
+            <p:ph type="body" sz="quarter" idx="13"/>
+          </p:nvPr>
+        </p:nvSpPr>
+        <p:spPr>
+          <a:xfrm>
+            <a:off x="2879812" y="841275"/>
+            <a:ext cx="3384376" cy="3456385"/>
+          </a:xfrm>
+        </p:spPr>
+        <p:txBody>
+          <a:bodyPr/>
+          <a:lstStyle/>
+          <a:p>
+            <a:r>
+              <a:rPr lang="en-US" dirty="0" smtClean="0">
+                <a:solidFill>
+                  <a:srgbClr val="333333"/>
+                </a:solidFill>
+                <a:latin typeface="Consolas"/>
+              </a:rPr>
+              <a:t>      </a:t>
+            </a:r>
+            <a:r>
+              <a:rPr lang="en-US" dirty="0" smtClean="0">
+                <a:solidFill>
+                  <a:srgbClr val="0000FF"/>
+                </a:solidFill>
+                <a:latin typeface="Consolas"/>
+              </a:rPr>
+              <a:t>return</a:t>
+            </a:r>
+            <a:r>
+              <a:rPr lang="en-US" dirty="0" smtClean="0">
+                <a:solidFill>
+                  <a:srgbClr val="333333"/>
+                </a:solidFill>
+                <a:latin typeface="Consolas"/>
+              </a:rPr>
+              <a:t> data;</a:t>
+            </a:r>
+          </a:p>
+          <a:p>
+            <a:r>
+              <a:rPr lang="en-US" dirty="0" smtClean="0">
+                <a:solidFill>
+                  <a:srgbClr val="333333"/>
+                </a:solidFill>
+                <a:latin typeface="Consolas"/>
+              </a:rPr>
+              <a:t>    }).</a:t>
+            </a:r>
+            <a:r>
+              <a:rPr lang="en-US" dirty="0" err="1" smtClean="0">
+                <a:solidFill>
+                  <a:srgbClr val="333333"/>
+                </a:solidFill>
+                <a:latin typeface="Consolas"/>
+              </a:rPr>
+              <a:t>catchError</a:t>
+            </a:r>
+            <a:r>
+              <a:rPr lang="en-US" dirty="0" smtClean="0">
+                <a:solidFill>
+                  <a:srgbClr val="333333"/>
+                </a:solidFill>
+                <a:latin typeface="Consolas"/>
+              </a:rPr>
+              <a:t>((e) {</a:t>
+            </a:r>
+          </a:p>
+          <a:p>
+            <a:r>
+              <a:rPr lang="en-US" dirty="0" smtClean="0">
+                <a:solidFill>
+                  <a:srgbClr val="333333"/>
+                </a:solidFill>
+                <a:latin typeface="Consolas"/>
+              </a:rPr>
+              <a:t>      </a:t>
+            </a:r>
+            <a:r>
+              <a:rPr lang="en-US" dirty="0" smtClean="0">
+                <a:solidFill>
+                  <a:srgbClr val="0000FF"/>
+                </a:solidFill>
+                <a:latin typeface="Consolas"/>
+              </a:rPr>
+              <a:t>return</a:t>
+            </a:r>
+            <a:r>
+              <a:rPr lang="en-US" dirty="0" smtClean="0">
+                <a:solidFill>
+                  <a:srgbClr val="333333"/>
+                </a:solidFill>
+                <a:latin typeface="Consolas"/>
+              </a:rPr>
+              <a:t> &lt;</a:t>
+            </a:r>
+            <a:r>
+              <a:rPr lang="en-US" dirty="0" smtClean="0">
+                <a:solidFill>
+                  <a:srgbClr val="2B91AF"/>
+                </a:solidFill>
+                <a:latin typeface="Consolas"/>
+              </a:rPr>
+              <a:t>String</a:t>
+            </a:r>
+            <a:r>
+              <a:rPr lang="en-US" dirty="0" smtClean="0">
+                <a:solidFill>
+                  <a:srgbClr val="333333"/>
+                </a:solidFill>
+                <a:latin typeface="Consolas"/>
+              </a:rPr>
+              <a:t>, dynamic&gt; {</a:t>
+            </a:r>
+          </a:p>
+          <a:p>
+            <a:r>
+              <a:rPr lang="en-US" dirty="0" smtClean="0">
+                <a:solidFill>
+                  <a:srgbClr val="333333"/>
+                </a:solidFill>
+                <a:latin typeface="Consolas"/>
+              </a:rPr>
+              <a:t>        </a:t>
+            </a:r>
+            <a:r>
+              <a:rPr lang="pt-PT" dirty="0" smtClean="0">
+                <a:solidFill>
+                  <a:srgbClr val="A31515"/>
+                </a:solidFill>
+                <a:latin typeface="Consolas"/>
+              </a:rPr>
+              <a:t>'</a:t>
+            </a:r>
+            <a:r>
+              <a:rPr lang="pt-PT" dirty="0" err="1" smtClean="0">
+                <a:solidFill>
+                  <a:srgbClr val="A31515"/>
+                </a:solidFill>
+                <a:latin typeface="Consolas"/>
+              </a:rPr>
+              <a:t>tests</a:t>
+            </a:r>
+            <a:r>
+              <a:rPr lang="pt-PT" dirty="0" smtClean="0">
+                <a:solidFill>
+                  <a:srgbClr val="A31515"/>
+                </a:solidFill>
+                <a:latin typeface="Consolas"/>
+              </a:rPr>
+              <a:t>'</a:t>
+            </a:r>
+            <a:r>
+              <a:rPr lang="pt-PT" dirty="0" smtClean="0">
+                <a:solidFill>
+                  <a:srgbClr val="333333"/>
+                </a:solidFill>
+                <a:latin typeface="Consolas"/>
+              </a:rPr>
+              <a:t>: [],</a:t>
+            </a:r>
+          </a:p>
+          <a:p>
+            <a:r>
+              <a:rPr lang="pt-PT" dirty="0" smtClean="0">
+                <a:solidFill>
+                  <a:srgbClr val="333333"/>
+                </a:solidFill>
+                <a:latin typeface="Consolas"/>
+              </a:rPr>
+              <a:t>        </a:t>
+            </a:r>
+            <a:r>
+              <a:rPr lang="pt-PT" dirty="0" smtClean="0">
+                <a:solidFill>
+                  <a:srgbClr val="A31515"/>
+                </a:solidFill>
+                <a:latin typeface="Consolas"/>
+              </a:rPr>
+              <a:t>'</a:t>
+            </a:r>
+            <a:r>
+              <a:rPr lang="pt-PT" dirty="0" err="1" smtClean="0">
+                <a:solidFill>
+                  <a:srgbClr val="A31515"/>
+                </a:solidFill>
+                <a:latin typeface="Consolas"/>
+              </a:rPr>
+              <a:t>success</a:t>
+            </a:r>
+            <a:r>
+              <a:rPr lang="pt-PT" dirty="0" smtClean="0">
+                <a:solidFill>
+                  <a:srgbClr val="A31515"/>
+                </a:solidFill>
+                <a:latin typeface="Consolas"/>
+              </a:rPr>
+              <a:t>'</a:t>
+            </a:r>
+            <a:r>
+              <a:rPr lang="pt-PT" dirty="0" smtClean="0">
+                <a:solidFill>
+                  <a:srgbClr val="333333"/>
+                </a:solidFill>
+                <a:latin typeface="Consolas"/>
+              </a:rPr>
+              <a:t>: 0</a:t>
+            </a:r>
+          </a:p>
+          <a:p>
+            <a:r>
+              <a:rPr lang="pt-PT" dirty="0" smtClean="0">
+                <a:solidFill>
+                  <a:srgbClr val="333333"/>
+                </a:solidFill>
+                <a:latin typeface="Consolas"/>
+              </a:rPr>
+              <a:t>      };</a:t>
+            </a:r>
+          </a:p>
+          <a:p>
+            <a:r>
+              <a:rPr lang="pt-PT" dirty="0" smtClean="0">
+                <a:solidFill>
+                  <a:srgbClr val="333333"/>
+                </a:solidFill>
+                <a:latin typeface="Consolas"/>
+              </a:rPr>
+              <a:t>    });</a:t>
+            </a:r>
+          </a:p>
+          <a:p>
+            <a:r>
+              <a:rPr lang="pt-PT" dirty="0" smtClean="0">
+                <a:solidFill>
+                  <a:srgbClr val="333333"/>
+                </a:solidFill>
+                <a:latin typeface="Consolas"/>
+              </a:rPr>
+              <a:t>}</a:t>
+            </a:r>
+          </a:p>
+          <a:p>
+            <a:endParaRPr lang="pt-PT" dirty="0"/>
+          </a:p>
+        </p:txBody>
+      </p:sp>
+      <p:sp>
+        <p:nvSpPr>
+          <p:cNvPr id="3" name="Marcador de Posição do Texto 2"/>
+          <p:cNvSpPr>
+            <a:spLocks noGrp="1"/>
+          </p:cNvSpPr>
+          <p:nvPr>
+            <p:ph type="body" sz="quarter" idx="14"/>
+          </p:nvPr>
+        </p:nvSpPr>
+        <p:spPr/>
+        <p:txBody>
+          <a:bodyPr/>
+          <a:lstStyle/>
+          <a:p>
+            <a:r>
+              <a:rPr lang="pt-PT" dirty="0" smtClean="0"/>
+              <a:t>Exemplo: Obtenção de dados de uma base de dados </a:t>
+            </a:r>
+            <a:r>
+              <a:rPr lang="pt-PT" dirty="0" err="1" smtClean="0"/>
+              <a:t>MySQL</a:t>
+            </a:r>
+            <a:r>
+              <a:rPr lang="pt-PT" dirty="0" smtClean="0"/>
+              <a:t> </a:t>
+            </a:r>
+            <a:r>
+              <a:rPr lang="pt-PT" dirty="0" smtClean="0"/>
+              <a:t>(2/2).</a:t>
+            </a:r>
+            <a:endParaRPr lang="pt-PT" dirty="0"/>
+          </a:p>
+        </p:txBody>
+      </p:sp>
+    </p:spTree>
+  </p:cSld>
+  <p:clrMapOvr>
+    <a:masterClrMapping/>
+  </p:clrMapOvr>
+  <p:timing>
+    <p:tnLst>
+      <p:par>
+        <p:cTn id="1" dur="indefinite" restart="never" nodeType="tmRoot"/>
+      </p:par>
+    </p:tnLst>
+  </p:timing>
+</p:sld>
+</file>
+
+<file path=ppt/slides/slide41.xml><?xml version="1.0" encoding="utf-8"?>
+<p:sld xmlns:a="http://schemas.openxmlformats.org/drawingml/2006/main" xmlns:r="http://schemas.openxmlformats.org/officeDocument/2006/relationships" xmlns:p="http://schemas.openxmlformats.org/presentationml/2006/main">
+  <p:cSld>
+    <p:spTree>
+      <p:nvGrpSpPr>
+        <p:cNvPr id="1" name=""/>
+        <p:cNvGrpSpPr/>
+        <p:nvPr/>
+      </p:nvGrpSpPr>
+      <p:grpSpPr>
+        <a:xfrm>
+          <a:off x="0" y="0"/>
+          <a:ext cx="0" cy="0"/>
+          <a:chOff x="0" y="0"/>
+          <a:chExt cx="0" cy="0"/>
+        </a:xfrm>
+      </p:grpSpPr>
+      <p:sp>
+        <p:nvSpPr>
+          <p:cNvPr id="2" name="Título 1"/>
+          <p:cNvSpPr>
+            <a:spLocks noGrp="1"/>
+          </p:cNvSpPr>
+          <p:nvPr>
+            <p:ph type="title"/>
+          </p:nvPr>
+        </p:nvSpPr>
+        <p:spPr/>
+        <p:txBody>
+          <a:bodyPr/>
+          <a:lstStyle/>
+          <a:p>
+            <a:r>
+              <a:rPr lang="pt-PT" dirty="0" err="1" smtClean="0"/>
+              <a:t>APIs</a:t>
+            </a:r>
+            <a:r>
+              <a:rPr lang="pt-PT" dirty="0" smtClean="0"/>
+              <a:t> mais importantes</a:t>
+            </a:r>
+            <a:endParaRPr lang="pt-PT" dirty="0"/>
+          </a:p>
+        </p:txBody>
+      </p:sp>
+      <p:sp>
+        <p:nvSpPr>
+          <p:cNvPr id="3" name="Marcador de Posição de Conteúdo 2"/>
+          <p:cNvSpPr>
+            <a:spLocks noGrp="1"/>
+          </p:cNvSpPr>
+          <p:nvPr>
+            <p:ph idx="1"/>
+          </p:nvPr>
+        </p:nvSpPr>
+        <p:spPr/>
+        <p:txBody>
+          <a:bodyPr/>
+          <a:lstStyle/>
+          <a:p>
+            <a:r>
+              <a:rPr lang="pt-PT" dirty="0" err="1" smtClean="0"/>
+              <a:t>dart:math</a:t>
+            </a:r>
+            <a:r>
+              <a:rPr lang="pt-PT" dirty="0" smtClean="0"/>
+              <a:t>: Funções matemáticas;</a:t>
+            </a:r>
+          </a:p>
+          <a:p>
+            <a:r>
+              <a:rPr lang="pt-PT" dirty="0" err="1" smtClean="0"/>
+              <a:t>dart:html</a:t>
+            </a:r>
+            <a:r>
+              <a:rPr lang="pt-PT" dirty="0" smtClean="0"/>
+              <a:t>: HTML e DOM. Para o browser;</a:t>
+            </a:r>
+          </a:p>
+          <a:p>
+            <a:r>
+              <a:rPr lang="pt-PT" dirty="0" err="1" smtClean="0"/>
+              <a:t>dart:io</a:t>
+            </a:r>
+            <a:r>
+              <a:rPr lang="pt-PT" dirty="0" smtClean="0"/>
+              <a:t>: </a:t>
+            </a:r>
+            <a:r>
+              <a:rPr lang="pt-PT" dirty="0" err="1" smtClean="0"/>
+              <a:t>HttpServer</a:t>
+            </a:r>
+            <a:r>
+              <a:rPr lang="pt-PT" dirty="0" smtClean="0"/>
+              <a:t>, File, et</a:t>
+            </a:r>
+            <a:r>
+              <a:rPr lang="pt-PT" dirty="0" smtClean="0"/>
+              <a:t>c</a:t>
+            </a:r>
+            <a:r>
+              <a:rPr lang="pt-PT" dirty="0" smtClean="0"/>
+              <a:t>. Para o servidor;</a:t>
+            </a:r>
+          </a:p>
+          <a:p>
+            <a:r>
+              <a:rPr lang="pt-PT" dirty="0" err="1" smtClean="0"/>
+              <a:t>dart:async</a:t>
+            </a:r>
+            <a:r>
+              <a:rPr lang="pt-PT" dirty="0" smtClean="0"/>
+              <a:t>: Future, Timer, </a:t>
+            </a:r>
+            <a:r>
+              <a:rPr lang="pt-PT" dirty="0" err="1" smtClean="0"/>
+              <a:t>Stream</a:t>
+            </a:r>
+            <a:r>
+              <a:rPr lang="pt-PT" dirty="0" smtClean="0"/>
+              <a:t>;</a:t>
+            </a:r>
+          </a:p>
+          <a:p>
+            <a:r>
+              <a:rPr lang="pt-PT" dirty="0" err="1" smtClean="0"/>
+              <a:t>dart:convert</a:t>
+            </a:r>
+            <a:r>
+              <a:rPr lang="pt-PT" dirty="0" smtClean="0"/>
+              <a:t>: </a:t>
+            </a:r>
+            <a:r>
+              <a:rPr lang="pt-PT" dirty="0" err="1" smtClean="0"/>
+              <a:t>Codecs</a:t>
+            </a:r>
+            <a:r>
+              <a:rPr lang="pt-PT" dirty="0" smtClean="0"/>
+              <a:t> (</a:t>
+            </a:r>
+            <a:r>
+              <a:rPr lang="pt-PT" dirty="0" err="1" smtClean="0"/>
+              <a:t>ex</a:t>
+            </a:r>
+            <a:r>
+              <a:rPr lang="pt-PT" dirty="0" smtClean="0"/>
+              <a:t>: JSON);</a:t>
+            </a:r>
+          </a:p>
+          <a:p>
+            <a:r>
+              <a:rPr lang="pt-PT" dirty="0" err="1" smtClean="0"/>
+              <a:t>dart:core</a:t>
+            </a:r>
+            <a:r>
+              <a:rPr lang="pt-PT" dirty="0" smtClean="0"/>
+              <a:t>: Números, </a:t>
+            </a:r>
+            <a:r>
+              <a:rPr lang="pt-PT" dirty="0" err="1" smtClean="0"/>
+              <a:t>Strings</a:t>
+            </a:r>
+            <a:r>
+              <a:rPr lang="pt-PT" dirty="0" smtClean="0"/>
+              <a:t>, etc.</a:t>
+            </a:r>
+          </a:p>
+        </p:txBody>
+      </p:sp>
+    </p:spTree>
+  </p:cSld>
+  <p:clrMapOvr>
+    <a:masterClrMapping/>
+  </p:clrMapOvr>
+  <p:timing>
+    <p:tnLst>
+      <p:par>
+        <p:cTn id="1" dur="indefinite" restart="never" nodeType="tmRoot"/>
+      </p:par>
+    </p:tnLst>
+  </p:timing>
+</p:sld>
+</file>
+
+<file path=ppt/slides/slide42.xml><?xml version="1.0" encoding="utf-8"?>
+<p:sld xmlns:a="http://schemas.openxmlformats.org/drawingml/2006/main" xmlns:r="http://schemas.openxmlformats.org/officeDocument/2006/relationships" xmlns:p="http://schemas.openxmlformats.org/presentationml/2006/main">
+  <p:cSld>
+    <p:spTree>
+      <p:nvGrpSpPr>
+        <p:cNvPr id="1" name=""/>
+        <p:cNvGrpSpPr/>
+        <p:nvPr/>
+      </p:nvGrpSpPr>
+      <p:grpSpPr>
+        <a:xfrm>
+          <a:off x="0" y="0"/>
+          <a:ext cx="0" cy="0"/>
+          <a:chOff x="0" y="0"/>
+          <a:chExt cx="0" cy="0"/>
+        </a:xfrm>
+      </p:grpSpPr>
+      <p:sp>
+        <p:nvSpPr>
+          <p:cNvPr id="4" name="Título 3"/>
+          <p:cNvSpPr>
+            <a:spLocks noGrp="1"/>
+          </p:cNvSpPr>
+          <p:nvPr>
+            <p:ph type="title"/>
+          </p:nvPr>
+        </p:nvSpPr>
+        <p:spPr/>
+        <p:txBody>
+          <a:bodyPr/>
+          <a:lstStyle/>
+          <a:p>
+            <a:r>
+              <a:rPr lang="pt-PT" dirty="0" smtClean="0"/>
+              <a:t>Potencialidades</a:t>
+            </a:r>
+            <a:endParaRPr lang="pt-PT" dirty="0"/>
+          </a:p>
+        </p:txBody>
+      </p:sp>
+      <p:sp>
+        <p:nvSpPr>
+          <p:cNvPr id="5" name="Marcador de Posição de Conteúdo 4"/>
+          <p:cNvSpPr>
+            <a:spLocks noGrp="1"/>
+          </p:cNvSpPr>
+          <p:nvPr>
+            <p:ph idx="1"/>
+          </p:nvPr>
+        </p:nvSpPr>
+        <p:spPr/>
+        <p:txBody>
+          <a:bodyPr/>
+          <a:lstStyle/>
+          <a:p>
+            <a:r>
+              <a:rPr lang="pt-PT" dirty="0" smtClean="0"/>
+              <a:t>Forte API </a:t>
+            </a:r>
+            <a:r>
+              <a:rPr lang="pt-PT" dirty="0" smtClean="0"/>
+              <a:t>base;</a:t>
+            </a:r>
+            <a:endParaRPr lang="pt-PT" dirty="0" smtClean="0"/>
+          </a:p>
+          <a:p>
+            <a:r>
+              <a:rPr lang="pt-PT" dirty="0" smtClean="0"/>
+              <a:t>Excelente documentação das </a:t>
+            </a:r>
+            <a:r>
+              <a:rPr lang="pt-PT" dirty="0" err="1" smtClean="0"/>
+              <a:t>APIs</a:t>
+            </a:r>
+            <a:r>
+              <a:rPr lang="pt-PT" dirty="0" smtClean="0"/>
+              <a:t>;</a:t>
+            </a:r>
+            <a:endParaRPr lang="pt-PT" dirty="0" smtClean="0"/>
+          </a:p>
+          <a:p>
+            <a:r>
+              <a:rPr lang="pt-PT" dirty="0" err="1" smtClean="0"/>
+              <a:t>Learning</a:t>
+            </a:r>
+            <a:r>
+              <a:rPr lang="pt-PT" dirty="0" smtClean="0"/>
+              <a:t> curve inexistente se se sabe </a:t>
+            </a:r>
+            <a:r>
+              <a:rPr lang="pt-PT" dirty="0" smtClean="0"/>
+              <a:t>Java;</a:t>
+            </a:r>
+            <a:endParaRPr lang="pt-PT" dirty="0" smtClean="0"/>
+          </a:p>
+          <a:p>
+            <a:r>
+              <a:rPr lang="pt-PT" dirty="0" smtClean="0"/>
+              <a:t>I/O </a:t>
+            </a:r>
+            <a:r>
+              <a:rPr lang="pt-PT" dirty="0" smtClean="0"/>
+              <a:t>assíncrona;</a:t>
+            </a:r>
+            <a:endParaRPr lang="pt-PT" dirty="0" smtClean="0"/>
+          </a:p>
+          <a:p>
+            <a:r>
+              <a:rPr lang="pt-PT" dirty="0" smtClean="0"/>
+              <a:t>Performance melhor que </a:t>
+            </a:r>
+            <a:r>
+              <a:rPr lang="pt-PT" dirty="0" err="1" smtClean="0"/>
+              <a:t>JavaScript</a:t>
+            </a:r>
+            <a:r>
+              <a:rPr lang="pt-PT" dirty="0" smtClean="0"/>
+              <a:t> (V8</a:t>
+            </a:r>
+            <a:r>
+              <a:rPr lang="pt-PT" dirty="0" smtClean="0"/>
+              <a:t>);</a:t>
+            </a:r>
+            <a:endParaRPr lang="pt-PT" dirty="0" smtClean="0"/>
+          </a:p>
+          <a:p>
+            <a:r>
+              <a:rPr lang="pt-PT" dirty="0" smtClean="0"/>
+              <a:t>Comunidade em </a:t>
+            </a:r>
+            <a:r>
+              <a:rPr lang="pt-PT" dirty="0" smtClean="0"/>
+              <a:t>crescimento.</a:t>
+            </a:r>
+            <a:endParaRPr lang="pt-PT" dirty="0"/>
+          </a:p>
+        </p:txBody>
+      </p:sp>
+    </p:spTree>
+  </p:cSld>
+  <p:clrMapOvr>
+    <a:masterClrMapping/>
+  </p:clrMapOvr>
+  <p:timing>
+    <p:tnLst>
+      <p:par>
+        <p:cTn id="1" dur="indefinite" restart="never" nodeType="tmRoot"/>
+      </p:par>
+    </p:tnLst>
+  </p:timing>
+</p:sld>
+</file>
+
+<file path=ppt/slides/slide43.xml><?xml version="1.0" encoding="utf-8"?>
+<p:sld xmlns:a="http://schemas.openxmlformats.org/drawingml/2006/main" xmlns:r="http://schemas.openxmlformats.org/officeDocument/2006/relationships" xmlns:p="http://schemas.openxmlformats.org/presentationml/2006/main">
+  <p:cSld>
+    <p:spTree>
+      <p:nvGrpSpPr>
+        <p:cNvPr id="1" name=""/>
+        <p:cNvGrpSpPr/>
+        <p:nvPr/>
+      </p:nvGrpSpPr>
+      <p:grpSpPr>
+        <a:xfrm>
+          <a:off x="0" y="0"/>
+          <a:ext cx="0" cy="0"/>
+          <a:chOff x="0" y="0"/>
+          <a:chExt cx="0" cy="0"/>
+        </a:xfrm>
+      </p:grpSpPr>
+      <p:pic>
+        <p:nvPicPr>
+          <p:cNvPr id="6" name="Imagem 5" descr="Untitled-1.png"/>
+          <p:cNvPicPr>
+            <a:picLocks noChangeAspect="1"/>
+          </p:cNvPicPr>
+          <p:nvPr/>
+        </p:nvPicPr>
+        <p:blipFill>
+          <a:blip r:embed="rId3" cstate="print"/>
+          <a:stretch>
+            <a:fillRect/>
+          </a:stretch>
+        </p:blipFill>
+        <p:spPr>
+          <a:xfrm>
+            <a:off x="971600" y="494664"/>
+            <a:ext cx="7200800" cy="4725672"/>
+          </a:xfrm>
+          <a:prstGeom prst="rect">
+            <a:avLst/>
+          </a:prstGeom>
+        </p:spPr>
+      </p:pic>
+    </p:spTree>
+  </p:cSld>
+  <p:clrMapOvr>
+    <a:masterClrMapping/>
+  </p:clrMapOvr>
+  <p:timing>
+    <p:tnLst>
+      <p:par>
+        <p:cTn id="1" dur="indefinite" restart="never" nodeType="tmRoot"/>
+      </p:par>
+    </p:tnLst>
+  </p:timing>
+</p:sld>
+</file>
+
+<file path=ppt/slides/slide44.xml><?xml version="1.0" encoding="utf-8"?>
+<p:sld xmlns:a="http://schemas.openxmlformats.org/drawingml/2006/main" xmlns:r="http://schemas.openxmlformats.org/officeDocument/2006/relationships" xmlns:p="http://schemas.openxmlformats.org/presentationml/2006/main">
+  <p:cSld>
+    <p:spTree>
+      <p:nvGrpSpPr>
+        <p:cNvPr id="1" name=""/>
+        <p:cNvGrpSpPr/>
+        <p:nvPr/>
+      </p:nvGrpSpPr>
+      <p:grpSpPr>
+        <a:xfrm>
+          <a:off x="0" y="0"/>
+          <a:ext cx="0" cy="0"/>
+          <a:chOff x="0" y="0"/>
+          <a:chExt cx="0" cy="0"/>
+        </a:xfrm>
+      </p:grpSpPr>
+      <p:sp>
+        <p:nvSpPr>
+          <p:cNvPr id="2" name="Título 1"/>
+          <p:cNvSpPr>
+            <a:spLocks noGrp="1"/>
+          </p:cNvSpPr>
+          <p:nvPr>
+            <p:ph type="title"/>
+          </p:nvPr>
+        </p:nvSpPr>
+        <p:spPr/>
+        <p:txBody>
+          <a:bodyPr/>
+          <a:lstStyle/>
+          <a:p>
+            <a:r>
+              <a:rPr lang="pt-PT" dirty="0" smtClean="0"/>
+              <a:t>Limitações</a:t>
+            </a:r>
+            <a:endParaRPr lang="pt-PT" dirty="0"/>
+          </a:p>
+        </p:txBody>
+      </p:sp>
+      <p:sp>
+        <p:nvSpPr>
+          <p:cNvPr id="3" name="Marcador de Posição de Conteúdo 2"/>
+          <p:cNvSpPr>
+            <a:spLocks noGrp="1"/>
+          </p:cNvSpPr>
+          <p:nvPr>
+            <p:ph idx="1"/>
+          </p:nvPr>
+        </p:nvSpPr>
+        <p:spPr/>
+        <p:txBody>
+          <a:bodyPr/>
+          <a:lstStyle/>
+          <a:p>
+            <a:r>
+              <a:rPr lang="pt-PT" dirty="0" smtClean="0"/>
+              <a:t>Linguagem relativamente </a:t>
+            </a:r>
+            <a:r>
+              <a:rPr lang="pt-PT" dirty="0" smtClean="0"/>
+              <a:t>recente;</a:t>
+            </a:r>
+            <a:endParaRPr lang="pt-PT" dirty="0" smtClean="0"/>
+          </a:p>
+          <a:p>
+            <a:r>
+              <a:rPr lang="pt-PT" dirty="0" smtClean="0"/>
+              <a:t>Poucas </a:t>
+            </a:r>
+            <a:r>
+              <a:rPr lang="pt-PT" dirty="0" err="1" smtClean="0"/>
+              <a:t>frameworks</a:t>
+            </a:r>
+            <a:r>
+              <a:rPr lang="pt-PT" dirty="0" smtClean="0"/>
+              <a:t>/bibliotecas:</a:t>
+            </a:r>
+            <a:endParaRPr lang="pt-PT" dirty="0" smtClean="0"/>
+          </a:p>
+          <a:p>
+            <a:pPr lvl="1"/>
+            <a:r>
+              <a:rPr lang="pt-PT" dirty="0" smtClean="0"/>
+              <a:t>Conector </a:t>
+            </a:r>
+            <a:r>
+              <a:rPr lang="pt-PT" dirty="0" err="1" smtClean="0"/>
+              <a:t>MySQL</a:t>
+            </a:r>
+            <a:r>
+              <a:rPr lang="pt-PT" dirty="0" smtClean="0"/>
+              <a:t> ainda em desenvolvimento (API é estável</a:t>
+            </a:r>
+            <a:r>
+              <a:rPr lang="pt-PT" dirty="0" smtClean="0"/>
+              <a:t>);</a:t>
+            </a:r>
+            <a:endParaRPr lang="pt-PT" dirty="0" smtClean="0"/>
+          </a:p>
+          <a:p>
+            <a:pPr lvl="1"/>
+            <a:r>
+              <a:rPr lang="pt-PT" dirty="0" smtClean="0"/>
+              <a:t>Poderá implicar mais trabalho da nossa </a:t>
+            </a:r>
+            <a:r>
+              <a:rPr lang="pt-PT" dirty="0" smtClean="0"/>
+              <a:t>parte.</a:t>
+            </a:r>
+            <a:endParaRPr lang="pt-PT" dirty="0" smtClean="0"/>
+          </a:p>
+          <a:p>
+            <a:endParaRPr lang="pt-PT" dirty="0" smtClean="0"/>
+          </a:p>
+        </p:txBody>
+      </p:sp>
+    </p:spTree>
+  </p:cSld>
+  <p:clrMapOvr>
+    <a:masterClrMapping/>
+  </p:clrMapOvr>
+  <p:timing>
+    <p:tnLst>
+      <p:par>
+        <p:cTn id="1" dur="indefinite" restart="never" nodeType="tmRoot">
+          <p:childTnLst>
+            <p:seq concurrent="1" nextAc="seek">
+              <p:cTn id="2" dur="indefinite" nodeType="mainSeq">
+                <p:childTnLst>
+                  <p:par>
+                    <p:cTn id="3" fill="hold">
+                      <p:stCondLst>
+                        <p:cond delay="indefinite"/>
+                      </p:stCondLst>
+                      <p:childTnLst>
+                        <p:par>
+                          <p:cTn id="4" fill="hold">
+                            <p:stCondLst>
+                              <p:cond delay="0"/>
+                            </p:stCondLst>
+                            <p:childTnLst>
+                              <p:par>
+                                <p:cTn id="5" presetID="1" presetClass="entr" presetSubtype="0" fill="hold" grpId="0" nodeType="clickEffect">
+                                  <p:stCondLst>
+                                    <p:cond delay="0"/>
+                                  </p:stCondLst>
+                                  <p:childTnLst>
+                                    <p:set>
+                                      <p:cBhvr>
+                                        <p:cTn id="6" dur="1" fill="hold">
+                                          <p:stCondLst>
+                                            <p:cond delay="0"/>
+                                          </p:stCondLst>
+                                        </p:cTn>
+                                        <p:tgtEl>
+                                          <p:spTgt spid="3">
+                                            <p:txEl>
+                                              <p:pRg st="0" end="0"/>
+                                            </p:txEl>
+                                          </p:spTgt>
+                                        </p:tgtEl>
+                                        <p:attrNameLst>
+                                          <p:attrName>style.visibility</p:attrName>
+                                        </p:attrNameLst>
+                                      </p:cBhvr>
+                                      <p:to>
+                                        <p:strVal val="visible"/>
+                                      </p:to>
+                                    </p:set>
+                                  </p:childTnLst>
+                                </p:cTn>
+                              </p:par>
+                            </p:childTnLst>
+                          </p:cTn>
+                        </p:par>
+                      </p:childTnLst>
+                    </p:cTn>
+                  </p:par>
+                  <p:par>
+                    <p:cTn id="7" fill="hold">
+                      <p:stCondLst>
+                        <p:cond delay="indefinite"/>
+                      </p:stCondLst>
+                      <p:childTnLst>
+                        <p:par>
+                          <p:cTn id="8" fill="hold">
+                            <p:stCondLst>
+                              <p:cond delay="0"/>
+                            </p:stCondLst>
+                            <p:childTnLst>
+                              <p:par>
+                                <p:cTn id="9" presetID="1" presetClass="entr" presetSubtype="0" fill="hold" grpId="0" nodeType="clickEffect">
+                                  <p:stCondLst>
+                                    <p:cond delay="0"/>
+                                  </p:stCondLst>
+                                  <p:childTnLst>
+                                    <p:set>
+                                      <p:cBhvr>
+                                        <p:cTn id="10" dur="1" fill="hold">
+                                          <p:stCondLst>
+                                            <p:cond delay="0"/>
+                                          </p:stCondLst>
+                                        </p:cTn>
+                                        <p:tgtEl>
+                                          <p:spTgt spid="3">
+                                            <p:txEl>
+                                              <p:pRg st="1" end="1"/>
+                                            </p:txEl>
+                                          </p:spTgt>
+                                        </p:tgtEl>
+                                        <p:attrNameLst>
+                                          <p:attrName>style.visibility</p:attrName>
+                                        </p:attrNameLst>
+                                      </p:cBhvr>
+                                      <p:to>
+                                        <p:strVal val="visible"/>
+                                      </p:to>
+                                    </p:set>
+                                  </p:childTnLst>
+                                </p:cTn>
+                              </p:par>
+                            </p:childTnLst>
+                          </p:cTn>
+                        </p:par>
+                      </p:childTnLst>
+                    </p:cTn>
+                  </p:par>
+                  <p:par>
+                    <p:cTn id="11" fill="hold">
+                      <p:stCondLst>
+                        <p:cond delay="indefinite"/>
+                      </p:stCondLst>
+                      <p:childTnLst>
+                        <p:par>
+                          <p:cTn id="12" fill="hold">
+                            <p:stCondLst>
+                              <p:cond delay="0"/>
+                            </p:stCondLst>
+                            <p:childTnLst>
+                              <p:par>
+                                <p:cTn id="13" presetID="1" presetClass="entr" presetSubtype="0" fill="hold" grpId="0" nodeType="clickEffect">
+                                  <p:stCondLst>
+                                    <p:cond delay="0"/>
+                                  </p:stCondLst>
+                                  <p:childTnLst>
+                                    <p:set>
+                                      <p:cBhvr>
+                                        <p:cTn id="14" dur="1" fill="hold">
+                                          <p:stCondLst>
+                                            <p:cond delay="0"/>
+                                          </p:stCondLst>
+                                        </p:cTn>
+                                        <p:tgtEl>
+                                          <p:spTgt spid="3">
+                                            <p:txEl>
+                                              <p:pRg st="2" end="2"/>
+                                            </p:txEl>
+                                          </p:spTgt>
+                                        </p:tgtEl>
+                                        <p:attrNameLst>
+                                          <p:attrName>style.visibility</p:attrName>
+                                        </p:attrNameLst>
+                                      </p:cBhvr>
+                                      <p:to>
+                                        <p:strVal val="visible"/>
+                                      </p:to>
+                                    </p:set>
+                                  </p:childTnLst>
+                                </p:cTn>
+                              </p:par>
+                            </p:childTnLst>
+                          </p:cTn>
+                        </p:par>
+                      </p:childTnLst>
+                    </p:cTn>
+                  </p:par>
+                  <p:par>
+                    <p:cTn id="15" fill="hold">
+                      <p:stCondLst>
+                        <p:cond delay="indefinite"/>
+                      </p:stCondLst>
+                      <p:childTnLst>
+                        <p:par>
+                          <p:cTn id="16" fill="hold">
+                            <p:stCondLst>
+                              <p:cond delay="0"/>
+                            </p:stCondLst>
+                            <p:childTnLst>
+                              <p:par>
+                                <p:cTn id="17" presetID="1" presetClass="entr" presetSubtype="0" fill="hold" grpId="0" nodeType="clickEffect">
+                                  <p:stCondLst>
+                                    <p:cond delay="0"/>
+                                  </p:stCondLst>
+                                  <p:childTnLst>
+                                    <p:set>
+                                      <p:cBhvr>
+                                        <p:cTn id="18" dur="1" fill="hold">
+                                          <p:stCondLst>
+                                            <p:cond delay="0"/>
+                                          </p:stCondLst>
+                                        </p:cTn>
+                                        <p:tgtEl>
+                                          <p:spTgt spid="3">
+                                            <p:txEl>
+                                              <p:pRg st="3" end="3"/>
+                                            </p:txEl>
+                                          </p:spTgt>
+                                        </p:tgtEl>
+                                        <p:attrNameLst>
+                                          <p:attrName>style.visibility</p:attrName>
+                                        </p:attrNameLst>
+                                      </p:cBhvr>
+                                      <p:to>
+                                        <p:strVal val="visible"/>
+                                      </p:to>
+                                    </p:set>
+                                  </p:childTnLst>
+                                </p:cTn>
+                              </p:par>
+                            </p:childTnLst>
+                          </p:cTn>
+                        </p:par>
+                      </p:childTnLst>
+                    </p:cTn>
+                  </p:par>
+                </p:childTnLst>
+              </p:cTn>
+              <p:prevCondLst>
+                <p:cond evt="onPrev" delay="0">
+                  <p:tgtEl>
+                    <p:sldTgt/>
+                  </p:tgtEl>
+                </p:cond>
+              </p:prevCondLst>
+              <p:nextCondLst>
+                <p:cond evt="onNext" delay="0">
+                  <p:tgtEl>
+                    <p:sldTgt/>
+                  </p:tgtEl>
+                </p:cond>
+              </p:nextCondLst>
+            </p:seq>
+          </p:childTnLst>
+        </p:cTn>
+      </p:par>
+    </p:tnLst>
+    <p:bldLst>
+      <p:bldP spid="3" grpId="0" uiExpand="1" build="p"/>
+    </p:bldLst>
+  </p:timing>
+</p:sld>
+</file>
+
+<file path=ppt/slides/slide45.xml><?xml version="1.0" encoding="utf-8"?>
+<p:sld xmlns:a="http://schemas.openxmlformats.org/drawingml/2006/main" xmlns:r="http://schemas.openxmlformats.org/officeDocument/2006/relationships" xmlns:p="http://schemas.openxmlformats.org/presentationml/2006/main">
+  <p:cSld>
+    <p:spTree>
+      <p:nvGrpSpPr>
+        <p:cNvPr id="1" name=""/>
+        <p:cNvGrpSpPr/>
+        <p:nvPr/>
+      </p:nvGrpSpPr>
+      <p:grpSpPr>
+        <a:xfrm>
+          <a:off x="0" y="0"/>
+          <a:ext cx="0" cy="0"/>
+          <a:chOff x="0" y="0"/>
+          <a:chExt cx="0" cy="0"/>
+        </a:xfrm>
+      </p:grpSpPr>
+      <p:sp>
+        <p:nvSpPr>
+          <p:cNvPr id="2" name="Título 1"/>
+          <p:cNvSpPr>
+            <a:spLocks noGrp="1"/>
+          </p:cNvSpPr>
+          <p:nvPr>
+            <p:ph type="ctrTitle"/>
+          </p:nvPr>
+        </p:nvSpPr>
+        <p:spPr>
+          <a:xfrm>
+            <a:off x="685800" y="2244990"/>
+            <a:ext cx="7772400" cy="1225021"/>
+          </a:xfrm>
+        </p:spPr>
+        <p:txBody>
+          <a:bodyPr/>
+          <a:lstStyle/>
+          <a:p>
+            <a:r>
+              <a:rPr lang="pt-PT" dirty="0" smtClean="0"/>
+              <a:t>Live demo</a:t>
+            </a:r>
+            <a:endParaRPr lang="pt-PT" dirty="0"/>
+          </a:p>
+        </p:txBody>
+      </p:sp>
+    </p:spTree>
+  </p:cSld>
+  <p:clrMapOvr>
+    <a:masterClrMapping/>
+  </p:clrMapOvr>
+  <p:timing>
+    <p:tnLst>
+      <p:par>
+        <p:cTn id="1" dur="indefinite" restart="never" nodeType="tmRoot"/>
+      </p:par>
+    </p:tnLst>
+  </p:timing>
+</p:sld>
+</file>
+
+<file path=ppt/slides/slide46.xml><?xml version="1.0" encoding="utf-8"?>
+<p:sld xmlns:a="http://schemas.openxmlformats.org/drawingml/2006/main" xmlns:r="http://schemas.openxmlformats.org/officeDocument/2006/relationships" xmlns:p="http://schemas.openxmlformats.org/presentationml/2006/main">
+  <p:cSld>
+    <p:spTree>
+      <p:nvGrpSpPr>
+        <p:cNvPr id="1" name=""/>
+        <p:cNvGrpSpPr/>
+        <p:nvPr/>
+      </p:nvGrpSpPr>
+      <p:grpSpPr>
+        <a:xfrm>
+          <a:off x="0" y="0"/>
+          <a:ext cx="0" cy="0"/>
+          <a:chOff x="0" y="0"/>
+          <a:chExt cx="0" cy="0"/>
+        </a:xfrm>
+      </p:grpSpPr>
+      <p:sp>
+        <p:nvSpPr>
           <p:cNvPr id="2" name="Título 1"/>
           <p:cNvSpPr>
             <a:spLocks noGrp="1"/>
@@ -22285,8 +27358,13 @@
             </a:r>
             <a:r>
               <a:rPr lang="pt-PT" dirty="0" smtClean="0"/>
-              <a:t> do Windows são pagas)</a:t>
-            </a:r>
+              <a:t> do Windows são pagas</a:t>
+            </a:r>
+            <a:r>
+              <a:rPr lang="pt-PT" dirty="0" smtClean="0"/>
+              <a:t>);</a:t>
+            </a:r>
+            <a:endParaRPr lang="pt-PT" dirty="0" smtClean="0"/>
           </a:p>
           <a:p>
             <a:pPr lvl="1"/>
@@ -22296,8 +27374,13 @@
             </a:r>
             <a:r>
               <a:rPr lang="pt-PT" dirty="0" smtClean="0"/>
-              <a:t> (Só uma pessoa conhece, e pouco)</a:t>
-            </a:r>
+              <a:t> (Só uma pessoa conhece, e pouco</a:t>
+            </a:r>
+            <a:r>
+              <a:rPr lang="pt-PT" dirty="0" smtClean="0"/>
+              <a:t>);</a:t>
+            </a:r>
+            <a:endParaRPr lang="pt-PT" dirty="0" smtClean="0"/>
           </a:p>
           <a:p>
             <a:pPr lvl="1"/>
@@ -22311,8 +27394,13 @@
             </a:r>
             <a:r>
               <a:rPr lang="pt-PT" dirty="0" smtClean="0"/>
-              <a:t> (Só servem ficheiros estáticos)</a:t>
-            </a:r>
+              <a:t> (Só servem ficheiros estáticos</a:t>
+            </a:r>
+            <a:r>
+              <a:rPr lang="pt-PT" dirty="0" smtClean="0"/>
+              <a:t>);</a:t>
+            </a:r>
+            <a:endParaRPr lang="pt-PT" dirty="0" smtClean="0"/>
           </a:p>
           <a:p>
             <a:pPr lvl="1"/>
@@ -22330,11 +27418,7 @@
             </a:r>
             <a:r>
               <a:rPr lang="pt-PT" dirty="0" smtClean="0"/>
-              <a:t> curve, </a:t>
-            </a:r>
-            <a:r>
-              <a:rPr lang="pt-PT" dirty="0" smtClean="0"/>
-              <a:t>com </a:t>
+              <a:t> curve, com </a:t>
             </a:r>
             <a:r>
               <a:rPr lang="pt-PT" dirty="0" err="1" smtClean="0"/>
@@ -22342,8 +27426,9 @@
             </a:r>
             <a:r>
               <a:rPr lang="pt-PT" dirty="0" smtClean="0"/>
-              <a:t>)</a:t>
-            </a:r>
+              <a:t>);</a:t>
+            </a:r>
+            <a:endParaRPr lang="pt-PT" dirty="0" smtClean="0"/>
           </a:p>
           <a:p>
             <a:pPr lvl="1"/>
@@ -22357,15 +27442,21 @@
             </a:r>
             <a:r>
               <a:rPr lang="pt-PT" dirty="0" smtClean="0"/>
-              <a:t>!)</a:t>
-            </a:r>
+              <a:t>!);</a:t>
+            </a:r>
+            <a:endParaRPr lang="pt-PT" dirty="0" smtClean="0"/>
           </a:p>
           <a:p>
             <a:pPr lvl="1"/>
             <a:r>
               <a:rPr lang="pt-PT" dirty="0" smtClean="0"/>
-              <a:t>Outra que vamos falar à frente</a:t>
-            </a:r>
+              <a:t>Outra que vamos falar à </a:t>
+            </a:r>
+            <a:r>
+              <a:rPr lang="pt-PT" dirty="0" smtClean="0"/>
+              <a:t>frente.</a:t>
+            </a:r>
+            <a:endParaRPr lang="pt-PT" dirty="0" smtClean="0"/>
           </a:p>
         </p:txBody>
       </p:sp>
@@ -23007,8 +28098,13 @@
             </a:r>
             <a:r>
               <a:rPr lang="pt-PT" dirty="0" smtClean="0"/>
-              <a:t> do Windows outra vez)</a:t>
-            </a:r>
+              <a:t> do Windows outra vez</a:t>
+            </a:r>
+            <a:r>
+              <a:rPr lang="pt-PT" dirty="0" smtClean="0"/>
+              <a:t>);</a:t>
+            </a:r>
+            <a:endParaRPr lang="pt-PT" dirty="0" smtClean="0"/>
           </a:p>
           <a:p>
             <a:pPr lvl="1"/>
@@ -23018,19 +28114,7 @@
             </a:r>
             <a:r>
               <a:rPr lang="pt-PT" dirty="0" smtClean="0"/>
-              <a:t> e </a:t>
-            </a:r>
-            <a:r>
-              <a:rPr lang="pt-PT" dirty="0" smtClean="0"/>
-              <a:t>s</a:t>
-            </a:r>
-            <a:r>
-              <a:rPr lang="pt-PT" dirty="0" smtClean="0"/>
-              <a:t>emelhantes </a:t>
-            </a:r>
-            <a:r>
-              <a:rPr lang="pt-PT" dirty="0" smtClean="0"/>
-              <a:t>(</a:t>
+              <a:t> e semelhantes (</a:t>
             </a:r>
             <a:r>
               <a:rPr lang="pt-PT" dirty="0" err="1" smtClean="0"/>
@@ -23038,8 +28122,13 @@
             </a:r>
             <a:r>
               <a:rPr lang="pt-PT" dirty="0" smtClean="0"/>
-              <a:t> → No ACID)</a:t>
-            </a:r>
+              <a:t> → No ACID</a:t>
+            </a:r>
+            <a:r>
+              <a:rPr lang="pt-PT" dirty="0" smtClean="0"/>
+              <a:t>);</a:t>
+            </a:r>
+            <a:endParaRPr lang="pt-PT" dirty="0" smtClean="0"/>
           </a:p>
           <a:p>
             <a:pPr lvl="1"/>
@@ -23061,8 +28150,13 @@
             </a:r>
             <a:r>
               <a:rPr lang="pt-PT" dirty="0" smtClean="0"/>
-              <a:t> to continue?)</a:t>
-            </a:r>
+              <a:t> to continue</a:t>
+            </a:r>
+            <a:r>
+              <a:rPr lang="pt-PT" dirty="0" smtClean="0"/>
+              <a:t>?);</a:t>
+            </a:r>
+            <a:endParaRPr lang="pt-PT" dirty="0" smtClean="0"/>
           </a:p>
           <a:p>
             <a:pPr lvl="1"/>
@@ -23072,8 +28166,13 @@
             </a:r>
             <a:r>
               <a:rPr lang="pt-PT" dirty="0" smtClean="0"/>
-              <a:t> (Pouco conhecido)</a:t>
-            </a:r>
+              <a:t> (Pouco conhecido</a:t>
+            </a:r>
+            <a:r>
+              <a:rPr lang="pt-PT" dirty="0" smtClean="0"/>
+              <a:t>);</a:t>
+            </a:r>
+            <a:endParaRPr lang="pt-PT" dirty="0" smtClean="0"/>
           </a:p>
           <a:p>
             <a:pPr lvl="1"/>
@@ -23083,7 +28182,11 @@
             </a:r>
             <a:r>
               <a:rPr lang="pt-PT" dirty="0" smtClean="0"/>
-              <a:t> (Simples, conhecido, boa documentação)</a:t>
+              <a:t> (Simples, conhecido, boa documentação</a:t>
+            </a:r>
+            <a:r>
+              <a:rPr lang="pt-PT" dirty="0" smtClean="0"/>
+              <a:t>);</a:t>
             </a:r>
             <a:endParaRPr lang="pt-PT" dirty="0"/>
           </a:p>
@@ -23702,8 +28805,13 @@
             <a:pPr lvl="1"/>
             <a:r>
               <a:rPr lang="pt-PT" dirty="0" smtClean="0"/>
-              <a:t>HTTP (Testado, comum, trabalha sobre TCP, pode-se usar SSL para encriptação)</a:t>
-            </a:r>
+              <a:t>HTTP (Testado, comum, trabalha sobre TCP, pode-se usar SSL para encriptação</a:t>
+            </a:r>
+            <a:r>
+              <a:rPr lang="pt-PT" dirty="0" smtClean="0"/>
+              <a:t>).</a:t>
+            </a:r>
+            <a:endParaRPr lang="pt-PT" dirty="0" smtClean="0"/>
           </a:p>
           <a:p>
             <a:r>
@@ -23715,15 +28823,25 @@
             <a:pPr lvl="1"/>
             <a:r>
               <a:rPr lang="pt-PT" dirty="0" smtClean="0"/>
-              <a:t>XML (Pesado, difícil tratamento)</a:t>
-            </a:r>
+              <a:t>XML (Pesado, difícil tratamento</a:t>
+            </a:r>
+            <a:r>
+              <a:rPr lang="pt-PT" dirty="0" smtClean="0"/>
+              <a:t>);</a:t>
+            </a:r>
+            <a:endParaRPr lang="pt-PT" dirty="0" smtClean="0"/>
           </a:p>
           <a:p>
             <a:pPr lvl="1"/>
             <a:r>
               <a:rPr lang="pt-PT" dirty="0" smtClean="0"/>
-              <a:t>JSON (Leve, fácil tratamento por linguagens modernas)</a:t>
-            </a:r>
+              <a:t>JSON (Leve, fácil tratamento por linguagens modernas</a:t>
+            </a:r>
+            <a:r>
+              <a:rPr lang="pt-PT" dirty="0" smtClean="0"/>
+              <a:t>).</a:t>
+            </a:r>
+            <a:endParaRPr lang="pt-PT" dirty="0" smtClean="0"/>
           </a:p>
         </p:txBody>
       </p:sp>
